--- a/pictures/pictures.pptx
+++ b/pictures/pictures.pptx
@@ -8,6 +8,7 @@
     <p:sldId id="256" r:id="rId2"/>
     <p:sldId id="257" r:id="rId3"/>
     <p:sldId id="258" r:id="rId4"/>
+    <p:sldId id="259" r:id="rId5"/>
   </p:sldIdLst>
   <p:sldSz cx="12192000" cy="6858000"/>
   <p:notesSz cx="6858000" cy="9144000"/>
@@ -274,7 +275,7 @@
           <a:p>
             <a:fld id="{5F488C4A-E758-4ECA-AE2F-E55A80CB037F}" type="datetimeFigureOut">
               <a:rPr lang="en-NL" smtClean="0"/>
-              <a:t>23/04/2023</a:t>
+              <a:t>24/04/2023</a:t>
             </a:fld>
             <a:endParaRPr lang="en-NL"/>
           </a:p>
@@ -474,7 +475,7 @@
           <a:p>
             <a:fld id="{5F488C4A-E758-4ECA-AE2F-E55A80CB037F}" type="datetimeFigureOut">
               <a:rPr lang="en-NL" smtClean="0"/>
-              <a:t>23/04/2023</a:t>
+              <a:t>24/04/2023</a:t>
             </a:fld>
             <a:endParaRPr lang="en-NL"/>
           </a:p>
@@ -684,7 +685,7 @@
           <a:p>
             <a:fld id="{5F488C4A-E758-4ECA-AE2F-E55A80CB037F}" type="datetimeFigureOut">
               <a:rPr lang="en-NL" smtClean="0"/>
-              <a:t>23/04/2023</a:t>
+              <a:t>24/04/2023</a:t>
             </a:fld>
             <a:endParaRPr lang="en-NL"/>
           </a:p>
@@ -884,7 +885,7 @@
           <a:p>
             <a:fld id="{5F488C4A-E758-4ECA-AE2F-E55A80CB037F}" type="datetimeFigureOut">
               <a:rPr lang="en-NL" smtClean="0"/>
-              <a:t>23/04/2023</a:t>
+              <a:t>24/04/2023</a:t>
             </a:fld>
             <a:endParaRPr lang="en-NL"/>
           </a:p>
@@ -1160,7 +1161,7 @@
           <a:p>
             <a:fld id="{5F488C4A-E758-4ECA-AE2F-E55A80CB037F}" type="datetimeFigureOut">
               <a:rPr lang="en-NL" smtClean="0"/>
-              <a:t>23/04/2023</a:t>
+              <a:t>24/04/2023</a:t>
             </a:fld>
             <a:endParaRPr lang="en-NL"/>
           </a:p>
@@ -1428,7 +1429,7 @@
           <a:p>
             <a:fld id="{5F488C4A-E758-4ECA-AE2F-E55A80CB037F}" type="datetimeFigureOut">
               <a:rPr lang="en-NL" smtClean="0"/>
-              <a:t>23/04/2023</a:t>
+              <a:t>24/04/2023</a:t>
             </a:fld>
             <a:endParaRPr lang="en-NL"/>
           </a:p>
@@ -1843,7 +1844,7 @@
           <a:p>
             <a:fld id="{5F488C4A-E758-4ECA-AE2F-E55A80CB037F}" type="datetimeFigureOut">
               <a:rPr lang="en-NL" smtClean="0"/>
-              <a:t>23/04/2023</a:t>
+              <a:t>24/04/2023</a:t>
             </a:fld>
             <a:endParaRPr lang="en-NL"/>
           </a:p>
@@ -1985,7 +1986,7 @@
           <a:p>
             <a:fld id="{5F488C4A-E758-4ECA-AE2F-E55A80CB037F}" type="datetimeFigureOut">
               <a:rPr lang="en-NL" smtClean="0"/>
-              <a:t>23/04/2023</a:t>
+              <a:t>24/04/2023</a:t>
             </a:fld>
             <a:endParaRPr lang="en-NL"/>
           </a:p>
@@ -2098,7 +2099,7 @@
           <a:p>
             <a:fld id="{5F488C4A-E758-4ECA-AE2F-E55A80CB037F}" type="datetimeFigureOut">
               <a:rPr lang="en-NL" smtClean="0"/>
-              <a:t>23/04/2023</a:t>
+              <a:t>24/04/2023</a:t>
             </a:fld>
             <a:endParaRPr lang="en-NL"/>
           </a:p>
@@ -2411,7 +2412,7 @@
           <a:p>
             <a:fld id="{5F488C4A-E758-4ECA-AE2F-E55A80CB037F}" type="datetimeFigureOut">
               <a:rPr lang="en-NL" smtClean="0"/>
-              <a:t>23/04/2023</a:t>
+              <a:t>24/04/2023</a:t>
             </a:fld>
             <a:endParaRPr lang="en-NL"/>
           </a:p>
@@ -2700,7 +2701,7 @@
           <a:p>
             <a:fld id="{5F488C4A-E758-4ECA-AE2F-E55A80CB037F}" type="datetimeFigureOut">
               <a:rPr lang="en-NL" smtClean="0"/>
-              <a:t>23/04/2023</a:t>
+              <a:t>24/04/2023</a:t>
             </a:fld>
             <a:endParaRPr lang="en-NL"/>
           </a:p>
@@ -2943,7 +2944,7 @@
           <a:p>
             <a:fld id="{5F488C4A-E758-4ECA-AE2F-E55A80CB037F}" type="datetimeFigureOut">
               <a:rPr lang="en-NL" smtClean="0"/>
-              <a:t>23/04/2023</a:t>
+              <a:t>24/04/2023</a:t>
             </a:fld>
             <a:endParaRPr lang="en-NL"/>
           </a:p>
@@ -3374,7 +3375,7 @@
         </p:nvGrpSpPr>
         <p:grpSpPr>
           <a:xfrm>
-            <a:off x="3174379" y="1350615"/>
+            <a:off x="1312125" y="815357"/>
             <a:ext cx="4547599" cy="2238218"/>
             <a:chOff x="3174379" y="1350615"/>
             <a:chExt cx="4547599" cy="2238218"/>
@@ -4421,6 +4422,120 @@
           </p:style>
         </p:cxnSp>
       </p:grpSp>
+      <mc:AlternateContent xmlns:mc="http://schemas.openxmlformats.org/markup-compatibility/2006">
+        <mc:Choice xmlns:a14="http://schemas.microsoft.com/office/drawing/2010/main" Requires="a14">
+          <p:sp>
+            <p:nvSpPr>
+              <p:cNvPr id="3" name="TextBox 2">
+                <a:extLst>
+                  <a:ext uri="{FF2B5EF4-FFF2-40B4-BE49-F238E27FC236}">
+                    <a16:creationId xmlns:a16="http://schemas.microsoft.com/office/drawing/2014/main" id="{F82C42B8-915E-F2E4-FA1A-724AFCAD5DDD}"/>
+                  </a:ext>
+                </a:extLst>
+              </p:cNvPr>
+              <p:cNvSpPr txBox="1"/>
+              <p:nvPr/>
+            </p:nvSpPr>
+            <p:spPr>
+              <a:xfrm>
+                <a:off x="6540500" y="1171731"/>
+                <a:ext cx="276101" cy="276999"/>
+              </a:xfrm>
+              <a:prstGeom prst="rect">
+                <a:avLst/>
+              </a:prstGeom>
+              <a:noFill/>
+            </p:spPr>
+            <p:txBody>
+              <a:bodyPr wrap="none" lIns="0" tIns="0" rIns="0" bIns="0" rtlCol="0">
+                <a:spAutoFit/>
+              </a:bodyPr>
+              <a:lstStyle/>
+              <a:p>
+                <a14:m>
+                  <m:oMathPara xmlns:m="http://schemas.openxmlformats.org/officeDocument/2006/math">
+                    <m:oMathParaPr>
+                      <m:jc m:val="centerGroup"/>
+                    </m:oMathParaPr>
+                    <m:oMath xmlns:m="http://schemas.openxmlformats.org/officeDocument/2006/math">
+                      <m:sSub>
+                        <m:sSubPr>
+                          <m:ctrlPr>
+                            <a:rPr lang="en-US" b="0" i="1" smtClean="0">
+                              <a:latin typeface="Cambria Math" panose="02040503050406030204" pitchFamily="18" charset="0"/>
+                            </a:rPr>
+                          </m:ctrlPr>
+                        </m:sSubPr>
+                        <m:e>
+                          <m:r>
+                            <a:rPr lang="en-US" b="0" i="1" smtClean="0">
+                              <a:latin typeface="Cambria Math" panose="02040503050406030204" pitchFamily="18" charset="0"/>
+                            </a:rPr>
+                            <m:t>𝑥</m:t>
+                          </m:r>
+                        </m:e>
+                        <m:sub>
+                          <m:r>
+                            <a:rPr lang="en-US" b="0" i="1" smtClean="0">
+                              <a:latin typeface="Cambria Math" panose="02040503050406030204" pitchFamily="18" charset="0"/>
+                            </a:rPr>
+                            <m:t>1</m:t>
+                          </m:r>
+                        </m:sub>
+                      </m:sSub>
+                    </m:oMath>
+                  </m:oMathPara>
+                </a14:m>
+                <a:endParaRPr lang="en-US" dirty="0"/>
+              </a:p>
+            </p:txBody>
+          </p:sp>
+        </mc:Choice>
+        <mc:Fallback>
+          <p:sp>
+            <p:nvSpPr>
+              <p:cNvPr id="3" name="TextBox 2">
+                <a:extLst>
+                  <a:ext uri="{FF2B5EF4-FFF2-40B4-BE49-F238E27FC236}">
+                    <a16:creationId xmlns:a16="http://schemas.microsoft.com/office/drawing/2014/main" id="{F82C42B8-915E-F2E4-FA1A-724AFCAD5DDD}"/>
+                  </a:ext>
+                </a:extLst>
+              </p:cNvPr>
+              <p:cNvSpPr txBox="1">
+                <a:spLocks noRot="1" noChangeAspect="1" noMove="1" noResize="1" noEditPoints="1" noAdjustHandles="1" noChangeArrowheads="1" noChangeShapeType="1" noTextEdit="1"/>
+              </p:cNvSpPr>
+              <p:nvPr/>
+            </p:nvSpPr>
+            <p:spPr>
+              <a:xfrm>
+                <a:off x="6540500" y="1171731"/>
+                <a:ext cx="276101" cy="276999"/>
+              </a:xfrm>
+              <a:prstGeom prst="rect">
+                <a:avLst/>
+              </a:prstGeom>
+              <a:blipFill>
+                <a:blip r:embed="rId2"/>
+                <a:stretch>
+                  <a:fillRect l="-13333" r="-6667" b="-15217"/>
+                </a:stretch>
+              </a:blipFill>
+            </p:spPr>
+            <p:txBody>
+              <a:bodyPr/>
+              <a:lstStyle/>
+              <a:p>
+                <a:r>
+                  <a:rPr lang="en-NL">
+                    <a:noFill/>
+                  </a:rPr>
+                  <a:t> </a:t>
+                </a:r>
+              </a:p>
+            </p:txBody>
+          </p:sp>
+        </mc:Fallback>
+      </mc:AlternateContent>
     </p:spTree>
     <p:extLst>
       <p:ext uri="{BB962C8B-B14F-4D97-AF65-F5344CB8AC3E}">
@@ -6237,7 +6352,7 @@
                     <a:schemeClr val="tx1"/>
                   </a:solidFill>
                 </a:rPr>
-                <a:t>b_O1</a:t>
+                <a:t>b_O2</a:t>
               </a:r>
               <a:endParaRPr lang="en-NL" b="1" dirty="0">
                 <a:solidFill>
@@ -6301,7 +6416,15 @@
                     <a:schemeClr val="tx1"/>
                   </a:solidFill>
                 </a:rPr>
-                <a:t>b_O1</a:t>
+                <a:t>b</a:t>
+              </a:r>
+              <a:r>
+                <a:rPr lang="en-US" b="1">
+                  <a:solidFill>
+                    <a:schemeClr val="tx1"/>
+                  </a:solidFill>
+                </a:rPr>
+                <a:t>_O3</a:t>
               </a:r>
               <a:endParaRPr lang="en-NL" b="1" dirty="0">
                 <a:solidFill>
@@ -8291,6 +8414,5767 @@
     <p:extLst>
       <p:ext uri="{BB962C8B-B14F-4D97-AF65-F5344CB8AC3E}">
         <p14:creationId xmlns:p14="http://schemas.microsoft.com/office/powerpoint/2010/main" val="3556069806"/>
+      </p:ext>
+    </p:extLst>
+  </p:cSld>
+  <p:clrMapOvr>
+    <a:masterClrMapping/>
+  </p:clrMapOvr>
+</p:sld>
+</file>
+
+<file path=ppt/slides/slide4.xml><?xml version="1.0" encoding="utf-8"?>
+<p:sld xmlns:a="http://schemas.openxmlformats.org/drawingml/2006/main" xmlns:r="http://schemas.openxmlformats.org/officeDocument/2006/relationships" xmlns:p="http://schemas.openxmlformats.org/presentationml/2006/main">
+  <p:cSld>
+    <p:spTree>
+      <p:nvGrpSpPr>
+        <p:cNvPr id="1" name=""/>
+        <p:cNvGrpSpPr/>
+        <p:nvPr/>
+      </p:nvGrpSpPr>
+      <p:grpSpPr>
+        <a:xfrm>
+          <a:off x="0" y="0"/>
+          <a:ext cx="0" cy="0"/>
+          <a:chOff x="0" y="0"/>
+          <a:chExt cx="0" cy="0"/>
+        </a:xfrm>
+      </p:grpSpPr>
+      <p:grpSp>
+        <p:nvGrpSpPr>
+          <p:cNvPr id="244" name="Group 243">
+            <a:extLst>
+              <a:ext uri="{FF2B5EF4-FFF2-40B4-BE49-F238E27FC236}">
+                <a16:creationId xmlns:a16="http://schemas.microsoft.com/office/drawing/2014/main" id="{0344E473-33DA-F45A-4801-448D9CB21CD4}"/>
+              </a:ext>
+            </a:extLst>
+          </p:cNvPr>
+          <p:cNvGrpSpPr/>
+          <p:nvPr/>
+        </p:nvGrpSpPr>
+        <p:grpSpPr>
+          <a:xfrm>
+            <a:off x="1592119" y="2384387"/>
+            <a:ext cx="8621053" cy="2089225"/>
+            <a:chOff x="706294" y="2302172"/>
+            <a:chExt cx="8621053" cy="2089225"/>
+          </a:xfrm>
+        </p:grpSpPr>
+        <mc:AlternateContent xmlns:mc="http://schemas.openxmlformats.org/markup-compatibility/2006">
+          <mc:Choice xmlns:a14="http://schemas.microsoft.com/office/drawing/2010/main" Requires="a14">
+            <p:sp>
+              <p:nvSpPr>
+                <p:cNvPr id="2" name="TextBox 1">
+                  <a:extLst>
+                    <a:ext uri="{FF2B5EF4-FFF2-40B4-BE49-F238E27FC236}">
+                      <a16:creationId xmlns:a16="http://schemas.microsoft.com/office/drawing/2014/main" id="{434D371D-4AB6-0A2E-9E65-3C0746E2D6CD}"/>
+                    </a:ext>
+                  </a:extLst>
+                </p:cNvPr>
+                <p:cNvSpPr txBox="1"/>
+                <p:nvPr/>
+              </p:nvSpPr>
+              <p:spPr>
+                <a:xfrm>
+                  <a:off x="712870" y="3080238"/>
+                  <a:ext cx="276101" cy="276999"/>
+                </a:xfrm>
+                <a:prstGeom prst="rect">
+                  <a:avLst/>
+                </a:prstGeom>
+                <a:noFill/>
+                <a:ln>
+                  <a:solidFill>
+                    <a:schemeClr val="tx1"/>
+                  </a:solidFill>
+                </a:ln>
+              </p:spPr>
+              <p:txBody>
+                <a:bodyPr wrap="none" lIns="0" tIns="0" rIns="0" bIns="0" rtlCol="0">
+                  <a:spAutoFit/>
+                </a:bodyPr>
+                <a:lstStyle/>
+                <a:p>
+                  <a14:m>
+                    <m:oMathPara xmlns:m="http://schemas.openxmlformats.org/officeDocument/2006/math">
+                      <m:oMathParaPr>
+                        <m:jc m:val="centerGroup"/>
+                      </m:oMathParaPr>
+                      <m:oMath xmlns:m="http://schemas.openxmlformats.org/officeDocument/2006/math">
+                        <m:sSub>
+                          <m:sSubPr>
+                            <m:ctrlPr>
+                              <a:rPr lang="en-US" b="0" i="1" smtClean="0">
+                                <a:latin typeface="Cambria Math" panose="02040503050406030204" pitchFamily="18" charset="0"/>
+                              </a:rPr>
+                            </m:ctrlPr>
+                          </m:sSubPr>
+                          <m:e>
+                            <m:r>
+                              <a:rPr lang="en-US" b="0" i="1" smtClean="0">
+                                <a:latin typeface="Cambria Math" panose="02040503050406030204" pitchFamily="18" charset="0"/>
+                              </a:rPr>
+                              <m:t>𝑥</m:t>
+                            </m:r>
+                          </m:e>
+                          <m:sub>
+                            <m:r>
+                              <a:rPr lang="en-US" b="0" i="1" smtClean="0">
+                                <a:latin typeface="Cambria Math" panose="02040503050406030204" pitchFamily="18" charset="0"/>
+                              </a:rPr>
+                              <m:t>1</m:t>
+                            </m:r>
+                          </m:sub>
+                        </m:sSub>
+                      </m:oMath>
+                    </m:oMathPara>
+                  </a14:m>
+                  <a:endParaRPr lang="en-US" dirty="0"/>
+                </a:p>
+              </p:txBody>
+            </p:sp>
+          </mc:Choice>
+          <mc:Fallback>
+            <p:sp>
+              <p:nvSpPr>
+                <p:cNvPr id="2" name="TextBox 1">
+                  <a:extLst>
+                    <a:ext uri="{FF2B5EF4-FFF2-40B4-BE49-F238E27FC236}">
+                      <a16:creationId xmlns:a16="http://schemas.microsoft.com/office/drawing/2014/main" id="{434D371D-4AB6-0A2E-9E65-3C0746E2D6CD}"/>
+                    </a:ext>
+                  </a:extLst>
+                </p:cNvPr>
+                <p:cNvSpPr txBox="1">
+                  <a:spLocks noRot="1" noChangeAspect="1" noMove="1" noResize="1" noEditPoints="1" noAdjustHandles="1" noChangeArrowheads="1" noChangeShapeType="1" noTextEdit="1"/>
+                </p:cNvSpPr>
+                <p:nvPr/>
+              </p:nvSpPr>
+              <p:spPr>
+                <a:xfrm>
+                  <a:off x="712870" y="3080238"/>
+                  <a:ext cx="276101" cy="276999"/>
+                </a:xfrm>
+                <a:prstGeom prst="rect">
+                  <a:avLst/>
+                </a:prstGeom>
+                <a:blipFill>
+                  <a:blip r:embed="rId2"/>
+                  <a:stretch>
+                    <a:fillRect l="-10417" r="-4167" b="-12766"/>
+                  </a:stretch>
+                </a:blipFill>
+                <a:ln>
+                  <a:solidFill>
+                    <a:schemeClr val="tx1"/>
+                  </a:solidFill>
+                </a:ln>
+              </p:spPr>
+              <p:txBody>
+                <a:bodyPr/>
+                <a:lstStyle/>
+                <a:p>
+                  <a:r>
+                    <a:rPr lang="en-NL">
+                      <a:noFill/>
+                    </a:rPr>
+                    <a:t> </a:t>
+                  </a:r>
+                </a:p>
+              </p:txBody>
+            </p:sp>
+          </mc:Fallback>
+        </mc:AlternateContent>
+        <mc:AlternateContent xmlns:mc="http://schemas.openxmlformats.org/markup-compatibility/2006">
+          <mc:Choice xmlns:a14="http://schemas.microsoft.com/office/drawing/2010/main" Requires="a14">
+            <p:sp>
+              <p:nvSpPr>
+                <p:cNvPr id="3" name="TextBox 2">
+                  <a:extLst>
+                    <a:ext uri="{FF2B5EF4-FFF2-40B4-BE49-F238E27FC236}">
+                      <a16:creationId xmlns:a16="http://schemas.microsoft.com/office/drawing/2014/main" id="{CE8C1A77-E0CC-853B-5E68-7173917451E3}"/>
+                    </a:ext>
+                  </a:extLst>
+                </p:cNvPr>
+                <p:cNvSpPr txBox="1"/>
+                <p:nvPr/>
+              </p:nvSpPr>
+              <p:spPr>
+                <a:xfrm>
+                  <a:off x="706294" y="3639948"/>
+                  <a:ext cx="281423" cy="276999"/>
+                </a:xfrm>
+                <a:prstGeom prst="rect">
+                  <a:avLst/>
+                </a:prstGeom>
+                <a:noFill/>
+                <a:ln>
+                  <a:solidFill>
+                    <a:schemeClr val="tx1"/>
+                  </a:solidFill>
+                </a:ln>
+              </p:spPr>
+              <p:txBody>
+                <a:bodyPr wrap="none" lIns="0" tIns="0" rIns="0" bIns="0" rtlCol="0">
+                  <a:spAutoFit/>
+                </a:bodyPr>
+                <a:lstStyle/>
+                <a:p>
+                  <a14:m>
+                    <m:oMathPara xmlns:m="http://schemas.openxmlformats.org/officeDocument/2006/math">
+                      <m:oMathParaPr>
+                        <m:jc m:val="centerGroup"/>
+                      </m:oMathParaPr>
+                      <m:oMath xmlns:m="http://schemas.openxmlformats.org/officeDocument/2006/math">
+                        <m:sSub>
+                          <m:sSubPr>
+                            <m:ctrlPr>
+                              <a:rPr lang="en-US" b="0" i="1" smtClean="0">
+                                <a:latin typeface="Cambria Math" panose="02040503050406030204" pitchFamily="18" charset="0"/>
+                              </a:rPr>
+                            </m:ctrlPr>
+                          </m:sSubPr>
+                          <m:e>
+                            <m:r>
+                              <a:rPr lang="en-US" b="0" i="1" smtClean="0">
+                                <a:latin typeface="Cambria Math" panose="02040503050406030204" pitchFamily="18" charset="0"/>
+                              </a:rPr>
+                              <m:t>𝑥</m:t>
+                            </m:r>
+                          </m:e>
+                          <m:sub>
+                            <m:r>
+                              <a:rPr lang="en-US" b="0" i="1" smtClean="0">
+                                <a:latin typeface="Cambria Math" panose="02040503050406030204" pitchFamily="18" charset="0"/>
+                              </a:rPr>
+                              <m:t>2</m:t>
+                            </m:r>
+                          </m:sub>
+                        </m:sSub>
+                      </m:oMath>
+                    </m:oMathPara>
+                  </a14:m>
+                  <a:endParaRPr lang="en-US" dirty="0"/>
+                </a:p>
+              </p:txBody>
+            </p:sp>
+          </mc:Choice>
+          <mc:Fallback>
+            <p:sp>
+              <p:nvSpPr>
+                <p:cNvPr id="3" name="TextBox 2">
+                  <a:extLst>
+                    <a:ext uri="{FF2B5EF4-FFF2-40B4-BE49-F238E27FC236}">
+                      <a16:creationId xmlns:a16="http://schemas.microsoft.com/office/drawing/2014/main" id="{CE8C1A77-E0CC-853B-5E68-7173917451E3}"/>
+                    </a:ext>
+                  </a:extLst>
+                </p:cNvPr>
+                <p:cNvSpPr txBox="1">
+                  <a:spLocks noRot="1" noChangeAspect="1" noMove="1" noResize="1" noEditPoints="1" noAdjustHandles="1" noChangeArrowheads="1" noChangeShapeType="1" noTextEdit="1"/>
+                </p:cNvSpPr>
+                <p:nvPr/>
+              </p:nvSpPr>
+              <p:spPr>
+                <a:xfrm>
+                  <a:off x="706294" y="3639948"/>
+                  <a:ext cx="281423" cy="276999"/>
+                </a:xfrm>
+                <a:prstGeom prst="rect">
+                  <a:avLst/>
+                </a:prstGeom>
+                <a:blipFill>
+                  <a:blip r:embed="rId3"/>
+                  <a:stretch>
+                    <a:fillRect l="-10417" r="-6250" b="-12766"/>
+                  </a:stretch>
+                </a:blipFill>
+                <a:ln>
+                  <a:solidFill>
+                    <a:schemeClr val="tx1"/>
+                  </a:solidFill>
+                </a:ln>
+              </p:spPr>
+              <p:txBody>
+                <a:bodyPr/>
+                <a:lstStyle/>
+                <a:p>
+                  <a:r>
+                    <a:rPr lang="en-NL">
+                      <a:noFill/>
+                    </a:rPr>
+                    <a:t> </a:t>
+                  </a:r>
+                </a:p>
+              </p:txBody>
+            </p:sp>
+          </mc:Fallback>
+        </mc:AlternateContent>
+        <mc:AlternateContent xmlns:mc="http://schemas.openxmlformats.org/markup-compatibility/2006">
+          <mc:Choice xmlns:a14="http://schemas.microsoft.com/office/drawing/2010/main" Requires="a14">
+            <p:sp>
+              <p:nvSpPr>
+                <p:cNvPr id="4" name="TextBox 3">
+                  <a:extLst>
+                    <a:ext uri="{FF2B5EF4-FFF2-40B4-BE49-F238E27FC236}">
+                      <a16:creationId xmlns:a16="http://schemas.microsoft.com/office/drawing/2014/main" id="{0C56BA0A-5CD7-BBC8-21F4-F0FAFE9DFB87}"/>
+                    </a:ext>
+                  </a:extLst>
+                </p:cNvPr>
+                <p:cNvSpPr txBox="1"/>
+                <p:nvPr/>
+              </p:nvSpPr>
+              <p:spPr>
+                <a:xfrm>
+                  <a:off x="2186768" y="2943620"/>
+                  <a:ext cx="523990" cy="276999"/>
+                </a:xfrm>
+                <a:prstGeom prst="rect">
+                  <a:avLst/>
+                </a:prstGeom>
+                <a:noFill/>
+                <a:ln>
+                  <a:solidFill>
+                    <a:schemeClr val="tx1"/>
+                  </a:solidFill>
+                </a:ln>
+              </p:spPr>
+              <p:txBody>
+                <a:bodyPr wrap="none" lIns="0" tIns="0" rIns="0" bIns="0" rtlCol="0">
+                  <a:spAutoFit/>
+                </a:bodyPr>
+                <a:lstStyle/>
+                <a:p>
+                  <a14:m>
+                    <m:oMathPara xmlns:m="http://schemas.openxmlformats.org/officeDocument/2006/math">
+                      <m:oMathParaPr>
+                        <m:jc m:val="centerGroup"/>
+                      </m:oMathParaPr>
+                      <m:oMath xmlns:m="http://schemas.openxmlformats.org/officeDocument/2006/math">
+                        <m:sSub>
+                          <m:sSubPr>
+                            <m:ctrlPr>
+                              <a:rPr lang="en-US" b="0" i="1" smtClean="0">
+                                <a:latin typeface="Cambria Math" panose="02040503050406030204" pitchFamily="18" charset="0"/>
+                              </a:rPr>
+                            </m:ctrlPr>
+                          </m:sSubPr>
+                          <m:e>
+                            <m:r>
+                              <a:rPr lang="en-US" b="0" i="1" smtClean="0">
+                                <a:latin typeface="Cambria Math" panose="02040503050406030204" pitchFamily="18" charset="0"/>
+                              </a:rPr>
+                              <m:t>𝑁</m:t>
+                            </m:r>
+                          </m:e>
+                          <m:sub>
+                            <m:r>
+                              <a:rPr lang="en-US" b="0" i="1" smtClean="0">
+                                <a:latin typeface="Cambria Math" panose="02040503050406030204" pitchFamily="18" charset="0"/>
+                              </a:rPr>
+                              <m:t>1</m:t>
+                            </m:r>
+                          </m:sub>
+                        </m:sSub>
+                        <m:r>
+                          <a:rPr lang="en-US" b="0" i="1" smtClean="0">
+                            <a:latin typeface="Cambria Math" panose="02040503050406030204" pitchFamily="18" charset="0"/>
+                          </a:rPr>
+                          <m:t>,</m:t>
+                        </m:r>
+                        <m:r>
+                          <a:rPr lang="en-US" b="0" i="1" smtClean="0">
+                            <a:latin typeface="Cambria Math" panose="02040503050406030204" pitchFamily="18" charset="0"/>
+                          </a:rPr>
+                          <m:t>𝑓</m:t>
+                        </m:r>
+                      </m:oMath>
+                    </m:oMathPara>
+                  </a14:m>
+                  <a:endParaRPr lang="en-US" dirty="0"/>
+                </a:p>
+              </p:txBody>
+            </p:sp>
+          </mc:Choice>
+          <mc:Fallback>
+            <p:sp>
+              <p:nvSpPr>
+                <p:cNvPr id="4" name="TextBox 3">
+                  <a:extLst>
+                    <a:ext uri="{FF2B5EF4-FFF2-40B4-BE49-F238E27FC236}">
+                      <a16:creationId xmlns:a16="http://schemas.microsoft.com/office/drawing/2014/main" id="{0C56BA0A-5CD7-BBC8-21F4-F0FAFE9DFB87}"/>
+                    </a:ext>
+                  </a:extLst>
+                </p:cNvPr>
+                <p:cNvSpPr txBox="1">
+                  <a:spLocks noRot="1" noChangeAspect="1" noMove="1" noResize="1" noEditPoints="1" noAdjustHandles="1" noChangeArrowheads="1" noChangeShapeType="1" noTextEdit="1"/>
+                </p:cNvSpPr>
+                <p:nvPr/>
+              </p:nvSpPr>
+              <p:spPr>
+                <a:xfrm>
+                  <a:off x="2186768" y="2943620"/>
+                  <a:ext cx="523990" cy="276999"/>
+                </a:xfrm>
+                <a:prstGeom prst="rect">
+                  <a:avLst/>
+                </a:prstGeom>
+                <a:blipFill>
+                  <a:blip r:embed="rId4"/>
+                  <a:stretch>
+                    <a:fillRect l="-7955" r="-13636" b="-29167"/>
+                  </a:stretch>
+                </a:blipFill>
+                <a:ln>
+                  <a:solidFill>
+                    <a:schemeClr val="tx1"/>
+                  </a:solidFill>
+                </a:ln>
+              </p:spPr>
+              <p:txBody>
+                <a:bodyPr/>
+                <a:lstStyle/>
+                <a:p>
+                  <a:r>
+                    <a:rPr lang="en-NL">
+                      <a:noFill/>
+                    </a:rPr>
+                    <a:t> </a:t>
+                  </a:r>
+                </a:p>
+              </p:txBody>
+            </p:sp>
+          </mc:Fallback>
+        </mc:AlternateContent>
+        <mc:AlternateContent xmlns:mc="http://schemas.openxmlformats.org/markup-compatibility/2006">
+          <mc:Choice xmlns:a14="http://schemas.microsoft.com/office/drawing/2010/main" Requires="a14">
+            <p:sp>
+              <p:nvSpPr>
+                <p:cNvPr id="5" name="TextBox 4">
+                  <a:extLst>
+                    <a:ext uri="{FF2B5EF4-FFF2-40B4-BE49-F238E27FC236}">
+                      <a16:creationId xmlns:a16="http://schemas.microsoft.com/office/drawing/2014/main" id="{061328B1-4AFE-65A6-929E-87BAE3EE0CED}"/>
+                    </a:ext>
+                  </a:extLst>
+                </p:cNvPr>
+                <p:cNvSpPr txBox="1"/>
+                <p:nvPr/>
+              </p:nvSpPr>
+              <p:spPr>
+                <a:xfrm>
+                  <a:off x="2199190" y="3633955"/>
+                  <a:ext cx="529311" cy="276999"/>
+                </a:xfrm>
+                <a:prstGeom prst="rect">
+                  <a:avLst/>
+                </a:prstGeom>
+                <a:noFill/>
+                <a:ln>
+                  <a:solidFill>
+                    <a:schemeClr val="tx1"/>
+                  </a:solidFill>
+                </a:ln>
+              </p:spPr>
+              <p:txBody>
+                <a:bodyPr wrap="none" lIns="0" tIns="0" rIns="0" bIns="0" rtlCol="0">
+                  <a:spAutoFit/>
+                </a:bodyPr>
+                <a:lstStyle/>
+                <a:p>
+                  <a14:m>
+                    <m:oMathPara xmlns:m="http://schemas.openxmlformats.org/officeDocument/2006/math">
+                      <m:oMathParaPr>
+                        <m:jc m:val="centerGroup"/>
+                      </m:oMathParaPr>
+                      <m:oMath xmlns:m="http://schemas.openxmlformats.org/officeDocument/2006/math">
+                        <m:sSub>
+                          <m:sSubPr>
+                            <m:ctrlPr>
+                              <a:rPr lang="en-US" b="0" i="1" smtClean="0">
+                                <a:latin typeface="Cambria Math" panose="02040503050406030204" pitchFamily="18" charset="0"/>
+                              </a:rPr>
+                            </m:ctrlPr>
+                          </m:sSubPr>
+                          <m:e>
+                            <m:r>
+                              <a:rPr lang="en-US" b="0" i="1" smtClean="0">
+                                <a:latin typeface="Cambria Math" panose="02040503050406030204" pitchFamily="18" charset="0"/>
+                              </a:rPr>
+                              <m:t>𝑁</m:t>
+                            </m:r>
+                          </m:e>
+                          <m:sub>
+                            <m:r>
+                              <a:rPr lang="en-US" b="0" i="1" smtClean="0">
+                                <a:latin typeface="Cambria Math" panose="02040503050406030204" pitchFamily="18" charset="0"/>
+                              </a:rPr>
+                              <m:t>2</m:t>
+                            </m:r>
+                          </m:sub>
+                        </m:sSub>
+                        <m:r>
+                          <a:rPr lang="en-US" b="0" i="1" smtClean="0">
+                            <a:latin typeface="Cambria Math" panose="02040503050406030204" pitchFamily="18" charset="0"/>
+                          </a:rPr>
+                          <m:t>,</m:t>
+                        </m:r>
+                        <m:r>
+                          <a:rPr lang="en-US" b="0" i="1" smtClean="0">
+                            <a:latin typeface="Cambria Math" panose="02040503050406030204" pitchFamily="18" charset="0"/>
+                          </a:rPr>
+                          <m:t>𝑓</m:t>
+                        </m:r>
+                      </m:oMath>
+                    </m:oMathPara>
+                  </a14:m>
+                  <a:endParaRPr lang="en-US" dirty="0"/>
+                </a:p>
+              </p:txBody>
+            </p:sp>
+          </mc:Choice>
+          <mc:Fallback>
+            <p:sp>
+              <p:nvSpPr>
+                <p:cNvPr id="5" name="TextBox 4">
+                  <a:extLst>
+                    <a:ext uri="{FF2B5EF4-FFF2-40B4-BE49-F238E27FC236}">
+                      <a16:creationId xmlns:a16="http://schemas.microsoft.com/office/drawing/2014/main" id="{061328B1-4AFE-65A6-929E-87BAE3EE0CED}"/>
+                    </a:ext>
+                  </a:extLst>
+                </p:cNvPr>
+                <p:cNvSpPr txBox="1">
+                  <a:spLocks noRot="1" noChangeAspect="1" noMove="1" noResize="1" noEditPoints="1" noAdjustHandles="1" noChangeArrowheads="1" noChangeShapeType="1" noTextEdit="1"/>
+                </p:cNvSpPr>
+                <p:nvPr/>
+              </p:nvSpPr>
+              <p:spPr>
+                <a:xfrm>
+                  <a:off x="2199190" y="3633955"/>
+                  <a:ext cx="529311" cy="276999"/>
+                </a:xfrm>
+                <a:prstGeom prst="rect">
+                  <a:avLst/>
+                </a:prstGeom>
+                <a:blipFill>
+                  <a:blip r:embed="rId5"/>
+                  <a:stretch>
+                    <a:fillRect l="-7865" t="-2128" r="-12360" b="-31915"/>
+                  </a:stretch>
+                </a:blipFill>
+                <a:ln>
+                  <a:solidFill>
+                    <a:schemeClr val="tx1"/>
+                  </a:solidFill>
+                </a:ln>
+              </p:spPr>
+              <p:txBody>
+                <a:bodyPr/>
+                <a:lstStyle/>
+                <a:p>
+                  <a:r>
+                    <a:rPr lang="en-NL">
+                      <a:noFill/>
+                    </a:rPr>
+                    <a:t> </a:t>
+                  </a:r>
+                </a:p>
+              </p:txBody>
+            </p:sp>
+          </mc:Fallback>
+        </mc:AlternateContent>
+        <mc:AlternateContent xmlns:mc="http://schemas.openxmlformats.org/markup-compatibility/2006">
+          <mc:Choice xmlns:a14="http://schemas.microsoft.com/office/drawing/2010/main" Requires="a14">
+            <p:sp>
+              <p:nvSpPr>
+                <p:cNvPr id="22" name="TextBox 21">
+                  <a:extLst>
+                    <a:ext uri="{FF2B5EF4-FFF2-40B4-BE49-F238E27FC236}">
+                      <a16:creationId xmlns:a16="http://schemas.microsoft.com/office/drawing/2014/main" id="{FB8D446C-FF9E-73E4-F6EC-C1A3A011002D}"/>
+                    </a:ext>
+                  </a:extLst>
+                </p:cNvPr>
+                <p:cNvSpPr txBox="1"/>
+                <p:nvPr/>
+              </p:nvSpPr>
+              <p:spPr>
+                <a:xfrm>
+                  <a:off x="4289322" y="2559076"/>
+                  <a:ext cx="531877" cy="276999"/>
+                </a:xfrm>
+                <a:prstGeom prst="rect">
+                  <a:avLst/>
+                </a:prstGeom>
+                <a:noFill/>
+                <a:ln>
+                  <a:solidFill>
+                    <a:schemeClr val="tx1"/>
+                  </a:solidFill>
+                </a:ln>
+              </p:spPr>
+              <p:txBody>
+                <a:bodyPr wrap="none" lIns="0" tIns="0" rIns="0" bIns="0" rtlCol="0">
+                  <a:spAutoFit/>
+                </a:bodyPr>
+                <a:lstStyle/>
+                <a:p>
+                  <a14:m>
+                    <m:oMathPara xmlns:m="http://schemas.openxmlformats.org/officeDocument/2006/math">
+                      <m:oMathParaPr>
+                        <m:jc m:val="centerGroup"/>
+                      </m:oMathParaPr>
+                      <m:oMath xmlns:m="http://schemas.openxmlformats.org/officeDocument/2006/math">
+                        <m:sSub>
+                          <m:sSubPr>
+                            <m:ctrlPr>
+                              <a:rPr lang="en-US" b="0" i="1" smtClean="0">
+                                <a:latin typeface="Cambria Math" panose="02040503050406030204" pitchFamily="18" charset="0"/>
+                              </a:rPr>
+                            </m:ctrlPr>
+                          </m:sSubPr>
+                          <m:e>
+                            <m:r>
+                              <a:rPr lang="en-US" b="0" i="1" smtClean="0">
+                                <a:latin typeface="Cambria Math" panose="02040503050406030204" pitchFamily="18" charset="0"/>
+                              </a:rPr>
+                              <m:t>𝑂</m:t>
+                            </m:r>
+                          </m:e>
+                          <m:sub>
+                            <m:r>
+                              <a:rPr lang="en-US" b="0" i="1" smtClean="0">
+                                <a:latin typeface="Cambria Math" panose="02040503050406030204" pitchFamily="18" charset="0"/>
+                              </a:rPr>
+                              <m:t>1</m:t>
+                            </m:r>
+                          </m:sub>
+                        </m:sSub>
+                        <m:r>
+                          <a:rPr lang="en-US" b="0" i="1" smtClean="0">
+                            <a:latin typeface="Cambria Math" panose="02040503050406030204" pitchFamily="18" charset="0"/>
+                          </a:rPr>
+                          <m:t>,</m:t>
+                        </m:r>
+                        <m:r>
+                          <a:rPr lang="en-US" b="0" i="1" smtClean="0">
+                            <a:latin typeface="Cambria Math" panose="02040503050406030204" pitchFamily="18" charset="0"/>
+                          </a:rPr>
+                          <m:t>𝑔</m:t>
+                        </m:r>
+                      </m:oMath>
+                    </m:oMathPara>
+                  </a14:m>
+                  <a:endParaRPr lang="en-US" dirty="0"/>
+                </a:p>
+              </p:txBody>
+            </p:sp>
+          </mc:Choice>
+          <mc:Fallback>
+            <p:sp>
+              <p:nvSpPr>
+                <p:cNvPr id="22" name="TextBox 21">
+                  <a:extLst>
+                    <a:ext uri="{FF2B5EF4-FFF2-40B4-BE49-F238E27FC236}">
+                      <a16:creationId xmlns:a16="http://schemas.microsoft.com/office/drawing/2014/main" id="{FB8D446C-FF9E-73E4-F6EC-C1A3A011002D}"/>
+                    </a:ext>
+                  </a:extLst>
+                </p:cNvPr>
+                <p:cNvSpPr txBox="1">
+                  <a:spLocks noRot="1" noChangeAspect="1" noMove="1" noResize="1" noEditPoints="1" noAdjustHandles="1" noChangeArrowheads="1" noChangeShapeType="1" noTextEdit="1"/>
+                </p:cNvSpPr>
+                <p:nvPr/>
+              </p:nvSpPr>
+              <p:spPr>
+                <a:xfrm>
+                  <a:off x="4289322" y="2559076"/>
+                  <a:ext cx="531877" cy="276999"/>
+                </a:xfrm>
+                <a:prstGeom prst="rect">
+                  <a:avLst/>
+                </a:prstGeom>
+                <a:blipFill>
+                  <a:blip r:embed="rId6"/>
+                  <a:stretch>
+                    <a:fillRect l="-8989" r="-8989" b="-20833"/>
+                  </a:stretch>
+                </a:blipFill>
+                <a:ln>
+                  <a:solidFill>
+                    <a:schemeClr val="tx1"/>
+                  </a:solidFill>
+                </a:ln>
+              </p:spPr>
+              <p:txBody>
+                <a:bodyPr/>
+                <a:lstStyle/>
+                <a:p>
+                  <a:r>
+                    <a:rPr lang="en-NL">
+                      <a:noFill/>
+                    </a:rPr>
+                    <a:t> </a:t>
+                  </a:r>
+                </a:p>
+              </p:txBody>
+            </p:sp>
+          </mc:Fallback>
+        </mc:AlternateContent>
+        <mc:AlternateContent xmlns:mc="http://schemas.openxmlformats.org/markup-compatibility/2006">
+          <mc:Choice xmlns:a14="http://schemas.microsoft.com/office/drawing/2010/main" Requires="a14">
+            <p:sp>
+              <p:nvSpPr>
+                <p:cNvPr id="23" name="TextBox 22">
+                  <a:extLst>
+                    <a:ext uri="{FF2B5EF4-FFF2-40B4-BE49-F238E27FC236}">
+                      <a16:creationId xmlns:a16="http://schemas.microsoft.com/office/drawing/2014/main" id="{33BBAA53-1942-439D-6BFE-52495D43E13F}"/>
+                    </a:ext>
+                  </a:extLst>
+                </p:cNvPr>
+                <p:cNvSpPr txBox="1"/>
+                <p:nvPr/>
+              </p:nvSpPr>
+              <p:spPr>
+                <a:xfrm>
+                  <a:off x="4294643" y="3266845"/>
+                  <a:ext cx="537198" cy="276999"/>
+                </a:xfrm>
+                <a:prstGeom prst="rect">
+                  <a:avLst/>
+                </a:prstGeom>
+                <a:noFill/>
+                <a:ln>
+                  <a:solidFill>
+                    <a:schemeClr val="tx1"/>
+                  </a:solidFill>
+                </a:ln>
+              </p:spPr>
+              <p:txBody>
+                <a:bodyPr wrap="none" lIns="0" tIns="0" rIns="0" bIns="0" rtlCol="0">
+                  <a:spAutoFit/>
+                </a:bodyPr>
+                <a:lstStyle/>
+                <a:p>
+                  <a14:m>
+                    <m:oMathPara xmlns:m="http://schemas.openxmlformats.org/officeDocument/2006/math">
+                      <m:oMathParaPr>
+                        <m:jc m:val="centerGroup"/>
+                      </m:oMathParaPr>
+                      <m:oMath xmlns:m="http://schemas.openxmlformats.org/officeDocument/2006/math">
+                        <m:sSub>
+                          <m:sSubPr>
+                            <m:ctrlPr>
+                              <a:rPr lang="en-US" b="0" i="1" smtClean="0">
+                                <a:latin typeface="Cambria Math" panose="02040503050406030204" pitchFamily="18" charset="0"/>
+                              </a:rPr>
+                            </m:ctrlPr>
+                          </m:sSubPr>
+                          <m:e>
+                            <m:r>
+                              <a:rPr lang="en-US" b="0" i="1" smtClean="0">
+                                <a:latin typeface="Cambria Math" panose="02040503050406030204" pitchFamily="18" charset="0"/>
+                              </a:rPr>
+                              <m:t>𝑂</m:t>
+                            </m:r>
+                          </m:e>
+                          <m:sub>
+                            <m:r>
+                              <a:rPr lang="en-US" b="0" i="1" smtClean="0">
+                                <a:latin typeface="Cambria Math" panose="02040503050406030204" pitchFamily="18" charset="0"/>
+                              </a:rPr>
+                              <m:t>2</m:t>
+                            </m:r>
+                          </m:sub>
+                        </m:sSub>
+                        <m:r>
+                          <a:rPr lang="en-US" b="0" i="1" smtClean="0">
+                            <a:latin typeface="Cambria Math" panose="02040503050406030204" pitchFamily="18" charset="0"/>
+                          </a:rPr>
+                          <m:t>,</m:t>
+                        </m:r>
+                        <m:r>
+                          <a:rPr lang="en-US" b="0" i="1" smtClean="0">
+                            <a:latin typeface="Cambria Math" panose="02040503050406030204" pitchFamily="18" charset="0"/>
+                          </a:rPr>
+                          <m:t>𝑔</m:t>
+                        </m:r>
+                      </m:oMath>
+                    </m:oMathPara>
+                  </a14:m>
+                  <a:endParaRPr lang="en-US" dirty="0"/>
+                </a:p>
+              </p:txBody>
+            </p:sp>
+          </mc:Choice>
+          <mc:Fallback>
+            <p:sp>
+              <p:nvSpPr>
+                <p:cNvPr id="23" name="TextBox 22">
+                  <a:extLst>
+                    <a:ext uri="{FF2B5EF4-FFF2-40B4-BE49-F238E27FC236}">
+                      <a16:creationId xmlns:a16="http://schemas.microsoft.com/office/drawing/2014/main" id="{33BBAA53-1942-439D-6BFE-52495D43E13F}"/>
+                    </a:ext>
+                  </a:extLst>
+                </p:cNvPr>
+                <p:cNvSpPr txBox="1">
+                  <a:spLocks noRot="1" noChangeAspect="1" noMove="1" noResize="1" noEditPoints="1" noAdjustHandles="1" noChangeArrowheads="1" noChangeShapeType="1" noTextEdit="1"/>
+                </p:cNvSpPr>
+                <p:nvPr/>
+              </p:nvSpPr>
+              <p:spPr>
+                <a:xfrm>
+                  <a:off x="4294643" y="3266845"/>
+                  <a:ext cx="537198" cy="276999"/>
+                </a:xfrm>
+                <a:prstGeom prst="rect">
+                  <a:avLst/>
+                </a:prstGeom>
+                <a:blipFill>
+                  <a:blip r:embed="rId7"/>
+                  <a:stretch>
+                    <a:fillRect l="-8889" r="-8889" b="-20833"/>
+                  </a:stretch>
+                </a:blipFill>
+                <a:ln>
+                  <a:solidFill>
+                    <a:schemeClr val="tx1"/>
+                  </a:solidFill>
+                </a:ln>
+              </p:spPr>
+              <p:txBody>
+                <a:bodyPr/>
+                <a:lstStyle/>
+                <a:p>
+                  <a:r>
+                    <a:rPr lang="en-NL">
+                      <a:noFill/>
+                    </a:rPr>
+                    <a:t> </a:t>
+                  </a:r>
+                </a:p>
+              </p:txBody>
+            </p:sp>
+          </mc:Fallback>
+        </mc:AlternateContent>
+        <mc:AlternateContent xmlns:mc="http://schemas.openxmlformats.org/markup-compatibility/2006">
+          <mc:Choice xmlns:a14="http://schemas.microsoft.com/office/drawing/2010/main" Requires="a14">
+            <p:sp>
+              <p:nvSpPr>
+                <p:cNvPr id="24" name="TextBox 23">
+                  <a:extLst>
+                    <a:ext uri="{FF2B5EF4-FFF2-40B4-BE49-F238E27FC236}">
+                      <a16:creationId xmlns:a16="http://schemas.microsoft.com/office/drawing/2014/main" id="{CD509EAF-328B-5960-8739-1D12030DE70F}"/>
+                    </a:ext>
+                  </a:extLst>
+                </p:cNvPr>
+                <p:cNvSpPr txBox="1"/>
+                <p:nvPr/>
+              </p:nvSpPr>
+              <p:spPr>
+                <a:xfrm>
+                  <a:off x="4294643" y="3923632"/>
+                  <a:ext cx="537198" cy="276999"/>
+                </a:xfrm>
+                <a:prstGeom prst="rect">
+                  <a:avLst/>
+                </a:prstGeom>
+                <a:noFill/>
+                <a:ln>
+                  <a:solidFill>
+                    <a:schemeClr val="tx1"/>
+                  </a:solidFill>
+                </a:ln>
+              </p:spPr>
+              <p:txBody>
+                <a:bodyPr wrap="none" lIns="0" tIns="0" rIns="0" bIns="0" rtlCol="0">
+                  <a:spAutoFit/>
+                </a:bodyPr>
+                <a:lstStyle/>
+                <a:p>
+                  <a14:m>
+                    <m:oMathPara xmlns:m="http://schemas.openxmlformats.org/officeDocument/2006/math">
+                      <m:oMathParaPr>
+                        <m:jc m:val="centerGroup"/>
+                      </m:oMathParaPr>
+                      <m:oMath xmlns:m="http://schemas.openxmlformats.org/officeDocument/2006/math">
+                        <m:sSub>
+                          <m:sSubPr>
+                            <m:ctrlPr>
+                              <a:rPr lang="en-US" b="0" i="1" smtClean="0">
+                                <a:latin typeface="Cambria Math" panose="02040503050406030204" pitchFamily="18" charset="0"/>
+                              </a:rPr>
+                            </m:ctrlPr>
+                          </m:sSubPr>
+                          <m:e>
+                            <m:r>
+                              <a:rPr lang="en-US" b="0" i="1" smtClean="0">
+                                <a:latin typeface="Cambria Math" panose="02040503050406030204" pitchFamily="18" charset="0"/>
+                              </a:rPr>
+                              <m:t>𝑂</m:t>
+                            </m:r>
+                          </m:e>
+                          <m:sub>
+                            <m:r>
+                              <a:rPr lang="en-US" b="0" i="1" smtClean="0">
+                                <a:latin typeface="Cambria Math" panose="02040503050406030204" pitchFamily="18" charset="0"/>
+                              </a:rPr>
+                              <m:t>3</m:t>
+                            </m:r>
+                          </m:sub>
+                        </m:sSub>
+                        <m:r>
+                          <a:rPr lang="en-US" b="0" i="1" smtClean="0">
+                            <a:latin typeface="Cambria Math" panose="02040503050406030204" pitchFamily="18" charset="0"/>
+                          </a:rPr>
+                          <m:t>,</m:t>
+                        </m:r>
+                        <m:r>
+                          <a:rPr lang="en-US" b="0" i="1" smtClean="0">
+                            <a:latin typeface="Cambria Math" panose="02040503050406030204" pitchFamily="18" charset="0"/>
+                          </a:rPr>
+                          <m:t>𝑔</m:t>
+                        </m:r>
+                      </m:oMath>
+                    </m:oMathPara>
+                  </a14:m>
+                  <a:endParaRPr lang="en-US" dirty="0"/>
+                </a:p>
+              </p:txBody>
+            </p:sp>
+          </mc:Choice>
+          <mc:Fallback>
+            <p:sp>
+              <p:nvSpPr>
+                <p:cNvPr id="24" name="TextBox 23">
+                  <a:extLst>
+                    <a:ext uri="{FF2B5EF4-FFF2-40B4-BE49-F238E27FC236}">
+                      <a16:creationId xmlns:a16="http://schemas.microsoft.com/office/drawing/2014/main" id="{CD509EAF-328B-5960-8739-1D12030DE70F}"/>
+                    </a:ext>
+                  </a:extLst>
+                </p:cNvPr>
+                <p:cNvSpPr txBox="1">
+                  <a:spLocks noRot="1" noChangeAspect="1" noMove="1" noResize="1" noEditPoints="1" noAdjustHandles="1" noChangeArrowheads="1" noChangeShapeType="1" noTextEdit="1"/>
+                </p:cNvSpPr>
+                <p:nvPr/>
+              </p:nvSpPr>
+              <p:spPr>
+                <a:xfrm>
+                  <a:off x="4294643" y="3923632"/>
+                  <a:ext cx="537198" cy="276999"/>
+                </a:xfrm>
+                <a:prstGeom prst="rect">
+                  <a:avLst/>
+                </a:prstGeom>
+                <a:blipFill>
+                  <a:blip r:embed="rId8"/>
+                  <a:stretch>
+                    <a:fillRect l="-8889" r="-8889" b="-20833"/>
+                  </a:stretch>
+                </a:blipFill>
+                <a:ln>
+                  <a:solidFill>
+                    <a:schemeClr val="tx1"/>
+                  </a:solidFill>
+                </a:ln>
+              </p:spPr>
+              <p:txBody>
+                <a:bodyPr/>
+                <a:lstStyle/>
+                <a:p>
+                  <a:r>
+                    <a:rPr lang="en-NL">
+                      <a:noFill/>
+                    </a:rPr>
+                    <a:t> </a:t>
+                  </a:r>
+                </a:p>
+              </p:txBody>
+            </p:sp>
+          </mc:Fallback>
+        </mc:AlternateContent>
+        <mc:AlternateContent xmlns:mc="http://schemas.openxmlformats.org/markup-compatibility/2006">
+          <mc:Choice xmlns:a14="http://schemas.microsoft.com/office/drawing/2010/main" Requires="a14">
+            <p:sp>
+              <p:nvSpPr>
+                <p:cNvPr id="25" name="TextBox 24">
+                  <a:extLst>
+                    <a:ext uri="{FF2B5EF4-FFF2-40B4-BE49-F238E27FC236}">
+                      <a16:creationId xmlns:a16="http://schemas.microsoft.com/office/drawing/2014/main" id="{512DB120-5DE6-CBA0-57CE-9C44C5EA484A}"/>
+                    </a:ext>
+                  </a:extLst>
+                </p:cNvPr>
+                <p:cNvSpPr txBox="1"/>
+                <p:nvPr/>
+              </p:nvSpPr>
+              <p:spPr>
+                <a:xfrm>
+                  <a:off x="5188278" y="2559076"/>
+                  <a:ext cx="653449" cy="276999"/>
+                </a:xfrm>
+                <a:prstGeom prst="rect">
+                  <a:avLst/>
+                </a:prstGeom>
+                <a:noFill/>
+                <a:ln>
+                  <a:solidFill>
+                    <a:schemeClr val="tx1"/>
+                  </a:solidFill>
+                </a:ln>
+              </p:spPr>
+              <p:txBody>
+                <a:bodyPr wrap="none" lIns="0" tIns="0" rIns="0" bIns="0" rtlCol="0">
+                  <a:spAutoFit/>
+                </a:bodyPr>
+                <a:lstStyle/>
+                <a:p>
+                  <a14:m>
+                    <m:oMathPara xmlns:m="http://schemas.openxmlformats.org/officeDocument/2006/math">
+                      <m:oMathParaPr>
+                        <m:jc m:val="centerGroup"/>
+                      </m:oMathParaPr>
+                      <m:oMath xmlns:m="http://schemas.openxmlformats.org/officeDocument/2006/math">
+                        <m:sSub>
+                          <m:sSubPr>
+                            <m:ctrlPr>
+                              <a:rPr lang="en-US" b="0" i="1" smtClean="0">
+                                <a:latin typeface="Cambria Math" panose="02040503050406030204" pitchFamily="18" charset="0"/>
+                              </a:rPr>
+                            </m:ctrlPr>
+                          </m:sSubPr>
+                          <m:e>
+                            <m:r>
+                              <a:rPr lang="en-US" b="0" i="1" smtClean="0">
+                                <a:latin typeface="Cambria Math" panose="02040503050406030204" pitchFamily="18" charset="0"/>
+                              </a:rPr>
+                              <m:t>𝑃𝑟𝑒𝑑</m:t>
+                            </m:r>
+                          </m:e>
+                          <m:sub>
+                            <m:r>
+                              <a:rPr lang="en-US" b="0" i="1" smtClean="0">
+                                <a:latin typeface="Cambria Math" panose="02040503050406030204" pitchFamily="18" charset="0"/>
+                              </a:rPr>
+                              <m:t>1</m:t>
+                            </m:r>
+                          </m:sub>
+                        </m:sSub>
+                      </m:oMath>
+                    </m:oMathPara>
+                  </a14:m>
+                  <a:endParaRPr lang="en-US" dirty="0"/>
+                </a:p>
+              </p:txBody>
+            </p:sp>
+          </mc:Choice>
+          <mc:Fallback>
+            <p:sp>
+              <p:nvSpPr>
+                <p:cNvPr id="25" name="TextBox 24">
+                  <a:extLst>
+                    <a:ext uri="{FF2B5EF4-FFF2-40B4-BE49-F238E27FC236}">
+                      <a16:creationId xmlns:a16="http://schemas.microsoft.com/office/drawing/2014/main" id="{512DB120-5DE6-CBA0-57CE-9C44C5EA484A}"/>
+                    </a:ext>
+                  </a:extLst>
+                </p:cNvPr>
+                <p:cNvSpPr txBox="1">
+                  <a:spLocks noRot="1" noChangeAspect="1" noMove="1" noResize="1" noEditPoints="1" noAdjustHandles="1" noChangeArrowheads="1" noChangeShapeType="1" noTextEdit="1"/>
+                </p:cNvSpPr>
+                <p:nvPr/>
+              </p:nvSpPr>
+              <p:spPr>
+                <a:xfrm>
+                  <a:off x="5188278" y="2559076"/>
+                  <a:ext cx="653449" cy="276999"/>
+                </a:xfrm>
+                <a:prstGeom prst="rect">
+                  <a:avLst/>
+                </a:prstGeom>
+                <a:blipFill>
+                  <a:blip r:embed="rId9"/>
+                  <a:stretch>
+                    <a:fillRect l="-7273" r="-2727" b="-12500"/>
+                  </a:stretch>
+                </a:blipFill>
+                <a:ln>
+                  <a:solidFill>
+                    <a:schemeClr val="tx1"/>
+                  </a:solidFill>
+                </a:ln>
+              </p:spPr>
+              <p:txBody>
+                <a:bodyPr/>
+                <a:lstStyle/>
+                <a:p>
+                  <a:r>
+                    <a:rPr lang="en-NL">
+                      <a:noFill/>
+                    </a:rPr>
+                    <a:t> </a:t>
+                  </a:r>
+                </a:p>
+              </p:txBody>
+            </p:sp>
+          </mc:Fallback>
+        </mc:AlternateContent>
+        <mc:AlternateContent xmlns:mc="http://schemas.openxmlformats.org/markup-compatibility/2006">
+          <mc:Choice xmlns:a14="http://schemas.microsoft.com/office/drawing/2010/main" Requires="a14">
+            <p:sp>
+              <p:nvSpPr>
+                <p:cNvPr id="26" name="TextBox 25">
+                  <a:extLst>
+                    <a:ext uri="{FF2B5EF4-FFF2-40B4-BE49-F238E27FC236}">
+                      <a16:creationId xmlns:a16="http://schemas.microsoft.com/office/drawing/2014/main" id="{A68597BE-F1E1-313D-57B7-5CAD4C013F81}"/>
+                    </a:ext>
+                  </a:extLst>
+                </p:cNvPr>
+                <p:cNvSpPr txBox="1"/>
+                <p:nvPr/>
+              </p:nvSpPr>
+              <p:spPr>
+                <a:xfrm>
+                  <a:off x="5188277" y="3271376"/>
+                  <a:ext cx="653449" cy="276999"/>
+                </a:xfrm>
+                <a:prstGeom prst="rect">
+                  <a:avLst/>
+                </a:prstGeom>
+                <a:noFill/>
+                <a:ln>
+                  <a:solidFill>
+                    <a:schemeClr val="tx1"/>
+                  </a:solidFill>
+                </a:ln>
+              </p:spPr>
+              <p:txBody>
+                <a:bodyPr wrap="none" lIns="0" tIns="0" rIns="0" bIns="0" rtlCol="0">
+                  <a:spAutoFit/>
+                </a:bodyPr>
+                <a:lstStyle/>
+                <a:p>
+                  <a14:m>
+                    <m:oMathPara xmlns:m="http://schemas.openxmlformats.org/officeDocument/2006/math">
+                      <m:oMathParaPr>
+                        <m:jc m:val="centerGroup"/>
+                      </m:oMathParaPr>
+                      <m:oMath xmlns:m="http://schemas.openxmlformats.org/officeDocument/2006/math">
+                        <m:sSub>
+                          <m:sSubPr>
+                            <m:ctrlPr>
+                              <a:rPr lang="en-US" b="0" i="1" smtClean="0">
+                                <a:latin typeface="Cambria Math" panose="02040503050406030204" pitchFamily="18" charset="0"/>
+                              </a:rPr>
+                            </m:ctrlPr>
+                          </m:sSubPr>
+                          <m:e>
+                            <m:r>
+                              <a:rPr lang="en-US" b="0" i="1" smtClean="0">
+                                <a:latin typeface="Cambria Math" panose="02040503050406030204" pitchFamily="18" charset="0"/>
+                              </a:rPr>
+                              <m:t>𝑃𝑟𝑒𝑑</m:t>
+                            </m:r>
+                          </m:e>
+                          <m:sub>
+                            <m:r>
+                              <a:rPr lang="en-US" b="0" i="1" smtClean="0">
+                                <a:latin typeface="Cambria Math" panose="02040503050406030204" pitchFamily="18" charset="0"/>
+                              </a:rPr>
+                              <m:t>2</m:t>
+                            </m:r>
+                          </m:sub>
+                        </m:sSub>
+                      </m:oMath>
+                    </m:oMathPara>
+                  </a14:m>
+                  <a:endParaRPr lang="en-US" dirty="0"/>
+                </a:p>
+              </p:txBody>
+            </p:sp>
+          </mc:Choice>
+          <mc:Fallback>
+            <p:sp>
+              <p:nvSpPr>
+                <p:cNvPr id="26" name="TextBox 25">
+                  <a:extLst>
+                    <a:ext uri="{FF2B5EF4-FFF2-40B4-BE49-F238E27FC236}">
+                      <a16:creationId xmlns:a16="http://schemas.microsoft.com/office/drawing/2014/main" id="{A68597BE-F1E1-313D-57B7-5CAD4C013F81}"/>
+                    </a:ext>
+                  </a:extLst>
+                </p:cNvPr>
+                <p:cNvSpPr txBox="1">
+                  <a:spLocks noRot="1" noChangeAspect="1" noMove="1" noResize="1" noEditPoints="1" noAdjustHandles="1" noChangeArrowheads="1" noChangeShapeType="1" noTextEdit="1"/>
+                </p:cNvSpPr>
+                <p:nvPr/>
+              </p:nvSpPr>
+              <p:spPr>
+                <a:xfrm>
+                  <a:off x="5188277" y="3271376"/>
+                  <a:ext cx="653449" cy="276999"/>
+                </a:xfrm>
+                <a:prstGeom prst="rect">
+                  <a:avLst/>
+                </a:prstGeom>
+                <a:blipFill>
+                  <a:blip r:embed="rId10"/>
+                  <a:stretch>
+                    <a:fillRect l="-8182" r="-2727" b="-12500"/>
+                  </a:stretch>
+                </a:blipFill>
+                <a:ln>
+                  <a:solidFill>
+                    <a:schemeClr val="tx1"/>
+                  </a:solidFill>
+                </a:ln>
+              </p:spPr>
+              <p:txBody>
+                <a:bodyPr/>
+                <a:lstStyle/>
+                <a:p>
+                  <a:r>
+                    <a:rPr lang="en-NL">
+                      <a:noFill/>
+                    </a:rPr>
+                    <a:t> </a:t>
+                  </a:r>
+                </a:p>
+              </p:txBody>
+            </p:sp>
+          </mc:Fallback>
+        </mc:AlternateContent>
+        <mc:AlternateContent xmlns:mc="http://schemas.openxmlformats.org/markup-compatibility/2006">
+          <mc:Choice xmlns:a14="http://schemas.microsoft.com/office/drawing/2010/main" Requires="a14">
+            <p:sp>
+              <p:nvSpPr>
+                <p:cNvPr id="27" name="TextBox 26">
+                  <a:extLst>
+                    <a:ext uri="{FF2B5EF4-FFF2-40B4-BE49-F238E27FC236}">
+                      <a16:creationId xmlns:a16="http://schemas.microsoft.com/office/drawing/2014/main" id="{DF242993-A698-C78B-02C6-805B1A378669}"/>
+                    </a:ext>
+                  </a:extLst>
+                </p:cNvPr>
+                <p:cNvSpPr txBox="1"/>
+                <p:nvPr/>
+              </p:nvSpPr>
+              <p:spPr>
+                <a:xfrm>
+                  <a:off x="5188277" y="3923631"/>
+                  <a:ext cx="653449" cy="276999"/>
+                </a:xfrm>
+                <a:prstGeom prst="rect">
+                  <a:avLst/>
+                </a:prstGeom>
+                <a:noFill/>
+                <a:ln>
+                  <a:solidFill>
+                    <a:schemeClr val="tx1"/>
+                  </a:solidFill>
+                </a:ln>
+              </p:spPr>
+              <p:txBody>
+                <a:bodyPr wrap="none" lIns="0" tIns="0" rIns="0" bIns="0" rtlCol="0">
+                  <a:spAutoFit/>
+                </a:bodyPr>
+                <a:lstStyle/>
+                <a:p>
+                  <a14:m>
+                    <m:oMathPara xmlns:m="http://schemas.openxmlformats.org/officeDocument/2006/math">
+                      <m:oMathParaPr>
+                        <m:jc m:val="centerGroup"/>
+                      </m:oMathParaPr>
+                      <m:oMath xmlns:m="http://schemas.openxmlformats.org/officeDocument/2006/math">
+                        <m:sSub>
+                          <m:sSubPr>
+                            <m:ctrlPr>
+                              <a:rPr lang="en-US" b="0" i="1" smtClean="0">
+                                <a:latin typeface="Cambria Math" panose="02040503050406030204" pitchFamily="18" charset="0"/>
+                              </a:rPr>
+                            </m:ctrlPr>
+                          </m:sSubPr>
+                          <m:e>
+                            <m:r>
+                              <a:rPr lang="en-US" b="0" i="1" smtClean="0">
+                                <a:latin typeface="Cambria Math" panose="02040503050406030204" pitchFamily="18" charset="0"/>
+                              </a:rPr>
+                              <m:t>𝑃𝑟𝑒𝑑</m:t>
+                            </m:r>
+                          </m:e>
+                          <m:sub>
+                            <m:r>
+                              <a:rPr lang="en-US" b="0" i="1" smtClean="0">
+                                <a:latin typeface="Cambria Math" panose="02040503050406030204" pitchFamily="18" charset="0"/>
+                              </a:rPr>
+                              <m:t>3</m:t>
+                            </m:r>
+                          </m:sub>
+                        </m:sSub>
+                      </m:oMath>
+                    </m:oMathPara>
+                  </a14:m>
+                  <a:endParaRPr lang="en-US" dirty="0"/>
+                </a:p>
+              </p:txBody>
+            </p:sp>
+          </mc:Choice>
+          <mc:Fallback>
+            <p:sp>
+              <p:nvSpPr>
+                <p:cNvPr id="27" name="TextBox 26">
+                  <a:extLst>
+                    <a:ext uri="{FF2B5EF4-FFF2-40B4-BE49-F238E27FC236}">
+                      <a16:creationId xmlns:a16="http://schemas.microsoft.com/office/drawing/2014/main" id="{DF242993-A698-C78B-02C6-805B1A378669}"/>
+                    </a:ext>
+                  </a:extLst>
+                </p:cNvPr>
+                <p:cNvSpPr txBox="1">
+                  <a:spLocks noRot="1" noChangeAspect="1" noMove="1" noResize="1" noEditPoints="1" noAdjustHandles="1" noChangeArrowheads="1" noChangeShapeType="1" noTextEdit="1"/>
+                </p:cNvSpPr>
+                <p:nvPr/>
+              </p:nvSpPr>
+              <p:spPr>
+                <a:xfrm>
+                  <a:off x="5188277" y="3923631"/>
+                  <a:ext cx="653449" cy="276999"/>
+                </a:xfrm>
+                <a:prstGeom prst="rect">
+                  <a:avLst/>
+                </a:prstGeom>
+                <a:blipFill>
+                  <a:blip r:embed="rId11"/>
+                  <a:stretch>
+                    <a:fillRect l="-8182" r="-2727" b="-12500"/>
+                  </a:stretch>
+                </a:blipFill>
+                <a:ln>
+                  <a:solidFill>
+                    <a:schemeClr val="tx1"/>
+                  </a:solidFill>
+                </a:ln>
+              </p:spPr>
+              <p:txBody>
+                <a:bodyPr/>
+                <a:lstStyle/>
+                <a:p>
+                  <a:r>
+                    <a:rPr lang="en-NL">
+                      <a:noFill/>
+                    </a:rPr>
+                    <a:t> </a:t>
+                  </a:r>
+                </a:p>
+              </p:txBody>
+            </p:sp>
+          </mc:Fallback>
+        </mc:AlternateContent>
+        <mc:AlternateContent xmlns:mc="http://schemas.openxmlformats.org/markup-compatibility/2006">
+          <mc:Choice xmlns:a14="http://schemas.microsoft.com/office/drawing/2010/main" Requires="a14">
+            <p:sp>
+              <p:nvSpPr>
+                <p:cNvPr id="28" name="TextBox 27">
+                  <a:extLst>
+                    <a:ext uri="{FF2B5EF4-FFF2-40B4-BE49-F238E27FC236}">
+                      <a16:creationId xmlns:a16="http://schemas.microsoft.com/office/drawing/2014/main" id="{8E309613-BC42-A2D7-E0CC-3D7CEE3AC2B0}"/>
+                    </a:ext>
+                  </a:extLst>
+                </p:cNvPr>
+                <p:cNvSpPr txBox="1"/>
+                <p:nvPr/>
+              </p:nvSpPr>
+              <p:spPr>
+                <a:xfrm>
+                  <a:off x="6350275" y="2560622"/>
+                  <a:ext cx="494559" cy="276999"/>
+                </a:xfrm>
+                <a:prstGeom prst="rect">
+                  <a:avLst/>
+                </a:prstGeom>
+                <a:noFill/>
+                <a:ln>
+                  <a:solidFill>
+                    <a:schemeClr val="tx1"/>
+                  </a:solidFill>
+                </a:ln>
+              </p:spPr>
+              <p:txBody>
+                <a:bodyPr wrap="none" lIns="0" tIns="0" rIns="0" bIns="0" rtlCol="0">
+                  <a:spAutoFit/>
+                </a:bodyPr>
+                <a:lstStyle/>
+                <a:p>
+                  <a14:m>
+                    <m:oMathPara xmlns:m="http://schemas.openxmlformats.org/officeDocument/2006/math">
+                      <m:oMathParaPr>
+                        <m:jc m:val="centerGroup"/>
+                      </m:oMathParaPr>
+                      <m:oMath xmlns:m="http://schemas.openxmlformats.org/officeDocument/2006/math">
+                        <m:sSub>
+                          <m:sSubPr>
+                            <m:ctrlPr>
+                              <a:rPr lang="en-US" b="0" i="1" smtClean="0">
+                                <a:latin typeface="Cambria Math" panose="02040503050406030204" pitchFamily="18" charset="0"/>
+                              </a:rPr>
+                            </m:ctrlPr>
+                          </m:sSubPr>
+                          <m:e>
+                            <m:r>
+                              <a:rPr lang="en-US" b="0" i="1" smtClean="0">
+                                <a:latin typeface="Cambria Math" panose="02040503050406030204" pitchFamily="18" charset="0"/>
+                              </a:rPr>
+                              <m:t>𝐴𝑐𝑡</m:t>
+                            </m:r>
+                          </m:e>
+                          <m:sub>
+                            <m:r>
+                              <a:rPr lang="en-US" b="0" i="1" smtClean="0">
+                                <a:latin typeface="Cambria Math" panose="02040503050406030204" pitchFamily="18" charset="0"/>
+                              </a:rPr>
+                              <m:t>1</m:t>
+                            </m:r>
+                          </m:sub>
+                        </m:sSub>
+                      </m:oMath>
+                    </m:oMathPara>
+                  </a14:m>
+                  <a:endParaRPr lang="en-US" dirty="0"/>
+                </a:p>
+              </p:txBody>
+            </p:sp>
+          </mc:Choice>
+          <mc:Fallback>
+            <p:sp>
+              <p:nvSpPr>
+                <p:cNvPr id="28" name="TextBox 27">
+                  <a:extLst>
+                    <a:ext uri="{FF2B5EF4-FFF2-40B4-BE49-F238E27FC236}">
+                      <a16:creationId xmlns:a16="http://schemas.microsoft.com/office/drawing/2014/main" id="{8E309613-BC42-A2D7-E0CC-3D7CEE3AC2B0}"/>
+                    </a:ext>
+                  </a:extLst>
+                </p:cNvPr>
+                <p:cNvSpPr txBox="1">
+                  <a:spLocks noRot="1" noChangeAspect="1" noMove="1" noResize="1" noEditPoints="1" noAdjustHandles="1" noChangeArrowheads="1" noChangeShapeType="1" noTextEdit="1"/>
+                </p:cNvSpPr>
+                <p:nvPr/>
+              </p:nvSpPr>
+              <p:spPr>
+                <a:xfrm>
+                  <a:off x="6350275" y="2560622"/>
+                  <a:ext cx="494559" cy="276999"/>
+                </a:xfrm>
+                <a:prstGeom prst="rect">
+                  <a:avLst/>
+                </a:prstGeom>
+                <a:blipFill>
+                  <a:blip r:embed="rId12"/>
+                  <a:stretch>
+                    <a:fillRect l="-8434" r="-3614" b="-12766"/>
+                  </a:stretch>
+                </a:blipFill>
+                <a:ln>
+                  <a:solidFill>
+                    <a:schemeClr val="tx1"/>
+                  </a:solidFill>
+                </a:ln>
+              </p:spPr>
+              <p:txBody>
+                <a:bodyPr/>
+                <a:lstStyle/>
+                <a:p>
+                  <a:r>
+                    <a:rPr lang="en-NL">
+                      <a:noFill/>
+                    </a:rPr>
+                    <a:t> </a:t>
+                  </a:r>
+                </a:p>
+              </p:txBody>
+            </p:sp>
+          </mc:Fallback>
+        </mc:AlternateContent>
+        <mc:AlternateContent xmlns:mc="http://schemas.openxmlformats.org/markup-compatibility/2006">
+          <mc:Choice xmlns:a14="http://schemas.microsoft.com/office/drawing/2010/main" Requires="a14">
+            <p:sp>
+              <p:nvSpPr>
+                <p:cNvPr id="29" name="TextBox 28">
+                  <a:extLst>
+                    <a:ext uri="{FF2B5EF4-FFF2-40B4-BE49-F238E27FC236}">
+                      <a16:creationId xmlns:a16="http://schemas.microsoft.com/office/drawing/2014/main" id="{BFAA8DAE-3818-DE61-C104-267FBB36A533}"/>
+                    </a:ext>
+                  </a:extLst>
+                </p:cNvPr>
+                <p:cNvSpPr txBox="1"/>
+                <p:nvPr/>
+              </p:nvSpPr>
+              <p:spPr>
+                <a:xfrm>
+                  <a:off x="6350275" y="3275371"/>
+                  <a:ext cx="499880" cy="276999"/>
+                </a:xfrm>
+                <a:prstGeom prst="rect">
+                  <a:avLst/>
+                </a:prstGeom>
+                <a:noFill/>
+                <a:ln>
+                  <a:solidFill>
+                    <a:schemeClr val="tx1"/>
+                  </a:solidFill>
+                </a:ln>
+              </p:spPr>
+              <p:txBody>
+                <a:bodyPr wrap="none" lIns="0" tIns="0" rIns="0" bIns="0" rtlCol="0">
+                  <a:spAutoFit/>
+                </a:bodyPr>
+                <a:lstStyle/>
+                <a:p>
+                  <a14:m>
+                    <m:oMathPara xmlns:m="http://schemas.openxmlformats.org/officeDocument/2006/math">
+                      <m:oMathParaPr>
+                        <m:jc m:val="centerGroup"/>
+                      </m:oMathParaPr>
+                      <m:oMath xmlns:m="http://schemas.openxmlformats.org/officeDocument/2006/math">
+                        <m:sSub>
+                          <m:sSubPr>
+                            <m:ctrlPr>
+                              <a:rPr lang="en-US" b="0" i="1" smtClean="0">
+                                <a:latin typeface="Cambria Math" panose="02040503050406030204" pitchFamily="18" charset="0"/>
+                              </a:rPr>
+                            </m:ctrlPr>
+                          </m:sSubPr>
+                          <m:e>
+                            <m:r>
+                              <a:rPr lang="en-US" b="0" i="1" smtClean="0">
+                                <a:latin typeface="Cambria Math" panose="02040503050406030204" pitchFamily="18" charset="0"/>
+                              </a:rPr>
+                              <m:t>𝐴𝑐𝑡</m:t>
+                            </m:r>
+                          </m:e>
+                          <m:sub>
+                            <m:r>
+                              <a:rPr lang="en-US" b="0" i="1" smtClean="0">
+                                <a:latin typeface="Cambria Math" panose="02040503050406030204" pitchFamily="18" charset="0"/>
+                              </a:rPr>
+                              <m:t>2</m:t>
+                            </m:r>
+                          </m:sub>
+                        </m:sSub>
+                      </m:oMath>
+                    </m:oMathPara>
+                  </a14:m>
+                  <a:endParaRPr lang="en-US" dirty="0"/>
+                </a:p>
+              </p:txBody>
+            </p:sp>
+          </mc:Choice>
+          <mc:Fallback>
+            <p:sp>
+              <p:nvSpPr>
+                <p:cNvPr id="29" name="TextBox 28">
+                  <a:extLst>
+                    <a:ext uri="{FF2B5EF4-FFF2-40B4-BE49-F238E27FC236}">
+                      <a16:creationId xmlns:a16="http://schemas.microsoft.com/office/drawing/2014/main" id="{BFAA8DAE-3818-DE61-C104-267FBB36A533}"/>
+                    </a:ext>
+                  </a:extLst>
+                </p:cNvPr>
+                <p:cNvSpPr txBox="1">
+                  <a:spLocks noRot="1" noChangeAspect="1" noMove="1" noResize="1" noEditPoints="1" noAdjustHandles="1" noChangeArrowheads="1" noChangeShapeType="1" noTextEdit="1"/>
+                </p:cNvSpPr>
+                <p:nvPr/>
+              </p:nvSpPr>
+              <p:spPr>
+                <a:xfrm>
+                  <a:off x="6350275" y="3275371"/>
+                  <a:ext cx="499880" cy="276999"/>
+                </a:xfrm>
+                <a:prstGeom prst="rect">
+                  <a:avLst/>
+                </a:prstGeom>
+                <a:blipFill>
+                  <a:blip r:embed="rId13"/>
+                  <a:stretch>
+                    <a:fillRect l="-8333" r="-3571" b="-12766"/>
+                  </a:stretch>
+                </a:blipFill>
+                <a:ln>
+                  <a:solidFill>
+                    <a:schemeClr val="tx1"/>
+                  </a:solidFill>
+                </a:ln>
+              </p:spPr>
+              <p:txBody>
+                <a:bodyPr/>
+                <a:lstStyle/>
+                <a:p>
+                  <a:r>
+                    <a:rPr lang="en-NL">
+                      <a:noFill/>
+                    </a:rPr>
+                    <a:t> </a:t>
+                  </a:r>
+                </a:p>
+              </p:txBody>
+            </p:sp>
+          </mc:Fallback>
+        </mc:AlternateContent>
+        <mc:AlternateContent xmlns:mc="http://schemas.openxmlformats.org/markup-compatibility/2006">
+          <mc:Choice xmlns:a14="http://schemas.microsoft.com/office/drawing/2010/main" Requires="a14">
+            <p:sp>
+              <p:nvSpPr>
+                <p:cNvPr id="30" name="TextBox 29">
+                  <a:extLst>
+                    <a:ext uri="{FF2B5EF4-FFF2-40B4-BE49-F238E27FC236}">
+                      <a16:creationId xmlns:a16="http://schemas.microsoft.com/office/drawing/2014/main" id="{B5C06D2D-7374-F67E-B57C-F22578E866D8}"/>
+                    </a:ext>
+                  </a:extLst>
+                </p:cNvPr>
+                <p:cNvSpPr txBox="1"/>
+                <p:nvPr/>
+              </p:nvSpPr>
+              <p:spPr>
+                <a:xfrm>
+                  <a:off x="6344954" y="3923631"/>
+                  <a:ext cx="499880" cy="276999"/>
+                </a:xfrm>
+                <a:prstGeom prst="rect">
+                  <a:avLst/>
+                </a:prstGeom>
+                <a:noFill/>
+                <a:ln>
+                  <a:solidFill>
+                    <a:schemeClr val="tx1"/>
+                  </a:solidFill>
+                </a:ln>
+              </p:spPr>
+              <p:txBody>
+                <a:bodyPr wrap="none" lIns="0" tIns="0" rIns="0" bIns="0" rtlCol="0">
+                  <a:spAutoFit/>
+                </a:bodyPr>
+                <a:lstStyle/>
+                <a:p>
+                  <a14:m>
+                    <m:oMathPara xmlns:m="http://schemas.openxmlformats.org/officeDocument/2006/math">
+                      <m:oMathParaPr>
+                        <m:jc m:val="centerGroup"/>
+                      </m:oMathParaPr>
+                      <m:oMath xmlns:m="http://schemas.openxmlformats.org/officeDocument/2006/math">
+                        <m:sSub>
+                          <m:sSubPr>
+                            <m:ctrlPr>
+                              <a:rPr lang="en-US" b="0" i="1" smtClean="0">
+                                <a:latin typeface="Cambria Math" panose="02040503050406030204" pitchFamily="18" charset="0"/>
+                              </a:rPr>
+                            </m:ctrlPr>
+                          </m:sSubPr>
+                          <m:e>
+                            <m:r>
+                              <a:rPr lang="en-US" b="0" i="1" smtClean="0">
+                                <a:latin typeface="Cambria Math" panose="02040503050406030204" pitchFamily="18" charset="0"/>
+                              </a:rPr>
+                              <m:t>𝐴𝑐𝑡</m:t>
+                            </m:r>
+                          </m:e>
+                          <m:sub>
+                            <m:r>
+                              <a:rPr lang="en-US" b="0" i="1" smtClean="0">
+                                <a:latin typeface="Cambria Math" panose="02040503050406030204" pitchFamily="18" charset="0"/>
+                              </a:rPr>
+                              <m:t>3</m:t>
+                            </m:r>
+                          </m:sub>
+                        </m:sSub>
+                      </m:oMath>
+                    </m:oMathPara>
+                  </a14:m>
+                  <a:endParaRPr lang="en-US" dirty="0"/>
+                </a:p>
+              </p:txBody>
+            </p:sp>
+          </mc:Choice>
+          <mc:Fallback>
+            <p:sp>
+              <p:nvSpPr>
+                <p:cNvPr id="30" name="TextBox 29">
+                  <a:extLst>
+                    <a:ext uri="{FF2B5EF4-FFF2-40B4-BE49-F238E27FC236}">
+                      <a16:creationId xmlns:a16="http://schemas.microsoft.com/office/drawing/2014/main" id="{B5C06D2D-7374-F67E-B57C-F22578E866D8}"/>
+                    </a:ext>
+                  </a:extLst>
+                </p:cNvPr>
+                <p:cNvSpPr txBox="1">
+                  <a:spLocks noRot="1" noChangeAspect="1" noMove="1" noResize="1" noEditPoints="1" noAdjustHandles="1" noChangeArrowheads="1" noChangeShapeType="1" noTextEdit="1"/>
+                </p:cNvSpPr>
+                <p:nvPr/>
+              </p:nvSpPr>
+              <p:spPr>
+                <a:xfrm>
+                  <a:off x="6344954" y="3923631"/>
+                  <a:ext cx="499880" cy="276999"/>
+                </a:xfrm>
+                <a:prstGeom prst="rect">
+                  <a:avLst/>
+                </a:prstGeom>
+                <a:blipFill>
+                  <a:blip r:embed="rId14"/>
+                  <a:stretch>
+                    <a:fillRect l="-8333" r="-3571" b="-12500"/>
+                  </a:stretch>
+                </a:blipFill>
+                <a:ln>
+                  <a:solidFill>
+                    <a:schemeClr val="tx1"/>
+                  </a:solidFill>
+                </a:ln>
+              </p:spPr>
+              <p:txBody>
+                <a:bodyPr/>
+                <a:lstStyle/>
+                <a:p>
+                  <a:r>
+                    <a:rPr lang="en-NL">
+                      <a:noFill/>
+                    </a:rPr>
+                    <a:t> </a:t>
+                  </a:r>
+                </a:p>
+              </p:txBody>
+            </p:sp>
+          </mc:Fallback>
+        </mc:AlternateContent>
+        <p:cxnSp>
+          <p:nvCxnSpPr>
+            <p:cNvPr id="32" name="Straight Arrow Connector 31">
+              <a:extLst>
+                <a:ext uri="{FF2B5EF4-FFF2-40B4-BE49-F238E27FC236}">
+                  <a16:creationId xmlns:a16="http://schemas.microsoft.com/office/drawing/2014/main" id="{01BB8352-B851-9331-6AD3-539A8250F2A9}"/>
+                </a:ext>
+              </a:extLst>
+            </p:cNvPr>
+            <p:cNvCxnSpPr>
+              <a:cxnSpLocks/>
+              <a:stCxn id="2" idx="3"/>
+              <a:endCxn id="9" idx="1"/>
+            </p:cNvCxnSpPr>
+            <p:nvPr/>
+          </p:nvCxnSpPr>
+          <p:spPr>
+            <a:xfrm flipV="1">
+              <a:off x="988971" y="3089280"/>
+              <a:ext cx="173928" cy="129458"/>
+            </a:xfrm>
+            <a:prstGeom prst="straightConnector1">
+              <a:avLst/>
+            </a:prstGeom>
+            <a:ln>
+              <a:solidFill>
+                <a:schemeClr val="tx1"/>
+              </a:solidFill>
+              <a:tailEnd type="triangle"/>
+            </a:ln>
+          </p:spPr>
+          <p:style>
+            <a:lnRef idx="1">
+              <a:schemeClr val="accent1"/>
+            </a:lnRef>
+            <a:fillRef idx="0">
+              <a:schemeClr val="accent1"/>
+            </a:fillRef>
+            <a:effectRef idx="0">
+              <a:schemeClr val="accent1"/>
+            </a:effectRef>
+            <a:fontRef idx="minor">
+              <a:schemeClr val="tx1"/>
+            </a:fontRef>
+          </p:style>
+        </p:cxnSp>
+        <p:cxnSp>
+          <p:nvCxnSpPr>
+            <p:cNvPr id="34" name="Straight Arrow Connector 33">
+              <a:extLst>
+                <a:ext uri="{FF2B5EF4-FFF2-40B4-BE49-F238E27FC236}">
+                  <a16:creationId xmlns:a16="http://schemas.microsoft.com/office/drawing/2014/main" id="{D2D6A791-CF12-DA9B-C880-C4D60AFFBFB2}"/>
+                </a:ext>
+              </a:extLst>
+            </p:cNvPr>
+            <p:cNvCxnSpPr>
+              <a:cxnSpLocks/>
+              <a:stCxn id="10" idx="3"/>
+              <a:endCxn id="5" idx="1"/>
+            </p:cNvCxnSpPr>
+            <p:nvPr/>
+          </p:nvCxnSpPr>
+          <p:spPr>
+            <a:xfrm>
+              <a:off x="1904512" y="3350426"/>
+              <a:ext cx="294678" cy="422029"/>
+            </a:xfrm>
+            <a:prstGeom prst="straightConnector1">
+              <a:avLst/>
+            </a:prstGeom>
+            <a:ln>
+              <a:solidFill>
+                <a:schemeClr val="tx1"/>
+              </a:solidFill>
+              <a:tailEnd type="triangle"/>
+            </a:ln>
+          </p:spPr>
+          <p:style>
+            <a:lnRef idx="1">
+              <a:schemeClr val="accent1"/>
+            </a:lnRef>
+            <a:fillRef idx="0">
+              <a:schemeClr val="accent1"/>
+            </a:fillRef>
+            <a:effectRef idx="0">
+              <a:schemeClr val="accent1"/>
+            </a:effectRef>
+            <a:fontRef idx="minor">
+              <a:schemeClr val="tx1"/>
+            </a:fontRef>
+          </p:style>
+        </p:cxnSp>
+        <p:cxnSp>
+          <p:nvCxnSpPr>
+            <p:cNvPr id="37" name="Straight Arrow Connector 36">
+              <a:extLst>
+                <a:ext uri="{FF2B5EF4-FFF2-40B4-BE49-F238E27FC236}">
+                  <a16:creationId xmlns:a16="http://schemas.microsoft.com/office/drawing/2014/main" id="{D777ABDF-B2F9-4AAE-EEA7-917D594EBFC5}"/>
+                </a:ext>
+              </a:extLst>
+            </p:cNvPr>
+            <p:cNvCxnSpPr>
+              <a:cxnSpLocks/>
+              <a:stCxn id="3" idx="3"/>
+              <a:endCxn id="11" idx="1"/>
+            </p:cNvCxnSpPr>
+            <p:nvPr/>
+          </p:nvCxnSpPr>
+          <p:spPr>
+            <a:xfrm flipV="1">
+              <a:off x="987717" y="3662562"/>
+              <a:ext cx="175182" cy="115886"/>
+            </a:xfrm>
+            <a:prstGeom prst="straightConnector1">
+              <a:avLst/>
+            </a:prstGeom>
+            <a:ln>
+              <a:solidFill>
+                <a:schemeClr val="tx1"/>
+              </a:solidFill>
+              <a:tailEnd type="triangle"/>
+            </a:ln>
+          </p:spPr>
+          <p:style>
+            <a:lnRef idx="1">
+              <a:schemeClr val="accent1"/>
+            </a:lnRef>
+            <a:fillRef idx="0">
+              <a:schemeClr val="accent1"/>
+            </a:fillRef>
+            <a:effectRef idx="0">
+              <a:schemeClr val="accent1"/>
+            </a:effectRef>
+            <a:fontRef idx="minor">
+              <a:schemeClr val="tx1"/>
+            </a:fontRef>
+          </p:style>
+        </p:cxnSp>
+        <p:cxnSp>
+          <p:nvCxnSpPr>
+            <p:cNvPr id="40" name="Straight Arrow Connector 39">
+              <a:extLst>
+                <a:ext uri="{FF2B5EF4-FFF2-40B4-BE49-F238E27FC236}">
+                  <a16:creationId xmlns:a16="http://schemas.microsoft.com/office/drawing/2014/main" id="{DB9D81F9-62A6-6329-448A-81163BFA6F20}"/>
+                </a:ext>
+              </a:extLst>
+            </p:cNvPr>
+            <p:cNvCxnSpPr>
+              <a:cxnSpLocks/>
+              <a:stCxn id="3" idx="3"/>
+              <a:endCxn id="12" idx="1"/>
+            </p:cNvCxnSpPr>
+            <p:nvPr/>
+          </p:nvCxnSpPr>
+          <p:spPr>
+            <a:xfrm>
+              <a:off x="987717" y="3778448"/>
+              <a:ext cx="175182" cy="132506"/>
+            </a:xfrm>
+            <a:prstGeom prst="straightConnector1">
+              <a:avLst/>
+            </a:prstGeom>
+            <a:ln>
+              <a:solidFill>
+                <a:schemeClr val="tx1"/>
+              </a:solidFill>
+              <a:tailEnd type="triangle"/>
+            </a:ln>
+          </p:spPr>
+          <p:style>
+            <a:lnRef idx="1">
+              <a:schemeClr val="accent1"/>
+            </a:lnRef>
+            <a:fillRef idx="0">
+              <a:schemeClr val="accent1"/>
+            </a:fillRef>
+            <a:effectRef idx="0">
+              <a:schemeClr val="accent1"/>
+            </a:effectRef>
+            <a:fontRef idx="minor">
+              <a:schemeClr val="tx1"/>
+            </a:fontRef>
+          </p:style>
+        </p:cxnSp>
+        <mc:AlternateContent xmlns:mc="http://schemas.openxmlformats.org/markup-compatibility/2006">
+          <mc:Choice xmlns:a14="http://schemas.microsoft.com/office/drawing/2010/main" Requires="a14">
+            <p:sp>
+              <p:nvSpPr>
+                <p:cNvPr id="9" name="TextBox 8">
+                  <a:extLst>
+                    <a:ext uri="{FF2B5EF4-FFF2-40B4-BE49-F238E27FC236}">
+                      <a16:creationId xmlns:a16="http://schemas.microsoft.com/office/drawing/2014/main" id="{06F33CC4-B9C7-93C7-F148-F3093F7F0111}"/>
+                    </a:ext>
+                  </a:extLst>
+                </p:cNvPr>
+                <p:cNvSpPr txBox="1"/>
+                <p:nvPr/>
+              </p:nvSpPr>
+              <p:spPr>
+                <a:xfrm>
+                  <a:off x="1162899" y="3005699"/>
+                  <a:ext cx="726929" cy="167162"/>
+                </a:xfrm>
+                <a:prstGeom prst="rect">
+                  <a:avLst/>
+                </a:prstGeom>
+                <a:solidFill>
+                  <a:schemeClr val="bg1">
+                    <a:lumMod val="95000"/>
+                  </a:schemeClr>
+                </a:solidFill>
+                <a:ln>
+                  <a:noFill/>
+                </a:ln>
+              </p:spPr>
+              <p:txBody>
+                <a:bodyPr wrap="square" lIns="0" tIns="0" rIns="0" bIns="0" rtlCol="0">
+                  <a:spAutoFit/>
+                </a:bodyPr>
+                <a:lstStyle/>
+                <a:p>
+                  <a14:m>
+                    <m:oMathPara xmlns:m="http://schemas.openxmlformats.org/officeDocument/2006/math">
+                      <m:oMathParaPr>
+                        <m:jc m:val="centerGroup"/>
+                      </m:oMathParaPr>
+                      <m:oMath xmlns:m="http://schemas.openxmlformats.org/officeDocument/2006/math">
+                        <m:sSub>
+                          <m:sSubPr>
+                            <m:ctrlPr>
+                              <a:rPr lang="en-NL" sz="1000" i="1" smtClean="0">
+                                <a:latin typeface="Cambria Math" panose="02040503050406030204" pitchFamily="18" charset="0"/>
+                              </a:rPr>
+                            </m:ctrlPr>
+                          </m:sSubPr>
+                          <m:e>
+                            <m:r>
+                              <a:rPr lang="en-US" sz="1000" b="0" i="1" smtClean="0">
+                                <a:latin typeface="Cambria Math" panose="02040503050406030204" pitchFamily="18" charset="0"/>
+                              </a:rPr>
+                              <m:t>𝑤</m:t>
+                            </m:r>
+                          </m:e>
+                          <m:sub>
+                            <m:r>
+                              <a:rPr lang="en-US" sz="1000" b="0" i="1" smtClean="0">
+                                <a:latin typeface="Cambria Math" panose="02040503050406030204" pitchFamily="18" charset="0"/>
+                              </a:rPr>
+                              <m:t>1,</m:t>
+                            </m:r>
+                            <m:sSub>
+                              <m:sSubPr>
+                                <m:ctrlPr>
+                                  <a:rPr lang="en-US" sz="1000" b="0" i="1" smtClean="0">
+                                    <a:latin typeface="Cambria Math" panose="02040503050406030204" pitchFamily="18" charset="0"/>
+                                  </a:rPr>
+                                </m:ctrlPr>
+                              </m:sSubPr>
+                              <m:e>
+                                <m:r>
+                                  <a:rPr lang="en-US" sz="1000" b="0" i="1" smtClean="0">
+                                    <a:latin typeface="Cambria Math" panose="02040503050406030204" pitchFamily="18" charset="0"/>
+                                  </a:rPr>
+                                  <m:t>𝑁</m:t>
+                                </m:r>
+                              </m:e>
+                              <m:sub>
+                                <m:r>
+                                  <a:rPr lang="en-US" sz="1000" b="0" i="1" smtClean="0">
+                                    <a:latin typeface="Cambria Math" panose="02040503050406030204" pitchFamily="18" charset="0"/>
+                                  </a:rPr>
+                                  <m:t>1</m:t>
+                                </m:r>
+                              </m:sub>
+                            </m:sSub>
+                          </m:sub>
+                        </m:sSub>
+                        <m:r>
+                          <a:rPr lang="en-US" sz="1000" b="0" i="1" smtClean="0">
+                            <a:latin typeface="Cambria Math" panose="02040503050406030204" pitchFamily="18" charset="0"/>
+                          </a:rPr>
+                          <m:t>=−2.5</m:t>
+                        </m:r>
+                      </m:oMath>
+                    </m:oMathPara>
+                  </a14:m>
+                  <a:endParaRPr lang="en-NL" sz="1000" dirty="0"/>
+                </a:p>
+              </p:txBody>
+            </p:sp>
+          </mc:Choice>
+          <mc:Fallback>
+            <p:sp>
+              <p:nvSpPr>
+                <p:cNvPr id="9" name="TextBox 8">
+                  <a:extLst>
+                    <a:ext uri="{FF2B5EF4-FFF2-40B4-BE49-F238E27FC236}">
+                      <a16:creationId xmlns:a16="http://schemas.microsoft.com/office/drawing/2014/main" id="{06F33CC4-B9C7-93C7-F148-F3093F7F0111}"/>
+                    </a:ext>
+                  </a:extLst>
+                </p:cNvPr>
+                <p:cNvSpPr txBox="1">
+                  <a:spLocks noRot="1" noChangeAspect="1" noMove="1" noResize="1" noEditPoints="1" noAdjustHandles="1" noChangeArrowheads="1" noChangeShapeType="1" noTextEdit="1"/>
+                </p:cNvSpPr>
+                <p:nvPr/>
+              </p:nvSpPr>
+              <p:spPr>
+                <a:xfrm>
+                  <a:off x="1162899" y="3005699"/>
+                  <a:ext cx="726929" cy="167162"/>
+                </a:xfrm>
+                <a:prstGeom prst="rect">
+                  <a:avLst/>
+                </a:prstGeom>
+                <a:blipFill>
+                  <a:blip r:embed="rId15"/>
+                  <a:stretch>
+                    <a:fillRect l="-2521" r="-5882" b="-14815"/>
+                  </a:stretch>
+                </a:blipFill>
+                <a:ln>
+                  <a:noFill/>
+                </a:ln>
+              </p:spPr>
+              <p:txBody>
+                <a:bodyPr/>
+                <a:lstStyle/>
+                <a:p>
+                  <a:r>
+                    <a:rPr lang="en-NL">
+                      <a:noFill/>
+                    </a:rPr>
+                    <a:t> </a:t>
+                  </a:r>
+                </a:p>
+              </p:txBody>
+            </p:sp>
+          </mc:Fallback>
+        </mc:AlternateContent>
+        <mc:AlternateContent xmlns:mc="http://schemas.openxmlformats.org/markup-compatibility/2006">
+          <mc:Choice xmlns:a14="http://schemas.microsoft.com/office/drawing/2010/main" Requires="a14">
+            <p:sp>
+              <p:nvSpPr>
+                <p:cNvPr id="7" name="TextBox 6">
+                  <a:extLst>
+                    <a:ext uri="{FF2B5EF4-FFF2-40B4-BE49-F238E27FC236}">
+                      <a16:creationId xmlns:a16="http://schemas.microsoft.com/office/drawing/2014/main" id="{231709D9-2953-E274-FCEC-AB3A68F046FF}"/>
+                    </a:ext>
+                  </a:extLst>
+                </p:cNvPr>
+                <p:cNvSpPr txBox="1"/>
+                <p:nvPr/>
+              </p:nvSpPr>
+              <p:spPr>
+                <a:xfrm>
+                  <a:off x="1650001" y="2714341"/>
+                  <a:ext cx="549189" cy="167162"/>
+                </a:xfrm>
+                <a:prstGeom prst="rect">
+                  <a:avLst/>
+                </a:prstGeom>
+                <a:solidFill>
+                  <a:schemeClr val="bg1">
+                    <a:lumMod val="95000"/>
+                  </a:schemeClr>
+                </a:solidFill>
+                <a:ln>
+                  <a:noFill/>
+                </a:ln>
+              </p:spPr>
+              <p:txBody>
+                <a:bodyPr wrap="none" lIns="0" tIns="0" rIns="0" bIns="0" rtlCol="0">
+                  <a:spAutoFit/>
+                </a:bodyPr>
+                <a:lstStyle/>
+                <a:p>
+                  <a14:m>
+                    <m:oMathPara xmlns:m="http://schemas.openxmlformats.org/officeDocument/2006/math">
+                      <m:oMathParaPr>
+                        <m:jc m:val="centerGroup"/>
+                      </m:oMathParaPr>
+                      <m:oMath xmlns:m="http://schemas.openxmlformats.org/officeDocument/2006/math">
+                        <m:sSub>
+                          <m:sSubPr>
+                            <m:ctrlPr>
+                              <a:rPr lang="en-NL" sz="1000" i="1" smtClean="0">
+                                <a:latin typeface="Cambria Math" panose="02040503050406030204" pitchFamily="18" charset="0"/>
+                              </a:rPr>
+                            </m:ctrlPr>
+                          </m:sSubPr>
+                          <m:e>
+                            <m:r>
+                              <a:rPr lang="en-US" sz="1000" b="0" i="1" smtClean="0">
+                                <a:latin typeface="Cambria Math" panose="02040503050406030204" pitchFamily="18" charset="0"/>
+                              </a:rPr>
+                              <m:t>𝑏</m:t>
+                            </m:r>
+                          </m:e>
+                          <m:sub>
+                            <m:sSub>
+                              <m:sSubPr>
+                                <m:ctrlPr>
+                                  <a:rPr lang="en-NL" sz="1000" i="1" smtClean="0">
+                                    <a:latin typeface="Cambria Math" panose="02040503050406030204" pitchFamily="18" charset="0"/>
+                                  </a:rPr>
+                                </m:ctrlPr>
+                              </m:sSubPr>
+                              <m:e>
+                                <m:r>
+                                  <a:rPr lang="en-US" sz="1000" b="0" i="1" smtClean="0">
+                                    <a:latin typeface="Cambria Math" panose="02040503050406030204" pitchFamily="18" charset="0"/>
+                                  </a:rPr>
+                                  <m:t>𝑁</m:t>
+                                </m:r>
+                              </m:e>
+                              <m:sub>
+                                <m:r>
+                                  <a:rPr lang="en-US" sz="1000" b="0" i="1" smtClean="0">
+                                    <a:latin typeface="Cambria Math" panose="02040503050406030204" pitchFamily="18" charset="0"/>
+                                  </a:rPr>
+                                  <m:t>1</m:t>
+                                </m:r>
+                              </m:sub>
+                            </m:sSub>
+                          </m:sub>
+                        </m:sSub>
+                        <m:r>
+                          <a:rPr lang="en-US" sz="1000" b="0" i="1" smtClean="0">
+                            <a:latin typeface="Cambria Math" panose="02040503050406030204" pitchFamily="18" charset="0"/>
+                          </a:rPr>
+                          <m:t>=1.6</m:t>
+                        </m:r>
+                      </m:oMath>
+                    </m:oMathPara>
+                  </a14:m>
+                  <a:endParaRPr lang="en-NL" sz="1000" dirty="0"/>
+                </a:p>
+              </p:txBody>
+            </p:sp>
+          </mc:Choice>
+          <mc:Fallback>
+            <p:sp>
+              <p:nvSpPr>
+                <p:cNvPr id="7" name="TextBox 6">
+                  <a:extLst>
+                    <a:ext uri="{FF2B5EF4-FFF2-40B4-BE49-F238E27FC236}">
+                      <a16:creationId xmlns:a16="http://schemas.microsoft.com/office/drawing/2014/main" id="{231709D9-2953-E274-FCEC-AB3A68F046FF}"/>
+                    </a:ext>
+                  </a:extLst>
+                </p:cNvPr>
+                <p:cNvSpPr txBox="1">
+                  <a:spLocks noRot="1" noChangeAspect="1" noMove="1" noResize="1" noEditPoints="1" noAdjustHandles="1" noChangeArrowheads="1" noChangeShapeType="1" noTextEdit="1"/>
+                </p:cNvSpPr>
+                <p:nvPr/>
+              </p:nvSpPr>
+              <p:spPr>
+                <a:xfrm>
+                  <a:off x="1650001" y="2714341"/>
+                  <a:ext cx="549189" cy="167162"/>
+                </a:xfrm>
+                <a:prstGeom prst="rect">
+                  <a:avLst/>
+                </a:prstGeom>
+                <a:blipFill>
+                  <a:blip r:embed="rId16"/>
+                  <a:stretch>
+                    <a:fillRect l="-5556" r="-5556" b="-14815"/>
+                  </a:stretch>
+                </a:blipFill>
+                <a:ln>
+                  <a:noFill/>
+                </a:ln>
+              </p:spPr>
+              <p:txBody>
+                <a:bodyPr/>
+                <a:lstStyle/>
+                <a:p>
+                  <a:r>
+                    <a:rPr lang="en-NL">
+                      <a:noFill/>
+                    </a:rPr>
+                    <a:t> </a:t>
+                  </a:r>
+                </a:p>
+              </p:txBody>
+            </p:sp>
+          </mc:Fallback>
+        </mc:AlternateContent>
+        <mc:AlternateContent xmlns:mc="http://schemas.openxmlformats.org/markup-compatibility/2006">
+          <mc:Choice xmlns:a14="http://schemas.microsoft.com/office/drawing/2010/main" Requires="a14">
+            <p:sp>
+              <p:nvSpPr>
+                <p:cNvPr id="8" name="TextBox 7">
+                  <a:extLst>
+                    <a:ext uri="{FF2B5EF4-FFF2-40B4-BE49-F238E27FC236}">
+                      <a16:creationId xmlns:a16="http://schemas.microsoft.com/office/drawing/2014/main" id="{D6C7F661-83C4-745B-0C11-2014AF8CB62A}"/>
+                    </a:ext>
+                  </a:extLst>
+                </p:cNvPr>
+                <p:cNvSpPr txBox="1"/>
+                <p:nvPr/>
+              </p:nvSpPr>
+              <p:spPr>
+                <a:xfrm>
+                  <a:off x="1637579" y="4075765"/>
+                  <a:ext cx="549189" cy="167162"/>
+                </a:xfrm>
+                <a:prstGeom prst="rect">
+                  <a:avLst/>
+                </a:prstGeom>
+                <a:solidFill>
+                  <a:schemeClr val="bg1">
+                    <a:lumMod val="95000"/>
+                  </a:schemeClr>
+                </a:solidFill>
+                <a:ln>
+                  <a:noFill/>
+                </a:ln>
+              </p:spPr>
+              <p:txBody>
+                <a:bodyPr wrap="none" lIns="0" tIns="0" rIns="0" bIns="0" rtlCol="0">
+                  <a:spAutoFit/>
+                </a:bodyPr>
+                <a:lstStyle/>
+                <a:p>
+                  <a14:m>
+                    <m:oMathPara xmlns:m="http://schemas.openxmlformats.org/officeDocument/2006/math">
+                      <m:oMathParaPr>
+                        <m:jc m:val="centerGroup"/>
+                      </m:oMathParaPr>
+                      <m:oMath xmlns:m="http://schemas.openxmlformats.org/officeDocument/2006/math">
+                        <m:sSub>
+                          <m:sSubPr>
+                            <m:ctrlPr>
+                              <a:rPr lang="en-NL" sz="1000" i="1" smtClean="0">
+                                <a:latin typeface="Cambria Math" panose="02040503050406030204" pitchFamily="18" charset="0"/>
+                              </a:rPr>
+                            </m:ctrlPr>
+                          </m:sSubPr>
+                          <m:e>
+                            <m:r>
+                              <a:rPr lang="en-US" sz="1000" b="0" i="1" smtClean="0">
+                                <a:latin typeface="Cambria Math" panose="02040503050406030204" pitchFamily="18" charset="0"/>
+                              </a:rPr>
+                              <m:t>𝑏</m:t>
+                            </m:r>
+                          </m:e>
+                          <m:sub>
+                            <m:sSub>
+                              <m:sSubPr>
+                                <m:ctrlPr>
+                                  <a:rPr lang="en-NL" sz="1000" i="1" smtClean="0">
+                                    <a:latin typeface="Cambria Math" panose="02040503050406030204" pitchFamily="18" charset="0"/>
+                                  </a:rPr>
+                                </m:ctrlPr>
+                              </m:sSubPr>
+                              <m:e>
+                                <m:r>
+                                  <a:rPr lang="en-US" sz="1000" b="0" i="1" smtClean="0">
+                                    <a:latin typeface="Cambria Math" panose="02040503050406030204" pitchFamily="18" charset="0"/>
+                                  </a:rPr>
+                                  <m:t>𝑁</m:t>
+                                </m:r>
+                              </m:e>
+                              <m:sub>
+                                <m:r>
+                                  <a:rPr lang="en-US" sz="1000" b="0" i="1" smtClean="0">
+                                    <a:latin typeface="Cambria Math" panose="02040503050406030204" pitchFamily="18" charset="0"/>
+                                  </a:rPr>
+                                  <m:t>2</m:t>
+                                </m:r>
+                              </m:sub>
+                            </m:sSub>
+                          </m:sub>
+                        </m:sSub>
+                        <m:r>
+                          <a:rPr lang="en-US" sz="1000" b="0" i="1" smtClean="0">
+                            <a:latin typeface="Cambria Math" panose="02040503050406030204" pitchFamily="18" charset="0"/>
+                          </a:rPr>
+                          <m:t>=0.7</m:t>
+                        </m:r>
+                      </m:oMath>
+                    </m:oMathPara>
+                  </a14:m>
+                  <a:endParaRPr lang="en-NL" sz="1000" dirty="0"/>
+                </a:p>
+              </p:txBody>
+            </p:sp>
+          </mc:Choice>
+          <mc:Fallback>
+            <p:sp>
+              <p:nvSpPr>
+                <p:cNvPr id="8" name="TextBox 7">
+                  <a:extLst>
+                    <a:ext uri="{FF2B5EF4-FFF2-40B4-BE49-F238E27FC236}">
+                      <a16:creationId xmlns:a16="http://schemas.microsoft.com/office/drawing/2014/main" id="{D6C7F661-83C4-745B-0C11-2014AF8CB62A}"/>
+                    </a:ext>
+                  </a:extLst>
+                </p:cNvPr>
+                <p:cNvSpPr txBox="1">
+                  <a:spLocks noRot="1" noChangeAspect="1" noMove="1" noResize="1" noEditPoints="1" noAdjustHandles="1" noChangeArrowheads="1" noChangeShapeType="1" noTextEdit="1"/>
+                </p:cNvSpPr>
+                <p:nvPr/>
+              </p:nvSpPr>
+              <p:spPr>
+                <a:xfrm>
+                  <a:off x="1637579" y="4075765"/>
+                  <a:ext cx="549189" cy="167162"/>
+                </a:xfrm>
+                <a:prstGeom prst="rect">
+                  <a:avLst/>
+                </a:prstGeom>
+                <a:blipFill>
+                  <a:blip r:embed="rId17"/>
+                  <a:stretch>
+                    <a:fillRect l="-5556" r="-5556" b="-14286"/>
+                  </a:stretch>
+                </a:blipFill>
+                <a:ln>
+                  <a:noFill/>
+                </a:ln>
+              </p:spPr>
+              <p:txBody>
+                <a:bodyPr/>
+                <a:lstStyle/>
+                <a:p>
+                  <a:r>
+                    <a:rPr lang="en-NL">
+                      <a:noFill/>
+                    </a:rPr>
+                    <a:t> </a:t>
+                  </a:r>
+                </a:p>
+              </p:txBody>
+            </p:sp>
+          </mc:Fallback>
+        </mc:AlternateContent>
+        <mc:AlternateContent xmlns:mc="http://schemas.openxmlformats.org/markup-compatibility/2006">
+          <mc:Choice xmlns:a14="http://schemas.microsoft.com/office/drawing/2010/main" Requires="a14">
+            <p:sp>
+              <p:nvSpPr>
+                <p:cNvPr id="10" name="TextBox 9">
+                  <a:extLst>
+                    <a:ext uri="{FF2B5EF4-FFF2-40B4-BE49-F238E27FC236}">
+                      <a16:creationId xmlns:a16="http://schemas.microsoft.com/office/drawing/2014/main" id="{828BF528-7321-52A2-2E1B-7F1C8BFFB261}"/>
+                    </a:ext>
+                  </a:extLst>
+                </p:cNvPr>
+                <p:cNvSpPr txBox="1"/>
+                <p:nvPr/>
+              </p:nvSpPr>
+              <p:spPr>
+                <a:xfrm>
+                  <a:off x="1162899" y="3266845"/>
+                  <a:ext cx="741613" cy="167162"/>
+                </a:xfrm>
+                <a:prstGeom prst="rect">
+                  <a:avLst/>
+                </a:prstGeom>
+                <a:solidFill>
+                  <a:schemeClr val="bg1">
+                    <a:lumMod val="95000"/>
+                  </a:schemeClr>
+                </a:solidFill>
+                <a:ln>
+                  <a:noFill/>
+                </a:ln>
+              </p:spPr>
+              <p:txBody>
+                <a:bodyPr wrap="none" lIns="0" tIns="0" rIns="0" bIns="0" rtlCol="0">
+                  <a:spAutoFit/>
+                </a:bodyPr>
+                <a:lstStyle/>
+                <a:p>
+                  <a14:m>
+                    <m:oMathPara xmlns:m="http://schemas.openxmlformats.org/officeDocument/2006/math">
+                      <m:oMathParaPr>
+                        <m:jc m:val="centerGroup"/>
+                      </m:oMathParaPr>
+                      <m:oMath xmlns:m="http://schemas.openxmlformats.org/officeDocument/2006/math">
+                        <m:sSub>
+                          <m:sSubPr>
+                            <m:ctrlPr>
+                              <a:rPr lang="en-NL" sz="1000" i="1" smtClean="0">
+                                <a:latin typeface="Cambria Math" panose="02040503050406030204" pitchFamily="18" charset="0"/>
+                              </a:rPr>
+                            </m:ctrlPr>
+                          </m:sSubPr>
+                          <m:e>
+                            <m:r>
+                              <a:rPr lang="en-US" sz="1000" b="0" i="1" smtClean="0">
+                                <a:latin typeface="Cambria Math" panose="02040503050406030204" pitchFamily="18" charset="0"/>
+                              </a:rPr>
+                              <m:t>𝑤</m:t>
+                            </m:r>
+                          </m:e>
+                          <m:sub>
+                            <m:r>
+                              <a:rPr lang="en-US" sz="1000" b="0" i="1" smtClean="0">
+                                <a:latin typeface="Cambria Math" panose="02040503050406030204" pitchFamily="18" charset="0"/>
+                              </a:rPr>
+                              <m:t>1,</m:t>
+                            </m:r>
+                            <m:sSub>
+                              <m:sSubPr>
+                                <m:ctrlPr>
+                                  <a:rPr lang="en-US" sz="1000" b="0" i="1" smtClean="0">
+                                    <a:latin typeface="Cambria Math" panose="02040503050406030204" pitchFamily="18" charset="0"/>
+                                  </a:rPr>
+                                </m:ctrlPr>
+                              </m:sSubPr>
+                              <m:e>
+                                <m:r>
+                                  <a:rPr lang="en-US" sz="1000" b="0" i="1" smtClean="0">
+                                    <a:latin typeface="Cambria Math" panose="02040503050406030204" pitchFamily="18" charset="0"/>
+                                  </a:rPr>
+                                  <m:t>𝑁</m:t>
+                                </m:r>
+                              </m:e>
+                              <m:sub>
+                                <m:r>
+                                  <a:rPr lang="en-US" sz="1000" b="0" i="1" smtClean="0">
+                                    <a:latin typeface="Cambria Math" panose="02040503050406030204" pitchFamily="18" charset="0"/>
+                                  </a:rPr>
+                                  <m:t>2</m:t>
+                                </m:r>
+                              </m:sub>
+                            </m:sSub>
+                          </m:sub>
+                        </m:sSub>
+                        <m:r>
+                          <a:rPr lang="en-US" sz="1000" b="0" i="1" smtClean="0">
+                            <a:latin typeface="Cambria Math" panose="02040503050406030204" pitchFamily="18" charset="0"/>
+                          </a:rPr>
+                          <m:t>=−1.5</m:t>
+                        </m:r>
+                      </m:oMath>
+                    </m:oMathPara>
+                  </a14:m>
+                  <a:endParaRPr lang="en-NL" sz="1000" dirty="0"/>
+                </a:p>
+              </p:txBody>
+            </p:sp>
+          </mc:Choice>
+          <mc:Fallback>
+            <p:sp>
+              <p:nvSpPr>
+                <p:cNvPr id="10" name="TextBox 9">
+                  <a:extLst>
+                    <a:ext uri="{FF2B5EF4-FFF2-40B4-BE49-F238E27FC236}">
+                      <a16:creationId xmlns:a16="http://schemas.microsoft.com/office/drawing/2014/main" id="{828BF528-7321-52A2-2E1B-7F1C8BFFB261}"/>
+                    </a:ext>
+                  </a:extLst>
+                </p:cNvPr>
+                <p:cNvSpPr txBox="1">
+                  <a:spLocks noRot="1" noChangeAspect="1" noMove="1" noResize="1" noEditPoints="1" noAdjustHandles="1" noChangeArrowheads="1" noChangeShapeType="1" noTextEdit="1"/>
+                </p:cNvSpPr>
+                <p:nvPr/>
+              </p:nvSpPr>
+              <p:spPr>
+                <a:xfrm>
+                  <a:off x="1162899" y="3266845"/>
+                  <a:ext cx="741613" cy="167162"/>
+                </a:xfrm>
+                <a:prstGeom prst="rect">
+                  <a:avLst/>
+                </a:prstGeom>
+                <a:blipFill>
+                  <a:blip r:embed="rId18"/>
+                  <a:stretch>
+                    <a:fillRect l="-1639" r="-4918" b="-14286"/>
+                  </a:stretch>
+                </a:blipFill>
+                <a:ln>
+                  <a:noFill/>
+                </a:ln>
+              </p:spPr>
+              <p:txBody>
+                <a:bodyPr/>
+                <a:lstStyle/>
+                <a:p>
+                  <a:r>
+                    <a:rPr lang="en-NL">
+                      <a:noFill/>
+                    </a:rPr>
+                    <a:t> </a:t>
+                  </a:r>
+                </a:p>
+              </p:txBody>
+            </p:sp>
+          </mc:Fallback>
+        </mc:AlternateContent>
+        <mc:AlternateContent xmlns:mc="http://schemas.openxmlformats.org/markup-compatibility/2006">
+          <mc:Choice xmlns:a14="http://schemas.microsoft.com/office/drawing/2010/main" Requires="a14">
+            <p:sp>
+              <p:nvSpPr>
+                <p:cNvPr id="11" name="TextBox 10">
+                  <a:extLst>
+                    <a:ext uri="{FF2B5EF4-FFF2-40B4-BE49-F238E27FC236}">
+                      <a16:creationId xmlns:a16="http://schemas.microsoft.com/office/drawing/2014/main" id="{567F317C-74A1-572F-3A7A-419E2E587D96}"/>
+                    </a:ext>
+                  </a:extLst>
+                </p:cNvPr>
+                <p:cNvSpPr txBox="1"/>
+                <p:nvPr/>
+              </p:nvSpPr>
+              <p:spPr>
+                <a:xfrm>
+                  <a:off x="1162899" y="3578981"/>
+                  <a:ext cx="648383" cy="167162"/>
+                </a:xfrm>
+                <a:prstGeom prst="rect">
+                  <a:avLst/>
+                </a:prstGeom>
+                <a:solidFill>
+                  <a:schemeClr val="bg1">
+                    <a:lumMod val="95000"/>
+                  </a:schemeClr>
+                </a:solidFill>
+                <a:ln>
+                  <a:noFill/>
+                </a:ln>
+              </p:spPr>
+              <p:txBody>
+                <a:bodyPr wrap="none" lIns="0" tIns="0" rIns="0" bIns="0" rtlCol="0">
+                  <a:spAutoFit/>
+                </a:bodyPr>
+                <a:lstStyle/>
+                <a:p>
+                  <a14:m>
+                    <m:oMathPara xmlns:m="http://schemas.openxmlformats.org/officeDocument/2006/math">
+                      <m:oMathParaPr>
+                        <m:jc m:val="centerGroup"/>
+                      </m:oMathParaPr>
+                      <m:oMath xmlns:m="http://schemas.openxmlformats.org/officeDocument/2006/math">
+                        <m:sSub>
+                          <m:sSubPr>
+                            <m:ctrlPr>
+                              <a:rPr lang="en-NL" sz="1000" i="1" smtClean="0">
+                                <a:latin typeface="Cambria Math" panose="02040503050406030204" pitchFamily="18" charset="0"/>
+                              </a:rPr>
+                            </m:ctrlPr>
+                          </m:sSubPr>
+                          <m:e>
+                            <m:r>
+                              <a:rPr lang="en-US" sz="1000" b="0" i="1" smtClean="0">
+                                <a:latin typeface="Cambria Math" panose="02040503050406030204" pitchFamily="18" charset="0"/>
+                              </a:rPr>
+                              <m:t>𝑤</m:t>
+                            </m:r>
+                          </m:e>
+                          <m:sub>
+                            <m:r>
+                              <a:rPr lang="en-US" sz="1000" b="0" i="1" smtClean="0">
+                                <a:latin typeface="Cambria Math" panose="02040503050406030204" pitchFamily="18" charset="0"/>
+                              </a:rPr>
+                              <m:t>2,</m:t>
+                            </m:r>
+                            <m:sSub>
+                              <m:sSubPr>
+                                <m:ctrlPr>
+                                  <a:rPr lang="en-US" sz="1000" b="0" i="1" smtClean="0">
+                                    <a:latin typeface="Cambria Math" panose="02040503050406030204" pitchFamily="18" charset="0"/>
+                                  </a:rPr>
+                                </m:ctrlPr>
+                              </m:sSubPr>
+                              <m:e>
+                                <m:r>
+                                  <a:rPr lang="en-US" sz="1000" b="0" i="1" smtClean="0">
+                                    <a:latin typeface="Cambria Math" panose="02040503050406030204" pitchFamily="18" charset="0"/>
+                                  </a:rPr>
+                                  <m:t>𝑁</m:t>
+                                </m:r>
+                              </m:e>
+                              <m:sub>
+                                <m:r>
+                                  <a:rPr lang="en-US" sz="1000" b="0" i="1" smtClean="0">
+                                    <a:latin typeface="Cambria Math" panose="02040503050406030204" pitchFamily="18" charset="0"/>
+                                  </a:rPr>
+                                  <m:t>1</m:t>
+                                </m:r>
+                              </m:sub>
+                            </m:sSub>
+                          </m:sub>
+                        </m:sSub>
+                        <m:r>
+                          <a:rPr lang="en-US" sz="1000" b="0" i="1" smtClean="0">
+                            <a:latin typeface="Cambria Math" panose="02040503050406030204" pitchFamily="18" charset="0"/>
+                          </a:rPr>
+                          <m:t>=0.6</m:t>
+                        </m:r>
+                      </m:oMath>
+                    </m:oMathPara>
+                  </a14:m>
+                  <a:endParaRPr lang="en-NL" sz="1000" dirty="0"/>
+                </a:p>
+              </p:txBody>
+            </p:sp>
+          </mc:Choice>
+          <mc:Fallback>
+            <p:sp>
+              <p:nvSpPr>
+                <p:cNvPr id="11" name="TextBox 10">
+                  <a:extLst>
+                    <a:ext uri="{FF2B5EF4-FFF2-40B4-BE49-F238E27FC236}">
+                      <a16:creationId xmlns:a16="http://schemas.microsoft.com/office/drawing/2014/main" id="{567F317C-74A1-572F-3A7A-419E2E587D96}"/>
+                    </a:ext>
+                  </a:extLst>
+                </p:cNvPr>
+                <p:cNvSpPr txBox="1">
+                  <a:spLocks noRot="1" noChangeAspect="1" noMove="1" noResize="1" noEditPoints="1" noAdjustHandles="1" noChangeArrowheads="1" noChangeShapeType="1" noTextEdit="1"/>
+                </p:cNvSpPr>
+                <p:nvPr/>
+              </p:nvSpPr>
+              <p:spPr>
+                <a:xfrm>
+                  <a:off x="1162899" y="3578981"/>
+                  <a:ext cx="648383" cy="167162"/>
+                </a:xfrm>
+                <a:prstGeom prst="rect">
+                  <a:avLst/>
+                </a:prstGeom>
+                <a:blipFill>
+                  <a:blip r:embed="rId19"/>
+                  <a:stretch>
+                    <a:fillRect l="-1887" r="-5660" b="-14815"/>
+                  </a:stretch>
+                </a:blipFill>
+                <a:ln>
+                  <a:noFill/>
+                </a:ln>
+              </p:spPr>
+              <p:txBody>
+                <a:bodyPr/>
+                <a:lstStyle/>
+                <a:p>
+                  <a:r>
+                    <a:rPr lang="en-NL">
+                      <a:noFill/>
+                    </a:rPr>
+                    <a:t> </a:t>
+                  </a:r>
+                </a:p>
+              </p:txBody>
+            </p:sp>
+          </mc:Fallback>
+        </mc:AlternateContent>
+        <mc:AlternateContent xmlns:mc="http://schemas.openxmlformats.org/markup-compatibility/2006">
+          <mc:Choice xmlns:a14="http://schemas.microsoft.com/office/drawing/2010/main" Requires="a14">
+            <p:sp>
+              <p:nvSpPr>
+                <p:cNvPr id="12" name="TextBox 11">
+                  <a:extLst>
+                    <a:ext uri="{FF2B5EF4-FFF2-40B4-BE49-F238E27FC236}">
+                      <a16:creationId xmlns:a16="http://schemas.microsoft.com/office/drawing/2014/main" id="{D8BD3EE4-D080-8A70-F42C-950F29643151}"/>
+                    </a:ext>
+                  </a:extLst>
+                </p:cNvPr>
+                <p:cNvSpPr txBox="1"/>
+                <p:nvPr/>
+              </p:nvSpPr>
+              <p:spPr>
+                <a:xfrm>
+                  <a:off x="1162899" y="3827373"/>
+                  <a:ext cx="648383" cy="167162"/>
+                </a:xfrm>
+                <a:prstGeom prst="rect">
+                  <a:avLst/>
+                </a:prstGeom>
+                <a:solidFill>
+                  <a:schemeClr val="bg1">
+                    <a:lumMod val="95000"/>
+                  </a:schemeClr>
+                </a:solidFill>
+                <a:ln>
+                  <a:noFill/>
+                </a:ln>
+              </p:spPr>
+              <p:txBody>
+                <a:bodyPr wrap="none" lIns="0" tIns="0" rIns="0" bIns="0" rtlCol="0">
+                  <a:spAutoFit/>
+                </a:bodyPr>
+                <a:lstStyle/>
+                <a:p>
+                  <a14:m>
+                    <m:oMathPara xmlns:m="http://schemas.openxmlformats.org/officeDocument/2006/math">
+                      <m:oMathParaPr>
+                        <m:jc m:val="centerGroup"/>
+                      </m:oMathParaPr>
+                      <m:oMath xmlns:m="http://schemas.openxmlformats.org/officeDocument/2006/math">
+                        <m:sSub>
+                          <m:sSubPr>
+                            <m:ctrlPr>
+                              <a:rPr lang="en-NL" sz="1000" i="1" smtClean="0">
+                                <a:latin typeface="Cambria Math" panose="02040503050406030204" pitchFamily="18" charset="0"/>
+                              </a:rPr>
+                            </m:ctrlPr>
+                          </m:sSubPr>
+                          <m:e>
+                            <m:r>
+                              <a:rPr lang="en-US" sz="1000" b="0" i="1" smtClean="0">
+                                <a:latin typeface="Cambria Math" panose="02040503050406030204" pitchFamily="18" charset="0"/>
+                              </a:rPr>
+                              <m:t>𝑤</m:t>
+                            </m:r>
+                          </m:e>
+                          <m:sub>
+                            <m:r>
+                              <a:rPr lang="en-US" sz="1000" b="0" i="1" smtClean="0">
+                                <a:latin typeface="Cambria Math" panose="02040503050406030204" pitchFamily="18" charset="0"/>
+                              </a:rPr>
+                              <m:t>2,</m:t>
+                            </m:r>
+                            <m:sSub>
+                              <m:sSubPr>
+                                <m:ctrlPr>
+                                  <a:rPr lang="en-US" sz="1000" b="0" i="1" smtClean="0">
+                                    <a:latin typeface="Cambria Math" panose="02040503050406030204" pitchFamily="18" charset="0"/>
+                                  </a:rPr>
+                                </m:ctrlPr>
+                              </m:sSubPr>
+                              <m:e>
+                                <m:r>
+                                  <a:rPr lang="en-US" sz="1000" b="0" i="1" smtClean="0">
+                                    <a:latin typeface="Cambria Math" panose="02040503050406030204" pitchFamily="18" charset="0"/>
+                                  </a:rPr>
+                                  <m:t>𝑁</m:t>
+                                </m:r>
+                              </m:e>
+                              <m:sub>
+                                <m:r>
+                                  <a:rPr lang="en-US" sz="1000" b="0" i="1" smtClean="0">
+                                    <a:latin typeface="Cambria Math" panose="02040503050406030204" pitchFamily="18" charset="0"/>
+                                  </a:rPr>
+                                  <m:t>2</m:t>
+                                </m:r>
+                              </m:sub>
+                            </m:sSub>
+                          </m:sub>
+                        </m:sSub>
+                        <m:r>
+                          <a:rPr lang="en-US" sz="1000" b="0" i="1" smtClean="0">
+                            <a:latin typeface="Cambria Math" panose="02040503050406030204" pitchFamily="18" charset="0"/>
+                          </a:rPr>
+                          <m:t>=0.4</m:t>
+                        </m:r>
+                      </m:oMath>
+                    </m:oMathPara>
+                  </a14:m>
+                  <a:endParaRPr lang="en-NL" sz="1000" dirty="0"/>
+                </a:p>
+              </p:txBody>
+            </p:sp>
+          </mc:Choice>
+          <mc:Fallback>
+            <p:sp>
+              <p:nvSpPr>
+                <p:cNvPr id="12" name="TextBox 11">
+                  <a:extLst>
+                    <a:ext uri="{FF2B5EF4-FFF2-40B4-BE49-F238E27FC236}">
+                      <a16:creationId xmlns:a16="http://schemas.microsoft.com/office/drawing/2014/main" id="{D8BD3EE4-D080-8A70-F42C-950F29643151}"/>
+                    </a:ext>
+                  </a:extLst>
+                </p:cNvPr>
+                <p:cNvSpPr txBox="1">
+                  <a:spLocks noRot="1" noChangeAspect="1" noMove="1" noResize="1" noEditPoints="1" noAdjustHandles="1" noChangeArrowheads="1" noChangeShapeType="1" noTextEdit="1"/>
+                </p:cNvSpPr>
+                <p:nvPr/>
+              </p:nvSpPr>
+              <p:spPr>
+                <a:xfrm>
+                  <a:off x="1162899" y="3827373"/>
+                  <a:ext cx="648383" cy="167162"/>
+                </a:xfrm>
+                <a:prstGeom prst="rect">
+                  <a:avLst/>
+                </a:prstGeom>
+                <a:blipFill>
+                  <a:blip r:embed="rId20"/>
+                  <a:stretch>
+                    <a:fillRect l="-1887" r="-5660" b="-14286"/>
+                  </a:stretch>
+                </a:blipFill>
+                <a:ln>
+                  <a:noFill/>
+                </a:ln>
+              </p:spPr>
+              <p:txBody>
+                <a:bodyPr/>
+                <a:lstStyle/>
+                <a:p>
+                  <a:r>
+                    <a:rPr lang="en-NL">
+                      <a:noFill/>
+                    </a:rPr>
+                    <a:t> </a:t>
+                  </a:r>
+                </a:p>
+              </p:txBody>
+            </p:sp>
+          </mc:Fallback>
+        </mc:AlternateContent>
+        <mc:AlternateContent xmlns:mc="http://schemas.openxmlformats.org/markup-compatibility/2006">
+          <mc:Choice xmlns:a14="http://schemas.microsoft.com/office/drawing/2010/main" Requires="a14">
+            <p:sp>
+              <p:nvSpPr>
+                <p:cNvPr id="16" name="TextBox 15">
+                  <a:extLst>
+                    <a:ext uri="{FF2B5EF4-FFF2-40B4-BE49-F238E27FC236}">
+                      <a16:creationId xmlns:a16="http://schemas.microsoft.com/office/drawing/2014/main" id="{41D8491B-E43A-1B91-6A58-B63655BFF54F}"/>
+                    </a:ext>
+                  </a:extLst>
+                </p:cNvPr>
+                <p:cNvSpPr txBox="1"/>
+                <p:nvPr/>
+              </p:nvSpPr>
+              <p:spPr>
+                <a:xfrm>
+                  <a:off x="2940194" y="3509921"/>
+                  <a:ext cx="705450" cy="167162"/>
+                </a:xfrm>
+                <a:prstGeom prst="rect">
+                  <a:avLst/>
+                </a:prstGeom>
+                <a:solidFill>
+                  <a:schemeClr val="bg1">
+                    <a:lumMod val="95000"/>
+                  </a:schemeClr>
+                </a:solidFill>
+                <a:ln>
+                  <a:noFill/>
+                </a:ln>
+              </p:spPr>
+              <p:txBody>
+                <a:bodyPr wrap="none" lIns="0" tIns="0" rIns="0" bIns="0" rtlCol="0">
+                  <a:spAutoFit/>
+                </a:bodyPr>
+                <a:lstStyle/>
+                <a:p>
+                  <a14:m>
+                    <m:oMathPara xmlns:m="http://schemas.openxmlformats.org/officeDocument/2006/math">
+                      <m:oMathParaPr>
+                        <m:jc m:val="centerGroup"/>
+                      </m:oMathParaPr>
+                      <m:oMath xmlns:m="http://schemas.openxmlformats.org/officeDocument/2006/math">
+                        <m:sSub>
+                          <m:sSubPr>
+                            <m:ctrlPr>
+                              <a:rPr lang="en-NL" sz="1000" i="1" smtClean="0">
+                                <a:latin typeface="Cambria Math" panose="02040503050406030204" pitchFamily="18" charset="0"/>
+                              </a:rPr>
+                            </m:ctrlPr>
+                          </m:sSubPr>
+                          <m:e>
+                            <m:r>
+                              <a:rPr lang="en-US" sz="1000" b="0" i="1" smtClean="0">
+                                <a:latin typeface="Cambria Math" panose="02040503050406030204" pitchFamily="18" charset="0"/>
+                              </a:rPr>
+                              <m:t>𝑤</m:t>
+                            </m:r>
+                          </m:e>
+                          <m:sub>
+                            <m:sSub>
+                              <m:sSubPr>
+                                <m:ctrlPr>
+                                  <a:rPr lang="en-NL" sz="1000" i="1" smtClean="0">
+                                    <a:latin typeface="Cambria Math" panose="02040503050406030204" pitchFamily="18" charset="0"/>
+                                  </a:rPr>
+                                </m:ctrlPr>
+                              </m:sSubPr>
+                              <m:e>
+                                <m:r>
+                                  <a:rPr lang="en-US" sz="1000" b="0" i="1" smtClean="0">
+                                    <a:latin typeface="Cambria Math" panose="02040503050406030204" pitchFamily="18" charset="0"/>
+                                  </a:rPr>
+                                  <m:t>𝑁</m:t>
+                                </m:r>
+                              </m:e>
+                              <m:sub>
+                                <m:r>
+                                  <a:rPr lang="en-US" sz="1000" b="0" i="1" smtClean="0">
+                                    <a:latin typeface="Cambria Math" panose="02040503050406030204" pitchFamily="18" charset="0"/>
+                                  </a:rPr>
+                                  <m:t>2</m:t>
+                                </m:r>
+                              </m:sub>
+                            </m:sSub>
+                            <m:r>
+                              <a:rPr lang="en-US" sz="1000" b="0" i="1" smtClean="0">
+                                <a:latin typeface="Cambria Math" panose="02040503050406030204" pitchFamily="18" charset="0"/>
+                              </a:rPr>
+                              <m:t>,</m:t>
+                            </m:r>
+                            <m:sSub>
+                              <m:sSubPr>
+                                <m:ctrlPr>
+                                  <a:rPr lang="en-US" sz="1000" b="0" i="1" smtClean="0">
+                                    <a:latin typeface="Cambria Math" panose="02040503050406030204" pitchFamily="18" charset="0"/>
+                                  </a:rPr>
+                                </m:ctrlPr>
+                              </m:sSubPr>
+                              <m:e>
+                                <m:r>
+                                  <a:rPr lang="en-US" sz="1000" b="0" i="1" smtClean="0">
+                                    <a:latin typeface="Cambria Math" panose="02040503050406030204" pitchFamily="18" charset="0"/>
+                                  </a:rPr>
+                                  <m:t>𝑂</m:t>
+                                </m:r>
+                              </m:e>
+                              <m:sub>
+                                <m:r>
+                                  <a:rPr lang="en-US" sz="1000" b="0" i="1" smtClean="0">
+                                    <a:latin typeface="Cambria Math" panose="02040503050406030204" pitchFamily="18" charset="0"/>
+                                  </a:rPr>
+                                  <m:t>1</m:t>
+                                </m:r>
+                              </m:sub>
+                            </m:sSub>
+                          </m:sub>
+                        </m:sSub>
+                        <m:r>
+                          <a:rPr lang="en-US" sz="1000" b="0" i="1" smtClean="0">
+                            <a:latin typeface="Cambria Math" panose="02040503050406030204" pitchFamily="18" charset="0"/>
+                          </a:rPr>
+                          <m:t>=1.5</m:t>
+                        </m:r>
+                      </m:oMath>
+                    </m:oMathPara>
+                  </a14:m>
+                  <a:endParaRPr lang="en-NL" sz="1000" dirty="0"/>
+                </a:p>
+              </p:txBody>
+            </p:sp>
+          </mc:Choice>
+          <mc:Fallback>
+            <p:sp>
+              <p:nvSpPr>
+                <p:cNvPr id="16" name="TextBox 15">
+                  <a:extLst>
+                    <a:ext uri="{FF2B5EF4-FFF2-40B4-BE49-F238E27FC236}">
+                      <a16:creationId xmlns:a16="http://schemas.microsoft.com/office/drawing/2014/main" id="{41D8491B-E43A-1B91-6A58-B63655BFF54F}"/>
+                    </a:ext>
+                  </a:extLst>
+                </p:cNvPr>
+                <p:cNvSpPr txBox="1">
+                  <a:spLocks noRot="1" noChangeAspect="1" noMove="1" noResize="1" noEditPoints="1" noAdjustHandles="1" noChangeArrowheads="1" noChangeShapeType="1" noTextEdit="1"/>
+                </p:cNvSpPr>
+                <p:nvPr/>
+              </p:nvSpPr>
+              <p:spPr>
+                <a:xfrm>
+                  <a:off x="2940194" y="3509921"/>
+                  <a:ext cx="705450" cy="167162"/>
+                </a:xfrm>
+                <a:prstGeom prst="rect">
+                  <a:avLst/>
+                </a:prstGeom>
+                <a:blipFill>
+                  <a:blip r:embed="rId21"/>
+                  <a:stretch>
+                    <a:fillRect l="-2609" r="-6087" b="-14286"/>
+                  </a:stretch>
+                </a:blipFill>
+                <a:ln>
+                  <a:noFill/>
+                </a:ln>
+              </p:spPr>
+              <p:txBody>
+                <a:bodyPr/>
+                <a:lstStyle/>
+                <a:p>
+                  <a:r>
+                    <a:rPr lang="en-NL">
+                      <a:noFill/>
+                    </a:rPr>
+                    <a:t> </a:t>
+                  </a:r>
+                </a:p>
+              </p:txBody>
+            </p:sp>
+          </mc:Fallback>
+        </mc:AlternateContent>
+        <mc:AlternateContent xmlns:mc="http://schemas.openxmlformats.org/markup-compatibility/2006">
+          <mc:Choice xmlns:a14="http://schemas.microsoft.com/office/drawing/2010/main" Requires="a14">
+            <p:sp>
+              <p:nvSpPr>
+                <p:cNvPr id="19" name="TextBox 18">
+                  <a:extLst>
+                    <a:ext uri="{FF2B5EF4-FFF2-40B4-BE49-F238E27FC236}">
+                      <a16:creationId xmlns:a16="http://schemas.microsoft.com/office/drawing/2014/main" id="{6D6ACABF-903E-117E-B042-F67ADFC8868A}"/>
+                    </a:ext>
+                  </a:extLst>
+                </p:cNvPr>
+                <p:cNvSpPr txBox="1"/>
+                <p:nvPr/>
+              </p:nvSpPr>
+              <p:spPr>
+                <a:xfrm>
+                  <a:off x="3741824" y="2302172"/>
+                  <a:ext cx="448649" cy="167162"/>
+                </a:xfrm>
+                <a:prstGeom prst="rect">
+                  <a:avLst/>
+                </a:prstGeom>
+                <a:solidFill>
+                  <a:schemeClr val="bg1">
+                    <a:lumMod val="95000"/>
+                  </a:schemeClr>
+                </a:solidFill>
+                <a:ln>
+                  <a:noFill/>
+                </a:ln>
+              </p:spPr>
+              <p:txBody>
+                <a:bodyPr wrap="none" lIns="0" tIns="0" rIns="0" bIns="0" rtlCol="0">
+                  <a:spAutoFit/>
+                </a:bodyPr>
+                <a:lstStyle/>
+                <a:p>
+                  <a14:m>
+                    <m:oMathPara xmlns:m="http://schemas.openxmlformats.org/officeDocument/2006/math">
+                      <m:oMathParaPr>
+                        <m:jc m:val="centerGroup"/>
+                      </m:oMathParaPr>
+                      <m:oMath xmlns:m="http://schemas.openxmlformats.org/officeDocument/2006/math">
+                        <m:sSub>
+                          <m:sSubPr>
+                            <m:ctrlPr>
+                              <a:rPr lang="en-NL" sz="1000" i="1" smtClean="0">
+                                <a:latin typeface="Cambria Math" panose="02040503050406030204" pitchFamily="18" charset="0"/>
+                              </a:rPr>
+                            </m:ctrlPr>
+                          </m:sSubPr>
+                          <m:e>
+                            <m:r>
+                              <a:rPr lang="en-US" sz="1000" b="0" i="1" smtClean="0">
+                                <a:latin typeface="Cambria Math" panose="02040503050406030204" pitchFamily="18" charset="0"/>
+                              </a:rPr>
+                              <m:t>𝑏</m:t>
+                            </m:r>
+                          </m:e>
+                          <m:sub>
+                            <m:sSub>
+                              <m:sSubPr>
+                                <m:ctrlPr>
+                                  <a:rPr lang="en-NL" sz="1000" i="1" smtClean="0">
+                                    <a:latin typeface="Cambria Math" panose="02040503050406030204" pitchFamily="18" charset="0"/>
+                                  </a:rPr>
+                                </m:ctrlPr>
+                              </m:sSubPr>
+                              <m:e>
+                                <m:r>
+                                  <a:rPr lang="en-US" sz="1000" b="0" i="1" smtClean="0">
+                                    <a:latin typeface="Cambria Math" panose="02040503050406030204" pitchFamily="18" charset="0"/>
+                                  </a:rPr>
+                                  <m:t>𝑂</m:t>
+                                </m:r>
+                              </m:e>
+                              <m:sub>
+                                <m:r>
+                                  <a:rPr lang="en-US" sz="1000" b="0" i="1" smtClean="0">
+                                    <a:latin typeface="Cambria Math" panose="02040503050406030204" pitchFamily="18" charset="0"/>
+                                  </a:rPr>
+                                  <m:t>1</m:t>
+                                </m:r>
+                              </m:sub>
+                            </m:sSub>
+                          </m:sub>
+                        </m:sSub>
+                        <m:r>
+                          <a:rPr lang="en-US" sz="1000" b="0" i="1" smtClean="0">
+                            <a:latin typeface="Cambria Math" panose="02040503050406030204" pitchFamily="18" charset="0"/>
+                          </a:rPr>
+                          <m:t>=0</m:t>
+                        </m:r>
+                      </m:oMath>
+                    </m:oMathPara>
+                  </a14:m>
+                  <a:endParaRPr lang="en-NL" sz="1000" dirty="0"/>
+                </a:p>
+              </p:txBody>
+            </p:sp>
+          </mc:Choice>
+          <mc:Fallback>
+            <p:sp>
+              <p:nvSpPr>
+                <p:cNvPr id="19" name="TextBox 18">
+                  <a:extLst>
+                    <a:ext uri="{FF2B5EF4-FFF2-40B4-BE49-F238E27FC236}">
+                      <a16:creationId xmlns:a16="http://schemas.microsoft.com/office/drawing/2014/main" id="{6D6ACABF-903E-117E-B042-F67ADFC8868A}"/>
+                    </a:ext>
+                  </a:extLst>
+                </p:cNvPr>
+                <p:cNvSpPr txBox="1">
+                  <a:spLocks noRot="1" noChangeAspect="1" noMove="1" noResize="1" noEditPoints="1" noAdjustHandles="1" noChangeArrowheads="1" noChangeShapeType="1" noTextEdit="1"/>
+                </p:cNvSpPr>
+                <p:nvPr/>
+              </p:nvSpPr>
+              <p:spPr>
+                <a:xfrm>
+                  <a:off x="3741824" y="2302172"/>
+                  <a:ext cx="448649" cy="167162"/>
+                </a:xfrm>
+                <a:prstGeom prst="rect">
+                  <a:avLst/>
+                </a:prstGeom>
+                <a:blipFill>
+                  <a:blip r:embed="rId22"/>
+                  <a:stretch>
+                    <a:fillRect l="-6757" r="-6757" b="-14286"/>
+                  </a:stretch>
+                </a:blipFill>
+                <a:ln>
+                  <a:noFill/>
+                </a:ln>
+              </p:spPr>
+              <p:txBody>
+                <a:bodyPr/>
+                <a:lstStyle/>
+                <a:p>
+                  <a:r>
+                    <a:rPr lang="en-NL">
+                      <a:noFill/>
+                    </a:rPr>
+                    <a:t> </a:t>
+                  </a:r>
+                </a:p>
+              </p:txBody>
+            </p:sp>
+          </mc:Fallback>
+        </mc:AlternateContent>
+        <mc:AlternateContent xmlns:mc="http://schemas.openxmlformats.org/markup-compatibility/2006">
+          <mc:Choice xmlns:a14="http://schemas.microsoft.com/office/drawing/2010/main" Requires="a14">
+            <p:sp>
+              <p:nvSpPr>
+                <p:cNvPr id="21" name="TextBox 20">
+                  <a:extLst>
+                    <a:ext uri="{FF2B5EF4-FFF2-40B4-BE49-F238E27FC236}">
+                      <a16:creationId xmlns:a16="http://schemas.microsoft.com/office/drawing/2014/main" id="{E371EC54-F4A2-E19A-D59C-CA524E0AADA0}"/>
+                    </a:ext>
+                  </a:extLst>
+                </p:cNvPr>
+                <p:cNvSpPr txBox="1"/>
+                <p:nvPr/>
+              </p:nvSpPr>
+              <p:spPr>
+                <a:xfrm>
+                  <a:off x="3744914" y="4223466"/>
+                  <a:ext cx="448649" cy="167931"/>
+                </a:xfrm>
+                <a:prstGeom prst="rect">
+                  <a:avLst/>
+                </a:prstGeom>
+                <a:solidFill>
+                  <a:schemeClr val="bg1">
+                    <a:lumMod val="95000"/>
+                  </a:schemeClr>
+                </a:solidFill>
+                <a:ln>
+                  <a:noFill/>
+                </a:ln>
+              </p:spPr>
+              <p:txBody>
+                <a:bodyPr wrap="none" lIns="0" tIns="0" rIns="0" bIns="0" rtlCol="0">
+                  <a:spAutoFit/>
+                </a:bodyPr>
+                <a:lstStyle/>
+                <a:p>
+                  <a14:m>
+                    <m:oMathPara xmlns:m="http://schemas.openxmlformats.org/officeDocument/2006/math">
+                      <m:oMathParaPr>
+                        <m:jc m:val="centerGroup"/>
+                      </m:oMathParaPr>
+                      <m:oMath xmlns:m="http://schemas.openxmlformats.org/officeDocument/2006/math">
+                        <m:sSub>
+                          <m:sSubPr>
+                            <m:ctrlPr>
+                              <a:rPr lang="en-NL" sz="1000" i="1" smtClean="0">
+                                <a:latin typeface="Cambria Math" panose="02040503050406030204" pitchFamily="18" charset="0"/>
+                              </a:rPr>
+                            </m:ctrlPr>
+                          </m:sSubPr>
+                          <m:e>
+                            <m:r>
+                              <a:rPr lang="en-US" sz="1000" b="0" i="1" smtClean="0">
+                                <a:latin typeface="Cambria Math" panose="02040503050406030204" pitchFamily="18" charset="0"/>
+                              </a:rPr>
+                              <m:t>𝑏</m:t>
+                            </m:r>
+                          </m:e>
+                          <m:sub>
+                            <m:sSub>
+                              <m:sSubPr>
+                                <m:ctrlPr>
+                                  <a:rPr lang="en-NL" sz="1000" i="1" smtClean="0">
+                                    <a:latin typeface="Cambria Math" panose="02040503050406030204" pitchFamily="18" charset="0"/>
+                                  </a:rPr>
+                                </m:ctrlPr>
+                              </m:sSubPr>
+                              <m:e>
+                                <m:r>
+                                  <a:rPr lang="en-US" sz="1000" b="0" i="1" smtClean="0">
+                                    <a:latin typeface="Cambria Math" panose="02040503050406030204" pitchFamily="18" charset="0"/>
+                                  </a:rPr>
+                                  <m:t>𝑂</m:t>
+                                </m:r>
+                              </m:e>
+                              <m:sub>
+                                <m:r>
+                                  <a:rPr lang="en-US" sz="1000" b="0" i="1" smtClean="0">
+                                    <a:latin typeface="Cambria Math" panose="02040503050406030204" pitchFamily="18" charset="0"/>
+                                  </a:rPr>
+                                  <m:t>3</m:t>
+                                </m:r>
+                              </m:sub>
+                            </m:sSub>
+                          </m:sub>
+                        </m:sSub>
+                        <m:r>
+                          <a:rPr lang="en-US" sz="1000" b="0" i="1" smtClean="0">
+                            <a:latin typeface="Cambria Math" panose="02040503050406030204" pitchFamily="18" charset="0"/>
+                          </a:rPr>
+                          <m:t>=1</m:t>
+                        </m:r>
+                      </m:oMath>
+                    </m:oMathPara>
+                  </a14:m>
+                  <a:endParaRPr lang="en-NL" sz="1000" dirty="0"/>
+                </a:p>
+              </p:txBody>
+            </p:sp>
+          </mc:Choice>
+          <mc:Fallback>
+            <p:sp>
+              <p:nvSpPr>
+                <p:cNvPr id="21" name="TextBox 20">
+                  <a:extLst>
+                    <a:ext uri="{FF2B5EF4-FFF2-40B4-BE49-F238E27FC236}">
+                      <a16:creationId xmlns:a16="http://schemas.microsoft.com/office/drawing/2014/main" id="{E371EC54-F4A2-E19A-D59C-CA524E0AADA0}"/>
+                    </a:ext>
+                  </a:extLst>
+                </p:cNvPr>
+                <p:cNvSpPr txBox="1">
+                  <a:spLocks noRot="1" noChangeAspect="1" noMove="1" noResize="1" noEditPoints="1" noAdjustHandles="1" noChangeArrowheads="1" noChangeShapeType="1" noTextEdit="1"/>
+                </p:cNvSpPr>
+                <p:nvPr/>
+              </p:nvSpPr>
+              <p:spPr>
+                <a:xfrm>
+                  <a:off x="3744914" y="4223466"/>
+                  <a:ext cx="448649" cy="167931"/>
+                </a:xfrm>
+                <a:prstGeom prst="rect">
+                  <a:avLst/>
+                </a:prstGeom>
+                <a:blipFill>
+                  <a:blip r:embed="rId23"/>
+                  <a:stretch>
+                    <a:fillRect l="-6849" r="-6849" b="-14286"/>
+                  </a:stretch>
+                </a:blipFill>
+                <a:ln>
+                  <a:noFill/>
+                </a:ln>
+              </p:spPr>
+              <p:txBody>
+                <a:bodyPr/>
+                <a:lstStyle/>
+                <a:p>
+                  <a:r>
+                    <a:rPr lang="en-NL">
+                      <a:noFill/>
+                    </a:rPr>
+                    <a:t> </a:t>
+                  </a:r>
+                </a:p>
+              </p:txBody>
+            </p:sp>
+          </mc:Fallback>
+        </mc:AlternateContent>
+        <p:cxnSp>
+          <p:nvCxnSpPr>
+            <p:cNvPr id="43" name="Straight Arrow Connector 42">
+              <a:extLst>
+                <a:ext uri="{FF2B5EF4-FFF2-40B4-BE49-F238E27FC236}">
+                  <a16:creationId xmlns:a16="http://schemas.microsoft.com/office/drawing/2014/main" id="{6A94D215-C88D-7906-7F80-BCA515A3D0B4}"/>
+                </a:ext>
+              </a:extLst>
+            </p:cNvPr>
+            <p:cNvCxnSpPr>
+              <a:cxnSpLocks/>
+              <a:stCxn id="8" idx="0"/>
+              <a:endCxn id="5" idx="1"/>
+            </p:cNvCxnSpPr>
+            <p:nvPr/>
+          </p:nvCxnSpPr>
+          <p:spPr>
+            <a:xfrm flipV="1">
+              <a:off x="1912174" y="3772455"/>
+              <a:ext cx="287016" cy="303310"/>
+            </a:xfrm>
+            <a:prstGeom prst="straightConnector1">
+              <a:avLst/>
+            </a:prstGeom>
+            <a:ln>
+              <a:solidFill>
+                <a:schemeClr val="tx1"/>
+              </a:solidFill>
+              <a:tailEnd type="triangle"/>
+            </a:ln>
+          </p:spPr>
+          <p:style>
+            <a:lnRef idx="1">
+              <a:schemeClr val="accent1"/>
+            </a:lnRef>
+            <a:fillRef idx="0">
+              <a:schemeClr val="accent1"/>
+            </a:fillRef>
+            <a:effectRef idx="0">
+              <a:schemeClr val="accent1"/>
+            </a:effectRef>
+            <a:fontRef idx="minor">
+              <a:schemeClr val="tx1"/>
+            </a:fontRef>
+          </p:style>
+        </p:cxnSp>
+        <p:cxnSp>
+          <p:nvCxnSpPr>
+            <p:cNvPr id="46" name="Straight Arrow Connector 45">
+              <a:extLst>
+                <a:ext uri="{FF2B5EF4-FFF2-40B4-BE49-F238E27FC236}">
+                  <a16:creationId xmlns:a16="http://schemas.microsoft.com/office/drawing/2014/main" id="{391150AD-45B3-7547-4F67-E20138A202E2}"/>
+                </a:ext>
+              </a:extLst>
+            </p:cNvPr>
+            <p:cNvCxnSpPr>
+              <a:cxnSpLocks/>
+              <a:stCxn id="4" idx="3"/>
+              <a:endCxn id="13" idx="1"/>
+            </p:cNvCxnSpPr>
+            <p:nvPr/>
+          </p:nvCxnSpPr>
+          <p:spPr>
+            <a:xfrm flipV="1">
+              <a:off x="2710758" y="2895772"/>
+              <a:ext cx="229436" cy="186348"/>
+            </a:xfrm>
+            <a:prstGeom prst="straightConnector1">
+              <a:avLst/>
+            </a:prstGeom>
+            <a:ln>
+              <a:solidFill>
+                <a:schemeClr val="tx1"/>
+              </a:solidFill>
+              <a:tailEnd type="triangle"/>
+            </a:ln>
+          </p:spPr>
+          <p:style>
+            <a:lnRef idx="1">
+              <a:schemeClr val="accent1"/>
+            </a:lnRef>
+            <a:fillRef idx="0">
+              <a:schemeClr val="accent1"/>
+            </a:fillRef>
+            <a:effectRef idx="0">
+              <a:schemeClr val="accent1"/>
+            </a:effectRef>
+            <a:fontRef idx="minor">
+              <a:schemeClr val="tx1"/>
+            </a:fontRef>
+          </p:style>
+        </p:cxnSp>
+        <p:cxnSp>
+          <p:nvCxnSpPr>
+            <p:cNvPr id="51" name="Straight Arrow Connector 50">
+              <a:extLst>
+                <a:ext uri="{FF2B5EF4-FFF2-40B4-BE49-F238E27FC236}">
+                  <a16:creationId xmlns:a16="http://schemas.microsoft.com/office/drawing/2014/main" id="{E7BC636C-E54F-6DF1-AA38-24FED32E265D}"/>
+                </a:ext>
+              </a:extLst>
+            </p:cNvPr>
+            <p:cNvCxnSpPr>
+              <a:cxnSpLocks/>
+              <a:stCxn id="5" idx="3"/>
+              <a:endCxn id="17" idx="1"/>
+            </p:cNvCxnSpPr>
+            <p:nvPr/>
+          </p:nvCxnSpPr>
+          <p:spPr>
+            <a:xfrm>
+              <a:off x="2728501" y="3772455"/>
+              <a:ext cx="211693" cy="14448"/>
+            </a:xfrm>
+            <a:prstGeom prst="straightConnector1">
+              <a:avLst/>
+            </a:prstGeom>
+            <a:ln>
+              <a:solidFill>
+                <a:schemeClr val="tx1"/>
+              </a:solidFill>
+              <a:tailEnd type="triangle"/>
+            </a:ln>
+          </p:spPr>
+          <p:style>
+            <a:lnRef idx="1">
+              <a:schemeClr val="accent1"/>
+            </a:lnRef>
+            <a:fillRef idx="0">
+              <a:schemeClr val="accent1"/>
+            </a:fillRef>
+            <a:effectRef idx="0">
+              <a:schemeClr val="accent1"/>
+            </a:effectRef>
+            <a:fontRef idx="minor">
+              <a:schemeClr val="tx1"/>
+            </a:fontRef>
+          </p:style>
+        </p:cxnSp>
+        <p:cxnSp>
+          <p:nvCxnSpPr>
+            <p:cNvPr id="54" name="Straight Arrow Connector 53">
+              <a:extLst>
+                <a:ext uri="{FF2B5EF4-FFF2-40B4-BE49-F238E27FC236}">
+                  <a16:creationId xmlns:a16="http://schemas.microsoft.com/office/drawing/2014/main" id="{77689AC2-89AA-9C7A-F53E-8885DFBCDAE6}"/>
+                </a:ext>
+              </a:extLst>
+            </p:cNvPr>
+            <p:cNvCxnSpPr>
+              <a:cxnSpLocks/>
+              <a:stCxn id="4" idx="3"/>
+              <a:endCxn id="15" idx="1"/>
+            </p:cNvCxnSpPr>
+            <p:nvPr/>
+          </p:nvCxnSpPr>
+          <p:spPr>
+            <a:xfrm>
+              <a:off x="2710758" y="3082120"/>
+              <a:ext cx="229436" cy="201380"/>
+            </a:xfrm>
+            <a:prstGeom prst="straightConnector1">
+              <a:avLst/>
+            </a:prstGeom>
+            <a:ln>
+              <a:solidFill>
+                <a:schemeClr val="tx1"/>
+              </a:solidFill>
+              <a:tailEnd type="triangle"/>
+            </a:ln>
+          </p:spPr>
+          <p:style>
+            <a:lnRef idx="1">
+              <a:schemeClr val="accent1"/>
+            </a:lnRef>
+            <a:fillRef idx="0">
+              <a:schemeClr val="accent1"/>
+            </a:fillRef>
+            <a:effectRef idx="0">
+              <a:schemeClr val="accent1"/>
+            </a:effectRef>
+            <a:fontRef idx="minor">
+              <a:schemeClr val="tx1"/>
+            </a:fontRef>
+          </p:style>
+        </p:cxnSp>
+        <p:cxnSp>
+          <p:nvCxnSpPr>
+            <p:cNvPr id="58" name="Straight Arrow Connector 57">
+              <a:extLst>
+                <a:ext uri="{FF2B5EF4-FFF2-40B4-BE49-F238E27FC236}">
+                  <a16:creationId xmlns:a16="http://schemas.microsoft.com/office/drawing/2014/main" id="{6DF23421-CD34-E0AB-32EA-DE56F61C1C1E}"/>
+                </a:ext>
+              </a:extLst>
+            </p:cNvPr>
+            <p:cNvCxnSpPr>
+              <a:cxnSpLocks/>
+              <a:stCxn id="4" idx="3"/>
+              <a:endCxn id="14" idx="1"/>
+            </p:cNvCxnSpPr>
+            <p:nvPr/>
+          </p:nvCxnSpPr>
+          <p:spPr>
+            <a:xfrm>
+              <a:off x="2710758" y="3082120"/>
+              <a:ext cx="229436" cy="3580"/>
+            </a:xfrm>
+            <a:prstGeom prst="straightConnector1">
+              <a:avLst/>
+            </a:prstGeom>
+            <a:ln>
+              <a:solidFill>
+                <a:schemeClr val="tx1"/>
+              </a:solidFill>
+              <a:tailEnd type="triangle"/>
+            </a:ln>
+          </p:spPr>
+          <p:style>
+            <a:lnRef idx="1">
+              <a:schemeClr val="accent1"/>
+            </a:lnRef>
+            <a:fillRef idx="0">
+              <a:schemeClr val="accent1"/>
+            </a:fillRef>
+            <a:effectRef idx="0">
+              <a:schemeClr val="accent1"/>
+            </a:effectRef>
+            <a:fontRef idx="minor">
+              <a:schemeClr val="tx1"/>
+            </a:fontRef>
+          </p:style>
+        </p:cxnSp>
+        <p:cxnSp>
+          <p:nvCxnSpPr>
+            <p:cNvPr id="63" name="Straight Arrow Connector 62">
+              <a:extLst>
+                <a:ext uri="{FF2B5EF4-FFF2-40B4-BE49-F238E27FC236}">
+                  <a16:creationId xmlns:a16="http://schemas.microsoft.com/office/drawing/2014/main" id="{4E6A4969-BAAC-3813-B8EA-5A59E73525AC}"/>
+                </a:ext>
+              </a:extLst>
+            </p:cNvPr>
+            <p:cNvCxnSpPr>
+              <a:cxnSpLocks/>
+              <a:stCxn id="5" idx="3"/>
+              <a:endCxn id="18" idx="1"/>
+            </p:cNvCxnSpPr>
+            <p:nvPr/>
+          </p:nvCxnSpPr>
+          <p:spPr>
+            <a:xfrm>
+              <a:off x="2728501" y="3772455"/>
+              <a:ext cx="211693" cy="208232"/>
+            </a:xfrm>
+            <a:prstGeom prst="straightConnector1">
+              <a:avLst/>
+            </a:prstGeom>
+            <a:ln>
+              <a:solidFill>
+                <a:schemeClr val="tx1"/>
+              </a:solidFill>
+              <a:tailEnd type="triangle"/>
+            </a:ln>
+          </p:spPr>
+          <p:style>
+            <a:lnRef idx="1">
+              <a:schemeClr val="accent1"/>
+            </a:lnRef>
+            <a:fillRef idx="0">
+              <a:schemeClr val="accent1"/>
+            </a:fillRef>
+            <a:effectRef idx="0">
+              <a:schemeClr val="accent1"/>
+            </a:effectRef>
+            <a:fontRef idx="minor">
+              <a:schemeClr val="tx1"/>
+            </a:fontRef>
+          </p:style>
+        </p:cxnSp>
+        <p:cxnSp>
+          <p:nvCxnSpPr>
+            <p:cNvPr id="64" name="Straight Arrow Connector 63">
+              <a:extLst>
+                <a:ext uri="{FF2B5EF4-FFF2-40B4-BE49-F238E27FC236}">
+                  <a16:creationId xmlns:a16="http://schemas.microsoft.com/office/drawing/2014/main" id="{FBE1A1A0-9BBF-A836-7E1E-EA33E9405F2C}"/>
+                </a:ext>
+              </a:extLst>
+            </p:cNvPr>
+            <p:cNvCxnSpPr>
+              <a:cxnSpLocks/>
+              <a:stCxn id="5" idx="3"/>
+              <a:endCxn id="16" idx="1"/>
+            </p:cNvCxnSpPr>
+            <p:nvPr/>
+          </p:nvCxnSpPr>
+          <p:spPr>
+            <a:xfrm flipV="1">
+              <a:off x="2728501" y="3593502"/>
+              <a:ext cx="211693" cy="178953"/>
+            </a:xfrm>
+            <a:prstGeom prst="straightConnector1">
+              <a:avLst/>
+            </a:prstGeom>
+            <a:ln>
+              <a:solidFill>
+                <a:schemeClr val="tx1"/>
+              </a:solidFill>
+              <a:tailEnd type="triangle"/>
+            </a:ln>
+          </p:spPr>
+          <p:style>
+            <a:lnRef idx="1">
+              <a:schemeClr val="accent1"/>
+            </a:lnRef>
+            <a:fillRef idx="0">
+              <a:schemeClr val="accent1"/>
+            </a:fillRef>
+            <a:effectRef idx="0">
+              <a:schemeClr val="accent1"/>
+            </a:effectRef>
+            <a:fontRef idx="minor">
+              <a:schemeClr val="tx1"/>
+            </a:fontRef>
+          </p:style>
+        </p:cxnSp>
+        <mc:AlternateContent xmlns:mc="http://schemas.openxmlformats.org/markup-compatibility/2006">
+          <mc:Choice xmlns:a14="http://schemas.microsoft.com/office/drawing/2010/main" Requires="a14">
+            <p:sp>
+              <p:nvSpPr>
+                <p:cNvPr id="13" name="TextBox 12">
+                  <a:extLst>
+                    <a:ext uri="{FF2B5EF4-FFF2-40B4-BE49-F238E27FC236}">
+                      <a16:creationId xmlns:a16="http://schemas.microsoft.com/office/drawing/2014/main" id="{936AC690-50C1-BFC1-58C9-4FAB1591E6C0}"/>
+                    </a:ext>
+                  </a:extLst>
+                </p:cNvPr>
+                <p:cNvSpPr txBox="1"/>
+                <p:nvPr/>
+              </p:nvSpPr>
+              <p:spPr>
+                <a:xfrm>
+                  <a:off x="2940194" y="2812191"/>
+                  <a:ext cx="801630" cy="167162"/>
+                </a:xfrm>
+                <a:prstGeom prst="rect">
+                  <a:avLst/>
+                </a:prstGeom>
+                <a:solidFill>
+                  <a:schemeClr val="bg1">
+                    <a:lumMod val="95000"/>
+                  </a:schemeClr>
+                </a:solidFill>
+                <a:ln>
+                  <a:noFill/>
+                </a:ln>
+              </p:spPr>
+              <p:txBody>
+                <a:bodyPr wrap="none" lIns="0" tIns="0" rIns="0" bIns="0" rtlCol="0">
+                  <a:spAutoFit/>
+                </a:bodyPr>
+                <a:lstStyle/>
+                <a:p>
+                  <a14:m>
+                    <m:oMathPara xmlns:m="http://schemas.openxmlformats.org/officeDocument/2006/math">
+                      <m:oMathParaPr>
+                        <m:jc m:val="centerGroup"/>
+                      </m:oMathParaPr>
+                      <m:oMath xmlns:m="http://schemas.openxmlformats.org/officeDocument/2006/math">
+                        <m:sSub>
+                          <m:sSubPr>
+                            <m:ctrlPr>
+                              <a:rPr lang="en-NL" sz="1000" i="1" smtClean="0">
+                                <a:latin typeface="Cambria Math" panose="02040503050406030204" pitchFamily="18" charset="0"/>
+                              </a:rPr>
+                            </m:ctrlPr>
+                          </m:sSubPr>
+                          <m:e>
+                            <m:r>
+                              <a:rPr lang="en-US" sz="1000" b="0" i="1" smtClean="0">
+                                <a:latin typeface="Cambria Math" panose="02040503050406030204" pitchFamily="18" charset="0"/>
+                              </a:rPr>
+                              <m:t>𝑤</m:t>
+                            </m:r>
+                          </m:e>
+                          <m:sub>
+                            <m:sSub>
+                              <m:sSubPr>
+                                <m:ctrlPr>
+                                  <a:rPr lang="en-NL" sz="1000" i="1" smtClean="0">
+                                    <a:latin typeface="Cambria Math" panose="02040503050406030204" pitchFamily="18" charset="0"/>
+                                  </a:rPr>
+                                </m:ctrlPr>
+                              </m:sSubPr>
+                              <m:e>
+                                <m:r>
+                                  <a:rPr lang="en-US" sz="1000" b="0" i="1" smtClean="0">
+                                    <a:latin typeface="Cambria Math" panose="02040503050406030204" pitchFamily="18" charset="0"/>
+                                  </a:rPr>
+                                  <m:t>𝑁</m:t>
+                                </m:r>
+                              </m:e>
+                              <m:sub>
+                                <m:r>
+                                  <a:rPr lang="en-US" sz="1000" b="0" i="1" smtClean="0">
+                                    <a:latin typeface="Cambria Math" panose="02040503050406030204" pitchFamily="18" charset="0"/>
+                                  </a:rPr>
+                                  <m:t>1</m:t>
+                                </m:r>
+                              </m:sub>
+                            </m:sSub>
+                            <m:r>
+                              <a:rPr lang="en-US" sz="1000" b="0" i="1" smtClean="0">
+                                <a:latin typeface="Cambria Math" panose="02040503050406030204" pitchFamily="18" charset="0"/>
+                              </a:rPr>
+                              <m:t>,</m:t>
+                            </m:r>
+                            <m:sSub>
+                              <m:sSubPr>
+                                <m:ctrlPr>
+                                  <a:rPr lang="en-US" sz="1000" b="0" i="1" smtClean="0">
+                                    <a:latin typeface="Cambria Math" panose="02040503050406030204" pitchFamily="18" charset="0"/>
+                                  </a:rPr>
+                                </m:ctrlPr>
+                              </m:sSubPr>
+                              <m:e>
+                                <m:r>
+                                  <a:rPr lang="en-US" sz="1000" b="0" i="1" smtClean="0">
+                                    <a:latin typeface="Cambria Math" panose="02040503050406030204" pitchFamily="18" charset="0"/>
+                                  </a:rPr>
+                                  <m:t>𝑂</m:t>
+                                </m:r>
+                              </m:e>
+                              <m:sub>
+                                <m:r>
+                                  <a:rPr lang="en-US" sz="1000" b="0" i="1" smtClean="0">
+                                    <a:latin typeface="Cambria Math" panose="02040503050406030204" pitchFamily="18" charset="0"/>
+                                  </a:rPr>
+                                  <m:t>1</m:t>
+                                </m:r>
+                              </m:sub>
+                            </m:sSub>
+                          </m:sub>
+                        </m:sSub>
+                        <m:r>
+                          <a:rPr lang="en-US" sz="1000" b="0" i="1" smtClean="0">
+                            <a:latin typeface="Cambria Math" panose="02040503050406030204" pitchFamily="18" charset="0"/>
+                          </a:rPr>
+                          <m:t>=−0.1</m:t>
+                        </m:r>
+                      </m:oMath>
+                    </m:oMathPara>
+                  </a14:m>
+                  <a:endParaRPr lang="en-NL" sz="1000" dirty="0"/>
+                </a:p>
+              </p:txBody>
+            </p:sp>
+          </mc:Choice>
+          <mc:Fallback>
+            <p:sp>
+              <p:nvSpPr>
+                <p:cNvPr id="13" name="TextBox 12">
+                  <a:extLst>
+                    <a:ext uri="{FF2B5EF4-FFF2-40B4-BE49-F238E27FC236}">
+                      <a16:creationId xmlns:a16="http://schemas.microsoft.com/office/drawing/2014/main" id="{936AC690-50C1-BFC1-58C9-4FAB1591E6C0}"/>
+                    </a:ext>
+                  </a:extLst>
+                </p:cNvPr>
+                <p:cNvSpPr txBox="1">
+                  <a:spLocks noRot="1" noChangeAspect="1" noMove="1" noResize="1" noEditPoints="1" noAdjustHandles="1" noChangeArrowheads="1" noChangeShapeType="1" noTextEdit="1"/>
+                </p:cNvSpPr>
+                <p:nvPr/>
+              </p:nvSpPr>
+              <p:spPr>
+                <a:xfrm>
+                  <a:off x="2940194" y="2812191"/>
+                  <a:ext cx="801630" cy="167162"/>
+                </a:xfrm>
+                <a:prstGeom prst="rect">
+                  <a:avLst/>
+                </a:prstGeom>
+                <a:blipFill>
+                  <a:blip r:embed="rId24"/>
+                  <a:stretch>
+                    <a:fillRect l="-2290" r="-3817" b="-14815"/>
+                  </a:stretch>
+                </a:blipFill>
+                <a:ln>
+                  <a:noFill/>
+                </a:ln>
+              </p:spPr>
+              <p:txBody>
+                <a:bodyPr/>
+                <a:lstStyle/>
+                <a:p>
+                  <a:r>
+                    <a:rPr lang="en-NL">
+                      <a:noFill/>
+                    </a:rPr>
+                    <a:t> </a:t>
+                  </a:r>
+                </a:p>
+              </p:txBody>
+            </p:sp>
+          </mc:Fallback>
+        </mc:AlternateContent>
+        <mc:AlternateContent xmlns:mc="http://schemas.openxmlformats.org/markup-compatibility/2006">
+          <mc:Choice xmlns:a14="http://schemas.microsoft.com/office/drawing/2010/main" Requires="a14">
+            <p:sp>
+              <p:nvSpPr>
+                <p:cNvPr id="14" name="TextBox 13">
+                  <a:extLst>
+                    <a:ext uri="{FF2B5EF4-FFF2-40B4-BE49-F238E27FC236}">
+                      <a16:creationId xmlns:a16="http://schemas.microsoft.com/office/drawing/2014/main" id="{C0542E3C-9B25-BF97-8AB2-01B4F43898BE}"/>
+                    </a:ext>
+                  </a:extLst>
+                </p:cNvPr>
+                <p:cNvSpPr txBox="1"/>
+                <p:nvPr/>
+              </p:nvSpPr>
+              <p:spPr>
+                <a:xfrm>
+                  <a:off x="2940194" y="3002119"/>
+                  <a:ext cx="705450" cy="167162"/>
+                </a:xfrm>
+                <a:prstGeom prst="rect">
+                  <a:avLst/>
+                </a:prstGeom>
+                <a:solidFill>
+                  <a:schemeClr val="bg1">
+                    <a:lumMod val="95000"/>
+                  </a:schemeClr>
+                </a:solidFill>
+                <a:ln>
+                  <a:noFill/>
+                </a:ln>
+              </p:spPr>
+              <p:txBody>
+                <a:bodyPr wrap="none" lIns="0" tIns="0" rIns="0" bIns="0" rtlCol="0">
+                  <a:spAutoFit/>
+                </a:bodyPr>
+                <a:lstStyle/>
+                <a:p>
+                  <a14:m>
+                    <m:oMathPara xmlns:m="http://schemas.openxmlformats.org/officeDocument/2006/math">
+                      <m:oMathParaPr>
+                        <m:jc m:val="centerGroup"/>
+                      </m:oMathParaPr>
+                      <m:oMath xmlns:m="http://schemas.openxmlformats.org/officeDocument/2006/math">
+                        <m:sSub>
+                          <m:sSubPr>
+                            <m:ctrlPr>
+                              <a:rPr lang="en-NL" sz="1000" i="1" smtClean="0">
+                                <a:latin typeface="Cambria Math" panose="02040503050406030204" pitchFamily="18" charset="0"/>
+                              </a:rPr>
+                            </m:ctrlPr>
+                          </m:sSubPr>
+                          <m:e>
+                            <m:r>
+                              <a:rPr lang="en-US" sz="1000" b="0" i="1" smtClean="0">
+                                <a:latin typeface="Cambria Math" panose="02040503050406030204" pitchFamily="18" charset="0"/>
+                              </a:rPr>
+                              <m:t>𝑤</m:t>
+                            </m:r>
+                          </m:e>
+                          <m:sub>
+                            <m:sSub>
+                              <m:sSubPr>
+                                <m:ctrlPr>
+                                  <a:rPr lang="en-NL" sz="1000" i="1" smtClean="0">
+                                    <a:latin typeface="Cambria Math" panose="02040503050406030204" pitchFamily="18" charset="0"/>
+                                  </a:rPr>
+                                </m:ctrlPr>
+                              </m:sSubPr>
+                              <m:e>
+                                <m:r>
+                                  <a:rPr lang="en-US" sz="1000" b="0" i="1" smtClean="0">
+                                    <a:latin typeface="Cambria Math" panose="02040503050406030204" pitchFamily="18" charset="0"/>
+                                  </a:rPr>
+                                  <m:t>𝑁</m:t>
+                                </m:r>
+                              </m:e>
+                              <m:sub>
+                                <m:r>
+                                  <a:rPr lang="en-US" sz="1000" b="0" i="1" smtClean="0">
+                                    <a:latin typeface="Cambria Math" panose="02040503050406030204" pitchFamily="18" charset="0"/>
+                                  </a:rPr>
+                                  <m:t>1</m:t>
+                                </m:r>
+                              </m:sub>
+                            </m:sSub>
+                            <m:r>
+                              <a:rPr lang="en-US" sz="1000" b="0" i="1" smtClean="0">
+                                <a:latin typeface="Cambria Math" panose="02040503050406030204" pitchFamily="18" charset="0"/>
+                              </a:rPr>
+                              <m:t>,</m:t>
+                            </m:r>
+                            <m:sSub>
+                              <m:sSubPr>
+                                <m:ctrlPr>
+                                  <a:rPr lang="en-US" sz="1000" b="0" i="1" smtClean="0">
+                                    <a:latin typeface="Cambria Math" panose="02040503050406030204" pitchFamily="18" charset="0"/>
+                                  </a:rPr>
+                                </m:ctrlPr>
+                              </m:sSubPr>
+                              <m:e>
+                                <m:r>
+                                  <a:rPr lang="en-US" sz="1000" b="0" i="1" smtClean="0">
+                                    <a:latin typeface="Cambria Math" panose="02040503050406030204" pitchFamily="18" charset="0"/>
+                                  </a:rPr>
+                                  <m:t>𝑂</m:t>
+                                </m:r>
+                              </m:e>
+                              <m:sub>
+                                <m:r>
+                                  <a:rPr lang="en-US" sz="1000" b="0" i="1" smtClean="0">
+                                    <a:latin typeface="Cambria Math" panose="02040503050406030204" pitchFamily="18" charset="0"/>
+                                  </a:rPr>
+                                  <m:t>2</m:t>
+                                </m:r>
+                              </m:sub>
+                            </m:sSub>
+                          </m:sub>
+                        </m:sSub>
+                        <m:r>
+                          <a:rPr lang="en-US" sz="1000" b="0" i="1" smtClean="0">
+                            <a:latin typeface="Cambria Math" panose="02040503050406030204" pitchFamily="18" charset="0"/>
+                          </a:rPr>
+                          <m:t>=2.4</m:t>
+                        </m:r>
+                      </m:oMath>
+                    </m:oMathPara>
+                  </a14:m>
+                  <a:endParaRPr lang="en-NL" sz="1000" dirty="0"/>
+                </a:p>
+              </p:txBody>
+            </p:sp>
+          </mc:Choice>
+          <mc:Fallback>
+            <p:sp>
+              <p:nvSpPr>
+                <p:cNvPr id="14" name="TextBox 13">
+                  <a:extLst>
+                    <a:ext uri="{FF2B5EF4-FFF2-40B4-BE49-F238E27FC236}">
+                      <a16:creationId xmlns:a16="http://schemas.microsoft.com/office/drawing/2014/main" id="{C0542E3C-9B25-BF97-8AB2-01B4F43898BE}"/>
+                    </a:ext>
+                  </a:extLst>
+                </p:cNvPr>
+                <p:cNvSpPr txBox="1">
+                  <a:spLocks noRot="1" noChangeAspect="1" noMove="1" noResize="1" noEditPoints="1" noAdjustHandles="1" noChangeArrowheads="1" noChangeShapeType="1" noTextEdit="1"/>
+                </p:cNvSpPr>
+                <p:nvPr/>
+              </p:nvSpPr>
+              <p:spPr>
+                <a:xfrm>
+                  <a:off x="2940194" y="3002119"/>
+                  <a:ext cx="705450" cy="167162"/>
+                </a:xfrm>
+                <a:prstGeom prst="rect">
+                  <a:avLst/>
+                </a:prstGeom>
+                <a:blipFill>
+                  <a:blip r:embed="rId25"/>
+                  <a:stretch>
+                    <a:fillRect l="-2609" r="-5217" b="-14815"/>
+                  </a:stretch>
+                </a:blipFill>
+                <a:ln>
+                  <a:noFill/>
+                </a:ln>
+              </p:spPr>
+              <p:txBody>
+                <a:bodyPr/>
+                <a:lstStyle/>
+                <a:p>
+                  <a:r>
+                    <a:rPr lang="en-NL">
+                      <a:noFill/>
+                    </a:rPr>
+                    <a:t> </a:t>
+                  </a:r>
+                </a:p>
+              </p:txBody>
+            </p:sp>
+          </mc:Fallback>
+        </mc:AlternateContent>
+        <mc:AlternateContent xmlns:mc="http://schemas.openxmlformats.org/markup-compatibility/2006">
+          <mc:Choice xmlns:a14="http://schemas.microsoft.com/office/drawing/2010/main" Requires="a14">
+            <p:sp>
+              <p:nvSpPr>
+                <p:cNvPr id="15" name="TextBox 14">
+                  <a:extLst>
+                    <a:ext uri="{FF2B5EF4-FFF2-40B4-BE49-F238E27FC236}">
+                      <a16:creationId xmlns:a16="http://schemas.microsoft.com/office/drawing/2014/main" id="{68D96CB8-6C3B-465D-6E71-ADA04E171ADD}"/>
+                    </a:ext>
+                  </a:extLst>
+                </p:cNvPr>
+                <p:cNvSpPr txBox="1"/>
+                <p:nvPr/>
+              </p:nvSpPr>
+              <p:spPr>
+                <a:xfrm>
+                  <a:off x="2940194" y="3199534"/>
+                  <a:ext cx="801630" cy="167931"/>
+                </a:xfrm>
+                <a:prstGeom prst="rect">
+                  <a:avLst/>
+                </a:prstGeom>
+                <a:solidFill>
+                  <a:schemeClr val="bg1">
+                    <a:lumMod val="95000"/>
+                  </a:schemeClr>
+                </a:solidFill>
+                <a:ln>
+                  <a:noFill/>
+                </a:ln>
+              </p:spPr>
+              <p:txBody>
+                <a:bodyPr wrap="none" lIns="0" tIns="0" rIns="0" bIns="0" rtlCol="0">
+                  <a:spAutoFit/>
+                </a:bodyPr>
+                <a:lstStyle/>
+                <a:p>
+                  <a14:m>
+                    <m:oMathPara xmlns:m="http://schemas.openxmlformats.org/officeDocument/2006/math">
+                      <m:oMathParaPr>
+                        <m:jc m:val="centerGroup"/>
+                      </m:oMathParaPr>
+                      <m:oMath xmlns:m="http://schemas.openxmlformats.org/officeDocument/2006/math">
+                        <m:sSub>
+                          <m:sSubPr>
+                            <m:ctrlPr>
+                              <a:rPr lang="en-NL" sz="1000" i="1" smtClean="0">
+                                <a:latin typeface="Cambria Math" panose="02040503050406030204" pitchFamily="18" charset="0"/>
+                              </a:rPr>
+                            </m:ctrlPr>
+                          </m:sSubPr>
+                          <m:e>
+                            <m:r>
+                              <a:rPr lang="en-US" sz="1000" b="0" i="1" smtClean="0">
+                                <a:latin typeface="Cambria Math" panose="02040503050406030204" pitchFamily="18" charset="0"/>
+                              </a:rPr>
+                              <m:t>𝑤</m:t>
+                            </m:r>
+                          </m:e>
+                          <m:sub>
+                            <m:sSub>
+                              <m:sSubPr>
+                                <m:ctrlPr>
+                                  <a:rPr lang="en-NL" sz="1000" i="1" smtClean="0">
+                                    <a:latin typeface="Cambria Math" panose="02040503050406030204" pitchFamily="18" charset="0"/>
+                                  </a:rPr>
+                                </m:ctrlPr>
+                              </m:sSubPr>
+                              <m:e>
+                                <m:r>
+                                  <a:rPr lang="en-US" sz="1000" b="0" i="1" smtClean="0">
+                                    <a:latin typeface="Cambria Math" panose="02040503050406030204" pitchFamily="18" charset="0"/>
+                                  </a:rPr>
+                                  <m:t>𝑁</m:t>
+                                </m:r>
+                              </m:e>
+                              <m:sub>
+                                <m:r>
+                                  <a:rPr lang="en-US" sz="1000" b="0" i="1" smtClean="0">
+                                    <a:latin typeface="Cambria Math" panose="02040503050406030204" pitchFamily="18" charset="0"/>
+                                  </a:rPr>
+                                  <m:t>1</m:t>
+                                </m:r>
+                              </m:sub>
+                            </m:sSub>
+                            <m:r>
+                              <a:rPr lang="en-US" sz="1000" b="0" i="1" smtClean="0">
+                                <a:latin typeface="Cambria Math" panose="02040503050406030204" pitchFamily="18" charset="0"/>
+                              </a:rPr>
+                              <m:t>,</m:t>
+                            </m:r>
+                            <m:sSub>
+                              <m:sSubPr>
+                                <m:ctrlPr>
+                                  <a:rPr lang="en-US" sz="1000" b="0" i="1" smtClean="0">
+                                    <a:latin typeface="Cambria Math" panose="02040503050406030204" pitchFamily="18" charset="0"/>
+                                  </a:rPr>
+                                </m:ctrlPr>
+                              </m:sSubPr>
+                              <m:e>
+                                <m:r>
+                                  <a:rPr lang="en-US" sz="1000" b="0" i="1" smtClean="0">
+                                    <a:latin typeface="Cambria Math" panose="02040503050406030204" pitchFamily="18" charset="0"/>
+                                  </a:rPr>
+                                  <m:t>𝑂</m:t>
+                                </m:r>
+                              </m:e>
+                              <m:sub>
+                                <m:r>
+                                  <a:rPr lang="en-US" sz="1000" b="0" i="1" smtClean="0">
+                                    <a:latin typeface="Cambria Math" panose="02040503050406030204" pitchFamily="18" charset="0"/>
+                                  </a:rPr>
+                                  <m:t>3</m:t>
+                                </m:r>
+                              </m:sub>
+                            </m:sSub>
+                          </m:sub>
+                        </m:sSub>
+                        <m:r>
+                          <a:rPr lang="en-US" sz="1000" b="0" i="1" smtClean="0">
+                            <a:latin typeface="Cambria Math" panose="02040503050406030204" pitchFamily="18" charset="0"/>
+                          </a:rPr>
+                          <m:t>=−2.2</m:t>
+                        </m:r>
+                      </m:oMath>
+                    </m:oMathPara>
+                  </a14:m>
+                  <a:endParaRPr lang="en-NL" sz="1000" dirty="0"/>
+                </a:p>
+              </p:txBody>
+            </p:sp>
+          </mc:Choice>
+          <mc:Fallback>
+            <p:sp>
+              <p:nvSpPr>
+                <p:cNvPr id="15" name="TextBox 14">
+                  <a:extLst>
+                    <a:ext uri="{FF2B5EF4-FFF2-40B4-BE49-F238E27FC236}">
+                      <a16:creationId xmlns:a16="http://schemas.microsoft.com/office/drawing/2014/main" id="{68D96CB8-6C3B-465D-6E71-ADA04E171ADD}"/>
+                    </a:ext>
+                  </a:extLst>
+                </p:cNvPr>
+                <p:cNvSpPr txBox="1">
+                  <a:spLocks noRot="1" noChangeAspect="1" noMove="1" noResize="1" noEditPoints="1" noAdjustHandles="1" noChangeArrowheads="1" noChangeShapeType="1" noTextEdit="1"/>
+                </p:cNvSpPr>
+                <p:nvPr/>
+              </p:nvSpPr>
+              <p:spPr>
+                <a:xfrm>
+                  <a:off x="2940194" y="3199534"/>
+                  <a:ext cx="801630" cy="167931"/>
+                </a:xfrm>
+                <a:prstGeom prst="rect">
+                  <a:avLst/>
+                </a:prstGeom>
+                <a:blipFill>
+                  <a:blip r:embed="rId26"/>
+                  <a:stretch>
+                    <a:fillRect l="-2290" r="-3817" b="-14286"/>
+                  </a:stretch>
+                </a:blipFill>
+                <a:ln>
+                  <a:noFill/>
+                </a:ln>
+              </p:spPr>
+              <p:txBody>
+                <a:bodyPr/>
+                <a:lstStyle/>
+                <a:p>
+                  <a:r>
+                    <a:rPr lang="en-NL">
+                      <a:noFill/>
+                    </a:rPr>
+                    <a:t> </a:t>
+                  </a:r>
+                </a:p>
+              </p:txBody>
+            </p:sp>
+          </mc:Fallback>
+        </mc:AlternateContent>
+        <mc:AlternateContent xmlns:mc="http://schemas.openxmlformats.org/markup-compatibility/2006">
+          <mc:Choice xmlns:a14="http://schemas.microsoft.com/office/drawing/2010/main" Requires="a14">
+            <p:sp>
+              <p:nvSpPr>
+                <p:cNvPr id="17" name="TextBox 16">
+                  <a:extLst>
+                    <a:ext uri="{FF2B5EF4-FFF2-40B4-BE49-F238E27FC236}">
+                      <a16:creationId xmlns:a16="http://schemas.microsoft.com/office/drawing/2014/main" id="{3A084BFF-5380-6BAB-D727-3BFCFF903C24}"/>
+                    </a:ext>
+                  </a:extLst>
+                </p:cNvPr>
+                <p:cNvSpPr txBox="1"/>
+                <p:nvPr/>
+              </p:nvSpPr>
+              <p:spPr>
+                <a:xfrm>
+                  <a:off x="2940194" y="3703322"/>
+                  <a:ext cx="801630" cy="167162"/>
+                </a:xfrm>
+                <a:prstGeom prst="rect">
+                  <a:avLst/>
+                </a:prstGeom>
+                <a:solidFill>
+                  <a:schemeClr val="bg1">
+                    <a:lumMod val="95000"/>
+                  </a:schemeClr>
+                </a:solidFill>
+                <a:ln>
+                  <a:noFill/>
+                </a:ln>
+              </p:spPr>
+              <p:txBody>
+                <a:bodyPr wrap="none" lIns="0" tIns="0" rIns="0" bIns="0" rtlCol="0">
+                  <a:spAutoFit/>
+                </a:bodyPr>
+                <a:lstStyle/>
+                <a:p>
+                  <a14:m>
+                    <m:oMathPara xmlns:m="http://schemas.openxmlformats.org/officeDocument/2006/math">
+                      <m:oMathParaPr>
+                        <m:jc m:val="centerGroup"/>
+                      </m:oMathParaPr>
+                      <m:oMath xmlns:m="http://schemas.openxmlformats.org/officeDocument/2006/math">
+                        <m:sSub>
+                          <m:sSubPr>
+                            <m:ctrlPr>
+                              <a:rPr lang="en-NL" sz="1000" i="1" smtClean="0">
+                                <a:latin typeface="Cambria Math" panose="02040503050406030204" pitchFamily="18" charset="0"/>
+                              </a:rPr>
+                            </m:ctrlPr>
+                          </m:sSubPr>
+                          <m:e>
+                            <m:r>
+                              <a:rPr lang="en-US" sz="1000" b="0" i="1" smtClean="0">
+                                <a:latin typeface="Cambria Math" panose="02040503050406030204" pitchFamily="18" charset="0"/>
+                              </a:rPr>
+                              <m:t>𝑤</m:t>
+                            </m:r>
+                          </m:e>
+                          <m:sub>
+                            <m:sSub>
+                              <m:sSubPr>
+                                <m:ctrlPr>
+                                  <a:rPr lang="en-NL" sz="1000" i="1" smtClean="0">
+                                    <a:latin typeface="Cambria Math" panose="02040503050406030204" pitchFamily="18" charset="0"/>
+                                  </a:rPr>
+                                </m:ctrlPr>
+                              </m:sSubPr>
+                              <m:e>
+                                <m:r>
+                                  <a:rPr lang="en-US" sz="1000" b="0" i="1" smtClean="0">
+                                    <a:latin typeface="Cambria Math" panose="02040503050406030204" pitchFamily="18" charset="0"/>
+                                  </a:rPr>
+                                  <m:t>𝑁</m:t>
+                                </m:r>
+                              </m:e>
+                              <m:sub>
+                                <m:r>
+                                  <a:rPr lang="en-US" sz="1000" b="0" i="1" smtClean="0">
+                                    <a:latin typeface="Cambria Math" panose="02040503050406030204" pitchFamily="18" charset="0"/>
+                                  </a:rPr>
+                                  <m:t>2</m:t>
+                                </m:r>
+                              </m:sub>
+                            </m:sSub>
+                            <m:r>
+                              <a:rPr lang="en-US" sz="1000" b="0" i="1" smtClean="0">
+                                <a:latin typeface="Cambria Math" panose="02040503050406030204" pitchFamily="18" charset="0"/>
+                              </a:rPr>
+                              <m:t>,</m:t>
+                            </m:r>
+                            <m:sSub>
+                              <m:sSubPr>
+                                <m:ctrlPr>
+                                  <a:rPr lang="en-US" sz="1000" b="0" i="1" smtClean="0">
+                                    <a:latin typeface="Cambria Math" panose="02040503050406030204" pitchFamily="18" charset="0"/>
+                                  </a:rPr>
+                                </m:ctrlPr>
+                              </m:sSubPr>
+                              <m:e>
+                                <m:r>
+                                  <a:rPr lang="en-US" sz="1000" b="0" i="1" smtClean="0">
+                                    <a:latin typeface="Cambria Math" panose="02040503050406030204" pitchFamily="18" charset="0"/>
+                                  </a:rPr>
+                                  <m:t>𝑂</m:t>
+                                </m:r>
+                              </m:e>
+                              <m:sub>
+                                <m:r>
+                                  <a:rPr lang="en-US" sz="1000" b="0" i="1" smtClean="0">
+                                    <a:latin typeface="Cambria Math" panose="02040503050406030204" pitchFamily="18" charset="0"/>
+                                  </a:rPr>
+                                  <m:t>2</m:t>
+                                </m:r>
+                              </m:sub>
+                            </m:sSub>
+                          </m:sub>
+                        </m:sSub>
+                        <m:r>
+                          <a:rPr lang="en-US" sz="1000" b="0" i="1" smtClean="0">
+                            <a:latin typeface="Cambria Math" panose="02040503050406030204" pitchFamily="18" charset="0"/>
+                          </a:rPr>
+                          <m:t>=−5.2</m:t>
+                        </m:r>
+                      </m:oMath>
+                    </m:oMathPara>
+                  </a14:m>
+                  <a:endParaRPr lang="en-NL" sz="1000" dirty="0"/>
+                </a:p>
+              </p:txBody>
+            </p:sp>
+          </mc:Choice>
+          <mc:Fallback>
+            <p:sp>
+              <p:nvSpPr>
+                <p:cNvPr id="17" name="TextBox 16">
+                  <a:extLst>
+                    <a:ext uri="{FF2B5EF4-FFF2-40B4-BE49-F238E27FC236}">
+                      <a16:creationId xmlns:a16="http://schemas.microsoft.com/office/drawing/2014/main" id="{3A084BFF-5380-6BAB-D727-3BFCFF903C24}"/>
+                    </a:ext>
+                  </a:extLst>
+                </p:cNvPr>
+                <p:cNvSpPr txBox="1">
+                  <a:spLocks noRot="1" noChangeAspect="1" noMove="1" noResize="1" noEditPoints="1" noAdjustHandles="1" noChangeArrowheads="1" noChangeShapeType="1" noTextEdit="1"/>
+                </p:cNvSpPr>
+                <p:nvPr/>
+              </p:nvSpPr>
+              <p:spPr>
+                <a:xfrm>
+                  <a:off x="2940194" y="3703322"/>
+                  <a:ext cx="801630" cy="167162"/>
+                </a:xfrm>
+                <a:prstGeom prst="rect">
+                  <a:avLst/>
+                </a:prstGeom>
+                <a:blipFill>
+                  <a:blip r:embed="rId27"/>
+                  <a:stretch>
+                    <a:fillRect l="-2290" r="-3817" b="-14815"/>
+                  </a:stretch>
+                </a:blipFill>
+                <a:ln>
+                  <a:noFill/>
+                </a:ln>
+              </p:spPr>
+              <p:txBody>
+                <a:bodyPr/>
+                <a:lstStyle/>
+                <a:p>
+                  <a:r>
+                    <a:rPr lang="en-NL">
+                      <a:noFill/>
+                    </a:rPr>
+                    <a:t> </a:t>
+                  </a:r>
+                </a:p>
+              </p:txBody>
+            </p:sp>
+          </mc:Fallback>
+        </mc:AlternateContent>
+        <mc:AlternateContent xmlns:mc="http://schemas.openxmlformats.org/markup-compatibility/2006">
+          <mc:Choice xmlns:a14="http://schemas.microsoft.com/office/drawing/2010/main" Requires="a14">
+            <p:sp>
+              <p:nvSpPr>
+                <p:cNvPr id="18" name="TextBox 17">
+                  <a:extLst>
+                    <a:ext uri="{FF2B5EF4-FFF2-40B4-BE49-F238E27FC236}">
+                      <a16:creationId xmlns:a16="http://schemas.microsoft.com/office/drawing/2014/main" id="{4DF62720-F989-D99C-E819-66BB12949CEA}"/>
+                    </a:ext>
+                  </a:extLst>
+                </p:cNvPr>
+                <p:cNvSpPr txBox="1"/>
+                <p:nvPr/>
+              </p:nvSpPr>
+              <p:spPr>
+                <a:xfrm>
+                  <a:off x="2940194" y="3896721"/>
+                  <a:ext cx="705450" cy="167931"/>
+                </a:xfrm>
+                <a:prstGeom prst="rect">
+                  <a:avLst/>
+                </a:prstGeom>
+                <a:solidFill>
+                  <a:schemeClr val="bg1">
+                    <a:lumMod val="95000"/>
+                  </a:schemeClr>
+                </a:solidFill>
+                <a:ln>
+                  <a:noFill/>
+                </a:ln>
+              </p:spPr>
+              <p:txBody>
+                <a:bodyPr wrap="none" lIns="0" tIns="0" rIns="0" bIns="0" rtlCol="0">
+                  <a:spAutoFit/>
+                </a:bodyPr>
+                <a:lstStyle/>
+                <a:p>
+                  <a14:m>
+                    <m:oMathPara xmlns:m="http://schemas.openxmlformats.org/officeDocument/2006/math">
+                      <m:oMathParaPr>
+                        <m:jc m:val="centerGroup"/>
+                      </m:oMathParaPr>
+                      <m:oMath xmlns:m="http://schemas.openxmlformats.org/officeDocument/2006/math">
+                        <m:sSub>
+                          <m:sSubPr>
+                            <m:ctrlPr>
+                              <a:rPr lang="en-NL" sz="1000" i="1" smtClean="0">
+                                <a:latin typeface="Cambria Math" panose="02040503050406030204" pitchFamily="18" charset="0"/>
+                              </a:rPr>
+                            </m:ctrlPr>
+                          </m:sSubPr>
+                          <m:e>
+                            <m:r>
+                              <a:rPr lang="en-US" sz="1000" b="0" i="1" smtClean="0">
+                                <a:latin typeface="Cambria Math" panose="02040503050406030204" pitchFamily="18" charset="0"/>
+                              </a:rPr>
+                              <m:t>𝑤</m:t>
+                            </m:r>
+                          </m:e>
+                          <m:sub>
+                            <m:sSub>
+                              <m:sSubPr>
+                                <m:ctrlPr>
+                                  <a:rPr lang="en-NL" sz="1000" i="1" smtClean="0">
+                                    <a:latin typeface="Cambria Math" panose="02040503050406030204" pitchFamily="18" charset="0"/>
+                                  </a:rPr>
+                                </m:ctrlPr>
+                              </m:sSubPr>
+                              <m:e>
+                                <m:r>
+                                  <a:rPr lang="en-US" sz="1000" b="0" i="1" smtClean="0">
+                                    <a:latin typeface="Cambria Math" panose="02040503050406030204" pitchFamily="18" charset="0"/>
+                                  </a:rPr>
+                                  <m:t>𝑁</m:t>
+                                </m:r>
+                              </m:e>
+                              <m:sub>
+                                <m:r>
+                                  <a:rPr lang="en-US" sz="1000" b="0" i="1" smtClean="0">
+                                    <a:latin typeface="Cambria Math" panose="02040503050406030204" pitchFamily="18" charset="0"/>
+                                  </a:rPr>
+                                  <m:t>2</m:t>
+                                </m:r>
+                              </m:sub>
+                            </m:sSub>
+                            <m:r>
+                              <a:rPr lang="en-US" sz="1000" b="0" i="1" smtClean="0">
+                                <a:latin typeface="Cambria Math" panose="02040503050406030204" pitchFamily="18" charset="0"/>
+                              </a:rPr>
+                              <m:t>,</m:t>
+                            </m:r>
+                            <m:sSub>
+                              <m:sSubPr>
+                                <m:ctrlPr>
+                                  <a:rPr lang="en-US" sz="1000" b="0" i="1" smtClean="0">
+                                    <a:latin typeface="Cambria Math" panose="02040503050406030204" pitchFamily="18" charset="0"/>
+                                  </a:rPr>
+                                </m:ctrlPr>
+                              </m:sSubPr>
+                              <m:e>
+                                <m:r>
+                                  <a:rPr lang="en-US" sz="1000" b="0" i="1" smtClean="0">
+                                    <a:latin typeface="Cambria Math" panose="02040503050406030204" pitchFamily="18" charset="0"/>
+                                  </a:rPr>
+                                  <m:t>𝑂</m:t>
+                                </m:r>
+                              </m:e>
+                              <m:sub>
+                                <m:r>
+                                  <a:rPr lang="en-US" sz="1000" b="0" i="1" smtClean="0">
+                                    <a:latin typeface="Cambria Math" panose="02040503050406030204" pitchFamily="18" charset="0"/>
+                                  </a:rPr>
+                                  <m:t>3</m:t>
+                                </m:r>
+                              </m:sub>
+                            </m:sSub>
+                          </m:sub>
+                        </m:sSub>
+                        <m:r>
+                          <a:rPr lang="en-US" sz="1000" b="0" i="1" smtClean="0">
+                            <a:latin typeface="Cambria Math" panose="02040503050406030204" pitchFamily="18" charset="0"/>
+                          </a:rPr>
+                          <m:t>=3.7</m:t>
+                        </m:r>
+                      </m:oMath>
+                    </m:oMathPara>
+                  </a14:m>
+                  <a:endParaRPr lang="en-NL" sz="1000" dirty="0"/>
+                </a:p>
+              </p:txBody>
+            </p:sp>
+          </mc:Choice>
+          <mc:Fallback>
+            <p:sp>
+              <p:nvSpPr>
+                <p:cNvPr id="18" name="TextBox 17">
+                  <a:extLst>
+                    <a:ext uri="{FF2B5EF4-FFF2-40B4-BE49-F238E27FC236}">
+                      <a16:creationId xmlns:a16="http://schemas.microsoft.com/office/drawing/2014/main" id="{4DF62720-F989-D99C-E819-66BB12949CEA}"/>
+                    </a:ext>
+                  </a:extLst>
+                </p:cNvPr>
+                <p:cNvSpPr txBox="1">
+                  <a:spLocks noRot="1" noChangeAspect="1" noMove="1" noResize="1" noEditPoints="1" noAdjustHandles="1" noChangeArrowheads="1" noChangeShapeType="1" noTextEdit="1"/>
+                </p:cNvSpPr>
+                <p:nvPr/>
+              </p:nvSpPr>
+              <p:spPr>
+                <a:xfrm>
+                  <a:off x="2940194" y="3896721"/>
+                  <a:ext cx="705450" cy="167931"/>
+                </a:xfrm>
+                <a:prstGeom prst="rect">
+                  <a:avLst/>
+                </a:prstGeom>
+                <a:blipFill>
+                  <a:blip r:embed="rId28"/>
+                  <a:stretch>
+                    <a:fillRect l="-2609" r="-5217" b="-14815"/>
+                  </a:stretch>
+                </a:blipFill>
+                <a:ln>
+                  <a:noFill/>
+                </a:ln>
+              </p:spPr>
+              <p:txBody>
+                <a:bodyPr/>
+                <a:lstStyle/>
+                <a:p>
+                  <a:r>
+                    <a:rPr lang="en-NL">
+                      <a:noFill/>
+                    </a:rPr>
+                    <a:t> </a:t>
+                  </a:r>
+                </a:p>
+              </p:txBody>
+            </p:sp>
+          </mc:Fallback>
+        </mc:AlternateContent>
+        <p:cxnSp>
+          <p:nvCxnSpPr>
+            <p:cNvPr id="90" name="Straight Arrow Connector 89">
+              <a:extLst>
+                <a:ext uri="{FF2B5EF4-FFF2-40B4-BE49-F238E27FC236}">
+                  <a16:creationId xmlns:a16="http://schemas.microsoft.com/office/drawing/2014/main" id="{D809AA25-69A0-99D3-3D23-BCAA97AA5027}"/>
+                </a:ext>
+              </a:extLst>
+            </p:cNvPr>
+            <p:cNvCxnSpPr>
+              <a:cxnSpLocks/>
+              <a:stCxn id="9" idx="3"/>
+              <a:endCxn id="4" idx="1"/>
+            </p:cNvCxnSpPr>
+            <p:nvPr/>
+          </p:nvCxnSpPr>
+          <p:spPr>
+            <a:xfrm flipV="1">
+              <a:off x="1889828" y="3082120"/>
+              <a:ext cx="296940" cy="7160"/>
+            </a:xfrm>
+            <a:prstGeom prst="straightConnector1">
+              <a:avLst/>
+            </a:prstGeom>
+            <a:ln>
+              <a:solidFill>
+                <a:schemeClr val="tx1"/>
+              </a:solidFill>
+              <a:tailEnd type="triangle"/>
+            </a:ln>
+          </p:spPr>
+          <p:style>
+            <a:lnRef idx="1">
+              <a:schemeClr val="accent1"/>
+            </a:lnRef>
+            <a:fillRef idx="0">
+              <a:schemeClr val="accent1"/>
+            </a:fillRef>
+            <a:effectRef idx="0">
+              <a:schemeClr val="accent1"/>
+            </a:effectRef>
+            <a:fontRef idx="minor">
+              <a:schemeClr val="tx1"/>
+            </a:fontRef>
+          </p:style>
+        </p:cxnSp>
+        <p:cxnSp>
+          <p:nvCxnSpPr>
+            <p:cNvPr id="94" name="Straight Arrow Connector 93">
+              <a:extLst>
+                <a:ext uri="{FF2B5EF4-FFF2-40B4-BE49-F238E27FC236}">
+                  <a16:creationId xmlns:a16="http://schemas.microsoft.com/office/drawing/2014/main" id="{F49F1AB6-DD5E-DFD6-23A3-54164E1F3485}"/>
+                </a:ext>
+              </a:extLst>
+            </p:cNvPr>
+            <p:cNvCxnSpPr>
+              <a:cxnSpLocks/>
+              <a:stCxn id="7" idx="2"/>
+              <a:endCxn id="4" idx="1"/>
+            </p:cNvCxnSpPr>
+            <p:nvPr/>
+          </p:nvCxnSpPr>
+          <p:spPr>
+            <a:xfrm>
+              <a:off x="1924596" y="2881503"/>
+              <a:ext cx="262172" cy="200617"/>
+            </a:xfrm>
+            <a:prstGeom prst="straightConnector1">
+              <a:avLst/>
+            </a:prstGeom>
+            <a:ln>
+              <a:solidFill>
+                <a:schemeClr val="tx1"/>
+              </a:solidFill>
+              <a:tailEnd type="triangle"/>
+            </a:ln>
+          </p:spPr>
+          <p:style>
+            <a:lnRef idx="1">
+              <a:schemeClr val="accent1"/>
+            </a:lnRef>
+            <a:fillRef idx="0">
+              <a:schemeClr val="accent1"/>
+            </a:fillRef>
+            <a:effectRef idx="0">
+              <a:schemeClr val="accent1"/>
+            </a:effectRef>
+            <a:fontRef idx="minor">
+              <a:schemeClr val="tx1"/>
+            </a:fontRef>
+          </p:style>
+        </p:cxnSp>
+        <p:cxnSp>
+          <p:nvCxnSpPr>
+            <p:cNvPr id="98" name="Straight Arrow Connector 97">
+              <a:extLst>
+                <a:ext uri="{FF2B5EF4-FFF2-40B4-BE49-F238E27FC236}">
+                  <a16:creationId xmlns:a16="http://schemas.microsoft.com/office/drawing/2014/main" id="{F8CF5F7A-01E4-0838-0249-C652D86595FB}"/>
+                </a:ext>
+              </a:extLst>
+            </p:cNvPr>
+            <p:cNvCxnSpPr>
+              <a:cxnSpLocks/>
+              <a:stCxn id="2" idx="3"/>
+              <a:endCxn id="10" idx="1"/>
+            </p:cNvCxnSpPr>
+            <p:nvPr/>
+          </p:nvCxnSpPr>
+          <p:spPr>
+            <a:xfrm>
+              <a:off x="988971" y="3218738"/>
+              <a:ext cx="173928" cy="131688"/>
+            </a:xfrm>
+            <a:prstGeom prst="straightConnector1">
+              <a:avLst/>
+            </a:prstGeom>
+            <a:ln>
+              <a:solidFill>
+                <a:schemeClr val="tx1"/>
+              </a:solidFill>
+              <a:tailEnd type="triangle"/>
+            </a:ln>
+          </p:spPr>
+          <p:style>
+            <a:lnRef idx="1">
+              <a:schemeClr val="accent1"/>
+            </a:lnRef>
+            <a:fillRef idx="0">
+              <a:schemeClr val="accent1"/>
+            </a:fillRef>
+            <a:effectRef idx="0">
+              <a:schemeClr val="accent1"/>
+            </a:effectRef>
+            <a:fontRef idx="minor">
+              <a:schemeClr val="tx1"/>
+            </a:fontRef>
+          </p:style>
+        </p:cxnSp>
+        <p:cxnSp>
+          <p:nvCxnSpPr>
+            <p:cNvPr id="102" name="Straight Arrow Connector 101">
+              <a:extLst>
+                <a:ext uri="{FF2B5EF4-FFF2-40B4-BE49-F238E27FC236}">
+                  <a16:creationId xmlns:a16="http://schemas.microsoft.com/office/drawing/2014/main" id="{AD96F546-7385-C406-0FEA-B942C6D138E4}"/>
+                </a:ext>
+              </a:extLst>
+            </p:cNvPr>
+            <p:cNvCxnSpPr>
+              <a:cxnSpLocks/>
+              <a:stCxn id="11" idx="3"/>
+              <a:endCxn id="4" idx="1"/>
+            </p:cNvCxnSpPr>
+            <p:nvPr/>
+          </p:nvCxnSpPr>
+          <p:spPr>
+            <a:xfrm flipV="1">
+              <a:off x="1811282" y="3082120"/>
+              <a:ext cx="375486" cy="580442"/>
+            </a:xfrm>
+            <a:prstGeom prst="straightConnector1">
+              <a:avLst/>
+            </a:prstGeom>
+            <a:ln>
+              <a:solidFill>
+                <a:schemeClr val="tx1"/>
+              </a:solidFill>
+              <a:tailEnd type="triangle"/>
+            </a:ln>
+          </p:spPr>
+          <p:style>
+            <a:lnRef idx="1">
+              <a:schemeClr val="accent1"/>
+            </a:lnRef>
+            <a:fillRef idx="0">
+              <a:schemeClr val="accent1"/>
+            </a:fillRef>
+            <a:effectRef idx="0">
+              <a:schemeClr val="accent1"/>
+            </a:effectRef>
+            <a:fontRef idx="minor">
+              <a:schemeClr val="tx1"/>
+            </a:fontRef>
+          </p:style>
+        </p:cxnSp>
+        <p:cxnSp>
+          <p:nvCxnSpPr>
+            <p:cNvPr id="106" name="Straight Arrow Connector 105">
+              <a:extLst>
+                <a:ext uri="{FF2B5EF4-FFF2-40B4-BE49-F238E27FC236}">
+                  <a16:creationId xmlns:a16="http://schemas.microsoft.com/office/drawing/2014/main" id="{1E8E2A19-56E4-2645-05D5-F7A353804F44}"/>
+                </a:ext>
+              </a:extLst>
+            </p:cNvPr>
+            <p:cNvCxnSpPr>
+              <a:cxnSpLocks/>
+              <a:stCxn id="12" idx="3"/>
+              <a:endCxn id="5" idx="1"/>
+            </p:cNvCxnSpPr>
+            <p:nvPr/>
+          </p:nvCxnSpPr>
+          <p:spPr>
+            <a:xfrm flipV="1">
+              <a:off x="1811282" y="3772455"/>
+              <a:ext cx="387908" cy="138499"/>
+            </a:xfrm>
+            <a:prstGeom prst="straightConnector1">
+              <a:avLst/>
+            </a:prstGeom>
+            <a:ln>
+              <a:solidFill>
+                <a:schemeClr val="tx1"/>
+              </a:solidFill>
+              <a:tailEnd type="triangle"/>
+            </a:ln>
+          </p:spPr>
+          <p:style>
+            <a:lnRef idx="1">
+              <a:schemeClr val="accent1"/>
+            </a:lnRef>
+            <a:fillRef idx="0">
+              <a:schemeClr val="accent1"/>
+            </a:fillRef>
+            <a:effectRef idx="0">
+              <a:schemeClr val="accent1"/>
+            </a:effectRef>
+            <a:fontRef idx="minor">
+              <a:schemeClr val="tx1"/>
+            </a:fontRef>
+          </p:style>
+        </p:cxnSp>
+        <p:cxnSp>
+          <p:nvCxnSpPr>
+            <p:cNvPr id="181" name="Straight Arrow Connector 180">
+              <a:extLst>
+                <a:ext uri="{FF2B5EF4-FFF2-40B4-BE49-F238E27FC236}">
+                  <a16:creationId xmlns:a16="http://schemas.microsoft.com/office/drawing/2014/main" id="{53DDEC0E-0E95-A448-2F12-F5472A679D54}"/>
+                </a:ext>
+              </a:extLst>
+            </p:cNvPr>
+            <p:cNvCxnSpPr>
+              <a:cxnSpLocks/>
+              <a:stCxn id="19" idx="2"/>
+              <a:endCxn id="22" idx="1"/>
+            </p:cNvCxnSpPr>
+            <p:nvPr/>
+          </p:nvCxnSpPr>
+          <p:spPr>
+            <a:xfrm>
+              <a:off x="3966149" y="2469334"/>
+              <a:ext cx="323173" cy="228242"/>
+            </a:xfrm>
+            <a:prstGeom prst="straightConnector1">
+              <a:avLst/>
+            </a:prstGeom>
+            <a:ln>
+              <a:solidFill>
+                <a:schemeClr val="tx1"/>
+              </a:solidFill>
+              <a:tailEnd type="triangle"/>
+            </a:ln>
+          </p:spPr>
+          <p:style>
+            <a:lnRef idx="1">
+              <a:schemeClr val="accent1"/>
+            </a:lnRef>
+            <a:fillRef idx="0">
+              <a:schemeClr val="accent1"/>
+            </a:fillRef>
+            <a:effectRef idx="0">
+              <a:schemeClr val="accent1"/>
+            </a:effectRef>
+            <a:fontRef idx="minor">
+              <a:schemeClr val="tx1"/>
+            </a:fontRef>
+          </p:style>
+        </p:cxnSp>
+        <p:cxnSp>
+          <p:nvCxnSpPr>
+            <p:cNvPr id="184" name="Straight Arrow Connector 183">
+              <a:extLst>
+                <a:ext uri="{FF2B5EF4-FFF2-40B4-BE49-F238E27FC236}">
+                  <a16:creationId xmlns:a16="http://schemas.microsoft.com/office/drawing/2014/main" id="{3B7BFEC8-136C-01D5-5113-6EE7D6DC7B5E}"/>
+                </a:ext>
+              </a:extLst>
+            </p:cNvPr>
+            <p:cNvCxnSpPr>
+              <a:cxnSpLocks/>
+              <a:stCxn id="13" idx="3"/>
+              <a:endCxn id="22" idx="1"/>
+            </p:cNvCxnSpPr>
+            <p:nvPr/>
+          </p:nvCxnSpPr>
+          <p:spPr>
+            <a:xfrm flipV="1">
+              <a:off x="3741824" y="2697576"/>
+              <a:ext cx="547498" cy="198196"/>
+            </a:xfrm>
+            <a:prstGeom prst="straightConnector1">
+              <a:avLst/>
+            </a:prstGeom>
+            <a:ln>
+              <a:solidFill>
+                <a:schemeClr val="tx1"/>
+              </a:solidFill>
+              <a:tailEnd type="triangle"/>
+            </a:ln>
+          </p:spPr>
+          <p:style>
+            <a:lnRef idx="1">
+              <a:schemeClr val="accent1"/>
+            </a:lnRef>
+            <a:fillRef idx="0">
+              <a:schemeClr val="accent1"/>
+            </a:fillRef>
+            <a:effectRef idx="0">
+              <a:schemeClr val="accent1"/>
+            </a:effectRef>
+            <a:fontRef idx="minor">
+              <a:schemeClr val="tx1"/>
+            </a:fontRef>
+          </p:style>
+        </p:cxnSp>
+        <p:cxnSp>
+          <p:nvCxnSpPr>
+            <p:cNvPr id="187" name="Straight Arrow Connector 186">
+              <a:extLst>
+                <a:ext uri="{FF2B5EF4-FFF2-40B4-BE49-F238E27FC236}">
+                  <a16:creationId xmlns:a16="http://schemas.microsoft.com/office/drawing/2014/main" id="{1EE5D2E8-7962-09BF-3865-CC8E495FC9A0}"/>
+                </a:ext>
+              </a:extLst>
+            </p:cNvPr>
+            <p:cNvCxnSpPr>
+              <a:cxnSpLocks/>
+              <a:stCxn id="14" idx="3"/>
+              <a:endCxn id="23" idx="1"/>
+            </p:cNvCxnSpPr>
+            <p:nvPr/>
+          </p:nvCxnSpPr>
+          <p:spPr>
+            <a:xfrm>
+              <a:off x="3645644" y="3085700"/>
+              <a:ext cx="648999" cy="319645"/>
+            </a:xfrm>
+            <a:prstGeom prst="straightConnector1">
+              <a:avLst/>
+            </a:prstGeom>
+            <a:ln>
+              <a:solidFill>
+                <a:schemeClr val="tx1"/>
+              </a:solidFill>
+              <a:tailEnd type="triangle"/>
+            </a:ln>
+          </p:spPr>
+          <p:style>
+            <a:lnRef idx="1">
+              <a:schemeClr val="accent1"/>
+            </a:lnRef>
+            <a:fillRef idx="0">
+              <a:schemeClr val="accent1"/>
+            </a:fillRef>
+            <a:effectRef idx="0">
+              <a:schemeClr val="accent1"/>
+            </a:effectRef>
+            <a:fontRef idx="minor">
+              <a:schemeClr val="tx1"/>
+            </a:fontRef>
+          </p:style>
+        </p:cxnSp>
+        <p:cxnSp>
+          <p:nvCxnSpPr>
+            <p:cNvPr id="190" name="Straight Arrow Connector 189">
+              <a:extLst>
+                <a:ext uri="{FF2B5EF4-FFF2-40B4-BE49-F238E27FC236}">
+                  <a16:creationId xmlns:a16="http://schemas.microsoft.com/office/drawing/2014/main" id="{A6F14C73-31E1-ED50-05D9-823B12D7964F}"/>
+                </a:ext>
+              </a:extLst>
+            </p:cNvPr>
+            <p:cNvCxnSpPr>
+              <a:cxnSpLocks/>
+              <a:stCxn id="15" idx="3"/>
+              <a:endCxn id="24" idx="1"/>
+            </p:cNvCxnSpPr>
+            <p:nvPr/>
+          </p:nvCxnSpPr>
+          <p:spPr>
+            <a:xfrm>
+              <a:off x="3741824" y="3283500"/>
+              <a:ext cx="552819" cy="778632"/>
+            </a:xfrm>
+            <a:prstGeom prst="straightConnector1">
+              <a:avLst/>
+            </a:prstGeom>
+            <a:ln>
+              <a:solidFill>
+                <a:schemeClr val="tx1"/>
+              </a:solidFill>
+              <a:tailEnd type="triangle"/>
+            </a:ln>
+          </p:spPr>
+          <p:style>
+            <a:lnRef idx="1">
+              <a:schemeClr val="accent1"/>
+            </a:lnRef>
+            <a:fillRef idx="0">
+              <a:schemeClr val="accent1"/>
+            </a:fillRef>
+            <a:effectRef idx="0">
+              <a:schemeClr val="accent1"/>
+            </a:effectRef>
+            <a:fontRef idx="minor">
+              <a:schemeClr val="tx1"/>
+            </a:fontRef>
+          </p:style>
+        </p:cxnSp>
+        <p:cxnSp>
+          <p:nvCxnSpPr>
+            <p:cNvPr id="193" name="Straight Arrow Connector 192">
+              <a:extLst>
+                <a:ext uri="{FF2B5EF4-FFF2-40B4-BE49-F238E27FC236}">
+                  <a16:creationId xmlns:a16="http://schemas.microsoft.com/office/drawing/2014/main" id="{CD82F64C-4E40-8845-E280-ED736865D296}"/>
+                </a:ext>
+              </a:extLst>
+            </p:cNvPr>
+            <p:cNvCxnSpPr>
+              <a:cxnSpLocks/>
+              <a:stCxn id="16" idx="3"/>
+              <a:endCxn id="22" idx="1"/>
+            </p:cNvCxnSpPr>
+            <p:nvPr/>
+          </p:nvCxnSpPr>
+          <p:spPr>
+            <a:xfrm flipV="1">
+              <a:off x="3645644" y="2697576"/>
+              <a:ext cx="643678" cy="895926"/>
+            </a:xfrm>
+            <a:prstGeom prst="straightConnector1">
+              <a:avLst/>
+            </a:prstGeom>
+            <a:ln>
+              <a:solidFill>
+                <a:schemeClr val="tx1"/>
+              </a:solidFill>
+              <a:tailEnd type="triangle"/>
+            </a:ln>
+          </p:spPr>
+          <p:style>
+            <a:lnRef idx="1">
+              <a:schemeClr val="accent1"/>
+            </a:lnRef>
+            <a:fillRef idx="0">
+              <a:schemeClr val="accent1"/>
+            </a:fillRef>
+            <a:effectRef idx="0">
+              <a:schemeClr val="accent1"/>
+            </a:effectRef>
+            <a:fontRef idx="minor">
+              <a:schemeClr val="tx1"/>
+            </a:fontRef>
+          </p:style>
+        </p:cxnSp>
+        <p:cxnSp>
+          <p:nvCxnSpPr>
+            <p:cNvPr id="199" name="Straight Arrow Connector 198">
+              <a:extLst>
+                <a:ext uri="{FF2B5EF4-FFF2-40B4-BE49-F238E27FC236}">
+                  <a16:creationId xmlns:a16="http://schemas.microsoft.com/office/drawing/2014/main" id="{18B98A17-10D1-AD45-D3B5-9E72696F0272}"/>
+                </a:ext>
+              </a:extLst>
+            </p:cNvPr>
+            <p:cNvCxnSpPr>
+              <a:cxnSpLocks/>
+              <a:stCxn id="17" idx="3"/>
+              <a:endCxn id="23" idx="1"/>
+            </p:cNvCxnSpPr>
+            <p:nvPr/>
+          </p:nvCxnSpPr>
+          <p:spPr>
+            <a:xfrm flipV="1">
+              <a:off x="3741824" y="3405345"/>
+              <a:ext cx="552819" cy="381558"/>
+            </a:xfrm>
+            <a:prstGeom prst="straightConnector1">
+              <a:avLst/>
+            </a:prstGeom>
+            <a:ln>
+              <a:solidFill>
+                <a:schemeClr val="tx1"/>
+              </a:solidFill>
+              <a:tailEnd type="triangle"/>
+            </a:ln>
+          </p:spPr>
+          <p:style>
+            <a:lnRef idx="1">
+              <a:schemeClr val="accent1"/>
+            </a:lnRef>
+            <a:fillRef idx="0">
+              <a:schemeClr val="accent1"/>
+            </a:fillRef>
+            <a:effectRef idx="0">
+              <a:schemeClr val="accent1"/>
+            </a:effectRef>
+            <a:fontRef idx="minor">
+              <a:schemeClr val="tx1"/>
+            </a:fontRef>
+          </p:style>
+        </p:cxnSp>
+        <p:cxnSp>
+          <p:nvCxnSpPr>
+            <p:cNvPr id="202" name="Straight Arrow Connector 201">
+              <a:extLst>
+                <a:ext uri="{FF2B5EF4-FFF2-40B4-BE49-F238E27FC236}">
+                  <a16:creationId xmlns:a16="http://schemas.microsoft.com/office/drawing/2014/main" id="{AD96C91F-8A9D-A84E-D949-CAC4B9EF6D90}"/>
+                </a:ext>
+              </a:extLst>
+            </p:cNvPr>
+            <p:cNvCxnSpPr>
+              <a:cxnSpLocks/>
+              <a:stCxn id="18" idx="3"/>
+              <a:endCxn id="24" idx="1"/>
+            </p:cNvCxnSpPr>
+            <p:nvPr/>
+          </p:nvCxnSpPr>
+          <p:spPr>
+            <a:xfrm>
+              <a:off x="3645644" y="3980687"/>
+              <a:ext cx="648999" cy="81445"/>
+            </a:xfrm>
+            <a:prstGeom prst="straightConnector1">
+              <a:avLst/>
+            </a:prstGeom>
+            <a:ln>
+              <a:solidFill>
+                <a:schemeClr val="tx1"/>
+              </a:solidFill>
+              <a:tailEnd type="triangle"/>
+            </a:ln>
+          </p:spPr>
+          <p:style>
+            <a:lnRef idx="1">
+              <a:schemeClr val="accent1"/>
+            </a:lnRef>
+            <a:fillRef idx="0">
+              <a:schemeClr val="accent1"/>
+            </a:fillRef>
+            <a:effectRef idx="0">
+              <a:schemeClr val="accent1"/>
+            </a:effectRef>
+            <a:fontRef idx="minor">
+              <a:schemeClr val="tx1"/>
+            </a:fontRef>
+          </p:style>
+        </p:cxnSp>
+        <p:cxnSp>
+          <p:nvCxnSpPr>
+            <p:cNvPr id="205" name="Straight Arrow Connector 204">
+              <a:extLst>
+                <a:ext uri="{FF2B5EF4-FFF2-40B4-BE49-F238E27FC236}">
+                  <a16:creationId xmlns:a16="http://schemas.microsoft.com/office/drawing/2014/main" id="{2471B074-2809-EA97-A5BA-5FE4EFDA00B9}"/>
+                </a:ext>
+              </a:extLst>
+            </p:cNvPr>
+            <p:cNvCxnSpPr>
+              <a:cxnSpLocks/>
+              <a:stCxn id="21" idx="0"/>
+              <a:endCxn id="24" idx="1"/>
+            </p:cNvCxnSpPr>
+            <p:nvPr/>
+          </p:nvCxnSpPr>
+          <p:spPr>
+            <a:xfrm flipV="1">
+              <a:off x="3969239" y="4062132"/>
+              <a:ext cx="325404" cy="161334"/>
+            </a:xfrm>
+            <a:prstGeom prst="straightConnector1">
+              <a:avLst/>
+            </a:prstGeom>
+            <a:ln>
+              <a:solidFill>
+                <a:schemeClr val="tx1"/>
+              </a:solidFill>
+              <a:tailEnd type="triangle"/>
+            </a:ln>
+          </p:spPr>
+          <p:style>
+            <a:lnRef idx="1">
+              <a:schemeClr val="accent1"/>
+            </a:lnRef>
+            <a:fillRef idx="0">
+              <a:schemeClr val="accent1"/>
+            </a:fillRef>
+            <a:effectRef idx="0">
+              <a:schemeClr val="accent1"/>
+            </a:effectRef>
+            <a:fontRef idx="minor">
+              <a:schemeClr val="tx1"/>
+            </a:fontRef>
+          </p:style>
+        </p:cxnSp>
+        <p:cxnSp>
+          <p:nvCxnSpPr>
+            <p:cNvPr id="209" name="Straight Arrow Connector 208">
+              <a:extLst>
+                <a:ext uri="{FF2B5EF4-FFF2-40B4-BE49-F238E27FC236}">
+                  <a16:creationId xmlns:a16="http://schemas.microsoft.com/office/drawing/2014/main" id="{C850047F-324D-F51E-BDF4-AAD4A3039C9B}"/>
+                </a:ext>
+              </a:extLst>
+            </p:cNvPr>
+            <p:cNvCxnSpPr>
+              <a:cxnSpLocks/>
+              <a:stCxn id="20" idx="2"/>
+              <a:endCxn id="23" idx="1"/>
+            </p:cNvCxnSpPr>
+            <p:nvPr/>
+          </p:nvCxnSpPr>
+          <p:spPr>
+            <a:xfrm flipH="1">
+              <a:off x="4294643" y="3145397"/>
+              <a:ext cx="92005" cy="259948"/>
+            </a:xfrm>
+            <a:prstGeom prst="straightConnector1">
+              <a:avLst/>
+            </a:prstGeom>
+            <a:ln>
+              <a:solidFill>
+                <a:schemeClr val="tx1"/>
+              </a:solidFill>
+              <a:tailEnd type="triangle"/>
+            </a:ln>
+          </p:spPr>
+          <p:style>
+            <a:lnRef idx="1">
+              <a:schemeClr val="accent1"/>
+            </a:lnRef>
+            <a:fillRef idx="0">
+              <a:schemeClr val="accent1"/>
+            </a:fillRef>
+            <a:effectRef idx="0">
+              <a:schemeClr val="accent1"/>
+            </a:effectRef>
+            <a:fontRef idx="minor">
+              <a:schemeClr val="tx1"/>
+            </a:fontRef>
+          </p:style>
+        </p:cxnSp>
+        <mc:AlternateContent xmlns:mc="http://schemas.openxmlformats.org/markup-compatibility/2006">
+          <mc:Choice xmlns:a14="http://schemas.microsoft.com/office/drawing/2010/main" Requires="a14">
+            <p:sp>
+              <p:nvSpPr>
+                <p:cNvPr id="20" name="TextBox 19">
+                  <a:extLst>
+                    <a:ext uri="{FF2B5EF4-FFF2-40B4-BE49-F238E27FC236}">
+                      <a16:creationId xmlns:a16="http://schemas.microsoft.com/office/drawing/2014/main" id="{8FB704C3-E64E-9931-3AAA-9FD62F864462}"/>
+                    </a:ext>
+                  </a:extLst>
+                </p:cNvPr>
+                <p:cNvSpPr txBox="1"/>
+                <p:nvPr/>
+              </p:nvSpPr>
+              <p:spPr>
+                <a:xfrm>
+                  <a:off x="4162323" y="2978235"/>
+                  <a:ext cx="448649" cy="167162"/>
+                </a:xfrm>
+                <a:prstGeom prst="rect">
+                  <a:avLst/>
+                </a:prstGeom>
+                <a:solidFill>
+                  <a:schemeClr val="bg1">
+                    <a:lumMod val="95000"/>
+                  </a:schemeClr>
+                </a:solidFill>
+                <a:ln>
+                  <a:noFill/>
+                </a:ln>
+              </p:spPr>
+              <p:txBody>
+                <a:bodyPr wrap="none" lIns="0" tIns="0" rIns="0" bIns="0" rtlCol="0">
+                  <a:spAutoFit/>
+                </a:bodyPr>
+                <a:lstStyle/>
+                <a:p>
+                  <a14:m>
+                    <m:oMathPara xmlns:m="http://schemas.openxmlformats.org/officeDocument/2006/math">
+                      <m:oMathParaPr>
+                        <m:jc m:val="centerGroup"/>
+                      </m:oMathParaPr>
+                      <m:oMath xmlns:m="http://schemas.openxmlformats.org/officeDocument/2006/math">
+                        <m:sSub>
+                          <m:sSubPr>
+                            <m:ctrlPr>
+                              <a:rPr lang="en-NL" sz="1000" i="1" smtClean="0">
+                                <a:latin typeface="Cambria Math" panose="02040503050406030204" pitchFamily="18" charset="0"/>
+                              </a:rPr>
+                            </m:ctrlPr>
+                          </m:sSubPr>
+                          <m:e>
+                            <m:r>
+                              <a:rPr lang="en-US" sz="1000" b="0" i="1" smtClean="0">
+                                <a:latin typeface="Cambria Math" panose="02040503050406030204" pitchFamily="18" charset="0"/>
+                              </a:rPr>
+                              <m:t>𝑏</m:t>
+                            </m:r>
+                          </m:e>
+                          <m:sub>
+                            <m:sSub>
+                              <m:sSubPr>
+                                <m:ctrlPr>
+                                  <a:rPr lang="en-NL" sz="1000" i="1" smtClean="0">
+                                    <a:latin typeface="Cambria Math" panose="02040503050406030204" pitchFamily="18" charset="0"/>
+                                  </a:rPr>
+                                </m:ctrlPr>
+                              </m:sSubPr>
+                              <m:e>
+                                <m:r>
+                                  <a:rPr lang="en-US" sz="1000" b="0" i="1" smtClean="0">
+                                    <a:latin typeface="Cambria Math" panose="02040503050406030204" pitchFamily="18" charset="0"/>
+                                  </a:rPr>
+                                  <m:t>𝑂</m:t>
+                                </m:r>
+                              </m:e>
+                              <m:sub>
+                                <m:r>
+                                  <a:rPr lang="en-US" sz="1000" b="0" i="1" smtClean="0">
+                                    <a:latin typeface="Cambria Math" panose="02040503050406030204" pitchFamily="18" charset="0"/>
+                                  </a:rPr>
+                                  <m:t>2</m:t>
+                                </m:r>
+                              </m:sub>
+                            </m:sSub>
+                          </m:sub>
+                        </m:sSub>
+                        <m:r>
+                          <a:rPr lang="en-US" sz="1000" b="0" i="1" smtClean="0">
+                            <a:latin typeface="Cambria Math" panose="02040503050406030204" pitchFamily="18" charset="0"/>
+                          </a:rPr>
+                          <m:t>=0</m:t>
+                        </m:r>
+                      </m:oMath>
+                    </m:oMathPara>
+                  </a14:m>
+                  <a:endParaRPr lang="en-NL" sz="1000" dirty="0"/>
+                </a:p>
+              </p:txBody>
+            </p:sp>
+          </mc:Choice>
+          <mc:Fallback>
+            <p:sp>
+              <p:nvSpPr>
+                <p:cNvPr id="20" name="TextBox 19">
+                  <a:extLst>
+                    <a:ext uri="{FF2B5EF4-FFF2-40B4-BE49-F238E27FC236}">
+                      <a16:creationId xmlns:a16="http://schemas.microsoft.com/office/drawing/2014/main" id="{8FB704C3-E64E-9931-3AAA-9FD62F864462}"/>
+                    </a:ext>
+                  </a:extLst>
+                </p:cNvPr>
+                <p:cNvSpPr txBox="1">
+                  <a:spLocks noRot="1" noChangeAspect="1" noMove="1" noResize="1" noEditPoints="1" noAdjustHandles="1" noChangeArrowheads="1" noChangeShapeType="1" noTextEdit="1"/>
+                </p:cNvSpPr>
+                <p:nvPr/>
+              </p:nvSpPr>
+              <p:spPr>
+                <a:xfrm>
+                  <a:off x="4162323" y="2978235"/>
+                  <a:ext cx="448649" cy="167162"/>
+                </a:xfrm>
+                <a:prstGeom prst="rect">
+                  <a:avLst/>
+                </a:prstGeom>
+                <a:blipFill>
+                  <a:blip r:embed="rId29"/>
+                  <a:stretch>
+                    <a:fillRect l="-6757" r="-6757" b="-18519"/>
+                  </a:stretch>
+                </a:blipFill>
+                <a:ln>
+                  <a:noFill/>
+                </a:ln>
+              </p:spPr>
+              <p:txBody>
+                <a:bodyPr/>
+                <a:lstStyle/>
+                <a:p>
+                  <a:r>
+                    <a:rPr lang="en-NL">
+                      <a:noFill/>
+                    </a:rPr>
+                    <a:t> </a:t>
+                  </a:r>
+                </a:p>
+              </p:txBody>
+            </p:sp>
+          </mc:Fallback>
+        </mc:AlternateContent>
+        <p:cxnSp>
+          <p:nvCxnSpPr>
+            <p:cNvPr id="216" name="Straight Arrow Connector 215">
+              <a:extLst>
+                <a:ext uri="{FF2B5EF4-FFF2-40B4-BE49-F238E27FC236}">
+                  <a16:creationId xmlns:a16="http://schemas.microsoft.com/office/drawing/2014/main" id="{98DC2F77-62B9-7B2C-4CDC-03F4B90B62B2}"/>
+                </a:ext>
+              </a:extLst>
+            </p:cNvPr>
+            <p:cNvCxnSpPr>
+              <a:cxnSpLocks/>
+              <a:stCxn id="22" idx="3"/>
+              <a:endCxn id="25" idx="1"/>
+            </p:cNvCxnSpPr>
+            <p:nvPr/>
+          </p:nvCxnSpPr>
+          <p:spPr>
+            <a:xfrm>
+              <a:off x="4821199" y="2697576"/>
+              <a:ext cx="367079" cy="0"/>
+            </a:xfrm>
+            <a:prstGeom prst="straightConnector1">
+              <a:avLst/>
+            </a:prstGeom>
+            <a:ln>
+              <a:solidFill>
+                <a:schemeClr val="tx1"/>
+              </a:solidFill>
+              <a:tailEnd type="triangle"/>
+            </a:ln>
+          </p:spPr>
+          <p:style>
+            <a:lnRef idx="1">
+              <a:schemeClr val="accent1"/>
+            </a:lnRef>
+            <a:fillRef idx="0">
+              <a:schemeClr val="accent1"/>
+            </a:fillRef>
+            <a:effectRef idx="0">
+              <a:schemeClr val="accent1"/>
+            </a:effectRef>
+            <a:fontRef idx="minor">
+              <a:schemeClr val="tx1"/>
+            </a:fontRef>
+          </p:style>
+        </p:cxnSp>
+        <p:cxnSp>
+          <p:nvCxnSpPr>
+            <p:cNvPr id="219" name="Straight Arrow Connector 218">
+              <a:extLst>
+                <a:ext uri="{FF2B5EF4-FFF2-40B4-BE49-F238E27FC236}">
+                  <a16:creationId xmlns:a16="http://schemas.microsoft.com/office/drawing/2014/main" id="{EA531BC6-9BAE-B5C4-51C6-CD976A4E28D9}"/>
+                </a:ext>
+              </a:extLst>
+            </p:cNvPr>
+            <p:cNvCxnSpPr>
+              <a:cxnSpLocks/>
+              <a:stCxn id="25" idx="3"/>
+              <a:endCxn id="28" idx="1"/>
+            </p:cNvCxnSpPr>
+            <p:nvPr/>
+          </p:nvCxnSpPr>
+          <p:spPr>
+            <a:xfrm>
+              <a:off x="5841727" y="2697576"/>
+              <a:ext cx="508548" cy="1546"/>
+            </a:xfrm>
+            <a:prstGeom prst="straightConnector1">
+              <a:avLst/>
+            </a:prstGeom>
+            <a:ln>
+              <a:solidFill>
+                <a:schemeClr val="tx1"/>
+              </a:solidFill>
+              <a:tailEnd type="triangle"/>
+            </a:ln>
+          </p:spPr>
+          <p:style>
+            <a:lnRef idx="1">
+              <a:schemeClr val="accent1"/>
+            </a:lnRef>
+            <a:fillRef idx="0">
+              <a:schemeClr val="accent1"/>
+            </a:fillRef>
+            <a:effectRef idx="0">
+              <a:schemeClr val="accent1"/>
+            </a:effectRef>
+            <a:fontRef idx="minor">
+              <a:schemeClr val="tx1"/>
+            </a:fontRef>
+          </p:style>
+        </p:cxnSp>
+        <p:cxnSp>
+          <p:nvCxnSpPr>
+            <p:cNvPr id="222" name="Straight Arrow Connector 221">
+              <a:extLst>
+                <a:ext uri="{FF2B5EF4-FFF2-40B4-BE49-F238E27FC236}">
+                  <a16:creationId xmlns:a16="http://schemas.microsoft.com/office/drawing/2014/main" id="{9CA75D36-5961-3788-E3DC-D8A23291E828}"/>
+                </a:ext>
+              </a:extLst>
+            </p:cNvPr>
+            <p:cNvCxnSpPr>
+              <a:cxnSpLocks/>
+              <a:stCxn id="23" idx="3"/>
+              <a:endCxn id="26" idx="1"/>
+            </p:cNvCxnSpPr>
+            <p:nvPr/>
+          </p:nvCxnSpPr>
+          <p:spPr>
+            <a:xfrm>
+              <a:off x="4831841" y="3405345"/>
+              <a:ext cx="356436" cy="4531"/>
+            </a:xfrm>
+            <a:prstGeom prst="straightConnector1">
+              <a:avLst/>
+            </a:prstGeom>
+            <a:ln>
+              <a:solidFill>
+                <a:schemeClr val="tx1"/>
+              </a:solidFill>
+              <a:tailEnd type="triangle"/>
+            </a:ln>
+          </p:spPr>
+          <p:style>
+            <a:lnRef idx="1">
+              <a:schemeClr val="accent1"/>
+            </a:lnRef>
+            <a:fillRef idx="0">
+              <a:schemeClr val="accent1"/>
+            </a:fillRef>
+            <a:effectRef idx="0">
+              <a:schemeClr val="accent1"/>
+            </a:effectRef>
+            <a:fontRef idx="minor">
+              <a:schemeClr val="tx1"/>
+            </a:fontRef>
+          </p:style>
+        </p:cxnSp>
+        <p:cxnSp>
+          <p:nvCxnSpPr>
+            <p:cNvPr id="225" name="Straight Arrow Connector 224">
+              <a:extLst>
+                <a:ext uri="{FF2B5EF4-FFF2-40B4-BE49-F238E27FC236}">
+                  <a16:creationId xmlns:a16="http://schemas.microsoft.com/office/drawing/2014/main" id="{31112501-620E-2BB6-4E45-A2C8CB13ED06}"/>
+                </a:ext>
+              </a:extLst>
+            </p:cNvPr>
+            <p:cNvCxnSpPr>
+              <a:cxnSpLocks/>
+              <a:stCxn id="24" idx="3"/>
+              <a:endCxn id="27" idx="1"/>
+            </p:cNvCxnSpPr>
+            <p:nvPr/>
+          </p:nvCxnSpPr>
+          <p:spPr>
+            <a:xfrm flipV="1">
+              <a:off x="4831841" y="4062131"/>
+              <a:ext cx="356436" cy="1"/>
+            </a:xfrm>
+            <a:prstGeom prst="straightConnector1">
+              <a:avLst/>
+            </a:prstGeom>
+            <a:ln>
+              <a:solidFill>
+                <a:schemeClr val="tx1"/>
+              </a:solidFill>
+              <a:tailEnd type="triangle"/>
+            </a:ln>
+          </p:spPr>
+          <p:style>
+            <a:lnRef idx="1">
+              <a:schemeClr val="accent1"/>
+            </a:lnRef>
+            <a:fillRef idx="0">
+              <a:schemeClr val="accent1"/>
+            </a:fillRef>
+            <a:effectRef idx="0">
+              <a:schemeClr val="accent1"/>
+            </a:effectRef>
+            <a:fontRef idx="minor">
+              <a:schemeClr val="tx1"/>
+            </a:fontRef>
+          </p:style>
+        </p:cxnSp>
+        <p:cxnSp>
+          <p:nvCxnSpPr>
+            <p:cNvPr id="230" name="Straight Arrow Connector 229">
+              <a:extLst>
+                <a:ext uri="{FF2B5EF4-FFF2-40B4-BE49-F238E27FC236}">
+                  <a16:creationId xmlns:a16="http://schemas.microsoft.com/office/drawing/2014/main" id="{98329F93-59B7-F022-076C-68E386FF8815}"/>
+                </a:ext>
+              </a:extLst>
+            </p:cNvPr>
+            <p:cNvCxnSpPr>
+              <a:cxnSpLocks/>
+              <a:stCxn id="26" idx="3"/>
+              <a:endCxn id="29" idx="1"/>
+            </p:cNvCxnSpPr>
+            <p:nvPr/>
+          </p:nvCxnSpPr>
+          <p:spPr>
+            <a:xfrm>
+              <a:off x="5841726" y="3409876"/>
+              <a:ext cx="508549" cy="3995"/>
+            </a:xfrm>
+            <a:prstGeom prst="straightConnector1">
+              <a:avLst/>
+            </a:prstGeom>
+            <a:ln>
+              <a:solidFill>
+                <a:schemeClr val="tx1"/>
+              </a:solidFill>
+              <a:tailEnd type="triangle"/>
+            </a:ln>
+          </p:spPr>
+          <p:style>
+            <a:lnRef idx="1">
+              <a:schemeClr val="accent1"/>
+            </a:lnRef>
+            <a:fillRef idx="0">
+              <a:schemeClr val="accent1"/>
+            </a:fillRef>
+            <a:effectRef idx="0">
+              <a:schemeClr val="accent1"/>
+            </a:effectRef>
+            <a:fontRef idx="minor">
+              <a:schemeClr val="tx1"/>
+            </a:fontRef>
+          </p:style>
+        </p:cxnSp>
+        <p:cxnSp>
+          <p:nvCxnSpPr>
+            <p:cNvPr id="233" name="Straight Arrow Connector 232">
+              <a:extLst>
+                <a:ext uri="{FF2B5EF4-FFF2-40B4-BE49-F238E27FC236}">
+                  <a16:creationId xmlns:a16="http://schemas.microsoft.com/office/drawing/2014/main" id="{EFA545D9-73AC-835A-BFC0-74C28638B0EC}"/>
+                </a:ext>
+              </a:extLst>
+            </p:cNvPr>
+            <p:cNvCxnSpPr>
+              <a:cxnSpLocks/>
+              <a:stCxn id="27" idx="3"/>
+              <a:endCxn id="30" idx="1"/>
+            </p:cNvCxnSpPr>
+            <p:nvPr/>
+          </p:nvCxnSpPr>
+          <p:spPr>
+            <a:xfrm>
+              <a:off x="5841726" y="4062131"/>
+              <a:ext cx="503228" cy="0"/>
+            </a:xfrm>
+            <a:prstGeom prst="straightConnector1">
+              <a:avLst/>
+            </a:prstGeom>
+            <a:ln>
+              <a:solidFill>
+                <a:schemeClr val="tx1"/>
+              </a:solidFill>
+              <a:tailEnd type="triangle"/>
+            </a:ln>
+          </p:spPr>
+          <p:style>
+            <a:lnRef idx="1">
+              <a:schemeClr val="accent1"/>
+            </a:lnRef>
+            <a:fillRef idx="0">
+              <a:schemeClr val="accent1"/>
+            </a:fillRef>
+            <a:effectRef idx="0">
+              <a:schemeClr val="accent1"/>
+            </a:effectRef>
+            <a:fontRef idx="minor">
+              <a:schemeClr val="tx1"/>
+            </a:fontRef>
+          </p:style>
+        </p:cxnSp>
+        <p:sp>
+          <p:nvSpPr>
+            <p:cNvPr id="237" name="Rectangle 236">
+              <a:extLst>
+                <a:ext uri="{FF2B5EF4-FFF2-40B4-BE49-F238E27FC236}">
+                  <a16:creationId xmlns:a16="http://schemas.microsoft.com/office/drawing/2014/main" id="{33EE1588-214A-449C-61AE-202D13EFDF41}"/>
+                </a:ext>
+              </a:extLst>
+            </p:cNvPr>
+            <p:cNvSpPr/>
+            <p:nvPr/>
+          </p:nvSpPr>
+          <p:spPr>
+            <a:xfrm>
+              <a:off x="5000093" y="2302172"/>
+              <a:ext cx="2143600" cy="2080166"/>
+            </a:xfrm>
+            <a:prstGeom prst="rect">
+              <a:avLst/>
+            </a:prstGeom>
+            <a:noFill/>
+            <a:ln w="28575">
+              <a:solidFill>
+                <a:schemeClr val="tx1"/>
+              </a:solidFill>
+              <a:prstDash val="dash"/>
+            </a:ln>
+          </p:spPr>
+          <p:style>
+            <a:lnRef idx="2">
+              <a:schemeClr val="accent1">
+                <a:shade val="50000"/>
+              </a:schemeClr>
+            </a:lnRef>
+            <a:fillRef idx="1">
+              <a:schemeClr val="accent1"/>
+            </a:fillRef>
+            <a:effectRef idx="0">
+              <a:schemeClr val="accent1"/>
+            </a:effectRef>
+            <a:fontRef idx="minor">
+              <a:schemeClr val="lt1"/>
+            </a:fontRef>
+          </p:style>
+          <p:txBody>
+            <a:bodyPr rtlCol="0" anchor="ctr"/>
+            <a:lstStyle/>
+            <a:p>
+              <a:pPr algn="ctr"/>
+              <a:endParaRPr lang="en-NL" b="1" dirty="0">
+                <a:solidFill>
+                  <a:schemeClr val="tx1"/>
+                </a:solidFill>
+              </a:endParaRPr>
+            </a:p>
+          </p:txBody>
+        </p:sp>
+        <p:sp>
+          <p:nvSpPr>
+            <p:cNvPr id="239" name="Oval 238">
+              <a:extLst>
+                <a:ext uri="{FF2B5EF4-FFF2-40B4-BE49-F238E27FC236}">
+                  <a16:creationId xmlns:a16="http://schemas.microsoft.com/office/drawing/2014/main" id="{CF0B8729-D25A-8894-A55E-4F9882A28994}"/>
+                </a:ext>
+              </a:extLst>
+            </p:cNvPr>
+            <p:cNvSpPr/>
+            <p:nvPr/>
+          </p:nvSpPr>
+          <p:spPr>
+            <a:xfrm>
+              <a:off x="7532814" y="3061361"/>
+              <a:ext cx="1794533" cy="560384"/>
+            </a:xfrm>
+            <a:prstGeom prst="ellipse">
+              <a:avLst/>
+            </a:prstGeom>
+            <a:noFill/>
+            <a:ln w="19050">
+              <a:solidFill>
+                <a:schemeClr val="tx1"/>
+              </a:solidFill>
+            </a:ln>
+          </p:spPr>
+          <p:style>
+            <a:lnRef idx="2">
+              <a:schemeClr val="accent1">
+                <a:shade val="50000"/>
+              </a:schemeClr>
+            </a:lnRef>
+            <a:fillRef idx="1">
+              <a:schemeClr val="accent1"/>
+            </a:fillRef>
+            <a:effectRef idx="0">
+              <a:schemeClr val="accent1"/>
+            </a:effectRef>
+            <a:fontRef idx="minor">
+              <a:schemeClr val="lt1"/>
+            </a:fontRef>
+          </p:style>
+          <p:txBody>
+            <a:bodyPr rtlCol="0" anchor="ctr"/>
+            <a:lstStyle/>
+            <a:p>
+              <a:pPr algn="ctr"/>
+              <a:r>
+                <a:rPr lang="en-US" dirty="0">
+                  <a:solidFill>
+                    <a:schemeClr val="tx1"/>
+                  </a:solidFill>
+                </a:rPr>
+                <a:t>‘difference’</a:t>
+              </a:r>
+              <a:endParaRPr lang="en-NL" dirty="0">
+                <a:solidFill>
+                  <a:schemeClr val="tx1"/>
+                </a:solidFill>
+              </a:endParaRPr>
+            </a:p>
+          </p:txBody>
+        </p:sp>
+        <p:cxnSp>
+          <p:nvCxnSpPr>
+            <p:cNvPr id="240" name="Straight Arrow Connector 239">
+              <a:extLst>
+                <a:ext uri="{FF2B5EF4-FFF2-40B4-BE49-F238E27FC236}">
+                  <a16:creationId xmlns:a16="http://schemas.microsoft.com/office/drawing/2014/main" id="{59BF2465-A656-148B-6F62-7CEA9693037B}"/>
+                </a:ext>
+              </a:extLst>
+            </p:cNvPr>
+            <p:cNvCxnSpPr>
+              <a:cxnSpLocks/>
+              <a:stCxn id="237" idx="3"/>
+              <a:endCxn id="239" idx="2"/>
+            </p:cNvCxnSpPr>
+            <p:nvPr/>
+          </p:nvCxnSpPr>
+          <p:spPr>
+            <a:xfrm flipV="1">
+              <a:off x="7143693" y="3341553"/>
+              <a:ext cx="389121" cy="702"/>
+            </a:xfrm>
+            <a:prstGeom prst="straightConnector1">
+              <a:avLst/>
+            </a:prstGeom>
+            <a:ln>
+              <a:solidFill>
+                <a:schemeClr val="tx1"/>
+              </a:solidFill>
+              <a:tailEnd type="triangle"/>
+            </a:ln>
+          </p:spPr>
+          <p:style>
+            <a:lnRef idx="1">
+              <a:schemeClr val="accent1"/>
+            </a:lnRef>
+            <a:fillRef idx="0">
+              <a:schemeClr val="accent1"/>
+            </a:fillRef>
+            <a:effectRef idx="0">
+              <a:schemeClr val="accent1"/>
+            </a:effectRef>
+            <a:fontRef idx="minor">
+              <a:schemeClr val="tx1"/>
+            </a:fontRef>
+          </p:style>
+        </p:cxnSp>
+      </p:grpSp>
+    </p:spTree>
+    <p:extLst>
+      <p:ext uri="{BB962C8B-B14F-4D97-AF65-F5344CB8AC3E}">
+        <p14:creationId xmlns:p14="http://schemas.microsoft.com/office/powerpoint/2010/main" val="935555582"/>
       </p:ext>
     </p:extLst>
   </p:cSld>

--- a/pictures/pictures.pptx
+++ b/pictures/pictures.pptx
@@ -110,7 +110,7 @@
   <p:extLst>
     <p:ext uri="{EFAFB233-063F-42B5-8137-9DF3F51BA10A}">
       <p15:sldGuideLst xmlns:p15="http://schemas.microsoft.com/office/powerpoint/2012/main">
-        <p15:guide id="1" orient="horz" pos="2160" userDrawn="1">
+        <p15:guide id="1" orient="horz" pos="2137" userDrawn="1">
           <p15:clr>
             <a:srgbClr val="A4A3A4"/>
           </p15:clr>
@@ -275,7 +275,7 @@
           <a:p>
             <a:fld id="{5F488C4A-E758-4ECA-AE2F-E55A80CB037F}" type="datetimeFigureOut">
               <a:rPr lang="en-NL" smtClean="0"/>
-              <a:t>24/04/2023</a:t>
+              <a:t>25/04/2023</a:t>
             </a:fld>
             <a:endParaRPr lang="en-NL"/>
           </a:p>
@@ -475,7 +475,7 @@
           <a:p>
             <a:fld id="{5F488C4A-E758-4ECA-AE2F-E55A80CB037F}" type="datetimeFigureOut">
               <a:rPr lang="en-NL" smtClean="0"/>
-              <a:t>24/04/2023</a:t>
+              <a:t>25/04/2023</a:t>
             </a:fld>
             <a:endParaRPr lang="en-NL"/>
           </a:p>
@@ -685,7 +685,7 @@
           <a:p>
             <a:fld id="{5F488C4A-E758-4ECA-AE2F-E55A80CB037F}" type="datetimeFigureOut">
               <a:rPr lang="en-NL" smtClean="0"/>
-              <a:t>24/04/2023</a:t>
+              <a:t>25/04/2023</a:t>
             </a:fld>
             <a:endParaRPr lang="en-NL"/>
           </a:p>
@@ -885,7 +885,7 @@
           <a:p>
             <a:fld id="{5F488C4A-E758-4ECA-AE2F-E55A80CB037F}" type="datetimeFigureOut">
               <a:rPr lang="en-NL" smtClean="0"/>
-              <a:t>24/04/2023</a:t>
+              <a:t>25/04/2023</a:t>
             </a:fld>
             <a:endParaRPr lang="en-NL"/>
           </a:p>
@@ -1161,7 +1161,7 @@
           <a:p>
             <a:fld id="{5F488C4A-E758-4ECA-AE2F-E55A80CB037F}" type="datetimeFigureOut">
               <a:rPr lang="en-NL" smtClean="0"/>
-              <a:t>24/04/2023</a:t>
+              <a:t>25/04/2023</a:t>
             </a:fld>
             <a:endParaRPr lang="en-NL"/>
           </a:p>
@@ -1429,7 +1429,7 @@
           <a:p>
             <a:fld id="{5F488C4A-E758-4ECA-AE2F-E55A80CB037F}" type="datetimeFigureOut">
               <a:rPr lang="en-NL" smtClean="0"/>
-              <a:t>24/04/2023</a:t>
+              <a:t>25/04/2023</a:t>
             </a:fld>
             <a:endParaRPr lang="en-NL"/>
           </a:p>
@@ -1844,7 +1844,7 @@
           <a:p>
             <a:fld id="{5F488C4A-E758-4ECA-AE2F-E55A80CB037F}" type="datetimeFigureOut">
               <a:rPr lang="en-NL" smtClean="0"/>
-              <a:t>24/04/2023</a:t>
+              <a:t>25/04/2023</a:t>
             </a:fld>
             <a:endParaRPr lang="en-NL"/>
           </a:p>
@@ -1986,7 +1986,7 @@
           <a:p>
             <a:fld id="{5F488C4A-E758-4ECA-AE2F-E55A80CB037F}" type="datetimeFigureOut">
               <a:rPr lang="en-NL" smtClean="0"/>
-              <a:t>24/04/2023</a:t>
+              <a:t>25/04/2023</a:t>
             </a:fld>
             <a:endParaRPr lang="en-NL"/>
           </a:p>
@@ -2099,7 +2099,7 @@
           <a:p>
             <a:fld id="{5F488C4A-E758-4ECA-AE2F-E55A80CB037F}" type="datetimeFigureOut">
               <a:rPr lang="en-NL" smtClean="0"/>
-              <a:t>24/04/2023</a:t>
+              <a:t>25/04/2023</a:t>
             </a:fld>
             <a:endParaRPr lang="en-NL"/>
           </a:p>
@@ -2412,7 +2412,7 @@
           <a:p>
             <a:fld id="{5F488C4A-E758-4ECA-AE2F-E55A80CB037F}" type="datetimeFigureOut">
               <a:rPr lang="en-NL" smtClean="0"/>
-              <a:t>24/04/2023</a:t>
+              <a:t>25/04/2023</a:t>
             </a:fld>
             <a:endParaRPr lang="en-NL"/>
           </a:p>
@@ -2701,7 +2701,7 @@
           <a:p>
             <a:fld id="{5F488C4A-E758-4ECA-AE2F-E55A80CB037F}" type="datetimeFigureOut">
               <a:rPr lang="en-NL" smtClean="0"/>
-              <a:t>24/04/2023</a:t>
+              <a:t>25/04/2023</a:t>
             </a:fld>
             <a:endParaRPr lang="en-NL"/>
           </a:p>
@@ -2944,7 +2944,7 @@
           <a:p>
             <a:fld id="{5F488C4A-E758-4ECA-AE2F-E55A80CB037F}" type="datetimeFigureOut">
               <a:rPr lang="en-NL" smtClean="0"/>
-              <a:t>24/04/2023</a:t>
+              <a:t>25/04/2023</a:t>
             </a:fld>
             <a:endParaRPr lang="en-NL"/>
           </a:p>
@@ -4422,8 +4422,8 @@
           </p:style>
         </p:cxnSp>
       </p:grpSp>
-      <mc:AlternateContent xmlns:mc="http://schemas.openxmlformats.org/markup-compatibility/2006">
-        <mc:Choice xmlns:a14="http://schemas.microsoft.com/office/drawing/2010/main" Requires="a14">
+      <mc:AlternateContent xmlns:mc="http://schemas.openxmlformats.org/markup-compatibility/2006" xmlns:a14="http://schemas.microsoft.com/office/drawing/2010/main">
+        <mc:Choice Requires="a14">
           <p:sp>
             <p:nvSpPr>
               <p:cNvPr id="3" name="TextBox 2">
@@ -4452,6 +4452,7 @@
               </a:bodyPr>
               <a:lstStyle/>
               <a:p>
+                <a:pPr/>
                 <a14:m>
                   <m:oMathPara xmlns:m="http://schemas.openxmlformats.org/officeDocument/2006/math">
                     <m:oMathParaPr>
@@ -4491,7 +4492,7 @@
             </p:txBody>
           </p:sp>
         </mc:Choice>
-        <mc:Fallback>
+        <mc:Fallback xmlns="">
           <p:sp>
             <p:nvSpPr>
               <p:cNvPr id="3" name="TextBox 2">
@@ -8454,14 +8455,14 @@
         </p:nvGrpSpPr>
         <p:grpSpPr>
           <a:xfrm>
-            <a:off x="1592119" y="2384387"/>
+            <a:off x="868219" y="1050887"/>
             <a:ext cx="8621053" cy="2089225"/>
             <a:chOff x="706294" y="2302172"/>
             <a:chExt cx="8621053" cy="2089225"/>
           </a:xfrm>
         </p:grpSpPr>
-        <mc:AlternateContent xmlns:mc="http://schemas.openxmlformats.org/markup-compatibility/2006">
-          <mc:Choice xmlns:a14="http://schemas.microsoft.com/office/drawing/2010/main" Requires="a14">
+        <mc:AlternateContent xmlns:mc="http://schemas.openxmlformats.org/markup-compatibility/2006" xmlns:a14="http://schemas.microsoft.com/office/drawing/2010/main">
+          <mc:Choice Requires="a14">
             <p:sp>
               <p:nvSpPr>
                 <p:cNvPr id="2" name="TextBox 1">
@@ -8495,6 +8496,7 @@
                 </a:bodyPr>
                 <a:lstStyle/>
                 <a:p>
+                  <a:pPr/>
                   <a14:m>
                     <m:oMathPara xmlns:m="http://schemas.openxmlformats.org/officeDocument/2006/math">
                       <m:oMathParaPr>
@@ -8534,7 +8536,7 @@
               </p:txBody>
             </p:sp>
           </mc:Choice>
-          <mc:Fallback>
+          <mc:Fallback xmlns="">
             <p:sp>
               <p:nvSpPr>
                 <p:cNvPr id="2" name="TextBox 1">
@@ -8584,8 +8586,8 @@
             </p:sp>
           </mc:Fallback>
         </mc:AlternateContent>
-        <mc:AlternateContent xmlns:mc="http://schemas.openxmlformats.org/markup-compatibility/2006">
-          <mc:Choice xmlns:a14="http://schemas.microsoft.com/office/drawing/2010/main" Requires="a14">
+        <mc:AlternateContent xmlns:mc="http://schemas.openxmlformats.org/markup-compatibility/2006" xmlns:a14="http://schemas.microsoft.com/office/drawing/2010/main">
+          <mc:Choice Requires="a14">
             <p:sp>
               <p:nvSpPr>
                 <p:cNvPr id="3" name="TextBox 2">
@@ -8619,6 +8621,7 @@
                 </a:bodyPr>
                 <a:lstStyle/>
                 <a:p>
+                  <a:pPr/>
                   <a14:m>
                     <m:oMathPara xmlns:m="http://schemas.openxmlformats.org/officeDocument/2006/math">
                       <m:oMathParaPr>
@@ -8658,7 +8661,7 @@
               </p:txBody>
             </p:sp>
           </mc:Choice>
-          <mc:Fallback>
+          <mc:Fallback xmlns="">
             <p:sp>
               <p:nvSpPr>
                 <p:cNvPr id="3" name="TextBox 2">
@@ -8708,8 +8711,8 @@
             </p:sp>
           </mc:Fallback>
         </mc:AlternateContent>
-        <mc:AlternateContent xmlns:mc="http://schemas.openxmlformats.org/markup-compatibility/2006">
-          <mc:Choice xmlns:a14="http://schemas.microsoft.com/office/drawing/2010/main" Requires="a14">
+        <mc:AlternateContent xmlns:mc="http://schemas.openxmlformats.org/markup-compatibility/2006" xmlns:a14="http://schemas.microsoft.com/office/drawing/2010/main">
+          <mc:Choice Requires="a14">
             <p:sp>
               <p:nvSpPr>
                 <p:cNvPr id="4" name="TextBox 3">
@@ -8743,6 +8746,7 @@
                 </a:bodyPr>
                 <a:lstStyle/>
                 <a:p>
+                  <a:pPr/>
                   <a14:m>
                     <m:oMathPara xmlns:m="http://schemas.openxmlformats.org/officeDocument/2006/math">
                       <m:oMathParaPr>
@@ -8794,7 +8798,7 @@
               </p:txBody>
             </p:sp>
           </mc:Choice>
-          <mc:Fallback>
+          <mc:Fallback xmlns="">
             <p:sp>
               <p:nvSpPr>
                 <p:cNvPr id="4" name="TextBox 3">
@@ -8844,8 +8848,8 @@
             </p:sp>
           </mc:Fallback>
         </mc:AlternateContent>
-        <mc:AlternateContent xmlns:mc="http://schemas.openxmlformats.org/markup-compatibility/2006">
-          <mc:Choice xmlns:a14="http://schemas.microsoft.com/office/drawing/2010/main" Requires="a14">
+        <mc:AlternateContent xmlns:mc="http://schemas.openxmlformats.org/markup-compatibility/2006" xmlns:a14="http://schemas.microsoft.com/office/drawing/2010/main">
+          <mc:Choice Requires="a14">
             <p:sp>
               <p:nvSpPr>
                 <p:cNvPr id="5" name="TextBox 4">
@@ -8879,6 +8883,7 @@
                 </a:bodyPr>
                 <a:lstStyle/>
                 <a:p>
+                  <a:pPr/>
                   <a14:m>
                     <m:oMathPara xmlns:m="http://schemas.openxmlformats.org/officeDocument/2006/math">
                       <m:oMathParaPr>
@@ -8930,7 +8935,7 @@
               </p:txBody>
             </p:sp>
           </mc:Choice>
-          <mc:Fallback>
+          <mc:Fallback xmlns="">
             <p:sp>
               <p:nvSpPr>
                 <p:cNvPr id="5" name="TextBox 4">
@@ -8980,8 +8985,8 @@
             </p:sp>
           </mc:Fallback>
         </mc:AlternateContent>
-        <mc:AlternateContent xmlns:mc="http://schemas.openxmlformats.org/markup-compatibility/2006">
-          <mc:Choice xmlns:a14="http://schemas.microsoft.com/office/drawing/2010/main" Requires="a14">
+        <mc:AlternateContent xmlns:mc="http://schemas.openxmlformats.org/markup-compatibility/2006" xmlns:a14="http://schemas.microsoft.com/office/drawing/2010/main">
+          <mc:Choice Requires="a14">
             <p:sp>
               <p:nvSpPr>
                 <p:cNvPr id="22" name="TextBox 21">
@@ -9015,6 +9020,7 @@
                 </a:bodyPr>
                 <a:lstStyle/>
                 <a:p>
+                  <a:pPr/>
                   <a14:m>
                     <m:oMathPara xmlns:m="http://schemas.openxmlformats.org/officeDocument/2006/math">
                       <m:oMathParaPr>
@@ -9066,7 +9072,7 @@
               </p:txBody>
             </p:sp>
           </mc:Choice>
-          <mc:Fallback>
+          <mc:Fallback xmlns="">
             <p:sp>
               <p:nvSpPr>
                 <p:cNvPr id="22" name="TextBox 21">
@@ -9116,8 +9122,8 @@
             </p:sp>
           </mc:Fallback>
         </mc:AlternateContent>
-        <mc:AlternateContent xmlns:mc="http://schemas.openxmlformats.org/markup-compatibility/2006">
-          <mc:Choice xmlns:a14="http://schemas.microsoft.com/office/drawing/2010/main" Requires="a14">
+        <mc:AlternateContent xmlns:mc="http://schemas.openxmlformats.org/markup-compatibility/2006" xmlns:a14="http://schemas.microsoft.com/office/drawing/2010/main">
+          <mc:Choice Requires="a14">
             <p:sp>
               <p:nvSpPr>
                 <p:cNvPr id="23" name="TextBox 22">
@@ -9151,6 +9157,7 @@
                 </a:bodyPr>
                 <a:lstStyle/>
                 <a:p>
+                  <a:pPr/>
                   <a14:m>
                     <m:oMathPara xmlns:m="http://schemas.openxmlformats.org/officeDocument/2006/math">
                       <m:oMathParaPr>
@@ -9202,7 +9209,7 @@
               </p:txBody>
             </p:sp>
           </mc:Choice>
-          <mc:Fallback>
+          <mc:Fallback xmlns="">
             <p:sp>
               <p:nvSpPr>
                 <p:cNvPr id="23" name="TextBox 22">
@@ -9252,8 +9259,8 @@
             </p:sp>
           </mc:Fallback>
         </mc:AlternateContent>
-        <mc:AlternateContent xmlns:mc="http://schemas.openxmlformats.org/markup-compatibility/2006">
-          <mc:Choice xmlns:a14="http://schemas.microsoft.com/office/drawing/2010/main" Requires="a14">
+        <mc:AlternateContent xmlns:mc="http://schemas.openxmlformats.org/markup-compatibility/2006" xmlns:a14="http://schemas.microsoft.com/office/drawing/2010/main">
+          <mc:Choice Requires="a14">
             <p:sp>
               <p:nvSpPr>
                 <p:cNvPr id="24" name="TextBox 23">
@@ -9287,6 +9294,7 @@
                 </a:bodyPr>
                 <a:lstStyle/>
                 <a:p>
+                  <a:pPr/>
                   <a14:m>
                     <m:oMathPara xmlns:m="http://schemas.openxmlformats.org/officeDocument/2006/math">
                       <m:oMathParaPr>
@@ -9338,7 +9346,7 @@
               </p:txBody>
             </p:sp>
           </mc:Choice>
-          <mc:Fallback>
+          <mc:Fallback xmlns="">
             <p:sp>
               <p:nvSpPr>
                 <p:cNvPr id="24" name="TextBox 23">
@@ -9388,8 +9396,8 @@
             </p:sp>
           </mc:Fallback>
         </mc:AlternateContent>
-        <mc:AlternateContent xmlns:mc="http://schemas.openxmlformats.org/markup-compatibility/2006">
-          <mc:Choice xmlns:a14="http://schemas.microsoft.com/office/drawing/2010/main" Requires="a14">
+        <mc:AlternateContent xmlns:mc="http://schemas.openxmlformats.org/markup-compatibility/2006" xmlns:a14="http://schemas.microsoft.com/office/drawing/2010/main">
+          <mc:Choice Requires="a14">
             <p:sp>
               <p:nvSpPr>
                 <p:cNvPr id="25" name="TextBox 24">
@@ -9423,6 +9431,7 @@
                 </a:bodyPr>
                 <a:lstStyle/>
                 <a:p>
+                  <a:pPr/>
                   <a14:m>
                     <m:oMathPara xmlns:m="http://schemas.openxmlformats.org/officeDocument/2006/math">
                       <m:oMathParaPr>
@@ -9462,7 +9471,7 @@
               </p:txBody>
             </p:sp>
           </mc:Choice>
-          <mc:Fallback>
+          <mc:Fallback xmlns="">
             <p:sp>
               <p:nvSpPr>
                 <p:cNvPr id="25" name="TextBox 24">
@@ -9512,8 +9521,8 @@
             </p:sp>
           </mc:Fallback>
         </mc:AlternateContent>
-        <mc:AlternateContent xmlns:mc="http://schemas.openxmlformats.org/markup-compatibility/2006">
-          <mc:Choice xmlns:a14="http://schemas.microsoft.com/office/drawing/2010/main" Requires="a14">
+        <mc:AlternateContent xmlns:mc="http://schemas.openxmlformats.org/markup-compatibility/2006" xmlns:a14="http://schemas.microsoft.com/office/drawing/2010/main">
+          <mc:Choice Requires="a14">
             <p:sp>
               <p:nvSpPr>
                 <p:cNvPr id="26" name="TextBox 25">
@@ -9547,6 +9556,7 @@
                 </a:bodyPr>
                 <a:lstStyle/>
                 <a:p>
+                  <a:pPr/>
                   <a14:m>
                     <m:oMathPara xmlns:m="http://schemas.openxmlformats.org/officeDocument/2006/math">
                       <m:oMathParaPr>
@@ -9586,7 +9596,7 @@
               </p:txBody>
             </p:sp>
           </mc:Choice>
-          <mc:Fallback>
+          <mc:Fallback xmlns="">
             <p:sp>
               <p:nvSpPr>
                 <p:cNvPr id="26" name="TextBox 25">
@@ -9636,8 +9646,8 @@
             </p:sp>
           </mc:Fallback>
         </mc:AlternateContent>
-        <mc:AlternateContent xmlns:mc="http://schemas.openxmlformats.org/markup-compatibility/2006">
-          <mc:Choice xmlns:a14="http://schemas.microsoft.com/office/drawing/2010/main" Requires="a14">
+        <mc:AlternateContent xmlns:mc="http://schemas.openxmlformats.org/markup-compatibility/2006" xmlns:a14="http://schemas.microsoft.com/office/drawing/2010/main">
+          <mc:Choice Requires="a14">
             <p:sp>
               <p:nvSpPr>
                 <p:cNvPr id="27" name="TextBox 26">
@@ -9671,6 +9681,7 @@
                 </a:bodyPr>
                 <a:lstStyle/>
                 <a:p>
+                  <a:pPr/>
                   <a14:m>
                     <m:oMathPara xmlns:m="http://schemas.openxmlformats.org/officeDocument/2006/math">
                       <m:oMathParaPr>
@@ -9710,7 +9721,7 @@
               </p:txBody>
             </p:sp>
           </mc:Choice>
-          <mc:Fallback>
+          <mc:Fallback xmlns="">
             <p:sp>
               <p:nvSpPr>
                 <p:cNvPr id="27" name="TextBox 26">
@@ -9760,8 +9771,8 @@
             </p:sp>
           </mc:Fallback>
         </mc:AlternateContent>
-        <mc:AlternateContent xmlns:mc="http://schemas.openxmlformats.org/markup-compatibility/2006">
-          <mc:Choice xmlns:a14="http://schemas.microsoft.com/office/drawing/2010/main" Requires="a14">
+        <mc:AlternateContent xmlns:mc="http://schemas.openxmlformats.org/markup-compatibility/2006" xmlns:a14="http://schemas.microsoft.com/office/drawing/2010/main">
+          <mc:Choice Requires="a14">
             <p:sp>
               <p:nvSpPr>
                 <p:cNvPr id="28" name="TextBox 27">
@@ -9795,6 +9806,7 @@
                 </a:bodyPr>
                 <a:lstStyle/>
                 <a:p>
+                  <a:pPr/>
                   <a14:m>
                     <m:oMathPara xmlns:m="http://schemas.openxmlformats.org/officeDocument/2006/math">
                       <m:oMathParaPr>
@@ -9834,7 +9846,7 @@
               </p:txBody>
             </p:sp>
           </mc:Choice>
-          <mc:Fallback>
+          <mc:Fallback xmlns="">
             <p:sp>
               <p:nvSpPr>
                 <p:cNvPr id="28" name="TextBox 27">
@@ -9884,8 +9896,8 @@
             </p:sp>
           </mc:Fallback>
         </mc:AlternateContent>
-        <mc:AlternateContent xmlns:mc="http://schemas.openxmlformats.org/markup-compatibility/2006">
-          <mc:Choice xmlns:a14="http://schemas.microsoft.com/office/drawing/2010/main" Requires="a14">
+        <mc:AlternateContent xmlns:mc="http://schemas.openxmlformats.org/markup-compatibility/2006" xmlns:a14="http://schemas.microsoft.com/office/drawing/2010/main">
+          <mc:Choice Requires="a14">
             <p:sp>
               <p:nvSpPr>
                 <p:cNvPr id="29" name="TextBox 28">
@@ -9919,6 +9931,7 @@
                 </a:bodyPr>
                 <a:lstStyle/>
                 <a:p>
+                  <a:pPr/>
                   <a14:m>
                     <m:oMathPara xmlns:m="http://schemas.openxmlformats.org/officeDocument/2006/math">
                       <m:oMathParaPr>
@@ -9958,7 +9971,7 @@
               </p:txBody>
             </p:sp>
           </mc:Choice>
-          <mc:Fallback>
+          <mc:Fallback xmlns="">
             <p:sp>
               <p:nvSpPr>
                 <p:cNvPr id="29" name="TextBox 28">
@@ -10008,8 +10021,8 @@
             </p:sp>
           </mc:Fallback>
         </mc:AlternateContent>
-        <mc:AlternateContent xmlns:mc="http://schemas.openxmlformats.org/markup-compatibility/2006">
-          <mc:Choice xmlns:a14="http://schemas.microsoft.com/office/drawing/2010/main" Requires="a14">
+        <mc:AlternateContent xmlns:mc="http://schemas.openxmlformats.org/markup-compatibility/2006" xmlns:a14="http://schemas.microsoft.com/office/drawing/2010/main">
+          <mc:Choice Requires="a14">
             <p:sp>
               <p:nvSpPr>
                 <p:cNvPr id="30" name="TextBox 29">
@@ -10043,6 +10056,7 @@
                 </a:bodyPr>
                 <a:lstStyle/>
                 <a:p>
+                  <a:pPr/>
                   <a14:m>
                     <m:oMathPara xmlns:m="http://schemas.openxmlformats.org/officeDocument/2006/math">
                       <m:oMathParaPr>
@@ -10082,7 +10096,7 @@
               </p:txBody>
             </p:sp>
           </mc:Choice>
-          <mc:Fallback>
+          <mc:Fallback xmlns="">
             <p:sp>
               <p:nvSpPr>
                 <p:cNvPr id="30" name="TextBox 29">
@@ -10316,8 +10330,8 @@
             </a:fontRef>
           </p:style>
         </p:cxnSp>
-        <mc:AlternateContent xmlns:mc="http://schemas.openxmlformats.org/markup-compatibility/2006">
-          <mc:Choice xmlns:a14="http://schemas.microsoft.com/office/drawing/2010/main" Requires="a14">
+        <mc:AlternateContent xmlns:mc="http://schemas.openxmlformats.org/markup-compatibility/2006" xmlns:a14="http://schemas.microsoft.com/office/drawing/2010/main">
+          <mc:Choice Requires="a14">
             <p:sp>
               <p:nvSpPr>
                 <p:cNvPr id="9" name="TextBox 8">
@@ -10353,6 +10367,7 @@
                 </a:bodyPr>
                 <a:lstStyle/>
                 <a:p>
+                  <a:pPr/>
                   <a14:m>
                     <m:oMathPara xmlns:m="http://schemas.openxmlformats.org/officeDocument/2006/math">
                       <m:oMathParaPr>
@@ -10423,7 +10438,7 @@
               </p:txBody>
             </p:sp>
           </mc:Choice>
-          <mc:Fallback>
+          <mc:Fallback xmlns="">
             <p:sp>
               <p:nvSpPr>
                 <p:cNvPr id="9" name="TextBox 8">
@@ -10471,8 +10486,8 @@
             </p:sp>
           </mc:Fallback>
         </mc:AlternateContent>
-        <mc:AlternateContent xmlns:mc="http://schemas.openxmlformats.org/markup-compatibility/2006">
-          <mc:Choice xmlns:a14="http://schemas.microsoft.com/office/drawing/2010/main" Requires="a14">
+        <mc:AlternateContent xmlns:mc="http://schemas.openxmlformats.org/markup-compatibility/2006" xmlns:a14="http://schemas.microsoft.com/office/drawing/2010/main">
+          <mc:Choice Requires="a14">
             <p:sp>
               <p:nvSpPr>
                 <p:cNvPr id="7" name="TextBox 6">
@@ -10508,6 +10523,7 @@
                 </a:bodyPr>
                 <a:lstStyle/>
                 <a:p>
+                  <a:pPr/>
                   <a14:m>
                     <m:oMathPara xmlns:m="http://schemas.openxmlformats.org/officeDocument/2006/math">
                       <m:oMathParaPr>
@@ -10572,7 +10588,7 @@
               </p:txBody>
             </p:sp>
           </mc:Choice>
-          <mc:Fallback>
+          <mc:Fallback xmlns="">
             <p:sp>
               <p:nvSpPr>
                 <p:cNvPr id="7" name="TextBox 6">
@@ -10620,8 +10636,8 @@
             </p:sp>
           </mc:Fallback>
         </mc:AlternateContent>
-        <mc:AlternateContent xmlns:mc="http://schemas.openxmlformats.org/markup-compatibility/2006">
-          <mc:Choice xmlns:a14="http://schemas.microsoft.com/office/drawing/2010/main" Requires="a14">
+        <mc:AlternateContent xmlns:mc="http://schemas.openxmlformats.org/markup-compatibility/2006" xmlns:a14="http://schemas.microsoft.com/office/drawing/2010/main">
+          <mc:Choice Requires="a14">
             <p:sp>
               <p:nvSpPr>
                 <p:cNvPr id="8" name="TextBox 7">
@@ -10657,6 +10673,7 @@
                 </a:bodyPr>
                 <a:lstStyle/>
                 <a:p>
+                  <a:pPr/>
                   <a14:m>
                     <m:oMathPara xmlns:m="http://schemas.openxmlformats.org/officeDocument/2006/math">
                       <m:oMathParaPr>
@@ -10721,7 +10738,7 @@
               </p:txBody>
             </p:sp>
           </mc:Choice>
-          <mc:Fallback>
+          <mc:Fallback xmlns="">
             <p:sp>
               <p:nvSpPr>
                 <p:cNvPr id="8" name="TextBox 7">
@@ -10769,8 +10786,8 @@
             </p:sp>
           </mc:Fallback>
         </mc:AlternateContent>
-        <mc:AlternateContent xmlns:mc="http://schemas.openxmlformats.org/markup-compatibility/2006">
-          <mc:Choice xmlns:a14="http://schemas.microsoft.com/office/drawing/2010/main" Requires="a14">
+        <mc:AlternateContent xmlns:mc="http://schemas.openxmlformats.org/markup-compatibility/2006" xmlns:a14="http://schemas.microsoft.com/office/drawing/2010/main">
+          <mc:Choice Requires="a14">
             <p:sp>
               <p:nvSpPr>
                 <p:cNvPr id="10" name="TextBox 9">
@@ -10806,6 +10823,7 @@
                 </a:bodyPr>
                 <a:lstStyle/>
                 <a:p>
+                  <a:pPr/>
                   <a14:m>
                     <m:oMathPara xmlns:m="http://schemas.openxmlformats.org/officeDocument/2006/math">
                       <m:oMathParaPr>
@@ -10876,7 +10894,7 @@
               </p:txBody>
             </p:sp>
           </mc:Choice>
-          <mc:Fallback>
+          <mc:Fallback xmlns="">
             <p:sp>
               <p:nvSpPr>
                 <p:cNvPr id="10" name="TextBox 9">
@@ -10924,8 +10942,8 @@
             </p:sp>
           </mc:Fallback>
         </mc:AlternateContent>
-        <mc:AlternateContent xmlns:mc="http://schemas.openxmlformats.org/markup-compatibility/2006">
-          <mc:Choice xmlns:a14="http://schemas.microsoft.com/office/drawing/2010/main" Requires="a14">
+        <mc:AlternateContent xmlns:mc="http://schemas.openxmlformats.org/markup-compatibility/2006" xmlns:a14="http://schemas.microsoft.com/office/drawing/2010/main">
+          <mc:Choice Requires="a14">
             <p:sp>
               <p:nvSpPr>
                 <p:cNvPr id="11" name="TextBox 10">
@@ -10961,6 +10979,7 @@
                 </a:bodyPr>
                 <a:lstStyle/>
                 <a:p>
+                  <a:pPr/>
                   <a14:m>
                     <m:oMathPara xmlns:m="http://schemas.openxmlformats.org/officeDocument/2006/math">
                       <m:oMathParaPr>
@@ -11031,7 +11050,7 @@
               </p:txBody>
             </p:sp>
           </mc:Choice>
-          <mc:Fallback>
+          <mc:Fallback xmlns="">
             <p:sp>
               <p:nvSpPr>
                 <p:cNvPr id="11" name="TextBox 10">
@@ -11079,8 +11098,8 @@
             </p:sp>
           </mc:Fallback>
         </mc:AlternateContent>
-        <mc:AlternateContent xmlns:mc="http://schemas.openxmlformats.org/markup-compatibility/2006">
-          <mc:Choice xmlns:a14="http://schemas.microsoft.com/office/drawing/2010/main" Requires="a14">
+        <mc:AlternateContent xmlns:mc="http://schemas.openxmlformats.org/markup-compatibility/2006" xmlns:a14="http://schemas.microsoft.com/office/drawing/2010/main">
+          <mc:Choice Requires="a14">
             <p:sp>
               <p:nvSpPr>
                 <p:cNvPr id="12" name="TextBox 11">
@@ -11116,6 +11135,7 @@
                 </a:bodyPr>
                 <a:lstStyle/>
                 <a:p>
+                  <a:pPr/>
                   <a14:m>
                     <m:oMathPara xmlns:m="http://schemas.openxmlformats.org/officeDocument/2006/math">
                       <m:oMathParaPr>
@@ -11186,7 +11206,7 @@
               </p:txBody>
             </p:sp>
           </mc:Choice>
-          <mc:Fallback>
+          <mc:Fallback xmlns="">
             <p:sp>
               <p:nvSpPr>
                 <p:cNvPr id="12" name="TextBox 11">
@@ -11234,8 +11254,8 @@
             </p:sp>
           </mc:Fallback>
         </mc:AlternateContent>
-        <mc:AlternateContent xmlns:mc="http://schemas.openxmlformats.org/markup-compatibility/2006">
-          <mc:Choice xmlns:a14="http://schemas.microsoft.com/office/drawing/2010/main" Requires="a14">
+        <mc:AlternateContent xmlns:mc="http://schemas.openxmlformats.org/markup-compatibility/2006" xmlns:a14="http://schemas.microsoft.com/office/drawing/2010/main">
+          <mc:Choice Requires="a14">
             <p:sp>
               <p:nvSpPr>
                 <p:cNvPr id="16" name="TextBox 15">
@@ -11271,6 +11291,7 @@
                 </a:bodyPr>
                 <a:lstStyle/>
                 <a:p>
+                  <a:pPr/>
                   <a14:m>
                     <m:oMathPara xmlns:m="http://schemas.openxmlformats.org/officeDocument/2006/math">
                       <m:oMathParaPr>
@@ -11366,7 +11387,7 @@
               </p:txBody>
             </p:sp>
           </mc:Choice>
-          <mc:Fallback>
+          <mc:Fallback xmlns="">
             <p:sp>
               <p:nvSpPr>
                 <p:cNvPr id="16" name="TextBox 15">
@@ -11431,7 +11452,7 @@
               <p:spPr>
                 <a:xfrm>
                   <a:off x="3741824" y="2302172"/>
-                  <a:ext cx="448649" cy="167162"/>
+                  <a:ext cx="544829" cy="167162"/>
                 </a:xfrm>
                 <a:prstGeom prst="rect">
                   <a:avLst/>
@@ -11451,6 +11472,7 @@
                 </a:bodyPr>
                 <a:lstStyle/>
                 <a:p>
+                  <a:pPr/>
                   <a14:m>
                     <m:oMathPara xmlns:m="http://schemas.openxmlformats.org/officeDocument/2006/math">
                       <m:oMathParaPr>
@@ -11505,7 +11527,13 @@
                           <a:rPr lang="en-US" sz="1000" b="0" i="1" smtClean="0">
                             <a:latin typeface="Cambria Math" panose="02040503050406030204" pitchFamily="18" charset="0"/>
                           </a:rPr>
-                          <m:t>=0</m:t>
+                          <m:t>=</m:t>
+                        </m:r>
+                        <m:r>
+                          <a:rPr lang="en-US" sz="1000" b="0" i="1" smtClean="0">
+                            <a:latin typeface="Cambria Math" panose="02040503050406030204" pitchFamily="18" charset="0"/>
+                          </a:rPr>
+                          <m:t>−2</m:t>
                         </m:r>
                       </m:oMath>
                     </m:oMathPara>
@@ -11533,7 +11561,7 @@
               <p:spPr>
                 <a:xfrm>
                   <a:off x="3741824" y="2302172"/>
-                  <a:ext cx="448649" cy="167162"/>
+                  <a:ext cx="544829" cy="167162"/>
                 </a:xfrm>
                 <a:prstGeom prst="rect">
                   <a:avLst/>
@@ -11541,7 +11569,7 @@
                 <a:blipFill>
                   <a:blip r:embed="rId22"/>
                   <a:stretch>
-                    <a:fillRect l="-6757" r="-6757" b="-14286"/>
+                    <a:fillRect l="-5556" r="-5556" b="-14286"/>
                   </a:stretch>
                 </a:blipFill>
                 <a:ln>
@@ -11563,8 +11591,8 @@
             </p:sp>
           </mc:Fallback>
         </mc:AlternateContent>
-        <mc:AlternateContent xmlns:mc="http://schemas.openxmlformats.org/markup-compatibility/2006">
-          <mc:Choice xmlns:a14="http://schemas.microsoft.com/office/drawing/2010/main" Requires="a14">
+        <mc:AlternateContent xmlns:mc="http://schemas.openxmlformats.org/markup-compatibility/2006" xmlns:a14="http://schemas.microsoft.com/office/drawing/2010/main">
+          <mc:Choice Requires="a14">
             <p:sp>
               <p:nvSpPr>
                 <p:cNvPr id="21" name="TextBox 20">
@@ -11600,6 +11628,7 @@
                 </a:bodyPr>
                 <a:lstStyle/>
                 <a:p>
+                  <a:pPr/>
                   <a14:m>
                     <m:oMathPara xmlns:m="http://schemas.openxmlformats.org/officeDocument/2006/math">
                       <m:oMathParaPr>
@@ -11664,7 +11693,7 @@
               </p:txBody>
             </p:sp>
           </mc:Choice>
-          <mc:Fallback>
+          <mc:Fallback xmlns="">
             <p:sp>
               <p:nvSpPr>
                 <p:cNvPr id="21" name="TextBox 20">
@@ -12034,8 +12063,8 @@
             </a:fontRef>
           </p:style>
         </p:cxnSp>
-        <mc:AlternateContent xmlns:mc="http://schemas.openxmlformats.org/markup-compatibility/2006">
-          <mc:Choice xmlns:a14="http://schemas.microsoft.com/office/drawing/2010/main" Requires="a14">
+        <mc:AlternateContent xmlns:mc="http://schemas.openxmlformats.org/markup-compatibility/2006" xmlns:a14="http://schemas.microsoft.com/office/drawing/2010/main">
+          <mc:Choice Requires="a14">
             <p:sp>
               <p:nvSpPr>
                 <p:cNvPr id="13" name="TextBox 12">
@@ -12071,6 +12100,7 @@
                 </a:bodyPr>
                 <a:lstStyle/>
                 <a:p>
+                  <a:pPr/>
                   <a14:m>
                     <m:oMathPara xmlns:m="http://schemas.openxmlformats.org/officeDocument/2006/math">
                       <m:oMathParaPr>
@@ -12166,7 +12196,7 @@
               </p:txBody>
             </p:sp>
           </mc:Choice>
-          <mc:Fallback>
+          <mc:Fallback xmlns="">
             <p:sp>
               <p:nvSpPr>
                 <p:cNvPr id="13" name="TextBox 12">
@@ -12214,8 +12244,8 @@
             </p:sp>
           </mc:Fallback>
         </mc:AlternateContent>
-        <mc:AlternateContent xmlns:mc="http://schemas.openxmlformats.org/markup-compatibility/2006">
-          <mc:Choice xmlns:a14="http://schemas.microsoft.com/office/drawing/2010/main" Requires="a14">
+        <mc:AlternateContent xmlns:mc="http://schemas.openxmlformats.org/markup-compatibility/2006" xmlns:a14="http://schemas.microsoft.com/office/drawing/2010/main">
+          <mc:Choice Requires="a14">
             <p:sp>
               <p:nvSpPr>
                 <p:cNvPr id="14" name="TextBox 13">
@@ -12251,6 +12281,7 @@
                 </a:bodyPr>
                 <a:lstStyle/>
                 <a:p>
+                  <a:pPr/>
                   <a14:m>
                     <m:oMathPara xmlns:m="http://schemas.openxmlformats.org/officeDocument/2006/math">
                       <m:oMathParaPr>
@@ -12346,7 +12377,7 @@
               </p:txBody>
             </p:sp>
           </mc:Choice>
-          <mc:Fallback>
+          <mc:Fallback xmlns="">
             <p:sp>
               <p:nvSpPr>
                 <p:cNvPr id="14" name="TextBox 13">
@@ -12394,8 +12425,8 @@
             </p:sp>
           </mc:Fallback>
         </mc:AlternateContent>
-        <mc:AlternateContent xmlns:mc="http://schemas.openxmlformats.org/markup-compatibility/2006">
-          <mc:Choice xmlns:a14="http://schemas.microsoft.com/office/drawing/2010/main" Requires="a14">
+        <mc:AlternateContent xmlns:mc="http://schemas.openxmlformats.org/markup-compatibility/2006" xmlns:a14="http://schemas.microsoft.com/office/drawing/2010/main">
+          <mc:Choice Requires="a14">
             <p:sp>
               <p:nvSpPr>
                 <p:cNvPr id="15" name="TextBox 14">
@@ -12431,6 +12462,7 @@
                 </a:bodyPr>
                 <a:lstStyle/>
                 <a:p>
+                  <a:pPr/>
                   <a14:m>
                     <m:oMathPara xmlns:m="http://schemas.openxmlformats.org/officeDocument/2006/math">
                       <m:oMathParaPr>
@@ -12526,7 +12558,7 @@
               </p:txBody>
             </p:sp>
           </mc:Choice>
-          <mc:Fallback>
+          <mc:Fallback xmlns="">
             <p:sp>
               <p:nvSpPr>
                 <p:cNvPr id="15" name="TextBox 14">
@@ -12574,8 +12606,8 @@
             </p:sp>
           </mc:Fallback>
         </mc:AlternateContent>
-        <mc:AlternateContent xmlns:mc="http://schemas.openxmlformats.org/markup-compatibility/2006">
-          <mc:Choice xmlns:a14="http://schemas.microsoft.com/office/drawing/2010/main" Requires="a14">
+        <mc:AlternateContent xmlns:mc="http://schemas.openxmlformats.org/markup-compatibility/2006" xmlns:a14="http://schemas.microsoft.com/office/drawing/2010/main">
+          <mc:Choice Requires="a14">
             <p:sp>
               <p:nvSpPr>
                 <p:cNvPr id="17" name="TextBox 16">
@@ -12611,6 +12643,7 @@
                 </a:bodyPr>
                 <a:lstStyle/>
                 <a:p>
+                  <a:pPr/>
                   <a14:m>
                     <m:oMathPara xmlns:m="http://schemas.openxmlformats.org/officeDocument/2006/math">
                       <m:oMathParaPr>
@@ -12706,7 +12739,7 @@
               </p:txBody>
             </p:sp>
           </mc:Choice>
-          <mc:Fallback>
+          <mc:Fallback xmlns="">
             <p:sp>
               <p:nvSpPr>
                 <p:cNvPr id="17" name="TextBox 16">
@@ -12754,8 +12787,8 @@
             </p:sp>
           </mc:Fallback>
         </mc:AlternateContent>
-        <mc:AlternateContent xmlns:mc="http://schemas.openxmlformats.org/markup-compatibility/2006">
-          <mc:Choice xmlns:a14="http://schemas.microsoft.com/office/drawing/2010/main" Requires="a14">
+        <mc:AlternateContent xmlns:mc="http://schemas.openxmlformats.org/markup-compatibility/2006" xmlns:a14="http://schemas.microsoft.com/office/drawing/2010/main">
+          <mc:Choice Requires="a14">
             <p:sp>
               <p:nvSpPr>
                 <p:cNvPr id="18" name="TextBox 17">
@@ -12791,6 +12824,7 @@
                 </a:bodyPr>
                 <a:lstStyle/>
                 <a:p>
+                  <a:pPr/>
                   <a14:m>
                     <m:oMathPara xmlns:m="http://schemas.openxmlformats.org/officeDocument/2006/math">
                       <m:oMathParaPr>
@@ -12886,7 +12920,7 @@
               </p:txBody>
             </p:sp>
           </mc:Choice>
-          <mc:Fallback>
+          <mc:Fallback xmlns="">
             <p:sp>
               <p:nvSpPr>
                 <p:cNvPr id="18" name="TextBox 17">
@@ -13182,8 +13216,8 @@
           </p:nvCxnSpPr>
           <p:spPr>
             <a:xfrm>
-              <a:off x="3966149" y="2469334"/>
-              <a:ext cx="323173" cy="228242"/>
+              <a:off x="4014239" y="2469334"/>
+              <a:ext cx="275083" cy="228242"/>
             </a:xfrm>
             <a:prstGeom prst="straightConnector1">
               <a:avLst/>
@@ -13578,8 +13612,8 @@
             </a:fontRef>
           </p:style>
         </p:cxnSp>
-        <mc:AlternateContent xmlns:mc="http://schemas.openxmlformats.org/markup-compatibility/2006">
-          <mc:Choice xmlns:a14="http://schemas.microsoft.com/office/drawing/2010/main" Requires="a14">
+        <mc:AlternateContent xmlns:mc="http://schemas.openxmlformats.org/markup-compatibility/2006" xmlns:a14="http://schemas.microsoft.com/office/drawing/2010/main">
+          <mc:Choice Requires="a14">
             <p:sp>
               <p:nvSpPr>
                 <p:cNvPr id="20" name="TextBox 19">
@@ -13615,6 +13649,7 @@
                 </a:bodyPr>
                 <a:lstStyle/>
                 <a:p>
+                  <a:pPr/>
                   <a14:m>
                     <m:oMathPara xmlns:m="http://schemas.openxmlformats.org/officeDocument/2006/math">
                       <m:oMathParaPr>
@@ -13679,7 +13714,7 @@
               </p:txBody>
             </p:sp>
           </mc:Choice>
-          <mc:Fallback>
+          <mc:Fallback xmlns="">
             <p:sp>
               <p:nvSpPr>
                 <p:cNvPr id="20" name="TextBox 19">

--- a/pictures/pictures.pptx
+++ b/pictures/pictures.pptx
@@ -9,6 +9,7 @@
     <p:sldId id="257" r:id="rId3"/>
     <p:sldId id="258" r:id="rId4"/>
     <p:sldId id="259" r:id="rId5"/>
+    <p:sldId id="260" r:id="rId6"/>
   </p:sldIdLst>
   <p:sldSz cx="12192000" cy="6858000"/>
   <p:notesSz cx="6858000" cy="9144000"/>
@@ -275,7 +276,7 @@
           <a:p>
             <a:fld id="{5F488C4A-E758-4ECA-AE2F-E55A80CB037F}" type="datetimeFigureOut">
               <a:rPr lang="en-NL" smtClean="0"/>
-              <a:t>25/04/2023</a:t>
+              <a:t>08/05/2023</a:t>
             </a:fld>
             <a:endParaRPr lang="en-NL"/>
           </a:p>
@@ -475,7 +476,7 @@
           <a:p>
             <a:fld id="{5F488C4A-E758-4ECA-AE2F-E55A80CB037F}" type="datetimeFigureOut">
               <a:rPr lang="en-NL" smtClean="0"/>
-              <a:t>25/04/2023</a:t>
+              <a:t>08/05/2023</a:t>
             </a:fld>
             <a:endParaRPr lang="en-NL"/>
           </a:p>
@@ -685,7 +686,7 @@
           <a:p>
             <a:fld id="{5F488C4A-E758-4ECA-AE2F-E55A80CB037F}" type="datetimeFigureOut">
               <a:rPr lang="en-NL" smtClean="0"/>
-              <a:t>25/04/2023</a:t>
+              <a:t>08/05/2023</a:t>
             </a:fld>
             <a:endParaRPr lang="en-NL"/>
           </a:p>
@@ -885,7 +886,7 @@
           <a:p>
             <a:fld id="{5F488C4A-E758-4ECA-AE2F-E55A80CB037F}" type="datetimeFigureOut">
               <a:rPr lang="en-NL" smtClean="0"/>
-              <a:t>25/04/2023</a:t>
+              <a:t>08/05/2023</a:t>
             </a:fld>
             <a:endParaRPr lang="en-NL"/>
           </a:p>
@@ -1161,7 +1162,7 @@
           <a:p>
             <a:fld id="{5F488C4A-E758-4ECA-AE2F-E55A80CB037F}" type="datetimeFigureOut">
               <a:rPr lang="en-NL" smtClean="0"/>
-              <a:t>25/04/2023</a:t>
+              <a:t>08/05/2023</a:t>
             </a:fld>
             <a:endParaRPr lang="en-NL"/>
           </a:p>
@@ -1429,7 +1430,7 @@
           <a:p>
             <a:fld id="{5F488C4A-E758-4ECA-AE2F-E55A80CB037F}" type="datetimeFigureOut">
               <a:rPr lang="en-NL" smtClean="0"/>
-              <a:t>25/04/2023</a:t>
+              <a:t>08/05/2023</a:t>
             </a:fld>
             <a:endParaRPr lang="en-NL"/>
           </a:p>
@@ -1844,7 +1845,7 @@
           <a:p>
             <a:fld id="{5F488C4A-E758-4ECA-AE2F-E55A80CB037F}" type="datetimeFigureOut">
               <a:rPr lang="en-NL" smtClean="0"/>
-              <a:t>25/04/2023</a:t>
+              <a:t>08/05/2023</a:t>
             </a:fld>
             <a:endParaRPr lang="en-NL"/>
           </a:p>
@@ -1986,7 +1987,7 @@
           <a:p>
             <a:fld id="{5F488C4A-E758-4ECA-AE2F-E55A80CB037F}" type="datetimeFigureOut">
               <a:rPr lang="en-NL" smtClean="0"/>
-              <a:t>25/04/2023</a:t>
+              <a:t>08/05/2023</a:t>
             </a:fld>
             <a:endParaRPr lang="en-NL"/>
           </a:p>
@@ -2099,7 +2100,7 @@
           <a:p>
             <a:fld id="{5F488C4A-E758-4ECA-AE2F-E55A80CB037F}" type="datetimeFigureOut">
               <a:rPr lang="en-NL" smtClean="0"/>
-              <a:t>25/04/2023</a:t>
+              <a:t>08/05/2023</a:t>
             </a:fld>
             <a:endParaRPr lang="en-NL"/>
           </a:p>
@@ -2412,7 +2413,7 @@
           <a:p>
             <a:fld id="{5F488C4A-E758-4ECA-AE2F-E55A80CB037F}" type="datetimeFigureOut">
               <a:rPr lang="en-NL" smtClean="0"/>
-              <a:t>25/04/2023</a:t>
+              <a:t>08/05/2023</a:t>
             </a:fld>
             <a:endParaRPr lang="en-NL"/>
           </a:p>
@@ -2701,7 +2702,7 @@
           <a:p>
             <a:fld id="{5F488C4A-E758-4ECA-AE2F-E55A80CB037F}" type="datetimeFigureOut">
               <a:rPr lang="en-NL" smtClean="0"/>
-              <a:t>25/04/2023</a:t>
+              <a:t>08/05/2023</a:t>
             </a:fld>
             <a:endParaRPr lang="en-NL"/>
           </a:p>
@@ -2944,7 +2945,7 @@
           <a:p>
             <a:fld id="{5F488C4A-E758-4ECA-AE2F-E55A80CB037F}" type="datetimeFigureOut">
               <a:rPr lang="en-NL" smtClean="0"/>
-              <a:t>25/04/2023</a:t>
+              <a:t>08/05/2023</a:t>
             </a:fld>
             <a:endParaRPr lang="en-NL"/>
           </a:p>
@@ -11435,8 +11436,8 @@
             </p:sp>
           </mc:Fallback>
         </mc:AlternateContent>
-        <mc:AlternateContent xmlns:mc="http://schemas.openxmlformats.org/markup-compatibility/2006">
-          <mc:Choice xmlns:a14="http://schemas.microsoft.com/office/drawing/2010/main" Requires="a14">
+        <mc:AlternateContent xmlns:mc="http://schemas.openxmlformats.org/markup-compatibility/2006" xmlns:a14="http://schemas.microsoft.com/office/drawing/2010/main">
+          <mc:Choice Requires="a14">
             <p:sp>
               <p:nvSpPr>
                 <p:cNvPr id="19" name="TextBox 18">
@@ -11527,13 +11528,7 @@
                           <a:rPr lang="en-US" sz="1000" b="0" i="1" smtClean="0">
                             <a:latin typeface="Cambria Math" panose="02040503050406030204" pitchFamily="18" charset="0"/>
                           </a:rPr>
-                          <m:t>=</m:t>
-                        </m:r>
-                        <m:r>
-                          <a:rPr lang="en-US" sz="1000" b="0" i="1" smtClean="0">
-                            <a:latin typeface="Cambria Math" panose="02040503050406030204" pitchFamily="18" charset="0"/>
-                          </a:rPr>
-                          <m:t>−2</m:t>
+                          <m:t>=−2</m:t>
                         </m:r>
                       </m:oMath>
                     </m:oMathPara>
@@ -11543,7 +11538,7 @@
               </p:txBody>
             </p:sp>
           </mc:Choice>
-          <mc:Fallback>
+          <mc:Fallback xmlns="">
             <p:sp>
               <p:nvSpPr>
                 <p:cNvPr id="19" name="TextBox 18">
@@ -14219,6 +14214,9802 @@
 </p:sld>
 </file>
 
+<file path=ppt/slides/slide5.xml><?xml version="1.0" encoding="utf-8"?>
+<p:sld xmlns:a="http://schemas.openxmlformats.org/drawingml/2006/main" xmlns:r="http://schemas.openxmlformats.org/officeDocument/2006/relationships" xmlns:p="http://schemas.openxmlformats.org/presentationml/2006/main">
+  <p:cSld>
+    <p:spTree>
+      <p:nvGrpSpPr>
+        <p:cNvPr id="1" name=""/>
+        <p:cNvGrpSpPr/>
+        <p:nvPr/>
+      </p:nvGrpSpPr>
+      <p:grpSpPr>
+        <a:xfrm>
+          <a:off x="0" y="0"/>
+          <a:ext cx="0" cy="0"/>
+          <a:chOff x="0" y="0"/>
+          <a:chExt cx="0" cy="0"/>
+        </a:xfrm>
+      </p:grpSpPr>
+      <p:grpSp>
+        <p:nvGrpSpPr>
+          <p:cNvPr id="469" name="Group 468">
+            <a:extLst>
+              <a:ext uri="{FF2B5EF4-FFF2-40B4-BE49-F238E27FC236}">
+                <a16:creationId xmlns:a16="http://schemas.microsoft.com/office/drawing/2014/main" id="{4B170B0D-122B-C025-192D-48AADAFCA735}"/>
+              </a:ext>
+            </a:extLst>
+          </p:cNvPr>
+          <p:cNvGrpSpPr/>
+          <p:nvPr/>
+        </p:nvGrpSpPr>
+        <p:grpSpPr>
+          <a:xfrm>
+            <a:off x="8348189" y="2981563"/>
+            <a:ext cx="361400" cy="2064098"/>
+            <a:chOff x="8956101" y="3081963"/>
+            <a:chExt cx="361400" cy="2064098"/>
+          </a:xfrm>
+        </p:grpSpPr>
+        <p:grpSp>
+          <p:nvGrpSpPr>
+            <p:cNvPr id="249" name="Group 248">
+              <a:extLst>
+                <a:ext uri="{FF2B5EF4-FFF2-40B4-BE49-F238E27FC236}">
+                  <a16:creationId xmlns:a16="http://schemas.microsoft.com/office/drawing/2014/main" id="{F57CE6A6-CB40-C17E-ACFD-DC1B2D19F811}"/>
+                </a:ext>
+              </a:extLst>
+            </p:cNvPr>
+            <p:cNvGrpSpPr/>
+            <p:nvPr/>
+          </p:nvGrpSpPr>
+          <p:grpSpPr>
+            <a:xfrm>
+              <a:off x="8956101" y="3081963"/>
+              <a:ext cx="360000" cy="360000"/>
+              <a:chOff x="8587368" y="1727662"/>
+              <a:chExt cx="360000" cy="360000"/>
+            </a:xfrm>
+          </p:grpSpPr>
+          <p:sp>
+            <p:nvSpPr>
+              <p:cNvPr id="138" name="Rectangle 137">
+                <a:extLst>
+                  <a:ext uri="{FF2B5EF4-FFF2-40B4-BE49-F238E27FC236}">
+                    <a16:creationId xmlns:a16="http://schemas.microsoft.com/office/drawing/2014/main" id="{D38685AF-5653-8409-6BB9-FFDE642FA8CC}"/>
+                  </a:ext>
+                </a:extLst>
+              </p:cNvPr>
+              <p:cNvSpPr/>
+              <p:nvPr/>
+            </p:nvSpPr>
+            <p:spPr>
+              <a:xfrm>
+                <a:off x="8587368" y="1727662"/>
+                <a:ext cx="360000" cy="360000"/>
+              </a:xfrm>
+              <a:prstGeom prst="rect">
+                <a:avLst/>
+              </a:prstGeom>
+              <a:noFill/>
+              <a:ln w="3175">
+                <a:solidFill>
+                  <a:schemeClr val="tx1"/>
+                </a:solidFill>
+              </a:ln>
+            </p:spPr>
+            <p:style>
+              <a:lnRef idx="2">
+                <a:schemeClr val="accent1">
+                  <a:shade val="50000"/>
+                </a:schemeClr>
+              </a:lnRef>
+              <a:fillRef idx="1">
+                <a:schemeClr val="accent1"/>
+              </a:fillRef>
+              <a:effectRef idx="0">
+                <a:schemeClr val="accent1"/>
+              </a:effectRef>
+              <a:fontRef idx="minor">
+                <a:schemeClr val="lt1"/>
+              </a:fontRef>
+            </p:style>
+            <p:txBody>
+              <a:bodyPr rtlCol="0" anchor="ctr"/>
+              <a:lstStyle/>
+              <a:p>
+                <a:pPr algn="ctr"/>
+                <a:r>
+                  <a:rPr lang="en-US" dirty="0">
+                    <a:solidFill>
+                      <a:schemeClr val="tx1"/>
+                    </a:solidFill>
+                  </a:rPr>
+                  <a:t>1</a:t>
+                </a:r>
+                <a:endParaRPr lang="en-NL" dirty="0">
+                  <a:solidFill>
+                    <a:schemeClr val="tx1"/>
+                  </a:solidFill>
+                </a:endParaRPr>
+              </a:p>
+            </p:txBody>
+          </p:sp>
+          <p:sp>
+            <p:nvSpPr>
+              <p:cNvPr id="248" name="Rectangle 247">
+                <a:extLst>
+                  <a:ext uri="{FF2B5EF4-FFF2-40B4-BE49-F238E27FC236}">
+                    <a16:creationId xmlns:a16="http://schemas.microsoft.com/office/drawing/2014/main" id="{E81CF2D7-08F6-D3FC-1C01-EA868D1B6EFC}"/>
+                  </a:ext>
+                </a:extLst>
+              </p:cNvPr>
+              <p:cNvSpPr/>
+              <p:nvPr/>
+            </p:nvSpPr>
+            <p:spPr>
+              <a:xfrm>
+                <a:off x="8587368" y="1727662"/>
+                <a:ext cx="360000" cy="360000"/>
+              </a:xfrm>
+              <a:prstGeom prst="rect">
+                <a:avLst/>
+              </a:prstGeom>
+              <a:solidFill>
+                <a:schemeClr val="tx1">
+                  <a:alpha val="27000"/>
+                </a:schemeClr>
+              </a:solidFill>
+              <a:ln w="0">
+                <a:noFill/>
+              </a:ln>
+            </p:spPr>
+            <p:style>
+              <a:lnRef idx="2">
+                <a:schemeClr val="accent1">
+                  <a:shade val="50000"/>
+                </a:schemeClr>
+              </a:lnRef>
+              <a:fillRef idx="1">
+                <a:schemeClr val="accent1"/>
+              </a:fillRef>
+              <a:effectRef idx="0">
+                <a:schemeClr val="accent1"/>
+              </a:effectRef>
+              <a:fontRef idx="minor">
+                <a:schemeClr val="lt1"/>
+              </a:fontRef>
+            </p:style>
+            <p:txBody>
+              <a:bodyPr rtlCol="0" anchor="ctr"/>
+              <a:lstStyle/>
+              <a:p>
+                <a:pPr algn="ctr"/>
+                <a:endParaRPr lang="en-NL" dirty="0">
+                  <a:solidFill>
+                    <a:schemeClr val="tx1"/>
+                  </a:solidFill>
+                </a:endParaRPr>
+              </a:p>
+            </p:txBody>
+          </p:sp>
+        </p:grpSp>
+        <p:grpSp>
+          <p:nvGrpSpPr>
+            <p:cNvPr id="251" name="Group 250">
+              <a:extLst>
+                <a:ext uri="{FF2B5EF4-FFF2-40B4-BE49-F238E27FC236}">
+                  <a16:creationId xmlns:a16="http://schemas.microsoft.com/office/drawing/2014/main" id="{74668108-9B50-F771-2CC9-A559B2C3DF1E}"/>
+                </a:ext>
+              </a:extLst>
+            </p:cNvPr>
+            <p:cNvGrpSpPr/>
+            <p:nvPr/>
+          </p:nvGrpSpPr>
+          <p:grpSpPr>
+            <a:xfrm>
+              <a:off x="8956101" y="3639621"/>
+              <a:ext cx="360000" cy="360000"/>
+              <a:chOff x="8587368" y="2308331"/>
+              <a:chExt cx="360000" cy="360000"/>
+            </a:xfrm>
+          </p:grpSpPr>
+          <p:sp>
+            <p:nvSpPr>
+              <p:cNvPr id="139" name="Rectangle 138">
+                <a:extLst>
+                  <a:ext uri="{FF2B5EF4-FFF2-40B4-BE49-F238E27FC236}">
+                    <a16:creationId xmlns:a16="http://schemas.microsoft.com/office/drawing/2014/main" id="{0EBF59C6-ECD8-22C1-11BC-2E25E8EFC7F1}"/>
+                  </a:ext>
+                </a:extLst>
+              </p:cNvPr>
+              <p:cNvSpPr/>
+              <p:nvPr/>
+            </p:nvSpPr>
+            <p:spPr>
+              <a:xfrm>
+                <a:off x="8587368" y="2308331"/>
+                <a:ext cx="360000" cy="360000"/>
+              </a:xfrm>
+              <a:prstGeom prst="rect">
+                <a:avLst/>
+              </a:prstGeom>
+              <a:noFill/>
+              <a:ln w="3175">
+                <a:solidFill>
+                  <a:schemeClr val="tx1"/>
+                </a:solidFill>
+              </a:ln>
+            </p:spPr>
+            <p:style>
+              <a:lnRef idx="2">
+                <a:schemeClr val="accent1">
+                  <a:shade val="50000"/>
+                </a:schemeClr>
+              </a:lnRef>
+              <a:fillRef idx="1">
+                <a:schemeClr val="accent1"/>
+              </a:fillRef>
+              <a:effectRef idx="0">
+                <a:schemeClr val="accent1"/>
+              </a:effectRef>
+              <a:fontRef idx="minor">
+                <a:schemeClr val="lt1"/>
+              </a:fontRef>
+            </p:style>
+            <p:txBody>
+              <a:bodyPr rtlCol="0" anchor="ctr"/>
+              <a:lstStyle/>
+              <a:p>
+                <a:pPr algn="ctr"/>
+                <a:r>
+                  <a:rPr lang="en-US" dirty="0">
+                    <a:solidFill>
+                      <a:schemeClr val="tx1"/>
+                    </a:solidFill>
+                  </a:rPr>
+                  <a:t>0</a:t>
+                </a:r>
+                <a:endParaRPr lang="en-NL" dirty="0">
+                  <a:solidFill>
+                    <a:schemeClr val="tx1"/>
+                  </a:solidFill>
+                </a:endParaRPr>
+              </a:p>
+            </p:txBody>
+          </p:sp>
+          <p:sp>
+            <p:nvSpPr>
+              <p:cNvPr id="250" name="Rectangle 249">
+                <a:extLst>
+                  <a:ext uri="{FF2B5EF4-FFF2-40B4-BE49-F238E27FC236}">
+                    <a16:creationId xmlns:a16="http://schemas.microsoft.com/office/drawing/2014/main" id="{7C7C314D-7C6D-E2A2-D06F-6AAEB31AFA1D}"/>
+                  </a:ext>
+                </a:extLst>
+              </p:cNvPr>
+              <p:cNvSpPr/>
+              <p:nvPr/>
+            </p:nvSpPr>
+            <p:spPr>
+              <a:xfrm>
+                <a:off x="8587368" y="2308331"/>
+                <a:ext cx="360000" cy="360000"/>
+              </a:xfrm>
+              <a:prstGeom prst="rect">
+                <a:avLst/>
+              </a:prstGeom>
+              <a:solidFill>
+                <a:srgbClr val="00B050">
+                  <a:alpha val="27000"/>
+                </a:srgbClr>
+              </a:solidFill>
+              <a:ln w="0">
+                <a:noFill/>
+              </a:ln>
+            </p:spPr>
+            <p:style>
+              <a:lnRef idx="2">
+                <a:schemeClr val="accent1">
+                  <a:shade val="50000"/>
+                </a:schemeClr>
+              </a:lnRef>
+              <a:fillRef idx="1">
+                <a:schemeClr val="accent1"/>
+              </a:fillRef>
+              <a:effectRef idx="0">
+                <a:schemeClr val="accent1"/>
+              </a:effectRef>
+              <a:fontRef idx="minor">
+                <a:schemeClr val="lt1"/>
+              </a:fontRef>
+            </p:style>
+            <p:txBody>
+              <a:bodyPr rtlCol="0" anchor="ctr"/>
+              <a:lstStyle/>
+              <a:p>
+                <a:pPr algn="ctr"/>
+                <a:endParaRPr lang="en-NL" dirty="0">
+                  <a:solidFill>
+                    <a:schemeClr val="tx1"/>
+                  </a:solidFill>
+                </a:endParaRPr>
+              </a:p>
+            </p:txBody>
+          </p:sp>
+        </p:grpSp>
+        <p:grpSp>
+          <p:nvGrpSpPr>
+            <p:cNvPr id="255" name="Group 254">
+              <a:extLst>
+                <a:ext uri="{FF2B5EF4-FFF2-40B4-BE49-F238E27FC236}">
+                  <a16:creationId xmlns:a16="http://schemas.microsoft.com/office/drawing/2014/main" id="{9969B254-1F52-06FB-0B34-6964F5CF8D4A}"/>
+                </a:ext>
+              </a:extLst>
+            </p:cNvPr>
+            <p:cNvGrpSpPr/>
+            <p:nvPr/>
+          </p:nvGrpSpPr>
+          <p:grpSpPr>
+            <a:xfrm>
+              <a:off x="8956101" y="4212841"/>
+              <a:ext cx="361400" cy="360000"/>
+              <a:chOff x="8585968" y="2889000"/>
+              <a:chExt cx="361400" cy="360000"/>
+            </a:xfrm>
+          </p:grpSpPr>
+          <p:sp>
+            <p:nvSpPr>
+              <p:cNvPr id="141" name="Rectangle 140">
+                <a:extLst>
+                  <a:ext uri="{FF2B5EF4-FFF2-40B4-BE49-F238E27FC236}">
+                    <a16:creationId xmlns:a16="http://schemas.microsoft.com/office/drawing/2014/main" id="{9863AC44-02C9-6678-BCE2-F94581EE0C1F}"/>
+                  </a:ext>
+                </a:extLst>
+              </p:cNvPr>
+              <p:cNvSpPr/>
+              <p:nvPr/>
+            </p:nvSpPr>
+            <p:spPr>
+              <a:xfrm>
+                <a:off x="8587368" y="2889000"/>
+                <a:ext cx="360000" cy="360000"/>
+              </a:xfrm>
+              <a:prstGeom prst="rect">
+                <a:avLst/>
+              </a:prstGeom>
+              <a:noFill/>
+              <a:ln w="3175">
+                <a:solidFill>
+                  <a:schemeClr val="tx1"/>
+                </a:solidFill>
+              </a:ln>
+            </p:spPr>
+            <p:style>
+              <a:lnRef idx="2">
+                <a:schemeClr val="accent1">
+                  <a:shade val="50000"/>
+                </a:schemeClr>
+              </a:lnRef>
+              <a:fillRef idx="1">
+                <a:schemeClr val="accent1"/>
+              </a:fillRef>
+              <a:effectRef idx="0">
+                <a:schemeClr val="accent1"/>
+              </a:effectRef>
+              <a:fontRef idx="minor">
+                <a:schemeClr val="lt1"/>
+              </a:fontRef>
+            </p:style>
+            <p:txBody>
+              <a:bodyPr rtlCol="0" anchor="ctr"/>
+              <a:lstStyle/>
+              <a:p>
+                <a:pPr algn="ctr"/>
+                <a:r>
+                  <a:rPr lang="en-US" dirty="0">
+                    <a:solidFill>
+                      <a:schemeClr val="tx1"/>
+                    </a:solidFill>
+                  </a:rPr>
+                  <a:t>0</a:t>
+                </a:r>
+                <a:endParaRPr lang="en-NL" dirty="0">
+                  <a:solidFill>
+                    <a:schemeClr val="tx1"/>
+                  </a:solidFill>
+                </a:endParaRPr>
+              </a:p>
+            </p:txBody>
+          </p:sp>
+          <p:sp>
+            <p:nvSpPr>
+              <p:cNvPr id="252" name="Rectangle 251">
+                <a:extLst>
+                  <a:ext uri="{FF2B5EF4-FFF2-40B4-BE49-F238E27FC236}">
+                    <a16:creationId xmlns:a16="http://schemas.microsoft.com/office/drawing/2014/main" id="{23B34AF6-2C0D-9A96-53CE-D7E073CEDD5B}"/>
+                  </a:ext>
+                </a:extLst>
+              </p:cNvPr>
+              <p:cNvSpPr/>
+              <p:nvPr/>
+            </p:nvSpPr>
+            <p:spPr>
+              <a:xfrm>
+                <a:off x="8585968" y="2889000"/>
+                <a:ext cx="360000" cy="360000"/>
+              </a:xfrm>
+              <a:prstGeom prst="rect">
+                <a:avLst/>
+              </a:prstGeom>
+              <a:solidFill>
+                <a:srgbClr val="FF66CC">
+                  <a:alpha val="26667"/>
+                </a:srgbClr>
+              </a:solidFill>
+              <a:ln w="0">
+                <a:noFill/>
+              </a:ln>
+            </p:spPr>
+            <p:style>
+              <a:lnRef idx="2">
+                <a:schemeClr val="accent1">
+                  <a:shade val="50000"/>
+                </a:schemeClr>
+              </a:lnRef>
+              <a:fillRef idx="1">
+                <a:schemeClr val="accent1"/>
+              </a:fillRef>
+              <a:effectRef idx="0">
+                <a:schemeClr val="accent1"/>
+              </a:effectRef>
+              <a:fontRef idx="minor">
+                <a:schemeClr val="lt1"/>
+              </a:fontRef>
+            </p:style>
+            <p:txBody>
+              <a:bodyPr rtlCol="0" anchor="ctr"/>
+              <a:lstStyle/>
+              <a:p>
+                <a:pPr algn="ctr"/>
+                <a:endParaRPr lang="en-NL" dirty="0">
+                  <a:solidFill>
+                    <a:schemeClr val="tx1"/>
+                  </a:solidFill>
+                </a:endParaRPr>
+              </a:p>
+            </p:txBody>
+          </p:sp>
+        </p:grpSp>
+        <p:grpSp>
+          <p:nvGrpSpPr>
+            <p:cNvPr id="347" name="Group 346">
+              <a:extLst>
+                <a:ext uri="{FF2B5EF4-FFF2-40B4-BE49-F238E27FC236}">
+                  <a16:creationId xmlns:a16="http://schemas.microsoft.com/office/drawing/2014/main" id="{DA1B2773-DF00-2AC5-B812-A6BDF1DECD6D}"/>
+                </a:ext>
+              </a:extLst>
+            </p:cNvPr>
+            <p:cNvGrpSpPr/>
+            <p:nvPr/>
+          </p:nvGrpSpPr>
+          <p:grpSpPr>
+            <a:xfrm>
+              <a:off x="8956101" y="4786061"/>
+              <a:ext cx="360000" cy="360000"/>
+              <a:chOff x="8587368" y="1727662"/>
+              <a:chExt cx="360000" cy="360000"/>
+            </a:xfrm>
+          </p:grpSpPr>
+          <p:sp>
+            <p:nvSpPr>
+              <p:cNvPr id="348" name="Rectangle 347">
+                <a:extLst>
+                  <a:ext uri="{FF2B5EF4-FFF2-40B4-BE49-F238E27FC236}">
+                    <a16:creationId xmlns:a16="http://schemas.microsoft.com/office/drawing/2014/main" id="{0AA85662-FB76-CAA1-621F-B4EDCEA1299F}"/>
+                  </a:ext>
+                </a:extLst>
+              </p:cNvPr>
+              <p:cNvSpPr/>
+              <p:nvPr/>
+            </p:nvSpPr>
+            <p:spPr>
+              <a:xfrm>
+                <a:off x="8587368" y="1727662"/>
+                <a:ext cx="360000" cy="360000"/>
+              </a:xfrm>
+              <a:prstGeom prst="rect">
+                <a:avLst/>
+              </a:prstGeom>
+              <a:noFill/>
+              <a:ln w="3175">
+                <a:solidFill>
+                  <a:schemeClr val="tx1"/>
+                </a:solidFill>
+              </a:ln>
+            </p:spPr>
+            <p:style>
+              <a:lnRef idx="2">
+                <a:schemeClr val="accent1">
+                  <a:shade val="50000"/>
+                </a:schemeClr>
+              </a:lnRef>
+              <a:fillRef idx="1">
+                <a:schemeClr val="accent1"/>
+              </a:fillRef>
+              <a:effectRef idx="0">
+                <a:schemeClr val="accent1"/>
+              </a:effectRef>
+              <a:fontRef idx="minor">
+                <a:schemeClr val="lt1"/>
+              </a:fontRef>
+            </p:style>
+            <p:txBody>
+              <a:bodyPr rtlCol="0" anchor="ctr"/>
+              <a:lstStyle/>
+              <a:p>
+                <a:pPr algn="ctr"/>
+                <a:r>
+                  <a:rPr lang="en-US" dirty="0">
+                    <a:solidFill>
+                      <a:schemeClr val="tx1"/>
+                    </a:solidFill>
+                  </a:rPr>
+                  <a:t>1</a:t>
+                </a:r>
+                <a:endParaRPr lang="en-NL" dirty="0">
+                  <a:solidFill>
+                    <a:schemeClr val="tx1"/>
+                  </a:solidFill>
+                </a:endParaRPr>
+              </a:p>
+            </p:txBody>
+          </p:sp>
+          <p:sp>
+            <p:nvSpPr>
+              <p:cNvPr id="349" name="Rectangle 348">
+                <a:extLst>
+                  <a:ext uri="{FF2B5EF4-FFF2-40B4-BE49-F238E27FC236}">
+                    <a16:creationId xmlns:a16="http://schemas.microsoft.com/office/drawing/2014/main" id="{C0B1F207-09AE-52F6-5237-A78567AA9FA4}"/>
+                  </a:ext>
+                </a:extLst>
+              </p:cNvPr>
+              <p:cNvSpPr/>
+              <p:nvPr/>
+            </p:nvSpPr>
+            <p:spPr>
+              <a:xfrm>
+                <a:off x="8587368" y="1727662"/>
+                <a:ext cx="360000" cy="360000"/>
+              </a:xfrm>
+              <a:prstGeom prst="rect">
+                <a:avLst/>
+              </a:prstGeom>
+              <a:solidFill>
+                <a:srgbClr val="FFC000">
+                  <a:alpha val="27000"/>
+                </a:srgbClr>
+              </a:solidFill>
+              <a:ln w="0">
+                <a:noFill/>
+              </a:ln>
+            </p:spPr>
+            <p:style>
+              <a:lnRef idx="2">
+                <a:schemeClr val="accent1">
+                  <a:shade val="50000"/>
+                </a:schemeClr>
+              </a:lnRef>
+              <a:fillRef idx="1">
+                <a:schemeClr val="accent1"/>
+              </a:fillRef>
+              <a:effectRef idx="0">
+                <a:schemeClr val="accent1"/>
+              </a:effectRef>
+              <a:fontRef idx="minor">
+                <a:schemeClr val="lt1"/>
+              </a:fontRef>
+            </p:style>
+            <p:txBody>
+              <a:bodyPr rtlCol="0" anchor="ctr"/>
+              <a:lstStyle/>
+              <a:p>
+                <a:pPr algn="ctr"/>
+                <a:endParaRPr lang="en-NL" dirty="0">
+                  <a:solidFill>
+                    <a:schemeClr val="tx1"/>
+                  </a:solidFill>
+                </a:endParaRPr>
+              </a:p>
+            </p:txBody>
+          </p:sp>
+        </p:grpSp>
+      </p:grpSp>
+      <p:grpSp>
+        <p:nvGrpSpPr>
+          <p:cNvPr id="453" name="Group 452">
+            <a:extLst>
+              <a:ext uri="{FF2B5EF4-FFF2-40B4-BE49-F238E27FC236}">
+                <a16:creationId xmlns:a16="http://schemas.microsoft.com/office/drawing/2014/main" id="{6A7ABF6C-25CF-39FB-7329-B20C2B4E3CDF}"/>
+              </a:ext>
+            </a:extLst>
+          </p:cNvPr>
+          <p:cNvGrpSpPr/>
+          <p:nvPr/>
+        </p:nvGrpSpPr>
+        <p:grpSpPr>
+          <a:xfrm>
+            <a:off x="1387216" y="-5517658"/>
+            <a:ext cx="6191391" cy="9898561"/>
+            <a:chOff x="1431821" y="-3945336"/>
+            <a:chExt cx="6191391" cy="9898561"/>
+          </a:xfrm>
+        </p:grpSpPr>
+        <p:sp>
+          <p:nvSpPr>
+            <p:cNvPr id="410" name="Rectangle 409">
+              <a:extLst>
+                <a:ext uri="{FF2B5EF4-FFF2-40B4-BE49-F238E27FC236}">
+                  <a16:creationId xmlns:a16="http://schemas.microsoft.com/office/drawing/2014/main" id="{C35F2B77-C092-4E29-827D-360B92DF7FFD}"/>
+                </a:ext>
+              </a:extLst>
+            </p:cNvPr>
+            <p:cNvSpPr/>
+            <p:nvPr/>
+          </p:nvSpPr>
+          <p:spPr>
+            <a:xfrm>
+              <a:off x="1431821" y="2453237"/>
+              <a:ext cx="2637896" cy="299377"/>
+            </a:xfrm>
+            <a:prstGeom prst="rect">
+              <a:avLst/>
+            </a:prstGeom>
+            <a:noFill/>
+            <a:ln w="3175">
+              <a:solidFill>
+                <a:schemeClr val="tx1"/>
+              </a:solidFill>
+            </a:ln>
+          </p:spPr>
+          <p:style>
+            <a:lnRef idx="2">
+              <a:schemeClr val="accent1">
+                <a:shade val="50000"/>
+              </a:schemeClr>
+            </a:lnRef>
+            <a:fillRef idx="1">
+              <a:schemeClr val="accent1"/>
+            </a:fillRef>
+            <a:effectRef idx="0">
+              <a:schemeClr val="accent1"/>
+            </a:effectRef>
+            <a:fontRef idx="minor">
+              <a:schemeClr val="lt1"/>
+            </a:fontRef>
+          </p:style>
+          <p:txBody>
+            <a:bodyPr rtlCol="0" anchor="ctr"/>
+            <a:lstStyle/>
+            <a:p>
+              <a:pPr algn="ctr"/>
+              <a:r>
+                <a:rPr lang="en-US" dirty="0">
+                  <a:solidFill>
+                    <a:schemeClr val="tx1"/>
+                  </a:solidFill>
+                </a:rPr>
+                <a:t>Activation Function</a:t>
+              </a:r>
+              <a:endParaRPr lang="en-NL" dirty="0">
+                <a:solidFill>
+                  <a:schemeClr val="tx1"/>
+                </a:solidFill>
+              </a:endParaRPr>
+            </a:p>
+          </p:txBody>
+        </p:sp>
+        <p:sp>
+          <p:nvSpPr>
+            <p:cNvPr id="411" name="Rectangle 410">
+              <a:extLst>
+                <a:ext uri="{FF2B5EF4-FFF2-40B4-BE49-F238E27FC236}">
+                  <a16:creationId xmlns:a16="http://schemas.microsoft.com/office/drawing/2014/main" id="{FBDCF797-A90D-466B-E934-426B38D7DE78}"/>
+                </a:ext>
+              </a:extLst>
+            </p:cNvPr>
+            <p:cNvSpPr/>
+            <p:nvPr/>
+          </p:nvSpPr>
+          <p:spPr>
+            <a:xfrm>
+              <a:off x="1431821" y="3664181"/>
+              <a:ext cx="2637896" cy="299377"/>
+            </a:xfrm>
+            <a:prstGeom prst="rect">
+              <a:avLst/>
+            </a:prstGeom>
+            <a:noFill/>
+            <a:ln w="3175">
+              <a:solidFill>
+                <a:schemeClr val="tx1"/>
+              </a:solidFill>
+            </a:ln>
+          </p:spPr>
+          <p:style>
+            <a:lnRef idx="2">
+              <a:schemeClr val="accent1">
+                <a:shade val="50000"/>
+              </a:schemeClr>
+            </a:lnRef>
+            <a:fillRef idx="1">
+              <a:schemeClr val="accent1"/>
+            </a:fillRef>
+            <a:effectRef idx="0">
+              <a:schemeClr val="accent1"/>
+            </a:effectRef>
+            <a:fontRef idx="minor">
+              <a:schemeClr val="lt1"/>
+            </a:fontRef>
+          </p:style>
+          <p:txBody>
+            <a:bodyPr rtlCol="0" anchor="ctr"/>
+            <a:lstStyle/>
+            <a:p>
+              <a:pPr algn="ctr"/>
+              <a:r>
+                <a:rPr lang="en-US" dirty="0">
+                  <a:solidFill>
+                    <a:schemeClr val="tx1"/>
+                  </a:solidFill>
+                </a:rPr>
+                <a:t>Post Activation Operation</a:t>
+              </a:r>
+              <a:endParaRPr lang="en-NL" dirty="0">
+                <a:solidFill>
+                  <a:schemeClr val="tx1"/>
+                </a:solidFill>
+              </a:endParaRPr>
+            </a:p>
+          </p:txBody>
+        </p:sp>
+        <p:sp>
+          <p:nvSpPr>
+            <p:cNvPr id="412" name="Rectangle 411">
+              <a:extLst>
+                <a:ext uri="{FF2B5EF4-FFF2-40B4-BE49-F238E27FC236}">
+                  <a16:creationId xmlns:a16="http://schemas.microsoft.com/office/drawing/2014/main" id="{5F35803E-3AE8-59B1-A7D7-BE16E285F5A5}"/>
+                </a:ext>
+              </a:extLst>
+            </p:cNvPr>
+            <p:cNvSpPr/>
+            <p:nvPr/>
+          </p:nvSpPr>
+          <p:spPr>
+            <a:xfrm>
+              <a:off x="1431821" y="5443536"/>
+              <a:ext cx="2637896" cy="299377"/>
+            </a:xfrm>
+            <a:prstGeom prst="rect">
+              <a:avLst/>
+            </a:prstGeom>
+            <a:noFill/>
+            <a:ln w="3175">
+              <a:solidFill>
+                <a:schemeClr val="tx1"/>
+              </a:solidFill>
+            </a:ln>
+          </p:spPr>
+          <p:style>
+            <a:lnRef idx="2">
+              <a:schemeClr val="accent1">
+                <a:shade val="50000"/>
+              </a:schemeClr>
+            </a:lnRef>
+            <a:fillRef idx="1">
+              <a:schemeClr val="accent1"/>
+            </a:fillRef>
+            <a:effectRef idx="0">
+              <a:schemeClr val="accent1"/>
+            </a:effectRef>
+            <a:fontRef idx="minor">
+              <a:schemeClr val="lt1"/>
+            </a:fontRef>
+          </p:style>
+          <p:txBody>
+            <a:bodyPr rtlCol="0" anchor="ctr"/>
+            <a:lstStyle/>
+            <a:p>
+              <a:pPr algn="ctr"/>
+              <a:r>
+                <a:rPr lang="en-US" dirty="0">
+                  <a:solidFill>
+                    <a:schemeClr val="tx1"/>
+                  </a:solidFill>
+                </a:rPr>
+                <a:t>Max Pooled Image</a:t>
+              </a:r>
+              <a:endParaRPr lang="en-NL" dirty="0">
+                <a:solidFill>
+                  <a:schemeClr val="tx1"/>
+                </a:solidFill>
+              </a:endParaRPr>
+            </a:p>
+          </p:txBody>
+        </p:sp>
+        <p:grpSp>
+          <p:nvGrpSpPr>
+            <p:cNvPr id="429" name="Group 428">
+              <a:extLst>
+                <a:ext uri="{FF2B5EF4-FFF2-40B4-BE49-F238E27FC236}">
+                  <a16:creationId xmlns:a16="http://schemas.microsoft.com/office/drawing/2014/main" id="{85E8EE16-3CE7-C090-98A9-001BD17CC854}"/>
+                </a:ext>
+              </a:extLst>
+            </p:cNvPr>
+            <p:cNvGrpSpPr/>
+            <p:nvPr/>
+          </p:nvGrpSpPr>
+          <p:grpSpPr>
+            <a:xfrm>
+              <a:off x="1431821" y="-3945336"/>
+              <a:ext cx="6191391" cy="9898561"/>
+              <a:chOff x="1460697" y="229848"/>
+              <a:chExt cx="6191391" cy="9898561"/>
+            </a:xfrm>
+          </p:grpSpPr>
+          <p:grpSp>
+            <p:nvGrpSpPr>
+              <p:cNvPr id="402" name="Group 401">
+                <a:extLst>
+                  <a:ext uri="{FF2B5EF4-FFF2-40B4-BE49-F238E27FC236}">
+                    <a16:creationId xmlns:a16="http://schemas.microsoft.com/office/drawing/2014/main" id="{9C4F3EC6-5FB3-029A-CB48-62944E34D700}"/>
+                  </a:ext>
+                </a:extLst>
+              </p:cNvPr>
+              <p:cNvGrpSpPr/>
+              <p:nvPr/>
+            </p:nvGrpSpPr>
+            <p:grpSpPr>
+              <a:xfrm>
+                <a:off x="5370543" y="229848"/>
+                <a:ext cx="2281545" cy="9898561"/>
+                <a:chOff x="2122487" y="-3254497"/>
+                <a:chExt cx="2281545" cy="9898561"/>
+              </a:xfrm>
+            </p:grpSpPr>
+            <p:grpSp>
+              <p:nvGrpSpPr>
+                <p:cNvPr id="313" name="Group 312">
+                  <a:extLst>
+                    <a:ext uri="{FF2B5EF4-FFF2-40B4-BE49-F238E27FC236}">
+                      <a16:creationId xmlns:a16="http://schemas.microsoft.com/office/drawing/2014/main" id="{081659DE-4920-A131-C4CF-58FF991BD1E6}"/>
+                    </a:ext>
+                  </a:extLst>
+                </p:cNvPr>
+                <p:cNvGrpSpPr/>
+                <p:nvPr/>
+              </p:nvGrpSpPr>
+              <p:grpSpPr>
+                <a:xfrm>
+                  <a:off x="2172084" y="-3254497"/>
+                  <a:ext cx="2162400" cy="6074220"/>
+                  <a:chOff x="2022667" y="184554"/>
+                  <a:chExt cx="2162400" cy="6074220"/>
+                </a:xfrm>
+              </p:grpSpPr>
+              <p:grpSp>
+                <p:nvGrpSpPr>
+                  <p:cNvPr id="169" name="Group 168">
+                    <a:extLst>
+                      <a:ext uri="{FF2B5EF4-FFF2-40B4-BE49-F238E27FC236}">
+                        <a16:creationId xmlns:a16="http://schemas.microsoft.com/office/drawing/2014/main" id="{CAE32FDA-A2CC-377D-BEA5-7A4316D8EAB6}"/>
+                      </a:ext>
+                    </a:extLst>
+                  </p:cNvPr>
+                  <p:cNvGrpSpPr/>
+                  <p:nvPr/>
+                </p:nvGrpSpPr>
+                <p:grpSpPr>
+                  <a:xfrm>
+                    <a:off x="2523433" y="2709000"/>
+                    <a:ext cx="1081200" cy="1080000"/>
+                    <a:chOff x="4680000" y="2520000"/>
+                    <a:chExt cx="1081200" cy="1080000"/>
+                  </a:xfrm>
+                </p:grpSpPr>
+                <p:sp>
+                  <p:nvSpPr>
+                    <p:cNvPr id="152" name="Rectangle 151">
+                      <a:extLst>
+                        <a:ext uri="{FF2B5EF4-FFF2-40B4-BE49-F238E27FC236}">
+                          <a16:creationId xmlns:a16="http://schemas.microsoft.com/office/drawing/2014/main" id="{06A87D99-B934-3CF1-7576-C919B380EFA3}"/>
+                        </a:ext>
+                      </a:extLst>
+                    </p:cNvPr>
+                    <p:cNvSpPr/>
+                    <p:nvPr/>
+                  </p:nvSpPr>
+                  <p:spPr>
+                    <a:xfrm>
+                      <a:off x="4681200" y="2520000"/>
+                      <a:ext cx="1080000" cy="1080000"/>
+                    </a:xfrm>
+                    <a:prstGeom prst="rect">
+                      <a:avLst/>
+                    </a:prstGeom>
+                    <a:noFill/>
+                    <a:ln w="19050">
+                      <a:solidFill>
+                        <a:schemeClr val="tx1"/>
+                      </a:solidFill>
+                    </a:ln>
+                  </p:spPr>
+                  <p:style>
+                    <a:lnRef idx="2">
+                      <a:schemeClr val="accent1">
+                        <a:shade val="50000"/>
+                      </a:schemeClr>
+                    </a:lnRef>
+                    <a:fillRef idx="1">
+                      <a:schemeClr val="accent1"/>
+                    </a:fillRef>
+                    <a:effectRef idx="0">
+                      <a:schemeClr val="accent1"/>
+                    </a:effectRef>
+                    <a:fontRef idx="minor">
+                      <a:schemeClr val="lt1"/>
+                    </a:fontRef>
+                  </p:style>
+                  <p:txBody>
+                    <a:bodyPr rtlCol="0" anchor="ctr"/>
+                    <a:lstStyle/>
+                    <a:p>
+                      <a:pPr algn="ctr"/>
+                      <a:endParaRPr lang="en-NL">
+                        <a:solidFill>
+                          <a:schemeClr val="tx1"/>
+                        </a:solidFill>
+                      </a:endParaRPr>
+                    </a:p>
+                  </p:txBody>
+                </p:sp>
+                <p:sp>
+                  <p:nvSpPr>
+                    <p:cNvPr id="154" name="Rectangle 153">
+                      <a:extLst>
+                        <a:ext uri="{FF2B5EF4-FFF2-40B4-BE49-F238E27FC236}">
+                          <a16:creationId xmlns:a16="http://schemas.microsoft.com/office/drawing/2014/main" id="{58F8C85A-D277-CEA7-61D7-D534A5074F5D}"/>
+                        </a:ext>
+                      </a:extLst>
+                    </p:cNvPr>
+                    <p:cNvSpPr/>
+                    <p:nvPr/>
+                  </p:nvSpPr>
+                  <p:spPr>
+                    <a:xfrm>
+                      <a:off x="5401200" y="2520000"/>
+                      <a:ext cx="360000" cy="360000"/>
+                    </a:xfrm>
+                    <a:prstGeom prst="rect">
+                      <a:avLst/>
+                    </a:prstGeom>
+                    <a:solidFill>
+                      <a:schemeClr val="tx1"/>
+                    </a:solidFill>
+                    <a:ln w="3175">
+                      <a:solidFill>
+                        <a:schemeClr val="tx1"/>
+                      </a:solidFill>
+                    </a:ln>
+                  </p:spPr>
+                  <p:style>
+                    <a:lnRef idx="2">
+                      <a:schemeClr val="accent1">
+                        <a:shade val="50000"/>
+                      </a:schemeClr>
+                    </a:lnRef>
+                    <a:fillRef idx="1">
+                      <a:schemeClr val="accent1"/>
+                    </a:fillRef>
+                    <a:effectRef idx="0">
+                      <a:schemeClr val="accent1"/>
+                    </a:effectRef>
+                    <a:fontRef idx="minor">
+                      <a:schemeClr val="lt1"/>
+                    </a:fontRef>
+                  </p:style>
+                  <p:txBody>
+                    <a:bodyPr rtlCol="0" anchor="ctr"/>
+                    <a:lstStyle/>
+                    <a:p>
+                      <a:pPr algn="ctr"/>
+                      <a:r>
+                        <a:rPr lang="en-US" dirty="0">
+                          <a:solidFill>
+                            <a:schemeClr val="bg1"/>
+                          </a:solidFill>
+                        </a:rPr>
+                        <a:t>1</a:t>
+                      </a:r>
+                      <a:endParaRPr lang="en-NL" dirty="0">
+                        <a:solidFill>
+                          <a:schemeClr val="bg1"/>
+                        </a:solidFill>
+                      </a:endParaRPr>
+                    </a:p>
+                  </p:txBody>
+                </p:sp>
+                <p:sp>
+                  <p:nvSpPr>
+                    <p:cNvPr id="155" name="Rectangle 154">
+                      <a:extLst>
+                        <a:ext uri="{FF2B5EF4-FFF2-40B4-BE49-F238E27FC236}">
+                          <a16:creationId xmlns:a16="http://schemas.microsoft.com/office/drawing/2014/main" id="{C94AB88D-2815-1DCB-29F4-936A97B0574C}"/>
+                        </a:ext>
+                      </a:extLst>
+                    </p:cNvPr>
+                    <p:cNvSpPr/>
+                    <p:nvPr/>
+                  </p:nvSpPr>
+                  <p:spPr>
+                    <a:xfrm>
+                      <a:off x="5041200" y="2520000"/>
+                      <a:ext cx="360000" cy="360000"/>
+                    </a:xfrm>
+                    <a:prstGeom prst="rect">
+                      <a:avLst/>
+                    </a:prstGeom>
+                    <a:noFill/>
+                    <a:ln w="3175">
+                      <a:solidFill>
+                        <a:schemeClr val="tx1"/>
+                      </a:solidFill>
+                    </a:ln>
+                  </p:spPr>
+                  <p:style>
+                    <a:lnRef idx="2">
+                      <a:schemeClr val="accent1">
+                        <a:shade val="50000"/>
+                      </a:schemeClr>
+                    </a:lnRef>
+                    <a:fillRef idx="1">
+                      <a:schemeClr val="accent1"/>
+                    </a:fillRef>
+                    <a:effectRef idx="0">
+                      <a:schemeClr val="accent1"/>
+                    </a:effectRef>
+                    <a:fontRef idx="minor">
+                      <a:schemeClr val="lt1"/>
+                    </a:fontRef>
+                  </p:style>
+                  <p:txBody>
+                    <a:bodyPr rtlCol="0" anchor="ctr"/>
+                    <a:lstStyle/>
+                    <a:p>
+                      <a:pPr algn="ctr"/>
+                      <a:r>
+                        <a:rPr lang="en-US" dirty="0">
+                          <a:solidFill>
+                            <a:schemeClr val="tx1"/>
+                          </a:solidFill>
+                        </a:rPr>
+                        <a:t>0</a:t>
+                      </a:r>
+                      <a:endParaRPr lang="en-NL" dirty="0">
+                        <a:solidFill>
+                          <a:schemeClr val="tx1"/>
+                        </a:solidFill>
+                      </a:endParaRPr>
+                    </a:p>
+                  </p:txBody>
+                </p:sp>
+                <p:sp>
+                  <p:nvSpPr>
+                    <p:cNvPr id="156" name="Rectangle 155">
+                      <a:extLst>
+                        <a:ext uri="{FF2B5EF4-FFF2-40B4-BE49-F238E27FC236}">
+                          <a16:creationId xmlns:a16="http://schemas.microsoft.com/office/drawing/2014/main" id="{611A2A07-4E47-9ECF-115B-7CC842FD2EC6}"/>
+                        </a:ext>
+                      </a:extLst>
+                    </p:cNvPr>
+                    <p:cNvSpPr/>
+                    <p:nvPr/>
+                  </p:nvSpPr>
+                  <p:spPr>
+                    <a:xfrm>
+                      <a:off x="4681200" y="2520000"/>
+                      <a:ext cx="360000" cy="360000"/>
+                    </a:xfrm>
+                    <a:prstGeom prst="rect">
+                      <a:avLst/>
+                    </a:prstGeom>
+                    <a:noFill/>
+                    <a:ln w="3175">
+                      <a:solidFill>
+                        <a:schemeClr val="tx1"/>
+                      </a:solidFill>
+                    </a:ln>
+                  </p:spPr>
+                  <p:style>
+                    <a:lnRef idx="2">
+                      <a:schemeClr val="accent1">
+                        <a:shade val="50000"/>
+                      </a:schemeClr>
+                    </a:lnRef>
+                    <a:fillRef idx="1">
+                      <a:schemeClr val="accent1"/>
+                    </a:fillRef>
+                    <a:effectRef idx="0">
+                      <a:schemeClr val="accent1"/>
+                    </a:effectRef>
+                    <a:fontRef idx="minor">
+                      <a:schemeClr val="lt1"/>
+                    </a:fontRef>
+                  </p:style>
+                  <p:txBody>
+                    <a:bodyPr rtlCol="0" anchor="ctr"/>
+                    <a:lstStyle/>
+                    <a:p>
+                      <a:pPr algn="ctr"/>
+                      <a:r>
+                        <a:rPr lang="en-US" dirty="0">
+                          <a:solidFill>
+                            <a:schemeClr val="tx1"/>
+                          </a:solidFill>
+                        </a:rPr>
+                        <a:t>0</a:t>
+                      </a:r>
+                      <a:endParaRPr lang="en-NL" dirty="0">
+                        <a:solidFill>
+                          <a:schemeClr val="tx1"/>
+                        </a:solidFill>
+                      </a:endParaRPr>
+                    </a:p>
+                  </p:txBody>
+                </p:sp>
+                <p:sp>
+                  <p:nvSpPr>
+                    <p:cNvPr id="157" name="Rectangle 156">
+                      <a:extLst>
+                        <a:ext uri="{FF2B5EF4-FFF2-40B4-BE49-F238E27FC236}">
+                          <a16:creationId xmlns:a16="http://schemas.microsoft.com/office/drawing/2014/main" id="{BB960951-27B5-B7A2-9952-4A711FF2788E}"/>
+                        </a:ext>
+                      </a:extLst>
+                    </p:cNvPr>
+                    <p:cNvSpPr/>
+                    <p:nvPr/>
+                  </p:nvSpPr>
+                  <p:spPr>
+                    <a:xfrm>
+                      <a:off x="4680000" y="2880000"/>
+                      <a:ext cx="360000" cy="360000"/>
+                    </a:xfrm>
+                    <a:prstGeom prst="rect">
+                      <a:avLst/>
+                    </a:prstGeom>
+                    <a:noFill/>
+                    <a:ln w="3175">
+                      <a:solidFill>
+                        <a:schemeClr val="tx1"/>
+                      </a:solidFill>
+                    </a:ln>
+                  </p:spPr>
+                  <p:style>
+                    <a:lnRef idx="2">
+                      <a:schemeClr val="accent1">
+                        <a:shade val="50000"/>
+                      </a:schemeClr>
+                    </a:lnRef>
+                    <a:fillRef idx="1">
+                      <a:schemeClr val="accent1"/>
+                    </a:fillRef>
+                    <a:effectRef idx="0">
+                      <a:schemeClr val="accent1"/>
+                    </a:effectRef>
+                    <a:fontRef idx="minor">
+                      <a:schemeClr val="lt1"/>
+                    </a:fontRef>
+                  </p:style>
+                  <p:txBody>
+                    <a:bodyPr rtlCol="0" anchor="ctr"/>
+                    <a:lstStyle/>
+                    <a:p>
+                      <a:pPr algn="ctr"/>
+                      <a:r>
+                        <a:rPr lang="en-US" dirty="0">
+                          <a:solidFill>
+                            <a:schemeClr val="tx1"/>
+                          </a:solidFill>
+                        </a:rPr>
+                        <a:t>0</a:t>
+                      </a:r>
+                      <a:endParaRPr lang="en-NL" dirty="0">
+                        <a:solidFill>
+                          <a:schemeClr val="tx1"/>
+                        </a:solidFill>
+                      </a:endParaRPr>
+                    </a:p>
+                  </p:txBody>
+                </p:sp>
+                <p:sp>
+                  <p:nvSpPr>
+                    <p:cNvPr id="159" name="Rectangle 158">
+                      <a:extLst>
+                        <a:ext uri="{FF2B5EF4-FFF2-40B4-BE49-F238E27FC236}">
+                          <a16:creationId xmlns:a16="http://schemas.microsoft.com/office/drawing/2014/main" id="{1612CAA6-1317-8316-6088-0E544F460E00}"/>
+                        </a:ext>
+                      </a:extLst>
+                    </p:cNvPr>
+                    <p:cNvSpPr/>
+                    <p:nvPr/>
+                  </p:nvSpPr>
+                  <p:spPr>
+                    <a:xfrm>
+                      <a:off x="4680000" y="3240000"/>
+                      <a:ext cx="360000" cy="360000"/>
+                    </a:xfrm>
+                    <a:prstGeom prst="rect">
+                      <a:avLst/>
+                    </a:prstGeom>
+                    <a:solidFill>
+                      <a:schemeClr val="tx1"/>
+                    </a:solidFill>
+                    <a:ln w="3175">
+                      <a:solidFill>
+                        <a:schemeClr val="tx1"/>
+                      </a:solidFill>
+                    </a:ln>
+                  </p:spPr>
+                  <p:style>
+                    <a:lnRef idx="2">
+                      <a:schemeClr val="accent1">
+                        <a:shade val="50000"/>
+                      </a:schemeClr>
+                    </a:lnRef>
+                    <a:fillRef idx="1">
+                      <a:schemeClr val="accent1"/>
+                    </a:fillRef>
+                    <a:effectRef idx="0">
+                      <a:schemeClr val="accent1"/>
+                    </a:effectRef>
+                    <a:fontRef idx="minor">
+                      <a:schemeClr val="lt1"/>
+                    </a:fontRef>
+                  </p:style>
+                  <p:txBody>
+                    <a:bodyPr rtlCol="0" anchor="ctr"/>
+                    <a:lstStyle/>
+                    <a:p>
+                      <a:pPr algn="ctr"/>
+                      <a:r>
+                        <a:rPr lang="en-US" dirty="0">
+                          <a:solidFill>
+                            <a:schemeClr val="bg1"/>
+                          </a:solidFill>
+                        </a:rPr>
+                        <a:t>1</a:t>
+                      </a:r>
+                      <a:endParaRPr lang="en-NL" dirty="0">
+                        <a:solidFill>
+                          <a:schemeClr val="bg1"/>
+                        </a:solidFill>
+                      </a:endParaRPr>
+                    </a:p>
+                  </p:txBody>
+                </p:sp>
+                <p:sp>
+                  <p:nvSpPr>
+                    <p:cNvPr id="160" name="Rectangle 159">
+                      <a:extLst>
+                        <a:ext uri="{FF2B5EF4-FFF2-40B4-BE49-F238E27FC236}">
+                          <a16:creationId xmlns:a16="http://schemas.microsoft.com/office/drawing/2014/main" id="{6F8D0093-5AAC-9E2F-BCAF-C821A6EB70CE}"/>
+                        </a:ext>
+                      </a:extLst>
+                    </p:cNvPr>
+                    <p:cNvSpPr/>
+                    <p:nvPr/>
+                  </p:nvSpPr>
+                  <p:spPr>
+                    <a:xfrm>
+                      <a:off x="5401200" y="2880000"/>
+                      <a:ext cx="360000" cy="360000"/>
+                    </a:xfrm>
+                    <a:prstGeom prst="rect">
+                      <a:avLst/>
+                    </a:prstGeom>
+                    <a:noFill/>
+                    <a:ln w="3175">
+                      <a:solidFill>
+                        <a:schemeClr val="tx1"/>
+                      </a:solidFill>
+                    </a:ln>
+                  </p:spPr>
+                  <p:style>
+                    <a:lnRef idx="2">
+                      <a:schemeClr val="accent1">
+                        <a:shade val="50000"/>
+                      </a:schemeClr>
+                    </a:lnRef>
+                    <a:fillRef idx="1">
+                      <a:schemeClr val="accent1"/>
+                    </a:fillRef>
+                    <a:effectRef idx="0">
+                      <a:schemeClr val="accent1"/>
+                    </a:effectRef>
+                    <a:fontRef idx="minor">
+                      <a:schemeClr val="lt1"/>
+                    </a:fontRef>
+                  </p:style>
+                  <p:txBody>
+                    <a:bodyPr rtlCol="0" anchor="ctr"/>
+                    <a:lstStyle/>
+                    <a:p>
+                      <a:pPr algn="ctr"/>
+                      <a:r>
+                        <a:rPr lang="en-US" dirty="0">
+                          <a:solidFill>
+                            <a:schemeClr val="tx1"/>
+                          </a:solidFill>
+                        </a:rPr>
+                        <a:t>0</a:t>
+                      </a:r>
+                      <a:endParaRPr lang="en-NL" dirty="0">
+                        <a:solidFill>
+                          <a:schemeClr val="tx1"/>
+                        </a:solidFill>
+                      </a:endParaRPr>
+                    </a:p>
+                  </p:txBody>
+                </p:sp>
+                <p:sp>
+                  <p:nvSpPr>
+                    <p:cNvPr id="161" name="Rectangle 160">
+                      <a:extLst>
+                        <a:ext uri="{FF2B5EF4-FFF2-40B4-BE49-F238E27FC236}">
+                          <a16:creationId xmlns:a16="http://schemas.microsoft.com/office/drawing/2014/main" id="{9AF0FBDD-3C3F-D5C5-F748-69838A497AA1}"/>
+                        </a:ext>
+                      </a:extLst>
+                    </p:cNvPr>
+                    <p:cNvSpPr/>
+                    <p:nvPr/>
+                  </p:nvSpPr>
+                  <p:spPr>
+                    <a:xfrm>
+                      <a:off x="5041200" y="2880000"/>
+                      <a:ext cx="360000" cy="360000"/>
+                    </a:xfrm>
+                    <a:prstGeom prst="rect">
+                      <a:avLst/>
+                    </a:prstGeom>
+                    <a:solidFill>
+                      <a:schemeClr val="tx1"/>
+                    </a:solidFill>
+                    <a:ln w="3175">
+                      <a:solidFill>
+                        <a:schemeClr val="tx1"/>
+                      </a:solidFill>
+                    </a:ln>
+                  </p:spPr>
+                  <p:style>
+                    <a:lnRef idx="2">
+                      <a:schemeClr val="accent1">
+                        <a:shade val="50000"/>
+                      </a:schemeClr>
+                    </a:lnRef>
+                    <a:fillRef idx="1">
+                      <a:schemeClr val="accent1"/>
+                    </a:fillRef>
+                    <a:effectRef idx="0">
+                      <a:schemeClr val="accent1"/>
+                    </a:effectRef>
+                    <a:fontRef idx="minor">
+                      <a:schemeClr val="lt1"/>
+                    </a:fontRef>
+                  </p:style>
+                  <p:txBody>
+                    <a:bodyPr rtlCol="0" anchor="ctr"/>
+                    <a:lstStyle/>
+                    <a:p>
+                      <a:pPr algn="ctr"/>
+                      <a:r>
+                        <a:rPr lang="en-US" dirty="0">
+                          <a:solidFill>
+                            <a:schemeClr val="bg1"/>
+                          </a:solidFill>
+                        </a:rPr>
+                        <a:t>1</a:t>
+                      </a:r>
+                      <a:endParaRPr lang="en-NL" dirty="0">
+                        <a:solidFill>
+                          <a:schemeClr val="bg1"/>
+                        </a:solidFill>
+                      </a:endParaRPr>
+                    </a:p>
+                  </p:txBody>
+                </p:sp>
+                <p:sp>
+                  <p:nvSpPr>
+                    <p:cNvPr id="163" name="Rectangle 162">
+                      <a:extLst>
+                        <a:ext uri="{FF2B5EF4-FFF2-40B4-BE49-F238E27FC236}">
+                          <a16:creationId xmlns:a16="http://schemas.microsoft.com/office/drawing/2014/main" id="{C7EF29F1-9281-A734-8D23-E42DE152C49B}"/>
+                        </a:ext>
+                      </a:extLst>
+                    </p:cNvPr>
+                    <p:cNvSpPr/>
+                    <p:nvPr/>
+                  </p:nvSpPr>
+                  <p:spPr>
+                    <a:xfrm>
+                      <a:off x="5401200" y="3240000"/>
+                      <a:ext cx="360000" cy="360000"/>
+                    </a:xfrm>
+                    <a:prstGeom prst="rect">
+                      <a:avLst/>
+                    </a:prstGeom>
+                    <a:noFill/>
+                    <a:ln w="3175">
+                      <a:solidFill>
+                        <a:schemeClr val="tx1"/>
+                      </a:solidFill>
+                    </a:ln>
+                  </p:spPr>
+                  <p:style>
+                    <a:lnRef idx="2">
+                      <a:schemeClr val="accent1">
+                        <a:shade val="50000"/>
+                      </a:schemeClr>
+                    </a:lnRef>
+                    <a:fillRef idx="1">
+                      <a:schemeClr val="accent1"/>
+                    </a:fillRef>
+                    <a:effectRef idx="0">
+                      <a:schemeClr val="accent1"/>
+                    </a:effectRef>
+                    <a:fontRef idx="minor">
+                      <a:schemeClr val="lt1"/>
+                    </a:fontRef>
+                  </p:style>
+                  <p:txBody>
+                    <a:bodyPr rtlCol="0" anchor="ctr"/>
+                    <a:lstStyle/>
+                    <a:p>
+                      <a:pPr algn="ctr"/>
+                      <a:r>
+                        <a:rPr lang="en-US" dirty="0">
+                          <a:solidFill>
+                            <a:schemeClr val="tx1"/>
+                          </a:solidFill>
+                        </a:rPr>
+                        <a:t>0</a:t>
+                      </a:r>
+                      <a:endParaRPr lang="en-NL" dirty="0">
+                        <a:solidFill>
+                          <a:schemeClr val="tx1"/>
+                        </a:solidFill>
+                      </a:endParaRPr>
+                    </a:p>
+                  </p:txBody>
+                </p:sp>
+                <p:sp>
+                  <p:nvSpPr>
+                    <p:cNvPr id="164" name="Rectangle 163">
+                      <a:extLst>
+                        <a:ext uri="{FF2B5EF4-FFF2-40B4-BE49-F238E27FC236}">
+                          <a16:creationId xmlns:a16="http://schemas.microsoft.com/office/drawing/2014/main" id="{76FA7028-09BF-C10C-F620-5BB75C0CBD71}"/>
+                        </a:ext>
+                      </a:extLst>
+                    </p:cNvPr>
+                    <p:cNvSpPr/>
+                    <p:nvPr/>
+                  </p:nvSpPr>
+                  <p:spPr>
+                    <a:xfrm>
+                      <a:off x="5041200" y="3240000"/>
+                      <a:ext cx="360000" cy="360000"/>
+                    </a:xfrm>
+                    <a:prstGeom prst="rect">
+                      <a:avLst/>
+                    </a:prstGeom>
+                    <a:noFill/>
+                    <a:ln w="3175">
+                      <a:solidFill>
+                        <a:schemeClr val="tx1"/>
+                      </a:solidFill>
+                    </a:ln>
+                  </p:spPr>
+                  <p:style>
+                    <a:lnRef idx="2">
+                      <a:schemeClr val="accent1">
+                        <a:shade val="50000"/>
+                      </a:schemeClr>
+                    </a:lnRef>
+                    <a:fillRef idx="1">
+                      <a:schemeClr val="accent1"/>
+                    </a:fillRef>
+                    <a:effectRef idx="0">
+                      <a:schemeClr val="accent1"/>
+                    </a:effectRef>
+                    <a:fontRef idx="minor">
+                      <a:schemeClr val="lt1"/>
+                    </a:fontRef>
+                  </p:style>
+                  <p:txBody>
+                    <a:bodyPr rtlCol="0" anchor="ctr"/>
+                    <a:lstStyle/>
+                    <a:p>
+                      <a:pPr algn="ctr"/>
+                      <a:r>
+                        <a:rPr lang="en-US" dirty="0">
+                          <a:solidFill>
+                            <a:schemeClr val="tx1"/>
+                          </a:solidFill>
+                        </a:rPr>
+                        <a:t>0</a:t>
+                      </a:r>
+                      <a:endParaRPr lang="en-NL" dirty="0">
+                        <a:solidFill>
+                          <a:schemeClr val="tx1"/>
+                        </a:solidFill>
+                      </a:endParaRPr>
+                    </a:p>
+                  </p:txBody>
+                </p:sp>
+              </p:grpSp>
+              <p:grpSp>
+                <p:nvGrpSpPr>
+                  <p:cNvPr id="229" name="Group 228">
+                    <a:extLst>
+                      <a:ext uri="{FF2B5EF4-FFF2-40B4-BE49-F238E27FC236}">
+                        <a16:creationId xmlns:a16="http://schemas.microsoft.com/office/drawing/2014/main" id="{BF92CD71-FE10-662E-EF32-AA2E04A7258E}"/>
+                      </a:ext>
+                    </a:extLst>
+                  </p:cNvPr>
+                  <p:cNvGrpSpPr/>
+                  <p:nvPr/>
+                </p:nvGrpSpPr>
+                <p:grpSpPr>
+                  <a:xfrm>
+                    <a:off x="2022667" y="184554"/>
+                    <a:ext cx="2162400" cy="2162000"/>
+                    <a:chOff x="1000893" y="389300"/>
+                    <a:chExt cx="2162400" cy="2162000"/>
+                  </a:xfrm>
+                </p:grpSpPr>
+                <p:grpSp>
+                  <p:nvGrpSpPr>
+                    <p:cNvPr id="88" name="Group 87">
+                      <a:extLst>
+                        <a:ext uri="{FF2B5EF4-FFF2-40B4-BE49-F238E27FC236}">
+                          <a16:creationId xmlns:a16="http://schemas.microsoft.com/office/drawing/2014/main" id="{C35BFC58-8403-99DA-06E0-98EFA5EA1772}"/>
+                        </a:ext>
+                      </a:extLst>
+                    </p:cNvPr>
+                    <p:cNvGrpSpPr/>
+                    <p:nvPr/>
+                  </p:nvGrpSpPr>
+                  <p:grpSpPr>
+                    <a:xfrm>
+                      <a:off x="1002093" y="390300"/>
+                      <a:ext cx="2161200" cy="2161000"/>
+                      <a:chOff x="1798800" y="720000"/>
+                      <a:chExt cx="2161200" cy="2161000"/>
+                    </a:xfrm>
+                  </p:grpSpPr>
+                  <p:sp>
+                    <p:nvSpPr>
+                      <p:cNvPr id="36" name="Rectangle 35">
+                        <a:extLst>
+                          <a:ext uri="{FF2B5EF4-FFF2-40B4-BE49-F238E27FC236}">
+                            <a16:creationId xmlns:a16="http://schemas.microsoft.com/office/drawing/2014/main" id="{201EA2C3-EEFC-3AE3-87B9-D0BFDBE6710B}"/>
+                          </a:ext>
+                        </a:extLst>
+                      </p:cNvPr>
+                      <p:cNvSpPr/>
+                      <p:nvPr/>
+                    </p:nvSpPr>
+                    <p:spPr>
+                      <a:xfrm>
+                        <a:off x="1800000" y="720000"/>
+                        <a:ext cx="2160000" cy="2160000"/>
+                      </a:xfrm>
+                      <a:prstGeom prst="rect">
+                        <a:avLst/>
+                      </a:prstGeom>
+                      <a:noFill/>
+                      <a:ln w="19050">
+                        <a:solidFill>
+                          <a:schemeClr val="tx1"/>
+                        </a:solidFill>
+                      </a:ln>
+                    </p:spPr>
+                    <p:style>
+                      <a:lnRef idx="2">
+                        <a:schemeClr val="accent1">
+                          <a:shade val="50000"/>
+                        </a:schemeClr>
+                      </a:lnRef>
+                      <a:fillRef idx="1">
+                        <a:schemeClr val="accent1"/>
+                      </a:fillRef>
+                      <a:effectRef idx="0">
+                        <a:schemeClr val="accent1"/>
+                      </a:effectRef>
+                      <a:fontRef idx="minor">
+                        <a:schemeClr val="lt1"/>
+                      </a:fontRef>
+                    </p:style>
+                    <p:txBody>
+                      <a:bodyPr rtlCol="0" anchor="ctr"/>
+                      <a:lstStyle/>
+                      <a:p>
+                        <a:pPr algn="ctr"/>
+                        <a:endParaRPr lang="en-NL">
+                          <a:solidFill>
+                            <a:schemeClr val="tx1"/>
+                          </a:solidFill>
+                        </a:endParaRPr>
+                      </a:p>
+                    </p:txBody>
+                  </p:sp>
+                  <p:sp>
+                    <p:nvSpPr>
+                      <p:cNvPr id="39" name="Rectangle 38">
+                        <a:extLst>
+                          <a:ext uri="{FF2B5EF4-FFF2-40B4-BE49-F238E27FC236}">
+                            <a16:creationId xmlns:a16="http://schemas.microsoft.com/office/drawing/2014/main" id="{08FC8F6D-9FAD-EC5D-8081-06D5A85B1013}"/>
+                          </a:ext>
+                        </a:extLst>
+                      </p:cNvPr>
+                      <p:cNvSpPr/>
+                      <p:nvPr/>
+                    </p:nvSpPr>
+                    <p:spPr>
+                      <a:xfrm>
+                        <a:off x="3240000" y="720000"/>
+                        <a:ext cx="360000" cy="360000"/>
+                      </a:xfrm>
+                      <a:prstGeom prst="rect">
+                        <a:avLst/>
+                      </a:prstGeom>
+                      <a:noFill/>
+                      <a:ln w="3175">
+                        <a:solidFill>
+                          <a:schemeClr val="tx1"/>
+                        </a:solidFill>
+                      </a:ln>
+                    </p:spPr>
+                    <p:style>
+                      <a:lnRef idx="2">
+                        <a:schemeClr val="accent1">
+                          <a:shade val="50000"/>
+                        </a:schemeClr>
+                      </a:lnRef>
+                      <a:fillRef idx="1">
+                        <a:schemeClr val="accent1"/>
+                      </a:fillRef>
+                      <a:effectRef idx="0">
+                        <a:schemeClr val="accent1"/>
+                      </a:effectRef>
+                      <a:fontRef idx="minor">
+                        <a:schemeClr val="lt1"/>
+                      </a:fontRef>
+                    </p:style>
+                    <p:txBody>
+                      <a:bodyPr rtlCol="0" anchor="ctr"/>
+                      <a:lstStyle/>
+                      <a:p>
+                        <a:pPr algn="ctr"/>
+                        <a:r>
+                          <a:rPr lang="en-US" dirty="0">
+                            <a:solidFill>
+                              <a:schemeClr val="tx1"/>
+                            </a:solidFill>
+                          </a:rPr>
+                          <a:t>0</a:t>
+                        </a:r>
+                        <a:endParaRPr lang="en-NL" dirty="0">
+                          <a:solidFill>
+                            <a:schemeClr val="tx1"/>
+                          </a:solidFill>
+                        </a:endParaRPr>
+                      </a:p>
+                    </p:txBody>
+                  </p:sp>
+                  <p:sp>
+                    <p:nvSpPr>
+                      <p:cNvPr id="47" name="Rectangle 46">
+                        <a:extLst>
+                          <a:ext uri="{FF2B5EF4-FFF2-40B4-BE49-F238E27FC236}">
+                            <a16:creationId xmlns:a16="http://schemas.microsoft.com/office/drawing/2014/main" id="{82A7805D-734B-4C46-2F66-2A9B9F8DC1CB}"/>
+                          </a:ext>
+                        </a:extLst>
+                      </p:cNvPr>
+                      <p:cNvSpPr/>
+                      <p:nvPr/>
+                    </p:nvSpPr>
+                    <p:spPr>
+                      <a:xfrm>
+                        <a:off x="2880000" y="720000"/>
+                        <a:ext cx="360000" cy="360000"/>
+                      </a:xfrm>
+                      <a:prstGeom prst="rect">
+                        <a:avLst/>
+                      </a:prstGeom>
+                      <a:solidFill>
+                        <a:schemeClr val="tx1"/>
+                      </a:solidFill>
+                      <a:ln w="3175">
+                        <a:solidFill>
+                          <a:schemeClr val="tx1"/>
+                        </a:solidFill>
+                      </a:ln>
+                    </p:spPr>
+                    <p:style>
+                      <a:lnRef idx="2">
+                        <a:schemeClr val="accent1">
+                          <a:shade val="50000"/>
+                        </a:schemeClr>
+                      </a:lnRef>
+                      <a:fillRef idx="1">
+                        <a:schemeClr val="accent1"/>
+                      </a:fillRef>
+                      <a:effectRef idx="0">
+                        <a:schemeClr val="accent1"/>
+                      </a:effectRef>
+                      <a:fontRef idx="minor">
+                        <a:schemeClr val="lt1"/>
+                      </a:fontRef>
+                    </p:style>
+                    <p:txBody>
+                      <a:bodyPr rtlCol="0" anchor="ctr"/>
+                      <a:lstStyle/>
+                      <a:p>
+                        <a:pPr algn="ctr"/>
+                        <a:r>
+                          <a:rPr lang="en-US" dirty="0">
+                            <a:solidFill>
+                              <a:schemeClr val="bg1"/>
+                            </a:solidFill>
+                          </a:rPr>
+                          <a:t>1</a:t>
+                        </a:r>
+                        <a:endParaRPr lang="en-NL" dirty="0">
+                          <a:solidFill>
+                            <a:schemeClr val="bg1"/>
+                          </a:solidFill>
+                        </a:endParaRPr>
+                      </a:p>
+                    </p:txBody>
+                  </p:sp>
+                  <p:sp>
+                    <p:nvSpPr>
+                      <p:cNvPr id="48" name="Rectangle 47">
+                        <a:extLst>
+                          <a:ext uri="{FF2B5EF4-FFF2-40B4-BE49-F238E27FC236}">
+                            <a16:creationId xmlns:a16="http://schemas.microsoft.com/office/drawing/2014/main" id="{01D29BBD-8A34-C105-48DC-1375A233024F}"/>
+                          </a:ext>
+                        </a:extLst>
+                      </p:cNvPr>
+                      <p:cNvSpPr/>
+                      <p:nvPr/>
+                    </p:nvSpPr>
+                    <p:spPr>
+                      <a:xfrm>
+                        <a:off x="2520000" y="720000"/>
+                        <a:ext cx="360000" cy="360000"/>
+                      </a:xfrm>
+                      <a:prstGeom prst="rect">
+                        <a:avLst/>
+                      </a:prstGeom>
+                      <a:solidFill>
+                        <a:schemeClr val="tx1"/>
+                      </a:solidFill>
+                      <a:ln w="3175">
+                        <a:solidFill>
+                          <a:schemeClr val="tx1"/>
+                        </a:solidFill>
+                      </a:ln>
+                    </p:spPr>
+                    <p:style>
+                      <a:lnRef idx="2">
+                        <a:schemeClr val="accent1">
+                          <a:shade val="50000"/>
+                        </a:schemeClr>
+                      </a:lnRef>
+                      <a:fillRef idx="1">
+                        <a:schemeClr val="accent1"/>
+                      </a:fillRef>
+                      <a:effectRef idx="0">
+                        <a:schemeClr val="accent1"/>
+                      </a:effectRef>
+                      <a:fontRef idx="minor">
+                        <a:schemeClr val="lt1"/>
+                      </a:fontRef>
+                    </p:style>
+                    <p:txBody>
+                      <a:bodyPr rtlCol="0" anchor="ctr"/>
+                      <a:lstStyle/>
+                      <a:p>
+                        <a:pPr algn="ctr"/>
+                        <a:r>
+                          <a:rPr lang="en-US" dirty="0">
+                            <a:solidFill>
+                              <a:schemeClr val="bg1"/>
+                            </a:solidFill>
+                          </a:rPr>
+                          <a:t>1</a:t>
+                        </a:r>
+                        <a:endParaRPr lang="en-NL" dirty="0">
+                          <a:solidFill>
+                            <a:schemeClr val="bg1"/>
+                          </a:solidFill>
+                        </a:endParaRPr>
+                      </a:p>
+                    </p:txBody>
+                  </p:sp>
+                  <p:sp>
+                    <p:nvSpPr>
+                      <p:cNvPr id="49" name="Rectangle 48">
+                        <a:extLst>
+                          <a:ext uri="{FF2B5EF4-FFF2-40B4-BE49-F238E27FC236}">
+                            <a16:creationId xmlns:a16="http://schemas.microsoft.com/office/drawing/2014/main" id="{1C7A19A5-8C3E-33E8-57FE-7A3D3997C2AF}"/>
+                          </a:ext>
+                        </a:extLst>
+                      </p:cNvPr>
+                      <p:cNvSpPr/>
+                      <p:nvPr/>
+                    </p:nvSpPr>
+                    <p:spPr>
+                      <a:xfrm>
+                        <a:off x="2160000" y="720000"/>
+                        <a:ext cx="360000" cy="360000"/>
+                      </a:xfrm>
+                      <a:prstGeom prst="rect">
+                        <a:avLst/>
+                      </a:prstGeom>
+                      <a:noFill/>
+                      <a:ln w="3175">
+                        <a:solidFill>
+                          <a:schemeClr val="tx1"/>
+                        </a:solidFill>
+                      </a:ln>
+                    </p:spPr>
+                    <p:style>
+                      <a:lnRef idx="2">
+                        <a:schemeClr val="accent1">
+                          <a:shade val="50000"/>
+                        </a:schemeClr>
+                      </a:lnRef>
+                      <a:fillRef idx="1">
+                        <a:schemeClr val="accent1"/>
+                      </a:fillRef>
+                      <a:effectRef idx="0">
+                        <a:schemeClr val="accent1"/>
+                      </a:effectRef>
+                      <a:fontRef idx="minor">
+                        <a:schemeClr val="lt1"/>
+                      </a:fontRef>
+                    </p:style>
+                    <p:txBody>
+                      <a:bodyPr rtlCol="0" anchor="ctr"/>
+                      <a:lstStyle/>
+                      <a:p>
+                        <a:pPr algn="ctr"/>
+                        <a:r>
+                          <a:rPr lang="en-US" dirty="0">
+                            <a:solidFill>
+                              <a:schemeClr val="tx1"/>
+                            </a:solidFill>
+                          </a:rPr>
+                          <a:t>0</a:t>
+                        </a:r>
+                        <a:endParaRPr lang="en-NL" dirty="0">
+                          <a:solidFill>
+                            <a:schemeClr val="tx1"/>
+                          </a:solidFill>
+                        </a:endParaRPr>
+                      </a:p>
+                    </p:txBody>
+                  </p:sp>
+                  <p:sp>
+                    <p:nvSpPr>
+                      <p:cNvPr id="50" name="Rectangle 49">
+                        <a:extLst>
+                          <a:ext uri="{FF2B5EF4-FFF2-40B4-BE49-F238E27FC236}">
+                            <a16:creationId xmlns:a16="http://schemas.microsoft.com/office/drawing/2014/main" id="{F3234E0F-A3E1-A843-9193-4BA0F07F31C8}"/>
+                          </a:ext>
+                        </a:extLst>
+                      </p:cNvPr>
+                      <p:cNvSpPr/>
+                      <p:nvPr/>
+                    </p:nvSpPr>
+                    <p:spPr>
+                      <a:xfrm>
+                        <a:off x="3600000" y="720000"/>
+                        <a:ext cx="360000" cy="360000"/>
+                      </a:xfrm>
+                      <a:prstGeom prst="rect">
+                        <a:avLst/>
+                      </a:prstGeom>
+                      <a:noFill/>
+                      <a:ln w="3175">
+                        <a:solidFill>
+                          <a:schemeClr val="tx1"/>
+                        </a:solidFill>
+                      </a:ln>
+                    </p:spPr>
+                    <p:style>
+                      <a:lnRef idx="2">
+                        <a:schemeClr val="accent1">
+                          <a:shade val="50000"/>
+                        </a:schemeClr>
+                      </a:lnRef>
+                      <a:fillRef idx="1">
+                        <a:schemeClr val="accent1"/>
+                      </a:fillRef>
+                      <a:effectRef idx="0">
+                        <a:schemeClr val="accent1"/>
+                      </a:effectRef>
+                      <a:fontRef idx="minor">
+                        <a:schemeClr val="lt1"/>
+                      </a:fontRef>
+                    </p:style>
+                    <p:txBody>
+                      <a:bodyPr rtlCol="0" anchor="ctr"/>
+                      <a:lstStyle/>
+                      <a:p>
+                        <a:pPr algn="ctr"/>
+                        <a:r>
+                          <a:rPr lang="en-US" dirty="0">
+                            <a:solidFill>
+                              <a:schemeClr val="tx1"/>
+                            </a:solidFill>
+                          </a:rPr>
+                          <a:t>0</a:t>
+                        </a:r>
+                        <a:endParaRPr lang="en-NL" dirty="0">
+                          <a:solidFill>
+                            <a:schemeClr val="tx1"/>
+                          </a:solidFill>
+                        </a:endParaRPr>
+                      </a:p>
+                    </p:txBody>
+                  </p:sp>
+                  <p:sp>
+                    <p:nvSpPr>
+                      <p:cNvPr id="52" name="Rectangle 51">
+                        <a:extLst>
+                          <a:ext uri="{FF2B5EF4-FFF2-40B4-BE49-F238E27FC236}">
+                            <a16:creationId xmlns:a16="http://schemas.microsoft.com/office/drawing/2014/main" id="{09DB07A5-C118-478F-4BF4-B63B8E6AD3AB}"/>
+                          </a:ext>
+                        </a:extLst>
+                      </p:cNvPr>
+                      <p:cNvSpPr/>
+                      <p:nvPr/>
+                    </p:nvSpPr>
+                    <p:spPr>
+                      <a:xfrm>
+                        <a:off x="1800000" y="720000"/>
+                        <a:ext cx="360000" cy="360000"/>
+                      </a:xfrm>
+                      <a:prstGeom prst="rect">
+                        <a:avLst/>
+                      </a:prstGeom>
+                      <a:noFill/>
+                      <a:ln w="3175">
+                        <a:solidFill>
+                          <a:schemeClr val="tx1"/>
+                        </a:solidFill>
+                      </a:ln>
+                    </p:spPr>
+                    <p:style>
+                      <a:lnRef idx="2">
+                        <a:schemeClr val="accent1">
+                          <a:shade val="50000"/>
+                        </a:schemeClr>
+                      </a:lnRef>
+                      <a:fillRef idx="1">
+                        <a:schemeClr val="accent1"/>
+                      </a:fillRef>
+                      <a:effectRef idx="0">
+                        <a:schemeClr val="accent1"/>
+                      </a:effectRef>
+                      <a:fontRef idx="minor">
+                        <a:schemeClr val="lt1"/>
+                      </a:fontRef>
+                    </p:style>
+                    <p:txBody>
+                      <a:bodyPr rtlCol="0" anchor="ctr"/>
+                      <a:lstStyle/>
+                      <a:p>
+                        <a:pPr algn="ctr"/>
+                        <a:r>
+                          <a:rPr lang="en-US" dirty="0">
+                            <a:solidFill>
+                              <a:schemeClr val="tx1"/>
+                            </a:solidFill>
+                          </a:rPr>
+                          <a:t>0</a:t>
+                        </a:r>
+                        <a:endParaRPr lang="en-NL" dirty="0">
+                          <a:solidFill>
+                            <a:schemeClr val="tx1"/>
+                          </a:solidFill>
+                        </a:endParaRPr>
+                      </a:p>
+                    </p:txBody>
+                  </p:sp>
+                  <p:sp>
+                    <p:nvSpPr>
+                      <p:cNvPr id="53" name="Rectangle 52">
+                        <a:extLst>
+                          <a:ext uri="{FF2B5EF4-FFF2-40B4-BE49-F238E27FC236}">
+                            <a16:creationId xmlns:a16="http://schemas.microsoft.com/office/drawing/2014/main" id="{57B23000-952B-5011-10A5-C6F00F58C0DC}"/>
+                          </a:ext>
+                        </a:extLst>
+                      </p:cNvPr>
+                      <p:cNvSpPr/>
+                      <p:nvPr/>
+                    </p:nvSpPr>
+                    <p:spPr>
+                      <a:xfrm>
+                        <a:off x="1798800" y="1080000"/>
+                        <a:ext cx="360000" cy="360000"/>
+                      </a:xfrm>
+                      <a:prstGeom prst="rect">
+                        <a:avLst/>
+                      </a:prstGeom>
+                      <a:noFill/>
+                      <a:ln w="3175">
+                        <a:solidFill>
+                          <a:schemeClr val="tx1"/>
+                        </a:solidFill>
+                      </a:ln>
+                    </p:spPr>
+                    <p:style>
+                      <a:lnRef idx="2">
+                        <a:schemeClr val="accent1">
+                          <a:shade val="50000"/>
+                        </a:schemeClr>
+                      </a:lnRef>
+                      <a:fillRef idx="1">
+                        <a:schemeClr val="accent1"/>
+                      </a:fillRef>
+                      <a:effectRef idx="0">
+                        <a:schemeClr val="accent1"/>
+                      </a:effectRef>
+                      <a:fontRef idx="minor">
+                        <a:schemeClr val="lt1"/>
+                      </a:fontRef>
+                    </p:style>
+                    <p:txBody>
+                      <a:bodyPr rtlCol="0" anchor="ctr"/>
+                      <a:lstStyle/>
+                      <a:p>
+                        <a:pPr algn="ctr"/>
+                        <a:r>
+                          <a:rPr lang="en-US" dirty="0">
+                            <a:solidFill>
+                              <a:schemeClr val="tx1"/>
+                            </a:solidFill>
+                          </a:rPr>
+                          <a:t>0</a:t>
+                        </a:r>
+                        <a:endParaRPr lang="en-NL" dirty="0">
+                          <a:solidFill>
+                            <a:schemeClr val="tx1"/>
+                          </a:solidFill>
+                        </a:endParaRPr>
+                      </a:p>
+                    </p:txBody>
+                  </p:sp>
+                  <p:sp>
+                    <p:nvSpPr>
+                      <p:cNvPr id="55" name="Rectangle 54">
+                        <a:extLst>
+                          <a:ext uri="{FF2B5EF4-FFF2-40B4-BE49-F238E27FC236}">
+                            <a16:creationId xmlns:a16="http://schemas.microsoft.com/office/drawing/2014/main" id="{724506FC-6C50-F3FA-D9A4-BA4B6835ED48}"/>
+                          </a:ext>
+                        </a:extLst>
+                      </p:cNvPr>
+                      <p:cNvSpPr/>
+                      <p:nvPr/>
+                    </p:nvSpPr>
+                    <p:spPr>
+                      <a:xfrm>
+                        <a:off x="1798800" y="1800000"/>
+                        <a:ext cx="360000" cy="360000"/>
+                      </a:xfrm>
+                      <a:prstGeom prst="rect">
+                        <a:avLst/>
+                      </a:prstGeom>
+                      <a:solidFill>
+                        <a:schemeClr val="tx1"/>
+                      </a:solidFill>
+                      <a:ln w="3175">
+                        <a:solidFill>
+                          <a:schemeClr val="tx1"/>
+                        </a:solidFill>
+                      </a:ln>
+                    </p:spPr>
+                    <p:style>
+                      <a:lnRef idx="2">
+                        <a:schemeClr val="accent1">
+                          <a:shade val="50000"/>
+                        </a:schemeClr>
+                      </a:lnRef>
+                      <a:fillRef idx="1">
+                        <a:schemeClr val="accent1"/>
+                      </a:fillRef>
+                      <a:effectRef idx="0">
+                        <a:schemeClr val="accent1"/>
+                      </a:effectRef>
+                      <a:fontRef idx="minor">
+                        <a:schemeClr val="lt1"/>
+                      </a:fontRef>
+                    </p:style>
+                    <p:txBody>
+                      <a:bodyPr rtlCol="0" anchor="ctr"/>
+                      <a:lstStyle/>
+                      <a:p>
+                        <a:pPr algn="ctr"/>
+                        <a:r>
+                          <a:rPr lang="en-US" dirty="0">
+                            <a:solidFill>
+                              <a:schemeClr val="bg1"/>
+                            </a:solidFill>
+                          </a:rPr>
+                          <a:t>1</a:t>
+                        </a:r>
+                        <a:endParaRPr lang="en-NL" dirty="0">
+                          <a:solidFill>
+                            <a:schemeClr val="bg1"/>
+                          </a:solidFill>
+                        </a:endParaRPr>
+                      </a:p>
+                    </p:txBody>
+                  </p:sp>
+                  <p:sp>
+                    <p:nvSpPr>
+                      <p:cNvPr id="56" name="Rectangle 55">
+                        <a:extLst>
+                          <a:ext uri="{FF2B5EF4-FFF2-40B4-BE49-F238E27FC236}">
+                            <a16:creationId xmlns:a16="http://schemas.microsoft.com/office/drawing/2014/main" id="{00D6AC09-F910-3889-0F23-8B228C4DFAE9}"/>
+                          </a:ext>
+                        </a:extLst>
+                      </p:cNvPr>
+                      <p:cNvSpPr/>
+                      <p:nvPr/>
+                    </p:nvSpPr>
+                    <p:spPr>
+                      <a:xfrm>
+                        <a:off x="1798800" y="1440000"/>
+                        <a:ext cx="360000" cy="360000"/>
+                      </a:xfrm>
+                      <a:prstGeom prst="rect">
+                        <a:avLst/>
+                      </a:prstGeom>
+                      <a:solidFill>
+                        <a:schemeClr val="tx1"/>
+                      </a:solidFill>
+                      <a:ln w="3175">
+                        <a:solidFill>
+                          <a:schemeClr val="tx1"/>
+                        </a:solidFill>
+                      </a:ln>
+                    </p:spPr>
+                    <p:style>
+                      <a:lnRef idx="2">
+                        <a:schemeClr val="accent1">
+                          <a:shade val="50000"/>
+                        </a:schemeClr>
+                      </a:lnRef>
+                      <a:fillRef idx="1">
+                        <a:schemeClr val="accent1"/>
+                      </a:fillRef>
+                      <a:effectRef idx="0">
+                        <a:schemeClr val="accent1"/>
+                      </a:effectRef>
+                      <a:fontRef idx="minor">
+                        <a:schemeClr val="lt1"/>
+                      </a:fontRef>
+                    </p:style>
+                    <p:txBody>
+                      <a:bodyPr rtlCol="0" anchor="ctr"/>
+                      <a:lstStyle/>
+                      <a:p>
+                        <a:pPr algn="ctr"/>
+                        <a:r>
+                          <a:rPr lang="en-US" dirty="0">
+                            <a:solidFill>
+                              <a:schemeClr val="bg1"/>
+                            </a:solidFill>
+                          </a:rPr>
+                          <a:t>1</a:t>
+                        </a:r>
+                        <a:endParaRPr lang="en-NL" dirty="0">
+                          <a:solidFill>
+                            <a:schemeClr val="bg1"/>
+                          </a:solidFill>
+                        </a:endParaRPr>
+                      </a:p>
+                    </p:txBody>
+                  </p:sp>
+                  <p:sp>
+                    <p:nvSpPr>
+                      <p:cNvPr id="57" name="Rectangle 56">
+                        <a:extLst>
+                          <a:ext uri="{FF2B5EF4-FFF2-40B4-BE49-F238E27FC236}">
+                            <a16:creationId xmlns:a16="http://schemas.microsoft.com/office/drawing/2014/main" id="{931C034A-CCDC-DAA1-AEFE-225EF0BA4ABD}"/>
+                          </a:ext>
+                        </a:extLst>
+                      </p:cNvPr>
+                      <p:cNvSpPr/>
+                      <p:nvPr/>
+                    </p:nvSpPr>
+                    <p:spPr>
+                      <a:xfrm>
+                        <a:off x="1798800" y="2160000"/>
+                        <a:ext cx="360000" cy="360000"/>
+                      </a:xfrm>
+                      <a:prstGeom prst="rect">
+                        <a:avLst/>
+                      </a:prstGeom>
+                      <a:noFill/>
+                      <a:ln w="3175">
+                        <a:solidFill>
+                          <a:schemeClr val="tx1"/>
+                        </a:solidFill>
+                      </a:ln>
+                    </p:spPr>
+                    <p:style>
+                      <a:lnRef idx="2">
+                        <a:schemeClr val="accent1">
+                          <a:shade val="50000"/>
+                        </a:schemeClr>
+                      </a:lnRef>
+                      <a:fillRef idx="1">
+                        <a:schemeClr val="accent1"/>
+                      </a:fillRef>
+                      <a:effectRef idx="0">
+                        <a:schemeClr val="accent1"/>
+                      </a:effectRef>
+                      <a:fontRef idx="minor">
+                        <a:schemeClr val="lt1"/>
+                      </a:fontRef>
+                    </p:style>
+                    <p:txBody>
+                      <a:bodyPr rtlCol="0" anchor="ctr"/>
+                      <a:lstStyle/>
+                      <a:p>
+                        <a:pPr algn="ctr"/>
+                        <a:r>
+                          <a:rPr lang="en-US" dirty="0">
+                            <a:solidFill>
+                              <a:schemeClr val="tx1"/>
+                            </a:solidFill>
+                          </a:rPr>
+                          <a:t>0</a:t>
+                        </a:r>
+                        <a:endParaRPr lang="en-NL" dirty="0">
+                          <a:solidFill>
+                            <a:schemeClr val="tx1"/>
+                          </a:solidFill>
+                        </a:endParaRPr>
+                      </a:p>
+                    </p:txBody>
+                  </p:sp>
+                  <p:sp>
+                    <p:nvSpPr>
+                      <p:cNvPr id="59" name="Rectangle 58">
+                        <a:extLst>
+                          <a:ext uri="{FF2B5EF4-FFF2-40B4-BE49-F238E27FC236}">
+                            <a16:creationId xmlns:a16="http://schemas.microsoft.com/office/drawing/2014/main" id="{BB9C5AA7-87EE-B5DF-404C-C416FEC58A2B}"/>
+                          </a:ext>
+                        </a:extLst>
+                      </p:cNvPr>
+                      <p:cNvSpPr/>
+                      <p:nvPr/>
+                    </p:nvSpPr>
+                    <p:spPr>
+                      <a:xfrm>
+                        <a:off x="1798800" y="2520000"/>
+                        <a:ext cx="360000" cy="360000"/>
+                      </a:xfrm>
+                      <a:prstGeom prst="rect">
+                        <a:avLst/>
+                      </a:prstGeom>
+                      <a:noFill/>
+                      <a:ln w="3175">
+                        <a:solidFill>
+                          <a:schemeClr val="tx1"/>
+                        </a:solidFill>
+                      </a:ln>
+                    </p:spPr>
+                    <p:style>
+                      <a:lnRef idx="2">
+                        <a:schemeClr val="accent1">
+                          <a:shade val="50000"/>
+                        </a:schemeClr>
+                      </a:lnRef>
+                      <a:fillRef idx="1">
+                        <a:schemeClr val="accent1"/>
+                      </a:fillRef>
+                      <a:effectRef idx="0">
+                        <a:schemeClr val="accent1"/>
+                      </a:effectRef>
+                      <a:fontRef idx="minor">
+                        <a:schemeClr val="lt1"/>
+                      </a:fontRef>
+                    </p:style>
+                    <p:txBody>
+                      <a:bodyPr rtlCol="0" anchor="ctr"/>
+                      <a:lstStyle/>
+                      <a:p>
+                        <a:pPr algn="ctr"/>
+                        <a:r>
+                          <a:rPr lang="en-US" dirty="0">
+                            <a:solidFill>
+                              <a:schemeClr val="tx1"/>
+                            </a:solidFill>
+                          </a:rPr>
+                          <a:t>0</a:t>
+                        </a:r>
+                        <a:endParaRPr lang="en-NL" dirty="0">
+                          <a:solidFill>
+                            <a:schemeClr val="tx1"/>
+                          </a:solidFill>
+                        </a:endParaRPr>
+                      </a:p>
+                    </p:txBody>
+                  </p:sp>
+                  <p:sp>
+                    <p:nvSpPr>
+                      <p:cNvPr id="60" name="Rectangle 59">
+                        <a:extLst>
+                          <a:ext uri="{FF2B5EF4-FFF2-40B4-BE49-F238E27FC236}">
+                            <a16:creationId xmlns:a16="http://schemas.microsoft.com/office/drawing/2014/main" id="{7292DD26-AC94-C372-D91C-B1489CF5043D}"/>
+                          </a:ext>
+                        </a:extLst>
+                      </p:cNvPr>
+                      <p:cNvSpPr/>
+                      <p:nvPr/>
+                    </p:nvSpPr>
+                    <p:spPr>
+                      <a:xfrm>
+                        <a:off x="2520000" y="1080000"/>
+                        <a:ext cx="360000" cy="360000"/>
+                      </a:xfrm>
+                      <a:prstGeom prst="rect">
+                        <a:avLst/>
+                      </a:prstGeom>
+                      <a:noFill/>
+                      <a:ln w="3175">
+                        <a:solidFill>
+                          <a:schemeClr val="tx1"/>
+                        </a:solidFill>
+                      </a:ln>
+                    </p:spPr>
+                    <p:style>
+                      <a:lnRef idx="2">
+                        <a:schemeClr val="accent1">
+                          <a:shade val="50000"/>
+                        </a:schemeClr>
+                      </a:lnRef>
+                      <a:fillRef idx="1">
+                        <a:schemeClr val="accent1"/>
+                      </a:fillRef>
+                      <a:effectRef idx="0">
+                        <a:schemeClr val="accent1"/>
+                      </a:effectRef>
+                      <a:fontRef idx="minor">
+                        <a:schemeClr val="lt1"/>
+                      </a:fontRef>
+                    </p:style>
+                    <p:txBody>
+                      <a:bodyPr rtlCol="0" anchor="ctr"/>
+                      <a:lstStyle/>
+                      <a:p>
+                        <a:pPr algn="ctr"/>
+                        <a:r>
+                          <a:rPr lang="en-US" dirty="0">
+                            <a:solidFill>
+                              <a:schemeClr val="tx1"/>
+                            </a:solidFill>
+                          </a:rPr>
+                          <a:t>0</a:t>
+                        </a:r>
+                        <a:endParaRPr lang="en-NL" dirty="0">
+                          <a:solidFill>
+                            <a:schemeClr val="tx1"/>
+                          </a:solidFill>
+                        </a:endParaRPr>
+                      </a:p>
+                    </p:txBody>
+                  </p:sp>
+                  <p:sp>
+                    <p:nvSpPr>
+                      <p:cNvPr id="61" name="Rectangle 60">
+                        <a:extLst>
+                          <a:ext uri="{FF2B5EF4-FFF2-40B4-BE49-F238E27FC236}">
+                            <a16:creationId xmlns:a16="http://schemas.microsoft.com/office/drawing/2014/main" id="{15183A81-F33B-89FB-FA84-01239F65D8BE}"/>
+                          </a:ext>
+                        </a:extLst>
+                      </p:cNvPr>
+                      <p:cNvSpPr/>
+                      <p:nvPr/>
+                    </p:nvSpPr>
+                    <p:spPr>
+                      <a:xfrm>
+                        <a:off x="2160000" y="1080000"/>
+                        <a:ext cx="360000" cy="360000"/>
+                      </a:xfrm>
+                      <a:prstGeom prst="rect">
+                        <a:avLst/>
+                      </a:prstGeom>
+                      <a:solidFill>
+                        <a:schemeClr val="tx1"/>
+                      </a:solidFill>
+                      <a:ln w="3175">
+                        <a:solidFill>
+                          <a:schemeClr val="tx1"/>
+                        </a:solidFill>
+                      </a:ln>
+                    </p:spPr>
+                    <p:style>
+                      <a:lnRef idx="2">
+                        <a:schemeClr val="accent1">
+                          <a:shade val="50000"/>
+                        </a:schemeClr>
+                      </a:lnRef>
+                      <a:fillRef idx="1">
+                        <a:schemeClr val="accent1"/>
+                      </a:fillRef>
+                      <a:effectRef idx="0">
+                        <a:schemeClr val="accent1"/>
+                      </a:effectRef>
+                      <a:fontRef idx="minor">
+                        <a:schemeClr val="lt1"/>
+                      </a:fontRef>
+                    </p:style>
+                    <p:txBody>
+                      <a:bodyPr rtlCol="0" anchor="ctr"/>
+                      <a:lstStyle/>
+                      <a:p>
+                        <a:pPr algn="ctr"/>
+                        <a:r>
+                          <a:rPr lang="en-US" dirty="0">
+                            <a:solidFill>
+                              <a:schemeClr val="bg1"/>
+                            </a:solidFill>
+                          </a:rPr>
+                          <a:t>1</a:t>
+                        </a:r>
+                        <a:endParaRPr lang="en-NL" dirty="0">
+                          <a:solidFill>
+                            <a:schemeClr val="bg1"/>
+                          </a:solidFill>
+                        </a:endParaRPr>
+                      </a:p>
+                    </p:txBody>
+                  </p:sp>
+                  <p:sp>
+                    <p:nvSpPr>
+                      <p:cNvPr id="62" name="Rectangle 61">
+                        <a:extLst>
+                          <a:ext uri="{FF2B5EF4-FFF2-40B4-BE49-F238E27FC236}">
+                            <a16:creationId xmlns:a16="http://schemas.microsoft.com/office/drawing/2014/main" id="{525DCE4B-3351-4D15-FB92-EF5B8C26A530}"/>
+                          </a:ext>
+                        </a:extLst>
+                      </p:cNvPr>
+                      <p:cNvSpPr/>
+                      <p:nvPr/>
+                    </p:nvSpPr>
+                    <p:spPr>
+                      <a:xfrm>
+                        <a:off x="3598400" y="1440000"/>
+                        <a:ext cx="360000" cy="360000"/>
+                      </a:xfrm>
+                      <a:prstGeom prst="rect">
+                        <a:avLst/>
+                      </a:prstGeom>
+                      <a:solidFill>
+                        <a:schemeClr val="tx1"/>
+                      </a:solidFill>
+                      <a:ln w="3175">
+                        <a:solidFill>
+                          <a:schemeClr val="tx1"/>
+                        </a:solidFill>
+                      </a:ln>
+                    </p:spPr>
+                    <p:style>
+                      <a:lnRef idx="2">
+                        <a:schemeClr val="accent1">
+                          <a:shade val="50000"/>
+                        </a:schemeClr>
+                      </a:lnRef>
+                      <a:fillRef idx="1">
+                        <a:schemeClr val="accent1"/>
+                      </a:fillRef>
+                      <a:effectRef idx="0">
+                        <a:schemeClr val="accent1"/>
+                      </a:effectRef>
+                      <a:fontRef idx="minor">
+                        <a:schemeClr val="lt1"/>
+                      </a:fontRef>
+                    </p:style>
+                    <p:txBody>
+                      <a:bodyPr rtlCol="0" anchor="ctr"/>
+                      <a:lstStyle/>
+                      <a:p>
+                        <a:pPr algn="ctr"/>
+                        <a:r>
+                          <a:rPr lang="en-US" dirty="0">
+                            <a:solidFill>
+                              <a:schemeClr val="bg1"/>
+                            </a:solidFill>
+                          </a:rPr>
+                          <a:t>1</a:t>
+                        </a:r>
+                        <a:endParaRPr lang="en-NL" dirty="0">
+                          <a:solidFill>
+                            <a:schemeClr val="bg1"/>
+                          </a:solidFill>
+                        </a:endParaRPr>
+                      </a:p>
+                    </p:txBody>
+                  </p:sp>
+                  <p:sp>
+                    <p:nvSpPr>
+                      <p:cNvPr id="65" name="Rectangle 64">
+                        <a:extLst>
+                          <a:ext uri="{FF2B5EF4-FFF2-40B4-BE49-F238E27FC236}">
+                            <a16:creationId xmlns:a16="http://schemas.microsoft.com/office/drawing/2014/main" id="{9BFEACF8-27B0-705F-94E7-2F0FB8D7E23B}"/>
+                          </a:ext>
+                        </a:extLst>
+                      </p:cNvPr>
+                      <p:cNvSpPr/>
+                      <p:nvPr/>
+                    </p:nvSpPr>
+                    <p:spPr>
+                      <a:xfrm>
+                        <a:off x="3240000" y="1440000"/>
+                        <a:ext cx="360000" cy="360000"/>
+                      </a:xfrm>
+                      <a:prstGeom prst="rect">
+                        <a:avLst/>
+                      </a:prstGeom>
+                      <a:noFill/>
+                      <a:ln w="3175">
+                        <a:solidFill>
+                          <a:schemeClr val="tx1"/>
+                        </a:solidFill>
+                      </a:ln>
+                    </p:spPr>
+                    <p:style>
+                      <a:lnRef idx="2">
+                        <a:schemeClr val="accent1">
+                          <a:shade val="50000"/>
+                        </a:schemeClr>
+                      </a:lnRef>
+                      <a:fillRef idx="1">
+                        <a:schemeClr val="accent1"/>
+                      </a:fillRef>
+                      <a:effectRef idx="0">
+                        <a:schemeClr val="accent1"/>
+                      </a:effectRef>
+                      <a:fontRef idx="minor">
+                        <a:schemeClr val="lt1"/>
+                      </a:fontRef>
+                    </p:style>
+                    <p:txBody>
+                      <a:bodyPr rtlCol="0" anchor="ctr"/>
+                      <a:lstStyle/>
+                      <a:p>
+                        <a:pPr algn="ctr"/>
+                        <a:r>
+                          <a:rPr lang="en-US" dirty="0">
+                            <a:solidFill>
+                              <a:schemeClr val="tx1"/>
+                            </a:solidFill>
+                          </a:rPr>
+                          <a:t>0</a:t>
+                        </a:r>
+                        <a:endParaRPr lang="en-NL" dirty="0">
+                          <a:solidFill>
+                            <a:schemeClr val="tx1"/>
+                          </a:solidFill>
+                        </a:endParaRPr>
+                      </a:p>
+                    </p:txBody>
+                  </p:sp>
+                  <p:sp>
+                    <p:nvSpPr>
+                      <p:cNvPr id="66" name="Rectangle 65">
+                        <a:extLst>
+                          <a:ext uri="{FF2B5EF4-FFF2-40B4-BE49-F238E27FC236}">
+                            <a16:creationId xmlns:a16="http://schemas.microsoft.com/office/drawing/2014/main" id="{FDB941B0-3A77-B062-F90F-B4022FF87EB6}"/>
+                          </a:ext>
+                        </a:extLst>
+                      </p:cNvPr>
+                      <p:cNvSpPr/>
+                      <p:nvPr/>
+                    </p:nvSpPr>
+                    <p:spPr>
+                      <a:xfrm>
+                        <a:off x="2879200" y="1440000"/>
+                        <a:ext cx="360000" cy="360000"/>
+                      </a:xfrm>
+                      <a:prstGeom prst="rect">
+                        <a:avLst/>
+                      </a:prstGeom>
+                      <a:noFill/>
+                      <a:ln w="3175">
+                        <a:solidFill>
+                          <a:schemeClr val="tx1"/>
+                        </a:solidFill>
+                      </a:ln>
+                    </p:spPr>
+                    <p:style>
+                      <a:lnRef idx="2">
+                        <a:schemeClr val="accent1">
+                          <a:shade val="50000"/>
+                        </a:schemeClr>
+                      </a:lnRef>
+                      <a:fillRef idx="1">
+                        <a:schemeClr val="accent1"/>
+                      </a:fillRef>
+                      <a:effectRef idx="0">
+                        <a:schemeClr val="accent1"/>
+                      </a:effectRef>
+                      <a:fontRef idx="minor">
+                        <a:schemeClr val="lt1"/>
+                      </a:fontRef>
+                    </p:style>
+                    <p:txBody>
+                      <a:bodyPr rtlCol="0" anchor="ctr"/>
+                      <a:lstStyle/>
+                      <a:p>
+                        <a:pPr algn="ctr"/>
+                        <a:r>
+                          <a:rPr lang="en-US" dirty="0">
+                            <a:solidFill>
+                              <a:schemeClr val="tx1"/>
+                            </a:solidFill>
+                          </a:rPr>
+                          <a:t>0</a:t>
+                        </a:r>
+                        <a:endParaRPr lang="en-NL" dirty="0">
+                          <a:solidFill>
+                            <a:schemeClr val="tx1"/>
+                          </a:solidFill>
+                        </a:endParaRPr>
+                      </a:p>
+                    </p:txBody>
+                  </p:sp>
+                  <p:sp>
+                    <p:nvSpPr>
+                      <p:cNvPr id="67" name="Rectangle 66">
+                        <a:extLst>
+                          <a:ext uri="{FF2B5EF4-FFF2-40B4-BE49-F238E27FC236}">
+                            <a16:creationId xmlns:a16="http://schemas.microsoft.com/office/drawing/2014/main" id="{EAF70EBB-7359-71CD-A1DC-0C0EDC43297E}"/>
+                          </a:ext>
+                        </a:extLst>
+                      </p:cNvPr>
+                      <p:cNvSpPr/>
+                      <p:nvPr/>
+                    </p:nvSpPr>
+                    <p:spPr>
+                      <a:xfrm>
+                        <a:off x="2520000" y="1440000"/>
+                        <a:ext cx="360000" cy="360000"/>
+                      </a:xfrm>
+                      <a:prstGeom prst="rect">
+                        <a:avLst/>
+                      </a:prstGeom>
+                      <a:noFill/>
+                      <a:ln w="3175">
+                        <a:solidFill>
+                          <a:schemeClr val="tx1"/>
+                        </a:solidFill>
+                      </a:ln>
+                    </p:spPr>
+                    <p:style>
+                      <a:lnRef idx="2">
+                        <a:schemeClr val="accent1">
+                          <a:shade val="50000"/>
+                        </a:schemeClr>
+                      </a:lnRef>
+                      <a:fillRef idx="1">
+                        <a:schemeClr val="accent1"/>
+                      </a:fillRef>
+                      <a:effectRef idx="0">
+                        <a:schemeClr val="accent1"/>
+                      </a:effectRef>
+                      <a:fontRef idx="minor">
+                        <a:schemeClr val="lt1"/>
+                      </a:fontRef>
+                    </p:style>
+                    <p:txBody>
+                      <a:bodyPr rtlCol="0" anchor="ctr"/>
+                      <a:lstStyle/>
+                      <a:p>
+                        <a:pPr algn="ctr"/>
+                        <a:r>
+                          <a:rPr lang="en-US" dirty="0">
+                            <a:solidFill>
+                              <a:schemeClr val="tx1"/>
+                            </a:solidFill>
+                          </a:rPr>
+                          <a:t>0</a:t>
+                        </a:r>
+                        <a:endParaRPr lang="en-NL" dirty="0">
+                          <a:solidFill>
+                            <a:schemeClr val="tx1"/>
+                          </a:solidFill>
+                        </a:endParaRPr>
+                      </a:p>
+                    </p:txBody>
+                  </p:sp>
+                  <p:sp>
+                    <p:nvSpPr>
+                      <p:cNvPr id="68" name="Rectangle 67">
+                        <a:extLst>
+                          <a:ext uri="{FF2B5EF4-FFF2-40B4-BE49-F238E27FC236}">
+                            <a16:creationId xmlns:a16="http://schemas.microsoft.com/office/drawing/2014/main" id="{4CF32F79-FB0F-87DB-B8A0-6EE3B3652F26}"/>
+                          </a:ext>
+                        </a:extLst>
+                      </p:cNvPr>
+                      <p:cNvSpPr/>
+                      <p:nvPr/>
+                    </p:nvSpPr>
+                    <p:spPr>
+                      <a:xfrm>
+                        <a:off x="2160000" y="1440000"/>
+                        <a:ext cx="360000" cy="360000"/>
+                      </a:xfrm>
+                      <a:prstGeom prst="rect">
+                        <a:avLst/>
+                      </a:prstGeom>
+                      <a:noFill/>
+                      <a:ln w="3175">
+                        <a:solidFill>
+                          <a:schemeClr val="tx1"/>
+                        </a:solidFill>
+                      </a:ln>
+                    </p:spPr>
+                    <p:style>
+                      <a:lnRef idx="2">
+                        <a:schemeClr val="accent1">
+                          <a:shade val="50000"/>
+                        </a:schemeClr>
+                      </a:lnRef>
+                      <a:fillRef idx="1">
+                        <a:schemeClr val="accent1"/>
+                      </a:fillRef>
+                      <a:effectRef idx="0">
+                        <a:schemeClr val="accent1"/>
+                      </a:effectRef>
+                      <a:fontRef idx="minor">
+                        <a:schemeClr val="lt1"/>
+                      </a:fontRef>
+                    </p:style>
+                    <p:txBody>
+                      <a:bodyPr rtlCol="0" anchor="ctr"/>
+                      <a:lstStyle/>
+                      <a:p>
+                        <a:pPr algn="ctr"/>
+                        <a:r>
+                          <a:rPr lang="en-US" dirty="0">
+                            <a:solidFill>
+                              <a:schemeClr val="tx1"/>
+                            </a:solidFill>
+                          </a:rPr>
+                          <a:t>0</a:t>
+                        </a:r>
+                        <a:endParaRPr lang="en-NL" dirty="0">
+                          <a:solidFill>
+                            <a:schemeClr val="tx1"/>
+                          </a:solidFill>
+                        </a:endParaRPr>
+                      </a:p>
+                    </p:txBody>
+                  </p:sp>
+                  <p:sp>
+                    <p:nvSpPr>
+                      <p:cNvPr id="69" name="Rectangle 68">
+                        <a:extLst>
+                          <a:ext uri="{FF2B5EF4-FFF2-40B4-BE49-F238E27FC236}">
+                            <a16:creationId xmlns:a16="http://schemas.microsoft.com/office/drawing/2014/main" id="{771962EE-CFDF-D9DF-FAAB-61DA9932DC12}"/>
+                          </a:ext>
+                        </a:extLst>
+                      </p:cNvPr>
+                      <p:cNvSpPr/>
+                      <p:nvPr/>
+                    </p:nvSpPr>
+                    <p:spPr>
+                      <a:xfrm>
+                        <a:off x="3600000" y="1080000"/>
+                        <a:ext cx="360000" cy="360000"/>
+                      </a:xfrm>
+                      <a:prstGeom prst="rect">
+                        <a:avLst/>
+                      </a:prstGeom>
+                      <a:noFill/>
+                      <a:ln w="3175">
+                        <a:solidFill>
+                          <a:schemeClr val="tx1"/>
+                        </a:solidFill>
+                      </a:ln>
+                    </p:spPr>
+                    <p:style>
+                      <a:lnRef idx="2">
+                        <a:schemeClr val="accent1">
+                          <a:shade val="50000"/>
+                        </a:schemeClr>
+                      </a:lnRef>
+                      <a:fillRef idx="1">
+                        <a:schemeClr val="accent1"/>
+                      </a:fillRef>
+                      <a:effectRef idx="0">
+                        <a:schemeClr val="accent1"/>
+                      </a:effectRef>
+                      <a:fontRef idx="minor">
+                        <a:schemeClr val="lt1"/>
+                      </a:fontRef>
+                    </p:style>
+                    <p:txBody>
+                      <a:bodyPr rtlCol="0" anchor="ctr"/>
+                      <a:lstStyle/>
+                      <a:p>
+                        <a:pPr algn="ctr"/>
+                        <a:r>
+                          <a:rPr lang="en-US" dirty="0">
+                            <a:solidFill>
+                              <a:schemeClr val="tx1"/>
+                            </a:solidFill>
+                          </a:rPr>
+                          <a:t>0</a:t>
+                        </a:r>
+                        <a:endParaRPr lang="en-NL" dirty="0">
+                          <a:solidFill>
+                            <a:schemeClr val="tx1"/>
+                          </a:solidFill>
+                        </a:endParaRPr>
+                      </a:p>
+                    </p:txBody>
+                  </p:sp>
+                  <p:sp>
+                    <p:nvSpPr>
+                      <p:cNvPr id="70" name="Rectangle 69">
+                        <a:extLst>
+                          <a:ext uri="{FF2B5EF4-FFF2-40B4-BE49-F238E27FC236}">
+                            <a16:creationId xmlns:a16="http://schemas.microsoft.com/office/drawing/2014/main" id="{9990C16E-36AC-6483-7F92-125C89B8A758}"/>
+                          </a:ext>
+                        </a:extLst>
+                      </p:cNvPr>
+                      <p:cNvSpPr/>
+                      <p:nvPr/>
+                    </p:nvSpPr>
+                    <p:spPr>
+                      <a:xfrm>
+                        <a:off x="2879200" y="1080000"/>
+                        <a:ext cx="360000" cy="360000"/>
+                      </a:xfrm>
+                      <a:prstGeom prst="rect">
+                        <a:avLst/>
+                      </a:prstGeom>
+                      <a:noFill/>
+                      <a:ln w="3175">
+                        <a:solidFill>
+                          <a:schemeClr val="tx1"/>
+                        </a:solidFill>
+                      </a:ln>
+                    </p:spPr>
+                    <p:style>
+                      <a:lnRef idx="2">
+                        <a:schemeClr val="accent1">
+                          <a:shade val="50000"/>
+                        </a:schemeClr>
+                      </a:lnRef>
+                      <a:fillRef idx="1">
+                        <a:schemeClr val="accent1"/>
+                      </a:fillRef>
+                      <a:effectRef idx="0">
+                        <a:schemeClr val="accent1"/>
+                      </a:effectRef>
+                      <a:fontRef idx="minor">
+                        <a:schemeClr val="lt1"/>
+                      </a:fontRef>
+                    </p:style>
+                    <p:txBody>
+                      <a:bodyPr rtlCol="0" anchor="ctr"/>
+                      <a:lstStyle/>
+                      <a:p>
+                        <a:pPr algn="ctr"/>
+                        <a:r>
+                          <a:rPr lang="en-US" dirty="0">
+                            <a:solidFill>
+                              <a:schemeClr val="tx1"/>
+                            </a:solidFill>
+                          </a:rPr>
+                          <a:t>0</a:t>
+                        </a:r>
+                        <a:endParaRPr lang="en-NL" dirty="0">
+                          <a:solidFill>
+                            <a:schemeClr val="tx1"/>
+                          </a:solidFill>
+                        </a:endParaRPr>
+                      </a:p>
+                    </p:txBody>
+                  </p:sp>
+                  <p:sp>
+                    <p:nvSpPr>
+                      <p:cNvPr id="71" name="Rectangle 70">
+                        <a:extLst>
+                          <a:ext uri="{FF2B5EF4-FFF2-40B4-BE49-F238E27FC236}">
+                            <a16:creationId xmlns:a16="http://schemas.microsoft.com/office/drawing/2014/main" id="{BE6FD6BE-2C53-9A7E-1C8D-117140322165}"/>
+                          </a:ext>
+                        </a:extLst>
+                      </p:cNvPr>
+                      <p:cNvSpPr/>
+                      <p:nvPr/>
+                    </p:nvSpPr>
+                    <p:spPr>
+                      <a:xfrm>
+                        <a:off x="3239600" y="1080000"/>
+                        <a:ext cx="360000" cy="360000"/>
+                      </a:xfrm>
+                      <a:prstGeom prst="rect">
+                        <a:avLst/>
+                      </a:prstGeom>
+                      <a:solidFill>
+                        <a:schemeClr val="tx1"/>
+                      </a:solidFill>
+                      <a:ln w="3175">
+                        <a:solidFill>
+                          <a:schemeClr val="tx1"/>
+                        </a:solidFill>
+                      </a:ln>
+                    </p:spPr>
+                    <p:style>
+                      <a:lnRef idx="2">
+                        <a:schemeClr val="accent1">
+                          <a:shade val="50000"/>
+                        </a:schemeClr>
+                      </a:lnRef>
+                      <a:fillRef idx="1">
+                        <a:schemeClr val="accent1"/>
+                      </a:fillRef>
+                      <a:effectRef idx="0">
+                        <a:schemeClr val="accent1"/>
+                      </a:effectRef>
+                      <a:fontRef idx="minor">
+                        <a:schemeClr val="lt1"/>
+                      </a:fontRef>
+                    </p:style>
+                    <p:txBody>
+                      <a:bodyPr rtlCol="0" anchor="ctr"/>
+                      <a:lstStyle/>
+                      <a:p>
+                        <a:pPr algn="ctr"/>
+                        <a:r>
+                          <a:rPr lang="en-US" dirty="0">
+                            <a:solidFill>
+                              <a:schemeClr val="bg1"/>
+                            </a:solidFill>
+                          </a:rPr>
+                          <a:t>1</a:t>
+                        </a:r>
+                        <a:endParaRPr lang="en-NL" dirty="0">
+                          <a:solidFill>
+                            <a:schemeClr val="bg1"/>
+                          </a:solidFill>
+                        </a:endParaRPr>
+                      </a:p>
+                    </p:txBody>
+                  </p:sp>
+                  <p:sp>
+                    <p:nvSpPr>
+                      <p:cNvPr id="73" name="Rectangle 72">
+                        <a:extLst>
+                          <a:ext uri="{FF2B5EF4-FFF2-40B4-BE49-F238E27FC236}">
+                            <a16:creationId xmlns:a16="http://schemas.microsoft.com/office/drawing/2014/main" id="{24E9C45F-E8E8-1030-7816-7FC7DFFBE7AB}"/>
+                          </a:ext>
+                        </a:extLst>
+                      </p:cNvPr>
+                      <p:cNvSpPr/>
+                      <p:nvPr/>
+                    </p:nvSpPr>
+                    <p:spPr>
+                      <a:xfrm>
+                        <a:off x="3598400" y="2521000"/>
+                        <a:ext cx="360000" cy="360000"/>
+                      </a:xfrm>
+                      <a:prstGeom prst="rect">
+                        <a:avLst/>
+                      </a:prstGeom>
+                      <a:noFill/>
+                      <a:ln w="3175">
+                        <a:solidFill>
+                          <a:schemeClr val="tx1"/>
+                        </a:solidFill>
+                      </a:ln>
+                    </p:spPr>
+                    <p:style>
+                      <a:lnRef idx="2">
+                        <a:schemeClr val="accent1">
+                          <a:shade val="50000"/>
+                        </a:schemeClr>
+                      </a:lnRef>
+                      <a:fillRef idx="1">
+                        <a:schemeClr val="accent1"/>
+                      </a:fillRef>
+                      <a:effectRef idx="0">
+                        <a:schemeClr val="accent1"/>
+                      </a:effectRef>
+                      <a:fontRef idx="minor">
+                        <a:schemeClr val="lt1"/>
+                      </a:fontRef>
+                    </p:style>
+                    <p:txBody>
+                      <a:bodyPr rtlCol="0" anchor="ctr"/>
+                      <a:lstStyle/>
+                      <a:p>
+                        <a:pPr algn="ctr"/>
+                        <a:r>
+                          <a:rPr lang="en-US" dirty="0">
+                            <a:solidFill>
+                              <a:schemeClr val="tx1"/>
+                            </a:solidFill>
+                          </a:rPr>
+                          <a:t>0</a:t>
+                        </a:r>
+                        <a:endParaRPr lang="en-NL" dirty="0">
+                          <a:solidFill>
+                            <a:schemeClr val="tx1"/>
+                          </a:solidFill>
+                        </a:endParaRPr>
+                      </a:p>
+                    </p:txBody>
+                  </p:sp>
+                  <p:sp>
+                    <p:nvSpPr>
+                      <p:cNvPr id="74" name="Rectangle 73">
+                        <a:extLst>
+                          <a:ext uri="{FF2B5EF4-FFF2-40B4-BE49-F238E27FC236}">
+                            <a16:creationId xmlns:a16="http://schemas.microsoft.com/office/drawing/2014/main" id="{FD757B5A-7AD7-0B8F-CC06-832955BA19A8}"/>
+                          </a:ext>
+                        </a:extLst>
+                      </p:cNvPr>
+                      <p:cNvSpPr/>
+                      <p:nvPr/>
+                    </p:nvSpPr>
+                    <p:spPr>
+                      <a:xfrm>
+                        <a:off x="2160000" y="2160000"/>
+                        <a:ext cx="360000" cy="360000"/>
+                      </a:xfrm>
+                      <a:prstGeom prst="rect">
+                        <a:avLst/>
+                      </a:prstGeom>
+                      <a:solidFill>
+                        <a:schemeClr val="tx1"/>
+                      </a:solidFill>
+                      <a:ln w="3175">
+                        <a:solidFill>
+                          <a:schemeClr val="tx1"/>
+                        </a:solidFill>
+                      </a:ln>
+                    </p:spPr>
+                    <p:style>
+                      <a:lnRef idx="2">
+                        <a:schemeClr val="accent1">
+                          <a:shade val="50000"/>
+                        </a:schemeClr>
+                      </a:lnRef>
+                      <a:fillRef idx="1">
+                        <a:schemeClr val="accent1"/>
+                      </a:fillRef>
+                      <a:effectRef idx="0">
+                        <a:schemeClr val="accent1"/>
+                      </a:effectRef>
+                      <a:fontRef idx="minor">
+                        <a:schemeClr val="lt1"/>
+                      </a:fontRef>
+                    </p:style>
+                    <p:txBody>
+                      <a:bodyPr rtlCol="0" anchor="ctr"/>
+                      <a:lstStyle/>
+                      <a:p>
+                        <a:pPr algn="ctr"/>
+                        <a:r>
+                          <a:rPr lang="en-US" dirty="0">
+                            <a:solidFill>
+                              <a:schemeClr val="bg1"/>
+                            </a:solidFill>
+                          </a:rPr>
+                          <a:t>1</a:t>
+                        </a:r>
+                        <a:endParaRPr lang="en-NL" dirty="0">
+                          <a:solidFill>
+                            <a:schemeClr val="bg1"/>
+                          </a:solidFill>
+                        </a:endParaRPr>
+                      </a:p>
+                    </p:txBody>
+                  </p:sp>
+                  <p:sp>
+                    <p:nvSpPr>
+                      <p:cNvPr id="75" name="Rectangle 74">
+                        <a:extLst>
+                          <a:ext uri="{FF2B5EF4-FFF2-40B4-BE49-F238E27FC236}">
+                            <a16:creationId xmlns:a16="http://schemas.microsoft.com/office/drawing/2014/main" id="{01C0EA25-F69F-9394-132A-8B7170065DC6}"/>
+                          </a:ext>
+                        </a:extLst>
+                      </p:cNvPr>
+                      <p:cNvSpPr/>
+                      <p:nvPr/>
+                    </p:nvSpPr>
+                    <p:spPr>
+                      <a:xfrm>
+                        <a:off x="2159000" y="1800000"/>
+                        <a:ext cx="360000" cy="360000"/>
+                      </a:xfrm>
+                      <a:prstGeom prst="rect">
+                        <a:avLst/>
+                      </a:prstGeom>
+                      <a:noFill/>
+                      <a:ln w="3175">
+                        <a:solidFill>
+                          <a:schemeClr val="tx1"/>
+                        </a:solidFill>
+                      </a:ln>
+                    </p:spPr>
+                    <p:style>
+                      <a:lnRef idx="2">
+                        <a:schemeClr val="accent1">
+                          <a:shade val="50000"/>
+                        </a:schemeClr>
+                      </a:lnRef>
+                      <a:fillRef idx="1">
+                        <a:schemeClr val="accent1"/>
+                      </a:fillRef>
+                      <a:effectRef idx="0">
+                        <a:schemeClr val="accent1"/>
+                      </a:effectRef>
+                      <a:fontRef idx="minor">
+                        <a:schemeClr val="lt1"/>
+                      </a:fontRef>
+                    </p:style>
+                    <p:txBody>
+                      <a:bodyPr rtlCol="0" anchor="ctr"/>
+                      <a:lstStyle/>
+                      <a:p>
+                        <a:pPr algn="ctr"/>
+                        <a:r>
+                          <a:rPr lang="en-US" dirty="0">
+                            <a:solidFill>
+                              <a:schemeClr val="tx1"/>
+                            </a:solidFill>
+                          </a:rPr>
+                          <a:t>0</a:t>
+                        </a:r>
+                        <a:endParaRPr lang="en-NL" dirty="0">
+                          <a:solidFill>
+                            <a:schemeClr val="tx1"/>
+                          </a:solidFill>
+                        </a:endParaRPr>
+                      </a:p>
+                    </p:txBody>
+                  </p:sp>
+                  <p:sp>
+                    <p:nvSpPr>
+                      <p:cNvPr id="76" name="Rectangle 75">
+                        <a:extLst>
+                          <a:ext uri="{FF2B5EF4-FFF2-40B4-BE49-F238E27FC236}">
+                            <a16:creationId xmlns:a16="http://schemas.microsoft.com/office/drawing/2014/main" id="{2A01DA34-5B3C-3954-7B47-650BA5115161}"/>
+                          </a:ext>
+                        </a:extLst>
+                      </p:cNvPr>
+                      <p:cNvSpPr/>
+                      <p:nvPr/>
+                    </p:nvSpPr>
+                    <p:spPr>
+                      <a:xfrm>
+                        <a:off x="2160000" y="2520000"/>
+                        <a:ext cx="360000" cy="360000"/>
+                      </a:xfrm>
+                      <a:prstGeom prst="rect">
+                        <a:avLst/>
+                      </a:prstGeom>
+                      <a:noFill/>
+                      <a:ln w="3175">
+                        <a:solidFill>
+                          <a:schemeClr val="tx1"/>
+                        </a:solidFill>
+                      </a:ln>
+                    </p:spPr>
+                    <p:style>
+                      <a:lnRef idx="2">
+                        <a:schemeClr val="accent1">
+                          <a:shade val="50000"/>
+                        </a:schemeClr>
+                      </a:lnRef>
+                      <a:fillRef idx="1">
+                        <a:schemeClr val="accent1"/>
+                      </a:fillRef>
+                      <a:effectRef idx="0">
+                        <a:schemeClr val="accent1"/>
+                      </a:effectRef>
+                      <a:fontRef idx="minor">
+                        <a:schemeClr val="lt1"/>
+                      </a:fontRef>
+                    </p:style>
+                    <p:txBody>
+                      <a:bodyPr rtlCol="0" anchor="ctr"/>
+                      <a:lstStyle/>
+                      <a:p>
+                        <a:pPr algn="ctr"/>
+                        <a:r>
+                          <a:rPr lang="en-US" dirty="0">
+                            <a:solidFill>
+                              <a:schemeClr val="tx1"/>
+                            </a:solidFill>
+                          </a:rPr>
+                          <a:t>0</a:t>
+                        </a:r>
+                        <a:endParaRPr lang="en-NL" dirty="0">
+                          <a:solidFill>
+                            <a:schemeClr val="tx1"/>
+                          </a:solidFill>
+                        </a:endParaRPr>
+                      </a:p>
+                    </p:txBody>
+                  </p:sp>
+                  <p:sp>
+                    <p:nvSpPr>
+                      <p:cNvPr id="77" name="Rectangle 76">
+                        <a:extLst>
+                          <a:ext uri="{FF2B5EF4-FFF2-40B4-BE49-F238E27FC236}">
+                            <a16:creationId xmlns:a16="http://schemas.microsoft.com/office/drawing/2014/main" id="{0A065BDB-3E5C-1C27-745E-A977FD6B78F0}"/>
+                          </a:ext>
+                        </a:extLst>
+                      </p:cNvPr>
+                      <p:cNvSpPr/>
+                      <p:nvPr/>
+                    </p:nvSpPr>
+                    <p:spPr>
+                      <a:xfrm>
+                        <a:off x="3600000" y="2160000"/>
+                        <a:ext cx="360000" cy="360000"/>
+                      </a:xfrm>
+                      <a:prstGeom prst="rect">
+                        <a:avLst/>
+                      </a:prstGeom>
+                      <a:noFill/>
+                      <a:ln w="3175">
+                        <a:solidFill>
+                          <a:schemeClr val="tx1"/>
+                        </a:solidFill>
+                      </a:ln>
+                    </p:spPr>
+                    <p:style>
+                      <a:lnRef idx="2">
+                        <a:schemeClr val="accent1">
+                          <a:shade val="50000"/>
+                        </a:schemeClr>
+                      </a:lnRef>
+                      <a:fillRef idx="1">
+                        <a:schemeClr val="accent1"/>
+                      </a:fillRef>
+                      <a:effectRef idx="0">
+                        <a:schemeClr val="accent1"/>
+                      </a:effectRef>
+                      <a:fontRef idx="minor">
+                        <a:schemeClr val="lt1"/>
+                      </a:fontRef>
+                    </p:style>
+                    <p:txBody>
+                      <a:bodyPr rtlCol="0" anchor="ctr"/>
+                      <a:lstStyle/>
+                      <a:p>
+                        <a:pPr algn="ctr"/>
+                        <a:r>
+                          <a:rPr lang="en-US" dirty="0">
+                            <a:solidFill>
+                              <a:schemeClr val="tx1"/>
+                            </a:solidFill>
+                          </a:rPr>
+                          <a:t>0</a:t>
+                        </a:r>
+                        <a:endParaRPr lang="en-NL" dirty="0">
+                          <a:solidFill>
+                            <a:schemeClr val="tx1"/>
+                          </a:solidFill>
+                        </a:endParaRPr>
+                      </a:p>
+                    </p:txBody>
+                  </p:sp>
+                  <p:sp>
+                    <p:nvSpPr>
+                      <p:cNvPr id="78" name="Rectangle 77">
+                        <a:extLst>
+                          <a:ext uri="{FF2B5EF4-FFF2-40B4-BE49-F238E27FC236}">
+                            <a16:creationId xmlns:a16="http://schemas.microsoft.com/office/drawing/2014/main" id="{62C614F1-9708-0056-2908-138CA02C6958}"/>
+                          </a:ext>
+                        </a:extLst>
+                      </p:cNvPr>
+                      <p:cNvSpPr/>
+                      <p:nvPr/>
+                    </p:nvSpPr>
+                    <p:spPr>
+                      <a:xfrm>
+                        <a:off x="3600000" y="1800000"/>
+                        <a:ext cx="360000" cy="360000"/>
+                      </a:xfrm>
+                      <a:prstGeom prst="rect">
+                        <a:avLst/>
+                      </a:prstGeom>
+                      <a:solidFill>
+                        <a:schemeClr val="tx1"/>
+                      </a:solidFill>
+                      <a:ln w="3175">
+                        <a:solidFill>
+                          <a:schemeClr val="tx1"/>
+                        </a:solidFill>
+                      </a:ln>
+                    </p:spPr>
+                    <p:style>
+                      <a:lnRef idx="2">
+                        <a:schemeClr val="accent1">
+                          <a:shade val="50000"/>
+                        </a:schemeClr>
+                      </a:lnRef>
+                      <a:fillRef idx="1">
+                        <a:schemeClr val="accent1"/>
+                      </a:fillRef>
+                      <a:effectRef idx="0">
+                        <a:schemeClr val="accent1"/>
+                      </a:effectRef>
+                      <a:fontRef idx="minor">
+                        <a:schemeClr val="lt1"/>
+                      </a:fontRef>
+                    </p:style>
+                    <p:txBody>
+                      <a:bodyPr rtlCol="0" anchor="ctr"/>
+                      <a:lstStyle/>
+                      <a:p>
+                        <a:pPr algn="ctr"/>
+                        <a:r>
+                          <a:rPr lang="en-US" dirty="0">
+                            <a:solidFill>
+                              <a:schemeClr val="bg1"/>
+                            </a:solidFill>
+                          </a:rPr>
+                          <a:t>1</a:t>
+                        </a:r>
+                        <a:endParaRPr lang="en-NL" dirty="0">
+                          <a:solidFill>
+                            <a:schemeClr val="bg1"/>
+                          </a:solidFill>
+                        </a:endParaRPr>
+                      </a:p>
+                    </p:txBody>
+                  </p:sp>
+                  <p:sp>
+                    <p:nvSpPr>
+                      <p:cNvPr id="79" name="Rectangle 78">
+                        <a:extLst>
+                          <a:ext uri="{FF2B5EF4-FFF2-40B4-BE49-F238E27FC236}">
+                            <a16:creationId xmlns:a16="http://schemas.microsoft.com/office/drawing/2014/main" id="{C985A8ED-6844-4B62-BE56-5B53F15D3182}"/>
+                          </a:ext>
+                        </a:extLst>
+                      </p:cNvPr>
+                      <p:cNvSpPr/>
+                      <p:nvPr/>
+                    </p:nvSpPr>
+                    <p:spPr>
+                      <a:xfrm>
+                        <a:off x="2518200" y="2520000"/>
+                        <a:ext cx="360000" cy="360000"/>
+                      </a:xfrm>
+                      <a:prstGeom prst="rect">
+                        <a:avLst/>
+                      </a:prstGeom>
+                      <a:solidFill>
+                        <a:schemeClr val="tx1"/>
+                      </a:solidFill>
+                      <a:ln w="3175">
+                        <a:solidFill>
+                          <a:schemeClr val="tx1"/>
+                        </a:solidFill>
+                      </a:ln>
+                    </p:spPr>
+                    <p:style>
+                      <a:lnRef idx="2">
+                        <a:schemeClr val="accent1">
+                          <a:shade val="50000"/>
+                        </a:schemeClr>
+                      </a:lnRef>
+                      <a:fillRef idx="1">
+                        <a:schemeClr val="accent1"/>
+                      </a:fillRef>
+                      <a:effectRef idx="0">
+                        <a:schemeClr val="accent1"/>
+                      </a:effectRef>
+                      <a:fontRef idx="minor">
+                        <a:schemeClr val="lt1"/>
+                      </a:fontRef>
+                    </p:style>
+                    <p:txBody>
+                      <a:bodyPr rtlCol="0" anchor="ctr"/>
+                      <a:lstStyle/>
+                      <a:p>
+                        <a:pPr algn="ctr"/>
+                        <a:r>
+                          <a:rPr lang="en-US" dirty="0">
+                            <a:solidFill>
+                              <a:schemeClr val="bg1"/>
+                            </a:solidFill>
+                          </a:rPr>
+                          <a:t>1</a:t>
+                        </a:r>
+                        <a:endParaRPr lang="en-NL" dirty="0">
+                          <a:solidFill>
+                            <a:schemeClr val="bg1"/>
+                          </a:solidFill>
+                        </a:endParaRPr>
+                      </a:p>
+                    </p:txBody>
+                  </p:sp>
+                  <p:sp>
+                    <p:nvSpPr>
+                      <p:cNvPr id="80" name="Rectangle 79">
+                        <a:extLst>
+                          <a:ext uri="{FF2B5EF4-FFF2-40B4-BE49-F238E27FC236}">
+                            <a16:creationId xmlns:a16="http://schemas.microsoft.com/office/drawing/2014/main" id="{407F3848-3293-D1A3-7A7E-093218C2D733}"/>
+                          </a:ext>
+                        </a:extLst>
+                      </p:cNvPr>
+                      <p:cNvSpPr/>
+                      <p:nvPr/>
+                    </p:nvSpPr>
+                    <p:spPr>
+                      <a:xfrm>
+                        <a:off x="2520000" y="1800000"/>
+                        <a:ext cx="360000" cy="360000"/>
+                      </a:xfrm>
+                      <a:prstGeom prst="rect">
+                        <a:avLst/>
+                      </a:prstGeom>
+                      <a:noFill/>
+                      <a:ln w="3175">
+                        <a:solidFill>
+                          <a:schemeClr val="tx1"/>
+                        </a:solidFill>
+                      </a:ln>
+                    </p:spPr>
+                    <p:style>
+                      <a:lnRef idx="2">
+                        <a:schemeClr val="accent1">
+                          <a:shade val="50000"/>
+                        </a:schemeClr>
+                      </a:lnRef>
+                      <a:fillRef idx="1">
+                        <a:schemeClr val="accent1"/>
+                      </a:fillRef>
+                      <a:effectRef idx="0">
+                        <a:schemeClr val="accent1"/>
+                      </a:effectRef>
+                      <a:fontRef idx="minor">
+                        <a:schemeClr val="lt1"/>
+                      </a:fontRef>
+                    </p:style>
+                    <p:txBody>
+                      <a:bodyPr rtlCol="0" anchor="ctr"/>
+                      <a:lstStyle/>
+                      <a:p>
+                        <a:pPr algn="ctr"/>
+                        <a:r>
+                          <a:rPr lang="en-US" dirty="0">
+                            <a:solidFill>
+                              <a:schemeClr val="tx1"/>
+                            </a:solidFill>
+                          </a:rPr>
+                          <a:t>0</a:t>
+                        </a:r>
+                        <a:endParaRPr lang="en-NL" dirty="0">
+                          <a:solidFill>
+                            <a:schemeClr val="tx1"/>
+                          </a:solidFill>
+                        </a:endParaRPr>
+                      </a:p>
+                    </p:txBody>
+                  </p:sp>
+                  <p:sp>
+                    <p:nvSpPr>
+                      <p:cNvPr id="81" name="Rectangle 80">
+                        <a:extLst>
+                          <a:ext uri="{FF2B5EF4-FFF2-40B4-BE49-F238E27FC236}">
+                            <a16:creationId xmlns:a16="http://schemas.microsoft.com/office/drawing/2014/main" id="{C6C57177-2111-1C27-91D8-A5119B4B53D0}"/>
+                          </a:ext>
+                        </a:extLst>
+                      </p:cNvPr>
+                      <p:cNvSpPr/>
+                      <p:nvPr/>
+                    </p:nvSpPr>
+                    <p:spPr>
+                      <a:xfrm>
+                        <a:off x="2518200" y="2160000"/>
+                        <a:ext cx="360000" cy="360000"/>
+                      </a:xfrm>
+                      <a:prstGeom prst="rect">
+                        <a:avLst/>
+                      </a:prstGeom>
+                      <a:noFill/>
+                      <a:ln w="3175">
+                        <a:solidFill>
+                          <a:schemeClr val="tx1"/>
+                        </a:solidFill>
+                      </a:ln>
+                    </p:spPr>
+                    <p:style>
+                      <a:lnRef idx="2">
+                        <a:schemeClr val="accent1">
+                          <a:shade val="50000"/>
+                        </a:schemeClr>
+                      </a:lnRef>
+                      <a:fillRef idx="1">
+                        <a:schemeClr val="accent1"/>
+                      </a:fillRef>
+                      <a:effectRef idx="0">
+                        <a:schemeClr val="accent1"/>
+                      </a:effectRef>
+                      <a:fontRef idx="minor">
+                        <a:schemeClr val="lt1"/>
+                      </a:fontRef>
+                    </p:style>
+                    <p:txBody>
+                      <a:bodyPr rtlCol="0" anchor="ctr"/>
+                      <a:lstStyle/>
+                      <a:p>
+                        <a:pPr algn="ctr"/>
+                        <a:r>
+                          <a:rPr lang="en-US" dirty="0">
+                            <a:solidFill>
+                              <a:schemeClr val="tx1"/>
+                            </a:solidFill>
+                          </a:rPr>
+                          <a:t>0</a:t>
+                        </a:r>
+                        <a:endParaRPr lang="en-NL" dirty="0">
+                          <a:solidFill>
+                            <a:schemeClr val="tx1"/>
+                          </a:solidFill>
+                        </a:endParaRPr>
+                      </a:p>
+                    </p:txBody>
+                  </p:sp>
+                  <p:sp>
+                    <p:nvSpPr>
+                      <p:cNvPr id="82" name="Rectangle 81">
+                        <a:extLst>
+                          <a:ext uri="{FF2B5EF4-FFF2-40B4-BE49-F238E27FC236}">
+                            <a16:creationId xmlns:a16="http://schemas.microsoft.com/office/drawing/2014/main" id="{6226AB10-D730-D5B3-0536-197416259F54}"/>
+                          </a:ext>
+                        </a:extLst>
+                      </p:cNvPr>
+                      <p:cNvSpPr/>
+                      <p:nvPr/>
+                    </p:nvSpPr>
+                    <p:spPr>
+                      <a:xfrm>
+                        <a:off x="2880000" y="2160000"/>
+                        <a:ext cx="360000" cy="360000"/>
+                      </a:xfrm>
+                      <a:prstGeom prst="rect">
+                        <a:avLst/>
+                      </a:prstGeom>
+                      <a:noFill/>
+                      <a:ln w="3175">
+                        <a:solidFill>
+                          <a:schemeClr val="tx1"/>
+                        </a:solidFill>
+                      </a:ln>
+                    </p:spPr>
+                    <p:style>
+                      <a:lnRef idx="2">
+                        <a:schemeClr val="accent1">
+                          <a:shade val="50000"/>
+                        </a:schemeClr>
+                      </a:lnRef>
+                      <a:fillRef idx="1">
+                        <a:schemeClr val="accent1"/>
+                      </a:fillRef>
+                      <a:effectRef idx="0">
+                        <a:schemeClr val="accent1"/>
+                      </a:effectRef>
+                      <a:fontRef idx="minor">
+                        <a:schemeClr val="lt1"/>
+                      </a:fontRef>
+                    </p:style>
+                    <p:txBody>
+                      <a:bodyPr rtlCol="0" anchor="ctr"/>
+                      <a:lstStyle/>
+                      <a:p>
+                        <a:pPr algn="ctr"/>
+                        <a:r>
+                          <a:rPr lang="en-US" dirty="0">
+                            <a:solidFill>
+                              <a:schemeClr val="tx1"/>
+                            </a:solidFill>
+                          </a:rPr>
+                          <a:t>0</a:t>
+                        </a:r>
+                        <a:endParaRPr lang="en-NL" dirty="0">
+                          <a:solidFill>
+                            <a:schemeClr val="tx1"/>
+                          </a:solidFill>
+                        </a:endParaRPr>
+                      </a:p>
+                    </p:txBody>
+                  </p:sp>
+                  <p:sp>
+                    <p:nvSpPr>
+                      <p:cNvPr id="83" name="Rectangle 82">
+                        <a:extLst>
+                          <a:ext uri="{FF2B5EF4-FFF2-40B4-BE49-F238E27FC236}">
+                            <a16:creationId xmlns:a16="http://schemas.microsoft.com/office/drawing/2014/main" id="{408D4F99-F573-1064-FA6C-704D2FD1B0E0}"/>
+                          </a:ext>
+                        </a:extLst>
+                      </p:cNvPr>
+                      <p:cNvSpPr/>
+                      <p:nvPr/>
+                    </p:nvSpPr>
+                    <p:spPr>
+                      <a:xfrm>
+                        <a:off x="2880000" y="1800000"/>
+                        <a:ext cx="360000" cy="360000"/>
+                      </a:xfrm>
+                      <a:prstGeom prst="rect">
+                        <a:avLst/>
+                      </a:prstGeom>
+                      <a:noFill/>
+                      <a:ln w="3175">
+                        <a:solidFill>
+                          <a:schemeClr val="tx1"/>
+                        </a:solidFill>
+                      </a:ln>
+                    </p:spPr>
+                    <p:style>
+                      <a:lnRef idx="2">
+                        <a:schemeClr val="accent1">
+                          <a:shade val="50000"/>
+                        </a:schemeClr>
+                      </a:lnRef>
+                      <a:fillRef idx="1">
+                        <a:schemeClr val="accent1"/>
+                      </a:fillRef>
+                      <a:effectRef idx="0">
+                        <a:schemeClr val="accent1"/>
+                      </a:effectRef>
+                      <a:fontRef idx="minor">
+                        <a:schemeClr val="lt1"/>
+                      </a:fontRef>
+                    </p:style>
+                    <p:txBody>
+                      <a:bodyPr rtlCol="0" anchor="ctr"/>
+                      <a:lstStyle/>
+                      <a:p>
+                        <a:pPr algn="ctr"/>
+                        <a:r>
+                          <a:rPr lang="en-US" dirty="0">
+                            <a:solidFill>
+                              <a:schemeClr val="tx1"/>
+                            </a:solidFill>
+                          </a:rPr>
+                          <a:t>0</a:t>
+                        </a:r>
+                        <a:endParaRPr lang="en-NL" dirty="0">
+                          <a:solidFill>
+                            <a:schemeClr val="tx1"/>
+                          </a:solidFill>
+                        </a:endParaRPr>
+                      </a:p>
+                    </p:txBody>
+                  </p:sp>
+                  <p:sp>
+                    <p:nvSpPr>
+                      <p:cNvPr id="84" name="Rectangle 83">
+                        <a:extLst>
+                          <a:ext uri="{FF2B5EF4-FFF2-40B4-BE49-F238E27FC236}">
+                            <a16:creationId xmlns:a16="http://schemas.microsoft.com/office/drawing/2014/main" id="{DFBFE745-C95C-7978-B09A-F31E04C95999}"/>
+                          </a:ext>
+                        </a:extLst>
+                      </p:cNvPr>
+                      <p:cNvSpPr/>
+                      <p:nvPr/>
+                    </p:nvSpPr>
+                    <p:spPr>
+                      <a:xfrm>
+                        <a:off x="2880000" y="2520000"/>
+                        <a:ext cx="360000" cy="360000"/>
+                      </a:xfrm>
+                      <a:prstGeom prst="rect">
+                        <a:avLst/>
+                      </a:prstGeom>
+                      <a:solidFill>
+                        <a:schemeClr val="tx1"/>
+                      </a:solidFill>
+                      <a:ln w="3175">
+                        <a:solidFill>
+                          <a:schemeClr val="tx1"/>
+                        </a:solidFill>
+                      </a:ln>
+                    </p:spPr>
+                    <p:style>
+                      <a:lnRef idx="2">
+                        <a:schemeClr val="accent1">
+                          <a:shade val="50000"/>
+                        </a:schemeClr>
+                      </a:lnRef>
+                      <a:fillRef idx="1">
+                        <a:schemeClr val="accent1"/>
+                      </a:fillRef>
+                      <a:effectRef idx="0">
+                        <a:schemeClr val="accent1"/>
+                      </a:effectRef>
+                      <a:fontRef idx="minor">
+                        <a:schemeClr val="lt1"/>
+                      </a:fontRef>
+                    </p:style>
+                    <p:txBody>
+                      <a:bodyPr rtlCol="0" anchor="ctr"/>
+                      <a:lstStyle/>
+                      <a:p>
+                        <a:pPr algn="ctr"/>
+                        <a:r>
+                          <a:rPr lang="en-US" dirty="0">
+                            <a:solidFill>
+                              <a:schemeClr val="bg1"/>
+                            </a:solidFill>
+                          </a:rPr>
+                          <a:t>1</a:t>
+                        </a:r>
+                        <a:endParaRPr lang="en-NL" dirty="0">
+                          <a:solidFill>
+                            <a:schemeClr val="bg1"/>
+                          </a:solidFill>
+                        </a:endParaRPr>
+                      </a:p>
+                    </p:txBody>
+                  </p:sp>
+                  <p:sp>
+                    <p:nvSpPr>
+                      <p:cNvPr id="85" name="Rectangle 84">
+                        <a:extLst>
+                          <a:ext uri="{FF2B5EF4-FFF2-40B4-BE49-F238E27FC236}">
+                            <a16:creationId xmlns:a16="http://schemas.microsoft.com/office/drawing/2014/main" id="{EC61ED60-4447-F1DA-F1A6-09FC9D11EA07}"/>
+                          </a:ext>
+                        </a:extLst>
+                      </p:cNvPr>
+                      <p:cNvSpPr/>
+                      <p:nvPr/>
+                    </p:nvSpPr>
+                    <p:spPr>
+                      <a:xfrm>
+                        <a:off x="3240000" y="1800000"/>
+                        <a:ext cx="360000" cy="360000"/>
+                      </a:xfrm>
+                      <a:prstGeom prst="rect">
+                        <a:avLst/>
+                      </a:prstGeom>
+                      <a:noFill/>
+                      <a:ln w="3175">
+                        <a:solidFill>
+                          <a:schemeClr val="tx1"/>
+                        </a:solidFill>
+                      </a:ln>
+                    </p:spPr>
+                    <p:style>
+                      <a:lnRef idx="2">
+                        <a:schemeClr val="accent1">
+                          <a:shade val="50000"/>
+                        </a:schemeClr>
+                      </a:lnRef>
+                      <a:fillRef idx="1">
+                        <a:schemeClr val="accent1"/>
+                      </a:fillRef>
+                      <a:effectRef idx="0">
+                        <a:schemeClr val="accent1"/>
+                      </a:effectRef>
+                      <a:fontRef idx="minor">
+                        <a:schemeClr val="lt1"/>
+                      </a:fontRef>
+                    </p:style>
+                    <p:txBody>
+                      <a:bodyPr rtlCol="0" anchor="ctr"/>
+                      <a:lstStyle/>
+                      <a:p>
+                        <a:pPr algn="ctr"/>
+                        <a:r>
+                          <a:rPr lang="en-US" dirty="0">
+                            <a:solidFill>
+                              <a:schemeClr val="tx1"/>
+                            </a:solidFill>
+                          </a:rPr>
+                          <a:t>0</a:t>
+                        </a:r>
+                        <a:endParaRPr lang="en-NL" dirty="0">
+                          <a:solidFill>
+                            <a:schemeClr val="tx1"/>
+                          </a:solidFill>
+                        </a:endParaRPr>
+                      </a:p>
+                    </p:txBody>
+                  </p:sp>
+                  <p:sp>
+                    <p:nvSpPr>
+                      <p:cNvPr id="86" name="Rectangle 85">
+                        <a:extLst>
+                          <a:ext uri="{FF2B5EF4-FFF2-40B4-BE49-F238E27FC236}">
+                            <a16:creationId xmlns:a16="http://schemas.microsoft.com/office/drawing/2014/main" id="{A4FAE39A-5ED2-1E54-CC68-B5A19B7F7097}"/>
+                          </a:ext>
+                        </a:extLst>
+                      </p:cNvPr>
+                      <p:cNvSpPr/>
+                      <p:nvPr/>
+                    </p:nvSpPr>
+                    <p:spPr>
+                      <a:xfrm>
+                        <a:off x="3240000" y="2160000"/>
+                        <a:ext cx="360000" cy="360000"/>
+                      </a:xfrm>
+                      <a:prstGeom prst="rect">
+                        <a:avLst/>
+                      </a:prstGeom>
+                      <a:solidFill>
+                        <a:schemeClr val="tx1"/>
+                      </a:solidFill>
+                      <a:ln w="3175">
+                        <a:solidFill>
+                          <a:schemeClr val="tx1"/>
+                        </a:solidFill>
+                      </a:ln>
+                    </p:spPr>
+                    <p:style>
+                      <a:lnRef idx="2">
+                        <a:schemeClr val="accent1">
+                          <a:shade val="50000"/>
+                        </a:schemeClr>
+                      </a:lnRef>
+                      <a:fillRef idx="1">
+                        <a:schemeClr val="accent1"/>
+                      </a:fillRef>
+                      <a:effectRef idx="0">
+                        <a:schemeClr val="accent1"/>
+                      </a:effectRef>
+                      <a:fontRef idx="minor">
+                        <a:schemeClr val="lt1"/>
+                      </a:fontRef>
+                    </p:style>
+                    <p:txBody>
+                      <a:bodyPr rtlCol="0" anchor="ctr"/>
+                      <a:lstStyle/>
+                      <a:p>
+                        <a:pPr algn="ctr"/>
+                        <a:r>
+                          <a:rPr lang="en-US" dirty="0">
+                            <a:solidFill>
+                              <a:schemeClr val="bg1"/>
+                            </a:solidFill>
+                          </a:rPr>
+                          <a:t>1</a:t>
+                        </a:r>
+                        <a:endParaRPr lang="en-NL" dirty="0">
+                          <a:solidFill>
+                            <a:schemeClr val="bg1"/>
+                          </a:solidFill>
+                        </a:endParaRPr>
+                      </a:p>
+                    </p:txBody>
+                  </p:sp>
+                  <p:sp>
+                    <p:nvSpPr>
+                      <p:cNvPr id="87" name="Rectangle 86">
+                        <a:extLst>
+                          <a:ext uri="{FF2B5EF4-FFF2-40B4-BE49-F238E27FC236}">
+                            <a16:creationId xmlns:a16="http://schemas.microsoft.com/office/drawing/2014/main" id="{935107EF-BA6C-4546-1465-DADD2241F181}"/>
+                          </a:ext>
+                        </a:extLst>
+                      </p:cNvPr>
+                      <p:cNvSpPr/>
+                      <p:nvPr/>
+                    </p:nvSpPr>
+                    <p:spPr>
+                      <a:xfrm>
+                        <a:off x="3240000" y="2520000"/>
+                        <a:ext cx="360000" cy="360000"/>
+                      </a:xfrm>
+                      <a:prstGeom prst="rect">
+                        <a:avLst/>
+                      </a:prstGeom>
+                      <a:noFill/>
+                      <a:ln w="3175">
+                        <a:solidFill>
+                          <a:schemeClr val="tx1"/>
+                        </a:solidFill>
+                      </a:ln>
+                    </p:spPr>
+                    <p:style>
+                      <a:lnRef idx="2">
+                        <a:schemeClr val="accent1">
+                          <a:shade val="50000"/>
+                        </a:schemeClr>
+                      </a:lnRef>
+                      <a:fillRef idx="1">
+                        <a:schemeClr val="accent1"/>
+                      </a:fillRef>
+                      <a:effectRef idx="0">
+                        <a:schemeClr val="accent1"/>
+                      </a:effectRef>
+                      <a:fontRef idx="minor">
+                        <a:schemeClr val="lt1"/>
+                      </a:fontRef>
+                    </p:style>
+                    <p:txBody>
+                      <a:bodyPr rtlCol="0" anchor="ctr"/>
+                      <a:lstStyle/>
+                      <a:p>
+                        <a:pPr algn="ctr"/>
+                        <a:r>
+                          <a:rPr lang="en-US" dirty="0">
+                            <a:solidFill>
+                              <a:schemeClr val="tx1"/>
+                            </a:solidFill>
+                          </a:rPr>
+                          <a:t>0</a:t>
+                        </a:r>
+                        <a:endParaRPr lang="en-NL" dirty="0">
+                          <a:solidFill>
+                            <a:schemeClr val="tx1"/>
+                          </a:solidFill>
+                        </a:endParaRPr>
+                      </a:p>
+                    </p:txBody>
+                  </p:sp>
+                </p:grpSp>
+                <p:sp>
+                  <p:nvSpPr>
+                    <p:cNvPr id="210" name="Rectangle 209">
+                      <a:extLst>
+                        <a:ext uri="{FF2B5EF4-FFF2-40B4-BE49-F238E27FC236}">
+                          <a16:creationId xmlns:a16="http://schemas.microsoft.com/office/drawing/2014/main" id="{C80384EF-6808-F21F-FF20-8A3A9E063846}"/>
+                        </a:ext>
+                      </a:extLst>
+                    </p:cNvPr>
+                    <p:cNvSpPr/>
+                    <p:nvPr/>
+                  </p:nvSpPr>
+                  <p:spPr>
+                    <a:xfrm>
+                      <a:off x="1000893" y="390300"/>
+                      <a:ext cx="1080000" cy="1080000"/>
+                    </a:xfrm>
+                    <a:prstGeom prst="rect">
+                      <a:avLst/>
+                    </a:prstGeom>
+                    <a:solidFill>
+                      <a:srgbClr val="00B0F0">
+                        <a:alpha val="50000"/>
+                      </a:srgbClr>
+                    </a:solidFill>
+                    <a:ln w="28575">
+                      <a:solidFill>
+                        <a:srgbClr val="00B0F0"/>
+                      </a:solidFill>
+                    </a:ln>
+                  </p:spPr>
+                  <p:style>
+                    <a:lnRef idx="2">
+                      <a:schemeClr val="accent1">
+                        <a:shade val="50000"/>
+                      </a:schemeClr>
+                    </a:lnRef>
+                    <a:fillRef idx="1">
+                      <a:schemeClr val="accent1"/>
+                    </a:fillRef>
+                    <a:effectRef idx="0">
+                      <a:schemeClr val="accent1"/>
+                    </a:effectRef>
+                    <a:fontRef idx="minor">
+                      <a:schemeClr val="lt1"/>
+                    </a:fontRef>
+                  </p:style>
+                  <p:txBody>
+                    <a:bodyPr rtlCol="0" anchor="ctr"/>
+                    <a:lstStyle/>
+                    <a:p>
+                      <a:pPr algn="ctr"/>
+                      <a:endParaRPr lang="en-NL">
+                        <a:solidFill>
+                          <a:schemeClr val="tx1"/>
+                        </a:solidFill>
+                      </a:endParaRPr>
+                    </a:p>
+                  </p:txBody>
+                </p:sp>
+                <p:sp>
+                  <p:nvSpPr>
+                    <p:cNvPr id="224" name="Rectangle 223">
+                      <a:extLst>
+                        <a:ext uri="{FF2B5EF4-FFF2-40B4-BE49-F238E27FC236}">
+                          <a16:creationId xmlns:a16="http://schemas.microsoft.com/office/drawing/2014/main" id="{B3405B07-3C91-5B91-03A0-80F16A003A7D}"/>
+                        </a:ext>
+                      </a:extLst>
+                    </p:cNvPr>
+                    <p:cNvSpPr/>
+                    <p:nvPr/>
+                  </p:nvSpPr>
+                  <p:spPr>
+                    <a:xfrm>
+                      <a:off x="1365693" y="389300"/>
+                      <a:ext cx="1080000" cy="1080000"/>
+                    </a:xfrm>
+                    <a:prstGeom prst="rect">
+                      <a:avLst/>
+                    </a:prstGeom>
+                    <a:solidFill>
+                      <a:srgbClr val="FFFF00">
+                        <a:alpha val="50000"/>
+                      </a:srgbClr>
+                    </a:solidFill>
+                    <a:ln w="28575">
+                      <a:solidFill>
+                        <a:srgbClr val="FFFF00"/>
+                      </a:solidFill>
+                    </a:ln>
+                  </p:spPr>
+                  <p:style>
+                    <a:lnRef idx="2">
+                      <a:schemeClr val="accent1">
+                        <a:shade val="50000"/>
+                      </a:schemeClr>
+                    </a:lnRef>
+                    <a:fillRef idx="1">
+                      <a:schemeClr val="accent1"/>
+                    </a:fillRef>
+                    <a:effectRef idx="0">
+                      <a:schemeClr val="accent1"/>
+                    </a:effectRef>
+                    <a:fontRef idx="minor">
+                      <a:schemeClr val="lt1"/>
+                    </a:fontRef>
+                  </p:style>
+                  <p:txBody>
+                    <a:bodyPr rtlCol="0" anchor="ctr"/>
+                    <a:lstStyle/>
+                    <a:p>
+                      <a:pPr algn="ctr"/>
+                      <a:endParaRPr lang="en-NL">
+                        <a:solidFill>
+                          <a:schemeClr val="tx1"/>
+                        </a:solidFill>
+                      </a:endParaRPr>
+                    </a:p>
+                  </p:txBody>
+                </p:sp>
+                <p:sp>
+                  <p:nvSpPr>
+                    <p:cNvPr id="226" name="Rectangle 225">
+                      <a:extLst>
+                        <a:ext uri="{FF2B5EF4-FFF2-40B4-BE49-F238E27FC236}">
+                          <a16:creationId xmlns:a16="http://schemas.microsoft.com/office/drawing/2014/main" id="{BBCF618C-62E4-BDE3-9E3B-33849074E36E}"/>
+                        </a:ext>
+                      </a:extLst>
+                    </p:cNvPr>
+                    <p:cNvSpPr/>
+                    <p:nvPr/>
+                  </p:nvSpPr>
+                  <p:spPr>
+                    <a:xfrm>
+                      <a:off x="1718093" y="397971"/>
+                      <a:ext cx="1080000" cy="1080000"/>
+                    </a:xfrm>
+                    <a:prstGeom prst="rect">
+                      <a:avLst/>
+                    </a:prstGeom>
+                    <a:solidFill>
+                      <a:srgbClr val="FF0000">
+                        <a:alpha val="50000"/>
+                      </a:srgbClr>
+                    </a:solidFill>
+                    <a:ln w="28575">
+                      <a:solidFill>
+                        <a:srgbClr val="FF0000"/>
+                      </a:solidFill>
+                    </a:ln>
+                  </p:spPr>
+                  <p:style>
+                    <a:lnRef idx="2">
+                      <a:schemeClr val="accent1">
+                        <a:shade val="50000"/>
+                      </a:schemeClr>
+                    </a:lnRef>
+                    <a:fillRef idx="1">
+                      <a:schemeClr val="accent1"/>
+                    </a:fillRef>
+                    <a:effectRef idx="0">
+                      <a:schemeClr val="accent1"/>
+                    </a:effectRef>
+                    <a:fontRef idx="minor">
+                      <a:schemeClr val="lt1"/>
+                    </a:fontRef>
+                  </p:style>
+                  <p:txBody>
+                    <a:bodyPr rtlCol="0" anchor="ctr"/>
+                    <a:lstStyle/>
+                    <a:p>
+                      <a:pPr algn="ctr"/>
+                      <a:endParaRPr lang="en-NL">
+                        <a:solidFill>
+                          <a:schemeClr val="tx1"/>
+                        </a:solidFill>
+                      </a:endParaRPr>
+                    </a:p>
+                  </p:txBody>
+                </p:sp>
+              </p:grpSp>
+              <p:grpSp>
+                <p:nvGrpSpPr>
+                  <p:cNvPr id="231" name="Group 230">
+                    <a:extLst>
+                      <a:ext uri="{FF2B5EF4-FFF2-40B4-BE49-F238E27FC236}">
+                        <a16:creationId xmlns:a16="http://schemas.microsoft.com/office/drawing/2014/main" id="{338D0468-F843-F122-0DB7-9C5661F2CDC5}"/>
+                      </a:ext>
+                    </a:extLst>
+                  </p:cNvPr>
+                  <p:cNvGrpSpPr/>
+                  <p:nvPr/>
+                </p:nvGrpSpPr>
+                <p:grpSpPr>
+                  <a:xfrm>
+                    <a:off x="2344033" y="4818774"/>
+                    <a:ext cx="1441200" cy="1440000"/>
+                    <a:chOff x="1199908" y="4304174"/>
+                    <a:chExt cx="1441200" cy="1440000"/>
+                  </a:xfrm>
+                </p:grpSpPr>
+                <p:grpSp>
+                  <p:nvGrpSpPr>
+                    <p:cNvPr id="182" name="Group 181">
+                      <a:extLst>
+                        <a:ext uri="{FF2B5EF4-FFF2-40B4-BE49-F238E27FC236}">
+                          <a16:creationId xmlns:a16="http://schemas.microsoft.com/office/drawing/2014/main" id="{534B066D-0677-B92E-B1CD-D4F418567314}"/>
+                        </a:ext>
+                      </a:extLst>
+                    </p:cNvPr>
+                    <p:cNvGrpSpPr/>
+                    <p:nvPr/>
+                  </p:nvGrpSpPr>
+                  <p:grpSpPr>
+                    <a:xfrm>
+                      <a:off x="1199908" y="4304174"/>
+                      <a:ext cx="1441200" cy="1440000"/>
+                      <a:chOff x="5760000" y="1800000"/>
+                      <a:chExt cx="1441200" cy="1440000"/>
+                    </a:xfrm>
+                  </p:grpSpPr>
+                  <p:sp>
+                    <p:nvSpPr>
+                      <p:cNvPr id="183" name="Rectangle 182">
+                        <a:extLst>
+                          <a:ext uri="{FF2B5EF4-FFF2-40B4-BE49-F238E27FC236}">
+                            <a16:creationId xmlns:a16="http://schemas.microsoft.com/office/drawing/2014/main" id="{EEDBB287-C767-4FAF-AB20-68B8FF4591D3}"/>
+                          </a:ext>
+                        </a:extLst>
+                      </p:cNvPr>
+                      <p:cNvSpPr/>
+                      <p:nvPr/>
+                    </p:nvSpPr>
+                    <p:spPr>
+                      <a:xfrm>
+                        <a:off x="5761200" y="1800000"/>
+                        <a:ext cx="1440000" cy="1440000"/>
+                      </a:xfrm>
+                      <a:prstGeom prst="rect">
+                        <a:avLst/>
+                      </a:prstGeom>
+                      <a:noFill/>
+                      <a:ln w="19050">
+                        <a:solidFill>
+                          <a:schemeClr val="tx1"/>
+                        </a:solidFill>
+                      </a:ln>
+                    </p:spPr>
+                    <p:style>
+                      <a:lnRef idx="2">
+                        <a:schemeClr val="accent1">
+                          <a:shade val="50000"/>
+                        </a:schemeClr>
+                      </a:lnRef>
+                      <a:fillRef idx="1">
+                        <a:schemeClr val="accent1"/>
+                      </a:fillRef>
+                      <a:effectRef idx="0">
+                        <a:schemeClr val="accent1"/>
+                      </a:effectRef>
+                      <a:fontRef idx="minor">
+                        <a:schemeClr val="lt1"/>
+                      </a:fontRef>
+                    </p:style>
+                    <p:txBody>
+                      <a:bodyPr rtlCol="0" anchor="ctr"/>
+                      <a:lstStyle/>
+                      <a:p>
+                        <a:pPr algn="ctr"/>
+                        <a:endParaRPr lang="en-NL" sz="1600">
+                          <a:solidFill>
+                            <a:schemeClr val="tx1"/>
+                          </a:solidFill>
+                        </a:endParaRPr>
+                      </a:p>
+                    </p:txBody>
+                  </p:sp>
+                  <p:sp>
+                    <p:nvSpPr>
+                      <p:cNvPr id="185" name="Rectangle 184">
+                        <a:extLst>
+                          <a:ext uri="{FF2B5EF4-FFF2-40B4-BE49-F238E27FC236}">
+                            <a16:creationId xmlns:a16="http://schemas.microsoft.com/office/drawing/2014/main" id="{DABAAF30-375F-9A39-EE7A-158F1580F02E}"/>
+                          </a:ext>
+                        </a:extLst>
+                      </p:cNvPr>
+                      <p:cNvSpPr/>
+                      <p:nvPr/>
+                    </p:nvSpPr>
+                    <p:spPr>
+                      <a:xfrm>
+                        <a:off x="6841200" y="1800000"/>
+                        <a:ext cx="360000" cy="360000"/>
+                      </a:xfrm>
+                      <a:prstGeom prst="rect">
+                        <a:avLst/>
+                      </a:prstGeom>
+                      <a:noFill/>
+                      <a:ln w="3175">
+                        <a:solidFill>
+                          <a:schemeClr val="tx1"/>
+                        </a:solidFill>
+                      </a:ln>
+                    </p:spPr>
+                    <p:style>
+                      <a:lnRef idx="2">
+                        <a:schemeClr val="accent1">
+                          <a:shade val="50000"/>
+                        </a:schemeClr>
+                      </a:lnRef>
+                      <a:fillRef idx="1">
+                        <a:schemeClr val="accent1"/>
+                      </a:fillRef>
+                      <a:effectRef idx="0">
+                        <a:schemeClr val="accent1"/>
+                      </a:effectRef>
+                      <a:fontRef idx="minor">
+                        <a:schemeClr val="lt1"/>
+                      </a:fontRef>
+                    </p:style>
+                    <p:txBody>
+                      <a:bodyPr rtlCol="0" anchor="ctr"/>
+                      <a:lstStyle/>
+                      <a:p>
+                        <a:pPr algn="ctr"/>
+                        <a:r>
+                          <a:rPr lang="en-US" sz="1600" dirty="0">
+                            <a:solidFill>
+                              <a:schemeClr val="tx1"/>
+                            </a:solidFill>
+                          </a:rPr>
+                          <a:t>-1</a:t>
+                        </a:r>
+                        <a:endParaRPr lang="en-NL" sz="1600" dirty="0">
+                          <a:solidFill>
+                            <a:schemeClr val="tx1"/>
+                          </a:solidFill>
+                        </a:endParaRPr>
+                      </a:p>
+                    </p:txBody>
+                  </p:sp>
+                  <p:sp>
+                    <p:nvSpPr>
+                      <p:cNvPr id="186" name="Rectangle 185">
+                        <a:extLst>
+                          <a:ext uri="{FF2B5EF4-FFF2-40B4-BE49-F238E27FC236}">
+                            <a16:creationId xmlns:a16="http://schemas.microsoft.com/office/drawing/2014/main" id="{100D5B45-87F2-6D83-1EA6-BA22DB790D0E}"/>
+                          </a:ext>
+                        </a:extLst>
+                      </p:cNvPr>
+                      <p:cNvSpPr/>
+                      <p:nvPr/>
+                    </p:nvSpPr>
+                    <p:spPr>
+                      <a:xfrm>
+                        <a:off x="6481200" y="1800000"/>
+                        <a:ext cx="360000" cy="360000"/>
+                      </a:xfrm>
+                      <a:prstGeom prst="rect">
+                        <a:avLst/>
+                      </a:prstGeom>
+                      <a:noFill/>
+                      <a:ln w="3175">
+                        <a:solidFill>
+                          <a:schemeClr val="tx1"/>
+                        </a:solidFill>
+                      </a:ln>
+                    </p:spPr>
+                    <p:style>
+                      <a:lnRef idx="2">
+                        <a:schemeClr val="accent1">
+                          <a:shade val="50000"/>
+                        </a:schemeClr>
+                      </a:lnRef>
+                      <a:fillRef idx="1">
+                        <a:schemeClr val="accent1"/>
+                      </a:fillRef>
+                      <a:effectRef idx="0">
+                        <a:schemeClr val="accent1"/>
+                      </a:effectRef>
+                      <a:fontRef idx="minor">
+                        <a:schemeClr val="lt1"/>
+                      </a:fontRef>
+                    </p:style>
+                    <p:txBody>
+                      <a:bodyPr rtlCol="0" anchor="ctr"/>
+                      <a:lstStyle/>
+                      <a:p>
+                        <a:pPr algn="ctr"/>
+                        <a:r>
+                          <a:rPr lang="en-US" sz="1600" dirty="0">
+                            <a:solidFill>
+                              <a:schemeClr val="tx1"/>
+                            </a:solidFill>
+                          </a:rPr>
+                          <a:t>-2</a:t>
+                        </a:r>
+                        <a:endParaRPr lang="en-NL" sz="1600" dirty="0">
+                          <a:solidFill>
+                            <a:schemeClr val="tx1"/>
+                          </a:solidFill>
+                        </a:endParaRPr>
+                      </a:p>
+                    </p:txBody>
+                  </p:sp>
+                  <p:sp>
+                    <p:nvSpPr>
+                      <p:cNvPr id="188" name="Rectangle 187">
+                        <a:extLst>
+                          <a:ext uri="{FF2B5EF4-FFF2-40B4-BE49-F238E27FC236}">
+                            <a16:creationId xmlns:a16="http://schemas.microsoft.com/office/drawing/2014/main" id="{64B64304-25D6-6526-2B1A-2182F3B28E90}"/>
+                          </a:ext>
+                        </a:extLst>
+                      </p:cNvPr>
+                      <p:cNvSpPr/>
+                      <p:nvPr/>
+                    </p:nvSpPr>
+                    <p:spPr>
+                      <a:xfrm>
+                        <a:off x="6121200" y="1800000"/>
+                        <a:ext cx="360000" cy="360000"/>
+                      </a:xfrm>
+                      <a:prstGeom prst="rect">
+                        <a:avLst/>
+                      </a:prstGeom>
+                      <a:noFill/>
+                      <a:ln w="3175">
+                        <a:solidFill>
+                          <a:schemeClr val="tx1"/>
+                        </a:solidFill>
+                      </a:ln>
+                    </p:spPr>
+                    <p:style>
+                      <a:lnRef idx="2">
+                        <a:schemeClr val="accent1">
+                          <a:shade val="50000"/>
+                        </a:schemeClr>
+                      </a:lnRef>
+                      <a:fillRef idx="1">
+                        <a:schemeClr val="accent1"/>
+                      </a:fillRef>
+                      <a:effectRef idx="0">
+                        <a:schemeClr val="accent1"/>
+                      </a:effectRef>
+                      <a:fontRef idx="minor">
+                        <a:schemeClr val="lt1"/>
+                      </a:fontRef>
+                    </p:style>
+                    <p:txBody>
+                      <a:bodyPr rtlCol="0" anchor="ctr"/>
+                      <a:lstStyle/>
+                      <a:p>
+                        <a:pPr algn="ctr"/>
+                        <a:r>
+                          <a:rPr lang="en-US" sz="1600" dirty="0">
+                            <a:solidFill>
+                              <a:schemeClr val="tx1"/>
+                            </a:solidFill>
+                          </a:rPr>
+                          <a:t>-1</a:t>
+                        </a:r>
+                        <a:endParaRPr lang="en-NL" sz="1600" dirty="0">
+                          <a:solidFill>
+                            <a:schemeClr val="tx1"/>
+                          </a:solidFill>
+                        </a:endParaRPr>
+                      </a:p>
+                    </p:txBody>
+                  </p:sp>
+                  <p:sp>
+                    <p:nvSpPr>
+                      <p:cNvPr id="189" name="Rectangle 188">
+                        <a:extLst>
+                          <a:ext uri="{FF2B5EF4-FFF2-40B4-BE49-F238E27FC236}">
+                            <a16:creationId xmlns:a16="http://schemas.microsoft.com/office/drawing/2014/main" id="{0A207A9D-941F-FC6A-A33F-C976425140C6}"/>
+                          </a:ext>
+                        </a:extLst>
+                      </p:cNvPr>
+                      <p:cNvSpPr/>
+                      <p:nvPr/>
+                    </p:nvSpPr>
+                    <p:spPr>
+                      <a:xfrm>
+                        <a:off x="5761200" y="1800000"/>
+                        <a:ext cx="360000" cy="360000"/>
+                      </a:xfrm>
+                      <a:prstGeom prst="rect">
+                        <a:avLst/>
+                      </a:prstGeom>
+                      <a:noFill/>
+                      <a:ln w="3175">
+                        <a:solidFill>
+                          <a:schemeClr val="tx1"/>
+                        </a:solidFill>
+                      </a:ln>
+                    </p:spPr>
+                    <p:style>
+                      <a:lnRef idx="2">
+                        <a:schemeClr val="accent1">
+                          <a:shade val="50000"/>
+                        </a:schemeClr>
+                      </a:lnRef>
+                      <a:fillRef idx="1">
+                        <a:schemeClr val="accent1"/>
+                      </a:fillRef>
+                      <a:effectRef idx="0">
+                        <a:schemeClr val="accent1"/>
+                      </a:effectRef>
+                      <a:fontRef idx="minor">
+                        <a:schemeClr val="lt1"/>
+                      </a:fontRef>
+                    </p:style>
+                    <p:txBody>
+                      <a:bodyPr rtlCol="0" anchor="ctr"/>
+                      <a:lstStyle/>
+                      <a:p>
+                        <a:pPr algn="ctr"/>
+                        <a:r>
+                          <a:rPr lang="en-US" sz="1600" dirty="0">
+                            <a:solidFill>
+                              <a:schemeClr val="tx1"/>
+                            </a:solidFill>
+                          </a:rPr>
+                          <a:t>1</a:t>
+                        </a:r>
+                        <a:endParaRPr lang="en-NL" sz="1600" dirty="0">
+                          <a:solidFill>
+                            <a:schemeClr val="tx1"/>
+                          </a:solidFill>
+                        </a:endParaRPr>
+                      </a:p>
+                    </p:txBody>
+                  </p:sp>
+                  <p:sp>
+                    <p:nvSpPr>
+                      <p:cNvPr id="191" name="Rectangle 190">
+                        <a:extLst>
+                          <a:ext uri="{FF2B5EF4-FFF2-40B4-BE49-F238E27FC236}">
+                            <a16:creationId xmlns:a16="http://schemas.microsoft.com/office/drawing/2014/main" id="{B46ACEF9-9C5E-A715-8692-8955E2C1DE3A}"/>
+                          </a:ext>
+                        </a:extLst>
+                      </p:cNvPr>
+                      <p:cNvSpPr/>
+                      <p:nvPr/>
+                    </p:nvSpPr>
+                    <p:spPr>
+                      <a:xfrm>
+                        <a:off x="5760000" y="2160000"/>
+                        <a:ext cx="360000" cy="360000"/>
+                      </a:xfrm>
+                      <a:prstGeom prst="rect">
+                        <a:avLst/>
+                      </a:prstGeom>
+                      <a:noFill/>
+                      <a:ln w="3175">
+                        <a:solidFill>
+                          <a:schemeClr val="tx1"/>
+                        </a:solidFill>
+                      </a:ln>
+                    </p:spPr>
+                    <p:style>
+                      <a:lnRef idx="2">
+                        <a:schemeClr val="accent1">
+                          <a:shade val="50000"/>
+                        </a:schemeClr>
+                      </a:lnRef>
+                      <a:fillRef idx="1">
+                        <a:schemeClr val="accent1"/>
+                      </a:fillRef>
+                      <a:effectRef idx="0">
+                        <a:schemeClr val="accent1"/>
+                      </a:effectRef>
+                      <a:fontRef idx="minor">
+                        <a:schemeClr val="lt1"/>
+                      </a:fontRef>
+                    </p:style>
+                    <p:txBody>
+                      <a:bodyPr rtlCol="0" anchor="ctr"/>
+                      <a:lstStyle/>
+                      <a:p>
+                        <a:pPr algn="ctr"/>
+                        <a:r>
+                          <a:rPr lang="en-US" sz="1600" dirty="0">
+                            <a:solidFill>
+                              <a:schemeClr val="tx1"/>
+                            </a:solidFill>
+                          </a:rPr>
+                          <a:t>-1</a:t>
+                        </a:r>
+                        <a:endParaRPr lang="en-NL" sz="1600" dirty="0">
+                          <a:solidFill>
+                            <a:schemeClr val="tx1"/>
+                          </a:solidFill>
+                        </a:endParaRPr>
+                      </a:p>
+                    </p:txBody>
+                  </p:sp>
+                  <p:sp>
+                    <p:nvSpPr>
+                      <p:cNvPr id="192" name="Rectangle 191">
+                        <a:extLst>
+                          <a:ext uri="{FF2B5EF4-FFF2-40B4-BE49-F238E27FC236}">
+                            <a16:creationId xmlns:a16="http://schemas.microsoft.com/office/drawing/2014/main" id="{B36F975F-47AE-DDF6-798F-693CFD44E648}"/>
+                          </a:ext>
+                        </a:extLst>
+                      </p:cNvPr>
+                      <p:cNvSpPr/>
+                      <p:nvPr/>
+                    </p:nvSpPr>
+                    <p:spPr>
+                      <a:xfrm>
+                        <a:off x="5760000" y="2880000"/>
+                        <a:ext cx="360000" cy="360000"/>
+                      </a:xfrm>
+                      <a:prstGeom prst="rect">
+                        <a:avLst/>
+                      </a:prstGeom>
+                      <a:noFill/>
+                      <a:ln w="3175">
+                        <a:solidFill>
+                          <a:schemeClr val="tx1"/>
+                        </a:solidFill>
+                      </a:ln>
+                    </p:spPr>
+                    <p:style>
+                      <a:lnRef idx="2">
+                        <a:schemeClr val="accent1">
+                          <a:shade val="50000"/>
+                        </a:schemeClr>
+                      </a:lnRef>
+                      <a:fillRef idx="1">
+                        <a:schemeClr val="accent1"/>
+                      </a:fillRef>
+                      <a:effectRef idx="0">
+                        <a:schemeClr val="accent1"/>
+                      </a:effectRef>
+                      <a:fontRef idx="minor">
+                        <a:schemeClr val="lt1"/>
+                      </a:fontRef>
+                    </p:style>
+                    <p:txBody>
+                      <a:bodyPr rtlCol="0" anchor="ctr"/>
+                      <a:lstStyle/>
+                      <a:p>
+                        <a:pPr algn="ctr"/>
+                        <a:r>
+                          <a:rPr lang="en-US" sz="1600" dirty="0">
+                            <a:solidFill>
+                              <a:schemeClr val="tx1"/>
+                            </a:solidFill>
+                          </a:rPr>
+                          <a:t>-1</a:t>
+                        </a:r>
+                        <a:endParaRPr lang="en-NL" sz="1600" dirty="0">
+                          <a:solidFill>
+                            <a:schemeClr val="tx1"/>
+                          </a:solidFill>
+                        </a:endParaRPr>
+                      </a:p>
+                    </p:txBody>
+                  </p:sp>
+                  <p:sp>
+                    <p:nvSpPr>
+                      <p:cNvPr id="194" name="Rectangle 193">
+                        <a:extLst>
+                          <a:ext uri="{FF2B5EF4-FFF2-40B4-BE49-F238E27FC236}">
+                            <a16:creationId xmlns:a16="http://schemas.microsoft.com/office/drawing/2014/main" id="{EE4569FE-DB41-627E-9DF6-77F096F65A37}"/>
+                          </a:ext>
+                        </a:extLst>
+                      </p:cNvPr>
+                      <p:cNvSpPr/>
+                      <p:nvPr/>
+                    </p:nvSpPr>
+                    <p:spPr>
+                      <a:xfrm>
+                        <a:off x="5760000" y="2520000"/>
+                        <a:ext cx="360000" cy="360000"/>
+                      </a:xfrm>
+                      <a:prstGeom prst="rect">
+                        <a:avLst/>
+                      </a:prstGeom>
+                      <a:noFill/>
+                      <a:ln w="3175">
+                        <a:solidFill>
+                          <a:schemeClr val="tx1"/>
+                        </a:solidFill>
+                      </a:ln>
+                    </p:spPr>
+                    <p:style>
+                      <a:lnRef idx="2">
+                        <a:schemeClr val="accent1">
+                          <a:shade val="50000"/>
+                        </a:schemeClr>
+                      </a:lnRef>
+                      <a:fillRef idx="1">
+                        <a:schemeClr val="accent1"/>
+                      </a:fillRef>
+                      <a:effectRef idx="0">
+                        <a:schemeClr val="accent1"/>
+                      </a:effectRef>
+                      <a:fontRef idx="minor">
+                        <a:schemeClr val="lt1"/>
+                      </a:fontRef>
+                    </p:style>
+                    <p:txBody>
+                      <a:bodyPr rtlCol="0" anchor="ctr"/>
+                      <a:lstStyle/>
+                      <a:p>
+                        <a:pPr algn="ctr"/>
+                        <a:r>
+                          <a:rPr lang="en-US" sz="1600" dirty="0">
+                            <a:solidFill>
+                              <a:schemeClr val="tx1"/>
+                            </a:solidFill>
+                          </a:rPr>
+                          <a:t>-2</a:t>
+                        </a:r>
+                        <a:endParaRPr lang="en-NL" sz="1600" dirty="0">
+                          <a:solidFill>
+                            <a:schemeClr val="tx1"/>
+                          </a:solidFill>
+                        </a:endParaRPr>
+                      </a:p>
+                    </p:txBody>
+                  </p:sp>
+                  <p:sp>
+                    <p:nvSpPr>
+                      <p:cNvPr id="195" name="Rectangle 194">
+                        <a:extLst>
+                          <a:ext uri="{FF2B5EF4-FFF2-40B4-BE49-F238E27FC236}">
+                            <a16:creationId xmlns:a16="http://schemas.microsoft.com/office/drawing/2014/main" id="{7B2E4E20-1802-6F83-B43D-3F88E11E6B25}"/>
+                          </a:ext>
+                        </a:extLst>
+                      </p:cNvPr>
+                      <p:cNvSpPr/>
+                      <p:nvPr/>
+                    </p:nvSpPr>
+                    <p:spPr>
+                      <a:xfrm>
+                        <a:off x="6481200" y="2160000"/>
+                        <a:ext cx="360000" cy="360000"/>
+                      </a:xfrm>
+                      <a:prstGeom prst="rect">
+                        <a:avLst/>
+                      </a:prstGeom>
+                      <a:noFill/>
+                      <a:ln w="3175">
+                        <a:solidFill>
+                          <a:schemeClr val="tx1"/>
+                        </a:solidFill>
+                      </a:ln>
+                    </p:spPr>
+                    <p:style>
+                      <a:lnRef idx="2">
+                        <a:schemeClr val="accent1">
+                          <a:shade val="50000"/>
+                        </a:schemeClr>
+                      </a:lnRef>
+                      <a:fillRef idx="1">
+                        <a:schemeClr val="accent1"/>
+                      </a:fillRef>
+                      <a:effectRef idx="0">
+                        <a:schemeClr val="accent1"/>
+                      </a:effectRef>
+                      <a:fontRef idx="minor">
+                        <a:schemeClr val="lt1"/>
+                      </a:fontRef>
+                    </p:style>
+                    <p:txBody>
+                      <a:bodyPr rtlCol="0" anchor="ctr"/>
+                      <a:lstStyle/>
+                      <a:p>
+                        <a:pPr algn="ctr"/>
+                        <a:r>
+                          <a:rPr lang="en-US" sz="1600" dirty="0">
+                            <a:solidFill>
+                              <a:schemeClr val="tx1"/>
+                            </a:solidFill>
+                          </a:rPr>
+                          <a:t>-1</a:t>
+                        </a:r>
+                        <a:endParaRPr lang="en-NL" sz="1600" dirty="0">
+                          <a:solidFill>
+                            <a:schemeClr val="tx1"/>
+                          </a:solidFill>
+                        </a:endParaRPr>
+                      </a:p>
+                    </p:txBody>
+                  </p:sp>
+                  <p:sp>
+                    <p:nvSpPr>
+                      <p:cNvPr id="196" name="Rectangle 195">
+                        <a:extLst>
+                          <a:ext uri="{FF2B5EF4-FFF2-40B4-BE49-F238E27FC236}">
+                            <a16:creationId xmlns:a16="http://schemas.microsoft.com/office/drawing/2014/main" id="{46F0F94E-6AA0-CDA9-DDE8-82399F304427}"/>
+                          </a:ext>
+                        </a:extLst>
+                      </p:cNvPr>
+                      <p:cNvSpPr/>
+                      <p:nvPr/>
+                    </p:nvSpPr>
+                    <p:spPr>
+                      <a:xfrm>
+                        <a:off x="6121200" y="2160000"/>
+                        <a:ext cx="360000" cy="360000"/>
+                      </a:xfrm>
+                      <a:prstGeom prst="rect">
+                        <a:avLst/>
+                      </a:prstGeom>
+                      <a:noFill/>
+                      <a:ln w="3175">
+                        <a:solidFill>
+                          <a:schemeClr val="tx1"/>
+                        </a:solidFill>
+                      </a:ln>
+                    </p:spPr>
+                    <p:style>
+                      <a:lnRef idx="2">
+                        <a:schemeClr val="accent1">
+                          <a:shade val="50000"/>
+                        </a:schemeClr>
+                      </a:lnRef>
+                      <a:fillRef idx="1">
+                        <a:schemeClr val="accent1"/>
+                      </a:fillRef>
+                      <a:effectRef idx="0">
+                        <a:schemeClr val="accent1"/>
+                      </a:effectRef>
+                      <a:fontRef idx="minor">
+                        <a:schemeClr val="lt1"/>
+                      </a:fontRef>
+                    </p:style>
+                    <p:txBody>
+                      <a:bodyPr rtlCol="0" anchor="ctr"/>
+                      <a:lstStyle/>
+                      <a:p>
+                        <a:pPr algn="ctr"/>
+                        <a:r>
+                          <a:rPr lang="en-US" sz="1600" dirty="0">
+                            <a:solidFill>
+                              <a:schemeClr val="tx1"/>
+                            </a:solidFill>
+                          </a:rPr>
+                          <a:t>-2</a:t>
+                        </a:r>
+                        <a:endParaRPr lang="en-NL" sz="1600" dirty="0">
+                          <a:solidFill>
+                            <a:schemeClr val="tx1"/>
+                          </a:solidFill>
+                        </a:endParaRPr>
+                      </a:p>
+                    </p:txBody>
+                  </p:sp>
+                  <p:sp>
+                    <p:nvSpPr>
+                      <p:cNvPr id="197" name="Rectangle 196">
+                        <a:extLst>
+                          <a:ext uri="{FF2B5EF4-FFF2-40B4-BE49-F238E27FC236}">
+                            <a16:creationId xmlns:a16="http://schemas.microsoft.com/office/drawing/2014/main" id="{38614C55-901E-B624-4533-EABEE473A06C}"/>
+                          </a:ext>
+                        </a:extLst>
+                      </p:cNvPr>
+                      <p:cNvSpPr/>
+                      <p:nvPr/>
+                    </p:nvSpPr>
+                    <p:spPr>
+                      <a:xfrm>
+                        <a:off x="6840400" y="2520000"/>
+                        <a:ext cx="360000" cy="360000"/>
+                      </a:xfrm>
+                      <a:prstGeom prst="rect">
+                        <a:avLst/>
+                      </a:prstGeom>
+                      <a:noFill/>
+                      <a:ln w="3175">
+                        <a:solidFill>
+                          <a:schemeClr val="tx1"/>
+                        </a:solidFill>
+                      </a:ln>
+                    </p:spPr>
+                    <p:style>
+                      <a:lnRef idx="2">
+                        <a:schemeClr val="accent1">
+                          <a:shade val="50000"/>
+                        </a:schemeClr>
+                      </a:lnRef>
+                      <a:fillRef idx="1">
+                        <a:schemeClr val="accent1"/>
+                      </a:fillRef>
+                      <a:effectRef idx="0">
+                        <a:schemeClr val="accent1"/>
+                      </a:effectRef>
+                      <a:fontRef idx="minor">
+                        <a:schemeClr val="lt1"/>
+                      </a:fontRef>
+                    </p:style>
+                    <p:txBody>
+                      <a:bodyPr rtlCol="0" anchor="ctr"/>
+                      <a:lstStyle/>
+                      <a:p>
+                        <a:pPr algn="ctr"/>
+                        <a:r>
+                          <a:rPr lang="en-US" sz="1600" dirty="0">
+                            <a:solidFill>
+                              <a:schemeClr val="tx1"/>
+                            </a:solidFill>
+                          </a:rPr>
+                          <a:t>-1</a:t>
+                        </a:r>
+                        <a:endParaRPr lang="en-NL" sz="1600" dirty="0">
+                          <a:solidFill>
+                            <a:schemeClr val="tx1"/>
+                          </a:solidFill>
+                        </a:endParaRPr>
+                      </a:p>
+                    </p:txBody>
+                  </p:sp>
+                  <p:sp>
+                    <p:nvSpPr>
+                      <p:cNvPr id="198" name="Rectangle 197">
+                        <a:extLst>
+                          <a:ext uri="{FF2B5EF4-FFF2-40B4-BE49-F238E27FC236}">
+                            <a16:creationId xmlns:a16="http://schemas.microsoft.com/office/drawing/2014/main" id="{BA826153-9F6D-CB06-BAEC-FE775531D92D}"/>
+                          </a:ext>
+                        </a:extLst>
+                      </p:cNvPr>
+                      <p:cNvSpPr/>
+                      <p:nvPr/>
+                    </p:nvSpPr>
+                    <p:spPr>
+                      <a:xfrm>
+                        <a:off x="6481200" y="2520000"/>
+                        <a:ext cx="360000" cy="360000"/>
+                      </a:xfrm>
+                      <a:prstGeom prst="rect">
+                        <a:avLst/>
+                      </a:prstGeom>
+                      <a:noFill/>
+                      <a:ln w="3175">
+                        <a:solidFill>
+                          <a:schemeClr val="tx1"/>
+                        </a:solidFill>
+                      </a:ln>
+                    </p:spPr>
+                    <p:style>
+                      <a:lnRef idx="2">
+                        <a:schemeClr val="accent1">
+                          <a:shade val="50000"/>
+                        </a:schemeClr>
+                      </a:lnRef>
+                      <a:fillRef idx="1">
+                        <a:schemeClr val="accent1"/>
+                      </a:fillRef>
+                      <a:effectRef idx="0">
+                        <a:schemeClr val="accent1"/>
+                      </a:effectRef>
+                      <a:fontRef idx="minor">
+                        <a:schemeClr val="lt1"/>
+                      </a:fontRef>
+                    </p:style>
+                    <p:txBody>
+                      <a:bodyPr rtlCol="0" anchor="ctr"/>
+                      <a:lstStyle/>
+                      <a:p>
+                        <a:pPr algn="ctr"/>
+                        <a:r>
+                          <a:rPr lang="en-US" sz="1600" dirty="0">
+                            <a:solidFill>
+                              <a:schemeClr val="tx1"/>
+                            </a:solidFill>
+                          </a:rPr>
+                          <a:t>-2</a:t>
+                        </a:r>
+                        <a:endParaRPr lang="en-NL" sz="1600" dirty="0">
+                          <a:solidFill>
+                            <a:schemeClr val="tx1"/>
+                          </a:solidFill>
+                        </a:endParaRPr>
+                      </a:p>
+                    </p:txBody>
+                  </p:sp>
+                  <p:sp>
+                    <p:nvSpPr>
+                      <p:cNvPr id="200" name="Rectangle 199">
+                        <a:extLst>
+                          <a:ext uri="{FF2B5EF4-FFF2-40B4-BE49-F238E27FC236}">
+                            <a16:creationId xmlns:a16="http://schemas.microsoft.com/office/drawing/2014/main" id="{F6593CCF-C563-0684-CC6B-B5EE08A64749}"/>
+                          </a:ext>
+                        </a:extLst>
+                      </p:cNvPr>
+                      <p:cNvSpPr/>
+                      <p:nvPr/>
+                    </p:nvSpPr>
+                    <p:spPr>
+                      <a:xfrm>
+                        <a:off x="6121200" y="2520000"/>
+                        <a:ext cx="360000" cy="360000"/>
+                      </a:xfrm>
+                      <a:prstGeom prst="rect">
+                        <a:avLst/>
+                      </a:prstGeom>
+                      <a:noFill/>
+                      <a:ln w="3175">
+                        <a:solidFill>
+                          <a:schemeClr val="tx1"/>
+                        </a:solidFill>
+                      </a:ln>
+                    </p:spPr>
+                    <p:style>
+                      <a:lnRef idx="2">
+                        <a:schemeClr val="accent1">
+                          <a:shade val="50000"/>
+                        </a:schemeClr>
+                      </a:lnRef>
+                      <a:fillRef idx="1">
+                        <a:schemeClr val="accent1"/>
+                      </a:fillRef>
+                      <a:effectRef idx="0">
+                        <a:schemeClr val="accent1"/>
+                      </a:effectRef>
+                      <a:fontRef idx="minor">
+                        <a:schemeClr val="lt1"/>
+                      </a:fontRef>
+                    </p:style>
+                    <p:txBody>
+                      <a:bodyPr rtlCol="0" anchor="ctr"/>
+                      <a:lstStyle/>
+                      <a:p>
+                        <a:pPr algn="ctr"/>
+                        <a:r>
+                          <a:rPr lang="en-US" sz="1600" dirty="0">
+                            <a:solidFill>
+                              <a:schemeClr val="tx1"/>
+                            </a:solidFill>
+                          </a:rPr>
+                          <a:t>-1</a:t>
+                        </a:r>
+                        <a:endParaRPr lang="en-NL" sz="1600" dirty="0">
+                          <a:solidFill>
+                            <a:schemeClr val="tx1"/>
+                          </a:solidFill>
+                        </a:endParaRPr>
+                      </a:p>
+                    </p:txBody>
+                  </p:sp>
+                  <p:sp>
+                    <p:nvSpPr>
+                      <p:cNvPr id="201" name="Rectangle 200">
+                        <a:extLst>
+                          <a:ext uri="{FF2B5EF4-FFF2-40B4-BE49-F238E27FC236}">
+                            <a16:creationId xmlns:a16="http://schemas.microsoft.com/office/drawing/2014/main" id="{FAE2C008-9C18-9A7C-DD01-E6F43957ADBE}"/>
+                          </a:ext>
+                        </a:extLst>
+                      </p:cNvPr>
+                      <p:cNvSpPr/>
+                      <p:nvPr/>
+                    </p:nvSpPr>
+                    <p:spPr>
+                      <a:xfrm>
+                        <a:off x="6840400" y="2160000"/>
+                        <a:ext cx="360000" cy="360000"/>
+                      </a:xfrm>
+                      <a:prstGeom prst="rect">
+                        <a:avLst/>
+                      </a:prstGeom>
+                      <a:noFill/>
+                      <a:ln w="3175">
+                        <a:solidFill>
+                          <a:schemeClr val="tx1"/>
+                        </a:solidFill>
+                      </a:ln>
+                    </p:spPr>
+                    <p:style>
+                      <a:lnRef idx="2">
+                        <a:schemeClr val="accent1">
+                          <a:shade val="50000"/>
+                        </a:schemeClr>
+                      </a:lnRef>
+                      <a:fillRef idx="1">
+                        <a:schemeClr val="accent1"/>
+                      </a:fillRef>
+                      <a:effectRef idx="0">
+                        <a:schemeClr val="accent1"/>
+                      </a:effectRef>
+                      <a:fontRef idx="minor">
+                        <a:schemeClr val="lt1"/>
+                      </a:fontRef>
+                    </p:style>
+                    <p:txBody>
+                      <a:bodyPr rtlCol="0" anchor="ctr"/>
+                      <a:lstStyle/>
+                      <a:p>
+                        <a:pPr algn="ctr"/>
+                        <a:r>
+                          <a:rPr lang="en-US" sz="1600" dirty="0">
+                            <a:solidFill>
+                              <a:schemeClr val="tx1"/>
+                            </a:solidFill>
+                          </a:rPr>
+                          <a:t>-2</a:t>
+                        </a:r>
+                        <a:endParaRPr lang="en-NL" sz="1600" dirty="0">
+                          <a:solidFill>
+                            <a:schemeClr val="tx1"/>
+                          </a:solidFill>
+                        </a:endParaRPr>
+                      </a:p>
+                    </p:txBody>
+                  </p:sp>
+                  <p:sp>
+                    <p:nvSpPr>
+                      <p:cNvPr id="203" name="Rectangle 202">
+                        <a:extLst>
+                          <a:ext uri="{FF2B5EF4-FFF2-40B4-BE49-F238E27FC236}">
+                            <a16:creationId xmlns:a16="http://schemas.microsoft.com/office/drawing/2014/main" id="{777AD43F-217B-B6C1-A592-5A7414CA5BBA}"/>
+                          </a:ext>
+                        </a:extLst>
+                      </p:cNvPr>
+                      <p:cNvSpPr/>
+                      <p:nvPr/>
+                    </p:nvSpPr>
+                    <p:spPr>
+                      <a:xfrm>
+                        <a:off x="6120200" y="2880000"/>
+                        <a:ext cx="360000" cy="360000"/>
+                      </a:xfrm>
+                      <a:prstGeom prst="rect">
+                        <a:avLst/>
+                      </a:prstGeom>
+                      <a:noFill/>
+                      <a:ln w="3175">
+                        <a:solidFill>
+                          <a:schemeClr val="tx1"/>
+                        </a:solidFill>
+                      </a:ln>
+                    </p:spPr>
+                    <p:style>
+                      <a:lnRef idx="2">
+                        <a:schemeClr val="accent1">
+                          <a:shade val="50000"/>
+                        </a:schemeClr>
+                      </a:lnRef>
+                      <a:fillRef idx="1">
+                        <a:schemeClr val="accent1"/>
+                      </a:fillRef>
+                      <a:effectRef idx="0">
+                        <a:schemeClr val="accent1"/>
+                      </a:effectRef>
+                      <a:fontRef idx="minor">
+                        <a:schemeClr val="lt1"/>
+                      </a:fontRef>
+                    </p:style>
+                    <p:txBody>
+                      <a:bodyPr rtlCol="0" anchor="ctr"/>
+                      <a:lstStyle/>
+                      <a:p>
+                        <a:pPr algn="ctr"/>
+                        <a:r>
+                          <a:rPr lang="en-US" sz="1600" dirty="0">
+                            <a:solidFill>
+                              <a:schemeClr val="tx1"/>
+                            </a:solidFill>
+                          </a:rPr>
+                          <a:t>-2</a:t>
+                        </a:r>
+                        <a:endParaRPr lang="en-NL" sz="1600" dirty="0">
+                          <a:solidFill>
+                            <a:schemeClr val="tx1"/>
+                          </a:solidFill>
+                        </a:endParaRPr>
+                      </a:p>
+                    </p:txBody>
+                  </p:sp>
+                  <p:sp>
+                    <p:nvSpPr>
+                      <p:cNvPr id="204" name="Rectangle 203">
+                        <a:extLst>
+                          <a:ext uri="{FF2B5EF4-FFF2-40B4-BE49-F238E27FC236}">
+                            <a16:creationId xmlns:a16="http://schemas.microsoft.com/office/drawing/2014/main" id="{7B311DA1-8215-A469-E5BE-C1D853F69496}"/>
+                          </a:ext>
+                        </a:extLst>
+                      </p:cNvPr>
+                      <p:cNvSpPr/>
+                      <p:nvPr/>
+                    </p:nvSpPr>
+                    <p:spPr>
+                      <a:xfrm>
+                        <a:off x="6481200" y="2880000"/>
+                        <a:ext cx="360000" cy="360000"/>
+                      </a:xfrm>
+                      <a:prstGeom prst="rect">
+                        <a:avLst/>
+                      </a:prstGeom>
+                      <a:noFill/>
+                      <a:ln w="3175">
+                        <a:solidFill>
+                          <a:schemeClr val="tx1"/>
+                        </a:solidFill>
+                      </a:ln>
+                    </p:spPr>
+                    <p:style>
+                      <a:lnRef idx="2">
+                        <a:schemeClr val="accent1">
+                          <a:shade val="50000"/>
+                        </a:schemeClr>
+                      </a:lnRef>
+                      <a:fillRef idx="1">
+                        <a:schemeClr val="accent1"/>
+                      </a:fillRef>
+                      <a:effectRef idx="0">
+                        <a:schemeClr val="accent1"/>
+                      </a:effectRef>
+                      <a:fontRef idx="minor">
+                        <a:schemeClr val="lt1"/>
+                      </a:fontRef>
+                    </p:style>
+                    <p:txBody>
+                      <a:bodyPr rtlCol="0" anchor="ctr"/>
+                      <a:lstStyle/>
+                      <a:p>
+                        <a:pPr algn="ctr"/>
+                        <a:r>
+                          <a:rPr lang="en-US" sz="1600" dirty="0">
+                            <a:solidFill>
+                              <a:schemeClr val="tx1"/>
+                            </a:solidFill>
+                          </a:rPr>
+                          <a:t>-1</a:t>
+                        </a:r>
+                        <a:endParaRPr lang="en-NL" sz="1600" dirty="0">
+                          <a:solidFill>
+                            <a:schemeClr val="tx1"/>
+                          </a:solidFill>
+                        </a:endParaRPr>
+                      </a:p>
+                    </p:txBody>
+                  </p:sp>
+                  <p:sp>
+                    <p:nvSpPr>
+                      <p:cNvPr id="206" name="Rectangle 205">
+                        <a:extLst>
+                          <a:ext uri="{FF2B5EF4-FFF2-40B4-BE49-F238E27FC236}">
+                            <a16:creationId xmlns:a16="http://schemas.microsoft.com/office/drawing/2014/main" id="{2E860C58-3E0D-AE3E-0DD7-FAB973921F8B}"/>
+                          </a:ext>
+                        </a:extLst>
+                      </p:cNvPr>
+                      <p:cNvSpPr/>
+                      <p:nvPr/>
+                    </p:nvSpPr>
+                    <p:spPr>
+                      <a:xfrm>
+                        <a:off x="6841200" y="2880000"/>
+                        <a:ext cx="360000" cy="360000"/>
+                      </a:xfrm>
+                      <a:prstGeom prst="rect">
+                        <a:avLst/>
+                      </a:prstGeom>
+                      <a:noFill/>
+                      <a:ln w="3175">
+                        <a:solidFill>
+                          <a:schemeClr val="tx1"/>
+                        </a:solidFill>
+                      </a:ln>
+                    </p:spPr>
+                    <p:style>
+                      <a:lnRef idx="2">
+                        <a:schemeClr val="accent1">
+                          <a:shade val="50000"/>
+                        </a:schemeClr>
+                      </a:lnRef>
+                      <a:fillRef idx="1">
+                        <a:schemeClr val="accent1"/>
+                      </a:fillRef>
+                      <a:effectRef idx="0">
+                        <a:schemeClr val="accent1"/>
+                      </a:effectRef>
+                      <a:fontRef idx="minor">
+                        <a:schemeClr val="lt1"/>
+                      </a:fontRef>
+                    </p:style>
+                    <p:txBody>
+                      <a:bodyPr rtlCol="0" anchor="ctr"/>
+                      <a:lstStyle/>
+                      <a:p>
+                        <a:pPr algn="ctr"/>
+                        <a:r>
+                          <a:rPr lang="en-US" sz="1600" dirty="0">
+                            <a:solidFill>
+                              <a:schemeClr val="tx1"/>
+                            </a:solidFill>
+                          </a:rPr>
+                          <a:t>1</a:t>
+                        </a:r>
+                        <a:endParaRPr lang="en-NL" sz="1600" dirty="0">
+                          <a:solidFill>
+                            <a:schemeClr val="tx1"/>
+                          </a:solidFill>
+                        </a:endParaRPr>
+                      </a:p>
+                    </p:txBody>
+                  </p:sp>
+                </p:grpSp>
+                <p:sp>
+                  <p:nvSpPr>
+                    <p:cNvPr id="223" name="Rectangle 222">
+                      <a:extLst>
+                        <a:ext uri="{FF2B5EF4-FFF2-40B4-BE49-F238E27FC236}">
+                          <a16:creationId xmlns:a16="http://schemas.microsoft.com/office/drawing/2014/main" id="{FDF1EBD9-8CE1-EB89-BACB-7969D3290C53}"/>
+                        </a:ext>
+                      </a:extLst>
+                    </p:cNvPr>
+                    <p:cNvSpPr/>
+                    <p:nvPr/>
+                  </p:nvSpPr>
+                  <p:spPr>
+                    <a:xfrm>
+                      <a:off x="1208975" y="4304774"/>
+                      <a:ext cx="350933" cy="359400"/>
+                    </a:xfrm>
+                    <a:prstGeom prst="rect">
+                      <a:avLst/>
+                    </a:prstGeom>
+                    <a:solidFill>
+                      <a:srgbClr val="00B0F0">
+                        <a:alpha val="50000"/>
+                      </a:srgbClr>
+                    </a:solidFill>
+                    <a:ln w="28575">
+                      <a:solidFill>
+                        <a:srgbClr val="00B0F0"/>
+                      </a:solidFill>
+                    </a:ln>
+                  </p:spPr>
+                  <p:style>
+                    <a:lnRef idx="2">
+                      <a:schemeClr val="accent1">
+                        <a:shade val="50000"/>
+                      </a:schemeClr>
+                    </a:lnRef>
+                    <a:fillRef idx="1">
+                      <a:schemeClr val="accent1"/>
+                    </a:fillRef>
+                    <a:effectRef idx="0">
+                      <a:schemeClr val="accent1"/>
+                    </a:effectRef>
+                    <a:fontRef idx="minor">
+                      <a:schemeClr val="lt1"/>
+                    </a:fontRef>
+                  </p:style>
+                  <p:txBody>
+                    <a:bodyPr rtlCol="0" anchor="ctr"/>
+                    <a:lstStyle/>
+                    <a:p>
+                      <a:pPr algn="ctr"/>
+                      <a:endParaRPr lang="en-NL">
+                        <a:solidFill>
+                          <a:schemeClr val="tx1"/>
+                        </a:solidFill>
+                      </a:endParaRPr>
+                    </a:p>
+                  </p:txBody>
+                </p:sp>
+                <p:sp>
+                  <p:nvSpPr>
+                    <p:cNvPr id="228" name="Rectangle 227">
+                      <a:extLst>
+                        <a:ext uri="{FF2B5EF4-FFF2-40B4-BE49-F238E27FC236}">
+                          <a16:creationId xmlns:a16="http://schemas.microsoft.com/office/drawing/2014/main" id="{E59008A1-7AC2-8EB5-21D2-D9F94C276E20}"/>
+                        </a:ext>
+                      </a:extLst>
+                    </p:cNvPr>
+                    <p:cNvSpPr/>
+                    <p:nvPr/>
+                  </p:nvSpPr>
+                  <p:spPr>
+                    <a:xfrm>
+                      <a:off x="1557201" y="4304174"/>
+                      <a:ext cx="360000" cy="360000"/>
+                    </a:xfrm>
+                    <a:prstGeom prst="rect">
+                      <a:avLst/>
+                    </a:prstGeom>
+                    <a:solidFill>
+                      <a:srgbClr val="FFFF00">
+                        <a:alpha val="50000"/>
+                      </a:srgbClr>
+                    </a:solidFill>
+                    <a:ln w="28575">
+                      <a:solidFill>
+                        <a:srgbClr val="FFFF00"/>
+                      </a:solidFill>
+                    </a:ln>
+                  </p:spPr>
+                  <p:style>
+                    <a:lnRef idx="2">
+                      <a:schemeClr val="accent1">
+                        <a:shade val="50000"/>
+                      </a:schemeClr>
+                    </a:lnRef>
+                    <a:fillRef idx="1">
+                      <a:schemeClr val="accent1"/>
+                    </a:fillRef>
+                    <a:effectRef idx="0">
+                      <a:schemeClr val="accent1"/>
+                    </a:effectRef>
+                    <a:fontRef idx="minor">
+                      <a:schemeClr val="lt1"/>
+                    </a:fontRef>
+                  </p:style>
+                  <p:txBody>
+                    <a:bodyPr rtlCol="0" anchor="ctr"/>
+                    <a:lstStyle/>
+                    <a:p>
+                      <a:pPr algn="ctr"/>
+                      <a:endParaRPr lang="en-NL">
+                        <a:solidFill>
+                          <a:schemeClr val="tx1"/>
+                        </a:solidFill>
+                      </a:endParaRPr>
+                    </a:p>
+                  </p:txBody>
+                </p:sp>
+                <p:sp>
+                  <p:nvSpPr>
+                    <p:cNvPr id="227" name="Rectangle 226">
+                      <a:extLst>
+                        <a:ext uri="{FF2B5EF4-FFF2-40B4-BE49-F238E27FC236}">
+                          <a16:creationId xmlns:a16="http://schemas.microsoft.com/office/drawing/2014/main" id="{A0D99D5F-B753-C2A6-423A-997CA04ACA66}"/>
+                        </a:ext>
+                      </a:extLst>
+                    </p:cNvPr>
+                    <p:cNvSpPr/>
+                    <p:nvPr/>
+                  </p:nvSpPr>
+                  <p:spPr>
+                    <a:xfrm>
+                      <a:off x="1916001" y="4304174"/>
+                      <a:ext cx="360000" cy="360000"/>
+                    </a:xfrm>
+                    <a:prstGeom prst="rect">
+                      <a:avLst/>
+                    </a:prstGeom>
+                    <a:solidFill>
+                      <a:srgbClr val="FF0000">
+                        <a:alpha val="50000"/>
+                      </a:srgbClr>
+                    </a:solidFill>
+                    <a:ln w="28575">
+                      <a:solidFill>
+                        <a:srgbClr val="FF0000"/>
+                      </a:solidFill>
+                    </a:ln>
+                  </p:spPr>
+                  <p:style>
+                    <a:lnRef idx="2">
+                      <a:schemeClr val="accent1">
+                        <a:shade val="50000"/>
+                      </a:schemeClr>
+                    </a:lnRef>
+                    <a:fillRef idx="1">
+                      <a:schemeClr val="accent1"/>
+                    </a:fillRef>
+                    <a:effectRef idx="0">
+                      <a:schemeClr val="accent1"/>
+                    </a:effectRef>
+                    <a:fontRef idx="minor">
+                      <a:schemeClr val="lt1"/>
+                    </a:fontRef>
+                  </p:style>
+                  <p:txBody>
+                    <a:bodyPr rtlCol="0" anchor="ctr"/>
+                    <a:lstStyle/>
+                    <a:p>
+                      <a:pPr algn="ctr"/>
+                      <a:endParaRPr lang="en-NL" dirty="0">
+                        <a:solidFill>
+                          <a:schemeClr val="tx1"/>
+                        </a:solidFill>
+                      </a:endParaRPr>
+                    </a:p>
+                  </p:txBody>
+                </p:sp>
+              </p:grpSp>
+              <p:sp>
+                <p:nvSpPr>
+                  <p:cNvPr id="140" name="Rectangle 139">
+                    <a:extLst>
+                      <a:ext uri="{FF2B5EF4-FFF2-40B4-BE49-F238E27FC236}">
+                        <a16:creationId xmlns:a16="http://schemas.microsoft.com/office/drawing/2014/main" id="{AEB7095E-4A39-19C2-412E-C6BB072E9B11}"/>
+                      </a:ext>
+                    </a:extLst>
+                  </p:cNvPr>
+                  <p:cNvSpPr/>
+                  <p:nvPr/>
+                </p:nvSpPr>
+                <p:spPr>
+                  <a:xfrm>
+                    <a:off x="2867820" y="4105626"/>
+                    <a:ext cx="412859" cy="434599"/>
+                  </a:xfrm>
+                  <a:prstGeom prst="rect">
+                    <a:avLst/>
+                  </a:prstGeom>
+                  <a:noFill/>
+                  <a:ln w="3175">
+                    <a:solidFill>
+                      <a:schemeClr val="tx1"/>
+                    </a:solidFill>
+                  </a:ln>
+                </p:spPr>
+                <p:style>
+                  <a:lnRef idx="2">
+                    <a:schemeClr val="accent1">
+                      <a:shade val="50000"/>
+                    </a:schemeClr>
+                  </a:lnRef>
+                  <a:fillRef idx="1">
+                    <a:schemeClr val="accent1"/>
+                  </a:fillRef>
+                  <a:effectRef idx="0">
+                    <a:schemeClr val="accent1"/>
+                  </a:effectRef>
+                  <a:fontRef idx="minor">
+                    <a:schemeClr val="lt1"/>
+                  </a:fontRef>
+                </p:style>
+                <p:txBody>
+                  <a:bodyPr rtlCol="0" anchor="ctr"/>
+                  <a:lstStyle/>
+                  <a:p>
+                    <a:pPr algn="ctr"/>
+                    <a:r>
+                      <a:rPr lang="en-US" dirty="0">
+                        <a:solidFill>
+                          <a:schemeClr val="tx1"/>
+                        </a:solidFill>
+                      </a:rPr>
+                      <a:t>-2</a:t>
+                    </a:r>
+                    <a:endParaRPr lang="en-NL" dirty="0">
+                      <a:solidFill>
+                        <a:schemeClr val="tx1"/>
+                      </a:solidFill>
+                    </a:endParaRPr>
+                  </a:p>
+                </p:txBody>
+              </p:sp>
+              <p:cxnSp>
+                <p:nvCxnSpPr>
+                  <p:cNvPr id="257" name="Straight Arrow Connector 256">
+                    <a:extLst>
+                      <a:ext uri="{FF2B5EF4-FFF2-40B4-BE49-F238E27FC236}">
+                        <a16:creationId xmlns:a16="http://schemas.microsoft.com/office/drawing/2014/main" id="{9456D9A1-209D-9090-4792-F47C537D34A4}"/>
+                      </a:ext>
+                    </a:extLst>
+                  </p:cNvPr>
+                  <p:cNvCxnSpPr>
+                    <a:cxnSpLocks/>
+                    <a:stCxn id="83" idx="0"/>
+                    <a:endCxn id="152" idx="0"/>
+                  </p:cNvCxnSpPr>
+                  <p:nvPr/>
+                </p:nvCxnSpPr>
+                <p:spPr>
+                  <a:xfrm flipH="1">
+                    <a:off x="3064633" y="1265554"/>
+                    <a:ext cx="220434" cy="1443446"/>
+                  </a:xfrm>
+                  <a:prstGeom prst="straightConnector1">
+                    <a:avLst/>
+                  </a:prstGeom>
+                  <a:ln w="28575">
+                    <a:solidFill>
+                      <a:srgbClr val="FF0000"/>
+                    </a:solidFill>
+                    <a:tailEnd type="triangle"/>
+                  </a:ln>
+                </p:spPr>
+                <p:style>
+                  <a:lnRef idx="1">
+                    <a:schemeClr val="accent1"/>
+                  </a:lnRef>
+                  <a:fillRef idx="0">
+                    <a:schemeClr val="accent1"/>
+                  </a:fillRef>
+                  <a:effectRef idx="0">
+                    <a:schemeClr val="accent1"/>
+                  </a:effectRef>
+                  <a:fontRef idx="minor">
+                    <a:schemeClr val="tx1"/>
+                  </a:fontRef>
+                </p:style>
+              </p:cxnSp>
+              <p:cxnSp>
+                <p:nvCxnSpPr>
+                  <p:cNvPr id="258" name="Straight Arrow Connector 257">
+                    <a:extLst>
+                      <a:ext uri="{FF2B5EF4-FFF2-40B4-BE49-F238E27FC236}">
+                        <a16:creationId xmlns:a16="http://schemas.microsoft.com/office/drawing/2014/main" id="{10253319-854E-607C-F7DA-B58350B07D81}"/>
+                      </a:ext>
+                    </a:extLst>
+                  </p:cNvPr>
+                  <p:cNvCxnSpPr>
+                    <a:cxnSpLocks/>
+                    <a:stCxn id="75" idx="0"/>
+                    <a:endCxn id="155" idx="0"/>
+                  </p:cNvCxnSpPr>
+                  <p:nvPr/>
+                </p:nvCxnSpPr>
+                <p:spPr>
+                  <a:xfrm>
+                    <a:off x="2564067" y="1265554"/>
+                    <a:ext cx="500566" cy="1443446"/>
+                  </a:xfrm>
+                  <a:prstGeom prst="straightConnector1">
+                    <a:avLst/>
+                  </a:prstGeom>
+                  <a:ln w="28575">
+                    <a:solidFill>
+                      <a:srgbClr val="00B0F0"/>
+                    </a:solidFill>
+                    <a:tailEnd type="triangle"/>
+                  </a:ln>
+                </p:spPr>
+                <p:style>
+                  <a:lnRef idx="1">
+                    <a:schemeClr val="accent1"/>
+                  </a:lnRef>
+                  <a:fillRef idx="0">
+                    <a:schemeClr val="accent1"/>
+                  </a:fillRef>
+                  <a:effectRef idx="0">
+                    <a:schemeClr val="accent1"/>
+                  </a:effectRef>
+                  <a:fontRef idx="minor">
+                    <a:schemeClr val="tx1"/>
+                  </a:fontRef>
+                </p:style>
+              </p:cxnSp>
+              <p:cxnSp>
+                <p:nvCxnSpPr>
+                  <p:cNvPr id="259" name="Straight Arrow Connector 258">
+                    <a:extLst>
+                      <a:ext uri="{FF2B5EF4-FFF2-40B4-BE49-F238E27FC236}">
+                        <a16:creationId xmlns:a16="http://schemas.microsoft.com/office/drawing/2014/main" id="{E6E892FC-2C45-1116-4B6A-04E06F635AE7}"/>
+                      </a:ext>
+                    </a:extLst>
+                  </p:cNvPr>
+                  <p:cNvCxnSpPr>
+                    <a:cxnSpLocks/>
+                    <a:stCxn id="80" idx="0"/>
+                    <a:endCxn id="155" idx="0"/>
+                  </p:cNvCxnSpPr>
+                  <p:nvPr/>
+                </p:nvCxnSpPr>
+                <p:spPr>
+                  <a:xfrm>
+                    <a:off x="2925067" y="1265554"/>
+                    <a:ext cx="139566" cy="1443446"/>
+                  </a:xfrm>
+                  <a:prstGeom prst="straightConnector1">
+                    <a:avLst/>
+                  </a:prstGeom>
+                  <a:ln w="28575">
+                    <a:solidFill>
+                      <a:srgbClr val="FFFF00"/>
+                    </a:solidFill>
+                    <a:tailEnd type="triangle"/>
+                  </a:ln>
+                </p:spPr>
+                <p:style>
+                  <a:lnRef idx="1">
+                    <a:schemeClr val="accent1"/>
+                  </a:lnRef>
+                  <a:fillRef idx="0">
+                    <a:schemeClr val="accent1"/>
+                  </a:fillRef>
+                  <a:effectRef idx="0">
+                    <a:schemeClr val="accent1"/>
+                  </a:effectRef>
+                  <a:fontRef idx="minor">
+                    <a:schemeClr val="tx1"/>
+                  </a:fontRef>
+                </p:style>
+              </p:cxnSp>
+              <p:cxnSp>
+                <p:nvCxnSpPr>
+                  <p:cNvPr id="267" name="Straight Arrow Connector 266">
+                    <a:extLst>
+                      <a:ext uri="{FF2B5EF4-FFF2-40B4-BE49-F238E27FC236}">
+                        <a16:creationId xmlns:a16="http://schemas.microsoft.com/office/drawing/2014/main" id="{8B64DF91-5E62-A2DC-07C4-861383444AFA}"/>
+                      </a:ext>
+                    </a:extLst>
+                  </p:cNvPr>
+                  <p:cNvCxnSpPr>
+                    <a:cxnSpLocks/>
+                  </p:cNvCxnSpPr>
+                  <p:nvPr/>
+                </p:nvCxnSpPr>
+                <p:spPr>
+                  <a:xfrm>
+                    <a:off x="2923353" y="1264831"/>
+                    <a:ext cx="139566" cy="1443446"/>
+                  </a:xfrm>
+                  <a:prstGeom prst="straightConnector1">
+                    <a:avLst/>
+                  </a:prstGeom>
+                  <a:ln w="28575">
+                    <a:solidFill>
+                      <a:srgbClr val="FFFF00"/>
+                    </a:solidFill>
+                    <a:tailEnd type="triangle"/>
+                  </a:ln>
+                </p:spPr>
+                <p:style>
+                  <a:lnRef idx="1">
+                    <a:schemeClr val="accent1"/>
+                  </a:lnRef>
+                  <a:fillRef idx="0">
+                    <a:schemeClr val="accent1"/>
+                  </a:fillRef>
+                  <a:effectRef idx="0">
+                    <a:schemeClr val="accent1"/>
+                  </a:effectRef>
+                  <a:fontRef idx="minor">
+                    <a:schemeClr val="tx1"/>
+                  </a:fontRef>
+                </p:style>
+              </p:cxnSp>
+              <p:cxnSp>
+                <p:nvCxnSpPr>
+                  <p:cNvPr id="268" name="Straight Arrow Connector 267">
+                    <a:extLst>
+                      <a:ext uri="{FF2B5EF4-FFF2-40B4-BE49-F238E27FC236}">
+                        <a16:creationId xmlns:a16="http://schemas.microsoft.com/office/drawing/2014/main" id="{ABE5FFF4-68E3-A25B-9CDE-D53AD3CCD417}"/>
+                      </a:ext>
+                    </a:extLst>
+                  </p:cNvPr>
+                  <p:cNvCxnSpPr>
+                    <a:cxnSpLocks/>
+                    <a:stCxn id="164" idx="2"/>
+                    <a:endCxn id="140" idx="0"/>
+                  </p:cNvCxnSpPr>
+                  <p:nvPr/>
+                </p:nvCxnSpPr>
+                <p:spPr>
+                  <a:xfrm>
+                    <a:off x="3064633" y="3789000"/>
+                    <a:ext cx="9617" cy="316626"/>
+                  </a:xfrm>
+                  <a:prstGeom prst="straightConnector1">
+                    <a:avLst/>
+                  </a:prstGeom>
+                  <a:ln w="28575">
+                    <a:solidFill>
+                      <a:srgbClr val="FF0000"/>
+                    </a:solidFill>
+                    <a:tailEnd type="triangle"/>
+                  </a:ln>
+                </p:spPr>
+                <p:style>
+                  <a:lnRef idx="1">
+                    <a:schemeClr val="accent1"/>
+                  </a:lnRef>
+                  <a:fillRef idx="0">
+                    <a:schemeClr val="accent1"/>
+                  </a:fillRef>
+                  <a:effectRef idx="0">
+                    <a:schemeClr val="accent1"/>
+                  </a:effectRef>
+                  <a:fontRef idx="minor">
+                    <a:schemeClr val="tx1"/>
+                  </a:fontRef>
+                </p:style>
+              </p:cxnSp>
+              <p:cxnSp>
+                <p:nvCxnSpPr>
+                  <p:cNvPr id="272" name="Straight Arrow Connector 271">
+                    <a:extLst>
+                      <a:ext uri="{FF2B5EF4-FFF2-40B4-BE49-F238E27FC236}">
+                        <a16:creationId xmlns:a16="http://schemas.microsoft.com/office/drawing/2014/main" id="{EB2AADE9-F63C-9BCF-D8B0-BA8DE76C0816}"/>
+                      </a:ext>
+                    </a:extLst>
+                  </p:cNvPr>
+                  <p:cNvCxnSpPr>
+                    <a:cxnSpLocks/>
+                    <a:stCxn id="140" idx="2"/>
+                    <a:endCxn id="228" idx="0"/>
+                  </p:cNvCxnSpPr>
+                  <p:nvPr/>
+                </p:nvCxnSpPr>
+                <p:spPr>
+                  <a:xfrm flipH="1">
+                    <a:off x="2881326" y="4540225"/>
+                    <a:ext cx="192924" cy="278549"/>
+                  </a:xfrm>
+                  <a:prstGeom prst="straightConnector1">
+                    <a:avLst/>
+                  </a:prstGeom>
+                  <a:ln w="28575">
+                    <a:solidFill>
+                      <a:srgbClr val="FFFF00"/>
+                    </a:solidFill>
+                    <a:tailEnd type="triangle"/>
+                  </a:ln>
+                </p:spPr>
+                <p:style>
+                  <a:lnRef idx="1">
+                    <a:schemeClr val="accent1"/>
+                  </a:lnRef>
+                  <a:fillRef idx="0">
+                    <a:schemeClr val="accent1"/>
+                  </a:fillRef>
+                  <a:effectRef idx="0">
+                    <a:schemeClr val="accent1"/>
+                  </a:effectRef>
+                  <a:fontRef idx="minor">
+                    <a:schemeClr val="tx1"/>
+                  </a:fontRef>
+                </p:style>
+              </p:cxnSp>
+              <p:cxnSp>
+                <p:nvCxnSpPr>
+                  <p:cNvPr id="275" name="Straight Arrow Connector 274">
+                    <a:extLst>
+                      <a:ext uri="{FF2B5EF4-FFF2-40B4-BE49-F238E27FC236}">
+                        <a16:creationId xmlns:a16="http://schemas.microsoft.com/office/drawing/2014/main" id="{3EE3AA52-236B-195D-D043-ED2E55D20BC5}"/>
+                      </a:ext>
+                    </a:extLst>
+                  </p:cNvPr>
+                  <p:cNvCxnSpPr>
+                    <a:cxnSpLocks/>
+                    <a:stCxn id="140" idx="2"/>
+                    <a:endCxn id="223" idx="0"/>
+                  </p:cNvCxnSpPr>
+                  <p:nvPr/>
+                </p:nvCxnSpPr>
+                <p:spPr>
+                  <a:xfrm flipH="1">
+                    <a:off x="2528567" y="4540225"/>
+                    <a:ext cx="545683" cy="279149"/>
+                  </a:xfrm>
+                  <a:prstGeom prst="straightConnector1">
+                    <a:avLst/>
+                  </a:prstGeom>
+                  <a:ln w="28575">
+                    <a:solidFill>
+                      <a:srgbClr val="00B0F0"/>
+                    </a:solidFill>
+                    <a:tailEnd type="triangle"/>
+                  </a:ln>
+                </p:spPr>
+                <p:style>
+                  <a:lnRef idx="1">
+                    <a:schemeClr val="accent1"/>
+                  </a:lnRef>
+                  <a:fillRef idx="0">
+                    <a:schemeClr val="accent1"/>
+                  </a:fillRef>
+                  <a:effectRef idx="0">
+                    <a:schemeClr val="accent1"/>
+                  </a:effectRef>
+                  <a:fontRef idx="minor">
+                    <a:schemeClr val="tx1"/>
+                  </a:fontRef>
+                </p:style>
+              </p:cxnSp>
+              <p:cxnSp>
+                <p:nvCxnSpPr>
+                  <p:cNvPr id="282" name="Straight Arrow Connector 281">
+                    <a:extLst>
+                      <a:ext uri="{FF2B5EF4-FFF2-40B4-BE49-F238E27FC236}">
+                        <a16:creationId xmlns:a16="http://schemas.microsoft.com/office/drawing/2014/main" id="{B76534BA-AB60-E43C-ABE2-E6C11E1D8521}"/>
+                      </a:ext>
+                    </a:extLst>
+                  </p:cNvPr>
+                  <p:cNvCxnSpPr>
+                    <a:cxnSpLocks/>
+                    <a:stCxn id="140" idx="2"/>
+                    <a:endCxn id="227" idx="0"/>
+                  </p:cNvCxnSpPr>
+                  <p:nvPr/>
+                </p:nvCxnSpPr>
+                <p:spPr>
+                  <a:xfrm>
+                    <a:off x="3074250" y="4540225"/>
+                    <a:ext cx="165876" cy="278549"/>
+                  </a:xfrm>
+                  <a:prstGeom prst="straightConnector1">
+                    <a:avLst/>
+                  </a:prstGeom>
+                  <a:ln w="28575">
+                    <a:solidFill>
+                      <a:srgbClr val="FF0000"/>
+                    </a:solidFill>
+                    <a:tailEnd type="triangle"/>
+                  </a:ln>
+                </p:spPr>
+                <p:style>
+                  <a:lnRef idx="1">
+                    <a:schemeClr val="accent1"/>
+                  </a:lnRef>
+                  <a:fillRef idx="0">
+                    <a:schemeClr val="accent1"/>
+                  </a:fillRef>
+                  <a:effectRef idx="0">
+                    <a:schemeClr val="accent1"/>
+                  </a:effectRef>
+                  <a:fontRef idx="minor">
+                    <a:schemeClr val="tx1"/>
+                  </a:fontRef>
+                </p:style>
+              </p:cxnSp>
+              <p:sp>
+                <p:nvSpPr>
+                  <p:cNvPr id="299" name="Arc 298">
+                    <a:extLst>
+                      <a:ext uri="{FF2B5EF4-FFF2-40B4-BE49-F238E27FC236}">
+                        <a16:creationId xmlns:a16="http://schemas.microsoft.com/office/drawing/2014/main" id="{4C636028-1910-A3EB-5B90-BEE263B82D89}"/>
+                      </a:ext>
+                    </a:extLst>
+                  </p:cNvPr>
+                  <p:cNvSpPr/>
+                  <p:nvPr/>
+                </p:nvSpPr>
+                <p:spPr>
+                  <a:xfrm rot="3634506">
+                    <a:off x="2622694" y="3672258"/>
+                    <a:ext cx="575740" cy="483552"/>
+                  </a:xfrm>
+                  <a:prstGeom prst="arc">
+                    <a:avLst>
+                      <a:gd name="adj1" fmla="val 16200000"/>
+                      <a:gd name="adj2" fmla="val 20570890"/>
+                    </a:avLst>
+                  </a:prstGeom>
+                  <a:ln w="28575">
+                    <a:solidFill>
+                      <a:srgbClr val="00B0F0"/>
+                    </a:solidFill>
+                    <a:tailEnd type="triangle"/>
+                  </a:ln>
+                </p:spPr>
+                <p:style>
+                  <a:lnRef idx="1">
+                    <a:schemeClr val="accent1"/>
+                  </a:lnRef>
+                  <a:fillRef idx="0">
+                    <a:schemeClr val="accent1"/>
+                  </a:fillRef>
+                  <a:effectRef idx="0">
+                    <a:schemeClr val="accent1"/>
+                  </a:effectRef>
+                  <a:fontRef idx="minor">
+                    <a:schemeClr val="tx1"/>
+                  </a:fontRef>
+                </p:style>
+                <p:txBody>
+                  <a:bodyPr rtlCol="0" anchor="ctr"/>
+                  <a:lstStyle/>
+                  <a:p>
+                    <a:pPr algn="ctr"/>
+                    <a:endParaRPr lang="en-NL"/>
+                  </a:p>
+                </p:txBody>
+              </p:sp>
+              <p:sp>
+                <p:nvSpPr>
+                  <p:cNvPr id="312" name="Arc 311">
+                    <a:extLst>
+                      <a:ext uri="{FF2B5EF4-FFF2-40B4-BE49-F238E27FC236}">
+                        <a16:creationId xmlns:a16="http://schemas.microsoft.com/office/drawing/2014/main" id="{79A901D0-D293-A555-CE7E-5AB1E8CDEF59}"/>
+                      </a:ext>
+                    </a:extLst>
+                  </p:cNvPr>
+                  <p:cNvSpPr/>
+                  <p:nvPr/>
+                </p:nvSpPr>
+                <p:spPr>
+                  <a:xfrm rot="14260389">
+                    <a:off x="2948083" y="3723074"/>
+                    <a:ext cx="579619" cy="499266"/>
+                  </a:xfrm>
+                  <a:prstGeom prst="arc">
+                    <a:avLst>
+                      <a:gd name="adj1" fmla="val 16200000"/>
+                      <a:gd name="adj2" fmla="val 20570890"/>
+                    </a:avLst>
+                  </a:prstGeom>
+                  <a:ln w="28575">
+                    <a:solidFill>
+                      <a:srgbClr val="FFFF00">
+                        <a:alpha val="95000"/>
+                      </a:srgbClr>
+                    </a:solidFill>
+                    <a:headEnd type="triangle" w="med" len="med"/>
+                    <a:tailEnd type="none" w="med" len="med"/>
+                  </a:ln>
+                </p:spPr>
+                <p:style>
+                  <a:lnRef idx="1">
+                    <a:schemeClr val="accent1"/>
+                  </a:lnRef>
+                  <a:fillRef idx="0">
+                    <a:schemeClr val="accent1"/>
+                  </a:fillRef>
+                  <a:effectRef idx="0">
+                    <a:schemeClr val="accent1"/>
+                  </a:effectRef>
+                  <a:fontRef idx="minor">
+                    <a:schemeClr val="tx1"/>
+                  </a:fontRef>
+                </p:style>
+                <p:txBody>
+                  <a:bodyPr rtlCol="0" anchor="ctr"/>
+                  <a:lstStyle/>
+                  <a:p>
+                    <a:pPr algn="ctr"/>
+                    <a:endParaRPr lang="en-NL"/>
+                  </a:p>
+                </p:txBody>
+              </p:sp>
+            </p:grpSp>
+            <p:grpSp>
+              <p:nvGrpSpPr>
+                <p:cNvPr id="346" name="Group 345">
+                  <a:extLst>
+                    <a:ext uri="{FF2B5EF4-FFF2-40B4-BE49-F238E27FC236}">
+                      <a16:creationId xmlns:a16="http://schemas.microsoft.com/office/drawing/2014/main" id="{D6602C1C-10DB-2E9D-86FC-A3B97D279B59}"/>
+                    </a:ext>
+                  </a:extLst>
+                </p:cNvPr>
+                <p:cNvGrpSpPr/>
+                <p:nvPr/>
+              </p:nvGrpSpPr>
+              <p:grpSpPr>
+                <a:xfrm>
+                  <a:off x="2533284" y="3778721"/>
+                  <a:ext cx="1452656" cy="2865343"/>
+                  <a:chOff x="6233512" y="1264554"/>
+                  <a:chExt cx="1452656" cy="2865343"/>
+                </a:xfrm>
+              </p:grpSpPr>
+              <p:grpSp>
+                <p:nvGrpSpPr>
+                  <p:cNvPr id="246" name="Group 245">
+                    <a:extLst>
+                      <a:ext uri="{FF2B5EF4-FFF2-40B4-BE49-F238E27FC236}">
+                        <a16:creationId xmlns:a16="http://schemas.microsoft.com/office/drawing/2014/main" id="{B2B63866-392C-1E65-4DE9-28AC222BDD5B}"/>
+                      </a:ext>
+                    </a:extLst>
+                  </p:cNvPr>
+                  <p:cNvGrpSpPr/>
+                  <p:nvPr/>
+                </p:nvGrpSpPr>
+                <p:grpSpPr>
+                  <a:xfrm>
+                    <a:off x="6233512" y="1264554"/>
+                    <a:ext cx="1452656" cy="1440000"/>
+                    <a:chOff x="4607388" y="3069000"/>
+                    <a:chExt cx="1452656" cy="1440000"/>
+                  </a:xfrm>
+                </p:grpSpPr>
+                <p:grpSp>
+                  <p:nvGrpSpPr>
+                    <p:cNvPr id="132" name="Group 131">
+                      <a:extLst>
+                        <a:ext uri="{FF2B5EF4-FFF2-40B4-BE49-F238E27FC236}">
+                          <a16:creationId xmlns:a16="http://schemas.microsoft.com/office/drawing/2014/main" id="{2DD8B6A9-1900-E59C-476F-A67A9115ADA3}"/>
+                        </a:ext>
+                      </a:extLst>
+                    </p:cNvPr>
+                    <p:cNvGrpSpPr/>
+                    <p:nvPr/>
+                  </p:nvGrpSpPr>
+                  <p:grpSpPr>
+                    <a:xfrm>
+                      <a:off x="4607588" y="3069000"/>
+                      <a:ext cx="1441200" cy="1440000"/>
+                      <a:chOff x="5760000" y="1800000"/>
+                      <a:chExt cx="1441200" cy="1440000"/>
+                    </a:xfrm>
+                  </p:grpSpPr>
+                  <p:sp>
+                    <p:nvSpPr>
+                      <p:cNvPr id="91" name="Rectangle 90">
+                        <a:extLst>
+                          <a:ext uri="{FF2B5EF4-FFF2-40B4-BE49-F238E27FC236}">
+                            <a16:creationId xmlns:a16="http://schemas.microsoft.com/office/drawing/2014/main" id="{0B0C07D8-2D65-D068-DD24-8F2C1D5CEF84}"/>
+                          </a:ext>
+                        </a:extLst>
+                      </p:cNvPr>
+                      <p:cNvSpPr/>
+                      <p:nvPr/>
+                    </p:nvSpPr>
+                    <p:spPr>
+                      <a:xfrm>
+                        <a:off x="5761200" y="1800000"/>
+                        <a:ext cx="1440000" cy="1440000"/>
+                      </a:xfrm>
+                      <a:prstGeom prst="rect">
+                        <a:avLst/>
+                      </a:prstGeom>
+                      <a:noFill/>
+                      <a:ln w="19050">
+                        <a:solidFill>
+                          <a:schemeClr val="tx1"/>
+                        </a:solidFill>
+                      </a:ln>
+                    </p:spPr>
+                    <p:style>
+                      <a:lnRef idx="2">
+                        <a:schemeClr val="accent1">
+                          <a:shade val="50000"/>
+                        </a:schemeClr>
+                      </a:lnRef>
+                      <a:fillRef idx="1">
+                        <a:schemeClr val="accent1"/>
+                      </a:fillRef>
+                      <a:effectRef idx="0">
+                        <a:schemeClr val="accent1"/>
+                      </a:effectRef>
+                      <a:fontRef idx="minor">
+                        <a:schemeClr val="lt1"/>
+                      </a:fontRef>
+                    </p:style>
+                    <p:txBody>
+                      <a:bodyPr rtlCol="0" anchor="ctr"/>
+                      <a:lstStyle/>
+                      <a:p>
+                        <a:pPr algn="ctr"/>
+                        <a:endParaRPr lang="en-NL">
+                          <a:solidFill>
+                            <a:schemeClr val="tx1"/>
+                          </a:solidFill>
+                        </a:endParaRPr>
+                      </a:p>
+                    </p:txBody>
+                  </p:sp>
+                  <p:sp>
+                    <p:nvSpPr>
+                      <p:cNvPr id="93" name="Rectangle 92">
+                        <a:extLst>
+                          <a:ext uri="{FF2B5EF4-FFF2-40B4-BE49-F238E27FC236}">
+                            <a16:creationId xmlns:a16="http://schemas.microsoft.com/office/drawing/2014/main" id="{808F92A2-5AC9-C409-1F81-F954E052775B}"/>
+                          </a:ext>
+                        </a:extLst>
+                      </p:cNvPr>
+                      <p:cNvSpPr/>
+                      <p:nvPr/>
+                    </p:nvSpPr>
+                    <p:spPr>
+                      <a:xfrm>
+                        <a:off x="6841200" y="1800000"/>
+                        <a:ext cx="360000" cy="360000"/>
+                      </a:xfrm>
+                      <a:prstGeom prst="rect">
+                        <a:avLst/>
+                      </a:prstGeom>
+                      <a:noFill/>
+                      <a:ln w="3175">
+                        <a:solidFill>
+                          <a:schemeClr val="tx1"/>
+                        </a:solidFill>
+                      </a:ln>
+                    </p:spPr>
+                    <p:style>
+                      <a:lnRef idx="2">
+                        <a:schemeClr val="accent1">
+                          <a:shade val="50000"/>
+                        </a:schemeClr>
+                      </a:lnRef>
+                      <a:fillRef idx="1">
+                        <a:schemeClr val="accent1"/>
+                      </a:fillRef>
+                      <a:effectRef idx="0">
+                        <a:schemeClr val="accent1"/>
+                      </a:effectRef>
+                      <a:fontRef idx="minor">
+                        <a:schemeClr val="lt1"/>
+                      </a:fontRef>
+                    </p:style>
+                    <p:txBody>
+                      <a:bodyPr rtlCol="0" anchor="ctr"/>
+                      <a:lstStyle/>
+                      <a:p>
+                        <a:pPr algn="ctr"/>
+                        <a:r>
+                          <a:rPr lang="en-US" dirty="0">
+                            <a:solidFill>
+                              <a:schemeClr val="tx1"/>
+                            </a:solidFill>
+                          </a:rPr>
+                          <a:t>0</a:t>
+                        </a:r>
+                        <a:endParaRPr lang="en-NL" dirty="0">
+                          <a:solidFill>
+                            <a:schemeClr val="tx1"/>
+                          </a:solidFill>
+                        </a:endParaRPr>
+                      </a:p>
+                    </p:txBody>
+                  </p:sp>
+                  <p:sp>
+                    <p:nvSpPr>
+                      <p:cNvPr id="95" name="Rectangle 94">
+                        <a:extLst>
+                          <a:ext uri="{FF2B5EF4-FFF2-40B4-BE49-F238E27FC236}">
+                            <a16:creationId xmlns:a16="http://schemas.microsoft.com/office/drawing/2014/main" id="{F63F5843-46A0-4B5B-3343-443E81029D75}"/>
+                          </a:ext>
+                        </a:extLst>
+                      </p:cNvPr>
+                      <p:cNvSpPr/>
+                      <p:nvPr/>
+                    </p:nvSpPr>
+                    <p:spPr>
+                      <a:xfrm>
+                        <a:off x="6481200" y="1800000"/>
+                        <a:ext cx="360000" cy="360000"/>
+                      </a:xfrm>
+                      <a:prstGeom prst="rect">
+                        <a:avLst/>
+                      </a:prstGeom>
+                      <a:noFill/>
+                      <a:ln w="3175">
+                        <a:solidFill>
+                          <a:schemeClr val="tx1"/>
+                        </a:solidFill>
+                      </a:ln>
+                    </p:spPr>
+                    <p:style>
+                      <a:lnRef idx="2">
+                        <a:schemeClr val="accent1">
+                          <a:shade val="50000"/>
+                        </a:schemeClr>
+                      </a:lnRef>
+                      <a:fillRef idx="1">
+                        <a:schemeClr val="accent1"/>
+                      </a:fillRef>
+                      <a:effectRef idx="0">
+                        <a:schemeClr val="accent1"/>
+                      </a:effectRef>
+                      <a:fontRef idx="minor">
+                        <a:schemeClr val="lt1"/>
+                      </a:fontRef>
+                    </p:style>
+                    <p:txBody>
+                      <a:bodyPr rtlCol="0" anchor="ctr"/>
+                      <a:lstStyle/>
+                      <a:p>
+                        <a:pPr algn="ctr"/>
+                        <a:r>
+                          <a:rPr lang="en-US" dirty="0">
+                            <a:solidFill>
+                              <a:schemeClr val="tx1"/>
+                            </a:solidFill>
+                          </a:rPr>
+                          <a:t>0</a:t>
+                        </a:r>
+                        <a:endParaRPr lang="en-NL" dirty="0">
+                          <a:solidFill>
+                            <a:schemeClr val="tx1"/>
+                          </a:solidFill>
+                        </a:endParaRPr>
+                      </a:p>
+                    </p:txBody>
+                  </p:sp>
+                  <p:sp>
+                    <p:nvSpPr>
+                      <p:cNvPr id="96" name="Rectangle 95">
+                        <a:extLst>
+                          <a:ext uri="{FF2B5EF4-FFF2-40B4-BE49-F238E27FC236}">
+                            <a16:creationId xmlns:a16="http://schemas.microsoft.com/office/drawing/2014/main" id="{A799CAD8-7CD6-9D6E-AA9C-CF08CC2ACC3E}"/>
+                          </a:ext>
+                        </a:extLst>
+                      </p:cNvPr>
+                      <p:cNvSpPr/>
+                      <p:nvPr/>
+                    </p:nvSpPr>
+                    <p:spPr>
+                      <a:xfrm>
+                        <a:off x="6121200" y="1800000"/>
+                        <a:ext cx="360000" cy="360000"/>
+                      </a:xfrm>
+                      <a:prstGeom prst="rect">
+                        <a:avLst/>
+                      </a:prstGeom>
+                      <a:noFill/>
+                      <a:ln w="3175">
+                        <a:solidFill>
+                          <a:schemeClr val="tx1"/>
+                        </a:solidFill>
+                      </a:ln>
+                    </p:spPr>
+                    <p:style>
+                      <a:lnRef idx="2">
+                        <a:schemeClr val="accent1">
+                          <a:shade val="50000"/>
+                        </a:schemeClr>
+                      </a:lnRef>
+                      <a:fillRef idx="1">
+                        <a:schemeClr val="accent1"/>
+                      </a:fillRef>
+                      <a:effectRef idx="0">
+                        <a:schemeClr val="accent1"/>
+                      </a:effectRef>
+                      <a:fontRef idx="minor">
+                        <a:schemeClr val="lt1"/>
+                      </a:fontRef>
+                    </p:style>
+                    <p:txBody>
+                      <a:bodyPr rtlCol="0" anchor="ctr"/>
+                      <a:lstStyle/>
+                      <a:p>
+                        <a:pPr algn="ctr"/>
+                        <a:r>
+                          <a:rPr lang="en-US" dirty="0">
+                            <a:solidFill>
+                              <a:schemeClr val="tx1"/>
+                            </a:solidFill>
+                          </a:rPr>
+                          <a:t>0</a:t>
+                        </a:r>
+                        <a:endParaRPr lang="en-NL" dirty="0">
+                          <a:solidFill>
+                            <a:schemeClr val="tx1"/>
+                          </a:solidFill>
+                        </a:endParaRPr>
+                      </a:p>
+                    </p:txBody>
+                  </p:sp>
+                  <p:sp>
+                    <p:nvSpPr>
+                      <p:cNvPr id="99" name="Rectangle 98">
+                        <a:extLst>
+                          <a:ext uri="{FF2B5EF4-FFF2-40B4-BE49-F238E27FC236}">
+                            <a16:creationId xmlns:a16="http://schemas.microsoft.com/office/drawing/2014/main" id="{FD2AF4EB-9FC0-FC9C-661C-EEB968D7CC34}"/>
+                          </a:ext>
+                        </a:extLst>
+                      </p:cNvPr>
+                      <p:cNvSpPr/>
+                      <p:nvPr/>
+                    </p:nvSpPr>
+                    <p:spPr>
+                      <a:xfrm>
+                        <a:off x="5761200" y="1800000"/>
+                        <a:ext cx="360000" cy="360000"/>
+                      </a:xfrm>
+                      <a:prstGeom prst="rect">
+                        <a:avLst/>
+                      </a:prstGeom>
+                      <a:noFill/>
+                      <a:ln w="3175">
+                        <a:solidFill>
+                          <a:schemeClr val="tx1"/>
+                        </a:solidFill>
+                      </a:ln>
+                    </p:spPr>
+                    <p:style>
+                      <a:lnRef idx="2">
+                        <a:schemeClr val="accent1">
+                          <a:shade val="50000"/>
+                        </a:schemeClr>
+                      </a:lnRef>
+                      <a:fillRef idx="1">
+                        <a:schemeClr val="accent1"/>
+                      </a:fillRef>
+                      <a:effectRef idx="0">
+                        <a:schemeClr val="accent1"/>
+                      </a:effectRef>
+                      <a:fontRef idx="minor">
+                        <a:schemeClr val="lt1"/>
+                      </a:fontRef>
+                    </p:style>
+                    <p:txBody>
+                      <a:bodyPr rtlCol="0" anchor="ctr"/>
+                      <a:lstStyle/>
+                      <a:p>
+                        <a:pPr algn="ctr"/>
+                        <a:r>
+                          <a:rPr lang="en-US" dirty="0">
+                            <a:solidFill>
+                              <a:schemeClr val="tx1"/>
+                            </a:solidFill>
+                          </a:rPr>
+                          <a:t>1</a:t>
+                        </a:r>
+                        <a:endParaRPr lang="en-NL" dirty="0">
+                          <a:solidFill>
+                            <a:schemeClr val="tx1"/>
+                          </a:solidFill>
+                        </a:endParaRPr>
+                      </a:p>
+                    </p:txBody>
+                  </p:sp>
+                  <p:sp>
+                    <p:nvSpPr>
+                      <p:cNvPr id="100" name="Rectangle 99">
+                        <a:extLst>
+                          <a:ext uri="{FF2B5EF4-FFF2-40B4-BE49-F238E27FC236}">
+                            <a16:creationId xmlns:a16="http://schemas.microsoft.com/office/drawing/2014/main" id="{44DF2F4F-1789-5A01-6AA2-DFF8BF048B3E}"/>
+                          </a:ext>
+                        </a:extLst>
+                      </p:cNvPr>
+                      <p:cNvSpPr/>
+                      <p:nvPr/>
+                    </p:nvSpPr>
+                    <p:spPr>
+                      <a:xfrm>
+                        <a:off x="5760000" y="2160000"/>
+                        <a:ext cx="360000" cy="360000"/>
+                      </a:xfrm>
+                      <a:prstGeom prst="rect">
+                        <a:avLst/>
+                      </a:prstGeom>
+                      <a:noFill/>
+                      <a:ln w="3175">
+                        <a:solidFill>
+                          <a:schemeClr val="tx1"/>
+                        </a:solidFill>
+                      </a:ln>
+                    </p:spPr>
+                    <p:style>
+                      <a:lnRef idx="2">
+                        <a:schemeClr val="accent1">
+                          <a:shade val="50000"/>
+                        </a:schemeClr>
+                      </a:lnRef>
+                      <a:fillRef idx="1">
+                        <a:schemeClr val="accent1"/>
+                      </a:fillRef>
+                      <a:effectRef idx="0">
+                        <a:schemeClr val="accent1"/>
+                      </a:effectRef>
+                      <a:fontRef idx="minor">
+                        <a:schemeClr val="lt1"/>
+                      </a:fontRef>
+                    </p:style>
+                    <p:txBody>
+                      <a:bodyPr rtlCol="0" anchor="ctr"/>
+                      <a:lstStyle/>
+                      <a:p>
+                        <a:pPr algn="ctr"/>
+                        <a:r>
+                          <a:rPr lang="en-US" dirty="0">
+                            <a:solidFill>
+                              <a:schemeClr val="tx1"/>
+                            </a:solidFill>
+                          </a:rPr>
+                          <a:t>0</a:t>
+                        </a:r>
+                        <a:endParaRPr lang="en-NL" dirty="0">
+                          <a:solidFill>
+                            <a:schemeClr val="tx1"/>
+                          </a:solidFill>
+                        </a:endParaRPr>
+                      </a:p>
+                    </p:txBody>
+                  </p:sp>
+                  <p:sp>
+                    <p:nvSpPr>
+                      <p:cNvPr id="101" name="Rectangle 100">
+                        <a:extLst>
+                          <a:ext uri="{FF2B5EF4-FFF2-40B4-BE49-F238E27FC236}">
+                            <a16:creationId xmlns:a16="http://schemas.microsoft.com/office/drawing/2014/main" id="{19FA8255-392F-A00D-3E18-8B2AF0A150A5}"/>
+                          </a:ext>
+                        </a:extLst>
+                      </p:cNvPr>
+                      <p:cNvSpPr/>
+                      <p:nvPr/>
+                    </p:nvSpPr>
+                    <p:spPr>
+                      <a:xfrm>
+                        <a:off x="5760000" y="2880000"/>
+                        <a:ext cx="360000" cy="360000"/>
+                      </a:xfrm>
+                      <a:prstGeom prst="rect">
+                        <a:avLst/>
+                      </a:prstGeom>
+                      <a:noFill/>
+                      <a:ln w="3175">
+                        <a:solidFill>
+                          <a:schemeClr val="tx1"/>
+                        </a:solidFill>
+                      </a:ln>
+                    </p:spPr>
+                    <p:style>
+                      <a:lnRef idx="2">
+                        <a:schemeClr val="accent1">
+                          <a:shade val="50000"/>
+                        </a:schemeClr>
+                      </a:lnRef>
+                      <a:fillRef idx="1">
+                        <a:schemeClr val="accent1"/>
+                      </a:fillRef>
+                      <a:effectRef idx="0">
+                        <a:schemeClr val="accent1"/>
+                      </a:effectRef>
+                      <a:fontRef idx="minor">
+                        <a:schemeClr val="lt1"/>
+                      </a:fontRef>
+                    </p:style>
+                    <p:txBody>
+                      <a:bodyPr rtlCol="0" anchor="ctr"/>
+                      <a:lstStyle/>
+                      <a:p>
+                        <a:pPr algn="ctr"/>
+                        <a:r>
+                          <a:rPr lang="en-US" dirty="0">
+                            <a:solidFill>
+                              <a:schemeClr val="tx1"/>
+                            </a:solidFill>
+                          </a:rPr>
+                          <a:t>0</a:t>
+                        </a:r>
+                        <a:endParaRPr lang="en-NL" dirty="0">
+                          <a:solidFill>
+                            <a:schemeClr val="tx1"/>
+                          </a:solidFill>
+                        </a:endParaRPr>
+                      </a:p>
+                    </p:txBody>
+                  </p:sp>
+                  <p:sp>
+                    <p:nvSpPr>
+                      <p:cNvPr id="103" name="Rectangle 102">
+                        <a:extLst>
+                          <a:ext uri="{FF2B5EF4-FFF2-40B4-BE49-F238E27FC236}">
+                            <a16:creationId xmlns:a16="http://schemas.microsoft.com/office/drawing/2014/main" id="{CD46C5C2-DB38-92D6-3340-A37D1F3B3CE2}"/>
+                          </a:ext>
+                        </a:extLst>
+                      </p:cNvPr>
+                      <p:cNvSpPr/>
+                      <p:nvPr/>
+                    </p:nvSpPr>
+                    <p:spPr>
+                      <a:xfrm>
+                        <a:off x="5760000" y="2520000"/>
+                        <a:ext cx="360000" cy="360000"/>
+                      </a:xfrm>
+                      <a:prstGeom prst="rect">
+                        <a:avLst/>
+                      </a:prstGeom>
+                      <a:noFill/>
+                      <a:ln w="3175">
+                        <a:solidFill>
+                          <a:schemeClr val="tx1"/>
+                        </a:solidFill>
+                      </a:ln>
+                    </p:spPr>
+                    <p:style>
+                      <a:lnRef idx="2">
+                        <a:schemeClr val="accent1">
+                          <a:shade val="50000"/>
+                        </a:schemeClr>
+                      </a:lnRef>
+                      <a:fillRef idx="1">
+                        <a:schemeClr val="accent1"/>
+                      </a:fillRef>
+                      <a:effectRef idx="0">
+                        <a:schemeClr val="accent1"/>
+                      </a:effectRef>
+                      <a:fontRef idx="minor">
+                        <a:schemeClr val="lt1"/>
+                      </a:fontRef>
+                    </p:style>
+                    <p:txBody>
+                      <a:bodyPr rtlCol="0" anchor="ctr"/>
+                      <a:lstStyle/>
+                      <a:p>
+                        <a:pPr algn="ctr"/>
+                        <a:r>
+                          <a:rPr lang="en-US" dirty="0">
+                            <a:solidFill>
+                              <a:schemeClr val="tx1"/>
+                            </a:solidFill>
+                          </a:rPr>
+                          <a:t>0</a:t>
+                        </a:r>
+                        <a:endParaRPr lang="en-NL" dirty="0">
+                          <a:solidFill>
+                            <a:schemeClr val="tx1"/>
+                          </a:solidFill>
+                        </a:endParaRPr>
+                      </a:p>
+                    </p:txBody>
+                  </p:sp>
+                  <p:sp>
+                    <p:nvSpPr>
+                      <p:cNvPr id="107" name="Rectangle 106">
+                        <a:extLst>
+                          <a:ext uri="{FF2B5EF4-FFF2-40B4-BE49-F238E27FC236}">
+                            <a16:creationId xmlns:a16="http://schemas.microsoft.com/office/drawing/2014/main" id="{D4D9E3E3-72F3-BD74-EA5F-4885F75398B7}"/>
+                          </a:ext>
+                        </a:extLst>
+                      </p:cNvPr>
+                      <p:cNvSpPr/>
+                      <p:nvPr/>
+                    </p:nvSpPr>
+                    <p:spPr>
+                      <a:xfrm>
+                        <a:off x="6481200" y="2160000"/>
+                        <a:ext cx="360000" cy="360000"/>
+                      </a:xfrm>
+                      <a:prstGeom prst="rect">
+                        <a:avLst/>
+                      </a:prstGeom>
+                      <a:noFill/>
+                      <a:ln w="3175">
+                        <a:solidFill>
+                          <a:schemeClr val="tx1"/>
+                        </a:solidFill>
+                      </a:ln>
+                    </p:spPr>
+                    <p:style>
+                      <a:lnRef idx="2">
+                        <a:schemeClr val="accent1">
+                          <a:shade val="50000"/>
+                        </a:schemeClr>
+                      </a:lnRef>
+                      <a:fillRef idx="1">
+                        <a:schemeClr val="accent1"/>
+                      </a:fillRef>
+                      <a:effectRef idx="0">
+                        <a:schemeClr val="accent1"/>
+                      </a:effectRef>
+                      <a:fontRef idx="minor">
+                        <a:schemeClr val="lt1"/>
+                      </a:fontRef>
+                    </p:style>
+                    <p:txBody>
+                      <a:bodyPr rtlCol="0" anchor="ctr"/>
+                      <a:lstStyle/>
+                      <a:p>
+                        <a:pPr algn="ctr"/>
+                        <a:r>
+                          <a:rPr lang="en-US" dirty="0">
+                            <a:solidFill>
+                              <a:schemeClr val="tx1"/>
+                            </a:solidFill>
+                          </a:rPr>
+                          <a:t>0</a:t>
+                        </a:r>
+                        <a:endParaRPr lang="en-NL" dirty="0">
+                          <a:solidFill>
+                            <a:schemeClr val="tx1"/>
+                          </a:solidFill>
+                        </a:endParaRPr>
+                      </a:p>
+                    </p:txBody>
+                  </p:sp>
+                  <p:sp>
+                    <p:nvSpPr>
+                      <p:cNvPr id="108" name="Rectangle 107">
+                        <a:extLst>
+                          <a:ext uri="{FF2B5EF4-FFF2-40B4-BE49-F238E27FC236}">
+                            <a16:creationId xmlns:a16="http://schemas.microsoft.com/office/drawing/2014/main" id="{585EBD2B-54AC-CA95-B7BF-D26BF91E1572}"/>
+                          </a:ext>
+                        </a:extLst>
+                      </p:cNvPr>
+                      <p:cNvSpPr/>
+                      <p:nvPr/>
+                    </p:nvSpPr>
+                    <p:spPr>
+                      <a:xfrm>
+                        <a:off x="6121200" y="2160000"/>
+                        <a:ext cx="360000" cy="360000"/>
+                      </a:xfrm>
+                      <a:prstGeom prst="rect">
+                        <a:avLst/>
+                      </a:prstGeom>
+                      <a:noFill/>
+                      <a:ln w="3175">
+                        <a:solidFill>
+                          <a:schemeClr val="tx1"/>
+                        </a:solidFill>
+                      </a:ln>
+                    </p:spPr>
+                    <p:style>
+                      <a:lnRef idx="2">
+                        <a:schemeClr val="accent1">
+                          <a:shade val="50000"/>
+                        </a:schemeClr>
+                      </a:lnRef>
+                      <a:fillRef idx="1">
+                        <a:schemeClr val="accent1"/>
+                      </a:fillRef>
+                      <a:effectRef idx="0">
+                        <a:schemeClr val="accent1"/>
+                      </a:effectRef>
+                      <a:fontRef idx="minor">
+                        <a:schemeClr val="lt1"/>
+                      </a:fontRef>
+                    </p:style>
+                    <p:txBody>
+                      <a:bodyPr rtlCol="0" anchor="ctr"/>
+                      <a:lstStyle/>
+                      <a:p>
+                        <a:pPr algn="ctr"/>
+                        <a:r>
+                          <a:rPr lang="en-US" dirty="0">
+                            <a:solidFill>
+                              <a:schemeClr val="tx1"/>
+                            </a:solidFill>
+                          </a:rPr>
+                          <a:t>0</a:t>
+                        </a:r>
+                        <a:endParaRPr lang="en-NL" dirty="0">
+                          <a:solidFill>
+                            <a:schemeClr val="tx1"/>
+                          </a:solidFill>
+                        </a:endParaRPr>
+                      </a:p>
+                    </p:txBody>
+                  </p:sp>
+                  <p:sp>
+                    <p:nvSpPr>
+                      <p:cNvPr id="111" name="Rectangle 110">
+                        <a:extLst>
+                          <a:ext uri="{FF2B5EF4-FFF2-40B4-BE49-F238E27FC236}">
+                            <a16:creationId xmlns:a16="http://schemas.microsoft.com/office/drawing/2014/main" id="{B6C724B5-8A23-6E8A-B93B-E1F1065FE8F6}"/>
+                          </a:ext>
+                        </a:extLst>
+                      </p:cNvPr>
+                      <p:cNvSpPr/>
+                      <p:nvPr/>
+                    </p:nvSpPr>
+                    <p:spPr>
+                      <a:xfrm>
+                        <a:off x="6840400" y="2520000"/>
+                        <a:ext cx="360000" cy="360000"/>
+                      </a:xfrm>
+                      <a:prstGeom prst="rect">
+                        <a:avLst/>
+                      </a:prstGeom>
+                      <a:noFill/>
+                      <a:ln w="3175">
+                        <a:solidFill>
+                          <a:schemeClr val="tx1"/>
+                        </a:solidFill>
+                      </a:ln>
+                    </p:spPr>
+                    <p:style>
+                      <a:lnRef idx="2">
+                        <a:schemeClr val="accent1">
+                          <a:shade val="50000"/>
+                        </a:schemeClr>
+                      </a:lnRef>
+                      <a:fillRef idx="1">
+                        <a:schemeClr val="accent1"/>
+                      </a:fillRef>
+                      <a:effectRef idx="0">
+                        <a:schemeClr val="accent1"/>
+                      </a:effectRef>
+                      <a:fontRef idx="minor">
+                        <a:schemeClr val="lt1"/>
+                      </a:fontRef>
+                    </p:style>
+                    <p:txBody>
+                      <a:bodyPr rtlCol="0" anchor="ctr"/>
+                      <a:lstStyle/>
+                      <a:p>
+                        <a:pPr algn="ctr"/>
+                        <a:r>
+                          <a:rPr lang="en-US" dirty="0">
+                            <a:solidFill>
+                              <a:schemeClr val="tx1"/>
+                            </a:solidFill>
+                          </a:rPr>
+                          <a:t>0</a:t>
+                        </a:r>
+                        <a:endParaRPr lang="en-NL" dirty="0">
+                          <a:solidFill>
+                            <a:schemeClr val="tx1"/>
+                          </a:solidFill>
+                        </a:endParaRPr>
+                      </a:p>
+                    </p:txBody>
+                  </p:sp>
+                  <p:sp>
+                    <p:nvSpPr>
+                      <p:cNvPr id="112" name="Rectangle 111">
+                        <a:extLst>
+                          <a:ext uri="{FF2B5EF4-FFF2-40B4-BE49-F238E27FC236}">
+                            <a16:creationId xmlns:a16="http://schemas.microsoft.com/office/drawing/2014/main" id="{1B0ACA8D-7761-BA4B-AE91-B723FD1E3A88}"/>
+                          </a:ext>
+                        </a:extLst>
+                      </p:cNvPr>
+                      <p:cNvSpPr/>
+                      <p:nvPr/>
+                    </p:nvSpPr>
+                    <p:spPr>
+                      <a:xfrm>
+                        <a:off x="6481200" y="2520000"/>
+                        <a:ext cx="360000" cy="360000"/>
+                      </a:xfrm>
+                      <a:prstGeom prst="rect">
+                        <a:avLst/>
+                      </a:prstGeom>
+                      <a:noFill/>
+                      <a:ln w="3175">
+                        <a:solidFill>
+                          <a:schemeClr val="tx1"/>
+                        </a:solidFill>
+                      </a:ln>
+                    </p:spPr>
+                    <p:style>
+                      <a:lnRef idx="2">
+                        <a:schemeClr val="accent1">
+                          <a:shade val="50000"/>
+                        </a:schemeClr>
+                      </a:lnRef>
+                      <a:fillRef idx="1">
+                        <a:schemeClr val="accent1"/>
+                      </a:fillRef>
+                      <a:effectRef idx="0">
+                        <a:schemeClr val="accent1"/>
+                      </a:effectRef>
+                      <a:fontRef idx="minor">
+                        <a:schemeClr val="lt1"/>
+                      </a:fontRef>
+                    </p:style>
+                    <p:txBody>
+                      <a:bodyPr rtlCol="0" anchor="ctr"/>
+                      <a:lstStyle/>
+                      <a:p>
+                        <a:pPr algn="ctr"/>
+                        <a:r>
+                          <a:rPr lang="en-US" dirty="0">
+                            <a:solidFill>
+                              <a:schemeClr val="tx1"/>
+                            </a:solidFill>
+                          </a:rPr>
+                          <a:t>0</a:t>
+                        </a:r>
+                        <a:endParaRPr lang="en-NL" dirty="0">
+                          <a:solidFill>
+                            <a:schemeClr val="tx1"/>
+                          </a:solidFill>
+                        </a:endParaRPr>
+                      </a:p>
+                    </p:txBody>
+                  </p:sp>
+                  <p:sp>
+                    <p:nvSpPr>
+                      <p:cNvPr id="113" name="Rectangle 112">
+                        <a:extLst>
+                          <a:ext uri="{FF2B5EF4-FFF2-40B4-BE49-F238E27FC236}">
+                            <a16:creationId xmlns:a16="http://schemas.microsoft.com/office/drawing/2014/main" id="{B1048A69-8EEF-9CA9-007D-ABF275DD9FB6}"/>
+                          </a:ext>
+                        </a:extLst>
+                      </p:cNvPr>
+                      <p:cNvSpPr/>
+                      <p:nvPr/>
+                    </p:nvSpPr>
+                    <p:spPr>
+                      <a:xfrm>
+                        <a:off x="6121200" y="2520000"/>
+                        <a:ext cx="360000" cy="360000"/>
+                      </a:xfrm>
+                      <a:prstGeom prst="rect">
+                        <a:avLst/>
+                      </a:prstGeom>
+                      <a:noFill/>
+                      <a:ln w="3175">
+                        <a:solidFill>
+                          <a:schemeClr val="tx1"/>
+                        </a:solidFill>
+                      </a:ln>
+                    </p:spPr>
+                    <p:style>
+                      <a:lnRef idx="2">
+                        <a:schemeClr val="accent1">
+                          <a:shade val="50000"/>
+                        </a:schemeClr>
+                      </a:lnRef>
+                      <a:fillRef idx="1">
+                        <a:schemeClr val="accent1"/>
+                      </a:fillRef>
+                      <a:effectRef idx="0">
+                        <a:schemeClr val="accent1"/>
+                      </a:effectRef>
+                      <a:fontRef idx="minor">
+                        <a:schemeClr val="lt1"/>
+                      </a:fontRef>
+                    </p:style>
+                    <p:txBody>
+                      <a:bodyPr rtlCol="0" anchor="ctr"/>
+                      <a:lstStyle/>
+                      <a:p>
+                        <a:pPr algn="ctr"/>
+                        <a:r>
+                          <a:rPr lang="en-US" dirty="0">
+                            <a:solidFill>
+                              <a:schemeClr val="tx1"/>
+                            </a:solidFill>
+                          </a:rPr>
+                          <a:t>0</a:t>
+                        </a:r>
+                        <a:endParaRPr lang="en-NL" dirty="0">
+                          <a:solidFill>
+                            <a:schemeClr val="tx1"/>
+                          </a:solidFill>
+                        </a:endParaRPr>
+                      </a:p>
+                    </p:txBody>
+                  </p:sp>
+                  <p:sp>
+                    <p:nvSpPr>
+                      <p:cNvPr id="115" name="Rectangle 114">
+                        <a:extLst>
+                          <a:ext uri="{FF2B5EF4-FFF2-40B4-BE49-F238E27FC236}">
+                            <a16:creationId xmlns:a16="http://schemas.microsoft.com/office/drawing/2014/main" id="{822D0494-E212-A090-196D-3698C6B0E46A}"/>
+                          </a:ext>
+                        </a:extLst>
+                      </p:cNvPr>
+                      <p:cNvSpPr/>
+                      <p:nvPr/>
+                    </p:nvSpPr>
+                    <p:spPr>
+                      <a:xfrm>
+                        <a:off x="6840400" y="2160000"/>
+                        <a:ext cx="360000" cy="360000"/>
+                      </a:xfrm>
+                      <a:prstGeom prst="rect">
+                        <a:avLst/>
+                      </a:prstGeom>
+                      <a:noFill/>
+                      <a:ln w="3175">
+                        <a:solidFill>
+                          <a:schemeClr val="tx1"/>
+                        </a:solidFill>
+                      </a:ln>
+                    </p:spPr>
+                    <p:style>
+                      <a:lnRef idx="2">
+                        <a:schemeClr val="accent1">
+                          <a:shade val="50000"/>
+                        </a:schemeClr>
+                      </a:lnRef>
+                      <a:fillRef idx="1">
+                        <a:schemeClr val="accent1"/>
+                      </a:fillRef>
+                      <a:effectRef idx="0">
+                        <a:schemeClr val="accent1"/>
+                      </a:effectRef>
+                      <a:fontRef idx="minor">
+                        <a:schemeClr val="lt1"/>
+                      </a:fontRef>
+                    </p:style>
+                    <p:txBody>
+                      <a:bodyPr rtlCol="0" anchor="ctr"/>
+                      <a:lstStyle/>
+                      <a:p>
+                        <a:pPr algn="ctr"/>
+                        <a:r>
+                          <a:rPr lang="en-US" dirty="0">
+                            <a:solidFill>
+                              <a:schemeClr val="tx1"/>
+                            </a:solidFill>
+                          </a:rPr>
+                          <a:t>0</a:t>
+                        </a:r>
+                        <a:endParaRPr lang="en-NL" dirty="0">
+                          <a:solidFill>
+                            <a:schemeClr val="tx1"/>
+                          </a:solidFill>
+                        </a:endParaRPr>
+                      </a:p>
+                    </p:txBody>
+                  </p:sp>
+                  <p:sp>
+                    <p:nvSpPr>
+                      <p:cNvPr id="119" name="Rectangle 118">
+                        <a:extLst>
+                          <a:ext uri="{FF2B5EF4-FFF2-40B4-BE49-F238E27FC236}">
+                            <a16:creationId xmlns:a16="http://schemas.microsoft.com/office/drawing/2014/main" id="{348DCE88-6FA0-2D6C-3DE4-8F19D2D13D2E}"/>
+                          </a:ext>
+                        </a:extLst>
+                      </p:cNvPr>
+                      <p:cNvSpPr/>
+                      <p:nvPr/>
+                    </p:nvSpPr>
+                    <p:spPr>
+                      <a:xfrm>
+                        <a:off x="6120200" y="2880000"/>
+                        <a:ext cx="360000" cy="360000"/>
+                      </a:xfrm>
+                      <a:prstGeom prst="rect">
+                        <a:avLst/>
+                      </a:prstGeom>
+                      <a:noFill/>
+                      <a:ln w="3175">
+                        <a:solidFill>
+                          <a:schemeClr val="tx1"/>
+                        </a:solidFill>
+                      </a:ln>
+                    </p:spPr>
+                    <p:style>
+                      <a:lnRef idx="2">
+                        <a:schemeClr val="accent1">
+                          <a:shade val="50000"/>
+                        </a:schemeClr>
+                      </a:lnRef>
+                      <a:fillRef idx="1">
+                        <a:schemeClr val="accent1"/>
+                      </a:fillRef>
+                      <a:effectRef idx="0">
+                        <a:schemeClr val="accent1"/>
+                      </a:effectRef>
+                      <a:fontRef idx="minor">
+                        <a:schemeClr val="lt1"/>
+                      </a:fontRef>
+                    </p:style>
+                    <p:txBody>
+                      <a:bodyPr rtlCol="0" anchor="ctr"/>
+                      <a:lstStyle/>
+                      <a:p>
+                        <a:pPr algn="ctr"/>
+                        <a:r>
+                          <a:rPr lang="en-US" dirty="0">
+                            <a:solidFill>
+                              <a:schemeClr val="tx1"/>
+                            </a:solidFill>
+                          </a:rPr>
+                          <a:t>0</a:t>
+                        </a:r>
+                        <a:endParaRPr lang="en-NL" dirty="0">
+                          <a:solidFill>
+                            <a:schemeClr val="tx1"/>
+                          </a:solidFill>
+                        </a:endParaRPr>
+                      </a:p>
+                    </p:txBody>
+                  </p:sp>
+                  <p:sp>
+                    <p:nvSpPr>
+                      <p:cNvPr id="124" name="Rectangle 123">
+                        <a:extLst>
+                          <a:ext uri="{FF2B5EF4-FFF2-40B4-BE49-F238E27FC236}">
+                            <a16:creationId xmlns:a16="http://schemas.microsoft.com/office/drawing/2014/main" id="{618FB9A1-DC4C-E23D-84F8-7BBBAD49E703}"/>
+                          </a:ext>
+                        </a:extLst>
+                      </p:cNvPr>
+                      <p:cNvSpPr/>
+                      <p:nvPr/>
+                    </p:nvSpPr>
+                    <p:spPr>
+                      <a:xfrm>
+                        <a:off x="6481200" y="2880000"/>
+                        <a:ext cx="360000" cy="360000"/>
+                      </a:xfrm>
+                      <a:prstGeom prst="rect">
+                        <a:avLst/>
+                      </a:prstGeom>
+                      <a:noFill/>
+                      <a:ln w="3175">
+                        <a:solidFill>
+                          <a:schemeClr val="tx1"/>
+                        </a:solidFill>
+                      </a:ln>
+                    </p:spPr>
+                    <p:style>
+                      <a:lnRef idx="2">
+                        <a:schemeClr val="accent1">
+                          <a:shade val="50000"/>
+                        </a:schemeClr>
+                      </a:lnRef>
+                      <a:fillRef idx="1">
+                        <a:schemeClr val="accent1"/>
+                      </a:fillRef>
+                      <a:effectRef idx="0">
+                        <a:schemeClr val="accent1"/>
+                      </a:effectRef>
+                      <a:fontRef idx="minor">
+                        <a:schemeClr val="lt1"/>
+                      </a:fontRef>
+                    </p:style>
+                    <p:txBody>
+                      <a:bodyPr rtlCol="0" anchor="ctr"/>
+                      <a:lstStyle/>
+                      <a:p>
+                        <a:pPr algn="ctr"/>
+                        <a:r>
+                          <a:rPr lang="en-US" dirty="0">
+                            <a:solidFill>
+                              <a:schemeClr val="tx1"/>
+                            </a:solidFill>
+                          </a:rPr>
+                          <a:t>0</a:t>
+                        </a:r>
+                        <a:endParaRPr lang="en-NL" dirty="0">
+                          <a:solidFill>
+                            <a:schemeClr val="tx1"/>
+                          </a:solidFill>
+                        </a:endParaRPr>
+                      </a:p>
+                    </p:txBody>
+                  </p:sp>
+                  <p:sp>
+                    <p:nvSpPr>
+                      <p:cNvPr id="127" name="Rectangle 126">
+                        <a:extLst>
+                          <a:ext uri="{FF2B5EF4-FFF2-40B4-BE49-F238E27FC236}">
+                            <a16:creationId xmlns:a16="http://schemas.microsoft.com/office/drawing/2014/main" id="{A1604F96-18BC-7DD7-DB8D-2419E07874F9}"/>
+                          </a:ext>
+                        </a:extLst>
+                      </p:cNvPr>
+                      <p:cNvSpPr/>
+                      <p:nvPr/>
+                    </p:nvSpPr>
+                    <p:spPr>
+                      <a:xfrm>
+                        <a:off x="6841200" y="2880000"/>
+                        <a:ext cx="360000" cy="360000"/>
+                      </a:xfrm>
+                      <a:prstGeom prst="rect">
+                        <a:avLst/>
+                      </a:prstGeom>
+                      <a:noFill/>
+                      <a:ln w="3175">
+                        <a:solidFill>
+                          <a:schemeClr val="tx1"/>
+                        </a:solidFill>
+                      </a:ln>
+                    </p:spPr>
+                    <p:style>
+                      <a:lnRef idx="2">
+                        <a:schemeClr val="accent1">
+                          <a:shade val="50000"/>
+                        </a:schemeClr>
+                      </a:lnRef>
+                      <a:fillRef idx="1">
+                        <a:schemeClr val="accent1"/>
+                      </a:fillRef>
+                      <a:effectRef idx="0">
+                        <a:schemeClr val="accent1"/>
+                      </a:effectRef>
+                      <a:fontRef idx="minor">
+                        <a:schemeClr val="lt1"/>
+                      </a:fontRef>
+                    </p:style>
+                    <p:txBody>
+                      <a:bodyPr rtlCol="0" anchor="ctr"/>
+                      <a:lstStyle/>
+                      <a:p>
+                        <a:pPr algn="ctr"/>
+                        <a:r>
+                          <a:rPr lang="en-US" dirty="0">
+                            <a:solidFill>
+                              <a:schemeClr val="tx1"/>
+                            </a:solidFill>
+                          </a:rPr>
+                          <a:t>1</a:t>
+                        </a:r>
+                        <a:endParaRPr lang="en-NL" dirty="0">
+                          <a:solidFill>
+                            <a:schemeClr val="tx1"/>
+                          </a:solidFill>
+                        </a:endParaRPr>
+                      </a:p>
+                    </p:txBody>
+                  </p:sp>
+                </p:grpSp>
+                <p:sp>
+                  <p:nvSpPr>
+                    <p:cNvPr id="232" name="Rectangle 231">
+                      <a:extLst>
+                        <a:ext uri="{FF2B5EF4-FFF2-40B4-BE49-F238E27FC236}">
+                          <a16:creationId xmlns:a16="http://schemas.microsoft.com/office/drawing/2014/main" id="{3A8232C5-C2A2-F977-E06B-8AA66DAE3318}"/>
+                        </a:ext>
+                      </a:extLst>
+                    </p:cNvPr>
+                    <p:cNvSpPr/>
+                    <p:nvPr/>
+                  </p:nvSpPr>
+                  <p:spPr>
+                    <a:xfrm>
+                      <a:off x="4607388" y="3069000"/>
+                      <a:ext cx="720000" cy="720000"/>
+                    </a:xfrm>
+                    <a:prstGeom prst="rect">
+                      <a:avLst/>
+                    </a:prstGeom>
+                    <a:solidFill>
+                      <a:schemeClr val="tx1">
+                        <a:alpha val="27000"/>
+                      </a:schemeClr>
+                    </a:solidFill>
+                    <a:ln w="0">
+                      <a:noFill/>
+                    </a:ln>
+                  </p:spPr>
+                  <p:style>
+                    <a:lnRef idx="2">
+                      <a:schemeClr val="accent1">
+                        <a:shade val="50000"/>
+                      </a:schemeClr>
+                    </a:lnRef>
+                    <a:fillRef idx="1">
+                      <a:schemeClr val="accent1"/>
+                    </a:fillRef>
+                    <a:effectRef idx="0">
+                      <a:schemeClr val="accent1"/>
+                    </a:effectRef>
+                    <a:fontRef idx="minor">
+                      <a:schemeClr val="lt1"/>
+                    </a:fontRef>
+                  </p:style>
+                  <p:txBody>
+                    <a:bodyPr rtlCol="0" anchor="ctr"/>
+                    <a:lstStyle/>
+                    <a:p>
+                      <a:pPr algn="ctr"/>
+                      <a:endParaRPr lang="en-NL" dirty="0">
+                        <a:solidFill>
+                          <a:schemeClr val="tx1"/>
+                        </a:solidFill>
+                      </a:endParaRPr>
+                    </a:p>
+                  </p:txBody>
+                </p:sp>
+                <p:sp>
+                  <p:nvSpPr>
+                    <p:cNvPr id="234" name="Rectangle 233">
+                      <a:extLst>
+                        <a:ext uri="{FF2B5EF4-FFF2-40B4-BE49-F238E27FC236}">
+                          <a16:creationId xmlns:a16="http://schemas.microsoft.com/office/drawing/2014/main" id="{BD83C65B-5328-B00E-6A04-0473AEDB0CBE}"/>
+                        </a:ext>
+                      </a:extLst>
+                    </p:cNvPr>
+                    <p:cNvSpPr/>
+                    <p:nvPr/>
+                  </p:nvSpPr>
+                  <p:spPr>
+                    <a:xfrm>
+                      <a:off x="4620044" y="3789000"/>
+                      <a:ext cx="720000" cy="720000"/>
+                    </a:xfrm>
+                    <a:prstGeom prst="rect">
+                      <a:avLst/>
+                    </a:prstGeom>
+                    <a:solidFill>
+                      <a:srgbClr val="FF66CC">
+                        <a:alpha val="26667"/>
+                      </a:srgbClr>
+                    </a:solidFill>
+                    <a:ln w="0">
+                      <a:noFill/>
+                    </a:ln>
+                  </p:spPr>
+                  <p:style>
+                    <a:lnRef idx="2">
+                      <a:schemeClr val="accent1">
+                        <a:shade val="50000"/>
+                      </a:schemeClr>
+                    </a:lnRef>
+                    <a:fillRef idx="1">
+                      <a:schemeClr val="accent1"/>
+                    </a:fillRef>
+                    <a:effectRef idx="0">
+                      <a:schemeClr val="accent1"/>
+                    </a:effectRef>
+                    <a:fontRef idx="minor">
+                      <a:schemeClr val="lt1"/>
+                    </a:fontRef>
+                  </p:style>
+                  <p:txBody>
+                    <a:bodyPr rtlCol="0" anchor="ctr"/>
+                    <a:lstStyle/>
+                    <a:p>
+                      <a:pPr algn="ctr"/>
+                      <a:endParaRPr lang="en-NL" dirty="0">
+                        <a:solidFill>
+                          <a:schemeClr val="tx1"/>
+                        </a:solidFill>
+                      </a:endParaRPr>
+                    </a:p>
+                  </p:txBody>
+                </p:sp>
+                <p:sp>
+                  <p:nvSpPr>
+                    <p:cNvPr id="235" name="Rectangle 234">
+                      <a:extLst>
+                        <a:ext uri="{FF2B5EF4-FFF2-40B4-BE49-F238E27FC236}">
+                          <a16:creationId xmlns:a16="http://schemas.microsoft.com/office/drawing/2014/main" id="{F93D5F28-D9F2-4CE7-1ADF-3DBFD89E83EB}"/>
+                        </a:ext>
+                      </a:extLst>
+                    </p:cNvPr>
+                    <p:cNvSpPr/>
+                    <p:nvPr/>
+                  </p:nvSpPr>
+                  <p:spPr>
+                    <a:xfrm>
+                      <a:off x="5340044" y="3789000"/>
+                      <a:ext cx="720000" cy="720000"/>
+                    </a:xfrm>
+                    <a:prstGeom prst="rect">
+                      <a:avLst/>
+                    </a:prstGeom>
+                    <a:solidFill>
+                      <a:srgbClr val="FFC000">
+                        <a:alpha val="27000"/>
+                      </a:srgbClr>
+                    </a:solidFill>
+                    <a:ln w="0">
+                      <a:noFill/>
+                    </a:ln>
+                  </p:spPr>
+                  <p:style>
+                    <a:lnRef idx="2">
+                      <a:schemeClr val="accent1">
+                        <a:shade val="50000"/>
+                      </a:schemeClr>
+                    </a:lnRef>
+                    <a:fillRef idx="1">
+                      <a:schemeClr val="accent1"/>
+                    </a:fillRef>
+                    <a:effectRef idx="0">
+                      <a:schemeClr val="accent1"/>
+                    </a:effectRef>
+                    <a:fontRef idx="minor">
+                      <a:schemeClr val="lt1"/>
+                    </a:fontRef>
+                  </p:style>
+                  <p:txBody>
+                    <a:bodyPr rtlCol="0" anchor="ctr"/>
+                    <a:lstStyle/>
+                    <a:p>
+                      <a:pPr algn="ctr"/>
+                      <a:endParaRPr lang="en-NL" dirty="0">
+                        <a:solidFill>
+                          <a:schemeClr val="tx1"/>
+                        </a:solidFill>
+                      </a:endParaRPr>
+                    </a:p>
+                  </p:txBody>
+                </p:sp>
+                <p:sp>
+                  <p:nvSpPr>
+                    <p:cNvPr id="236" name="Rectangle 235">
+                      <a:extLst>
+                        <a:ext uri="{FF2B5EF4-FFF2-40B4-BE49-F238E27FC236}">
+                          <a16:creationId xmlns:a16="http://schemas.microsoft.com/office/drawing/2014/main" id="{3BDBB506-BFA0-9C84-DAE8-A6FBA2155FFE}"/>
+                        </a:ext>
+                      </a:extLst>
+                    </p:cNvPr>
+                    <p:cNvSpPr/>
+                    <p:nvPr/>
+                  </p:nvSpPr>
+                  <p:spPr>
+                    <a:xfrm>
+                      <a:off x="5327388" y="3069000"/>
+                      <a:ext cx="720000" cy="720000"/>
+                    </a:xfrm>
+                    <a:prstGeom prst="rect">
+                      <a:avLst/>
+                    </a:prstGeom>
+                    <a:solidFill>
+                      <a:srgbClr val="00B050">
+                        <a:alpha val="27000"/>
+                      </a:srgbClr>
+                    </a:solidFill>
+                    <a:ln w="0">
+                      <a:noFill/>
+                    </a:ln>
+                  </p:spPr>
+                  <p:style>
+                    <a:lnRef idx="2">
+                      <a:schemeClr val="accent1">
+                        <a:shade val="50000"/>
+                      </a:schemeClr>
+                    </a:lnRef>
+                    <a:fillRef idx="1">
+                      <a:schemeClr val="accent1"/>
+                    </a:fillRef>
+                    <a:effectRef idx="0">
+                      <a:schemeClr val="accent1"/>
+                    </a:effectRef>
+                    <a:fontRef idx="minor">
+                      <a:schemeClr val="lt1"/>
+                    </a:fontRef>
+                  </p:style>
+                  <p:txBody>
+                    <a:bodyPr rtlCol="0" anchor="ctr"/>
+                    <a:lstStyle/>
+                    <a:p>
+                      <a:pPr algn="ctr"/>
+                      <a:endParaRPr lang="en-NL" dirty="0">
+                        <a:solidFill>
+                          <a:schemeClr val="tx1"/>
+                        </a:solidFill>
+                      </a:endParaRPr>
+                    </a:p>
+                  </p:txBody>
+                </p:sp>
+              </p:grpSp>
+              <p:grpSp>
+                <p:nvGrpSpPr>
+                  <p:cNvPr id="247" name="Group 246">
+                    <a:extLst>
+                      <a:ext uri="{FF2B5EF4-FFF2-40B4-BE49-F238E27FC236}">
+                        <a16:creationId xmlns:a16="http://schemas.microsoft.com/office/drawing/2014/main" id="{23C9B629-EC0F-6DAE-161C-742D0BC9646A}"/>
+                      </a:ext>
+                    </a:extLst>
+                  </p:cNvPr>
+                  <p:cNvGrpSpPr/>
+                  <p:nvPr/>
+                </p:nvGrpSpPr>
+                <p:grpSpPr>
+                  <a:xfrm>
+                    <a:off x="6318680" y="3409897"/>
+                    <a:ext cx="728856" cy="720000"/>
+                    <a:chOff x="7010613" y="3372087"/>
+                    <a:chExt cx="728856" cy="720000"/>
+                  </a:xfrm>
+                </p:grpSpPr>
+                <p:grpSp>
+                  <p:nvGrpSpPr>
+                    <p:cNvPr id="207" name="Group 206">
+                      <a:extLst>
+                        <a:ext uri="{FF2B5EF4-FFF2-40B4-BE49-F238E27FC236}">
+                          <a16:creationId xmlns:a16="http://schemas.microsoft.com/office/drawing/2014/main" id="{C2E6BA11-0C18-EA9F-D72C-0144721939D7}"/>
+                        </a:ext>
+                      </a:extLst>
+                    </p:cNvPr>
+                    <p:cNvGrpSpPr/>
+                    <p:nvPr/>
+                  </p:nvGrpSpPr>
+                  <p:grpSpPr>
+                    <a:xfrm>
+                      <a:off x="7010613" y="3372087"/>
+                      <a:ext cx="721200" cy="720000"/>
+                      <a:chOff x="6534200" y="2692533"/>
+                      <a:chExt cx="721200" cy="720000"/>
+                    </a:xfrm>
+                  </p:grpSpPr>
+                  <p:sp>
+                    <p:nvSpPr>
+                      <p:cNvPr id="171" name="Rectangle 170">
+                        <a:extLst>
+                          <a:ext uri="{FF2B5EF4-FFF2-40B4-BE49-F238E27FC236}">
+                            <a16:creationId xmlns:a16="http://schemas.microsoft.com/office/drawing/2014/main" id="{7700C58C-B9B3-E1C7-5E54-C7E80DD7DE7A}"/>
+                          </a:ext>
+                        </a:extLst>
+                      </p:cNvPr>
+                      <p:cNvSpPr/>
+                      <p:nvPr/>
+                    </p:nvSpPr>
+                    <p:spPr>
+                      <a:xfrm>
+                        <a:off x="6535400" y="2692533"/>
+                        <a:ext cx="720000" cy="720000"/>
+                      </a:xfrm>
+                      <a:prstGeom prst="rect">
+                        <a:avLst/>
+                      </a:prstGeom>
+                      <a:noFill/>
+                      <a:ln w="19050">
+                        <a:solidFill>
+                          <a:schemeClr val="tx1"/>
+                        </a:solidFill>
+                      </a:ln>
+                    </p:spPr>
+                    <p:style>
+                      <a:lnRef idx="2">
+                        <a:schemeClr val="accent1">
+                          <a:shade val="50000"/>
+                        </a:schemeClr>
+                      </a:lnRef>
+                      <a:fillRef idx="1">
+                        <a:schemeClr val="accent1"/>
+                      </a:fillRef>
+                      <a:effectRef idx="0">
+                        <a:schemeClr val="accent1"/>
+                      </a:effectRef>
+                      <a:fontRef idx="minor">
+                        <a:schemeClr val="lt1"/>
+                      </a:fontRef>
+                    </p:style>
+                    <p:txBody>
+                      <a:bodyPr rtlCol="0" anchor="ctr"/>
+                      <a:lstStyle/>
+                      <a:p>
+                        <a:pPr algn="ctr"/>
+                        <a:endParaRPr lang="en-NL">
+                          <a:solidFill>
+                            <a:schemeClr val="tx1"/>
+                          </a:solidFill>
+                        </a:endParaRPr>
+                      </a:p>
+                    </p:txBody>
+                  </p:sp>
+                  <p:sp>
+                    <p:nvSpPr>
+                      <p:cNvPr id="173" name="Rectangle 172">
+                        <a:extLst>
+                          <a:ext uri="{FF2B5EF4-FFF2-40B4-BE49-F238E27FC236}">
+                            <a16:creationId xmlns:a16="http://schemas.microsoft.com/office/drawing/2014/main" id="{4F94127A-187D-4CDB-A99D-35EACB055B77}"/>
+                          </a:ext>
+                        </a:extLst>
+                      </p:cNvPr>
+                      <p:cNvSpPr/>
+                      <p:nvPr/>
+                    </p:nvSpPr>
+                    <p:spPr>
+                      <a:xfrm>
+                        <a:off x="6895400" y="2692533"/>
+                        <a:ext cx="360000" cy="360000"/>
+                      </a:xfrm>
+                      <a:prstGeom prst="rect">
+                        <a:avLst/>
+                      </a:prstGeom>
+                      <a:noFill/>
+                      <a:ln w="3175">
+                        <a:solidFill>
+                          <a:schemeClr val="tx1"/>
+                        </a:solidFill>
+                      </a:ln>
+                    </p:spPr>
+                    <p:style>
+                      <a:lnRef idx="2">
+                        <a:schemeClr val="accent1">
+                          <a:shade val="50000"/>
+                        </a:schemeClr>
+                      </a:lnRef>
+                      <a:fillRef idx="1">
+                        <a:schemeClr val="accent1"/>
+                      </a:fillRef>
+                      <a:effectRef idx="0">
+                        <a:schemeClr val="accent1"/>
+                      </a:effectRef>
+                      <a:fontRef idx="minor">
+                        <a:schemeClr val="lt1"/>
+                      </a:fontRef>
+                    </p:style>
+                    <p:txBody>
+                      <a:bodyPr rtlCol="0" anchor="ctr"/>
+                      <a:lstStyle/>
+                      <a:p>
+                        <a:pPr algn="ctr"/>
+                        <a:r>
+                          <a:rPr lang="en-US" dirty="0">
+                            <a:solidFill>
+                              <a:schemeClr val="tx1"/>
+                            </a:solidFill>
+                          </a:rPr>
+                          <a:t>0</a:t>
+                        </a:r>
+                        <a:endParaRPr lang="en-NL" dirty="0">
+                          <a:solidFill>
+                            <a:schemeClr val="tx1"/>
+                          </a:solidFill>
+                        </a:endParaRPr>
+                      </a:p>
+                    </p:txBody>
+                  </p:sp>
+                  <p:sp>
+                    <p:nvSpPr>
+                      <p:cNvPr id="174" name="Rectangle 173">
+                        <a:extLst>
+                          <a:ext uri="{FF2B5EF4-FFF2-40B4-BE49-F238E27FC236}">
+                            <a16:creationId xmlns:a16="http://schemas.microsoft.com/office/drawing/2014/main" id="{58B9041A-9DF2-DD97-1280-8E85B7C6461B}"/>
+                          </a:ext>
+                        </a:extLst>
+                      </p:cNvPr>
+                      <p:cNvSpPr/>
+                      <p:nvPr/>
+                    </p:nvSpPr>
+                    <p:spPr>
+                      <a:xfrm>
+                        <a:off x="6535400" y="2692533"/>
+                        <a:ext cx="360000" cy="360000"/>
+                      </a:xfrm>
+                      <a:prstGeom prst="rect">
+                        <a:avLst/>
+                      </a:prstGeom>
+                      <a:noFill/>
+                      <a:ln w="3175">
+                        <a:solidFill>
+                          <a:schemeClr val="tx1"/>
+                        </a:solidFill>
+                      </a:ln>
+                    </p:spPr>
+                    <p:style>
+                      <a:lnRef idx="2">
+                        <a:schemeClr val="accent1">
+                          <a:shade val="50000"/>
+                        </a:schemeClr>
+                      </a:lnRef>
+                      <a:fillRef idx="1">
+                        <a:schemeClr val="accent1"/>
+                      </a:fillRef>
+                      <a:effectRef idx="0">
+                        <a:schemeClr val="accent1"/>
+                      </a:effectRef>
+                      <a:fontRef idx="minor">
+                        <a:schemeClr val="lt1"/>
+                      </a:fontRef>
+                    </p:style>
+                    <p:txBody>
+                      <a:bodyPr rtlCol="0" anchor="ctr"/>
+                      <a:lstStyle/>
+                      <a:p>
+                        <a:pPr algn="ctr"/>
+                        <a:r>
+                          <a:rPr lang="en-US" dirty="0">
+                            <a:solidFill>
+                              <a:schemeClr val="tx1"/>
+                            </a:solidFill>
+                          </a:rPr>
+                          <a:t>1</a:t>
+                        </a:r>
+                        <a:endParaRPr lang="en-NL" dirty="0">
+                          <a:solidFill>
+                            <a:schemeClr val="tx1"/>
+                          </a:solidFill>
+                        </a:endParaRPr>
+                      </a:p>
+                    </p:txBody>
+                  </p:sp>
+                  <p:sp>
+                    <p:nvSpPr>
+                      <p:cNvPr id="175" name="Rectangle 174">
+                        <a:extLst>
+                          <a:ext uri="{FF2B5EF4-FFF2-40B4-BE49-F238E27FC236}">
+                            <a16:creationId xmlns:a16="http://schemas.microsoft.com/office/drawing/2014/main" id="{232FFE3C-9B00-BE25-4103-BBB23150B530}"/>
+                          </a:ext>
+                        </a:extLst>
+                      </p:cNvPr>
+                      <p:cNvSpPr/>
+                      <p:nvPr/>
+                    </p:nvSpPr>
+                    <p:spPr>
+                      <a:xfrm>
+                        <a:off x="6534200" y="3052533"/>
+                        <a:ext cx="360000" cy="360000"/>
+                      </a:xfrm>
+                      <a:prstGeom prst="rect">
+                        <a:avLst/>
+                      </a:prstGeom>
+                      <a:noFill/>
+                      <a:ln w="3175">
+                        <a:solidFill>
+                          <a:schemeClr val="tx1"/>
+                        </a:solidFill>
+                      </a:ln>
+                    </p:spPr>
+                    <p:style>
+                      <a:lnRef idx="2">
+                        <a:schemeClr val="accent1">
+                          <a:shade val="50000"/>
+                        </a:schemeClr>
+                      </a:lnRef>
+                      <a:fillRef idx="1">
+                        <a:schemeClr val="accent1"/>
+                      </a:fillRef>
+                      <a:effectRef idx="0">
+                        <a:schemeClr val="accent1"/>
+                      </a:effectRef>
+                      <a:fontRef idx="minor">
+                        <a:schemeClr val="lt1"/>
+                      </a:fontRef>
+                    </p:style>
+                    <p:txBody>
+                      <a:bodyPr rtlCol="0" anchor="ctr"/>
+                      <a:lstStyle/>
+                      <a:p>
+                        <a:pPr algn="ctr"/>
+                        <a:r>
+                          <a:rPr lang="en-US" dirty="0">
+                            <a:solidFill>
+                              <a:schemeClr val="tx1"/>
+                            </a:solidFill>
+                          </a:rPr>
+                          <a:t>0</a:t>
+                        </a:r>
+                        <a:endParaRPr lang="en-NL" dirty="0">
+                          <a:solidFill>
+                            <a:schemeClr val="tx1"/>
+                          </a:solidFill>
+                        </a:endParaRPr>
+                      </a:p>
+                    </p:txBody>
+                  </p:sp>
+                  <p:sp>
+                    <p:nvSpPr>
+                      <p:cNvPr id="178" name="Rectangle 177">
+                        <a:extLst>
+                          <a:ext uri="{FF2B5EF4-FFF2-40B4-BE49-F238E27FC236}">
+                            <a16:creationId xmlns:a16="http://schemas.microsoft.com/office/drawing/2014/main" id="{8A509300-2A7B-AAE1-A2D8-20F23B6FFA4A}"/>
+                          </a:ext>
+                        </a:extLst>
+                      </p:cNvPr>
+                      <p:cNvSpPr/>
+                      <p:nvPr/>
+                    </p:nvSpPr>
+                    <p:spPr>
+                      <a:xfrm>
+                        <a:off x="6895400" y="3052533"/>
+                        <a:ext cx="360000" cy="360000"/>
+                      </a:xfrm>
+                      <a:prstGeom prst="rect">
+                        <a:avLst/>
+                      </a:prstGeom>
+                      <a:noFill/>
+                      <a:ln w="3175">
+                        <a:solidFill>
+                          <a:schemeClr val="tx1"/>
+                        </a:solidFill>
+                      </a:ln>
+                    </p:spPr>
+                    <p:style>
+                      <a:lnRef idx="2">
+                        <a:schemeClr val="accent1">
+                          <a:shade val="50000"/>
+                        </a:schemeClr>
+                      </a:lnRef>
+                      <a:fillRef idx="1">
+                        <a:schemeClr val="accent1"/>
+                      </a:fillRef>
+                      <a:effectRef idx="0">
+                        <a:schemeClr val="accent1"/>
+                      </a:effectRef>
+                      <a:fontRef idx="minor">
+                        <a:schemeClr val="lt1"/>
+                      </a:fontRef>
+                    </p:style>
+                    <p:txBody>
+                      <a:bodyPr rtlCol="0" anchor="ctr"/>
+                      <a:lstStyle/>
+                      <a:p>
+                        <a:pPr algn="ctr"/>
+                        <a:r>
+                          <a:rPr lang="en-US" dirty="0">
+                            <a:solidFill>
+                              <a:schemeClr val="tx1"/>
+                            </a:solidFill>
+                          </a:rPr>
+                          <a:t>1</a:t>
+                        </a:r>
+                        <a:endParaRPr lang="en-NL" dirty="0">
+                          <a:solidFill>
+                            <a:schemeClr val="tx1"/>
+                          </a:solidFill>
+                        </a:endParaRPr>
+                      </a:p>
+                    </p:txBody>
+                  </p:sp>
+                </p:grpSp>
+                <p:sp>
+                  <p:nvSpPr>
+                    <p:cNvPr id="238" name="Rectangle 237">
+                      <a:extLst>
+                        <a:ext uri="{FF2B5EF4-FFF2-40B4-BE49-F238E27FC236}">
+                          <a16:creationId xmlns:a16="http://schemas.microsoft.com/office/drawing/2014/main" id="{83253E1B-5533-C785-151F-AF994EB0C960}"/>
+                        </a:ext>
+                      </a:extLst>
+                    </p:cNvPr>
+                    <p:cNvSpPr/>
+                    <p:nvPr/>
+                  </p:nvSpPr>
+                  <p:spPr>
+                    <a:xfrm>
+                      <a:off x="7013013" y="3372087"/>
+                      <a:ext cx="360000" cy="360000"/>
+                    </a:xfrm>
+                    <a:prstGeom prst="rect">
+                      <a:avLst/>
+                    </a:prstGeom>
+                    <a:solidFill>
+                      <a:schemeClr val="tx1">
+                        <a:alpha val="27000"/>
+                      </a:schemeClr>
+                    </a:solidFill>
+                    <a:ln w="0">
+                      <a:noFill/>
+                    </a:ln>
+                  </p:spPr>
+                  <p:style>
+                    <a:lnRef idx="2">
+                      <a:schemeClr val="accent1">
+                        <a:shade val="50000"/>
+                      </a:schemeClr>
+                    </a:lnRef>
+                    <a:fillRef idx="1">
+                      <a:schemeClr val="accent1"/>
+                    </a:fillRef>
+                    <a:effectRef idx="0">
+                      <a:schemeClr val="accent1"/>
+                    </a:effectRef>
+                    <a:fontRef idx="minor">
+                      <a:schemeClr val="lt1"/>
+                    </a:fontRef>
+                  </p:style>
+                  <p:txBody>
+                    <a:bodyPr rtlCol="0" anchor="ctr"/>
+                    <a:lstStyle/>
+                    <a:p>
+                      <a:pPr algn="ctr"/>
+                      <a:endParaRPr lang="en-NL" dirty="0">
+                        <a:solidFill>
+                          <a:schemeClr val="tx1"/>
+                        </a:solidFill>
+                      </a:endParaRPr>
+                    </a:p>
+                  </p:txBody>
+                </p:sp>
+                <p:sp>
+                  <p:nvSpPr>
+                    <p:cNvPr id="242" name="Rectangle 241">
+                      <a:extLst>
+                        <a:ext uri="{FF2B5EF4-FFF2-40B4-BE49-F238E27FC236}">
+                          <a16:creationId xmlns:a16="http://schemas.microsoft.com/office/drawing/2014/main" id="{92EF251B-260B-6062-1C05-9CD85E9BD8EE}"/>
+                        </a:ext>
+                      </a:extLst>
+                    </p:cNvPr>
+                    <p:cNvSpPr/>
+                    <p:nvPr/>
+                  </p:nvSpPr>
+                  <p:spPr>
+                    <a:xfrm>
+                      <a:off x="7379469" y="3732087"/>
+                      <a:ext cx="360000" cy="360000"/>
+                    </a:xfrm>
+                    <a:prstGeom prst="rect">
+                      <a:avLst/>
+                    </a:prstGeom>
+                    <a:solidFill>
+                      <a:srgbClr val="FFC000">
+                        <a:alpha val="27000"/>
+                      </a:srgbClr>
+                    </a:solidFill>
+                    <a:ln w="0">
+                      <a:noFill/>
+                    </a:ln>
+                  </p:spPr>
+                  <p:style>
+                    <a:lnRef idx="2">
+                      <a:schemeClr val="accent1">
+                        <a:shade val="50000"/>
+                      </a:schemeClr>
+                    </a:lnRef>
+                    <a:fillRef idx="1">
+                      <a:schemeClr val="accent1"/>
+                    </a:fillRef>
+                    <a:effectRef idx="0">
+                      <a:schemeClr val="accent1"/>
+                    </a:effectRef>
+                    <a:fontRef idx="minor">
+                      <a:schemeClr val="lt1"/>
+                    </a:fontRef>
+                  </p:style>
+                  <p:txBody>
+                    <a:bodyPr rtlCol="0" anchor="ctr"/>
+                    <a:lstStyle/>
+                    <a:p>
+                      <a:pPr algn="ctr"/>
+                      <a:endParaRPr lang="en-NL" dirty="0">
+                        <a:solidFill>
+                          <a:schemeClr val="tx1"/>
+                        </a:solidFill>
+                      </a:endParaRPr>
+                    </a:p>
+                  </p:txBody>
+                </p:sp>
+                <p:sp>
+                  <p:nvSpPr>
+                    <p:cNvPr id="243" name="Rectangle 242">
+                      <a:extLst>
+                        <a:ext uri="{FF2B5EF4-FFF2-40B4-BE49-F238E27FC236}">
+                          <a16:creationId xmlns:a16="http://schemas.microsoft.com/office/drawing/2014/main" id="{280B7012-26A2-806B-DF0E-F2B586184619}"/>
+                        </a:ext>
+                      </a:extLst>
+                    </p:cNvPr>
+                    <p:cNvSpPr/>
+                    <p:nvPr/>
+                  </p:nvSpPr>
+                  <p:spPr>
+                    <a:xfrm>
+                      <a:off x="7371813" y="3372087"/>
+                      <a:ext cx="360000" cy="360000"/>
+                    </a:xfrm>
+                    <a:prstGeom prst="rect">
+                      <a:avLst/>
+                    </a:prstGeom>
+                    <a:solidFill>
+                      <a:srgbClr val="00B050">
+                        <a:alpha val="27000"/>
+                      </a:srgbClr>
+                    </a:solidFill>
+                    <a:ln w="0">
+                      <a:noFill/>
+                    </a:ln>
+                  </p:spPr>
+                  <p:style>
+                    <a:lnRef idx="2">
+                      <a:schemeClr val="accent1">
+                        <a:shade val="50000"/>
+                      </a:schemeClr>
+                    </a:lnRef>
+                    <a:fillRef idx="1">
+                      <a:schemeClr val="accent1"/>
+                    </a:fillRef>
+                    <a:effectRef idx="0">
+                      <a:schemeClr val="accent1"/>
+                    </a:effectRef>
+                    <a:fontRef idx="minor">
+                      <a:schemeClr val="lt1"/>
+                    </a:fontRef>
+                  </p:style>
+                  <p:txBody>
+                    <a:bodyPr rtlCol="0" anchor="ctr"/>
+                    <a:lstStyle/>
+                    <a:p>
+                      <a:pPr algn="ctr"/>
+                      <a:endParaRPr lang="en-NL" dirty="0">
+                        <a:solidFill>
+                          <a:schemeClr val="tx1"/>
+                        </a:solidFill>
+                      </a:endParaRPr>
+                    </a:p>
+                  </p:txBody>
+                </p:sp>
+                <p:sp>
+                  <p:nvSpPr>
+                    <p:cNvPr id="245" name="Rectangle 244">
+                      <a:extLst>
+                        <a:ext uri="{FF2B5EF4-FFF2-40B4-BE49-F238E27FC236}">
+                          <a16:creationId xmlns:a16="http://schemas.microsoft.com/office/drawing/2014/main" id="{78D0BE66-DC2C-602F-6F2B-3BE8E4FC5A2F}"/>
+                        </a:ext>
+                      </a:extLst>
+                    </p:cNvPr>
+                    <p:cNvSpPr/>
+                    <p:nvPr/>
+                  </p:nvSpPr>
+                  <p:spPr>
+                    <a:xfrm>
+                      <a:off x="7021869" y="3732087"/>
+                      <a:ext cx="360000" cy="360000"/>
+                    </a:xfrm>
+                    <a:prstGeom prst="rect">
+                      <a:avLst/>
+                    </a:prstGeom>
+                    <a:solidFill>
+                      <a:srgbClr val="FF66CC">
+                        <a:alpha val="26667"/>
+                      </a:srgbClr>
+                    </a:solidFill>
+                    <a:ln w="0">
+                      <a:noFill/>
+                    </a:ln>
+                  </p:spPr>
+                  <p:style>
+                    <a:lnRef idx="2">
+                      <a:schemeClr val="accent1">
+                        <a:shade val="50000"/>
+                      </a:schemeClr>
+                    </a:lnRef>
+                    <a:fillRef idx="1">
+                      <a:schemeClr val="accent1"/>
+                    </a:fillRef>
+                    <a:effectRef idx="0">
+                      <a:schemeClr val="accent1"/>
+                    </a:effectRef>
+                    <a:fontRef idx="minor">
+                      <a:schemeClr val="lt1"/>
+                    </a:fontRef>
+                  </p:style>
+                  <p:txBody>
+                    <a:bodyPr rtlCol="0" anchor="ctr"/>
+                    <a:lstStyle/>
+                    <a:p>
+                      <a:pPr algn="ctr"/>
+                      <a:endParaRPr lang="en-NL" dirty="0">
+                        <a:solidFill>
+                          <a:schemeClr val="tx1"/>
+                        </a:solidFill>
+                      </a:endParaRPr>
+                    </a:p>
+                  </p:txBody>
+                </p:sp>
+              </p:grpSp>
+              <p:cxnSp>
+                <p:nvCxnSpPr>
+                  <p:cNvPr id="317" name="Connector: Elbow 316">
+                    <a:extLst>
+                      <a:ext uri="{FF2B5EF4-FFF2-40B4-BE49-F238E27FC236}">
+                        <a16:creationId xmlns:a16="http://schemas.microsoft.com/office/drawing/2014/main" id="{9C6F223F-7790-862C-1B69-A16086F14329}"/>
+                      </a:ext>
+                    </a:extLst>
+                  </p:cNvPr>
+                  <p:cNvCxnSpPr>
+                    <a:cxnSpLocks/>
+                    <a:stCxn id="232" idx="1"/>
+                    <a:endCxn id="238" idx="0"/>
+                  </p:cNvCxnSpPr>
+                  <p:nvPr/>
+                </p:nvCxnSpPr>
+                <p:spPr>
+                  <a:xfrm rot="10800000" flipH="1" flipV="1">
+                    <a:off x="6233512" y="1624553"/>
+                    <a:ext cx="267568" cy="1785343"/>
+                  </a:xfrm>
+                  <a:prstGeom prst="bentConnector4">
+                    <a:avLst>
+                      <a:gd name="adj1" fmla="val -85436"/>
+                      <a:gd name="adj2" fmla="val 74309"/>
+                    </a:avLst>
+                  </a:prstGeom>
+                  <a:ln w="41275">
+                    <a:solidFill>
+                      <a:schemeClr val="tx1">
+                        <a:alpha val="27000"/>
+                      </a:schemeClr>
+                    </a:solidFill>
+                    <a:tailEnd type="triangle"/>
+                  </a:ln>
+                </p:spPr>
+                <p:style>
+                  <a:lnRef idx="1">
+                    <a:schemeClr val="accent1"/>
+                  </a:lnRef>
+                  <a:fillRef idx="0">
+                    <a:schemeClr val="accent1"/>
+                  </a:fillRef>
+                  <a:effectRef idx="0">
+                    <a:schemeClr val="accent1"/>
+                  </a:effectRef>
+                  <a:fontRef idx="minor">
+                    <a:schemeClr val="tx1"/>
+                  </a:fontRef>
+                </p:style>
+              </p:cxnSp>
+              <p:cxnSp>
+                <p:nvCxnSpPr>
+                  <p:cNvPr id="324" name="Connector: Elbow 323">
+                    <a:extLst>
+                      <a:ext uri="{FF2B5EF4-FFF2-40B4-BE49-F238E27FC236}">
+                        <a16:creationId xmlns:a16="http://schemas.microsoft.com/office/drawing/2014/main" id="{3B6F3A63-7547-E469-C730-BCDA04955FDE}"/>
+                      </a:ext>
+                    </a:extLst>
+                  </p:cNvPr>
+                  <p:cNvCxnSpPr>
+                    <a:cxnSpLocks/>
+                    <a:stCxn id="234" idx="2"/>
+                    <a:endCxn id="245" idx="1"/>
+                  </p:cNvCxnSpPr>
+                  <p:nvPr/>
+                </p:nvCxnSpPr>
+                <p:spPr>
+                  <a:xfrm rot="5400000">
+                    <a:off x="5845381" y="3189109"/>
+                    <a:ext cx="1245343" cy="276232"/>
+                  </a:xfrm>
+                  <a:prstGeom prst="bentConnector4">
+                    <a:avLst>
+                      <a:gd name="adj1" fmla="val 42773"/>
+                      <a:gd name="adj2" fmla="val 182757"/>
+                    </a:avLst>
+                  </a:prstGeom>
+                  <a:ln w="41275">
+                    <a:solidFill>
+                      <a:srgbClr val="FF66CC">
+                        <a:alpha val="27000"/>
+                      </a:srgbClr>
+                    </a:solidFill>
+                    <a:tailEnd type="triangle"/>
+                  </a:ln>
+                </p:spPr>
+                <p:style>
+                  <a:lnRef idx="1">
+                    <a:schemeClr val="accent1"/>
+                  </a:lnRef>
+                  <a:fillRef idx="0">
+                    <a:schemeClr val="accent1"/>
+                  </a:fillRef>
+                  <a:effectRef idx="0">
+                    <a:schemeClr val="accent1"/>
+                  </a:effectRef>
+                  <a:fontRef idx="minor">
+                    <a:schemeClr val="tx1"/>
+                  </a:fontRef>
+                </p:style>
+              </p:cxnSp>
+              <p:cxnSp>
+                <p:nvCxnSpPr>
+                  <p:cNvPr id="325" name="Connector: Elbow 324">
+                    <a:extLst>
+                      <a:ext uri="{FF2B5EF4-FFF2-40B4-BE49-F238E27FC236}">
+                        <a16:creationId xmlns:a16="http://schemas.microsoft.com/office/drawing/2014/main" id="{35B4A21F-69D9-33CA-5360-ED671B16812A}"/>
+                      </a:ext>
+                    </a:extLst>
+                  </p:cNvPr>
+                  <p:cNvCxnSpPr>
+                    <a:cxnSpLocks/>
+                    <a:stCxn id="235" idx="2"/>
+                    <a:endCxn id="178" idx="3"/>
+                  </p:cNvCxnSpPr>
+                  <p:nvPr/>
+                </p:nvCxnSpPr>
+                <p:spPr>
+                  <a:xfrm rot="5400000">
+                    <a:off x="6560353" y="3184081"/>
+                    <a:ext cx="1245343" cy="286288"/>
+                  </a:xfrm>
+                  <a:prstGeom prst="bentConnector2">
+                    <a:avLst/>
+                  </a:prstGeom>
+                  <a:ln w="41275">
+                    <a:solidFill>
+                      <a:srgbClr val="FFC000">
+                        <a:alpha val="27000"/>
+                      </a:srgbClr>
+                    </a:solidFill>
+                    <a:tailEnd type="triangle"/>
+                  </a:ln>
+                </p:spPr>
+                <p:style>
+                  <a:lnRef idx="1">
+                    <a:schemeClr val="accent1"/>
+                  </a:lnRef>
+                  <a:fillRef idx="0">
+                    <a:schemeClr val="accent1"/>
+                  </a:fillRef>
+                  <a:effectRef idx="0">
+                    <a:schemeClr val="accent1"/>
+                  </a:effectRef>
+                  <a:fontRef idx="minor">
+                    <a:schemeClr val="tx1"/>
+                  </a:fontRef>
+                </p:style>
+              </p:cxnSp>
+              <p:cxnSp>
+                <p:nvCxnSpPr>
+                  <p:cNvPr id="326" name="Connector: Elbow 325">
+                    <a:extLst>
+                      <a:ext uri="{FF2B5EF4-FFF2-40B4-BE49-F238E27FC236}">
+                        <a16:creationId xmlns:a16="http://schemas.microsoft.com/office/drawing/2014/main" id="{068B002B-F2C0-9E71-79FA-9519A6005221}"/>
+                      </a:ext>
+                    </a:extLst>
+                  </p:cNvPr>
+                  <p:cNvCxnSpPr>
+                    <a:cxnSpLocks/>
+                    <a:stCxn id="236" idx="3"/>
+                    <a:endCxn id="243" idx="0"/>
+                  </p:cNvCxnSpPr>
+                  <p:nvPr/>
+                </p:nvCxnSpPr>
+                <p:spPr>
+                  <a:xfrm flipH="1">
+                    <a:off x="6859880" y="1624554"/>
+                    <a:ext cx="813632" cy="1785343"/>
+                  </a:xfrm>
+                  <a:prstGeom prst="bentConnector4">
+                    <a:avLst>
+                      <a:gd name="adj1" fmla="val -28096"/>
+                      <a:gd name="adj2" fmla="val 75020"/>
+                    </a:avLst>
+                  </a:prstGeom>
+                  <a:ln w="41275">
+                    <a:solidFill>
+                      <a:srgbClr val="00B050">
+                        <a:alpha val="27000"/>
+                      </a:srgbClr>
+                    </a:solidFill>
+                    <a:tailEnd type="triangle"/>
+                  </a:ln>
+                </p:spPr>
+                <p:style>
+                  <a:lnRef idx="1">
+                    <a:schemeClr val="accent1"/>
+                  </a:lnRef>
+                  <a:fillRef idx="0">
+                    <a:schemeClr val="accent1"/>
+                  </a:fillRef>
+                  <a:effectRef idx="0">
+                    <a:schemeClr val="accent1"/>
+                  </a:effectRef>
+                  <a:fontRef idx="minor">
+                    <a:schemeClr val="tx1"/>
+                  </a:fontRef>
+                </p:style>
+              </p:cxnSp>
+            </p:grpSp>
+            <p:sp>
+              <p:nvSpPr>
+                <p:cNvPr id="350" name="Rectangle 349">
+                  <a:extLst>
+                    <a:ext uri="{FF2B5EF4-FFF2-40B4-BE49-F238E27FC236}">
+                      <a16:creationId xmlns:a16="http://schemas.microsoft.com/office/drawing/2014/main" id="{4A7571C7-F3A4-F18D-0BC6-4D445578D438}"/>
+                    </a:ext>
+                  </a:extLst>
+                </p:cNvPr>
+                <p:cNvSpPr/>
+                <p:nvPr/>
+              </p:nvSpPr>
+              <p:spPr>
+                <a:xfrm>
+                  <a:off x="2545940" y="3779319"/>
+                  <a:ext cx="350933" cy="359400"/>
+                </a:xfrm>
+                <a:prstGeom prst="rect">
+                  <a:avLst/>
+                </a:prstGeom>
+                <a:solidFill>
+                  <a:srgbClr val="00B0F0">
+                    <a:alpha val="50000"/>
+                  </a:srgbClr>
+                </a:solidFill>
+                <a:ln w="28575">
+                  <a:solidFill>
+                    <a:srgbClr val="00B0F0"/>
+                  </a:solidFill>
+                </a:ln>
+              </p:spPr>
+              <p:style>
+                <a:lnRef idx="2">
+                  <a:schemeClr val="accent1">
+                    <a:shade val="50000"/>
+                  </a:schemeClr>
+                </a:lnRef>
+                <a:fillRef idx="1">
+                  <a:schemeClr val="accent1"/>
+                </a:fillRef>
+                <a:effectRef idx="0">
+                  <a:schemeClr val="accent1"/>
+                </a:effectRef>
+                <a:fontRef idx="minor">
+                  <a:schemeClr val="lt1"/>
+                </a:fontRef>
+              </p:style>
+              <p:txBody>
+                <a:bodyPr rtlCol="0" anchor="ctr"/>
+                <a:lstStyle/>
+                <a:p>
+                  <a:pPr algn="ctr"/>
+                  <a:endParaRPr lang="en-NL">
+                    <a:solidFill>
+                      <a:schemeClr val="tx1"/>
+                    </a:solidFill>
+                  </a:endParaRPr>
+                </a:p>
+              </p:txBody>
+            </p:sp>
+            <p:sp>
+              <p:nvSpPr>
+                <p:cNvPr id="351" name="Rectangle 350">
+                  <a:extLst>
+                    <a:ext uri="{FF2B5EF4-FFF2-40B4-BE49-F238E27FC236}">
+                      <a16:creationId xmlns:a16="http://schemas.microsoft.com/office/drawing/2014/main" id="{19EE26EB-0D3E-C8CB-9FF4-A79A1499439C}"/>
+                    </a:ext>
+                  </a:extLst>
+                </p:cNvPr>
+                <p:cNvSpPr/>
+                <p:nvPr/>
+              </p:nvSpPr>
+              <p:spPr>
+                <a:xfrm>
+                  <a:off x="2903260" y="3778720"/>
+                  <a:ext cx="360000" cy="360000"/>
+                </a:xfrm>
+                <a:prstGeom prst="rect">
+                  <a:avLst/>
+                </a:prstGeom>
+                <a:solidFill>
+                  <a:srgbClr val="FFFF00">
+                    <a:alpha val="50000"/>
+                  </a:srgbClr>
+                </a:solidFill>
+                <a:ln w="28575">
+                  <a:solidFill>
+                    <a:srgbClr val="FFFF00"/>
+                  </a:solidFill>
+                </a:ln>
+              </p:spPr>
+              <p:style>
+                <a:lnRef idx="2">
+                  <a:schemeClr val="accent1">
+                    <a:shade val="50000"/>
+                  </a:schemeClr>
+                </a:lnRef>
+                <a:fillRef idx="1">
+                  <a:schemeClr val="accent1"/>
+                </a:fillRef>
+                <a:effectRef idx="0">
+                  <a:schemeClr val="accent1"/>
+                </a:effectRef>
+                <a:fontRef idx="minor">
+                  <a:schemeClr val="lt1"/>
+                </a:fontRef>
+              </p:style>
+              <p:txBody>
+                <a:bodyPr rtlCol="0" anchor="ctr"/>
+                <a:lstStyle/>
+                <a:p>
+                  <a:pPr algn="ctr"/>
+                  <a:endParaRPr lang="en-NL">
+                    <a:solidFill>
+                      <a:schemeClr val="tx1"/>
+                    </a:solidFill>
+                  </a:endParaRPr>
+                </a:p>
+              </p:txBody>
+            </p:sp>
+            <p:sp>
+              <p:nvSpPr>
+                <p:cNvPr id="352" name="Rectangle 351">
+                  <a:extLst>
+                    <a:ext uri="{FF2B5EF4-FFF2-40B4-BE49-F238E27FC236}">
+                      <a16:creationId xmlns:a16="http://schemas.microsoft.com/office/drawing/2014/main" id="{52DD0456-A0D8-EEEE-1ED1-589F94495E50}"/>
+                    </a:ext>
+                  </a:extLst>
+                </p:cNvPr>
+                <p:cNvSpPr/>
+                <p:nvPr/>
+              </p:nvSpPr>
+              <p:spPr>
+                <a:xfrm>
+                  <a:off x="3263260" y="3777721"/>
+                  <a:ext cx="360000" cy="360000"/>
+                </a:xfrm>
+                <a:prstGeom prst="rect">
+                  <a:avLst/>
+                </a:prstGeom>
+                <a:solidFill>
+                  <a:srgbClr val="FF0000">
+                    <a:alpha val="50000"/>
+                  </a:srgbClr>
+                </a:solidFill>
+                <a:ln w="28575">
+                  <a:solidFill>
+                    <a:srgbClr val="FF0000"/>
+                  </a:solidFill>
+                </a:ln>
+              </p:spPr>
+              <p:style>
+                <a:lnRef idx="2">
+                  <a:schemeClr val="accent1">
+                    <a:shade val="50000"/>
+                  </a:schemeClr>
+                </a:lnRef>
+                <a:fillRef idx="1">
+                  <a:schemeClr val="accent1"/>
+                </a:fillRef>
+                <a:effectRef idx="0">
+                  <a:schemeClr val="accent1"/>
+                </a:effectRef>
+                <a:fontRef idx="minor">
+                  <a:schemeClr val="lt1"/>
+                </a:fontRef>
+              </p:style>
+              <p:txBody>
+                <a:bodyPr rtlCol="0" anchor="ctr"/>
+                <a:lstStyle/>
+                <a:p>
+                  <a:pPr algn="ctr"/>
+                  <a:endParaRPr lang="en-NL" dirty="0">
+                    <a:solidFill>
+                      <a:schemeClr val="tx1"/>
+                    </a:solidFill>
+                  </a:endParaRPr>
+                </a:p>
+              </p:txBody>
+            </p:sp>
+            <p:cxnSp>
+              <p:nvCxnSpPr>
+                <p:cNvPr id="353" name="Straight Arrow Connector 352">
+                  <a:extLst>
+                    <a:ext uri="{FF2B5EF4-FFF2-40B4-BE49-F238E27FC236}">
+                      <a16:creationId xmlns:a16="http://schemas.microsoft.com/office/drawing/2014/main" id="{B2DE2F49-4E53-2CF7-7B6D-F363FF74831E}"/>
+                    </a:ext>
+                  </a:extLst>
+                </p:cNvPr>
+                <p:cNvCxnSpPr>
+                  <a:cxnSpLocks/>
+                </p:cNvCxnSpPr>
+                <p:nvPr/>
+              </p:nvCxnSpPr>
+              <p:spPr>
+                <a:xfrm rot="16200000" flipH="1">
+                  <a:off x="2058527" y="2384939"/>
+                  <a:ext cx="1399131" cy="130301"/>
+                </a:xfrm>
+                <a:prstGeom prst="bentConnector3">
+                  <a:avLst>
+                    <a:gd name="adj1" fmla="val 4010"/>
+                  </a:avLst>
+                </a:prstGeom>
+                <a:ln w="28575">
+                  <a:solidFill>
+                    <a:srgbClr val="00B0F0"/>
+                  </a:solidFill>
+                  <a:tailEnd type="triangle"/>
+                </a:ln>
+              </p:spPr>
+              <p:style>
+                <a:lnRef idx="1">
+                  <a:schemeClr val="accent1"/>
+                </a:lnRef>
+                <a:fillRef idx="0">
+                  <a:schemeClr val="accent1"/>
+                </a:fillRef>
+                <a:effectRef idx="0">
+                  <a:schemeClr val="accent1"/>
+                </a:effectRef>
+                <a:fontRef idx="minor">
+                  <a:schemeClr val="tx1"/>
+                </a:fontRef>
+              </p:style>
+            </p:cxnSp>
+            <p:cxnSp>
+              <p:nvCxnSpPr>
+                <p:cNvPr id="354" name="Straight Arrow Connector 353">
+                  <a:extLst>
+                    <a:ext uri="{FF2B5EF4-FFF2-40B4-BE49-F238E27FC236}">
+                      <a16:creationId xmlns:a16="http://schemas.microsoft.com/office/drawing/2014/main" id="{1AC52F81-62B8-A14D-A029-448ED53B2084}"/>
+                    </a:ext>
+                  </a:extLst>
+                </p:cNvPr>
+                <p:cNvCxnSpPr>
+                  <a:cxnSpLocks/>
+                  <a:stCxn id="228" idx="2"/>
+                  <a:endCxn id="364" idx="0"/>
+                </p:cNvCxnSpPr>
+                <p:nvPr/>
+              </p:nvCxnSpPr>
+              <p:spPr>
+                <a:xfrm rot="16200000" flipH="1">
+                  <a:off x="2441535" y="2328930"/>
+                  <a:ext cx="1410933" cy="232517"/>
+                </a:xfrm>
+                <a:prstGeom prst="bentConnector3">
+                  <a:avLst>
+                    <a:gd name="adj1" fmla="val 6435"/>
+                  </a:avLst>
+                </a:prstGeom>
+                <a:ln w="28575">
+                  <a:solidFill>
+                    <a:srgbClr val="FFFF00"/>
+                  </a:solidFill>
+                  <a:tailEnd type="triangle"/>
+                </a:ln>
+              </p:spPr>
+              <p:style>
+                <a:lnRef idx="1">
+                  <a:schemeClr val="accent1"/>
+                </a:lnRef>
+                <a:fillRef idx="0">
+                  <a:schemeClr val="accent1"/>
+                </a:fillRef>
+                <a:effectRef idx="0">
+                  <a:schemeClr val="accent1"/>
+                </a:effectRef>
+                <a:fontRef idx="minor">
+                  <a:schemeClr val="tx1"/>
+                </a:fontRef>
+              </p:style>
+            </p:cxnSp>
+            <p:cxnSp>
+              <p:nvCxnSpPr>
+                <p:cNvPr id="355" name="Straight Arrow Connector 354">
+                  <a:extLst>
+                    <a:ext uri="{FF2B5EF4-FFF2-40B4-BE49-F238E27FC236}">
+                      <a16:creationId xmlns:a16="http://schemas.microsoft.com/office/drawing/2014/main" id="{FA0701AB-4351-80AD-BAD0-9CCCC8117331}"/>
+                    </a:ext>
+                  </a:extLst>
+                </p:cNvPr>
+                <p:cNvCxnSpPr>
+                  <a:cxnSpLocks/>
+                  <a:stCxn id="227" idx="2"/>
+                </p:cNvCxnSpPr>
+                <p:nvPr/>
+              </p:nvCxnSpPr>
+              <p:spPr>
+                <a:xfrm rot="16200000" flipH="1">
+                  <a:off x="2793729" y="2335536"/>
+                  <a:ext cx="1425346" cy="233719"/>
+                </a:xfrm>
+                <a:prstGeom prst="bentConnector3">
+                  <a:avLst>
+                    <a:gd name="adj1" fmla="val 3370"/>
+                  </a:avLst>
+                </a:prstGeom>
+                <a:ln w="28575">
+                  <a:solidFill>
+                    <a:srgbClr val="FF0000"/>
+                  </a:solidFill>
+                  <a:tailEnd type="triangle"/>
+                </a:ln>
+              </p:spPr>
+              <p:style>
+                <a:lnRef idx="1">
+                  <a:schemeClr val="accent1"/>
+                </a:lnRef>
+                <a:fillRef idx="0">
+                  <a:schemeClr val="accent1"/>
+                </a:fillRef>
+                <a:effectRef idx="0">
+                  <a:schemeClr val="accent1"/>
+                </a:effectRef>
+                <a:fontRef idx="minor">
+                  <a:schemeClr val="tx1"/>
+                </a:fontRef>
+              </p:style>
+            </p:cxnSp>
+            <mc:AlternateContent xmlns:mc="http://schemas.openxmlformats.org/markup-compatibility/2006">
+              <mc:Choice xmlns:a14="http://schemas.microsoft.com/office/drawing/2010/main" Requires="a14">
+                <p:sp>
+                  <p:nvSpPr>
+                    <p:cNvPr id="364" name="Rectangle 363">
+                      <a:extLst>
+                        <a:ext uri="{FF2B5EF4-FFF2-40B4-BE49-F238E27FC236}">
+                          <a16:creationId xmlns:a16="http://schemas.microsoft.com/office/drawing/2014/main" id="{FA5AE774-5D33-C0E1-5C3C-9BF1AD69732B}"/>
+                        </a:ext>
+                      </a:extLst>
+                    </p:cNvPr>
+                    <p:cNvSpPr/>
+                    <p:nvPr/>
+                  </p:nvSpPr>
+                  <p:spPr>
+                    <a:xfrm>
+                      <a:off x="2122487" y="3150656"/>
+                      <a:ext cx="2281545" cy="282721"/>
+                    </a:xfrm>
+                    <a:prstGeom prst="rect">
+                      <a:avLst/>
+                    </a:prstGeom>
+                    <a:noFill/>
+                    <a:ln w="3175">
+                      <a:solidFill>
+                        <a:schemeClr val="tx1"/>
+                      </a:solidFill>
+                    </a:ln>
+                  </p:spPr>
+                  <p:style>
+                    <a:lnRef idx="2">
+                      <a:schemeClr val="accent1">
+                        <a:shade val="50000"/>
+                      </a:schemeClr>
+                    </a:lnRef>
+                    <a:fillRef idx="1">
+                      <a:schemeClr val="accent1"/>
+                    </a:fillRef>
+                    <a:effectRef idx="0">
+                      <a:schemeClr val="accent1"/>
+                    </a:effectRef>
+                    <a:fontRef idx="minor">
+                      <a:schemeClr val="lt1"/>
+                    </a:fontRef>
+                  </p:style>
+                  <p:txBody>
+                    <a:bodyPr rtlCol="0" anchor="ctr"/>
+                    <a:lstStyle/>
+                    <a:p>
+                      <a:pPr algn="ctr"/>
+                      <a14:m>
+                        <m:oMathPara xmlns:m="http://schemas.openxmlformats.org/officeDocument/2006/math">
+                          <m:oMathParaPr>
+                            <m:jc m:val="centerGroup"/>
+                          </m:oMathParaPr>
+                          <m:oMath xmlns:m="http://schemas.openxmlformats.org/officeDocument/2006/math">
+                            <m:r>
+                              <a:rPr lang="en-US" b="0" i="1" smtClean="0">
+                                <a:solidFill>
+                                  <a:schemeClr val="tx1"/>
+                                </a:solidFill>
+                                <a:latin typeface="Cambria Math" panose="02040503050406030204" pitchFamily="18" charset="0"/>
+                              </a:rPr>
+                              <m:t>𝑅𝑒𝐿𝑢</m:t>
+                            </m:r>
+                            <m:d>
+                              <m:dPr>
+                                <m:ctrlPr>
+                                  <a:rPr lang="en-US" b="0" i="1" smtClean="0">
+                                    <a:solidFill>
+                                      <a:schemeClr val="tx1"/>
+                                    </a:solidFill>
+                                    <a:latin typeface="Cambria Math" panose="02040503050406030204" pitchFamily="18" charset="0"/>
+                                  </a:rPr>
+                                </m:ctrlPr>
+                              </m:dPr>
+                              <m:e>
+                                <m:r>
+                                  <a:rPr lang="en-US" b="0" i="1" smtClean="0">
+                                    <a:solidFill>
+                                      <a:schemeClr val="tx1"/>
+                                    </a:solidFill>
+                                    <a:latin typeface="Cambria Math" panose="02040503050406030204" pitchFamily="18" charset="0"/>
+                                  </a:rPr>
+                                  <m:t>𝑥</m:t>
+                                </m:r>
+                              </m:e>
+                            </m:d>
+                            <m:r>
+                              <a:rPr lang="en-US" b="0" i="1" smtClean="0">
+                                <a:solidFill>
+                                  <a:schemeClr val="tx1"/>
+                                </a:solidFill>
+                                <a:latin typeface="Cambria Math" panose="02040503050406030204" pitchFamily="18" charset="0"/>
+                              </a:rPr>
+                              <m:t>=</m:t>
+                            </m:r>
+                            <m:r>
+                              <m:rPr>
+                                <m:sty m:val="p"/>
+                              </m:rPr>
+                              <a:rPr lang="en-US" b="0" i="0" smtClean="0">
+                                <a:solidFill>
+                                  <a:schemeClr val="tx1"/>
+                                </a:solidFill>
+                                <a:latin typeface="Cambria Math" panose="02040503050406030204" pitchFamily="18" charset="0"/>
+                              </a:rPr>
+                              <m:t>max</m:t>
+                            </m:r>
+                            <m:r>
+                              <a:rPr lang="en-US" b="0" i="1" smtClean="0">
+                                <a:solidFill>
+                                  <a:schemeClr val="tx1"/>
+                                </a:solidFill>
+                                <a:latin typeface="Cambria Math" panose="02040503050406030204" pitchFamily="18" charset="0"/>
+                              </a:rPr>
+                              <m:t>⁡(0,</m:t>
+                            </m:r>
+                            <m:r>
+                              <a:rPr lang="en-US" b="0" i="1" smtClean="0">
+                                <a:solidFill>
+                                  <a:schemeClr val="tx1"/>
+                                </a:solidFill>
+                                <a:latin typeface="Cambria Math" panose="02040503050406030204" pitchFamily="18" charset="0"/>
+                              </a:rPr>
+                              <m:t>𝑥</m:t>
+                            </m:r>
+                            <m:r>
+                              <a:rPr lang="en-US" b="0" i="1" smtClean="0">
+                                <a:solidFill>
+                                  <a:schemeClr val="tx1"/>
+                                </a:solidFill>
+                                <a:latin typeface="Cambria Math" panose="02040503050406030204" pitchFamily="18" charset="0"/>
+                              </a:rPr>
+                              <m:t>)</m:t>
+                            </m:r>
+                          </m:oMath>
+                        </m:oMathPara>
+                      </a14:m>
+                      <a:endParaRPr lang="en-NL" dirty="0">
+                        <a:solidFill>
+                          <a:schemeClr val="tx1"/>
+                        </a:solidFill>
+                      </a:endParaRPr>
+                    </a:p>
+                  </p:txBody>
+                </p:sp>
+              </mc:Choice>
+              <mc:Fallback>
+                <p:sp>
+                  <p:nvSpPr>
+                    <p:cNvPr id="364" name="Rectangle 363">
+                      <a:extLst>
+                        <a:ext uri="{FF2B5EF4-FFF2-40B4-BE49-F238E27FC236}">
+                          <a16:creationId xmlns:a16="http://schemas.microsoft.com/office/drawing/2014/main" id="{FA5AE774-5D33-C0E1-5C3C-9BF1AD69732B}"/>
+                        </a:ext>
+                      </a:extLst>
+                    </p:cNvPr>
+                    <p:cNvSpPr>
+                      <a:spLocks noRot="1" noChangeAspect="1" noMove="1" noResize="1" noEditPoints="1" noAdjustHandles="1" noChangeArrowheads="1" noChangeShapeType="1" noTextEdit="1"/>
+                    </p:cNvSpPr>
+                    <p:nvPr/>
+                  </p:nvSpPr>
+                  <p:spPr>
+                    <a:xfrm>
+                      <a:off x="2122487" y="3150656"/>
+                      <a:ext cx="2281545" cy="282721"/>
+                    </a:xfrm>
+                    <a:prstGeom prst="rect">
+                      <a:avLst/>
+                    </a:prstGeom>
+                    <a:blipFill>
+                      <a:blip r:embed="rId2"/>
+                      <a:stretch>
+                        <a:fillRect l="-533" t="-2128" b="-29787"/>
+                      </a:stretch>
+                    </a:blipFill>
+                    <a:ln w="3175">
+                      <a:solidFill>
+                        <a:schemeClr val="tx1"/>
+                      </a:solidFill>
+                    </a:ln>
+                  </p:spPr>
+                  <p:txBody>
+                    <a:bodyPr/>
+                    <a:lstStyle/>
+                    <a:p>
+                      <a:r>
+                        <a:rPr lang="en-NL">
+                          <a:noFill/>
+                        </a:rPr>
+                        <a:t> </a:t>
+                      </a:r>
+                    </a:p>
+                  </p:txBody>
+                </p:sp>
+              </mc:Fallback>
+            </mc:AlternateContent>
+            <p:cxnSp>
+              <p:nvCxnSpPr>
+                <p:cNvPr id="393" name="Straight Arrow Connector 392">
+                  <a:extLst>
+                    <a:ext uri="{FF2B5EF4-FFF2-40B4-BE49-F238E27FC236}">
+                      <a16:creationId xmlns:a16="http://schemas.microsoft.com/office/drawing/2014/main" id="{06645AF9-93B2-467F-79E0-A8D7DC9F916B}"/>
+                    </a:ext>
+                  </a:extLst>
+                </p:cNvPr>
+                <p:cNvCxnSpPr>
+                  <a:cxnSpLocks/>
+                  <a:stCxn id="364" idx="2"/>
+                  <a:endCxn id="350" idx="0"/>
+                </p:cNvCxnSpPr>
+                <p:nvPr/>
+              </p:nvCxnSpPr>
+              <p:spPr>
+                <a:xfrm flipH="1">
+                  <a:off x="2721407" y="3433377"/>
+                  <a:ext cx="541853" cy="345942"/>
+                </a:xfrm>
+                <a:prstGeom prst="straightConnector1">
+                  <a:avLst/>
+                </a:prstGeom>
+                <a:ln w="28575">
+                  <a:solidFill>
+                    <a:srgbClr val="00B0F0"/>
+                  </a:solidFill>
+                  <a:tailEnd type="triangle"/>
+                </a:ln>
+              </p:spPr>
+              <p:style>
+                <a:lnRef idx="1">
+                  <a:schemeClr val="accent1"/>
+                </a:lnRef>
+                <a:fillRef idx="0">
+                  <a:schemeClr val="accent1"/>
+                </a:fillRef>
+                <a:effectRef idx="0">
+                  <a:schemeClr val="accent1"/>
+                </a:effectRef>
+                <a:fontRef idx="minor">
+                  <a:schemeClr val="tx1"/>
+                </a:fontRef>
+              </p:style>
+            </p:cxnSp>
+            <p:cxnSp>
+              <p:nvCxnSpPr>
+                <p:cNvPr id="396" name="Straight Arrow Connector 395">
+                  <a:extLst>
+                    <a:ext uri="{FF2B5EF4-FFF2-40B4-BE49-F238E27FC236}">
+                      <a16:creationId xmlns:a16="http://schemas.microsoft.com/office/drawing/2014/main" id="{569CFB6C-2A1D-9983-8264-6F4BD1A830BA}"/>
+                    </a:ext>
+                  </a:extLst>
+                </p:cNvPr>
+                <p:cNvCxnSpPr>
+                  <a:cxnSpLocks/>
+                  <a:stCxn id="364" idx="2"/>
+                  <a:endCxn id="351" idx="0"/>
+                </p:cNvCxnSpPr>
+                <p:nvPr/>
+              </p:nvCxnSpPr>
+              <p:spPr>
+                <a:xfrm flipH="1">
+                  <a:off x="3083260" y="3433377"/>
+                  <a:ext cx="180000" cy="345343"/>
+                </a:xfrm>
+                <a:prstGeom prst="straightConnector1">
+                  <a:avLst/>
+                </a:prstGeom>
+                <a:ln w="28575">
+                  <a:solidFill>
+                    <a:srgbClr val="FFFF00"/>
+                  </a:solidFill>
+                  <a:tailEnd type="triangle"/>
+                </a:ln>
+              </p:spPr>
+              <p:style>
+                <a:lnRef idx="1">
+                  <a:schemeClr val="accent1"/>
+                </a:lnRef>
+                <a:fillRef idx="0">
+                  <a:schemeClr val="accent1"/>
+                </a:fillRef>
+                <a:effectRef idx="0">
+                  <a:schemeClr val="accent1"/>
+                </a:effectRef>
+                <a:fontRef idx="minor">
+                  <a:schemeClr val="tx1"/>
+                </a:fontRef>
+              </p:style>
+            </p:cxnSp>
+            <p:cxnSp>
+              <p:nvCxnSpPr>
+                <p:cNvPr id="399" name="Straight Arrow Connector 398">
+                  <a:extLst>
+                    <a:ext uri="{FF2B5EF4-FFF2-40B4-BE49-F238E27FC236}">
+                      <a16:creationId xmlns:a16="http://schemas.microsoft.com/office/drawing/2014/main" id="{D8A42DA6-738A-2D79-8FC7-F45C141460D5}"/>
+                    </a:ext>
+                  </a:extLst>
+                </p:cNvPr>
+                <p:cNvCxnSpPr>
+                  <a:cxnSpLocks/>
+                  <a:stCxn id="364" idx="2"/>
+                  <a:endCxn id="352" idx="0"/>
+                </p:cNvCxnSpPr>
+                <p:nvPr/>
+              </p:nvCxnSpPr>
+              <p:spPr>
+                <a:xfrm>
+                  <a:off x="3263260" y="3433377"/>
+                  <a:ext cx="180000" cy="344344"/>
+                </a:xfrm>
+                <a:prstGeom prst="straightConnector1">
+                  <a:avLst/>
+                </a:prstGeom>
+                <a:ln w="28575">
+                  <a:solidFill>
+                    <a:srgbClr val="FF0000"/>
+                  </a:solidFill>
+                  <a:tailEnd type="triangle"/>
+                </a:ln>
+              </p:spPr>
+              <p:style>
+                <a:lnRef idx="1">
+                  <a:schemeClr val="accent1"/>
+                </a:lnRef>
+                <a:fillRef idx="0">
+                  <a:schemeClr val="accent1"/>
+                </a:fillRef>
+                <a:effectRef idx="0">
+                  <a:schemeClr val="accent1"/>
+                </a:effectRef>
+                <a:fontRef idx="minor">
+                  <a:schemeClr val="tx1"/>
+                </a:fontRef>
+              </p:style>
+            </p:cxnSp>
+          </p:grpSp>
+          <p:sp>
+            <p:nvSpPr>
+              <p:cNvPr id="405" name="Rectangle 404">
+                <a:extLst>
+                  <a:ext uri="{FF2B5EF4-FFF2-40B4-BE49-F238E27FC236}">
+                    <a16:creationId xmlns:a16="http://schemas.microsoft.com/office/drawing/2014/main" id="{36B2984B-6C79-E526-7039-A3EF32443E4F}"/>
+                  </a:ext>
+                </a:extLst>
+              </p:cNvPr>
+              <p:cNvSpPr/>
+              <p:nvPr/>
+            </p:nvSpPr>
+            <p:spPr>
+              <a:xfrm>
+                <a:off x="1460698" y="1168830"/>
+                <a:ext cx="2637895" cy="299377"/>
+              </a:xfrm>
+              <a:prstGeom prst="rect">
+                <a:avLst/>
+              </a:prstGeom>
+              <a:noFill/>
+              <a:ln w="3175">
+                <a:solidFill>
+                  <a:schemeClr val="tx1"/>
+                </a:solidFill>
+              </a:ln>
+            </p:spPr>
+            <p:style>
+              <a:lnRef idx="2">
+                <a:schemeClr val="accent1">
+                  <a:shade val="50000"/>
+                </a:schemeClr>
+              </a:lnRef>
+              <a:fillRef idx="1">
+                <a:schemeClr val="accent1"/>
+              </a:fillRef>
+              <a:effectRef idx="0">
+                <a:schemeClr val="accent1"/>
+              </a:effectRef>
+              <a:fontRef idx="minor">
+                <a:schemeClr val="lt1"/>
+              </a:fontRef>
+            </p:style>
+            <p:txBody>
+              <a:bodyPr rtlCol="0" anchor="ctr"/>
+              <a:lstStyle/>
+              <a:p>
+                <a:pPr algn="ctr"/>
+                <a:r>
+                  <a:rPr lang="en-US" dirty="0">
+                    <a:solidFill>
+                      <a:schemeClr val="tx1"/>
+                    </a:solidFill>
+                  </a:rPr>
+                  <a:t>Input Image</a:t>
+                </a:r>
+                <a:endParaRPr lang="en-NL" dirty="0">
+                  <a:solidFill>
+                    <a:schemeClr val="tx1"/>
+                  </a:solidFill>
+                </a:endParaRPr>
+              </a:p>
+            </p:txBody>
+          </p:sp>
+          <p:sp>
+            <p:nvSpPr>
+              <p:cNvPr id="407" name="Rectangle 406">
+                <a:extLst>
+                  <a:ext uri="{FF2B5EF4-FFF2-40B4-BE49-F238E27FC236}">
+                    <a16:creationId xmlns:a16="http://schemas.microsoft.com/office/drawing/2014/main" id="{49E5DCB7-673C-C01F-DAEE-249D6D7642AE}"/>
+                  </a:ext>
+                </a:extLst>
+              </p:cNvPr>
+              <p:cNvSpPr/>
+              <p:nvPr/>
+            </p:nvSpPr>
+            <p:spPr>
+              <a:xfrm>
+                <a:off x="1460698" y="3144605"/>
+                <a:ext cx="2637896" cy="299377"/>
+              </a:xfrm>
+              <a:prstGeom prst="rect">
+                <a:avLst/>
+              </a:prstGeom>
+              <a:noFill/>
+              <a:ln w="3175">
+                <a:solidFill>
+                  <a:schemeClr val="tx1"/>
+                </a:solidFill>
+              </a:ln>
+            </p:spPr>
+            <p:style>
+              <a:lnRef idx="2">
+                <a:schemeClr val="accent1">
+                  <a:shade val="50000"/>
+                </a:schemeClr>
+              </a:lnRef>
+              <a:fillRef idx="1">
+                <a:schemeClr val="accent1"/>
+              </a:fillRef>
+              <a:effectRef idx="0">
+                <a:schemeClr val="accent1"/>
+              </a:effectRef>
+              <a:fontRef idx="minor">
+                <a:schemeClr val="lt1"/>
+              </a:fontRef>
+            </p:style>
+            <p:txBody>
+              <a:bodyPr rtlCol="0" anchor="ctr"/>
+              <a:lstStyle/>
+              <a:p>
+                <a:pPr algn="ctr"/>
+                <a:r>
+                  <a:rPr lang="en-US" dirty="0">
+                    <a:solidFill>
+                      <a:schemeClr val="tx1"/>
+                    </a:solidFill>
+                  </a:rPr>
+                  <a:t>Filter (Convolution)</a:t>
+                </a:r>
+                <a:endParaRPr lang="en-NL" dirty="0">
+                  <a:solidFill>
+                    <a:schemeClr val="tx1"/>
+                  </a:solidFill>
+                </a:endParaRPr>
+              </a:p>
+            </p:txBody>
+          </p:sp>
+          <p:sp>
+            <p:nvSpPr>
+              <p:cNvPr id="408" name="Rectangle 407">
+                <a:extLst>
+                  <a:ext uri="{FF2B5EF4-FFF2-40B4-BE49-F238E27FC236}">
+                    <a16:creationId xmlns:a16="http://schemas.microsoft.com/office/drawing/2014/main" id="{B9D07D18-8DE2-957D-C231-37935445BB91}"/>
+                  </a:ext>
+                </a:extLst>
+              </p:cNvPr>
+              <p:cNvSpPr/>
+              <p:nvPr/>
+            </p:nvSpPr>
+            <p:spPr>
+              <a:xfrm>
+                <a:off x="1460697" y="4218531"/>
+                <a:ext cx="2637896" cy="299377"/>
+              </a:xfrm>
+              <a:prstGeom prst="rect">
+                <a:avLst/>
+              </a:prstGeom>
+              <a:noFill/>
+              <a:ln w="3175">
+                <a:solidFill>
+                  <a:schemeClr val="tx1"/>
+                </a:solidFill>
+              </a:ln>
+            </p:spPr>
+            <p:style>
+              <a:lnRef idx="2">
+                <a:schemeClr val="accent1">
+                  <a:shade val="50000"/>
+                </a:schemeClr>
+              </a:lnRef>
+              <a:fillRef idx="1">
+                <a:schemeClr val="accent1"/>
+              </a:fillRef>
+              <a:effectRef idx="0">
+                <a:schemeClr val="accent1"/>
+              </a:effectRef>
+              <a:fontRef idx="minor">
+                <a:schemeClr val="lt1"/>
+              </a:fontRef>
+            </p:style>
+            <p:txBody>
+              <a:bodyPr rtlCol="0" anchor="ctr"/>
+              <a:lstStyle/>
+              <a:p>
+                <a:pPr algn="ctr"/>
+                <a:r>
+                  <a:rPr lang="en-US" dirty="0">
+                    <a:solidFill>
+                      <a:schemeClr val="tx1"/>
+                    </a:solidFill>
+                  </a:rPr>
+                  <a:t>Bias</a:t>
+                </a:r>
+                <a:endParaRPr lang="en-NL" dirty="0">
+                  <a:solidFill>
+                    <a:schemeClr val="tx1"/>
+                  </a:solidFill>
+                </a:endParaRPr>
+              </a:p>
+            </p:txBody>
+          </p:sp>
+          <p:sp>
+            <p:nvSpPr>
+              <p:cNvPr id="409" name="Rectangle 408">
+                <a:extLst>
+                  <a:ext uri="{FF2B5EF4-FFF2-40B4-BE49-F238E27FC236}">
+                    <a16:creationId xmlns:a16="http://schemas.microsoft.com/office/drawing/2014/main" id="{2C3E7AFF-8CEA-F55C-1290-7B193F91E9D2}"/>
+                  </a:ext>
+                </a:extLst>
+              </p:cNvPr>
+              <p:cNvSpPr/>
+              <p:nvPr/>
+            </p:nvSpPr>
+            <p:spPr>
+              <a:xfrm>
+                <a:off x="1460697" y="5434379"/>
+                <a:ext cx="2637896" cy="299377"/>
+              </a:xfrm>
+              <a:prstGeom prst="rect">
+                <a:avLst/>
+              </a:prstGeom>
+              <a:noFill/>
+              <a:ln w="3175">
+                <a:solidFill>
+                  <a:schemeClr val="tx1"/>
+                </a:solidFill>
+              </a:ln>
+            </p:spPr>
+            <p:style>
+              <a:lnRef idx="2">
+                <a:schemeClr val="accent1">
+                  <a:shade val="50000"/>
+                </a:schemeClr>
+              </a:lnRef>
+              <a:fillRef idx="1">
+                <a:schemeClr val="accent1"/>
+              </a:fillRef>
+              <a:effectRef idx="0">
+                <a:schemeClr val="accent1"/>
+              </a:effectRef>
+              <a:fontRef idx="minor">
+                <a:schemeClr val="lt1"/>
+              </a:fontRef>
+            </p:style>
+            <p:txBody>
+              <a:bodyPr rtlCol="0" anchor="ctr"/>
+              <a:lstStyle/>
+              <a:p>
+                <a:pPr algn="ctr"/>
+                <a:r>
+                  <a:rPr lang="en-US" dirty="0">
+                    <a:solidFill>
+                      <a:schemeClr val="tx1"/>
+                    </a:solidFill>
+                  </a:rPr>
+                  <a:t>Filtered Image</a:t>
+                </a:r>
+                <a:endParaRPr lang="en-NL" dirty="0">
+                  <a:solidFill>
+                    <a:schemeClr val="tx1"/>
+                  </a:solidFill>
+                </a:endParaRPr>
+              </a:p>
+            </p:txBody>
+          </p:sp>
+          <p:cxnSp>
+            <p:nvCxnSpPr>
+              <p:cNvPr id="414" name="Straight Arrow Connector 413">
+                <a:extLst>
+                  <a:ext uri="{FF2B5EF4-FFF2-40B4-BE49-F238E27FC236}">
+                    <a16:creationId xmlns:a16="http://schemas.microsoft.com/office/drawing/2014/main" id="{9330917B-02B1-CBF2-85F0-4F9E708FC598}"/>
+                  </a:ext>
+                </a:extLst>
+              </p:cNvPr>
+              <p:cNvCxnSpPr>
+                <a:stCxn id="405" idx="3"/>
+                <a:endCxn id="36" idx="1"/>
+              </p:cNvCxnSpPr>
+              <p:nvPr/>
+            </p:nvCxnSpPr>
+            <p:spPr>
+              <a:xfrm flipV="1">
+                <a:off x="4098593" y="1310848"/>
+                <a:ext cx="1323947" cy="7671"/>
+              </a:xfrm>
+              <a:prstGeom prst="straightConnector1">
+                <a:avLst/>
+              </a:prstGeom>
+              <a:ln>
+                <a:solidFill>
+                  <a:schemeClr val="tx1"/>
+                </a:solidFill>
+                <a:tailEnd type="triangle"/>
+              </a:ln>
+            </p:spPr>
+            <p:style>
+              <a:lnRef idx="1">
+                <a:schemeClr val="accent1"/>
+              </a:lnRef>
+              <a:fillRef idx="0">
+                <a:schemeClr val="accent1"/>
+              </a:fillRef>
+              <a:effectRef idx="0">
+                <a:schemeClr val="accent1"/>
+              </a:effectRef>
+              <a:fontRef idx="minor">
+                <a:schemeClr val="tx1"/>
+              </a:fontRef>
+            </p:style>
+          </p:cxnSp>
+          <p:cxnSp>
+            <p:nvCxnSpPr>
+              <p:cNvPr id="415" name="Straight Arrow Connector 414">
+                <a:extLst>
+                  <a:ext uri="{FF2B5EF4-FFF2-40B4-BE49-F238E27FC236}">
+                    <a16:creationId xmlns:a16="http://schemas.microsoft.com/office/drawing/2014/main" id="{75CEC332-7905-E4AE-1794-86EA77F59B9F}"/>
+                  </a:ext>
+                </a:extLst>
+              </p:cNvPr>
+              <p:cNvCxnSpPr>
+                <a:cxnSpLocks/>
+                <a:stCxn id="407" idx="3"/>
+                <a:endCxn id="157" idx="1"/>
+              </p:cNvCxnSpPr>
+              <p:nvPr/>
+            </p:nvCxnSpPr>
+            <p:spPr>
+              <a:xfrm>
+                <a:off x="4098594" y="3294294"/>
+                <a:ext cx="1822312" cy="0"/>
+              </a:xfrm>
+              <a:prstGeom prst="straightConnector1">
+                <a:avLst/>
+              </a:prstGeom>
+              <a:ln>
+                <a:solidFill>
+                  <a:schemeClr val="tx1"/>
+                </a:solidFill>
+                <a:tailEnd type="triangle"/>
+              </a:ln>
+            </p:spPr>
+            <p:style>
+              <a:lnRef idx="1">
+                <a:schemeClr val="accent1"/>
+              </a:lnRef>
+              <a:fillRef idx="0">
+                <a:schemeClr val="accent1"/>
+              </a:fillRef>
+              <a:effectRef idx="0">
+                <a:schemeClr val="accent1"/>
+              </a:effectRef>
+              <a:fontRef idx="minor">
+                <a:schemeClr val="tx1"/>
+              </a:fontRef>
+            </p:style>
+          </p:cxnSp>
+          <p:cxnSp>
+            <p:nvCxnSpPr>
+              <p:cNvPr id="419" name="Straight Arrow Connector 418">
+                <a:extLst>
+                  <a:ext uri="{FF2B5EF4-FFF2-40B4-BE49-F238E27FC236}">
+                    <a16:creationId xmlns:a16="http://schemas.microsoft.com/office/drawing/2014/main" id="{5F60E996-AEB3-FBC0-2564-43C7709EE4F8}"/>
+                  </a:ext>
+                </a:extLst>
+              </p:cNvPr>
+              <p:cNvCxnSpPr>
+                <a:cxnSpLocks/>
+                <a:stCxn id="408" idx="3"/>
+                <a:endCxn id="140" idx="1"/>
+              </p:cNvCxnSpPr>
+              <p:nvPr/>
+            </p:nvCxnSpPr>
+            <p:spPr>
+              <a:xfrm>
+                <a:off x="4098593" y="4368220"/>
+                <a:ext cx="2166700" cy="0"/>
+              </a:xfrm>
+              <a:prstGeom prst="straightConnector1">
+                <a:avLst/>
+              </a:prstGeom>
+              <a:ln>
+                <a:solidFill>
+                  <a:schemeClr val="tx1"/>
+                </a:solidFill>
+                <a:tailEnd type="triangle"/>
+              </a:ln>
+            </p:spPr>
+            <p:style>
+              <a:lnRef idx="1">
+                <a:schemeClr val="accent1"/>
+              </a:lnRef>
+              <a:fillRef idx="0">
+                <a:schemeClr val="accent1"/>
+              </a:fillRef>
+              <a:effectRef idx="0">
+                <a:schemeClr val="accent1"/>
+              </a:effectRef>
+              <a:fontRef idx="minor">
+                <a:schemeClr val="tx1"/>
+              </a:fontRef>
+            </p:style>
+          </p:cxnSp>
+          <p:cxnSp>
+            <p:nvCxnSpPr>
+              <p:cNvPr id="423" name="Straight Arrow Connector 422">
+                <a:extLst>
+                  <a:ext uri="{FF2B5EF4-FFF2-40B4-BE49-F238E27FC236}">
+                    <a16:creationId xmlns:a16="http://schemas.microsoft.com/office/drawing/2014/main" id="{779E4DFE-C282-C290-5963-7F54F43D9007}"/>
+                  </a:ext>
+                </a:extLst>
+              </p:cNvPr>
+              <p:cNvCxnSpPr>
+                <a:cxnSpLocks/>
+                <a:stCxn id="409" idx="3"/>
+              </p:cNvCxnSpPr>
+              <p:nvPr/>
+            </p:nvCxnSpPr>
+            <p:spPr>
+              <a:xfrm>
+                <a:off x="4098593" y="5584068"/>
+                <a:ext cx="1651980" cy="0"/>
+              </a:xfrm>
+              <a:prstGeom prst="straightConnector1">
+                <a:avLst/>
+              </a:prstGeom>
+              <a:ln>
+                <a:solidFill>
+                  <a:schemeClr val="tx1"/>
+                </a:solidFill>
+                <a:tailEnd type="triangle"/>
+              </a:ln>
+            </p:spPr>
+            <p:style>
+              <a:lnRef idx="1">
+                <a:schemeClr val="accent1"/>
+              </a:lnRef>
+              <a:fillRef idx="0">
+                <a:schemeClr val="accent1"/>
+              </a:fillRef>
+              <a:effectRef idx="0">
+                <a:schemeClr val="accent1"/>
+              </a:effectRef>
+              <a:fontRef idx="minor">
+                <a:schemeClr val="tx1"/>
+              </a:fontRef>
+            </p:style>
+          </p:cxnSp>
+        </p:grpSp>
+        <p:cxnSp>
+          <p:nvCxnSpPr>
+            <p:cNvPr id="430" name="Straight Arrow Connector 429">
+              <a:extLst>
+                <a:ext uri="{FF2B5EF4-FFF2-40B4-BE49-F238E27FC236}">
+                  <a16:creationId xmlns:a16="http://schemas.microsoft.com/office/drawing/2014/main" id="{094469A9-0E07-A28C-7BC0-112CF53912A2}"/>
+                </a:ext>
+              </a:extLst>
+            </p:cNvPr>
+            <p:cNvCxnSpPr>
+              <a:cxnSpLocks/>
+              <a:stCxn id="411" idx="3"/>
+            </p:cNvCxnSpPr>
+            <p:nvPr/>
+          </p:nvCxnSpPr>
+          <p:spPr>
+            <a:xfrm flipV="1">
+              <a:off x="4069717" y="3811970"/>
+              <a:ext cx="1670291" cy="1900"/>
+            </a:xfrm>
+            <a:prstGeom prst="straightConnector1">
+              <a:avLst/>
+            </a:prstGeom>
+            <a:ln>
+              <a:solidFill>
+                <a:schemeClr val="tx1"/>
+              </a:solidFill>
+              <a:tailEnd type="triangle"/>
+            </a:ln>
+          </p:spPr>
+          <p:style>
+            <a:lnRef idx="1">
+              <a:schemeClr val="accent1"/>
+            </a:lnRef>
+            <a:fillRef idx="0">
+              <a:schemeClr val="accent1"/>
+            </a:fillRef>
+            <a:effectRef idx="0">
+              <a:schemeClr val="accent1"/>
+            </a:effectRef>
+            <a:fontRef idx="minor">
+              <a:schemeClr val="tx1"/>
+            </a:fontRef>
+          </p:style>
+        </p:cxnSp>
+        <p:cxnSp>
+          <p:nvCxnSpPr>
+            <p:cNvPr id="434" name="Straight Arrow Connector 433">
+              <a:extLst>
+                <a:ext uri="{FF2B5EF4-FFF2-40B4-BE49-F238E27FC236}">
+                  <a16:creationId xmlns:a16="http://schemas.microsoft.com/office/drawing/2014/main" id="{D4D1D6A2-96C3-F493-B482-387BABF6535A}"/>
+                </a:ext>
+              </a:extLst>
+            </p:cNvPr>
+            <p:cNvCxnSpPr>
+              <a:cxnSpLocks/>
+              <a:stCxn id="412" idx="3"/>
+              <a:endCxn id="238" idx="2"/>
+            </p:cNvCxnSpPr>
+            <p:nvPr/>
+          </p:nvCxnSpPr>
+          <p:spPr>
+            <a:xfrm>
+              <a:off x="4069717" y="5593225"/>
+              <a:ext cx="1950315" cy="0"/>
+            </a:xfrm>
+            <a:prstGeom prst="straightConnector1">
+              <a:avLst/>
+            </a:prstGeom>
+            <a:ln>
+              <a:solidFill>
+                <a:schemeClr val="tx1"/>
+              </a:solidFill>
+              <a:tailEnd type="triangle"/>
+            </a:ln>
+          </p:spPr>
+          <p:style>
+            <a:lnRef idx="1">
+              <a:schemeClr val="accent1"/>
+            </a:lnRef>
+            <a:fillRef idx="0">
+              <a:schemeClr val="accent1"/>
+            </a:fillRef>
+            <a:effectRef idx="0">
+              <a:schemeClr val="accent1"/>
+            </a:effectRef>
+            <a:fontRef idx="minor">
+              <a:schemeClr val="tx1"/>
+            </a:fontRef>
+          </p:style>
+        </p:cxnSp>
+        <p:cxnSp>
+          <p:nvCxnSpPr>
+            <p:cNvPr id="446" name="Straight Arrow Connector 445">
+              <a:extLst>
+                <a:ext uri="{FF2B5EF4-FFF2-40B4-BE49-F238E27FC236}">
+                  <a16:creationId xmlns:a16="http://schemas.microsoft.com/office/drawing/2014/main" id="{2D16F4D2-F6E9-931D-A5A9-47FAA4558E6F}"/>
+                </a:ext>
+              </a:extLst>
+            </p:cNvPr>
+            <p:cNvCxnSpPr>
+              <a:cxnSpLocks/>
+              <a:stCxn id="410" idx="3"/>
+              <a:endCxn id="364" idx="1"/>
+            </p:cNvCxnSpPr>
+            <p:nvPr/>
+          </p:nvCxnSpPr>
+          <p:spPr>
+            <a:xfrm flipV="1">
+              <a:off x="4069717" y="2601178"/>
+              <a:ext cx="1271950" cy="1748"/>
+            </a:xfrm>
+            <a:prstGeom prst="straightConnector1">
+              <a:avLst/>
+            </a:prstGeom>
+            <a:ln>
+              <a:solidFill>
+                <a:schemeClr val="tx1"/>
+              </a:solidFill>
+              <a:tailEnd type="triangle"/>
+            </a:ln>
+          </p:spPr>
+          <p:style>
+            <a:lnRef idx="1">
+              <a:schemeClr val="accent1"/>
+            </a:lnRef>
+            <a:fillRef idx="0">
+              <a:schemeClr val="accent1"/>
+            </a:fillRef>
+            <a:effectRef idx="0">
+              <a:schemeClr val="accent1"/>
+            </a:effectRef>
+            <a:fontRef idx="minor">
+              <a:schemeClr val="tx1"/>
+            </a:fontRef>
+          </p:style>
+        </p:cxnSp>
+      </p:grpSp>
+      <p:sp>
+        <p:nvSpPr>
+          <p:cNvPr id="454" name="Rectangle 453">
+            <a:extLst>
+              <a:ext uri="{FF2B5EF4-FFF2-40B4-BE49-F238E27FC236}">
+                <a16:creationId xmlns:a16="http://schemas.microsoft.com/office/drawing/2014/main" id="{B21F9D30-3B56-BFA0-D92E-ABAF31F0793C}"/>
+              </a:ext>
+            </a:extLst>
+          </p:cNvPr>
+          <p:cNvSpPr/>
+          <p:nvPr/>
+        </p:nvSpPr>
+        <p:spPr>
+          <a:xfrm>
+            <a:off x="4690477" y="5146061"/>
+            <a:ext cx="3083749" cy="720000"/>
+          </a:xfrm>
+          <a:prstGeom prst="rect">
+            <a:avLst/>
+          </a:prstGeom>
+          <a:noFill/>
+          <a:ln w="57150">
+            <a:solidFill>
+              <a:schemeClr val="tx1"/>
+            </a:solidFill>
+            <a:prstDash val="sysDot"/>
+          </a:ln>
+        </p:spPr>
+        <p:style>
+          <a:lnRef idx="2">
+            <a:schemeClr val="accent1">
+              <a:shade val="50000"/>
+            </a:schemeClr>
+          </a:lnRef>
+          <a:fillRef idx="1">
+            <a:schemeClr val="accent1"/>
+          </a:fillRef>
+          <a:effectRef idx="0">
+            <a:schemeClr val="accent1"/>
+          </a:effectRef>
+          <a:fontRef idx="minor">
+            <a:schemeClr val="lt1"/>
+          </a:fontRef>
+        </p:style>
+        <p:txBody>
+          <a:bodyPr rtlCol="0" anchor="ctr"/>
+          <a:lstStyle/>
+          <a:p>
+            <a:pPr algn="ctr"/>
+            <a:r>
+              <a:rPr lang="en-US" b="1" dirty="0">
+                <a:solidFill>
+                  <a:schemeClr val="tx1"/>
+                </a:solidFill>
+              </a:rPr>
+              <a:t>Now, we get the input to the common neural network.</a:t>
+            </a:r>
+            <a:endParaRPr lang="en-NL" b="1" dirty="0">
+              <a:solidFill>
+                <a:schemeClr val="tx1"/>
+              </a:solidFill>
+            </a:endParaRPr>
+          </a:p>
+        </p:txBody>
+      </p:sp>
+      <p:cxnSp>
+        <p:nvCxnSpPr>
+          <p:cNvPr id="455" name="Straight Arrow Connector 454">
+            <a:extLst>
+              <a:ext uri="{FF2B5EF4-FFF2-40B4-BE49-F238E27FC236}">
+                <a16:creationId xmlns:a16="http://schemas.microsoft.com/office/drawing/2014/main" id="{E9F6D737-75D0-A43B-3895-D9008893FF16}"/>
+              </a:ext>
+            </a:extLst>
+          </p:cNvPr>
+          <p:cNvCxnSpPr>
+            <a:cxnSpLocks/>
+            <a:stCxn id="460" idx="2"/>
+            <a:endCxn id="454" idx="0"/>
+          </p:cNvCxnSpPr>
+          <p:nvPr/>
+        </p:nvCxnSpPr>
+        <p:spPr>
+          <a:xfrm flipH="1">
+            <a:off x="6232352" y="4659657"/>
+            <a:ext cx="7277" cy="486404"/>
+          </a:xfrm>
+          <a:prstGeom prst="straightConnector1">
+            <a:avLst/>
+          </a:prstGeom>
+          <a:noFill/>
+          <a:ln w="57150">
+            <a:solidFill>
+              <a:schemeClr val="tx1"/>
+            </a:solidFill>
+            <a:prstDash val="sysDot"/>
+            <a:headEnd type="none" w="med" len="med"/>
+            <a:tailEnd type="triangle" w="med" len="med"/>
+          </a:ln>
+        </p:spPr>
+        <p:style>
+          <a:lnRef idx="2">
+            <a:schemeClr val="accent1">
+              <a:shade val="50000"/>
+            </a:schemeClr>
+          </a:lnRef>
+          <a:fillRef idx="1">
+            <a:schemeClr val="accent1"/>
+          </a:fillRef>
+          <a:effectRef idx="0">
+            <a:schemeClr val="accent1"/>
+          </a:effectRef>
+          <a:fontRef idx="minor">
+            <a:schemeClr val="lt1"/>
+          </a:fontRef>
+        </p:style>
+      </p:cxnSp>
+      <p:sp>
+        <p:nvSpPr>
+          <p:cNvPr id="460" name="Rectangle 459">
+            <a:extLst>
+              <a:ext uri="{FF2B5EF4-FFF2-40B4-BE49-F238E27FC236}">
+                <a16:creationId xmlns:a16="http://schemas.microsoft.com/office/drawing/2014/main" id="{730B13C2-7B6D-341F-07AF-7BF80CFDD2FA}"/>
+              </a:ext>
+            </a:extLst>
+          </p:cNvPr>
+          <p:cNvSpPr/>
+          <p:nvPr/>
+        </p:nvSpPr>
+        <p:spPr>
+          <a:xfrm>
+            <a:off x="5443260" y="3367567"/>
+            <a:ext cx="1592737" cy="1292090"/>
+          </a:xfrm>
+          <a:prstGeom prst="rect">
+            <a:avLst/>
+          </a:prstGeom>
+          <a:noFill/>
+          <a:ln w="57150">
+            <a:solidFill>
+              <a:schemeClr val="tx1"/>
+            </a:solidFill>
+            <a:prstDash val="sysDot"/>
+          </a:ln>
+        </p:spPr>
+        <p:style>
+          <a:lnRef idx="2">
+            <a:schemeClr val="accent1">
+              <a:shade val="50000"/>
+            </a:schemeClr>
+          </a:lnRef>
+          <a:fillRef idx="1">
+            <a:schemeClr val="accent1"/>
+          </a:fillRef>
+          <a:effectRef idx="0">
+            <a:schemeClr val="accent1"/>
+          </a:effectRef>
+          <a:fontRef idx="minor">
+            <a:schemeClr val="lt1"/>
+          </a:fontRef>
+        </p:style>
+        <p:txBody>
+          <a:bodyPr rtlCol="0" anchor="ctr"/>
+          <a:lstStyle/>
+          <a:p>
+            <a:pPr algn="ctr"/>
+            <a:endParaRPr lang="en-NL" dirty="0">
+              <a:solidFill>
+                <a:schemeClr val="tx1"/>
+              </a:solidFill>
+            </a:endParaRPr>
+          </a:p>
+        </p:txBody>
+      </p:sp>
+      <p:cxnSp>
+        <p:nvCxnSpPr>
+          <p:cNvPr id="465" name="Straight Arrow Connector 464">
+            <a:extLst>
+              <a:ext uri="{FF2B5EF4-FFF2-40B4-BE49-F238E27FC236}">
+                <a16:creationId xmlns:a16="http://schemas.microsoft.com/office/drawing/2014/main" id="{86E6D939-FEC6-65BC-D530-0D7B2D93875C}"/>
+              </a:ext>
+            </a:extLst>
+          </p:cNvPr>
+          <p:cNvCxnSpPr>
+            <a:cxnSpLocks/>
+            <a:stCxn id="460" idx="3"/>
+            <a:endCxn id="468" idx="1"/>
+          </p:cNvCxnSpPr>
+          <p:nvPr/>
+        </p:nvCxnSpPr>
+        <p:spPr>
+          <a:xfrm>
+            <a:off x="7035997" y="4013612"/>
+            <a:ext cx="1086973" cy="7290"/>
+          </a:xfrm>
+          <a:prstGeom prst="straightConnector1">
+            <a:avLst/>
+          </a:prstGeom>
+          <a:noFill/>
+          <a:ln w="57150">
+            <a:solidFill>
+              <a:schemeClr val="tx1"/>
+            </a:solidFill>
+            <a:prstDash val="sysDot"/>
+            <a:headEnd type="none" w="med" len="med"/>
+            <a:tailEnd type="triangle" w="med" len="med"/>
+          </a:ln>
+        </p:spPr>
+        <p:style>
+          <a:lnRef idx="2">
+            <a:schemeClr val="accent1">
+              <a:shade val="50000"/>
+            </a:schemeClr>
+          </a:lnRef>
+          <a:fillRef idx="1">
+            <a:schemeClr val="accent1"/>
+          </a:fillRef>
+          <a:effectRef idx="0">
+            <a:schemeClr val="accent1"/>
+          </a:effectRef>
+          <a:fontRef idx="minor">
+            <a:schemeClr val="lt1"/>
+          </a:fontRef>
+        </p:style>
+      </p:cxnSp>
+      <p:sp>
+        <p:nvSpPr>
+          <p:cNvPr id="468" name="Rectangle 467">
+            <a:extLst>
+              <a:ext uri="{FF2B5EF4-FFF2-40B4-BE49-F238E27FC236}">
+                <a16:creationId xmlns:a16="http://schemas.microsoft.com/office/drawing/2014/main" id="{CADE337A-FD18-F1F8-F2D5-195488E18E23}"/>
+              </a:ext>
+            </a:extLst>
+          </p:cNvPr>
+          <p:cNvSpPr/>
+          <p:nvPr/>
+        </p:nvSpPr>
+        <p:spPr>
+          <a:xfrm>
+            <a:off x="8122970" y="2820829"/>
+            <a:ext cx="813632" cy="2400146"/>
+          </a:xfrm>
+          <a:prstGeom prst="rect">
+            <a:avLst/>
+          </a:prstGeom>
+          <a:noFill/>
+          <a:ln w="57150">
+            <a:solidFill>
+              <a:schemeClr val="tx1"/>
+            </a:solidFill>
+            <a:prstDash val="sysDot"/>
+          </a:ln>
+        </p:spPr>
+        <p:style>
+          <a:lnRef idx="2">
+            <a:schemeClr val="accent1">
+              <a:shade val="50000"/>
+            </a:schemeClr>
+          </a:lnRef>
+          <a:fillRef idx="1">
+            <a:schemeClr val="accent1"/>
+          </a:fillRef>
+          <a:effectRef idx="0">
+            <a:schemeClr val="accent1"/>
+          </a:effectRef>
+          <a:fontRef idx="minor">
+            <a:schemeClr val="lt1"/>
+          </a:fontRef>
+        </p:style>
+        <p:txBody>
+          <a:bodyPr rtlCol="0" anchor="ctr"/>
+          <a:lstStyle/>
+          <a:p>
+            <a:pPr algn="ctr"/>
+            <a:endParaRPr lang="en-NL" b="1" dirty="0">
+              <a:solidFill>
+                <a:schemeClr val="tx1"/>
+              </a:solidFill>
+            </a:endParaRPr>
+          </a:p>
+        </p:txBody>
+      </p:sp>
+      <p:sp>
+        <p:nvSpPr>
+          <p:cNvPr id="472" name="Rectangle 471">
+            <a:extLst>
+              <a:ext uri="{FF2B5EF4-FFF2-40B4-BE49-F238E27FC236}">
+                <a16:creationId xmlns:a16="http://schemas.microsoft.com/office/drawing/2014/main" id="{92D02FA8-A072-5431-9BA6-7D42DD2187CD}"/>
+              </a:ext>
+            </a:extLst>
+          </p:cNvPr>
+          <p:cNvSpPr/>
+          <p:nvPr/>
+        </p:nvSpPr>
+        <p:spPr>
+          <a:xfrm>
+            <a:off x="9582017" y="2991326"/>
+            <a:ext cx="2445534" cy="2064098"/>
+          </a:xfrm>
+          <a:prstGeom prst="rect">
+            <a:avLst/>
+          </a:prstGeom>
+          <a:noFill/>
+          <a:ln w="57150">
+            <a:solidFill>
+              <a:schemeClr val="tx1"/>
+            </a:solidFill>
+            <a:prstDash val="sysDot"/>
+          </a:ln>
+        </p:spPr>
+        <p:style>
+          <a:lnRef idx="2">
+            <a:schemeClr val="accent1">
+              <a:shade val="50000"/>
+            </a:schemeClr>
+          </a:lnRef>
+          <a:fillRef idx="1">
+            <a:schemeClr val="accent1"/>
+          </a:fillRef>
+          <a:effectRef idx="0">
+            <a:schemeClr val="accent1"/>
+          </a:effectRef>
+          <a:fontRef idx="minor">
+            <a:schemeClr val="lt1"/>
+          </a:fontRef>
+        </p:style>
+        <p:txBody>
+          <a:bodyPr rtlCol="0" anchor="ctr"/>
+          <a:lstStyle/>
+          <a:p>
+            <a:pPr algn="ctr"/>
+            <a:r>
+              <a:rPr lang="en-US" b="1" dirty="0">
+                <a:solidFill>
+                  <a:schemeClr val="tx1"/>
+                </a:solidFill>
+              </a:rPr>
+              <a:t>The input image with 6x6 pixels now is converted into 2x2 pixels. These 4 pixels is the input nodes in the input layer of the neural network. </a:t>
+            </a:r>
+            <a:endParaRPr lang="en-NL" b="1" dirty="0">
+              <a:solidFill>
+                <a:schemeClr val="tx1"/>
+              </a:solidFill>
+            </a:endParaRPr>
+          </a:p>
+        </p:txBody>
+      </p:sp>
+      <p:cxnSp>
+        <p:nvCxnSpPr>
+          <p:cNvPr id="473" name="Straight Arrow Connector 472">
+            <a:extLst>
+              <a:ext uri="{FF2B5EF4-FFF2-40B4-BE49-F238E27FC236}">
+                <a16:creationId xmlns:a16="http://schemas.microsoft.com/office/drawing/2014/main" id="{DE4A3FF7-BDB1-AD1C-8D01-29E6C94A4E3B}"/>
+              </a:ext>
+            </a:extLst>
+          </p:cNvPr>
+          <p:cNvCxnSpPr>
+            <a:cxnSpLocks/>
+            <a:stCxn id="468" idx="3"/>
+            <a:endCxn id="472" idx="1"/>
+          </p:cNvCxnSpPr>
+          <p:nvPr/>
+        </p:nvCxnSpPr>
+        <p:spPr>
+          <a:xfrm>
+            <a:off x="8936602" y="4020902"/>
+            <a:ext cx="645415" cy="2473"/>
+          </a:xfrm>
+          <a:prstGeom prst="straightConnector1">
+            <a:avLst/>
+          </a:prstGeom>
+          <a:noFill/>
+          <a:ln w="57150">
+            <a:solidFill>
+              <a:schemeClr val="tx1"/>
+            </a:solidFill>
+            <a:prstDash val="sysDot"/>
+            <a:headEnd type="none" w="med" len="med"/>
+            <a:tailEnd type="triangle" w="med" len="med"/>
+          </a:ln>
+        </p:spPr>
+        <p:style>
+          <a:lnRef idx="2">
+            <a:schemeClr val="accent1">
+              <a:shade val="50000"/>
+            </a:schemeClr>
+          </a:lnRef>
+          <a:fillRef idx="1">
+            <a:schemeClr val="accent1"/>
+          </a:fillRef>
+          <a:effectRef idx="0">
+            <a:schemeClr val="accent1"/>
+          </a:effectRef>
+          <a:fontRef idx="minor">
+            <a:schemeClr val="lt1"/>
+          </a:fontRef>
+        </p:style>
+      </p:cxnSp>
+    </p:spTree>
+    <p:extLst>
+      <p:ext uri="{BB962C8B-B14F-4D97-AF65-F5344CB8AC3E}">
+        <p14:creationId xmlns:p14="http://schemas.microsoft.com/office/powerpoint/2010/main" val="70225446"/>
+      </p:ext>
+    </p:extLst>
+  </p:cSld>
+  <p:clrMapOvr>
+    <a:masterClrMapping/>
+  </p:clrMapOvr>
+</p:sld>
+</file>
+
 <file path=ppt/theme/theme1.xml><?xml version="1.0" encoding="utf-8"?>
 <a:theme xmlns:a="http://schemas.openxmlformats.org/drawingml/2006/main" name="Office Theme">
   <a:themeElements>

--- a/pictures/pictures.pptx
+++ b/pictures/pictures.pptx
@@ -276,7 +276,7 @@
           <a:p>
             <a:fld id="{5F488C4A-E758-4ECA-AE2F-E55A80CB037F}" type="datetimeFigureOut">
               <a:rPr lang="en-NL" smtClean="0"/>
-              <a:t>08/05/2023</a:t>
+              <a:t>11/05/2023</a:t>
             </a:fld>
             <a:endParaRPr lang="en-NL"/>
           </a:p>
@@ -476,7 +476,7 @@
           <a:p>
             <a:fld id="{5F488C4A-E758-4ECA-AE2F-E55A80CB037F}" type="datetimeFigureOut">
               <a:rPr lang="en-NL" smtClean="0"/>
-              <a:t>08/05/2023</a:t>
+              <a:t>11/05/2023</a:t>
             </a:fld>
             <a:endParaRPr lang="en-NL"/>
           </a:p>
@@ -686,7 +686,7 @@
           <a:p>
             <a:fld id="{5F488C4A-E758-4ECA-AE2F-E55A80CB037F}" type="datetimeFigureOut">
               <a:rPr lang="en-NL" smtClean="0"/>
-              <a:t>08/05/2023</a:t>
+              <a:t>11/05/2023</a:t>
             </a:fld>
             <a:endParaRPr lang="en-NL"/>
           </a:p>
@@ -886,7 +886,7 @@
           <a:p>
             <a:fld id="{5F488C4A-E758-4ECA-AE2F-E55A80CB037F}" type="datetimeFigureOut">
               <a:rPr lang="en-NL" smtClean="0"/>
-              <a:t>08/05/2023</a:t>
+              <a:t>11/05/2023</a:t>
             </a:fld>
             <a:endParaRPr lang="en-NL"/>
           </a:p>
@@ -1162,7 +1162,7 @@
           <a:p>
             <a:fld id="{5F488C4A-E758-4ECA-AE2F-E55A80CB037F}" type="datetimeFigureOut">
               <a:rPr lang="en-NL" smtClean="0"/>
-              <a:t>08/05/2023</a:t>
+              <a:t>11/05/2023</a:t>
             </a:fld>
             <a:endParaRPr lang="en-NL"/>
           </a:p>
@@ -1430,7 +1430,7 @@
           <a:p>
             <a:fld id="{5F488C4A-E758-4ECA-AE2F-E55A80CB037F}" type="datetimeFigureOut">
               <a:rPr lang="en-NL" smtClean="0"/>
-              <a:t>08/05/2023</a:t>
+              <a:t>11/05/2023</a:t>
             </a:fld>
             <a:endParaRPr lang="en-NL"/>
           </a:p>
@@ -1845,7 +1845,7 @@
           <a:p>
             <a:fld id="{5F488C4A-E758-4ECA-AE2F-E55A80CB037F}" type="datetimeFigureOut">
               <a:rPr lang="en-NL" smtClean="0"/>
-              <a:t>08/05/2023</a:t>
+              <a:t>11/05/2023</a:t>
             </a:fld>
             <a:endParaRPr lang="en-NL"/>
           </a:p>
@@ -1987,7 +1987,7 @@
           <a:p>
             <a:fld id="{5F488C4A-E758-4ECA-AE2F-E55A80CB037F}" type="datetimeFigureOut">
               <a:rPr lang="en-NL" smtClean="0"/>
-              <a:t>08/05/2023</a:t>
+              <a:t>11/05/2023</a:t>
             </a:fld>
             <a:endParaRPr lang="en-NL"/>
           </a:p>
@@ -2100,7 +2100,7 @@
           <a:p>
             <a:fld id="{5F488C4A-E758-4ECA-AE2F-E55A80CB037F}" type="datetimeFigureOut">
               <a:rPr lang="en-NL" smtClean="0"/>
-              <a:t>08/05/2023</a:t>
+              <a:t>11/05/2023</a:t>
             </a:fld>
             <a:endParaRPr lang="en-NL"/>
           </a:p>
@@ -2413,7 +2413,7 @@
           <a:p>
             <a:fld id="{5F488C4A-E758-4ECA-AE2F-E55A80CB037F}" type="datetimeFigureOut">
               <a:rPr lang="en-NL" smtClean="0"/>
-              <a:t>08/05/2023</a:t>
+              <a:t>11/05/2023</a:t>
             </a:fld>
             <a:endParaRPr lang="en-NL"/>
           </a:p>
@@ -2702,7 +2702,7 @@
           <a:p>
             <a:fld id="{5F488C4A-E758-4ECA-AE2F-E55A80CB037F}" type="datetimeFigureOut">
               <a:rPr lang="en-NL" smtClean="0"/>
-              <a:t>08/05/2023</a:t>
+              <a:t>11/05/2023</a:t>
             </a:fld>
             <a:endParaRPr lang="en-NL"/>
           </a:p>
@@ -2945,7 +2945,7 @@
           <a:p>
             <a:fld id="{5F488C4A-E758-4ECA-AE2F-E55A80CB037F}" type="datetimeFigureOut">
               <a:rPr lang="en-NL" smtClean="0"/>
-              <a:t>08/05/2023</a:t>
+              <a:t>11/05/2023</a:t>
             </a:fld>
             <a:endParaRPr lang="en-NL"/>
           </a:p>
@@ -4568,408 +4568,4588 @@
           <a:chExt cx="0" cy="0"/>
         </a:xfrm>
       </p:grpSpPr>
-      <p:graphicFrame>
-        <p:nvGraphicFramePr>
-          <p:cNvPr id="2" name="Table 2">
+      <p:grpSp>
+        <p:nvGrpSpPr>
+          <p:cNvPr id="2" name="Group 1">
             <a:extLst>
               <a:ext uri="{FF2B5EF4-FFF2-40B4-BE49-F238E27FC236}">
-                <a16:creationId xmlns:a16="http://schemas.microsoft.com/office/drawing/2014/main" id="{5A27407F-6E40-E841-E2E9-12551E8B198B}"/>
+                <a16:creationId xmlns:a16="http://schemas.microsoft.com/office/drawing/2014/main" id="{7E1302D4-9353-CBF3-B182-DF26AA5A405C}"/>
               </a:ext>
             </a:extLst>
           </p:cNvPr>
-          <p:cNvGraphicFramePr>
-            <a:graphicFrameLocks noGrp="1"/>
-          </p:cNvGraphicFramePr>
-          <p:nvPr>
-            <p:extLst>
-              <p:ext uri="{D42A27DB-BD31-4B8C-83A1-F6EECF244321}">
-                <p14:modId xmlns:p14="http://schemas.microsoft.com/office/powerpoint/2010/main" val="3784573473"/>
-              </p:ext>
-            </p:extLst>
-          </p:nvPr>
-        </p:nvGraphicFramePr>
-        <p:xfrm>
-          <a:off x="303560" y="351676"/>
-          <a:ext cx="4335347" cy="1483360"/>
-        </p:xfrm>
-        <a:graphic>
-          <a:graphicData uri="http://schemas.openxmlformats.org/drawingml/2006/table">
-            <a:tbl>
-              <a:tblPr firstRow="1" bandRow="1">
-                <a:tableStyleId>{5C22544A-7EE6-4342-B048-85BDC9FD1C3A}</a:tableStyleId>
-              </a:tblPr>
-              <a:tblGrid>
-                <a:gridCol w="889620">
+          <p:cNvGrpSpPr/>
+          <p:nvPr/>
+        </p:nvGrpSpPr>
+        <p:grpSpPr>
+          <a:xfrm>
+            <a:off x="1151246" y="2080819"/>
+            <a:ext cx="10497986" cy="2696361"/>
+            <a:chOff x="1864924" y="2143053"/>
+            <a:chExt cx="10497986" cy="2696361"/>
+          </a:xfrm>
+        </p:grpSpPr>
+        <p:grpSp>
+          <p:nvGrpSpPr>
+            <p:cNvPr id="115" name="Group 114">
+              <a:extLst>
+                <a:ext uri="{FF2B5EF4-FFF2-40B4-BE49-F238E27FC236}">
+                  <a16:creationId xmlns:a16="http://schemas.microsoft.com/office/drawing/2014/main" id="{307FDA5B-92CE-E7AB-C6FA-7577A607707A}"/>
+                </a:ext>
+              </a:extLst>
+            </p:cNvPr>
+            <p:cNvGrpSpPr/>
+            <p:nvPr/>
+          </p:nvGrpSpPr>
+          <p:grpSpPr>
+            <a:xfrm>
+              <a:off x="1864924" y="2493032"/>
+              <a:ext cx="2161200" cy="2161000"/>
+              <a:chOff x="1798800" y="720000"/>
+              <a:chExt cx="2161200" cy="2161000"/>
+            </a:xfrm>
+          </p:grpSpPr>
+          <p:sp>
+            <p:nvSpPr>
+              <p:cNvPr id="119" name="Rectangle 118">
+                <a:extLst>
+                  <a:ext uri="{FF2B5EF4-FFF2-40B4-BE49-F238E27FC236}">
+                    <a16:creationId xmlns:a16="http://schemas.microsoft.com/office/drawing/2014/main" id="{4AED2A4D-4E21-CB16-EFE3-831756372C34}"/>
+                  </a:ext>
+                </a:extLst>
+              </p:cNvPr>
+              <p:cNvSpPr/>
+              <p:nvPr/>
+            </p:nvSpPr>
+            <p:spPr>
+              <a:xfrm>
+                <a:off x="1800000" y="720000"/>
+                <a:ext cx="2160000" cy="2160000"/>
+              </a:xfrm>
+              <a:prstGeom prst="rect">
+                <a:avLst/>
+              </a:prstGeom>
+              <a:noFill/>
+              <a:ln w="19050">
+                <a:solidFill>
+                  <a:schemeClr val="tx1"/>
+                </a:solidFill>
+              </a:ln>
+            </p:spPr>
+            <p:style>
+              <a:lnRef idx="2">
+                <a:schemeClr val="accent1">
+                  <a:shade val="50000"/>
+                </a:schemeClr>
+              </a:lnRef>
+              <a:fillRef idx="1">
+                <a:schemeClr val="accent1"/>
+              </a:fillRef>
+              <a:effectRef idx="0">
+                <a:schemeClr val="accent1"/>
+              </a:effectRef>
+              <a:fontRef idx="minor">
+                <a:schemeClr val="lt1"/>
+              </a:fontRef>
+            </p:style>
+            <p:txBody>
+              <a:bodyPr rtlCol="0" anchor="ctr"/>
+              <a:lstStyle/>
+              <a:p>
+                <a:pPr algn="ctr"/>
+                <a:endParaRPr lang="en-NL">
+                  <a:solidFill>
+                    <a:schemeClr val="tx1"/>
+                  </a:solidFill>
+                </a:endParaRPr>
+              </a:p>
+            </p:txBody>
+          </p:sp>
+          <p:sp>
+            <p:nvSpPr>
+              <p:cNvPr id="120" name="Rectangle 119">
+                <a:extLst>
+                  <a:ext uri="{FF2B5EF4-FFF2-40B4-BE49-F238E27FC236}">
+                    <a16:creationId xmlns:a16="http://schemas.microsoft.com/office/drawing/2014/main" id="{AC9CEF36-ABC1-1E16-9462-02A28B935C05}"/>
+                  </a:ext>
+                </a:extLst>
+              </p:cNvPr>
+              <p:cNvSpPr/>
+              <p:nvPr/>
+            </p:nvSpPr>
+            <p:spPr>
+              <a:xfrm>
+                <a:off x="3240000" y="720000"/>
+                <a:ext cx="360000" cy="360000"/>
+              </a:xfrm>
+              <a:prstGeom prst="rect">
+                <a:avLst/>
+              </a:prstGeom>
+              <a:noFill/>
+              <a:ln w="3175">
+                <a:solidFill>
+                  <a:schemeClr val="tx1"/>
+                </a:solidFill>
+              </a:ln>
+            </p:spPr>
+            <p:style>
+              <a:lnRef idx="2">
+                <a:schemeClr val="accent1">
+                  <a:shade val="50000"/>
+                </a:schemeClr>
+              </a:lnRef>
+              <a:fillRef idx="1">
+                <a:schemeClr val="accent1"/>
+              </a:fillRef>
+              <a:effectRef idx="0">
+                <a:schemeClr val="accent1"/>
+              </a:effectRef>
+              <a:fontRef idx="minor">
+                <a:schemeClr val="lt1"/>
+              </a:fontRef>
+            </p:style>
+            <p:txBody>
+              <a:bodyPr rtlCol="0" anchor="ctr"/>
+              <a:lstStyle/>
+              <a:p>
+                <a:pPr algn="ctr"/>
+                <a:r>
+                  <a:rPr lang="en-US" dirty="0">
+                    <a:solidFill>
+                      <a:schemeClr val="tx1"/>
+                    </a:solidFill>
+                  </a:rPr>
+                  <a:t>0</a:t>
+                </a:r>
+                <a:endParaRPr lang="en-NL" dirty="0">
+                  <a:solidFill>
+                    <a:schemeClr val="tx1"/>
+                  </a:solidFill>
+                </a:endParaRPr>
+              </a:p>
+            </p:txBody>
+          </p:sp>
+          <p:sp>
+            <p:nvSpPr>
+              <p:cNvPr id="121" name="Rectangle 120">
+                <a:extLst>
+                  <a:ext uri="{FF2B5EF4-FFF2-40B4-BE49-F238E27FC236}">
+                    <a16:creationId xmlns:a16="http://schemas.microsoft.com/office/drawing/2014/main" id="{A02ED89B-EABA-59FA-82C4-BAF2FE92300C}"/>
+                  </a:ext>
+                </a:extLst>
+              </p:cNvPr>
+              <p:cNvSpPr/>
+              <p:nvPr/>
+            </p:nvSpPr>
+            <p:spPr>
+              <a:xfrm>
+                <a:off x="2880000" y="720000"/>
+                <a:ext cx="360000" cy="360000"/>
+              </a:xfrm>
+              <a:prstGeom prst="rect">
+                <a:avLst/>
+              </a:prstGeom>
+              <a:solidFill>
+                <a:schemeClr val="tx1"/>
+              </a:solidFill>
+              <a:ln w="3175">
+                <a:solidFill>
+                  <a:schemeClr val="tx1"/>
+                </a:solidFill>
+              </a:ln>
+            </p:spPr>
+            <p:style>
+              <a:lnRef idx="2">
+                <a:schemeClr val="accent1">
+                  <a:shade val="50000"/>
+                </a:schemeClr>
+              </a:lnRef>
+              <a:fillRef idx="1">
+                <a:schemeClr val="accent1"/>
+              </a:fillRef>
+              <a:effectRef idx="0">
+                <a:schemeClr val="accent1"/>
+              </a:effectRef>
+              <a:fontRef idx="minor">
+                <a:schemeClr val="lt1"/>
+              </a:fontRef>
+            </p:style>
+            <p:txBody>
+              <a:bodyPr rtlCol="0" anchor="ctr"/>
+              <a:lstStyle/>
+              <a:p>
+                <a:pPr algn="ctr"/>
+                <a:r>
+                  <a:rPr lang="en-US" dirty="0">
+                    <a:solidFill>
+                      <a:schemeClr val="bg1"/>
+                    </a:solidFill>
+                  </a:rPr>
+                  <a:t>1</a:t>
+                </a:r>
+                <a:endParaRPr lang="en-NL" dirty="0">
+                  <a:solidFill>
+                    <a:schemeClr val="bg1"/>
+                  </a:solidFill>
+                </a:endParaRPr>
+              </a:p>
+            </p:txBody>
+          </p:sp>
+          <p:sp>
+            <p:nvSpPr>
+              <p:cNvPr id="122" name="Rectangle 121">
+                <a:extLst>
+                  <a:ext uri="{FF2B5EF4-FFF2-40B4-BE49-F238E27FC236}">
+                    <a16:creationId xmlns:a16="http://schemas.microsoft.com/office/drawing/2014/main" id="{77EBF17B-332E-3D9C-F584-8DEBE8B7AD70}"/>
+                  </a:ext>
+                </a:extLst>
+              </p:cNvPr>
+              <p:cNvSpPr/>
+              <p:nvPr/>
+            </p:nvSpPr>
+            <p:spPr>
+              <a:xfrm>
+                <a:off x="2520000" y="720000"/>
+                <a:ext cx="360000" cy="360000"/>
+              </a:xfrm>
+              <a:prstGeom prst="rect">
+                <a:avLst/>
+              </a:prstGeom>
+              <a:solidFill>
+                <a:schemeClr val="tx1"/>
+              </a:solidFill>
+              <a:ln w="3175">
+                <a:solidFill>
+                  <a:schemeClr val="tx1"/>
+                </a:solidFill>
+              </a:ln>
+            </p:spPr>
+            <p:style>
+              <a:lnRef idx="2">
+                <a:schemeClr val="accent1">
+                  <a:shade val="50000"/>
+                </a:schemeClr>
+              </a:lnRef>
+              <a:fillRef idx="1">
+                <a:schemeClr val="accent1"/>
+              </a:fillRef>
+              <a:effectRef idx="0">
+                <a:schemeClr val="accent1"/>
+              </a:effectRef>
+              <a:fontRef idx="minor">
+                <a:schemeClr val="lt1"/>
+              </a:fontRef>
+            </p:style>
+            <p:txBody>
+              <a:bodyPr rtlCol="0" anchor="ctr"/>
+              <a:lstStyle/>
+              <a:p>
+                <a:pPr algn="ctr"/>
+                <a:r>
+                  <a:rPr lang="en-US" dirty="0">
+                    <a:solidFill>
+                      <a:schemeClr val="bg1"/>
+                    </a:solidFill>
+                  </a:rPr>
+                  <a:t>1</a:t>
+                </a:r>
+                <a:endParaRPr lang="en-NL" dirty="0">
+                  <a:solidFill>
+                    <a:schemeClr val="bg1"/>
+                  </a:solidFill>
+                </a:endParaRPr>
+              </a:p>
+            </p:txBody>
+          </p:sp>
+          <p:sp>
+            <p:nvSpPr>
+              <p:cNvPr id="123" name="Rectangle 122">
+                <a:extLst>
+                  <a:ext uri="{FF2B5EF4-FFF2-40B4-BE49-F238E27FC236}">
+                    <a16:creationId xmlns:a16="http://schemas.microsoft.com/office/drawing/2014/main" id="{39295B75-0F96-7EBC-1845-F4733DAF2023}"/>
+                  </a:ext>
+                </a:extLst>
+              </p:cNvPr>
+              <p:cNvSpPr/>
+              <p:nvPr/>
+            </p:nvSpPr>
+            <p:spPr>
+              <a:xfrm>
+                <a:off x="2160000" y="720000"/>
+                <a:ext cx="360000" cy="360000"/>
+              </a:xfrm>
+              <a:prstGeom prst="rect">
+                <a:avLst/>
+              </a:prstGeom>
+              <a:noFill/>
+              <a:ln w="3175">
+                <a:solidFill>
+                  <a:schemeClr val="tx1"/>
+                </a:solidFill>
+              </a:ln>
+            </p:spPr>
+            <p:style>
+              <a:lnRef idx="2">
+                <a:schemeClr val="accent1">
+                  <a:shade val="50000"/>
+                </a:schemeClr>
+              </a:lnRef>
+              <a:fillRef idx="1">
+                <a:schemeClr val="accent1"/>
+              </a:fillRef>
+              <a:effectRef idx="0">
+                <a:schemeClr val="accent1"/>
+              </a:effectRef>
+              <a:fontRef idx="minor">
+                <a:schemeClr val="lt1"/>
+              </a:fontRef>
+            </p:style>
+            <p:txBody>
+              <a:bodyPr rtlCol="0" anchor="ctr"/>
+              <a:lstStyle/>
+              <a:p>
+                <a:pPr algn="ctr"/>
+                <a:r>
+                  <a:rPr lang="en-US" dirty="0">
+                    <a:solidFill>
+                      <a:schemeClr val="tx1"/>
+                    </a:solidFill>
+                  </a:rPr>
+                  <a:t>0</a:t>
+                </a:r>
+                <a:endParaRPr lang="en-NL" dirty="0">
+                  <a:solidFill>
+                    <a:schemeClr val="tx1"/>
+                  </a:solidFill>
+                </a:endParaRPr>
+              </a:p>
+            </p:txBody>
+          </p:sp>
+          <p:sp>
+            <p:nvSpPr>
+              <p:cNvPr id="124" name="Rectangle 123">
+                <a:extLst>
+                  <a:ext uri="{FF2B5EF4-FFF2-40B4-BE49-F238E27FC236}">
+                    <a16:creationId xmlns:a16="http://schemas.microsoft.com/office/drawing/2014/main" id="{AF0EDE25-45D9-BCDA-A57F-C4E80A00E04E}"/>
+                  </a:ext>
+                </a:extLst>
+              </p:cNvPr>
+              <p:cNvSpPr/>
+              <p:nvPr/>
+            </p:nvSpPr>
+            <p:spPr>
+              <a:xfrm>
+                <a:off x="3600000" y="720000"/>
+                <a:ext cx="360000" cy="360000"/>
+              </a:xfrm>
+              <a:prstGeom prst="rect">
+                <a:avLst/>
+              </a:prstGeom>
+              <a:noFill/>
+              <a:ln w="3175">
+                <a:solidFill>
+                  <a:schemeClr val="tx1"/>
+                </a:solidFill>
+              </a:ln>
+            </p:spPr>
+            <p:style>
+              <a:lnRef idx="2">
+                <a:schemeClr val="accent1">
+                  <a:shade val="50000"/>
+                </a:schemeClr>
+              </a:lnRef>
+              <a:fillRef idx="1">
+                <a:schemeClr val="accent1"/>
+              </a:fillRef>
+              <a:effectRef idx="0">
+                <a:schemeClr val="accent1"/>
+              </a:effectRef>
+              <a:fontRef idx="minor">
+                <a:schemeClr val="lt1"/>
+              </a:fontRef>
+            </p:style>
+            <p:txBody>
+              <a:bodyPr rtlCol="0" anchor="ctr"/>
+              <a:lstStyle/>
+              <a:p>
+                <a:pPr algn="ctr"/>
+                <a:r>
+                  <a:rPr lang="en-US" dirty="0">
+                    <a:solidFill>
+                      <a:schemeClr val="tx1"/>
+                    </a:solidFill>
+                  </a:rPr>
+                  <a:t>0</a:t>
+                </a:r>
+                <a:endParaRPr lang="en-NL" dirty="0">
+                  <a:solidFill>
+                    <a:schemeClr val="tx1"/>
+                  </a:solidFill>
+                </a:endParaRPr>
+              </a:p>
+            </p:txBody>
+          </p:sp>
+          <p:sp>
+            <p:nvSpPr>
+              <p:cNvPr id="125" name="Rectangle 124">
+                <a:extLst>
+                  <a:ext uri="{FF2B5EF4-FFF2-40B4-BE49-F238E27FC236}">
+                    <a16:creationId xmlns:a16="http://schemas.microsoft.com/office/drawing/2014/main" id="{AF72A2E9-8F41-A91C-EC08-9B02A3C09B56}"/>
+                  </a:ext>
+                </a:extLst>
+              </p:cNvPr>
+              <p:cNvSpPr/>
+              <p:nvPr/>
+            </p:nvSpPr>
+            <p:spPr>
+              <a:xfrm>
+                <a:off x="1800000" y="720000"/>
+                <a:ext cx="360000" cy="360000"/>
+              </a:xfrm>
+              <a:prstGeom prst="rect">
+                <a:avLst/>
+              </a:prstGeom>
+              <a:noFill/>
+              <a:ln w="3175">
+                <a:solidFill>
+                  <a:schemeClr val="tx1"/>
+                </a:solidFill>
+              </a:ln>
+            </p:spPr>
+            <p:style>
+              <a:lnRef idx="2">
+                <a:schemeClr val="accent1">
+                  <a:shade val="50000"/>
+                </a:schemeClr>
+              </a:lnRef>
+              <a:fillRef idx="1">
+                <a:schemeClr val="accent1"/>
+              </a:fillRef>
+              <a:effectRef idx="0">
+                <a:schemeClr val="accent1"/>
+              </a:effectRef>
+              <a:fontRef idx="minor">
+                <a:schemeClr val="lt1"/>
+              </a:fontRef>
+            </p:style>
+            <p:txBody>
+              <a:bodyPr rtlCol="0" anchor="ctr"/>
+              <a:lstStyle/>
+              <a:p>
+                <a:pPr algn="ctr"/>
+                <a:r>
+                  <a:rPr lang="en-US" dirty="0">
+                    <a:solidFill>
+                      <a:schemeClr val="tx1"/>
+                    </a:solidFill>
+                  </a:rPr>
+                  <a:t>0</a:t>
+                </a:r>
+                <a:endParaRPr lang="en-NL" dirty="0">
+                  <a:solidFill>
+                    <a:schemeClr val="tx1"/>
+                  </a:solidFill>
+                </a:endParaRPr>
+              </a:p>
+            </p:txBody>
+          </p:sp>
+          <p:sp>
+            <p:nvSpPr>
+              <p:cNvPr id="126" name="Rectangle 125">
+                <a:extLst>
+                  <a:ext uri="{FF2B5EF4-FFF2-40B4-BE49-F238E27FC236}">
+                    <a16:creationId xmlns:a16="http://schemas.microsoft.com/office/drawing/2014/main" id="{B3672612-36AD-1B90-8389-5A37F2D8BBA6}"/>
+                  </a:ext>
+                </a:extLst>
+              </p:cNvPr>
+              <p:cNvSpPr/>
+              <p:nvPr/>
+            </p:nvSpPr>
+            <p:spPr>
+              <a:xfrm>
+                <a:off x="1798800" y="1080000"/>
+                <a:ext cx="360000" cy="360000"/>
+              </a:xfrm>
+              <a:prstGeom prst="rect">
+                <a:avLst/>
+              </a:prstGeom>
+              <a:noFill/>
+              <a:ln w="3175">
+                <a:solidFill>
+                  <a:schemeClr val="tx1"/>
+                </a:solidFill>
+              </a:ln>
+            </p:spPr>
+            <p:style>
+              <a:lnRef idx="2">
+                <a:schemeClr val="accent1">
+                  <a:shade val="50000"/>
+                </a:schemeClr>
+              </a:lnRef>
+              <a:fillRef idx="1">
+                <a:schemeClr val="accent1"/>
+              </a:fillRef>
+              <a:effectRef idx="0">
+                <a:schemeClr val="accent1"/>
+              </a:effectRef>
+              <a:fontRef idx="minor">
+                <a:schemeClr val="lt1"/>
+              </a:fontRef>
+            </p:style>
+            <p:txBody>
+              <a:bodyPr rtlCol="0" anchor="ctr"/>
+              <a:lstStyle/>
+              <a:p>
+                <a:pPr algn="ctr"/>
+                <a:r>
+                  <a:rPr lang="en-US" dirty="0">
+                    <a:solidFill>
+                      <a:schemeClr val="tx1"/>
+                    </a:solidFill>
+                  </a:rPr>
+                  <a:t>0</a:t>
+                </a:r>
+                <a:endParaRPr lang="en-NL" dirty="0">
+                  <a:solidFill>
+                    <a:schemeClr val="tx1"/>
+                  </a:solidFill>
+                </a:endParaRPr>
+              </a:p>
+            </p:txBody>
+          </p:sp>
+          <p:sp>
+            <p:nvSpPr>
+              <p:cNvPr id="127" name="Rectangle 126">
+                <a:extLst>
+                  <a:ext uri="{FF2B5EF4-FFF2-40B4-BE49-F238E27FC236}">
+                    <a16:creationId xmlns:a16="http://schemas.microsoft.com/office/drawing/2014/main" id="{D42135A7-AEC2-44DE-E2A2-9DE458B9BA57}"/>
+                  </a:ext>
+                </a:extLst>
+              </p:cNvPr>
+              <p:cNvSpPr/>
+              <p:nvPr/>
+            </p:nvSpPr>
+            <p:spPr>
+              <a:xfrm>
+                <a:off x="1798800" y="1800000"/>
+                <a:ext cx="360000" cy="360000"/>
+              </a:xfrm>
+              <a:prstGeom prst="rect">
+                <a:avLst/>
+              </a:prstGeom>
+              <a:solidFill>
+                <a:schemeClr val="tx1"/>
+              </a:solidFill>
+              <a:ln w="3175">
+                <a:solidFill>
+                  <a:schemeClr val="tx1"/>
+                </a:solidFill>
+              </a:ln>
+            </p:spPr>
+            <p:style>
+              <a:lnRef idx="2">
+                <a:schemeClr val="accent1">
+                  <a:shade val="50000"/>
+                </a:schemeClr>
+              </a:lnRef>
+              <a:fillRef idx="1">
+                <a:schemeClr val="accent1"/>
+              </a:fillRef>
+              <a:effectRef idx="0">
+                <a:schemeClr val="accent1"/>
+              </a:effectRef>
+              <a:fontRef idx="minor">
+                <a:schemeClr val="lt1"/>
+              </a:fontRef>
+            </p:style>
+            <p:txBody>
+              <a:bodyPr rtlCol="0" anchor="ctr"/>
+              <a:lstStyle/>
+              <a:p>
+                <a:pPr algn="ctr"/>
+                <a:r>
+                  <a:rPr lang="en-US" dirty="0">
+                    <a:solidFill>
+                      <a:schemeClr val="bg1"/>
+                    </a:solidFill>
+                  </a:rPr>
+                  <a:t>1</a:t>
+                </a:r>
+                <a:endParaRPr lang="en-NL" dirty="0">
+                  <a:solidFill>
+                    <a:schemeClr val="bg1"/>
+                  </a:solidFill>
+                </a:endParaRPr>
+              </a:p>
+            </p:txBody>
+          </p:sp>
+          <p:sp>
+            <p:nvSpPr>
+              <p:cNvPr id="128" name="Rectangle 127">
+                <a:extLst>
+                  <a:ext uri="{FF2B5EF4-FFF2-40B4-BE49-F238E27FC236}">
+                    <a16:creationId xmlns:a16="http://schemas.microsoft.com/office/drawing/2014/main" id="{7E2D7C88-EB32-3D31-93A7-301EF07E5555}"/>
+                  </a:ext>
+                </a:extLst>
+              </p:cNvPr>
+              <p:cNvSpPr/>
+              <p:nvPr/>
+            </p:nvSpPr>
+            <p:spPr>
+              <a:xfrm>
+                <a:off x="1798800" y="1440000"/>
+                <a:ext cx="360000" cy="360000"/>
+              </a:xfrm>
+              <a:prstGeom prst="rect">
+                <a:avLst/>
+              </a:prstGeom>
+              <a:solidFill>
+                <a:schemeClr val="tx1"/>
+              </a:solidFill>
+              <a:ln w="3175">
+                <a:solidFill>
+                  <a:schemeClr val="tx1"/>
+                </a:solidFill>
+              </a:ln>
+            </p:spPr>
+            <p:style>
+              <a:lnRef idx="2">
+                <a:schemeClr val="accent1">
+                  <a:shade val="50000"/>
+                </a:schemeClr>
+              </a:lnRef>
+              <a:fillRef idx="1">
+                <a:schemeClr val="accent1"/>
+              </a:fillRef>
+              <a:effectRef idx="0">
+                <a:schemeClr val="accent1"/>
+              </a:effectRef>
+              <a:fontRef idx="minor">
+                <a:schemeClr val="lt1"/>
+              </a:fontRef>
+            </p:style>
+            <p:txBody>
+              <a:bodyPr rtlCol="0" anchor="ctr"/>
+              <a:lstStyle/>
+              <a:p>
+                <a:pPr algn="ctr"/>
+                <a:r>
+                  <a:rPr lang="en-US" dirty="0">
+                    <a:solidFill>
+                      <a:schemeClr val="bg1"/>
+                    </a:solidFill>
+                  </a:rPr>
+                  <a:t>1</a:t>
+                </a:r>
+                <a:endParaRPr lang="en-NL" dirty="0">
+                  <a:solidFill>
+                    <a:schemeClr val="bg1"/>
+                  </a:solidFill>
+                </a:endParaRPr>
+              </a:p>
+            </p:txBody>
+          </p:sp>
+          <p:sp>
+            <p:nvSpPr>
+              <p:cNvPr id="129" name="Rectangle 128">
+                <a:extLst>
+                  <a:ext uri="{FF2B5EF4-FFF2-40B4-BE49-F238E27FC236}">
+                    <a16:creationId xmlns:a16="http://schemas.microsoft.com/office/drawing/2014/main" id="{DCB5FE55-B5BE-E410-A15B-FE89A4197D76}"/>
+                  </a:ext>
+                </a:extLst>
+              </p:cNvPr>
+              <p:cNvSpPr/>
+              <p:nvPr/>
+            </p:nvSpPr>
+            <p:spPr>
+              <a:xfrm>
+                <a:off x="1798800" y="2160000"/>
+                <a:ext cx="360000" cy="360000"/>
+              </a:xfrm>
+              <a:prstGeom prst="rect">
+                <a:avLst/>
+              </a:prstGeom>
+              <a:noFill/>
+              <a:ln w="3175">
+                <a:solidFill>
+                  <a:schemeClr val="tx1"/>
+                </a:solidFill>
+              </a:ln>
+            </p:spPr>
+            <p:style>
+              <a:lnRef idx="2">
+                <a:schemeClr val="accent1">
+                  <a:shade val="50000"/>
+                </a:schemeClr>
+              </a:lnRef>
+              <a:fillRef idx="1">
+                <a:schemeClr val="accent1"/>
+              </a:fillRef>
+              <a:effectRef idx="0">
+                <a:schemeClr val="accent1"/>
+              </a:effectRef>
+              <a:fontRef idx="minor">
+                <a:schemeClr val="lt1"/>
+              </a:fontRef>
+            </p:style>
+            <p:txBody>
+              <a:bodyPr rtlCol="0" anchor="ctr"/>
+              <a:lstStyle/>
+              <a:p>
+                <a:pPr algn="ctr"/>
+                <a:r>
+                  <a:rPr lang="en-US" dirty="0">
+                    <a:solidFill>
+                      <a:schemeClr val="tx1"/>
+                    </a:solidFill>
+                  </a:rPr>
+                  <a:t>0</a:t>
+                </a:r>
+                <a:endParaRPr lang="en-NL" dirty="0">
+                  <a:solidFill>
+                    <a:schemeClr val="tx1"/>
+                  </a:solidFill>
+                </a:endParaRPr>
+              </a:p>
+            </p:txBody>
+          </p:sp>
+          <p:sp>
+            <p:nvSpPr>
+              <p:cNvPr id="130" name="Rectangle 129">
+                <a:extLst>
+                  <a:ext uri="{FF2B5EF4-FFF2-40B4-BE49-F238E27FC236}">
+                    <a16:creationId xmlns:a16="http://schemas.microsoft.com/office/drawing/2014/main" id="{D8DE825A-8B8D-02F8-A445-F3F5A9BF5213}"/>
+                  </a:ext>
+                </a:extLst>
+              </p:cNvPr>
+              <p:cNvSpPr/>
+              <p:nvPr/>
+            </p:nvSpPr>
+            <p:spPr>
+              <a:xfrm>
+                <a:off x="1798800" y="2520000"/>
+                <a:ext cx="360000" cy="360000"/>
+              </a:xfrm>
+              <a:prstGeom prst="rect">
+                <a:avLst/>
+              </a:prstGeom>
+              <a:noFill/>
+              <a:ln w="3175">
+                <a:solidFill>
+                  <a:schemeClr val="tx1"/>
+                </a:solidFill>
+              </a:ln>
+            </p:spPr>
+            <p:style>
+              <a:lnRef idx="2">
+                <a:schemeClr val="accent1">
+                  <a:shade val="50000"/>
+                </a:schemeClr>
+              </a:lnRef>
+              <a:fillRef idx="1">
+                <a:schemeClr val="accent1"/>
+              </a:fillRef>
+              <a:effectRef idx="0">
+                <a:schemeClr val="accent1"/>
+              </a:effectRef>
+              <a:fontRef idx="minor">
+                <a:schemeClr val="lt1"/>
+              </a:fontRef>
+            </p:style>
+            <p:txBody>
+              <a:bodyPr rtlCol="0" anchor="ctr"/>
+              <a:lstStyle/>
+              <a:p>
+                <a:pPr algn="ctr"/>
+                <a:r>
+                  <a:rPr lang="en-US" dirty="0">
+                    <a:solidFill>
+                      <a:schemeClr val="tx1"/>
+                    </a:solidFill>
+                  </a:rPr>
+                  <a:t>0</a:t>
+                </a:r>
+                <a:endParaRPr lang="en-NL" dirty="0">
+                  <a:solidFill>
+                    <a:schemeClr val="tx1"/>
+                  </a:solidFill>
+                </a:endParaRPr>
+              </a:p>
+            </p:txBody>
+          </p:sp>
+          <p:sp>
+            <p:nvSpPr>
+              <p:cNvPr id="131" name="Rectangle 130">
+                <a:extLst>
+                  <a:ext uri="{FF2B5EF4-FFF2-40B4-BE49-F238E27FC236}">
+                    <a16:creationId xmlns:a16="http://schemas.microsoft.com/office/drawing/2014/main" id="{2DAD08A1-9535-980C-1C66-23F57EA380EA}"/>
+                  </a:ext>
+                </a:extLst>
+              </p:cNvPr>
+              <p:cNvSpPr/>
+              <p:nvPr/>
+            </p:nvSpPr>
+            <p:spPr>
+              <a:xfrm>
+                <a:off x="2520000" y="1080000"/>
+                <a:ext cx="360000" cy="360000"/>
+              </a:xfrm>
+              <a:prstGeom prst="rect">
+                <a:avLst/>
+              </a:prstGeom>
+              <a:noFill/>
+              <a:ln w="3175">
+                <a:solidFill>
+                  <a:schemeClr val="tx1"/>
+                </a:solidFill>
+              </a:ln>
+            </p:spPr>
+            <p:style>
+              <a:lnRef idx="2">
+                <a:schemeClr val="accent1">
+                  <a:shade val="50000"/>
+                </a:schemeClr>
+              </a:lnRef>
+              <a:fillRef idx="1">
+                <a:schemeClr val="accent1"/>
+              </a:fillRef>
+              <a:effectRef idx="0">
+                <a:schemeClr val="accent1"/>
+              </a:effectRef>
+              <a:fontRef idx="minor">
+                <a:schemeClr val="lt1"/>
+              </a:fontRef>
+            </p:style>
+            <p:txBody>
+              <a:bodyPr rtlCol="0" anchor="ctr"/>
+              <a:lstStyle/>
+              <a:p>
+                <a:pPr algn="ctr"/>
+                <a:r>
+                  <a:rPr lang="en-US" dirty="0">
+                    <a:solidFill>
+                      <a:schemeClr val="tx1"/>
+                    </a:solidFill>
+                  </a:rPr>
+                  <a:t>0</a:t>
+                </a:r>
+                <a:endParaRPr lang="en-NL" dirty="0">
+                  <a:solidFill>
+                    <a:schemeClr val="tx1"/>
+                  </a:solidFill>
+                </a:endParaRPr>
+              </a:p>
+            </p:txBody>
+          </p:sp>
+          <p:sp>
+            <p:nvSpPr>
+              <p:cNvPr id="132" name="Rectangle 131">
+                <a:extLst>
+                  <a:ext uri="{FF2B5EF4-FFF2-40B4-BE49-F238E27FC236}">
+                    <a16:creationId xmlns:a16="http://schemas.microsoft.com/office/drawing/2014/main" id="{8C749FB7-41C5-0994-9972-4763AAA9744C}"/>
+                  </a:ext>
+                </a:extLst>
+              </p:cNvPr>
+              <p:cNvSpPr/>
+              <p:nvPr/>
+            </p:nvSpPr>
+            <p:spPr>
+              <a:xfrm>
+                <a:off x="2160000" y="1080000"/>
+                <a:ext cx="360000" cy="360000"/>
+              </a:xfrm>
+              <a:prstGeom prst="rect">
+                <a:avLst/>
+              </a:prstGeom>
+              <a:solidFill>
+                <a:schemeClr val="tx1"/>
+              </a:solidFill>
+              <a:ln w="3175">
+                <a:solidFill>
+                  <a:schemeClr val="tx1"/>
+                </a:solidFill>
+              </a:ln>
+            </p:spPr>
+            <p:style>
+              <a:lnRef idx="2">
+                <a:schemeClr val="accent1">
+                  <a:shade val="50000"/>
+                </a:schemeClr>
+              </a:lnRef>
+              <a:fillRef idx="1">
+                <a:schemeClr val="accent1"/>
+              </a:fillRef>
+              <a:effectRef idx="0">
+                <a:schemeClr val="accent1"/>
+              </a:effectRef>
+              <a:fontRef idx="minor">
+                <a:schemeClr val="lt1"/>
+              </a:fontRef>
+            </p:style>
+            <p:txBody>
+              <a:bodyPr rtlCol="0" anchor="ctr"/>
+              <a:lstStyle/>
+              <a:p>
+                <a:pPr algn="ctr"/>
+                <a:r>
+                  <a:rPr lang="en-US" dirty="0">
+                    <a:solidFill>
+                      <a:schemeClr val="bg1"/>
+                    </a:solidFill>
+                  </a:rPr>
+                  <a:t>1</a:t>
+                </a:r>
+                <a:endParaRPr lang="en-NL" dirty="0">
+                  <a:solidFill>
+                    <a:schemeClr val="bg1"/>
+                  </a:solidFill>
+                </a:endParaRPr>
+              </a:p>
+            </p:txBody>
+          </p:sp>
+          <p:sp>
+            <p:nvSpPr>
+              <p:cNvPr id="133" name="Rectangle 132">
+                <a:extLst>
+                  <a:ext uri="{FF2B5EF4-FFF2-40B4-BE49-F238E27FC236}">
+                    <a16:creationId xmlns:a16="http://schemas.microsoft.com/office/drawing/2014/main" id="{A51B508E-3540-C76C-10BF-AF26DBB9DF95}"/>
+                  </a:ext>
+                </a:extLst>
+              </p:cNvPr>
+              <p:cNvSpPr/>
+              <p:nvPr/>
+            </p:nvSpPr>
+            <p:spPr>
+              <a:xfrm>
+                <a:off x="3598400" y="1440000"/>
+                <a:ext cx="360000" cy="360000"/>
+              </a:xfrm>
+              <a:prstGeom prst="rect">
+                <a:avLst/>
+              </a:prstGeom>
+              <a:solidFill>
+                <a:schemeClr val="tx1"/>
+              </a:solidFill>
+              <a:ln w="3175">
+                <a:solidFill>
+                  <a:schemeClr val="tx1"/>
+                </a:solidFill>
+              </a:ln>
+            </p:spPr>
+            <p:style>
+              <a:lnRef idx="2">
+                <a:schemeClr val="accent1">
+                  <a:shade val="50000"/>
+                </a:schemeClr>
+              </a:lnRef>
+              <a:fillRef idx="1">
+                <a:schemeClr val="accent1"/>
+              </a:fillRef>
+              <a:effectRef idx="0">
+                <a:schemeClr val="accent1"/>
+              </a:effectRef>
+              <a:fontRef idx="minor">
+                <a:schemeClr val="lt1"/>
+              </a:fontRef>
+            </p:style>
+            <p:txBody>
+              <a:bodyPr rtlCol="0" anchor="ctr"/>
+              <a:lstStyle/>
+              <a:p>
+                <a:pPr algn="ctr"/>
+                <a:r>
+                  <a:rPr lang="en-US" dirty="0">
+                    <a:solidFill>
+                      <a:schemeClr val="bg1"/>
+                    </a:solidFill>
+                  </a:rPr>
+                  <a:t>1</a:t>
+                </a:r>
+                <a:endParaRPr lang="en-NL" dirty="0">
+                  <a:solidFill>
+                    <a:schemeClr val="bg1"/>
+                  </a:solidFill>
+                </a:endParaRPr>
+              </a:p>
+            </p:txBody>
+          </p:sp>
+          <p:sp>
+            <p:nvSpPr>
+              <p:cNvPr id="134" name="Rectangle 133">
+                <a:extLst>
+                  <a:ext uri="{FF2B5EF4-FFF2-40B4-BE49-F238E27FC236}">
+                    <a16:creationId xmlns:a16="http://schemas.microsoft.com/office/drawing/2014/main" id="{3DED240B-00FF-5B41-2618-DD0E2D5251B2}"/>
+                  </a:ext>
+                </a:extLst>
+              </p:cNvPr>
+              <p:cNvSpPr/>
+              <p:nvPr/>
+            </p:nvSpPr>
+            <p:spPr>
+              <a:xfrm>
+                <a:off x="3240000" y="1440000"/>
+                <a:ext cx="360000" cy="360000"/>
+              </a:xfrm>
+              <a:prstGeom prst="rect">
+                <a:avLst/>
+              </a:prstGeom>
+              <a:noFill/>
+              <a:ln w="3175">
+                <a:solidFill>
+                  <a:schemeClr val="tx1"/>
+                </a:solidFill>
+              </a:ln>
+            </p:spPr>
+            <p:style>
+              <a:lnRef idx="2">
+                <a:schemeClr val="accent1">
+                  <a:shade val="50000"/>
+                </a:schemeClr>
+              </a:lnRef>
+              <a:fillRef idx="1">
+                <a:schemeClr val="accent1"/>
+              </a:fillRef>
+              <a:effectRef idx="0">
+                <a:schemeClr val="accent1"/>
+              </a:effectRef>
+              <a:fontRef idx="minor">
+                <a:schemeClr val="lt1"/>
+              </a:fontRef>
+            </p:style>
+            <p:txBody>
+              <a:bodyPr rtlCol="0" anchor="ctr"/>
+              <a:lstStyle/>
+              <a:p>
+                <a:pPr algn="ctr"/>
+                <a:r>
+                  <a:rPr lang="en-US" dirty="0">
+                    <a:solidFill>
+                      <a:schemeClr val="tx1"/>
+                    </a:solidFill>
+                  </a:rPr>
+                  <a:t>0</a:t>
+                </a:r>
+                <a:endParaRPr lang="en-NL" dirty="0">
+                  <a:solidFill>
+                    <a:schemeClr val="tx1"/>
+                  </a:solidFill>
+                </a:endParaRPr>
+              </a:p>
+            </p:txBody>
+          </p:sp>
+          <p:sp>
+            <p:nvSpPr>
+              <p:cNvPr id="135" name="Rectangle 134">
+                <a:extLst>
+                  <a:ext uri="{FF2B5EF4-FFF2-40B4-BE49-F238E27FC236}">
+                    <a16:creationId xmlns:a16="http://schemas.microsoft.com/office/drawing/2014/main" id="{94491888-D26C-0B59-A846-770183BF594E}"/>
+                  </a:ext>
+                </a:extLst>
+              </p:cNvPr>
+              <p:cNvSpPr/>
+              <p:nvPr/>
+            </p:nvSpPr>
+            <p:spPr>
+              <a:xfrm>
+                <a:off x="2879200" y="1440000"/>
+                <a:ext cx="360000" cy="360000"/>
+              </a:xfrm>
+              <a:prstGeom prst="rect">
+                <a:avLst/>
+              </a:prstGeom>
+              <a:noFill/>
+              <a:ln w="3175">
+                <a:solidFill>
+                  <a:schemeClr val="tx1"/>
+                </a:solidFill>
+              </a:ln>
+            </p:spPr>
+            <p:style>
+              <a:lnRef idx="2">
+                <a:schemeClr val="accent1">
+                  <a:shade val="50000"/>
+                </a:schemeClr>
+              </a:lnRef>
+              <a:fillRef idx="1">
+                <a:schemeClr val="accent1"/>
+              </a:fillRef>
+              <a:effectRef idx="0">
+                <a:schemeClr val="accent1"/>
+              </a:effectRef>
+              <a:fontRef idx="minor">
+                <a:schemeClr val="lt1"/>
+              </a:fontRef>
+            </p:style>
+            <p:txBody>
+              <a:bodyPr rtlCol="0" anchor="ctr"/>
+              <a:lstStyle/>
+              <a:p>
+                <a:pPr algn="ctr"/>
+                <a:r>
+                  <a:rPr lang="en-US" dirty="0">
+                    <a:solidFill>
+                      <a:schemeClr val="tx1"/>
+                    </a:solidFill>
+                  </a:rPr>
+                  <a:t>0</a:t>
+                </a:r>
+                <a:endParaRPr lang="en-NL" dirty="0">
+                  <a:solidFill>
+                    <a:schemeClr val="tx1"/>
+                  </a:solidFill>
+                </a:endParaRPr>
+              </a:p>
+            </p:txBody>
+          </p:sp>
+          <p:sp>
+            <p:nvSpPr>
+              <p:cNvPr id="136" name="Rectangle 135">
+                <a:extLst>
+                  <a:ext uri="{FF2B5EF4-FFF2-40B4-BE49-F238E27FC236}">
+                    <a16:creationId xmlns:a16="http://schemas.microsoft.com/office/drawing/2014/main" id="{27831A47-C012-68BF-109F-98235B7A1167}"/>
+                  </a:ext>
+                </a:extLst>
+              </p:cNvPr>
+              <p:cNvSpPr/>
+              <p:nvPr/>
+            </p:nvSpPr>
+            <p:spPr>
+              <a:xfrm>
+                <a:off x="2520000" y="1440000"/>
+                <a:ext cx="360000" cy="360000"/>
+              </a:xfrm>
+              <a:prstGeom prst="rect">
+                <a:avLst/>
+              </a:prstGeom>
+              <a:noFill/>
+              <a:ln w="3175">
+                <a:solidFill>
+                  <a:schemeClr val="tx1"/>
+                </a:solidFill>
+              </a:ln>
+            </p:spPr>
+            <p:style>
+              <a:lnRef idx="2">
+                <a:schemeClr val="accent1">
+                  <a:shade val="50000"/>
+                </a:schemeClr>
+              </a:lnRef>
+              <a:fillRef idx="1">
+                <a:schemeClr val="accent1"/>
+              </a:fillRef>
+              <a:effectRef idx="0">
+                <a:schemeClr val="accent1"/>
+              </a:effectRef>
+              <a:fontRef idx="minor">
+                <a:schemeClr val="lt1"/>
+              </a:fontRef>
+            </p:style>
+            <p:txBody>
+              <a:bodyPr rtlCol="0" anchor="ctr"/>
+              <a:lstStyle/>
+              <a:p>
+                <a:pPr algn="ctr"/>
+                <a:r>
+                  <a:rPr lang="en-US" dirty="0">
+                    <a:solidFill>
+                      <a:schemeClr val="tx1"/>
+                    </a:solidFill>
+                  </a:rPr>
+                  <a:t>0</a:t>
+                </a:r>
+                <a:endParaRPr lang="en-NL" dirty="0">
+                  <a:solidFill>
+                    <a:schemeClr val="tx1"/>
+                  </a:solidFill>
+                </a:endParaRPr>
+              </a:p>
+            </p:txBody>
+          </p:sp>
+          <p:sp>
+            <p:nvSpPr>
+              <p:cNvPr id="137" name="Rectangle 136">
+                <a:extLst>
+                  <a:ext uri="{FF2B5EF4-FFF2-40B4-BE49-F238E27FC236}">
+                    <a16:creationId xmlns:a16="http://schemas.microsoft.com/office/drawing/2014/main" id="{AA1D7F3F-0AD3-6748-8F07-D41D699D0B9A}"/>
+                  </a:ext>
+                </a:extLst>
+              </p:cNvPr>
+              <p:cNvSpPr/>
+              <p:nvPr/>
+            </p:nvSpPr>
+            <p:spPr>
+              <a:xfrm>
+                <a:off x="2160000" y="1440000"/>
+                <a:ext cx="360000" cy="360000"/>
+              </a:xfrm>
+              <a:prstGeom prst="rect">
+                <a:avLst/>
+              </a:prstGeom>
+              <a:noFill/>
+              <a:ln w="3175">
+                <a:solidFill>
+                  <a:schemeClr val="tx1"/>
+                </a:solidFill>
+              </a:ln>
+            </p:spPr>
+            <p:style>
+              <a:lnRef idx="2">
+                <a:schemeClr val="accent1">
+                  <a:shade val="50000"/>
+                </a:schemeClr>
+              </a:lnRef>
+              <a:fillRef idx="1">
+                <a:schemeClr val="accent1"/>
+              </a:fillRef>
+              <a:effectRef idx="0">
+                <a:schemeClr val="accent1"/>
+              </a:effectRef>
+              <a:fontRef idx="minor">
+                <a:schemeClr val="lt1"/>
+              </a:fontRef>
+            </p:style>
+            <p:txBody>
+              <a:bodyPr rtlCol="0" anchor="ctr"/>
+              <a:lstStyle/>
+              <a:p>
+                <a:pPr algn="ctr"/>
+                <a:r>
+                  <a:rPr lang="en-US" dirty="0">
+                    <a:solidFill>
+                      <a:schemeClr val="tx1"/>
+                    </a:solidFill>
+                  </a:rPr>
+                  <a:t>0</a:t>
+                </a:r>
+                <a:endParaRPr lang="en-NL" dirty="0">
+                  <a:solidFill>
+                    <a:schemeClr val="tx1"/>
+                  </a:solidFill>
+                </a:endParaRPr>
+              </a:p>
+            </p:txBody>
+          </p:sp>
+          <p:sp>
+            <p:nvSpPr>
+              <p:cNvPr id="138" name="Rectangle 137">
+                <a:extLst>
+                  <a:ext uri="{FF2B5EF4-FFF2-40B4-BE49-F238E27FC236}">
+                    <a16:creationId xmlns:a16="http://schemas.microsoft.com/office/drawing/2014/main" id="{05C791A3-65D5-2037-7D7A-C7598308FBC1}"/>
+                  </a:ext>
+                </a:extLst>
+              </p:cNvPr>
+              <p:cNvSpPr/>
+              <p:nvPr/>
+            </p:nvSpPr>
+            <p:spPr>
+              <a:xfrm>
+                <a:off x="3600000" y="1080000"/>
+                <a:ext cx="360000" cy="360000"/>
+              </a:xfrm>
+              <a:prstGeom prst="rect">
+                <a:avLst/>
+              </a:prstGeom>
+              <a:noFill/>
+              <a:ln w="3175">
+                <a:solidFill>
+                  <a:schemeClr val="tx1"/>
+                </a:solidFill>
+              </a:ln>
+            </p:spPr>
+            <p:style>
+              <a:lnRef idx="2">
+                <a:schemeClr val="accent1">
+                  <a:shade val="50000"/>
+                </a:schemeClr>
+              </a:lnRef>
+              <a:fillRef idx="1">
+                <a:schemeClr val="accent1"/>
+              </a:fillRef>
+              <a:effectRef idx="0">
+                <a:schemeClr val="accent1"/>
+              </a:effectRef>
+              <a:fontRef idx="minor">
+                <a:schemeClr val="lt1"/>
+              </a:fontRef>
+            </p:style>
+            <p:txBody>
+              <a:bodyPr rtlCol="0" anchor="ctr"/>
+              <a:lstStyle/>
+              <a:p>
+                <a:pPr algn="ctr"/>
+                <a:r>
+                  <a:rPr lang="en-US" dirty="0">
+                    <a:solidFill>
+                      <a:schemeClr val="tx1"/>
+                    </a:solidFill>
+                  </a:rPr>
+                  <a:t>0</a:t>
+                </a:r>
+                <a:endParaRPr lang="en-NL" dirty="0">
+                  <a:solidFill>
+                    <a:schemeClr val="tx1"/>
+                  </a:solidFill>
+                </a:endParaRPr>
+              </a:p>
+            </p:txBody>
+          </p:sp>
+          <p:sp>
+            <p:nvSpPr>
+              <p:cNvPr id="139" name="Rectangle 138">
+                <a:extLst>
+                  <a:ext uri="{FF2B5EF4-FFF2-40B4-BE49-F238E27FC236}">
+                    <a16:creationId xmlns:a16="http://schemas.microsoft.com/office/drawing/2014/main" id="{09E28BDD-824C-5670-768C-7F2F4234F6B3}"/>
+                  </a:ext>
+                </a:extLst>
+              </p:cNvPr>
+              <p:cNvSpPr/>
+              <p:nvPr/>
+            </p:nvSpPr>
+            <p:spPr>
+              <a:xfrm>
+                <a:off x="2879200" y="1080000"/>
+                <a:ext cx="360000" cy="360000"/>
+              </a:xfrm>
+              <a:prstGeom prst="rect">
+                <a:avLst/>
+              </a:prstGeom>
+              <a:noFill/>
+              <a:ln w="3175">
+                <a:solidFill>
+                  <a:schemeClr val="tx1"/>
+                </a:solidFill>
+              </a:ln>
+            </p:spPr>
+            <p:style>
+              <a:lnRef idx="2">
+                <a:schemeClr val="accent1">
+                  <a:shade val="50000"/>
+                </a:schemeClr>
+              </a:lnRef>
+              <a:fillRef idx="1">
+                <a:schemeClr val="accent1"/>
+              </a:fillRef>
+              <a:effectRef idx="0">
+                <a:schemeClr val="accent1"/>
+              </a:effectRef>
+              <a:fontRef idx="minor">
+                <a:schemeClr val="lt1"/>
+              </a:fontRef>
+            </p:style>
+            <p:txBody>
+              <a:bodyPr rtlCol="0" anchor="ctr"/>
+              <a:lstStyle/>
+              <a:p>
+                <a:pPr algn="ctr"/>
+                <a:r>
+                  <a:rPr lang="en-US" dirty="0">
+                    <a:solidFill>
+                      <a:schemeClr val="tx1"/>
+                    </a:solidFill>
+                  </a:rPr>
+                  <a:t>0</a:t>
+                </a:r>
+                <a:endParaRPr lang="en-NL" dirty="0">
+                  <a:solidFill>
+                    <a:schemeClr val="tx1"/>
+                  </a:solidFill>
+                </a:endParaRPr>
+              </a:p>
+            </p:txBody>
+          </p:sp>
+          <p:sp>
+            <p:nvSpPr>
+              <p:cNvPr id="140" name="Rectangle 139">
+                <a:extLst>
+                  <a:ext uri="{FF2B5EF4-FFF2-40B4-BE49-F238E27FC236}">
+                    <a16:creationId xmlns:a16="http://schemas.microsoft.com/office/drawing/2014/main" id="{508D0182-2790-2EBD-F213-E7B2CF83CA41}"/>
+                  </a:ext>
+                </a:extLst>
+              </p:cNvPr>
+              <p:cNvSpPr/>
+              <p:nvPr/>
+            </p:nvSpPr>
+            <p:spPr>
+              <a:xfrm>
+                <a:off x="3239600" y="1080000"/>
+                <a:ext cx="360000" cy="360000"/>
+              </a:xfrm>
+              <a:prstGeom prst="rect">
+                <a:avLst/>
+              </a:prstGeom>
+              <a:solidFill>
+                <a:schemeClr val="tx1"/>
+              </a:solidFill>
+              <a:ln w="3175">
+                <a:solidFill>
+                  <a:schemeClr val="tx1"/>
+                </a:solidFill>
+              </a:ln>
+            </p:spPr>
+            <p:style>
+              <a:lnRef idx="2">
+                <a:schemeClr val="accent1">
+                  <a:shade val="50000"/>
+                </a:schemeClr>
+              </a:lnRef>
+              <a:fillRef idx="1">
+                <a:schemeClr val="accent1"/>
+              </a:fillRef>
+              <a:effectRef idx="0">
+                <a:schemeClr val="accent1"/>
+              </a:effectRef>
+              <a:fontRef idx="minor">
+                <a:schemeClr val="lt1"/>
+              </a:fontRef>
+            </p:style>
+            <p:txBody>
+              <a:bodyPr rtlCol="0" anchor="ctr"/>
+              <a:lstStyle/>
+              <a:p>
+                <a:pPr algn="ctr"/>
+                <a:r>
+                  <a:rPr lang="en-US" dirty="0">
+                    <a:solidFill>
+                      <a:schemeClr val="bg1"/>
+                    </a:solidFill>
+                  </a:rPr>
+                  <a:t>1</a:t>
+                </a:r>
+                <a:endParaRPr lang="en-NL" dirty="0">
+                  <a:solidFill>
+                    <a:schemeClr val="bg1"/>
+                  </a:solidFill>
+                </a:endParaRPr>
+              </a:p>
+            </p:txBody>
+          </p:sp>
+          <p:sp>
+            <p:nvSpPr>
+              <p:cNvPr id="141" name="Rectangle 140">
+                <a:extLst>
+                  <a:ext uri="{FF2B5EF4-FFF2-40B4-BE49-F238E27FC236}">
+                    <a16:creationId xmlns:a16="http://schemas.microsoft.com/office/drawing/2014/main" id="{2177A552-B3D9-C55D-CF7B-7541A43FA0C5}"/>
+                  </a:ext>
+                </a:extLst>
+              </p:cNvPr>
+              <p:cNvSpPr/>
+              <p:nvPr/>
+            </p:nvSpPr>
+            <p:spPr>
+              <a:xfrm>
+                <a:off x="3598400" y="2521000"/>
+                <a:ext cx="360000" cy="360000"/>
+              </a:xfrm>
+              <a:prstGeom prst="rect">
+                <a:avLst/>
+              </a:prstGeom>
+              <a:noFill/>
+              <a:ln w="3175">
+                <a:solidFill>
+                  <a:schemeClr val="tx1"/>
+                </a:solidFill>
+              </a:ln>
+            </p:spPr>
+            <p:style>
+              <a:lnRef idx="2">
+                <a:schemeClr val="accent1">
+                  <a:shade val="50000"/>
+                </a:schemeClr>
+              </a:lnRef>
+              <a:fillRef idx="1">
+                <a:schemeClr val="accent1"/>
+              </a:fillRef>
+              <a:effectRef idx="0">
+                <a:schemeClr val="accent1"/>
+              </a:effectRef>
+              <a:fontRef idx="minor">
+                <a:schemeClr val="lt1"/>
+              </a:fontRef>
+            </p:style>
+            <p:txBody>
+              <a:bodyPr rtlCol="0" anchor="ctr"/>
+              <a:lstStyle/>
+              <a:p>
+                <a:pPr algn="ctr"/>
+                <a:r>
+                  <a:rPr lang="en-US" dirty="0">
+                    <a:solidFill>
+                      <a:schemeClr val="tx1"/>
+                    </a:solidFill>
+                  </a:rPr>
+                  <a:t>0</a:t>
+                </a:r>
+                <a:endParaRPr lang="en-NL" dirty="0">
+                  <a:solidFill>
+                    <a:schemeClr val="tx1"/>
+                  </a:solidFill>
+                </a:endParaRPr>
+              </a:p>
+            </p:txBody>
+          </p:sp>
+          <p:sp>
+            <p:nvSpPr>
+              <p:cNvPr id="142" name="Rectangle 141">
+                <a:extLst>
+                  <a:ext uri="{FF2B5EF4-FFF2-40B4-BE49-F238E27FC236}">
+                    <a16:creationId xmlns:a16="http://schemas.microsoft.com/office/drawing/2014/main" id="{46ACD869-935C-1A3C-DDE2-4651B1F13DCE}"/>
+                  </a:ext>
+                </a:extLst>
+              </p:cNvPr>
+              <p:cNvSpPr/>
+              <p:nvPr/>
+            </p:nvSpPr>
+            <p:spPr>
+              <a:xfrm>
+                <a:off x="2160000" y="2160000"/>
+                <a:ext cx="360000" cy="360000"/>
+              </a:xfrm>
+              <a:prstGeom prst="rect">
+                <a:avLst/>
+              </a:prstGeom>
+              <a:solidFill>
+                <a:schemeClr val="tx1"/>
+              </a:solidFill>
+              <a:ln w="3175">
+                <a:solidFill>
+                  <a:schemeClr val="tx1"/>
+                </a:solidFill>
+              </a:ln>
+            </p:spPr>
+            <p:style>
+              <a:lnRef idx="2">
+                <a:schemeClr val="accent1">
+                  <a:shade val="50000"/>
+                </a:schemeClr>
+              </a:lnRef>
+              <a:fillRef idx="1">
+                <a:schemeClr val="accent1"/>
+              </a:fillRef>
+              <a:effectRef idx="0">
+                <a:schemeClr val="accent1"/>
+              </a:effectRef>
+              <a:fontRef idx="minor">
+                <a:schemeClr val="lt1"/>
+              </a:fontRef>
+            </p:style>
+            <p:txBody>
+              <a:bodyPr rtlCol="0" anchor="ctr"/>
+              <a:lstStyle/>
+              <a:p>
+                <a:pPr algn="ctr"/>
+                <a:r>
+                  <a:rPr lang="en-US" dirty="0">
+                    <a:solidFill>
+                      <a:schemeClr val="bg1"/>
+                    </a:solidFill>
+                  </a:rPr>
+                  <a:t>1</a:t>
+                </a:r>
+                <a:endParaRPr lang="en-NL" dirty="0">
+                  <a:solidFill>
+                    <a:schemeClr val="bg1"/>
+                  </a:solidFill>
+                </a:endParaRPr>
+              </a:p>
+            </p:txBody>
+          </p:sp>
+          <p:sp>
+            <p:nvSpPr>
+              <p:cNvPr id="143" name="Rectangle 142">
+                <a:extLst>
+                  <a:ext uri="{FF2B5EF4-FFF2-40B4-BE49-F238E27FC236}">
+                    <a16:creationId xmlns:a16="http://schemas.microsoft.com/office/drawing/2014/main" id="{674607D7-1E2A-B606-E1F6-3681F5B17645}"/>
+                  </a:ext>
+                </a:extLst>
+              </p:cNvPr>
+              <p:cNvSpPr/>
+              <p:nvPr/>
+            </p:nvSpPr>
+            <p:spPr>
+              <a:xfrm>
+                <a:off x="2159000" y="1800000"/>
+                <a:ext cx="360000" cy="360000"/>
+              </a:xfrm>
+              <a:prstGeom prst="rect">
+                <a:avLst/>
+              </a:prstGeom>
+              <a:noFill/>
+              <a:ln w="3175">
+                <a:solidFill>
+                  <a:schemeClr val="tx1"/>
+                </a:solidFill>
+              </a:ln>
+            </p:spPr>
+            <p:style>
+              <a:lnRef idx="2">
+                <a:schemeClr val="accent1">
+                  <a:shade val="50000"/>
+                </a:schemeClr>
+              </a:lnRef>
+              <a:fillRef idx="1">
+                <a:schemeClr val="accent1"/>
+              </a:fillRef>
+              <a:effectRef idx="0">
+                <a:schemeClr val="accent1"/>
+              </a:effectRef>
+              <a:fontRef idx="minor">
+                <a:schemeClr val="lt1"/>
+              </a:fontRef>
+            </p:style>
+            <p:txBody>
+              <a:bodyPr rtlCol="0" anchor="ctr"/>
+              <a:lstStyle/>
+              <a:p>
+                <a:pPr algn="ctr"/>
+                <a:r>
+                  <a:rPr lang="en-US" dirty="0">
+                    <a:solidFill>
+                      <a:schemeClr val="tx1"/>
+                    </a:solidFill>
+                  </a:rPr>
+                  <a:t>0</a:t>
+                </a:r>
+                <a:endParaRPr lang="en-NL" dirty="0">
+                  <a:solidFill>
+                    <a:schemeClr val="tx1"/>
+                  </a:solidFill>
+                </a:endParaRPr>
+              </a:p>
+            </p:txBody>
+          </p:sp>
+          <p:sp>
+            <p:nvSpPr>
+              <p:cNvPr id="144" name="Rectangle 143">
+                <a:extLst>
+                  <a:ext uri="{FF2B5EF4-FFF2-40B4-BE49-F238E27FC236}">
+                    <a16:creationId xmlns:a16="http://schemas.microsoft.com/office/drawing/2014/main" id="{1598F1F0-7BD6-8691-A4AA-68BF182AF137}"/>
+                  </a:ext>
+                </a:extLst>
+              </p:cNvPr>
+              <p:cNvSpPr/>
+              <p:nvPr/>
+            </p:nvSpPr>
+            <p:spPr>
+              <a:xfrm>
+                <a:off x="2160000" y="2520000"/>
+                <a:ext cx="360000" cy="360000"/>
+              </a:xfrm>
+              <a:prstGeom prst="rect">
+                <a:avLst/>
+              </a:prstGeom>
+              <a:noFill/>
+              <a:ln w="3175">
+                <a:solidFill>
+                  <a:schemeClr val="tx1"/>
+                </a:solidFill>
+              </a:ln>
+            </p:spPr>
+            <p:style>
+              <a:lnRef idx="2">
+                <a:schemeClr val="accent1">
+                  <a:shade val="50000"/>
+                </a:schemeClr>
+              </a:lnRef>
+              <a:fillRef idx="1">
+                <a:schemeClr val="accent1"/>
+              </a:fillRef>
+              <a:effectRef idx="0">
+                <a:schemeClr val="accent1"/>
+              </a:effectRef>
+              <a:fontRef idx="minor">
+                <a:schemeClr val="lt1"/>
+              </a:fontRef>
+            </p:style>
+            <p:txBody>
+              <a:bodyPr rtlCol="0" anchor="ctr"/>
+              <a:lstStyle/>
+              <a:p>
+                <a:pPr algn="ctr"/>
+                <a:r>
+                  <a:rPr lang="en-US" dirty="0">
+                    <a:solidFill>
+                      <a:schemeClr val="tx1"/>
+                    </a:solidFill>
+                  </a:rPr>
+                  <a:t>0</a:t>
+                </a:r>
+                <a:endParaRPr lang="en-NL" dirty="0">
+                  <a:solidFill>
+                    <a:schemeClr val="tx1"/>
+                  </a:solidFill>
+                </a:endParaRPr>
+              </a:p>
+            </p:txBody>
+          </p:sp>
+          <p:sp>
+            <p:nvSpPr>
+              <p:cNvPr id="145" name="Rectangle 144">
+                <a:extLst>
+                  <a:ext uri="{FF2B5EF4-FFF2-40B4-BE49-F238E27FC236}">
+                    <a16:creationId xmlns:a16="http://schemas.microsoft.com/office/drawing/2014/main" id="{17D55E54-3A6F-BFB7-77DC-FD0BFF2289B1}"/>
+                  </a:ext>
+                </a:extLst>
+              </p:cNvPr>
+              <p:cNvSpPr/>
+              <p:nvPr/>
+            </p:nvSpPr>
+            <p:spPr>
+              <a:xfrm>
+                <a:off x="3600000" y="2160000"/>
+                <a:ext cx="360000" cy="360000"/>
+              </a:xfrm>
+              <a:prstGeom prst="rect">
+                <a:avLst/>
+              </a:prstGeom>
+              <a:noFill/>
+              <a:ln w="3175">
+                <a:solidFill>
+                  <a:schemeClr val="tx1"/>
+                </a:solidFill>
+              </a:ln>
+            </p:spPr>
+            <p:style>
+              <a:lnRef idx="2">
+                <a:schemeClr val="accent1">
+                  <a:shade val="50000"/>
+                </a:schemeClr>
+              </a:lnRef>
+              <a:fillRef idx="1">
+                <a:schemeClr val="accent1"/>
+              </a:fillRef>
+              <a:effectRef idx="0">
+                <a:schemeClr val="accent1"/>
+              </a:effectRef>
+              <a:fontRef idx="minor">
+                <a:schemeClr val="lt1"/>
+              </a:fontRef>
+            </p:style>
+            <p:txBody>
+              <a:bodyPr rtlCol="0" anchor="ctr"/>
+              <a:lstStyle/>
+              <a:p>
+                <a:pPr algn="ctr"/>
+                <a:r>
+                  <a:rPr lang="en-US" dirty="0">
+                    <a:solidFill>
+                      <a:schemeClr val="tx1"/>
+                    </a:solidFill>
+                  </a:rPr>
+                  <a:t>0</a:t>
+                </a:r>
+                <a:endParaRPr lang="en-NL" dirty="0">
+                  <a:solidFill>
+                    <a:schemeClr val="tx1"/>
+                  </a:solidFill>
+                </a:endParaRPr>
+              </a:p>
+            </p:txBody>
+          </p:sp>
+          <p:sp>
+            <p:nvSpPr>
+              <p:cNvPr id="146" name="Rectangle 145">
+                <a:extLst>
+                  <a:ext uri="{FF2B5EF4-FFF2-40B4-BE49-F238E27FC236}">
+                    <a16:creationId xmlns:a16="http://schemas.microsoft.com/office/drawing/2014/main" id="{1915E7CD-8EA8-9558-2826-EA1B647483BA}"/>
+                  </a:ext>
+                </a:extLst>
+              </p:cNvPr>
+              <p:cNvSpPr/>
+              <p:nvPr/>
+            </p:nvSpPr>
+            <p:spPr>
+              <a:xfrm>
+                <a:off x="3600000" y="1800000"/>
+                <a:ext cx="360000" cy="360000"/>
+              </a:xfrm>
+              <a:prstGeom prst="rect">
+                <a:avLst/>
+              </a:prstGeom>
+              <a:solidFill>
+                <a:schemeClr val="tx1"/>
+              </a:solidFill>
+              <a:ln w="3175">
+                <a:solidFill>
+                  <a:schemeClr val="tx1"/>
+                </a:solidFill>
+              </a:ln>
+            </p:spPr>
+            <p:style>
+              <a:lnRef idx="2">
+                <a:schemeClr val="accent1">
+                  <a:shade val="50000"/>
+                </a:schemeClr>
+              </a:lnRef>
+              <a:fillRef idx="1">
+                <a:schemeClr val="accent1"/>
+              </a:fillRef>
+              <a:effectRef idx="0">
+                <a:schemeClr val="accent1"/>
+              </a:effectRef>
+              <a:fontRef idx="minor">
+                <a:schemeClr val="lt1"/>
+              </a:fontRef>
+            </p:style>
+            <p:txBody>
+              <a:bodyPr rtlCol="0" anchor="ctr"/>
+              <a:lstStyle/>
+              <a:p>
+                <a:pPr algn="ctr"/>
+                <a:r>
+                  <a:rPr lang="en-US" dirty="0">
+                    <a:solidFill>
+                      <a:schemeClr val="bg1"/>
+                    </a:solidFill>
+                  </a:rPr>
+                  <a:t>1</a:t>
+                </a:r>
+                <a:endParaRPr lang="en-NL" dirty="0">
+                  <a:solidFill>
+                    <a:schemeClr val="bg1"/>
+                  </a:solidFill>
+                </a:endParaRPr>
+              </a:p>
+            </p:txBody>
+          </p:sp>
+          <p:sp>
+            <p:nvSpPr>
+              <p:cNvPr id="147" name="Rectangle 146">
+                <a:extLst>
+                  <a:ext uri="{FF2B5EF4-FFF2-40B4-BE49-F238E27FC236}">
+                    <a16:creationId xmlns:a16="http://schemas.microsoft.com/office/drawing/2014/main" id="{A665F14B-F3BE-9883-A3E8-BF38F871756C}"/>
+                  </a:ext>
+                </a:extLst>
+              </p:cNvPr>
+              <p:cNvSpPr/>
+              <p:nvPr/>
+            </p:nvSpPr>
+            <p:spPr>
+              <a:xfrm>
+                <a:off x="2518200" y="2520000"/>
+                <a:ext cx="360000" cy="360000"/>
+              </a:xfrm>
+              <a:prstGeom prst="rect">
+                <a:avLst/>
+              </a:prstGeom>
+              <a:solidFill>
+                <a:schemeClr val="tx1"/>
+              </a:solidFill>
+              <a:ln w="3175">
+                <a:solidFill>
+                  <a:schemeClr val="tx1"/>
+                </a:solidFill>
+              </a:ln>
+            </p:spPr>
+            <p:style>
+              <a:lnRef idx="2">
+                <a:schemeClr val="accent1">
+                  <a:shade val="50000"/>
+                </a:schemeClr>
+              </a:lnRef>
+              <a:fillRef idx="1">
+                <a:schemeClr val="accent1"/>
+              </a:fillRef>
+              <a:effectRef idx="0">
+                <a:schemeClr val="accent1"/>
+              </a:effectRef>
+              <a:fontRef idx="minor">
+                <a:schemeClr val="lt1"/>
+              </a:fontRef>
+            </p:style>
+            <p:txBody>
+              <a:bodyPr rtlCol="0" anchor="ctr"/>
+              <a:lstStyle/>
+              <a:p>
+                <a:pPr algn="ctr"/>
+                <a:r>
+                  <a:rPr lang="en-US" dirty="0">
+                    <a:solidFill>
+                      <a:schemeClr val="bg1"/>
+                    </a:solidFill>
+                  </a:rPr>
+                  <a:t>1</a:t>
+                </a:r>
+                <a:endParaRPr lang="en-NL" dirty="0">
+                  <a:solidFill>
+                    <a:schemeClr val="bg1"/>
+                  </a:solidFill>
+                </a:endParaRPr>
+              </a:p>
+            </p:txBody>
+          </p:sp>
+          <p:sp>
+            <p:nvSpPr>
+              <p:cNvPr id="148" name="Rectangle 147">
+                <a:extLst>
+                  <a:ext uri="{FF2B5EF4-FFF2-40B4-BE49-F238E27FC236}">
+                    <a16:creationId xmlns:a16="http://schemas.microsoft.com/office/drawing/2014/main" id="{D005EF42-72AD-A440-F9BE-AB2B4E2C8656}"/>
+                  </a:ext>
+                </a:extLst>
+              </p:cNvPr>
+              <p:cNvSpPr/>
+              <p:nvPr/>
+            </p:nvSpPr>
+            <p:spPr>
+              <a:xfrm>
+                <a:off x="2520000" y="1800000"/>
+                <a:ext cx="360000" cy="360000"/>
+              </a:xfrm>
+              <a:prstGeom prst="rect">
+                <a:avLst/>
+              </a:prstGeom>
+              <a:noFill/>
+              <a:ln w="3175">
+                <a:solidFill>
+                  <a:schemeClr val="tx1"/>
+                </a:solidFill>
+              </a:ln>
+            </p:spPr>
+            <p:style>
+              <a:lnRef idx="2">
+                <a:schemeClr val="accent1">
+                  <a:shade val="50000"/>
+                </a:schemeClr>
+              </a:lnRef>
+              <a:fillRef idx="1">
+                <a:schemeClr val="accent1"/>
+              </a:fillRef>
+              <a:effectRef idx="0">
+                <a:schemeClr val="accent1"/>
+              </a:effectRef>
+              <a:fontRef idx="minor">
+                <a:schemeClr val="lt1"/>
+              </a:fontRef>
+            </p:style>
+            <p:txBody>
+              <a:bodyPr rtlCol="0" anchor="ctr"/>
+              <a:lstStyle/>
+              <a:p>
+                <a:pPr algn="ctr"/>
+                <a:r>
+                  <a:rPr lang="en-US" dirty="0">
+                    <a:solidFill>
+                      <a:schemeClr val="tx1"/>
+                    </a:solidFill>
+                  </a:rPr>
+                  <a:t>0</a:t>
+                </a:r>
+                <a:endParaRPr lang="en-NL" dirty="0">
+                  <a:solidFill>
+                    <a:schemeClr val="tx1"/>
+                  </a:solidFill>
+                </a:endParaRPr>
+              </a:p>
+            </p:txBody>
+          </p:sp>
+          <p:sp>
+            <p:nvSpPr>
+              <p:cNvPr id="149" name="Rectangle 148">
+                <a:extLst>
+                  <a:ext uri="{FF2B5EF4-FFF2-40B4-BE49-F238E27FC236}">
+                    <a16:creationId xmlns:a16="http://schemas.microsoft.com/office/drawing/2014/main" id="{0299ED17-3629-E93A-2315-5CD12043AF2B}"/>
+                  </a:ext>
+                </a:extLst>
+              </p:cNvPr>
+              <p:cNvSpPr/>
+              <p:nvPr/>
+            </p:nvSpPr>
+            <p:spPr>
+              <a:xfrm>
+                <a:off x="2518200" y="2160000"/>
+                <a:ext cx="360000" cy="360000"/>
+              </a:xfrm>
+              <a:prstGeom prst="rect">
+                <a:avLst/>
+              </a:prstGeom>
+              <a:noFill/>
+              <a:ln w="3175">
+                <a:solidFill>
+                  <a:schemeClr val="tx1"/>
+                </a:solidFill>
+              </a:ln>
+            </p:spPr>
+            <p:style>
+              <a:lnRef idx="2">
+                <a:schemeClr val="accent1">
+                  <a:shade val="50000"/>
+                </a:schemeClr>
+              </a:lnRef>
+              <a:fillRef idx="1">
+                <a:schemeClr val="accent1"/>
+              </a:fillRef>
+              <a:effectRef idx="0">
+                <a:schemeClr val="accent1"/>
+              </a:effectRef>
+              <a:fontRef idx="minor">
+                <a:schemeClr val="lt1"/>
+              </a:fontRef>
+            </p:style>
+            <p:txBody>
+              <a:bodyPr rtlCol="0" anchor="ctr"/>
+              <a:lstStyle/>
+              <a:p>
+                <a:pPr algn="ctr"/>
+                <a:r>
+                  <a:rPr lang="en-US" dirty="0">
+                    <a:solidFill>
+                      <a:schemeClr val="tx1"/>
+                    </a:solidFill>
+                  </a:rPr>
+                  <a:t>0</a:t>
+                </a:r>
+                <a:endParaRPr lang="en-NL" dirty="0">
+                  <a:solidFill>
+                    <a:schemeClr val="tx1"/>
+                  </a:solidFill>
+                </a:endParaRPr>
+              </a:p>
+            </p:txBody>
+          </p:sp>
+          <p:sp>
+            <p:nvSpPr>
+              <p:cNvPr id="150" name="Rectangle 149">
+                <a:extLst>
+                  <a:ext uri="{FF2B5EF4-FFF2-40B4-BE49-F238E27FC236}">
+                    <a16:creationId xmlns:a16="http://schemas.microsoft.com/office/drawing/2014/main" id="{D8A9B2AA-D8C8-84BC-017A-FFF874B35E47}"/>
+                  </a:ext>
+                </a:extLst>
+              </p:cNvPr>
+              <p:cNvSpPr/>
+              <p:nvPr/>
+            </p:nvSpPr>
+            <p:spPr>
+              <a:xfrm>
+                <a:off x="2880000" y="2160000"/>
+                <a:ext cx="360000" cy="360000"/>
+              </a:xfrm>
+              <a:prstGeom prst="rect">
+                <a:avLst/>
+              </a:prstGeom>
+              <a:noFill/>
+              <a:ln w="3175">
+                <a:solidFill>
+                  <a:schemeClr val="tx1"/>
+                </a:solidFill>
+              </a:ln>
+            </p:spPr>
+            <p:style>
+              <a:lnRef idx="2">
+                <a:schemeClr val="accent1">
+                  <a:shade val="50000"/>
+                </a:schemeClr>
+              </a:lnRef>
+              <a:fillRef idx="1">
+                <a:schemeClr val="accent1"/>
+              </a:fillRef>
+              <a:effectRef idx="0">
+                <a:schemeClr val="accent1"/>
+              </a:effectRef>
+              <a:fontRef idx="minor">
+                <a:schemeClr val="lt1"/>
+              </a:fontRef>
+            </p:style>
+            <p:txBody>
+              <a:bodyPr rtlCol="0" anchor="ctr"/>
+              <a:lstStyle/>
+              <a:p>
+                <a:pPr algn="ctr"/>
+                <a:r>
+                  <a:rPr lang="en-US" dirty="0">
+                    <a:solidFill>
+                      <a:schemeClr val="tx1"/>
+                    </a:solidFill>
+                  </a:rPr>
+                  <a:t>0</a:t>
+                </a:r>
+                <a:endParaRPr lang="en-NL" dirty="0">
+                  <a:solidFill>
+                    <a:schemeClr val="tx1"/>
+                  </a:solidFill>
+                </a:endParaRPr>
+              </a:p>
+            </p:txBody>
+          </p:sp>
+          <p:sp>
+            <p:nvSpPr>
+              <p:cNvPr id="151" name="Rectangle 150">
+                <a:extLst>
+                  <a:ext uri="{FF2B5EF4-FFF2-40B4-BE49-F238E27FC236}">
+                    <a16:creationId xmlns:a16="http://schemas.microsoft.com/office/drawing/2014/main" id="{9A7349AE-A437-99FA-F553-013158D56B2E}"/>
+                  </a:ext>
+                </a:extLst>
+              </p:cNvPr>
+              <p:cNvSpPr/>
+              <p:nvPr/>
+            </p:nvSpPr>
+            <p:spPr>
+              <a:xfrm>
+                <a:off x="2880000" y="1800000"/>
+                <a:ext cx="360000" cy="360000"/>
+              </a:xfrm>
+              <a:prstGeom prst="rect">
+                <a:avLst/>
+              </a:prstGeom>
+              <a:noFill/>
+              <a:ln w="3175">
+                <a:solidFill>
+                  <a:schemeClr val="tx1"/>
+                </a:solidFill>
+              </a:ln>
+            </p:spPr>
+            <p:style>
+              <a:lnRef idx="2">
+                <a:schemeClr val="accent1">
+                  <a:shade val="50000"/>
+                </a:schemeClr>
+              </a:lnRef>
+              <a:fillRef idx="1">
+                <a:schemeClr val="accent1"/>
+              </a:fillRef>
+              <a:effectRef idx="0">
+                <a:schemeClr val="accent1"/>
+              </a:effectRef>
+              <a:fontRef idx="minor">
+                <a:schemeClr val="lt1"/>
+              </a:fontRef>
+            </p:style>
+            <p:txBody>
+              <a:bodyPr rtlCol="0" anchor="ctr"/>
+              <a:lstStyle/>
+              <a:p>
+                <a:pPr algn="ctr"/>
+                <a:r>
+                  <a:rPr lang="en-US" dirty="0">
+                    <a:solidFill>
+                      <a:schemeClr val="tx1"/>
+                    </a:solidFill>
+                  </a:rPr>
+                  <a:t>0</a:t>
+                </a:r>
+                <a:endParaRPr lang="en-NL" dirty="0">
+                  <a:solidFill>
+                    <a:schemeClr val="tx1"/>
+                  </a:solidFill>
+                </a:endParaRPr>
+              </a:p>
+            </p:txBody>
+          </p:sp>
+          <p:sp>
+            <p:nvSpPr>
+              <p:cNvPr id="152" name="Rectangle 151">
+                <a:extLst>
+                  <a:ext uri="{FF2B5EF4-FFF2-40B4-BE49-F238E27FC236}">
+                    <a16:creationId xmlns:a16="http://schemas.microsoft.com/office/drawing/2014/main" id="{EFB7A682-BE70-333D-1C11-D523D38EE479}"/>
+                  </a:ext>
+                </a:extLst>
+              </p:cNvPr>
+              <p:cNvSpPr/>
+              <p:nvPr/>
+            </p:nvSpPr>
+            <p:spPr>
+              <a:xfrm>
+                <a:off x="2880000" y="2520000"/>
+                <a:ext cx="360000" cy="360000"/>
+              </a:xfrm>
+              <a:prstGeom prst="rect">
+                <a:avLst/>
+              </a:prstGeom>
+              <a:solidFill>
+                <a:schemeClr val="tx1"/>
+              </a:solidFill>
+              <a:ln w="3175">
+                <a:solidFill>
+                  <a:schemeClr val="tx1"/>
+                </a:solidFill>
+              </a:ln>
+            </p:spPr>
+            <p:style>
+              <a:lnRef idx="2">
+                <a:schemeClr val="accent1">
+                  <a:shade val="50000"/>
+                </a:schemeClr>
+              </a:lnRef>
+              <a:fillRef idx="1">
+                <a:schemeClr val="accent1"/>
+              </a:fillRef>
+              <a:effectRef idx="0">
+                <a:schemeClr val="accent1"/>
+              </a:effectRef>
+              <a:fontRef idx="minor">
+                <a:schemeClr val="lt1"/>
+              </a:fontRef>
+            </p:style>
+            <p:txBody>
+              <a:bodyPr rtlCol="0" anchor="ctr"/>
+              <a:lstStyle/>
+              <a:p>
+                <a:pPr algn="ctr"/>
+                <a:r>
+                  <a:rPr lang="en-US" dirty="0">
+                    <a:solidFill>
+                      <a:schemeClr val="bg1"/>
+                    </a:solidFill>
+                  </a:rPr>
+                  <a:t>1</a:t>
+                </a:r>
+                <a:endParaRPr lang="en-NL" dirty="0">
+                  <a:solidFill>
+                    <a:schemeClr val="bg1"/>
+                  </a:solidFill>
+                </a:endParaRPr>
+              </a:p>
+            </p:txBody>
+          </p:sp>
+          <p:sp>
+            <p:nvSpPr>
+              <p:cNvPr id="153" name="Rectangle 152">
+                <a:extLst>
+                  <a:ext uri="{FF2B5EF4-FFF2-40B4-BE49-F238E27FC236}">
+                    <a16:creationId xmlns:a16="http://schemas.microsoft.com/office/drawing/2014/main" id="{25C324C6-7B0F-F42E-23C7-8589A3FF6BA3}"/>
+                  </a:ext>
+                </a:extLst>
+              </p:cNvPr>
+              <p:cNvSpPr/>
+              <p:nvPr/>
+            </p:nvSpPr>
+            <p:spPr>
+              <a:xfrm>
+                <a:off x="3240000" y="1800000"/>
+                <a:ext cx="360000" cy="360000"/>
+              </a:xfrm>
+              <a:prstGeom prst="rect">
+                <a:avLst/>
+              </a:prstGeom>
+              <a:noFill/>
+              <a:ln w="3175">
+                <a:solidFill>
+                  <a:schemeClr val="tx1"/>
+                </a:solidFill>
+              </a:ln>
+            </p:spPr>
+            <p:style>
+              <a:lnRef idx="2">
+                <a:schemeClr val="accent1">
+                  <a:shade val="50000"/>
+                </a:schemeClr>
+              </a:lnRef>
+              <a:fillRef idx="1">
+                <a:schemeClr val="accent1"/>
+              </a:fillRef>
+              <a:effectRef idx="0">
+                <a:schemeClr val="accent1"/>
+              </a:effectRef>
+              <a:fontRef idx="minor">
+                <a:schemeClr val="lt1"/>
+              </a:fontRef>
+            </p:style>
+            <p:txBody>
+              <a:bodyPr rtlCol="0" anchor="ctr"/>
+              <a:lstStyle/>
+              <a:p>
+                <a:pPr algn="ctr"/>
+                <a:r>
+                  <a:rPr lang="en-US" dirty="0">
+                    <a:solidFill>
+                      <a:schemeClr val="tx1"/>
+                    </a:solidFill>
+                  </a:rPr>
+                  <a:t>0</a:t>
+                </a:r>
+                <a:endParaRPr lang="en-NL" dirty="0">
+                  <a:solidFill>
+                    <a:schemeClr val="tx1"/>
+                  </a:solidFill>
+                </a:endParaRPr>
+              </a:p>
+            </p:txBody>
+          </p:sp>
+          <p:sp>
+            <p:nvSpPr>
+              <p:cNvPr id="154" name="Rectangle 153">
+                <a:extLst>
+                  <a:ext uri="{FF2B5EF4-FFF2-40B4-BE49-F238E27FC236}">
+                    <a16:creationId xmlns:a16="http://schemas.microsoft.com/office/drawing/2014/main" id="{57C039EC-5ECC-76BC-B0B5-81C6E6F349CF}"/>
+                  </a:ext>
+                </a:extLst>
+              </p:cNvPr>
+              <p:cNvSpPr/>
+              <p:nvPr/>
+            </p:nvSpPr>
+            <p:spPr>
+              <a:xfrm>
+                <a:off x="3240000" y="2160000"/>
+                <a:ext cx="360000" cy="360000"/>
+              </a:xfrm>
+              <a:prstGeom prst="rect">
+                <a:avLst/>
+              </a:prstGeom>
+              <a:solidFill>
+                <a:schemeClr val="tx1"/>
+              </a:solidFill>
+              <a:ln w="3175">
+                <a:solidFill>
+                  <a:schemeClr val="tx1"/>
+                </a:solidFill>
+              </a:ln>
+            </p:spPr>
+            <p:style>
+              <a:lnRef idx="2">
+                <a:schemeClr val="accent1">
+                  <a:shade val="50000"/>
+                </a:schemeClr>
+              </a:lnRef>
+              <a:fillRef idx="1">
+                <a:schemeClr val="accent1"/>
+              </a:fillRef>
+              <a:effectRef idx="0">
+                <a:schemeClr val="accent1"/>
+              </a:effectRef>
+              <a:fontRef idx="minor">
+                <a:schemeClr val="lt1"/>
+              </a:fontRef>
+            </p:style>
+            <p:txBody>
+              <a:bodyPr rtlCol="0" anchor="ctr"/>
+              <a:lstStyle/>
+              <a:p>
+                <a:pPr algn="ctr"/>
+                <a:r>
+                  <a:rPr lang="en-US" dirty="0">
+                    <a:solidFill>
+                      <a:schemeClr val="bg1"/>
+                    </a:solidFill>
+                  </a:rPr>
+                  <a:t>1</a:t>
+                </a:r>
+                <a:endParaRPr lang="en-NL" dirty="0">
+                  <a:solidFill>
+                    <a:schemeClr val="bg1"/>
+                  </a:solidFill>
+                </a:endParaRPr>
+              </a:p>
+            </p:txBody>
+          </p:sp>
+          <p:sp>
+            <p:nvSpPr>
+              <p:cNvPr id="155" name="Rectangle 154">
+                <a:extLst>
+                  <a:ext uri="{FF2B5EF4-FFF2-40B4-BE49-F238E27FC236}">
+                    <a16:creationId xmlns:a16="http://schemas.microsoft.com/office/drawing/2014/main" id="{3006C38F-84A8-1E42-B918-92526FF66514}"/>
+                  </a:ext>
+                </a:extLst>
+              </p:cNvPr>
+              <p:cNvSpPr/>
+              <p:nvPr/>
+            </p:nvSpPr>
+            <p:spPr>
+              <a:xfrm>
+                <a:off x="3240000" y="2520000"/>
+                <a:ext cx="360000" cy="360000"/>
+              </a:xfrm>
+              <a:prstGeom prst="rect">
+                <a:avLst/>
+              </a:prstGeom>
+              <a:noFill/>
+              <a:ln w="3175">
+                <a:solidFill>
+                  <a:schemeClr val="tx1"/>
+                </a:solidFill>
+              </a:ln>
+            </p:spPr>
+            <p:style>
+              <a:lnRef idx="2">
+                <a:schemeClr val="accent1">
+                  <a:shade val="50000"/>
+                </a:schemeClr>
+              </a:lnRef>
+              <a:fillRef idx="1">
+                <a:schemeClr val="accent1"/>
+              </a:fillRef>
+              <a:effectRef idx="0">
+                <a:schemeClr val="accent1"/>
+              </a:effectRef>
+              <a:fontRef idx="minor">
+                <a:schemeClr val="lt1"/>
+              </a:fontRef>
+            </p:style>
+            <p:txBody>
+              <a:bodyPr rtlCol="0" anchor="ctr"/>
+              <a:lstStyle/>
+              <a:p>
+                <a:pPr algn="ctr"/>
+                <a:r>
+                  <a:rPr lang="en-US" dirty="0">
+                    <a:solidFill>
+                      <a:schemeClr val="tx1"/>
+                    </a:solidFill>
+                  </a:rPr>
+                  <a:t>0</a:t>
+                </a:r>
+                <a:endParaRPr lang="en-NL" dirty="0">
+                  <a:solidFill>
+                    <a:schemeClr val="tx1"/>
+                  </a:solidFill>
+                </a:endParaRPr>
+              </a:p>
+            </p:txBody>
+          </p:sp>
+        </p:grpSp>
+        <p:grpSp>
+          <p:nvGrpSpPr>
+            <p:cNvPr id="255" name="Group 254">
+              <a:extLst>
+                <a:ext uri="{FF2B5EF4-FFF2-40B4-BE49-F238E27FC236}">
+                  <a16:creationId xmlns:a16="http://schemas.microsoft.com/office/drawing/2014/main" id="{B07C04F2-8A28-1BE9-14C4-6BE1AD616D37}"/>
+                </a:ext>
+              </a:extLst>
+            </p:cNvPr>
+            <p:cNvGrpSpPr/>
+            <p:nvPr/>
+          </p:nvGrpSpPr>
+          <p:grpSpPr>
+            <a:xfrm>
+              <a:off x="6226705" y="2143053"/>
+              <a:ext cx="6136205" cy="2696361"/>
+              <a:chOff x="3967432" y="1009658"/>
+              <a:chExt cx="6136205" cy="2696361"/>
+            </a:xfrm>
+          </p:grpSpPr>
+          <p:sp>
+            <p:nvSpPr>
+              <p:cNvPr id="213" name="Rectangle 212">
+                <a:extLst>
+                  <a:ext uri="{FF2B5EF4-FFF2-40B4-BE49-F238E27FC236}">
+                    <a16:creationId xmlns:a16="http://schemas.microsoft.com/office/drawing/2014/main" id="{CC40E7A1-6753-8508-735C-2352CF87D022}"/>
+                  </a:ext>
+                </a:extLst>
+              </p:cNvPr>
+              <p:cNvSpPr/>
+              <p:nvPr/>
+            </p:nvSpPr>
+            <p:spPr>
+              <a:xfrm>
+                <a:off x="3967432" y="1009658"/>
+                <a:ext cx="1106488" cy="266700"/>
+              </a:xfrm>
+              <a:prstGeom prst="rect">
+                <a:avLst/>
+              </a:prstGeom>
+              <a:noFill/>
+              <a:ln>
+                <a:noFill/>
+              </a:ln>
+            </p:spPr>
+            <p:style>
+              <a:lnRef idx="2">
+                <a:schemeClr val="accent1">
+                  <a:shade val="50000"/>
+                </a:schemeClr>
+              </a:lnRef>
+              <a:fillRef idx="1">
+                <a:schemeClr val="accent1"/>
+              </a:fillRef>
+              <a:effectRef idx="0">
+                <a:schemeClr val="accent1"/>
+              </a:effectRef>
+              <a:fontRef idx="minor">
+                <a:schemeClr val="lt1"/>
+              </a:fontRef>
+            </p:style>
+            <p:txBody>
+              <a:bodyPr rtlCol="0" anchor="ctr"/>
+              <a:lstStyle/>
+              <a:p>
+                <a:pPr algn="ctr"/>
+                <a:r>
+                  <a:rPr lang="en-US" sz="1200" dirty="0">
+                    <a:solidFill>
+                      <a:schemeClr val="tx1"/>
+                    </a:solidFill>
+                  </a:rPr>
+                  <a:t>B</a:t>
+                </a:r>
+                <a:r>
+                  <a:rPr lang="en-US" altLang="zh-CN" sz="1200" dirty="0">
+                    <a:solidFill>
+                      <a:schemeClr val="tx1"/>
+                    </a:solidFill>
+                  </a:rPr>
+                  <a:t>it Depth</a:t>
+                </a:r>
+                <a:endParaRPr lang="en-NL" sz="1200" dirty="0">
+                  <a:solidFill>
+                    <a:schemeClr val="tx1"/>
+                  </a:solidFill>
+                </a:endParaRPr>
+              </a:p>
+            </p:txBody>
+          </p:sp>
+          <p:sp>
+            <p:nvSpPr>
+              <p:cNvPr id="214" name="Rectangle 213">
+                <a:extLst>
+                  <a:ext uri="{FF2B5EF4-FFF2-40B4-BE49-F238E27FC236}">
+                    <a16:creationId xmlns:a16="http://schemas.microsoft.com/office/drawing/2014/main" id="{7F0178C5-487C-DE19-5FF0-CAC820FE6E12}"/>
+                  </a:ext>
+                </a:extLst>
+              </p:cNvPr>
+              <p:cNvSpPr/>
+              <p:nvPr/>
+            </p:nvSpPr>
+            <p:spPr>
+              <a:xfrm>
+                <a:off x="8720923" y="1015566"/>
+                <a:ext cx="1382714" cy="266700"/>
+              </a:xfrm>
+              <a:prstGeom prst="rect">
+                <a:avLst/>
+              </a:prstGeom>
+              <a:noFill/>
+              <a:ln>
+                <a:noFill/>
+              </a:ln>
+            </p:spPr>
+            <p:style>
+              <a:lnRef idx="2">
+                <a:schemeClr val="accent1">
+                  <a:shade val="50000"/>
+                </a:schemeClr>
+              </a:lnRef>
+              <a:fillRef idx="1">
+                <a:schemeClr val="accent1"/>
+              </a:fillRef>
+              <a:effectRef idx="0">
+                <a:schemeClr val="accent1"/>
+              </a:effectRef>
+              <a:fontRef idx="minor">
+                <a:schemeClr val="lt1"/>
+              </a:fontRef>
+            </p:style>
+            <p:txBody>
+              <a:bodyPr rtlCol="0" anchor="ctr"/>
+              <a:lstStyle/>
+              <a:p>
+                <a:pPr algn="ctr"/>
+                <a:r>
+                  <a:rPr lang="en-US" sz="1200" dirty="0">
+                    <a:solidFill>
+                      <a:schemeClr val="tx1"/>
+                    </a:solidFill>
+                  </a:rPr>
+                  <a:t>Gray Levels</a:t>
+                </a:r>
+                <a:endParaRPr lang="en-NL" sz="1200" dirty="0">
+                  <a:solidFill>
+                    <a:schemeClr val="tx1"/>
+                  </a:solidFill>
+                </a:endParaRPr>
+              </a:p>
+            </p:txBody>
+          </p:sp>
+          <p:grpSp>
+            <p:nvGrpSpPr>
+              <p:cNvPr id="254" name="Group 253">
+                <a:extLst>
+                  <a:ext uri="{FF2B5EF4-FFF2-40B4-BE49-F238E27FC236}">
+                    <a16:creationId xmlns:a16="http://schemas.microsoft.com/office/drawing/2014/main" id="{9D925839-77B8-F4AE-FD36-8C32D432FF9F}"/>
+                  </a:ext>
+                </a:extLst>
+              </p:cNvPr>
+              <p:cNvGrpSpPr/>
+              <p:nvPr/>
+            </p:nvGrpSpPr>
+            <p:grpSpPr>
+              <a:xfrm>
+                <a:off x="4194181" y="1276957"/>
+                <a:ext cx="5549864" cy="2429062"/>
+                <a:chOff x="4562481" y="1505451"/>
+                <a:chExt cx="5549864" cy="2429062"/>
+              </a:xfrm>
+            </p:grpSpPr>
+            <p:grpSp>
+              <p:nvGrpSpPr>
+                <p:cNvPr id="223" name="Group 222">
                   <a:extLst>
-                    <a:ext uri="{9D8B030D-6E8A-4147-A177-3AD203B41FA5}">
-                      <a16:colId xmlns:a16="http://schemas.microsoft.com/office/drawing/2014/main" val="359810163"/>
+                    <a:ext uri="{FF2B5EF4-FFF2-40B4-BE49-F238E27FC236}">
+                      <a16:creationId xmlns:a16="http://schemas.microsoft.com/office/drawing/2014/main" id="{CDA85BDD-E139-10A0-9AA7-E1B0CB48DF3B}"/>
                     </a:ext>
                   </a:extLst>
-                </a:gridCol>
-                <a:gridCol w="892098">
+                </p:cNvPr>
+                <p:cNvGrpSpPr/>
+                <p:nvPr/>
+              </p:nvGrpSpPr>
+              <p:grpSpPr>
+                <a:xfrm>
+                  <a:off x="4563787" y="3690617"/>
+                  <a:ext cx="5547252" cy="243896"/>
+                  <a:chOff x="4415694" y="2730853"/>
+                  <a:chExt cx="5547252" cy="243896"/>
+                </a:xfrm>
+              </p:grpSpPr>
+              <p:sp>
+                <p:nvSpPr>
+                  <p:cNvPr id="217" name="Rectangle 216">
+                    <a:extLst>
+                      <a:ext uri="{FF2B5EF4-FFF2-40B4-BE49-F238E27FC236}">
+                        <a16:creationId xmlns:a16="http://schemas.microsoft.com/office/drawing/2014/main" id="{FBCF2097-DFAE-DD1A-27DD-085874C030A2}"/>
+                      </a:ext>
+                    </a:extLst>
+                  </p:cNvPr>
+                  <p:cNvSpPr/>
+                  <p:nvPr/>
+                </p:nvSpPr>
+                <p:spPr>
+                  <a:xfrm>
+                    <a:off x="4415694" y="2733479"/>
+                    <a:ext cx="652991" cy="241270"/>
+                  </a:xfrm>
+                  <a:prstGeom prst="rect">
+                    <a:avLst/>
+                  </a:prstGeom>
+                  <a:noFill/>
+                  <a:ln>
+                    <a:noFill/>
+                  </a:ln>
+                </p:spPr>
+                <p:style>
+                  <a:lnRef idx="2">
+                    <a:schemeClr val="accent1">
+                      <a:shade val="50000"/>
+                    </a:schemeClr>
+                  </a:lnRef>
+                  <a:fillRef idx="1">
+                    <a:schemeClr val="accent1"/>
+                  </a:fillRef>
+                  <a:effectRef idx="0">
+                    <a:schemeClr val="accent1"/>
+                  </a:effectRef>
+                  <a:fontRef idx="minor">
+                    <a:schemeClr val="lt1"/>
+                  </a:fontRef>
+                </p:style>
+                <p:txBody>
+                  <a:bodyPr rtlCol="0" anchor="ctr"/>
+                  <a:lstStyle/>
+                  <a:p>
+                    <a:pPr algn="ctr"/>
+                    <a:r>
+                      <a:rPr lang="en-NL" sz="1100" dirty="0">
+                        <a:solidFill>
+                          <a:schemeClr val="tx1"/>
+                        </a:solidFill>
+                      </a:rPr>
+                      <a:t>10 bit</a:t>
+                    </a:r>
+                  </a:p>
+                </p:txBody>
+              </p:sp>
+              <p:sp>
+                <p:nvSpPr>
+                  <p:cNvPr id="218" name="Rectangle 217">
+                    <a:extLst>
+                      <a:ext uri="{FF2B5EF4-FFF2-40B4-BE49-F238E27FC236}">
+                        <a16:creationId xmlns:a16="http://schemas.microsoft.com/office/drawing/2014/main" id="{F7AC8491-F841-4A33-8813-AB51AEE9B8CF}"/>
+                      </a:ext>
+                    </a:extLst>
+                  </p:cNvPr>
+                  <p:cNvSpPr/>
+                  <p:nvPr/>
+                </p:nvSpPr>
+                <p:spPr>
+                  <a:xfrm>
+                    <a:off x="9309955" y="2730853"/>
+                    <a:ext cx="652991" cy="241270"/>
+                  </a:xfrm>
+                  <a:prstGeom prst="rect">
+                    <a:avLst/>
+                  </a:prstGeom>
+                  <a:noFill/>
+                  <a:ln>
+                    <a:noFill/>
+                  </a:ln>
+                </p:spPr>
+                <p:style>
+                  <a:lnRef idx="2">
+                    <a:schemeClr val="accent1">
+                      <a:shade val="50000"/>
+                    </a:schemeClr>
+                  </a:lnRef>
+                  <a:fillRef idx="1">
+                    <a:schemeClr val="accent1"/>
+                  </a:fillRef>
+                  <a:effectRef idx="0">
+                    <a:schemeClr val="accent1"/>
+                  </a:effectRef>
+                  <a:fontRef idx="minor">
+                    <a:schemeClr val="lt1"/>
+                  </a:fontRef>
+                </p:style>
+                <p:txBody>
+                  <a:bodyPr rtlCol="0" anchor="ctr"/>
+                  <a:lstStyle/>
+                  <a:p>
+                    <a:pPr algn="ctr"/>
+                    <a:r>
+                      <a:rPr lang="en-NL" sz="1100" dirty="0">
+                        <a:solidFill>
+                          <a:schemeClr val="tx1"/>
+                        </a:solidFill>
+                      </a:rPr>
+                      <a:t>1024</a:t>
+                    </a:r>
+                  </a:p>
+                </p:txBody>
+              </p:sp>
+              <p:pic>
+                <p:nvPicPr>
+                  <p:cNvPr id="222" name="Picture 221">
+                    <a:extLst>
+                      <a:ext uri="{FF2B5EF4-FFF2-40B4-BE49-F238E27FC236}">
+                        <a16:creationId xmlns:a16="http://schemas.microsoft.com/office/drawing/2014/main" id="{7878B506-B4F8-E147-8FFE-84D3C7C1466C}"/>
+                      </a:ext>
+                    </a:extLst>
+                  </p:cNvPr>
+                  <p:cNvPicPr>
+                    <a:picLocks noChangeAspect="1"/>
+                  </p:cNvPicPr>
+                  <p:nvPr/>
+                </p:nvPicPr>
+                <p:blipFill>
+                  <a:blip r:embed="rId2">
+                    <a:extLst>
+                      <a:ext uri="{28A0092B-C50C-407E-A947-70E740481C1C}">
+                        <a14:useLocalDpi xmlns:a14="http://schemas.microsoft.com/office/drawing/2010/main" val="0"/>
+                      </a:ext>
+                    </a:extLst>
+                  </a:blip>
+                  <a:stretch>
+                    <a:fillRect/>
+                  </a:stretch>
+                </p:blipFill>
+                <p:spPr>
+                  <a:xfrm>
+                    <a:off x="5068685" y="2730853"/>
+                    <a:ext cx="4241270" cy="241270"/>
+                  </a:xfrm>
+                  <a:prstGeom prst="rect">
+                    <a:avLst/>
+                  </a:prstGeom>
+                </p:spPr>
+              </p:pic>
+            </p:grpSp>
+            <p:grpSp>
+              <p:nvGrpSpPr>
+                <p:cNvPr id="238" name="Group 237">
                   <a:extLst>
-                    <a:ext uri="{9D8B030D-6E8A-4147-A177-3AD203B41FA5}">
-                      <a16:colId xmlns:a16="http://schemas.microsoft.com/office/drawing/2014/main" val="3398607546"/>
+                    <a:ext uri="{FF2B5EF4-FFF2-40B4-BE49-F238E27FC236}">
+                      <a16:creationId xmlns:a16="http://schemas.microsoft.com/office/drawing/2014/main" id="{78103BCA-08D9-9E48-A007-2DA3E08C0500}"/>
                     </a:ext>
                   </a:extLst>
-                </a:gridCol>
-                <a:gridCol w="892098">
+                </p:cNvPr>
+                <p:cNvGrpSpPr/>
+                <p:nvPr/>
+              </p:nvGrpSpPr>
+              <p:grpSpPr>
+                <a:xfrm>
+                  <a:off x="4562987" y="3328509"/>
+                  <a:ext cx="5548852" cy="244131"/>
+                  <a:chOff x="4564844" y="2945496"/>
+                  <a:chExt cx="5548852" cy="244131"/>
+                </a:xfrm>
+              </p:grpSpPr>
+              <p:sp>
+                <p:nvSpPr>
+                  <p:cNvPr id="224" name="Rectangle 223">
+                    <a:extLst>
+                      <a:ext uri="{FF2B5EF4-FFF2-40B4-BE49-F238E27FC236}">
+                        <a16:creationId xmlns:a16="http://schemas.microsoft.com/office/drawing/2014/main" id="{A0E8C1DD-9B0B-CA8E-EE79-4CB651C60906}"/>
+                      </a:ext>
+                    </a:extLst>
+                  </p:cNvPr>
+                  <p:cNvSpPr/>
+                  <p:nvPr/>
+                </p:nvSpPr>
+                <p:spPr>
+                  <a:xfrm>
+                    <a:off x="4564844" y="2948357"/>
+                    <a:ext cx="652991" cy="241270"/>
+                  </a:xfrm>
+                  <a:prstGeom prst="rect">
+                    <a:avLst/>
+                  </a:prstGeom>
+                  <a:noFill/>
+                  <a:ln>
+                    <a:noFill/>
+                  </a:ln>
+                </p:spPr>
+                <p:style>
+                  <a:lnRef idx="2">
+                    <a:schemeClr val="accent1">
+                      <a:shade val="50000"/>
+                    </a:schemeClr>
+                  </a:lnRef>
+                  <a:fillRef idx="1">
+                    <a:schemeClr val="accent1"/>
+                  </a:fillRef>
+                  <a:effectRef idx="0">
+                    <a:schemeClr val="accent1"/>
+                  </a:effectRef>
+                  <a:fontRef idx="minor">
+                    <a:schemeClr val="lt1"/>
+                  </a:fontRef>
+                </p:style>
+                <p:txBody>
+                  <a:bodyPr rtlCol="0" anchor="ctr"/>
+                  <a:lstStyle/>
+                  <a:p>
+                    <a:pPr algn="ctr"/>
+                    <a:r>
+                      <a:rPr lang="en-NL" sz="1100" dirty="0">
+                        <a:solidFill>
+                          <a:schemeClr val="tx1"/>
+                        </a:solidFill>
+                      </a:rPr>
+                      <a:t>8 bit</a:t>
+                    </a:r>
+                  </a:p>
+                </p:txBody>
+              </p:sp>
+              <p:sp>
+                <p:nvSpPr>
+                  <p:cNvPr id="235" name="Rectangle 234">
+                    <a:extLst>
+                      <a:ext uri="{FF2B5EF4-FFF2-40B4-BE49-F238E27FC236}">
+                        <a16:creationId xmlns:a16="http://schemas.microsoft.com/office/drawing/2014/main" id="{ACD1556B-F662-7B5B-D72C-50F4037D51EA}"/>
+                      </a:ext>
+                    </a:extLst>
+                  </p:cNvPr>
+                  <p:cNvSpPr/>
+                  <p:nvPr/>
+                </p:nvSpPr>
+                <p:spPr>
+                  <a:xfrm>
+                    <a:off x="9460705" y="2945496"/>
+                    <a:ext cx="652991" cy="241270"/>
+                  </a:xfrm>
+                  <a:prstGeom prst="rect">
+                    <a:avLst/>
+                  </a:prstGeom>
+                  <a:noFill/>
+                  <a:ln>
+                    <a:noFill/>
+                  </a:ln>
+                </p:spPr>
+                <p:style>
+                  <a:lnRef idx="2">
+                    <a:schemeClr val="accent1">
+                      <a:shade val="50000"/>
+                    </a:schemeClr>
+                  </a:lnRef>
+                  <a:fillRef idx="1">
+                    <a:schemeClr val="accent1"/>
+                  </a:fillRef>
+                  <a:effectRef idx="0">
+                    <a:schemeClr val="accent1"/>
+                  </a:effectRef>
+                  <a:fontRef idx="minor">
+                    <a:schemeClr val="lt1"/>
+                  </a:fontRef>
+                </p:style>
+                <p:txBody>
+                  <a:bodyPr rtlCol="0" anchor="ctr"/>
+                  <a:lstStyle/>
+                  <a:p>
+                    <a:pPr algn="ctr"/>
+                    <a:r>
+                      <a:rPr lang="en-NL" sz="1100" dirty="0">
+                        <a:solidFill>
+                          <a:schemeClr val="tx1"/>
+                        </a:solidFill>
+                      </a:rPr>
+                      <a:t>256</a:t>
+                    </a:r>
+                  </a:p>
+                </p:txBody>
+              </p:sp>
+              <p:pic>
+                <p:nvPicPr>
+                  <p:cNvPr id="237" name="Picture 236">
+                    <a:extLst>
+                      <a:ext uri="{FF2B5EF4-FFF2-40B4-BE49-F238E27FC236}">
+                        <a16:creationId xmlns:a16="http://schemas.microsoft.com/office/drawing/2014/main" id="{BD548E35-A468-D543-0F34-AEDA7BF36683}"/>
+                      </a:ext>
+                    </a:extLst>
+                  </p:cNvPr>
+                  <p:cNvPicPr>
+                    <a:picLocks noChangeAspect="1"/>
+                  </p:cNvPicPr>
+                  <p:nvPr/>
+                </p:nvPicPr>
+                <p:blipFill>
+                  <a:blip r:embed="rId3">
+                    <a:extLst>
+                      <a:ext uri="{28A0092B-C50C-407E-A947-70E740481C1C}">
+                        <a14:useLocalDpi xmlns:a14="http://schemas.microsoft.com/office/drawing/2010/main" val="0"/>
+                      </a:ext>
+                    </a:extLst>
+                  </a:blip>
+                  <a:stretch>
+                    <a:fillRect/>
+                  </a:stretch>
+                </p:blipFill>
+                <p:spPr>
+                  <a:xfrm>
+                    <a:off x="5219435" y="2948357"/>
+                    <a:ext cx="4241270" cy="241270"/>
+                  </a:xfrm>
+                  <a:prstGeom prst="rect">
+                    <a:avLst/>
+                  </a:prstGeom>
+                </p:spPr>
+              </p:pic>
+            </p:grpSp>
+            <p:grpSp>
+              <p:nvGrpSpPr>
+                <p:cNvPr id="241" name="Group 240">
                   <a:extLst>
-                    <a:ext uri="{9D8B030D-6E8A-4147-A177-3AD203B41FA5}">
-                      <a16:colId xmlns:a16="http://schemas.microsoft.com/office/drawing/2014/main" val="1958000127"/>
+                    <a:ext uri="{FF2B5EF4-FFF2-40B4-BE49-F238E27FC236}">
+                      <a16:creationId xmlns:a16="http://schemas.microsoft.com/office/drawing/2014/main" id="{B63DA73C-2BA7-B1F5-3DB1-86AEDC05CE6E}"/>
                     </a:ext>
                   </a:extLst>
-                </a:gridCol>
-                <a:gridCol w="1661531">
+                </p:cNvPr>
+                <p:cNvGrpSpPr/>
+                <p:nvPr/>
+              </p:nvGrpSpPr>
+              <p:grpSpPr>
+                <a:xfrm>
+                  <a:off x="4567750" y="2969263"/>
+                  <a:ext cx="5539326" cy="241270"/>
+                  <a:chOff x="3212029" y="4453340"/>
+                  <a:chExt cx="5539326" cy="241270"/>
+                </a:xfrm>
+              </p:grpSpPr>
+              <p:sp>
+                <p:nvSpPr>
+                  <p:cNvPr id="226" name="Rectangle 225">
+                    <a:extLst>
+                      <a:ext uri="{FF2B5EF4-FFF2-40B4-BE49-F238E27FC236}">
+                        <a16:creationId xmlns:a16="http://schemas.microsoft.com/office/drawing/2014/main" id="{04F9FA51-75BB-F9AC-97E5-F2AB977E4862}"/>
+                      </a:ext>
+                    </a:extLst>
+                  </p:cNvPr>
+                  <p:cNvSpPr/>
+                  <p:nvPr/>
+                </p:nvSpPr>
+                <p:spPr>
+                  <a:xfrm>
+                    <a:off x="3212029" y="4453340"/>
+                    <a:ext cx="652991" cy="241270"/>
+                  </a:xfrm>
+                  <a:prstGeom prst="rect">
+                    <a:avLst/>
+                  </a:prstGeom>
+                  <a:noFill/>
+                  <a:ln>
+                    <a:noFill/>
+                  </a:ln>
+                </p:spPr>
+                <p:style>
+                  <a:lnRef idx="2">
+                    <a:schemeClr val="accent1">
+                      <a:shade val="50000"/>
+                    </a:schemeClr>
+                  </a:lnRef>
+                  <a:fillRef idx="1">
+                    <a:schemeClr val="accent1"/>
+                  </a:fillRef>
+                  <a:effectRef idx="0">
+                    <a:schemeClr val="accent1"/>
+                  </a:effectRef>
+                  <a:fontRef idx="minor">
+                    <a:schemeClr val="lt1"/>
+                  </a:fontRef>
+                </p:style>
+                <p:txBody>
+                  <a:bodyPr rtlCol="0" anchor="ctr"/>
+                  <a:lstStyle/>
+                  <a:p>
+                    <a:pPr algn="ctr"/>
+                    <a:r>
+                      <a:rPr lang="en-NL" sz="1100" dirty="0">
+                        <a:solidFill>
+                          <a:schemeClr val="tx1"/>
+                        </a:solidFill>
+                      </a:rPr>
+                      <a:t>7 bit</a:t>
+                    </a:r>
+                  </a:p>
+                </p:txBody>
+              </p:sp>
+              <p:sp>
+                <p:nvSpPr>
+                  <p:cNvPr id="231" name="Rectangle 230">
+                    <a:extLst>
+                      <a:ext uri="{FF2B5EF4-FFF2-40B4-BE49-F238E27FC236}">
+                        <a16:creationId xmlns:a16="http://schemas.microsoft.com/office/drawing/2014/main" id="{146726BA-3D98-5AAB-9C41-E20C3370EB79}"/>
+                      </a:ext>
+                    </a:extLst>
+                  </p:cNvPr>
+                  <p:cNvSpPr/>
+                  <p:nvPr/>
+                </p:nvSpPr>
+                <p:spPr>
+                  <a:xfrm>
+                    <a:off x="8098364" y="4453340"/>
+                    <a:ext cx="652991" cy="241270"/>
+                  </a:xfrm>
+                  <a:prstGeom prst="rect">
+                    <a:avLst/>
+                  </a:prstGeom>
+                  <a:noFill/>
+                  <a:ln>
+                    <a:noFill/>
+                  </a:ln>
+                </p:spPr>
+                <p:style>
+                  <a:lnRef idx="2">
+                    <a:schemeClr val="accent1">
+                      <a:shade val="50000"/>
+                    </a:schemeClr>
+                  </a:lnRef>
+                  <a:fillRef idx="1">
+                    <a:schemeClr val="accent1"/>
+                  </a:fillRef>
+                  <a:effectRef idx="0">
+                    <a:schemeClr val="accent1"/>
+                  </a:effectRef>
+                  <a:fontRef idx="minor">
+                    <a:schemeClr val="lt1"/>
+                  </a:fontRef>
+                </p:style>
+                <p:txBody>
+                  <a:bodyPr rtlCol="0" anchor="ctr"/>
+                  <a:lstStyle/>
+                  <a:p>
+                    <a:pPr algn="ctr"/>
+                    <a:r>
+                      <a:rPr lang="en-NL" sz="1100" dirty="0">
+                        <a:solidFill>
+                          <a:schemeClr val="tx1"/>
+                        </a:solidFill>
+                      </a:rPr>
+                      <a:t>128</a:t>
+                    </a:r>
+                  </a:p>
+                </p:txBody>
+              </p:sp>
+              <p:pic>
+                <p:nvPicPr>
+                  <p:cNvPr id="240" name="Picture 239">
+                    <a:extLst>
+                      <a:ext uri="{FF2B5EF4-FFF2-40B4-BE49-F238E27FC236}">
+                        <a16:creationId xmlns:a16="http://schemas.microsoft.com/office/drawing/2014/main" id="{7AD24F4C-46FE-962B-A3D7-890A009B293E}"/>
+                      </a:ext>
+                    </a:extLst>
+                  </p:cNvPr>
+                  <p:cNvPicPr>
+                    <a:picLocks noChangeAspect="1"/>
+                  </p:cNvPicPr>
+                  <p:nvPr/>
+                </p:nvPicPr>
+                <p:blipFill>
+                  <a:blip r:embed="rId4">
+                    <a:extLst>
+                      <a:ext uri="{28A0092B-C50C-407E-A947-70E740481C1C}">
+                        <a14:useLocalDpi xmlns:a14="http://schemas.microsoft.com/office/drawing/2010/main" val="0"/>
+                      </a:ext>
+                    </a:extLst>
+                  </a:blip>
+                  <a:stretch>
+                    <a:fillRect/>
+                  </a:stretch>
+                </p:blipFill>
+                <p:spPr>
+                  <a:xfrm>
+                    <a:off x="3867944" y="4453340"/>
+                    <a:ext cx="4241270" cy="241270"/>
+                  </a:xfrm>
+                  <a:prstGeom prst="rect">
+                    <a:avLst/>
+                  </a:prstGeom>
+                </p:spPr>
+              </p:pic>
+            </p:grpSp>
+            <p:grpSp>
+              <p:nvGrpSpPr>
+                <p:cNvPr id="244" name="Group 243">
                   <a:extLst>
-                    <a:ext uri="{9D8B030D-6E8A-4147-A177-3AD203B41FA5}">
-                      <a16:colId xmlns:a16="http://schemas.microsoft.com/office/drawing/2014/main" val="1179522290"/>
+                    <a:ext uri="{FF2B5EF4-FFF2-40B4-BE49-F238E27FC236}">
+                      <a16:creationId xmlns:a16="http://schemas.microsoft.com/office/drawing/2014/main" id="{395F252E-2289-E38B-AD65-EBEC4F1DB91F}"/>
                     </a:ext>
                   </a:extLst>
-                </a:gridCol>
-              </a:tblGrid>
-              <a:tr h="370840">
-                <a:tc>
-                  <a:txBody>
-                    <a:bodyPr/>
-                    <a:lstStyle/>
-                    <a:p>
-                      <a:pPr algn="ctr"/>
-                      <a:r>
-                        <a:rPr lang="en-US" altLang="zh-CN" dirty="0"/>
-                        <a:t>Sample</a:t>
-                      </a:r>
-                      <a:endParaRPr lang="en-NL" dirty="0"/>
-                    </a:p>
-                  </a:txBody>
-                  <a:tcPr anchor="ctr"/>
-                </a:tc>
-                <a:tc>
-                  <a:txBody>
-                    <a:bodyPr/>
-                    <a:lstStyle/>
-                    <a:p>
-                      <a:pPr algn="ctr"/>
-                      <a:r>
-                        <a:rPr lang="en-US" dirty="0"/>
-                        <a:t>x1</a:t>
-                      </a:r>
-                      <a:endParaRPr lang="en-NL" dirty="0"/>
-                    </a:p>
-                  </a:txBody>
-                  <a:tcPr anchor="ctr"/>
-                </a:tc>
-                <a:tc>
-                  <a:txBody>
-                    <a:bodyPr/>
-                    <a:lstStyle/>
-                    <a:p>
-                      <a:pPr algn="ctr"/>
-                      <a:r>
-                        <a:rPr lang="en-US" dirty="0"/>
-                        <a:t>x2</a:t>
-                      </a:r>
-                      <a:endParaRPr lang="en-NL" dirty="0"/>
-                    </a:p>
-                  </a:txBody>
-                  <a:tcPr anchor="ctr"/>
-                </a:tc>
-                <a:tc>
-                  <a:txBody>
-                    <a:bodyPr/>
-                    <a:lstStyle/>
-                    <a:p>
-                      <a:pPr algn="ctr"/>
-                      <a:r>
-                        <a:rPr lang="en-US" dirty="0"/>
-                        <a:t>Target(label)</a:t>
-                      </a:r>
-                      <a:endParaRPr lang="en-NL" dirty="0"/>
-                    </a:p>
-                  </a:txBody>
-                  <a:tcPr anchor="ctr"/>
-                </a:tc>
+                </p:cNvPr>
+                <p:cNvGrpSpPr/>
+                <p:nvPr/>
+              </p:nvGrpSpPr>
+              <p:grpSpPr>
+                <a:xfrm>
+                  <a:off x="4566037" y="2595006"/>
+                  <a:ext cx="5542752" cy="256281"/>
+                  <a:chOff x="4558518" y="2468598"/>
+                  <a:chExt cx="5542752" cy="256281"/>
+                </a:xfrm>
+              </p:grpSpPr>
+              <p:sp>
+                <p:nvSpPr>
+                  <p:cNvPr id="227" name="Rectangle 226">
+                    <a:extLst>
+                      <a:ext uri="{FF2B5EF4-FFF2-40B4-BE49-F238E27FC236}">
+                        <a16:creationId xmlns:a16="http://schemas.microsoft.com/office/drawing/2014/main" id="{AAFD9933-9F34-6D5A-7E6D-DD37F722767C}"/>
+                      </a:ext>
+                    </a:extLst>
+                  </p:cNvPr>
+                  <p:cNvSpPr/>
+                  <p:nvPr/>
+                </p:nvSpPr>
+                <p:spPr>
+                  <a:xfrm>
+                    <a:off x="4558518" y="2483609"/>
+                    <a:ext cx="652991" cy="241270"/>
+                  </a:xfrm>
+                  <a:prstGeom prst="rect">
+                    <a:avLst/>
+                  </a:prstGeom>
+                  <a:noFill/>
+                  <a:ln>
+                    <a:noFill/>
+                  </a:ln>
+                </p:spPr>
+                <p:style>
+                  <a:lnRef idx="2">
+                    <a:schemeClr val="accent1">
+                      <a:shade val="50000"/>
+                    </a:schemeClr>
+                  </a:lnRef>
+                  <a:fillRef idx="1">
+                    <a:schemeClr val="accent1"/>
+                  </a:fillRef>
+                  <a:effectRef idx="0">
+                    <a:schemeClr val="accent1"/>
+                  </a:effectRef>
+                  <a:fontRef idx="minor">
+                    <a:schemeClr val="lt1"/>
+                  </a:fontRef>
+                </p:style>
+                <p:txBody>
+                  <a:bodyPr rtlCol="0" anchor="ctr"/>
+                  <a:lstStyle/>
+                  <a:p>
+                    <a:pPr algn="ctr"/>
+                    <a:r>
+                      <a:rPr lang="en-NL" sz="1100" dirty="0">
+                        <a:solidFill>
+                          <a:schemeClr val="tx1"/>
+                        </a:solidFill>
+                      </a:rPr>
+                      <a:t>6 bit</a:t>
+                    </a:r>
+                  </a:p>
+                </p:txBody>
+              </p:sp>
+              <p:sp>
+                <p:nvSpPr>
+                  <p:cNvPr id="232" name="Rectangle 231">
+                    <a:extLst>
+                      <a:ext uri="{FF2B5EF4-FFF2-40B4-BE49-F238E27FC236}">
+                        <a16:creationId xmlns:a16="http://schemas.microsoft.com/office/drawing/2014/main" id="{22C93B71-DC2A-5FED-8FDD-6F371F886BCF}"/>
+                      </a:ext>
+                    </a:extLst>
+                  </p:cNvPr>
+                  <p:cNvSpPr/>
+                  <p:nvPr/>
+                </p:nvSpPr>
+                <p:spPr>
+                  <a:xfrm>
+                    <a:off x="9448279" y="2468598"/>
+                    <a:ext cx="652991" cy="241270"/>
+                  </a:xfrm>
+                  <a:prstGeom prst="rect">
+                    <a:avLst/>
+                  </a:prstGeom>
+                  <a:noFill/>
+                  <a:ln>
+                    <a:noFill/>
+                  </a:ln>
+                </p:spPr>
+                <p:style>
+                  <a:lnRef idx="2">
+                    <a:schemeClr val="accent1">
+                      <a:shade val="50000"/>
+                    </a:schemeClr>
+                  </a:lnRef>
+                  <a:fillRef idx="1">
+                    <a:schemeClr val="accent1"/>
+                  </a:fillRef>
+                  <a:effectRef idx="0">
+                    <a:schemeClr val="accent1"/>
+                  </a:effectRef>
+                  <a:fontRef idx="minor">
+                    <a:schemeClr val="lt1"/>
+                  </a:fontRef>
+                </p:style>
+                <p:txBody>
+                  <a:bodyPr rtlCol="0" anchor="ctr"/>
+                  <a:lstStyle/>
+                  <a:p>
+                    <a:pPr algn="ctr"/>
+                    <a:r>
+                      <a:rPr lang="en-NL" sz="1100" dirty="0">
+                        <a:solidFill>
+                          <a:schemeClr val="tx1"/>
+                        </a:solidFill>
+                      </a:rPr>
+                      <a:t>64</a:t>
+                    </a:r>
+                  </a:p>
+                </p:txBody>
+              </p:sp>
+              <p:pic>
+                <p:nvPicPr>
+                  <p:cNvPr id="243" name="Picture 242">
+                    <a:extLst>
+                      <a:ext uri="{FF2B5EF4-FFF2-40B4-BE49-F238E27FC236}">
+                        <a16:creationId xmlns:a16="http://schemas.microsoft.com/office/drawing/2014/main" id="{251D446C-CC65-0E89-7AA2-A2EC1A8A171F}"/>
+                      </a:ext>
+                    </a:extLst>
+                  </p:cNvPr>
+                  <p:cNvPicPr>
+                    <a:picLocks noChangeAspect="1"/>
+                  </p:cNvPicPr>
+                  <p:nvPr/>
+                </p:nvPicPr>
+                <p:blipFill>
+                  <a:blip r:embed="rId5">
+                    <a:extLst>
+                      <a:ext uri="{28A0092B-C50C-407E-A947-70E740481C1C}">
+                        <a14:useLocalDpi xmlns:a14="http://schemas.microsoft.com/office/drawing/2010/main" val="0"/>
+                      </a:ext>
+                    </a:extLst>
+                  </a:blip>
+                  <a:stretch>
+                    <a:fillRect/>
+                  </a:stretch>
+                </p:blipFill>
+                <p:spPr>
+                  <a:xfrm>
+                    <a:off x="5211509" y="2483609"/>
+                    <a:ext cx="4241270" cy="241270"/>
+                  </a:xfrm>
+                  <a:prstGeom prst="rect">
+                    <a:avLst/>
+                  </a:prstGeom>
+                </p:spPr>
+              </p:pic>
+            </p:grpSp>
+            <p:grpSp>
+              <p:nvGrpSpPr>
+                <p:cNvPr id="247" name="Group 246">
+                  <a:extLst>
+                    <a:ext uri="{FF2B5EF4-FFF2-40B4-BE49-F238E27FC236}">
+                      <a16:creationId xmlns:a16="http://schemas.microsoft.com/office/drawing/2014/main" id="{A3813C95-1923-FA71-4485-6B64DEB9B527}"/>
+                    </a:ext>
+                  </a:extLst>
+                </p:cNvPr>
+                <p:cNvGrpSpPr/>
+                <p:nvPr/>
+              </p:nvGrpSpPr>
+              <p:grpSpPr>
+                <a:xfrm>
+                  <a:off x="4562481" y="2230451"/>
+                  <a:ext cx="5549864" cy="246579"/>
+                  <a:chOff x="4271734" y="2005544"/>
+                  <a:chExt cx="5549864" cy="246579"/>
+                </a:xfrm>
+              </p:grpSpPr>
+              <p:sp>
+                <p:nvSpPr>
+                  <p:cNvPr id="228" name="Rectangle 227">
+                    <a:extLst>
+                      <a:ext uri="{FF2B5EF4-FFF2-40B4-BE49-F238E27FC236}">
+                        <a16:creationId xmlns:a16="http://schemas.microsoft.com/office/drawing/2014/main" id="{BBE653F2-3DCB-C795-CB92-017A0DDC77FB}"/>
+                      </a:ext>
+                    </a:extLst>
+                  </p:cNvPr>
+                  <p:cNvSpPr/>
+                  <p:nvPr/>
+                </p:nvSpPr>
+                <p:spPr>
+                  <a:xfrm>
+                    <a:off x="4271734" y="2005544"/>
+                    <a:ext cx="652991" cy="241270"/>
+                  </a:xfrm>
+                  <a:prstGeom prst="rect">
+                    <a:avLst/>
+                  </a:prstGeom>
+                  <a:noFill/>
+                  <a:ln>
+                    <a:noFill/>
+                  </a:ln>
+                </p:spPr>
+                <p:style>
+                  <a:lnRef idx="2">
+                    <a:schemeClr val="accent1">
+                      <a:shade val="50000"/>
+                    </a:schemeClr>
+                  </a:lnRef>
+                  <a:fillRef idx="1">
+                    <a:schemeClr val="accent1"/>
+                  </a:fillRef>
+                  <a:effectRef idx="0">
+                    <a:schemeClr val="accent1"/>
+                  </a:effectRef>
+                  <a:fontRef idx="minor">
+                    <a:schemeClr val="lt1"/>
+                  </a:fontRef>
+                </p:style>
+                <p:txBody>
+                  <a:bodyPr rtlCol="0" anchor="ctr"/>
+                  <a:lstStyle/>
+                  <a:p>
+                    <a:pPr algn="ctr"/>
+                    <a:r>
+                      <a:rPr lang="en-NL" sz="1100" dirty="0">
+                        <a:solidFill>
+                          <a:schemeClr val="tx1"/>
+                        </a:solidFill>
+                      </a:rPr>
+                      <a:t>4 bit</a:t>
+                    </a:r>
+                  </a:p>
+                </p:txBody>
+              </p:sp>
+              <p:sp>
+                <p:nvSpPr>
+                  <p:cNvPr id="233" name="Rectangle 232">
+                    <a:extLst>
+                      <a:ext uri="{FF2B5EF4-FFF2-40B4-BE49-F238E27FC236}">
+                        <a16:creationId xmlns:a16="http://schemas.microsoft.com/office/drawing/2014/main" id="{188BA0A6-342C-A5AA-A90F-C232E1371CBC}"/>
+                      </a:ext>
+                    </a:extLst>
+                  </p:cNvPr>
+                  <p:cNvSpPr/>
+                  <p:nvPr/>
+                </p:nvSpPr>
+                <p:spPr>
+                  <a:xfrm>
+                    <a:off x="9168607" y="2010853"/>
+                    <a:ext cx="652991" cy="241270"/>
+                  </a:xfrm>
+                  <a:prstGeom prst="rect">
+                    <a:avLst/>
+                  </a:prstGeom>
+                  <a:noFill/>
+                  <a:ln>
+                    <a:noFill/>
+                  </a:ln>
+                </p:spPr>
+                <p:style>
+                  <a:lnRef idx="2">
+                    <a:schemeClr val="accent1">
+                      <a:shade val="50000"/>
+                    </a:schemeClr>
+                  </a:lnRef>
+                  <a:fillRef idx="1">
+                    <a:schemeClr val="accent1"/>
+                  </a:fillRef>
+                  <a:effectRef idx="0">
+                    <a:schemeClr val="accent1"/>
+                  </a:effectRef>
+                  <a:fontRef idx="minor">
+                    <a:schemeClr val="lt1"/>
+                  </a:fontRef>
+                </p:style>
+                <p:txBody>
+                  <a:bodyPr rtlCol="0" anchor="ctr"/>
+                  <a:lstStyle/>
+                  <a:p>
+                    <a:pPr algn="ctr"/>
+                    <a:r>
+                      <a:rPr lang="en-NL" sz="1100" dirty="0">
+                        <a:solidFill>
+                          <a:schemeClr val="tx1"/>
+                        </a:solidFill>
+                      </a:rPr>
+                      <a:t>16</a:t>
+                    </a:r>
+                  </a:p>
+                </p:txBody>
+              </p:sp>
+              <p:pic>
+                <p:nvPicPr>
+                  <p:cNvPr id="246" name="Picture 245">
+                    <a:extLst>
+                      <a:ext uri="{FF2B5EF4-FFF2-40B4-BE49-F238E27FC236}">
+                        <a16:creationId xmlns:a16="http://schemas.microsoft.com/office/drawing/2014/main" id="{CBAC8405-A3F2-33B4-AC91-F90B5115BD61}"/>
+                      </a:ext>
+                    </a:extLst>
+                  </p:cNvPr>
+                  <p:cNvPicPr>
+                    <a:picLocks noChangeAspect="1"/>
+                  </p:cNvPicPr>
+                  <p:nvPr/>
+                </p:nvPicPr>
+                <p:blipFill>
+                  <a:blip r:embed="rId6">
+                    <a:extLst>
+                      <a:ext uri="{28A0092B-C50C-407E-A947-70E740481C1C}">
+                        <a14:useLocalDpi xmlns:a14="http://schemas.microsoft.com/office/drawing/2010/main" val="0"/>
+                      </a:ext>
+                    </a:extLst>
+                  </a:blip>
+                  <a:stretch>
+                    <a:fillRect/>
+                  </a:stretch>
+                </p:blipFill>
+                <p:spPr>
+                  <a:xfrm>
+                    <a:off x="4927337" y="2010853"/>
+                    <a:ext cx="4241270" cy="241270"/>
+                  </a:xfrm>
+                  <a:prstGeom prst="rect">
+                    <a:avLst/>
+                  </a:prstGeom>
+                </p:spPr>
+              </p:pic>
+            </p:grpSp>
+            <p:grpSp>
+              <p:nvGrpSpPr>
+                <p:cNvPr id="250" name="Group 249">
+                  <a:extLst>
+                    <a:ext uri="{FF2B5EF4-FFF2-40B4-BE49-F238E27FC236}">
+                      <a16:creationId xmlns:a16="http://schemas.microsoft.com/office/drawing/2014/main" id="{30AF0D7E-ED28-D13C-29F2-17479ED01BAF}"/>
+                    </a:ext>
+                  </a:extLst>
+                </p:cNvPr>
+                <p:cNvGrpSpPr/>
+                <p:nvPr/>
+              </p:nvGrpSpPr>
+              <p:grpSpPr>
+                <a:xfrm>
+                  <a:off x="4567750" y="1870006"/>
+                  <a:ext cx="5539326" cy="242469"/>
+                  <a:chOff x="4566444" y="1790275"/>
+                  <a:chExt cx="5539326" cy="242469"/>
+                </a:xfrm>
+              </p:grpSpPr>
+              <p:sp>
+                <p:nvSpPr>
+                  <p:cNvPr id="229" name="Rectangle 228">
+                    <a:extLst>
+                      <a:ext uri="{FF2B5EF4-FFF2-40B4-BE49-F238E27FC236}">
+                        <a16:creationId xmlns:a16="http://schemas.microsoft.com/office/drawing/2014/main" id="{229852D2-1C62-A524-E298-589C8B46224B}"/>
+                      </a:ext>
+                    </a:extLst>
+                  </p:cNvPr>
+                  <p:cNvSpPr/>
+                  <p:nvPr/>
+                </p:nvSpPr>
+                <p:spPr>
+                  <a:xfrm>
+                    <a:off x="4566444" y="1790275"/>
+                    <a:ext cx="652991" cy="241270"/>
+                  </a:xfrm>
+                  <a:prstGeom prst="rect">
+                    <a:avLst/>
+                  </a:prstGeom>
+                  <a:noFill/>
+                  <a:ln>
+                    <a:noFill/>
+                  </a:ln>
+                </p:spPr>
+                <p:style>
+                  <a:lnRef idx="2">
+                    <a:schemeClr val="accent1">
+                      <a:shade val="50000"/>
+                    </a:schemeClr>
+                  </a:lnRef>
+                  <a:fillRef idx="1">
+                    <a:schemeClr val="accent1"/>
+                  </a:fillRef>
+                  <a:effectRef idx="0">
+                    <a:schemeClr val="accent1"/>
+                  </a:effectRef>
+                  <a:fontRef idx="minor">
+                    <a:schemeClr val="lt1"/>
+                  </a:fontRef>
+                </p:style>
+                <p:txBody>
+                  <a:bodyPr rtlCol="0" anchor="ctr"/>
+                  <a:lstStyle/>
+                  <a:p>
+                    <a:pPr algn="ctr"/>
+                    <a:r>
+                      <a:rPr lang="en-NL" sz="1100" dirty="0">
+                        <a:solidFill>
+                          <a:schemeClr val="tx1"/>
+                        </a:solidFill>
+                      </a:rPr>
+                      <a:t>2 bit</a:t>
+                    </a:r>
+                  </a:p>
+                </p:txBody>
+              </p:sp>
+              <p:sp>
+                <p:nvSpPr>
+                  <p:cNvPr id="234" name="Rectangle 233">
+                    <a:extLst>
+                      <a:ext uri="{FF2B5EF4-FFF2-40B4-BE49-F238E27FC236}">
+                        <a16:creationId xmlns:a16="http://schemas.microsoft.com/office/drawing/2014/main" id="{DD06B824-B027-2A8F-4D68-BD7532B182D8}"/>
+                      </a:ext>
+                    </a:extLst>
+                  </p:cNvPr>
+                  <p:cNvSpPr/>
+                  <p:nvPr/>
+                </p:nvSpPr>
+                <p:spPr>
+                  <a:xfrm>
+                    <a:off x="9452779" y="1790275"/>
+                    <a:ext cx="652991" cy="241270"/>
+                  </a:xfrm>
+                  <a:prstGeom prst="rect">
+                    <a:avLst/>
+                  </a:prstGeom>
+                  <a:noFill/>
+                  <a:ln>
+                    <a:noFill/>
+                  </a:ln>
+                </p:spPr>
+                <p:style>
+                  <a:lnRef idx="2">
+                    <a:schemeClr val="accent1">
+                      <a:shade val="50000"/>
+                    </a:schemeClr>
+                  </a:lnRef>
+                  <a:fillRef idx="1">
+                    <a:schemeClr val="accent1"/>
+                  </a:fillRef>
+                  <a:effectRef idx="0">
+                    <a:schemeClr val="accent1"/>
+                  </a:effectRef>
+                  <a:fontRef idx="minor">
+                    <a:schemeClr val="lt1"/>
+                  </a:fontRef>
+                </p:style>
+                <p:txBody>
+                  <a:bodyPr rtlCol="0" anchor="ctr"/>
+                  <a:lstStyle/>
+                  <a:p>
+                    <a:pPr algn="ctr"/>
+                    <a:r>
+                      <a:rPr lang="en-NL" sz="1100" dirty="0">
+                        <a:solidFill>
+                          <a:schemeClr val="tx1"/>
+                        </a:solidFill>
+                      </a:rPr>
+                      <a:t>4</a:t>
+                    </a:r>
+                  </a:p>
+                </p:txBody>
+              </p:sp>
+              <p:pic>
+                <p:nvPicPr>
+                  <p:cNvPr id="249" name="Picture 248">
+                    <a:extLst>
+                      <a:ext uri="{FF2B5EF4-FFF2-40B4-BE49-F238E27FC236}">
+                        <a16:creationId xmlns:a16="http://schemas.microsoft.com/office/drawing/2014/main" id="{AD61D809-04EF-519A-5838-221BF9545967}"/>
+                      </a:ext>
+                    </a:extLst>
+                  </p:cNvPr>
+                  <p:cNvPicPr>
+                    <a:picLocks noChangeAspect="1"/>
+                  </p:cNvPicPr>
+                  <p:nvPr/>
+                </p:nvPicPr>
+                <p:blipFill>
+                  <a:blip r:embed="rId7">
+                    <a:extLst>
+                      <a:ext uri="{28A0092B-C50C-407E-A947-70E740481C1C}">
+                        <a14:useLocalDpi xmlns:a14="http://schemas.microsoft.com/office/drawing/2010/main" val="0"/>
+                      </a:ext>
+                    </a:extLst>
+                  </a:blip>
+                  <a:stretch>
+                    <a:fillRect/>
+                  </a:stretch>
+                </p:blipFill>
+                <p:spPr>
+                  <a:xfrm>
+                    <a:off x="5211509" y="1791474"/>
+                    <a:ext cx="4241270" cy="241270"/>
+                  </a:xfrm>
+                  <a:prstGeom prst="rect">
+                    <a:avLst/>
+                  </a:prstGeom>
+                </p:spPr>
+              </p:pic>
+            </p:grpSp>
+            <p:grpSp>
+              <p:nvGrpSpPr>
+                <p:cNvPr id="253" name="Group 252">
+                  <a:extLst>
+                    <a:ext uri="{FF2B5EF4-FFF2-40B4-BE49-F238E27FC236}">
+                      <a16:creationId xmlns:a16="http://schemas.microsoft.com/office/drawing/2014/main" id="{6F5EC341-4914-0C6E-B8FC-874AC511C1AD}"/>
+                    </a:ext>
+                  </a:extLst>
+                </p:cNvPr>
+                <p:cNvGrpSpPr/>
+                <p:nvPr/>
+              </p:nvGrpSpPr>
+              <p:grpSpPr>
+                <a:xfrm>
+                  <a:off x="4563787" y="1505451"/>
+                  <a:ext cx="5547252" cy="246579"/>
+                  <a:chOff x="4466697" y="1448531"/>
+                  <a:chExt cx="5547252" cy="246579"/>
+                </a:xfrm>
+              </p:grpSpPr>
+              <p:sp>
+                <p:nvSpPr>
+                  <p:cNvPr id="225" name="Rectangle 224">
+                    <a:extLst>
+                      <a:ext uri="{FF2B5EF4-FFF2-40B4-BE49-F238E27FC236}">
+                        <a16:creationId xmlns:a16="http://schemas.microsoft.com/office/drawing/2014/main" id="{F022FD93-DC3E-1D19-4AB9-BC9603EC6B36}"/>
+                      </a:ext>
+                    </a:extLst>
+                  </p:cNvPr>
+                  <p:cNvSpPr/>
+                  <p:nvPr/>
+                </p:nvSpPr>
+                <p:spPr>
+                  <a:xfrm>
+                    <a:off x="9360958" y="1448531"/>
+                    <a:ext cx="652991" cy="241270"/>
+                  </a:xfrm>
+                  <a:prstGeom prst="rect">
+                    <a:avLst/>
+                  </a:prstGeom>
+                  <a:noFill/>
+                  <a:ln>
+                    <a:noFill/>
+                  </a:ln>
+                </p:spPr>
+                <p:style>
+                  <a:lnRef idx="2">
+                    <a:schemeClr val="accent1">
+                      <a:shade val="50000"/>
+                    </a:schemeClr>
+                  </a:lnRef>
+                  <a:fillRef idx="1">
+                    <a:schemeClr val="accent1"/>
+                  </a:fillRef>
+                  <a:effectRef idx="0">
+                    <a:schemeClr val="accent1"/>
+                  </a:effectRef>
+                  <a:fontRef idx="minor">
+                    <a:schemeClr val="lt1"/>
+                  </a:fontRef>
+                </p:style>
+                <p:txBody>
+                  <a:bodyPr rtlCol="0" anchor="ctr"/>
+                  <a:lstStyle/>
+                  <a:p>
+                    <a:pPr algn="ctr"/>
+                    <a:r>
+                      <a:rPr lang="en-NL" sz="1100" dirty="0">
+                        <a:solidFill>
+                          <a:schemeClr val="tx1"/>
+                        </a:solidFill>
+                      </a:rPr>
+                      <a:t>2</a:t>
+                    </a:r>
+                  </a:p>
+                </p:txBody>
+              </p:sp>
+              <p:sp>
+                <p:nvSpPr>
+                  <p:cNvPr id="230" name="Rectangle 229">
+                    <a:extLst>
+                      <a:ext uri="{FF2B5EF4-FFF2-40B4-BE49-F238E27FC236}">
+                        <a16:creationId xmlns:a16="http://schemas.microsoft.com/office/drawing/2014/main" id="{19FC565D-975E-CDE8-1850-994A15CA7338}"/>
+                      </a:ext>
+                    </a:extLst>
+                  </p:cNvPr>
+                  <p:cNvSpPr/>
+                  <p:nvPr/>
+                </p:nvSpPr>
+                <p:spPr>
+                  <a:xfrm>
+                    <a:off x="4466697" y="1448531"/>
+                    <a:ext cx="652991" cy="241270"/>
+                  </a:xfrm>
+                  <a:prstGeom prst="rect">
+                    <a:avLst/>
+                  </a:prstGeom>
+                  <a:noFill/>
+                  <a:ln>
+                    <a:noFill/>
+                  </a:ln>
+                </p:spPr>
+                <p:style>
+                  <a:lnRef idx="2">
+                    <a:schemeClr val="accent1">
+                      <a:shade val="50000"/>
+                    </a:schemeClr>
+                  </a:lnRef>
+                  <a:fillRef idx="1">
+                    <a:schemeClr val="accent1"/>
+                  </a:fillRef>
+                  <a:effectRef idx="0">
+                    <a:schemeClr val="accent1"/>
+                  </a:effectRef>
+                  <a:fontRef idx="minor">
+                    <a:schemeClr val="lt1"/>
+                  </a:fontRef>
+                </p:style>
+                <p:txBody>
+                  <a:bodyPr rtlCol="0" anchor="ctr"/>
+                  <a:lstStyle/>
+                  <a:p>
+                    <a:pPr algn="ctr"/>
+                    <a:r>
+                      <a:rPr lang="en-NL" sz="1100" dirty="0">
+                        <a:solidFill>
+                          <a:schemeClr val="tx1"/>
+                        </a:solidFill>
+                      </a:rPr>
+                      <a:t>1 bit</a:t>
+                    </a:r>
+                  </a:p>
+                </p:txBody>
+              </p:sp>
+              <p:pic>
+                <p:nvPicPr>
+                  <p:cNvPr id="252" name="Picture 251">
+                    <a:extLst>
+                      <a:ext uri="{FF2B5EF4-FFF2-40B4-BE49-F238E27FC236}">
+                        <a16:creationId xmlns:a16="http://schemas.microsoft.com/office/drawing/2014/main" id="{1583B139-CEAA-F251-2001-DE42626BC6E3}"/>
+                      </a:ext>
+                    </a:extLst>
+                  </p:cNvPr>
+                  <p:cNvPicPr>
+                    <a:picLocks noChangeAspect="1"/>
+                  </p:cNvPicPr>
+                  <p:nvPr/>
+                </p:nvPicPr>
+                <p:blipFill>
+                  <a:blip r:embed="rId8">
+                    <a:extLst>
+                      <a:ext uri="{28A0092B-C50C-407E-A947-70E740481C1C}">
+                        <a14:useLocalDpi xmlns:a14="http://schemas.microsoft.com/office/drawing/2010/main" val="0"/>
+                      </a:ext>
+                    </a:extLst>
+                  </a:blip>
+                  <a:stretch>
+                    <a:fillRect/>
+                  </a:stretch>
+                </p:blipFill>
+                <p:spPr>
+                  <a:xfrm>
+                    <a:off x="5119688" y="1453840"/>
+                    <a:ext cx="4241270" cy="241270"/>
+                  </a:xfrm>
+                  <a:prstGeom prst="rect">
+                    <a:avLst/>
+                  </a:prstGeom>
+                </p:spPr>
+              </p:pic>
+            </p:grpSp>
+          </p:grpSp>
+        </p:grpSp>
+        <p:grpSp>
+          <p:nvGrpSpPr>
+            <p:cNvPr id="54" name="Group 53">
+              <a:extLst>
+                <a:ext uri="{FF2B5EF4-FFF2-40B4-BE49-F238E27FC236}">
+                  <a16:creationId xmlns:a16="http://schemas.microsoft.com/office/drawing/2014/main" id="{E1A20044-CEAE-ECEE-62AF-190AFFFDC857}"/>
+                </a:ext>
+              </a:extLst>
+            </p:cNvPr>
+            <p:cNvGrpSpPr/>
+            <p:nvPr/>
+          </p:nvGrpSpPr>
+          <p:grpSpPr>
+            <a:xfrm>
+              <a:off x="4411463" y="2819434"/>
+              <a:ext cx="1800000" cy="1296000"/>
+              <a:chOff x="3600000" y="3600000"/>
+              <a:chExt cx="1800000" cy="1296000"/>
+            </a:xfrm>
+          </p:grpSpPr>
+          <p:sp>
+            <p:nvSpPr>
+              <p:cNvPr id="3" name="Rectangle 2">
                 <a:extLst>
-                  <a:ext uri="{0D108BD9-81ED-4DB2-BD59-A6C34878D82A}">
-                    <a16:rowId xmlns:a16="http://schemas.microsoft.com/office/drawing/2014/main" val="223570310"/>
+                  <a:ext uri="{FF2B5EF4-FFF2-40B4-BE49-F238E27FC236}">
+                    <a16:creationId xmlns:a16="http://schemas.microsoft.com/office/drawing/2014/main" id="{1AF987DA-8770-2B6C-609B-08B9F2517895}"/>
                   </a:ext>
                 </a:extLst>
-              </a:tr>
-              <a:tr h="370840">
-                <a:tc>
-                  <a:txBody>
-                    <a:bodyPr/>
-                    <a:lstStyle/>
-                    <a:p>
-                      <a:pPr algn="ctr"/>
-                      <a:r>
-                        <a:rPr lang="en-US" dirty="0"/>
-                        <a:t>1</a:t>
-                      </a:r>
-                      <a:endParaRPr lang="en-NL" dirty="0"/>
-                    </a:p>
-                  </a:txBody>
-                  <a:tcPr anchor="ctr"/>
-                </a:tc>
-                <a:tc>
-                  <a:txBody>
-                    <a:bodyPr/>
-                    <a:lstStyle/>
-                    <a:p>
-                      <a:pPr algn="ctr"/>
-                      <a:r>
-                        <a:rPr lang="en-US" dirty="0"/>
-                        <a:t>0.04</a:t>
-                      </a:r>
-                      <a:endParaRPr lang="en-NL" dirty="0"/>
-                    </a:p>
-                  </a:txBody>
-                  <a:tcPr anchor="ctr"/>
-                </a:tc>
-                <a:tc>
-                  <a:txBody>
-                    <a:bodyPr/>
-                    <a:lstStyle/>
-                    <a:p>
-                      <a:pPr algn="ctr"/>
-                      <a:r>
-                        <a:rPr lang="en-US" dirty="0"/>
-                        <a:t>0.42</a:t>
-                      </a:r>
-                      <a:endParaRPr lang="en-NL" dirty="0"/>
-                    </a:p>
-                  </a:txBody>
-                  <a:tcPr anchor="ctr"/>
-                </a:tc>
-                <a:tc>
-                  <a:txBody>
-                    <a:bodyPr/>
-                    <a:lstStyle/>
-                    <a:p>
-                      <a:pPr algn="ctr"/>
-                      <a:r>
-                        <a:rPr lang="en-US" dirty="0"/>
-                        <a:t>0</a:t>
-                      </a:r>
-                      <a:endParaRPr lang="en-NL" dirty="0"/>
-                    </a:p>
-                  </a:txBody>
-                  <a:tcPr anchor="ctr"/>
-                </a:tc>
+              </p:cNvPr>
+              <p:cNvSpPr/>
+              <p:nvPr/>
+            </p:nvSpPr>
+            <p:spPr>
+              <a:xfrm>
+                <a:off x="3600000" y="3600000"/>
+                <a:ext cx="1800000" cy="1296000"/>
+              </a:xfrm>
+              <a:prstGeom prst="rect">
+                <a:avLst/>
+              </a:prstGeom>
+              <a:noFill/>
+              <a:ln w="19050">
+                <a:solidFill>
+                  <a:schemeClr val="tx1"/>
+                </a:solidFill>
+              </a:ln>
+            </p:spPr>
+            <p:style>
+              <a:lnRef idx="2">
+                <a:schemeClr val="accent1">
+                  <a:shade val="50000"/>
+                </a:schemeClr>
+              </a:lnRef>
+              <a:fillRef idx="1">
+                <a:schemeClr val="accent1"/>
+              </a:fillRef>
+              <a:effectRef idx="0">
+                <a:schemeClr val="accent1"/>
+              </a:effectRef>
+              <a:fontRef idx="minor">
+                <a:schemeClr val="lt1"/>
+              </a:fontRef>
+            </p:style>
+            <p:txBody>
+              <a:bodyPr rtlCol="0" anchor="ctr"/>
+              <a:lstStyle/>
+              <a:p>
+                <a:pPr algn="ctr"/>
+                <a:endParaRPr lang="en-NL">
+                  <a:solidFill>
+                    <a:schemeClr val="tx1"/>
+                  </a:solidFill>
+                </a:endParaRPr>
+              </a:p>
+            </p:txBody>
+          </p:sp>
+          <p:sp>
+            <p:nvSpPr>
+              <p:cNvPr id="9" name="Rectangle 8">
                 <a:extLst>
-                  <a:ext uri="{0D108BD9-81ED-4DB2-BD59-A6C34878D82A}">
-                    <a16:rowId xmlns:a16="http://schemas.microsoft.com/office/drawing/2014/main" val="3850649856"/>
+                  <a:ext uri="{FF2B5EF4-FFF2-40B4-BE49-F238E27FC236}">
+                    <a16:creationId xmlns:a16="http://schemas.microsoft.com/office/drawing/2014/main" id="{2F57B44C-56C9-7959-B483-CB2BE3D08063}"/>
                   </a:ext>
                 </a:extLst>
-              </a:tr>
-              <a:tr h="370840">
-                <a:tc>
-                  <a:txBody>
-                    <a:bodyPr/>
-                    <a:lstStyle/>
-                    <a:p>
-                      <a:pPr algn="ctr"/>
-                      <a:r>
-                        <a:rPr lang="en-US" dirty="0"/>
-                        <a:t>2</a:t>
-                      </a:r>
-                      <a:endParaRPr lang="en-NL" dirty="0"/>
-                    </a:p>
-                  </a:txBody>
-                  <a:tcPr anchor="ctr"/>
-                </a:tc>
-                <a:tc>
-                  <a:txBody>
-                    <a:bodyPr/>
-                    <a:lstStyle/>
-                    <a:p>
-                      <a:pPr algn="ctr"/>
-                      <a:r>
-                        <a:rPr lang="en-US" dirty="0"/>
-                        <a:t>1</a:t>
-                      </a:r>
-                      <a:endParaRPr lang="en-NL" dirty="0"/>
-                    </a:p>
-                  </a:txBody>
-                  <a:tcPr anchor="ctr"/>
-                </a:tc>
-                <a:tc>
-                  <a:txBody>
-                    <a:bodyPr/>
-                    <a:lstStyle/>
-                    <a:p>
-                      <a:pPr algn="ctr"/>
-                      <a:r>
-                        <a:rPr lang="en-US" dirty="0"/>
-                        <a:t>0.54</a:t>
-                      </a:r>
-                      <a:endParaRPr lang="en-NL" dirty="0"/>
-                    </a:p>
-                  </a:txBody>
-                  <a:tcPr anchor="ctr"/>
-                </a:tc>
-                <a:tc>
-                  <a:txBody>
-                    <a:bodyPr/>
-                    <a:lstStyle/>
-                    <a:p>
-                      <a:pPr algn="ctr"/>
-                      <a:r>
-                        <a:rPr lang="en-US" dirty="0"/>
-                        <a:t>1</a:t>
-                      </a:r>
-                      <a:endParaRPr lang="en-NL" dirty="0"/>
-                    </a:p>
-                  </a:txBody>
-                  <a:tcPr anchor="ctr"/>
-                </a:tc>
+              </p:cNvPr>
+              <p:cNvSpPr/>
+              <p:nvPr/>
+            </p:nvSpPr>
+            <p:spPr>
+              <a:xfrm>
+                <a:off x="3600000" y="3600000"/>
+                <a:ext cx="900000" cy="216000"/>
+              </a:xfrm>
+              <a:prstGeom prst="rect">
+                <a:avLst/>
+              </a:prstGeom>
+              <a:noFill/>
+              <a:ln w="3175">
+                <a:solidFill>
+                  <a:schemeClr val="tx1"/>
+                </a:solidFill>
+              </a:ln>
+            </p:spPr>
+            <p:style>
+              <a:lnRef idx="2">
+                <a:schemeClr val="accent1">
+                  <a:shade val="50000"/>
+                </a:schemeClr>
+              </a:lnRef>
+              <a:fillRef idx="1">
+                <a:schemeClr val="accent1"/>
+              </a:fillRef>
+              <a:effectRef idx="0">
+                <a:schemeClr val="accent1"/>
+              </a:effectRef>
+              <a:fontRef idx="minor">
+                <a:schemeClr val="lt1"/>
+              </a:fontRef>
+            </p:style>
+            <p:txBody>
+              <a:bodyPr rtlCol="0" anchor="ctr"/>
+              <a:lstStyle/>
+              <a:p>
+                <a:pPr algn="ctr"/>
+                <a:r>
+                  <a:rPr lang="en-NL" sz="1200" dirty="0">
+                    <a:solidFill>
+                      <a:schemeClr val="tx1"/>
+                    </a:solidFill>
+                  </a:rPr>
+                  <a:t>Bit Depth</a:t>
+                </a:r>
+              </a:p>
+            </p:txBody>
+          </p:sp>
+          <p:sp>
+            <p:nvSpPr>
+              <p:cNvPr id="41" name="Rectangle 40">
                 <a:extLst>
-                  <a:ext uri="{0D108BD9-81ED-4DB2-BD59-A6C34878D82A}">
-                    <a16:rowId xmlns:a16="http://schemas.microsoft.com/office/drawing/2014/main" val="553752047"/>
+                  <a:ext uri="{FF2B5EF4-FFF2-40B4-BE49-F238E27FC236}">
+                    <a16:creationId xmlns:a16="http://schemas.microsoft.com/office/drawing/2014/main" id="{478DE8F4-82C7-F9C6-8961-139B232D33E5}"/>
                   </a:ext>
                 </a:extLst>
-              </a:tr>
-              <a:tr h="370840">
-                <a:tc>
-                  <a:txBody>
-                    <a:bodyPr/>
-                    <a:lstStyle/>
-                    <a:p>
-                      <a:pPr algn="ctr"/>
-                      <a:r>
-                        <a:rPr lang="en-US" dirty="0"/>
-                        <a:t>3</a:t>
-                      </a:r>
-                      <a:endParaRPr lang="en-NL" dirty="0"/>
-                    </a:p>
-                  </a:txBody>
-                  <a:tcPr anchor="ctr"/>
-                </a:tc>
-                <a:tc>
-                  <a:txBody>
-                    <a:bodyPr/>
-                    <a:lstStyle/>
-                    <a:p>
-                      <a:pPr algn="ctr"/>
-                      <a:r>
-                        <a:rPr lang="en-US" dirty="0"/>
-                        <a:t>0.5</a:t>
-                      </a:r>
-                      <a:endParaRPr lang="en-NL" dirty="0"/>
-                    </a:p>
-                  </a:txBody>
-                  <a:tcPr anchor="ctr"/>
-                </a:tc>
-                <a:tc>
-                  <a:txBody>
-                    <a:bodyPr/>
-                    <a:lstStyle/>
-                    <a:p>
-                      <a:pPr algn="ctr"/>
-                      <a:r>
-                        <a:rPr lang="en-US" dirty="0"/>
-                        <a:t>0.65</a:t>
-                      </a:r>
-                      <a:endParaRPr lang="en-NL" dirty="0"/>
-                    </a:p>
-                  </a:txBody>
-                  <a:tcPr anchor="ctr"/>
-                </a:tc>
-                <a:tc>
-                  <a:txBody>
-                    <a:bodyPr/>
-                    <a:lstStyle/>
-                    <a:p>
-                      <a:pPr algn="ctr"/>
-                      <a:r>
-                        <a:rPr lang="en-US" dirty="0"/>
-                        <a:t>2</a:t>
-                      </a:r>
-                      <a:endParaRPr lang="en-NL" dirty="0"/>
-                    </a:p>
-                  </a:txBody>
-                  <a:tcPr anchor="ctr"/>
-                </a:tc>
+              </p:cNvPr>
+              <p:cNvSpPr/>
+              <p:nvPr/>
+            </p:nvSpPr>
+            <p:spPr>
+              <a:xfrm>
+                <a:off x="4500000" y="3600000"/>
+                <a:ext cx="900000" cy="216000"/>
+              </a:xfrm>
+              <a:prstGeom prst="rect">
+                <a:avLst/>
+              </a:prstGeom>
+              <a:noFill/>
+              <a:ln w="3175">
+                <a:solidFill>
+                  <a:schemeClr val="tx1"/>
+                </a:solidFill>
+              </a:ln>
+            </p:spPr>
+            <p:style>
+              <a:lnRef idx="2">
+                <a:schemeClr val="accent1">
+                  <a:shade val="50000"/>
+                </a:schemeClr>
+              </a:lnRef>
+              <a:fillRef idx="1">
+                <a:schemeClr val="accent1"/>
+              </a:fillRef>
+              <a:effectRef idx="0">
+                <a:schemeClr val="accent1"/>
+              </a:effectRef>
+              <a:fontRef idx="minor">
+                <a:schemeClr val="lt1"/>
+              </a:fontRef>
+            </p:style>
+            <p:txBody>
+              <a:bodyPr rtlCol="0" anchor="ctr"/>
+              <a:lstStyle/>
+              <a:p>
+                <a:pPr algn="ctr"/>
+                <a:r>
+                  <a:rPr lang="en-NL" sz="1200" dirty="0">
+                    <a:solidFill>
+                      <a:schemeClr val="tx1"/>
+                    </a:solidFill>
+                  </a:rPr>
+                  <a:t>Range</a:t>
+                </a:r>
+              </a:p>
+            </p:txBody>
+          </p:sp>
+          <p:sp>
+            <p:nvSpPr>
+              <p:cNvPr id="42" name="Rectangle 41">
                 <a:extLst>
-                  <a:ext uri="{0D108BD9-81ED-4DB2-BD59-A6C34878D82A}">
-                    <a16:rowId xmlns:a16="http://schemas.microsoft.com/office/drawing/2014/main" val="146236224"/>
+                  <a:ext uri="{FF2B5EF4-FFF2-40B4-BE49-F238E27FC236}">
+                    <a16:creationId xmlns:a16="http://schemas.microsoft.com/office/drawing/2014/main" id="{6C83EA4D-B7D5-2C24-0B0B-C901C63BF998}"/>
                   </a:ext>
                 </a:extLst>
-              </a:tr>
-            </a:tbl>
-          </a:graphicData>
-        </a:graphic>
-      </p:graphicFrame>
-      <p:graphicFrame>
-        <p:nvGraphicFramePr>
-          <p:cNvPr id="3" name="Table 5">
-            <a:extLst>
-              <a:ext uri="{FF2B5EF4-FFF2-40B4-BE49-F238E27FC236}">
-                <a16:creationId xmlns:a16="http://schemas.microsoft.com/office/drawing/2014/main" id="{6B5D9299-8F9C-7DF7-76F6-38883641259B}"/>
-              </a:ext>
-            </a:extLst>
-          </p:cNvPr>
-          <p:cNvGraphicFramePr>
-            <a:graphicFrameLocks noGrp="1"/>
-          </p:cNvGraphicFramePr>
-          <p:nvPr>
-            <p:extLst>
-              <p:ext uri="{D42A27DB-BD31-4B8C-83A1-F6EECF244321}">
-                <p14:modId xmlns:p14="http://schemas.microsoft.com/office/powerpoint/2010/main" val="3407912534"/>
-              </p:ext>
-            </p:extLst>
-          </p:nvPr>
-        </p:nvGraphicFramePr>
-        <p:xfrm>
-          <a:off x="303560" y="1835036"/>
-          <a:ext cx="4335347" cy="640080"/>
-        </p:xfrm>
-        <a:graphic>
-          <a:graphicData uri="http://schemas.openxmlformats.org/drawingml/2006/table">
-            <a:tbl>
-              <a:tblPr firstRow="1" bandRow="1">
-                <a:tableStyleId>{5C22544A-7EE6-4342-B048-85BDC9FD1C3A}</a:tableStyleId>
-              </a:tblPr>
-              <a:tblGrid>
-                <a:gridCol w="4335347">
-                  <a:extLst>
-                    <a:ext uri="{9D8B030D-6E8A-4147-A177-3AD203B41FA5}">
-                      <a16:colId xmlns:a16="http://schemas.microsoft.com/office/drawing/2014/main" val="3245602119"/>
-                    </a:ext>
-                  </a:extLst>
-                </a:gridCol>
-              </a:tblGrid>
-              <a:tr h="370840">
-                <a:tc>
-                  <a:txBody>
-                    <a:bodyPr/>
-                    <a:lstStyle/>
-                    <a:p>
-                      <a:r>
-                        <a:rPr lang="en-US" dirty="0"/>
-                        <a:t>Dataset:</a:t>
-                      </a:r>
-                    </a:p>
-                    <a:p>
-                      <a:r>
-                        <a:rPr lang="en-US" dirty="0"/>
-                        <a:t>3 samples, each sample has 2 features.</a:t>
-                      </a:r>
-                      <a:endParaRPr lang="en-NL" dirty="0"/>
-                    </a:p>
-                  </a:txBody>
-                  <a:tcPr/>
-                </a:tc>
+              </p:cNvPr>
+              <p:cNvSpPr/>
+              <p:nvPr/>
+            </p:nvSpPr>
+            <p:spPr>
+              <a:xfrm>
+                <a:off x="4500000" y="3814585"/>
+                <a:ext cx="900000" cy="216000"/>
+              </a:xfrm>
+              <a:prstGeom prst="rect">
+                <a:avLst/>
+              </a:prstGeom>
+              <a:noFill/>
+              <a:ln w="3175">
+                <a:solidFill>
+                  <a:schemeClr val="tx1"/>
+                </a:solidFill>
+              </a:ln>
+            </p:spPr>
+            <p:style>
+              <a:lnRef idx="2">
+                <a:schemeClr val="accent1">
+                  <a:shade val="50000"/>
+                </a:schemeClr>
+              </a:lnRef>
+              <a:fillRef idx="1">
+                <a:schemeClr val="accent1"/>
+              </a:fillRef>
+              <a:effectRef idx="0">
+                <a:schemeClr val="accent1"/>
+              </a:effectRef>
+              <a:fontRef idx="minor">
+                <a:schemeClr val="lt1"/>
+              </a:fontRef>
+            </p:style>
+            <p:txBody>
+              <a:bodyPr rtlCol="0" anchor="ctr"/>
+              <a:lstStyle/>
+              <a:p>
+                <a:pPr algn="ctr"/>
+                <a:r>
+                  <a:rPr lang="en-NL" sz="1200" dirty="0">
+                    <a:solidFill>
+                      <a:schemeClr val="tx1"/>
+                    </a:solidFill>
+                  </a:rPr>
+                  <a:t>0 &amp; 1</a:t>
+                </a:r>
+              </a:p>
+            </p:txBody>
+          </p:sp>
+          <p:sp>
+            <p:nvSpPr>
+              <p:cNvPr id="43" name="Rectangle 42">
                 <a:extLst>
-                  <a:ext uri="{0D108BD9-81ED-4DB2-BD59-A6C34878D82A}">
-                    <a16:rowId xmlns:a16="http://schemas.microsoft.com/office/drawing/2014/main" val="3786244523"/>
+                  <a:ext uri="{FF2B5EF4-FFF2-40B4-BE49-F238E27FC236}">
+                    <a16:creationId xmlns:a16="http://schemas.microsoft.com/office/drawing/2014/main" id="{F4118309-B4B9-269E-7937-C38998A808BE}"/>
                   </a:ext>
                 </a:extLst>
-              </a:tr>
-            </a:tbl>
-          </a:graphicData>
-        </a:graphic>
-      </p:graphicFrame>
+              </p:cNvPr>
+              <p:cNvSpPr/>
+              <p:nvPr/>
+            </p:nvSpPr>
+            <p:spPr>
+              <a:xfrm>
+                <a:off x="3600000" y="3814585"/>
+                <a:ext cx="900000" cy="216000"/>
+              </a:xfrm>
+              <a:prstGeom prst="rect">
+                <a:avLst/>
+              </a:prstGeom>
+              <a:noFill/>
+              <a:ln w="3175">
+                <a:solidFill>
+                  <a:schemeClr val="tx1"/>
+                </a:solidFill>
+              </a:ln>
+            </p:spPr>
+            <p:style>
+              <a:lnRef idx="2">
+                <a:schemeClr val="accent1">
+                  <a:shade val="50000"/>
+                </a:schemeClr>
+              </a:lnRef>
+              <a:fillRef idx="1">
+                <a:schemeClr val="accent1"/>
+              </a:fillRef>
+              <a:effectRef idx="0">
+                <a:schemeClr val="accent1"/>
+              </a:effectRef>
+              <a:fontRef idx="minor">
+                <a:schemeClr val="lt1"/>
+              </a:fontRef>
+            </p:style>
+            <p:txBody>
+              <a:bodyPr rtlCol="0" anchor="ctr"/>
+              <a:lstStyle/>
+              <a:p>
+                <a:pPr algn="ctr"/>
+                <a:r>
+                  <a:rPr lang="en-NL" sz="1200" dirty="0">
+                    <a:solidFill>
+                      <a:schemeClr val="tx1"/>
+                    </a:solidFill>
+                  </a:rPr>
+                  <a:t>1</a:t>
+                </a:r>
+              </a:p>
+            </p:txBody>
+          </p:sp>
+          <p:sp>
+            <p:nvSpPr>
+              <p:cNvPr id="44" name="Rectangle 43">
+                <a:extLst>
+                  <a:ext uri="{FF2B5EF4-FFF2-40B4-BE49-F238E27FC236}">
+                    <a16:creationId xmlns:a16="http://schemas.microsoft.com/office/drawing/2014/main" id="{8EFE5279-239E-77AB-BD44-E9B126E1193B}"/>
+                  </a:ext>
+                </a:extLst>
+              </p:cNvPr>
+              <p:cNvSpPr/>
+              <p:nvPr/>
+            </p:nvSpPr>
+            <p:spPr>
+              <a:xfrm>
+                <a:off x="4500000" y="4032000"/>
+                <a:ext cx="900000" cy="216000"/>
+              </a:xfrm>
+              <a:prstGeom prst="rect">
+                <a:avLst/>
+              </a:prstGeom>
+              <a:noFill/>
+              <a:ln w="3175">
+                <a:solidFill>
+                  <a:schemeClr val="tx1"/>
+                </a:solidFill>
+              </a:ln>
+            </p:spPr>
+            <p:style>
+              <a:lnRef idx="2">
+                <a:schemeClr val="accent1">
+                  <a:shade val="50000"/>
+                </a:schemeClr>
+              </a:lnRef>
+              <a:fillRef idx="1">
+                <a:schemeClr val="accent1"/>
+              </a:fillRef>
+              <a:effectRef idx="0">
+                <a:schemeClr val="accent1"/>
+              </a:effectRef>
+              <a:fontRef idx="minor">
+                <a:schemeClr val="lt1"/>
+              </a:fontRef>
+            </p:style>
+            <p:txBody>
+              <a:bodyPr rtlCol="0" anchor="ctr"/>
+              <a:lstStyle/>
+              <a:p>
+                <a:pPr algn="ctr"/>
+                <a:r>
+                  <a:rPr lang="en-NL" sz="1200" dirty="0">
+                    <a:solidFill>
+                      <a:schemeClr val="tx1"/>
+                    </a:solidFill>
+                  </a:rPr>
+                  <a:t>0 to 3</a:t>
+                </a:r>
+              </a:p>
+            </p:txBody>
+          </p:sp>
+          <p:sp>
+            <p:nvSpPr>
+              <p:cNvPr id="45" name="Rectangle 44">
+                <a:extLst>
+                  <a:ext uri="{FF2B5EF4-FFF2-40B4-BE49-F238E27FC236}">
+                    <a16:creationId xmlns:a16="http://schemas.microsoft.com/office/drawing/2014/main" id="{9F8D26DD-B80E-E8B5-D422-BED15DA56DD8}"/>
+                  </a:ext>
+                </a:extLst>
+              </p:cNvPr>
+              <p:cNvSpPr/>
+              <p:nvPr/>
+            </p:nvSpPr>
+            <p:spPr>
+              <a:xfrm>
+                <a:off x="4500000" y="4462668"/>
+                <a:ext cx="900000" cy="216000"/>
+              </a:xfrm>
+              <a:prstGeom prst="rect">
+                <a:avLst/>
+              </a:prstGeom>
+              <a:noFill/>
+              <a:ln w="3175">
+                <a:solidFill>
+                  <a:schemeClr val="tx1"/>
+                </a:solidFill>
+              </a:ln>
+            </p:spPr>
+            <p:style>
+              <a:lnRef idx="2">
+                <a:schemeClr val="accent1">
+                  <a:shade val="50000"/>
+                </a:schemeClr>
+              </a:lnRef>
+              <a:fillRef idx="1">
+                <a:schemeClr val="accent1"/>
+              </a:fillRef>
+              <a:effectRef idx="0">
+                <a:schemeClr val="accent1"/>
+              </a:effectRef>
+              <a:fontRef idx="minor">
+                <a:schemeClr val="lt1"/>
+              </a:fontRef>
+            </p:style>
+            <p:txBody>
+              <a:bodyPr rtlCol="0" anchor="ctr"/>
+              <a:lstStyle/>
+              <a:p>
+                <a:pPr algn="ctr"/>
+                <a:r>
+                  <a:rPr lang="en-NL" sz="1200" dirty="0">
+                    <a:solidFill>
+                      <a:schemeClr val="tx1"/>
+                    </a:solidFill>
+                  </a:rPr>
+                  <a:t>0 to 4095</a:t>
+                </a:r>
+              </a:p>
+            </p:txBody>
+          </p:sp>
+          <p:sp>
+            <p:nvSpPr>
+              <p:cNvPr id="46" name="Rectangle 45">
+                <a:extLst>
+                  <a:ext uri="{FF2B5EF4-FFF2-40B4-BE49-F238E27FC236}">
+                    <a16:creationId xmlns:a16="http://schemas.microsoft.com/office/drawing/2014/main" id="{CE25F174-A767-B4EB-5B49-C1161A9552F3}"/>
+                  </a:ext>
+                </a:extLst>
+              </p:cNvPr>
+              <p:cNvSpPr/>
+              <p:nvPr/>
+            </p:nvSpPr>
+            <p:spPr>
+              <a:xfrm>
+                <a:off x="3600000" y="4032000"/>
+                <a:ext cx="900000" cy="216000"/>
+              </a:xfrm>
+              <a:prstGeom prst="rect">
+                <a:avLst/>
+              </a:prstGeom>
+              <a:noFill/>
+              <a:ln w="3175">
+                <a:solidFill>
+                  <a:schemeClr val="tx1"/>
+                </a:solidFill>
+              </a:ln>
+            </p:spPr>
+            <p:style>
+              <a:lnRef idx="2">
+                <a:schemeClr val="accent1">
+                  <a:shade val="50000"/>
+                </a:schemeClr>
+              </a:lnRef>
+              <a:fillRef idx="1">
+                <a:schemeClr val="accent1"/>
+              </a:fillRef>
+              <a:effectRef idx="0">
+                <a:schemeClr val="accent1"/>
+              </a:effectRef>
+              <a:fontRef idx="minor">
+                <a:schemeClr val="lt1"/>
+              </a:fontRef>
+            </p:style>
+            <p:txBody>
+              <a:bodyPr rtlCol="0" anchor="ctr"/>
+              <a:lstStyle/>
+              <a:p>
+                <a:pPr algn="ctr"/>
+                <a:r>
+                  <a:rPr lang="en-NL" sz="1200" dirty="0">
+                    <a:solidFill>
+                      <a:schemeClr val="tx1"/>
+                    </a:solidFill>
+                  </a:rPr>
+                  <a:t>2</a:t>
+                </a:r>
+              </a:p>
+            </p:txBody>
+          </p:sp>
+          <p:sp>
+            <p:nvSpPr>
+              <p:cNvPr id="47" name="Rectangle 46">
+                <a:extLst>
+                  <a:ext uri="{FF2B5EF4-FFF2-40B4-BE49-F238E27FC236}">
+                    <a16:creationId xmlns:a16="http://schemas.microsoft.com/office/drawing/2014/main" id="{EF90545C-748C-7E10-AD70-886F93F5910F}"/>
+                  </a:ext>
+                </a:extLst>
+              </p:cNvPr>
+              <p:cNvSpPr/>
+              <p:nvPr/>
+            </p:nvSpPr>
+            <p:spPr>
+              <a:xfrm>
+                <a:off x="3600000" y="4248000"/>
+                <a:ext cx="900000" cy="216000"/>
+              </a:xfrm>
+              <a:prstGeom prst="rect">
+                <a:avLst/>
+              </a:prstGeom>
+              <a:noFill/>
+              <a:ln w="3175">
+                <a:solidFill>
+                  <a:schemeClr val="tx1"/>
+                </a:solidFill>
+              </a:ln>
+            </p:spPr>
+            <p:style>
+              <a:lnRef idx="2">
+                <a:schemeClr val="accent1">
+                  <a:shade val="50000"/>
+                </a:schemeClr>
+              </a:lnRef>
+              <a:fillRef idx="1">
+                <a:schemeClr val="accent1"/>
+              </a:fillRef>
+              <a:effectRef idx="0">
+                <a:schemeClr val="accent1"/>
+              </a:effectRef>
+              <a:fontRef idx="minor">
+                <a:schemeClr val="lt1"/>
+              </a:fontRef>
+            </p:style>
+            <p:txBody>
+              <a:bodyPr rtlCol="0" anchor="ctr"/>
+              <a:lstStyle/>
+              <a:p>
+                <a:pPr algn="ctr"/>
+                <a:r>
+                  <a:rPr lang="en-NL" sz="1200" dirty="0">
+                    <a:solidFill>
+                      <a:schemeClr val="tx1"/>
+                    </a:solidFill>
+                  </a:rPr>
+                  <a:t>8</a:t>
+                </a:r>
+              </a:p>
+            </p:txBody>
+          </p:sp>
+          <p:sp>
+            <p:nvSpPr>
+              <p:cNvPr id="48" name="Rectangle 47">
+                <a:extLst>
+                  <a:ext uri="{FF2B5EF4-FFF2-40B4-BE49-F238E27FC236}">
+                    <a16:creationId xmlns:a16="http://schemas.microsoft.com/office/drawing/2014/main" id="{71783F07-1342-A800-6BE5-5B73C88B6FD8}"/>
+                  </a:ext>
+                </a:extLst>
+              </p:cNvPr>
+              <p:cNvSpPr/>
+              <p:nvPr/>
+            </p:nvSpPr>
+            <p:spPr>
+              <a:xfrm>
+                <a:off x="3600000" y="4464761"/>
+                <a:ext cx="900000" cy="216000"/>
+              </a:xfrm>
+              <a:prstGeom prst="rect">
+                <a:avLst/>
+              </a:prstGeom>
+              <a:noFill/>
+              <a:ln w="3175">
+                <a:solidFill>
+                  <a:schemeClr val="tx1"/>
+                </a:solidFill>
+              </a:ln>
+            </p:spPr>
+            <p:style>
+              <a:lnRef idx="2">
+                <a:schemeClr val="accent1">
+                  <a:shade val="50000"/>
+                </a:schemeClr>
+              </a:lnRef>
+              <a:fillRef idx="1">
+                <a:schemeClr val="accent1"/>
+              </a:fillRef>
+              <a:effectRef idx="0">
+                <a:schemeClr val="accent1"/>
+              </a:effectRef>
+              <a:fontRef idx="minor">
+                <a:schemeClr val="lt1"/>
+              </a:fontRef>
+            </p:style>
+            <p:txBody>
+              <a:bodyPr rtlCol="0" anchor="ctr"/>
+              <a:lstStyle/>
+              <a:p>
+                <a:pPr algn="ctr"/>
+                <a:r>
+                  <a:rPr lang="en-NL" sz="1200" dirty="0">
+                    <a:solidFill>
+                      <a:schemeClr val="tx1"/>
+                    </a:solidFill>
+                  </a:rPr>
+                  <a:t>12</a:t>
+                </a:r>
+              </a:p>
+            </p:txBody>
+          </p:sp>
+          <p:sp>
+            <p:nvSpPr>
+              <p:cNvPr id="49" name="Rectangle 48">
+                <a:extLst>
+                  <a:ext uri="{FF2B5EF4-FFF2-40B4-BE49-F238E27FC236}">
+                    <a16:creationId xmlns:a16="http://schemas.microsoft.com/office/drawing/2014/main" id="{1ABDEB56-9496-77A3-57FF-066A7928A9DF}"/>
+                  </a:ext>
+                </a:extLst>
+              </p:cNvPr>
+              <p:cNvSpPr/>
+              <p:nvPr/>
+            </p:nvSpPr>
+            <p:spPr>
+              <a:xfrm>
+                <a:off x="3600000" y="4680000"/>
+                <a:ext cx="900000" cy="216000"/>
+              </a:xfrm>
+              <a:prstGeom prst="rect">
+                <a:avLst/>
+              </a:prstGeom>
+              <a:noFill/>
+              <a:ln w="3175">
+                <a:solidFill>
+                  <a:schemeClr val="tx1"/>
+                </a:solidFill>
+              </a:ln>
+            </p:spPr>
+            <p:style>
+              <a:lnRef idx="2">
+                <a:schemeClr val="accent1">
+                  <a:shade val="50000"/>
+                </a:schemeClr>
+              </a:lnRef>
+              <a:fillRef idx="1">
+                <a:schemeClr val="accent1"/>
+              </a:fillRef>
+              <a:effectRef idx="0">
+                <a:schemeClr val="accent1"/>
+              </a:effectRef>
+              <a:fontRef idx="minor">
+                <a:schemeClr val="lt1"/>
+              </a:fontRef>
+            </p:style>
+            <p:txBody>
+              <a:bodyPr rtlCol="0" anchor="ctr"/>
+              <a:lstStyle/>
+              <a:p>
+                <a:pPr algn="ctr"/>
+                <a:r>
+                  <a:rPr lang="en-NL" sz="1200" dirty="0">
+                    <a:solidFill>
+                      <a:schemeClr val="tx1"/>
+                    </a:solidFill>
+                  </a:rPr>
+                  <a:t>16</a:t>
+                </a:r>
+              </a:p>
+            </p:txBody>
+          </p:sp>
+          <p:sp>
+            <p:nvSpPr>
+              <p:cNvPr id="52" name="Rectangle 51">
+                <a:extLst>
+                  <a:ext uri="{FF2B5EF4-FFF2-40B4-BE49-F238E27FC236}">
+                    <a16:creationId xmlns:a16="http://schemas.microsoft.com/office/drawing/2014/main" id="{68976472-F0F0-6AF7-180B-37450CD97438}"/>
+                  </a:ext>
+                </a:extLst>
+              </p:cNvPr>
+              <p:cNvSpPr/>
+              <p:nvPr/>
+            </p:nvSpPr>
+            <p:spPr>
+              <a:xfrm>
+                <a:off x="4500000" y="4246098"/>
+                <a:ext cx="900000" cy="216000"/>
+              </a:xfrm>
+              <a:prstGeom prst="rect">
+                <a:avLst/>
+              </a:prstGeom>
+              <a:noFill/>
+              <a:ln w="3175">
+                <a:solidFill>
+                  <a:schemeClr val="tx1"/>
+                </a:solidFill>
+              </a:ln>
+            </p:spPr>
+            <p:style>
+              <a:lnRef idx="2">
+                <a:schemeClr val="accent1">
+                  <a:shade val="50000"/>
+                </a:schemeClr>
+              </a:lnRef>
+              <a:fillRef idx="1">
+                <a:schemeClr val="accent1"/>
+              </a:fillRef>
+              <a:effectRef idx="0">
+                <a:schemeClr val="accent1"/>
+              </a:effectRef>
+              <a:fontRef idx="minor">
+                <a:schemeClr val="lt1"/>
+              </a:fontRef>
+            </p:style>
+            <p:txBody>
+              <a:bodyPr rtlCol="0" anchor="ctr"/>
+              <a:lstStyle/>
+              <a:p>
+                <a:pPr algn="ctr"/>
+                <a:r>
+                  <a:rPr lang="en-NL" sz="1200" dirty="0">
+                    <a:solidFill>
+                      <a:schemeClr val="tx1"/>
+                    </a:solidFill>
+                  </a:rPr>
+                  <a:t>0 to 255</a:t>
+                </a:r>
+              </a:p>
+            </p:txBody>
+          </p:sp>
+          <p:sp>
+            <p:nvSpPr>
+              <p:cNvPr id="53" name="Rectangle 52">
+                <a:extLst>
+                  <a:ext uri="{FF2B5EF4-FFF2-40B4-BE49-F238E27FC236}">
+                    <a16:creationId xmlns:a16="http://schemas.microsoft.com/office/drawing/2014/main" id="{2FC91762-3D72-59B7-1A02-3610E3E79C8F}"/>
+                  </a:ext>
+                </a:extLst>
+              </p:cNvPr>
+              <p:cNvSpPr/>
+              <p:nvPr/>
+            </p:nvSpPr>
+            <p:spPr>
+              <a:xfrm>
+                <a:off x="4500000" y="4680000"/>
+                <a:ext cx="900000" cy="216000"/>
+              </a:xfrm>
+              <a:prstGeom prst="rect">
+                <a:avLst/>
+              </a:prstGeom>
+              <a:noFill/>
+              <a:ln w="3175">
+                <a:solidFill>
+                  <a:schemeClr val="tx1"/>
+                </a:solidFill>
+              </a:ln>
+            </p:spPr>
+            <p:style>
+              <a:lnRef idx="2">
+                <a:schemeClr val="accent1">
+                  <a:shade val="50000"/>
+                </a:schemeClr>
+              </a:lnRef>
+              <a:fillRef idx="1">
+                <a:schemeClr val="accent1"/>
+              </a:fillRef>
+              <a:effectRef idx="0">
+                <a:schemeClr val="accent1"/>
+              </a:effectRef>
+              <a:fontRef idx="minor">
+                <a:schemeClr val="lt1"/>
+              </a:fontRef>
+            </p:style>
+            <p:txBody>
+              <a:bodyPr rtlCol="0" anchor="ctr"/>
+              <a:lstStyle/>
+              <a:p>
+                <a:pPr algn="ctr"/>
+                <a:r>
+                  <a:rPr lang="en-NL" sz="1200" dirty="0">
+                    <a:solidFill>
+                      <a:schemeClr val="tx1"/>
+                    </a:solidFill>
+                  </a:rPr>
+                  <a:t>0 to 65535</a:t>
+                </a:r>
+              </a:p>
+            </p:txBody>
+          </p:sp>
+        </p:grpSp>
+      </p:grpSp>
     </p:spTree>
     <p:extLst>
       <p:ext uri="{BB962C8B-B14F-4D97-AF65-F5344CB8AC3E}">
@@ -8456,7 +12636,7 @@
         </p:nvGrpSpPr>
         <p:grpSpPr>
           <a:xfrm>
-            <a:off x="868219" y="1050887"/>
+            <a:off x="385619" y="0"/>
             <a:ext cx="8621053" cy="2089225"/>
             <a:chOff x="706294" y="2302172"/>
             <a:chExt cx="8621053" cy="2089225"/>
@@ -14200,6 +18380,204 @@
             </a:fontRef>
           </p:style>
         </p:cxnSp>
+      </p:grpSp>
+      <p:grpSp>
+        <p:nvGrpSpPr>
+          <p:cNvPr id="38" name="Group 37">
+            <a:extLst>
+              <a:ext uri="{FF2B5EF4-FFF2-40B4-BE49-F238E27FC236}">
+                <a16:creationId xmlns:a16="http://schemas.microsoft.com/office/drawing/2014/main" id="{3186BC20-1115-703C-DAAA-B5AAB82E1669}"/>
+              </a:ext>
+            </a:extLst>
+          </p:cNvPr>
+          <p:cNvGrpSpPr/>
+          <p:nvPr/>
+        </p:nvGrpSpPr>
+        <p:grpSpPr>
+          <a:xfrm>
+            <a:off x="5412550" y="2909095"/>
+            <a:ext cx="794605" cy="360000"/>
+            <a:chOff x="5412550" y="2909095"/>
+            <a:chExt cx="794605" cy="360000"/>
+          </a:xfrm>
+        </p:grpSpPr>
+        <p:sp>
+          <p:nvSpPr>
+            <p:cNvPr id="6" name="Rectangle 5">
+              <a:extLst>
+                <a:ext uri="{FF2B5EF4-FFF2-40B4-BE49-F238E27FC236}">
+                  <a16:creationId xmlns:a16="http://schemas.microsoft.com/office/drawing/2014/main" id="{8A441359-2CAC-E852-1A17-ACAACF5E28A7}"/>
+                </a:ext>
+              </a:extLst>
+            </p:cNvPr>
+            <p:cNvSpPr/>
+            <p:nvPr/>
+          </p:nvSpPr>
+          <p:spPr>
+            <a:xfrm>
+              <a:off x="5412550" y="2909095"/>
+              <a:ext cx="377029" cy="360000"/>
+            </a:xfrm>
+            <a:prstGeom prst="rect">
+              <a:avLst/>
+            </a:prstGeom>
+            <a:solidFill>
+              <a:schemeClr val="bg1"/>
+            </a:solidFill>
+            <a:ln>
+              <a:noFill/>
+            </a:ln>
+          </p:spPr>
+          <p:style>
+            <a:lnRef idx="2">
+              <a:schemeClr val="accent1">
+                <a:shade val="50000"/>
+              </a:schemeClr>
+            </a:lnRef>
+            <a:fillRef idx="1">
+              <a:schemeClr val="accent1"/>
+            </a:fillRef>
+            <a:effectRef idx="0">
+              <a:schemeClr val="accent1"/>
+            </a:effectRef>
+            <a:fontRef idx="minor">
+              <a:schemeClr val="lt1"/>
+            </a:fontRef>
+          </p:style>
+          <p:txBody>
+            <a:bodyPr rtlCol="0" anchor="ctr"/>
+            <a:lstStyle/>
+            <a:p>
+              <a:pPr algn="ctr"/>
+              <a:r>
+                <a:rPr lang="en-NL" sz="3200" b="1" dirty="0">
+                  <a:solidFill>
+                    <a:srgbClr val="FF0000"/>
+                  </a:solidFill>
+                </a:rPr>
+                <a:t>R</a:t>
+              </a:r>
+            </a:p>
+          </p:txBody>
+        </p:sp>
+        <p:sp>
+          <p:nvSpPr>
+            <p:cNvPr id="31" name="Rectangle 30">
+              <a:extLst>
+                <a:ext uri="{FF2B5EF4-FFF2-40B4-BE49-F238E27FC236}">
+                  <a16:creationId xmlns:a16="http://schemas.microsoft.com/office/drawing/2014/main" id="{BD0DB06B-800E-C391-31A3-04B002F6E5A7}"/>
+                </a:ext>
+              </a:extLst>
+            </p:cNvPr>
+            <p:cNvSpPr/>
+            <p:nvPr/>
+          </p:nvSpPr>
+          <p:spPr>
+            <a:xfrm>
+              <a:off x="5830126" y="2909095"/>
+              <a:ext cx="377029" cy="360000"/>
+            </a:xfrm>
+            <a:prstGeom prst="rect">
+              <a:avLst/>
+            </a:prstGeom>
+            <a:solidFill>
+              <a:schemeClr val="bg1"/>
+            </a:solidFill>
+            <a:ln>
+              <a:noFill/>
+            </a:ln>
+          </p:spPr>
+          <p:style>
+            <a:lnRef idx="2">
+              <a:schemeClr val="accent1">
+                <a:shade val="50000"/>
+              </a:schemeClr>
+            </a:lnRef>
+            <a:fillRef idx="1">
+              <a:schemeClr val="accent1"/>
+            </a:fillRef>
+            <a:effectRef idx="0">
+              <a:schemeClr val="accent1"/>
+            </a:effectRef>
+            <a:fontRef idx="minor">
+              <a:schemeClr val="lt1"/>
+            </a:fontRef>
+          </p:style>
+          <p:txBody>
+            <a:bodyPr rtlCol="0" anchor="ctr"/>
+            <a:lstStyle/>
+            <a:p>
+              <a:pPr algn="ctr"/>
+              <a:r>
+                <a:rPr lang="en-NL" sz="3200" b="1" dirty="0">
+                  <a:solidFill>
+                    <a:srgbClr val="0000FF"/>
+                  </a:solidFill>
+                </a:rPr>
+                <a:t>B</a:t>
+              </a:r>
+            </a:p>
+          </p:txBody>
+        </p:sp>
+        <p:sp>
+          <p:nvSpPr>
+            <p:cNvPr id="33" name="Rectangle 32">
+              <a:extLst>
+                <a:ext uri="{FF2B5EF4-FFF2-40B4-BE49-F238E27FC236}">
+                  <a16:creationId xmlns:a16="http://schemas.microsoft.com/office/drawing/2014/main" id="{B446AB1B-A03B-8B06-10D7-EB3E3BFE1437}"/>
+                </a:ext>
+              </a:extLst>
+            </p:cNvPr>
+            <p:cNvSpPr/>
+            <p:nvPr/>
+          </p:nvSpPr>
+          <p:spPr>
+            <a:xfrm>
+              <a:off x="5705872" y="2909095"/>
+              <a:ext cx="207962" cy="360000"/>
+            </a:xfrm>
+            <a:prstGeom prst="rect">
+              <a:avLst/>
+            </a:prstGeom>
+            <a:solidFill>
+              <a:schemeClr val="bg1"/>
+            </a:solidFill>
+            <a:ln>
+              <a:noFill/>
+            </a:ln>
+          </p:spPr>
+          <p:style>
+            <a:lnRef idx="2">
+              <a:schemeClr val="accent1">
+                <a:shade val="50000"/>
+              </a:schemeClr>
+            </a:lnRef>
+            <a:fillRef idx="1">
+              <a:schemeClr val="accent1"/>
+            </a:fillRef>
+            <a:effectRef idx="0">
+              <a:schemeClr val="accent1"/>
+            </a:effectRef>
+            <a:fontRef idx="minor">
+              <a:schemeClr val="lt1"/>
+            </a:fontRef>
+          </p:style>
+          <p:txBody>
+            <a:bodyPr rtlCol="0" anchor="ctr"/>
+            <a:lstStyle/>
+            <a:p>
+              <a:pPr algn="ctr"/>
+              <a:r>
+                <a:rPr lang="en-NL" sz="3200" b="1" dirty="0">
+                  <a:solidFill>
+                    <a:srgbClr val="00FF00"/>
+                  </a:solidFill>
+                </a:rPr>
+                <a:t>G</a:t>
+              </a:r>
+            </a:p>
+          </p:txBody>
+        </p:sp>
       </p:grpSp>
     </p:spTree>
     <p:extLst>
@@ -22706,8 +27084,8 @@
                   </a:fontRef>
                 </p:style>
               </p:cxnSp>
-              <mc:AlternateContent xmlns:mc="http://schemas.openxmlformats.org/markup-compatibility/2006">
-                <mc:Choice xmlns:a14="http://schemas.microsoft.com/office/drawing/2010/main" Requires="a14">
+              <mc:AlternateContent xmlns:mc="http://schemas.openxmlformats.org/markup-compatibility/2006" xmlns:a14="http://schemas.microsoft.com/office/drawing/2010/main">
+                <mc:Choice Requires="a14">
                   <p:sp>
                     <p:nvSpPr>
                       <p:cNvPr id="364" name="Rectangle 363">
@@ -22854,7 +27232,7 @@
                     </p:txBody>
                   </p:sp>
                 </mc:Choice>
-                <mc:Fallback>
+                <mc:Fallback xmlns="">
                   <p:sp>
                     <p:nvSpPr>
                       <p:cNvPr id="364" name="Rectangle 363">

--- a/pictures/pictures.pptx
+++ b/pictures/pictures.pptx
@@ -10,6 +10,8 @@
     <p:sldId id="258" r:id="rId4"/>
     <p:sldId id="259" r:id="rId5"/>
     <p:sldId id="260" r:id="rId6"/>
+    <p:sldId id="261" r:id="rId7"/>
+    <p:sldId id="262" r:id="rId8"/>
   </p:sldIdLst>
   <p:sldSz cx="12192000" cy="6858000"/>
   <p:notesSz cx="6858000" cy="9144000"/>
@@ -276,7 +278,7 @@
           <a:p>
             <a:fld id="{5F488C4A-E758-4ECA-AE2F-E55A80CB037F}" type="datetimeFigureOut">
               <a:rPr lang="en-NL" smtClean="0"/>
-              <a:t>11/05/2023</a:t>
+              <a:t>16/05/2023</a:t>
             </a:fld>
             <a:endParaRPr lang="en-NL"/>
           </a:p>
@@ -476,7 +478,7 @@
           <a:p>
             <a:fld id="{5F488C4A-E758-4ECA-AE2F-E55A80CB037F}" type="datetimeFigureOut">
               <a:rPr lang="en-NL" smtClean="0"/>
-              <a:t>11/05/2023</a:t>
+              <a:t>16/05/2023</a:t>
             </a:fld>
             <a:endParaRPr lang="en-NL"/>
           </a:p>
@@ -686,7 +688,7 @@
           <a:p>
             <a:fld id="{5F488C4A-E758-4ECA-AE2F-E55A80CB037F}" type="datetimeFigureOut">
               <a:rPr lang="en-NL" smtClean="0"/>
-              <a:t>11/05/2023</a:t>
+              <a:t>16/05/2023</a:t>
             </a:fld>
             <a:endParaRPr lang="en-NL"/>
           </a:p>
@@ -886,7 +888,7 @@
           <a:p>
             <a:fld id="{5F488C4A-E758-4ECA-AE2F-E55A80CB037F}" type="datetimeFigureOut">
               <a:rPr lang="en-NL" smtClean="0"/>
-              <a:t>11/05/2023</a:t>
+              <a:t>16/05/2023</a:t>
             </a:fld>
             <a:endParaRPr lang="en-NL"/>
           </a:p>
@@ -1162,7 +1164,7 @@
           <a:p>
             <a:fld id="{5F488C4A-E758-4ECA-AE2F-E55A80CB037F}" type="datetimeFigureOut">
               <a:rPr lang="en-NL" smtClean="0"/>
-              <a:t>11/05/2023</a:t>
+              <a:t>16/05/2023</a:t>
             </a:fld>
             <a:endParaRPr lang="en-NL"/>
           </a:p>
@@ -1430,7 +1432,7 @@
           <a:p>
             <a:fld id="{5F488C4A-E758-4ECA-AE2F-E55A80CB037F}" type="datetimeFigureOut">
               <a:rPr lang="en-NL" smtClean="0"/>
-              <a:t>11/05/2023</a:t>
+              <a:t>16/05/2023</a:t>
             </a:fld>
             <a:endParaRPr lang="en-NL"/>
           </a:p>
@@ -1845,7 +1847,7 @@
           <a:p>
             <a:fld id="{5F488C4A-E758-4ECA-AE2F-E55A80CB037F}" type="datetimeFigureOut">
               <a:rPr lang="en-NL" smtClean="0"/>
-              <a:t>11/05/2023</a:t>
+              <a:t>16/05/2023</a:t>
             </a:fld>
             <a:endParaRPr lang="en-NL"/>
           </a:p>
@@ -1987,7 +1989,7 @@
           <a:p>
             <a:fld id="{5F488C4A-E758-4ECA-AE2F-E55A80CB037F}" type="datetimeFigureOut">
               <a:rPr lang="en-NL" smtClean="0"/>
-              <a:t>11/05/2023</a:t>
+              <a:t>16/05/2023</a:t>
             </a:fld>
             <a:endParaRPr lang="en-NL"/>
           </a:p>
@@ -2100,7 +2102,7 @@
           <a:p>
             <a:fld id="{5F488C4A-E758-4ECA-AE2F-E55A80CB037F}" type="datetimeFigureOut">
               <a:rPr lang="en-NL" smtClean="0"/>
-              <a:t>11/05/2023</a:t>
+              <a:t>16/05/2023</a:t>
             </a:fld>
             <a:endParaRPr lang="en-NL"/>
           </a:p>
@@ -2413,7 +2415,7 @@
           <a:p>
             <a:fld id="{5F488C4A-E758-4ECA-AE2F-E55A80CB037F}" type="datetimeFigureOut">
               <a:rPr lang="en-NL" smtClean="0"/>
-              <a:t>11/05/2023</a:t>
+              <a:t>16/05/2023</a:t>
             </a:fld>
             <a:endParaRPr lang="en-NL"/>
           </a:p>
@@ -2702,7 +2704,7 @@
           <a:p>
             <a:fld id="{5F488C4A-E758-4ECA-AE2F-E55A80CB037F}" type="datetimeFigureOut">
               <a:rPr lang="en-NL" smtClean="0"/>
-              <a:t>11/05/2023</a:t>
+              <a:t>16/05/2023</a:t>
             </a:fld>
             <a:endParaRPr lang="en-NL"/>
           </a:p>
@@ -2945,7 +2947,7 @@
           <a:p>
             <a:fld id="{5F488C4A-E758-4ECA-AE2F-E55A80CB037F}" type="datetimeFigureOut">
               <a:rPr lang="en-NL" smtClean="0"/>
-              <a:t>11/05/2023</a:t>
+              <a:t>16/05/2023</a:t>
             </a:fld>
             <a:endParaRPr lang="en-NL"/>
           </a:p>
@@ -28367,6 +28369,3516 @@
 </p:sld>
 </file>
 
+<file path=ppt/slides/slide6.xml><?xml version="1.0" encoding="utf-8"?>
+<p:sld xmlns:a="http://schemas.openxmlformats.org/drawingml/2006/main" xmlns:r="http://schemas.openxmlformats.org/officeDocument/2006/relationships" xmlns:p="http://schemas.openxmlformats.org/presentationml/2006/main">
+  <p:cSld>
+    <p:spTree>
+      <p:nvGrpSpPr>
+        <p:cNvPr id="1" name=""/>
+        <p:cNvGrpSpPr/>
+        <p:nvPr/>
+      </p:nvGrpSpPr>
+      <p:grpSpPr>
+        <a:xfrm>
+          <a:off x="0" y="0"/>
+          <a:ext cx="0" cy="0"/>
+          <a:chOff x="0" y="0"/>
+          <a:chExt cx="0" cy="0"/>
+        </a:xfrm>
+      </p:grpSpPr>
+      <p:grpSp>
+        <p:nvGrpSpPr>
+          <p:cNvPr id="3" name="Group 2">
+            <a:extLst>
+              <a:ext uri="{FF2B5EF4-FFF2-40B4-BE49-F238E27FC236}">
+                <a16:creationId xmlns:a16="http://schemas.microsoft.com/office/drawing/2014/main" id="{C7901B67-BADA-9016-ED8E-AB9631FB6E5E}"/>
+              </a:ext>
+            </a:extLst>
+          </p:cNvPr>
+          <p:cNvGrpSpPr/>
+          <p:nvPr/>
+        </p:nvGrpSpPr>
+        <p:grpSpPr>
+          <a:xfrm>
+            <a:off x="-411997" y="-286798"/>
+            <a:ext cx="2161200" cy="2161000"/>
+            <a:chOff x="1798800" y="720000"/>
+            <a:chExt cx="2161200" cy="2161000"/>
+          </a:xfrm>
+        </p:grpSpPr>
+        <p:sp>
+          <p:nvSpPr>
+            <p:cNvPr id="50" name="Rectangle 49">
+              <a:extLst>
+                <a:ext uri="{FF2B5EF4-FFF2-40B4-BE49-F238E27FC236}">
+                  <a16:creationId xmlns:a16="http://schemas.microsoft.com/office/drawing/2014/main" id="{537DF85F-7D95-BA34-E6C9-DA8578CA8EAC}"/>
+                </a:ext>
+              </a:extLst>
+            </p:cNvPr>
+            <p:cNvSpPr/>
+            <p:nvPr/>
+          </p:nvSpPr>
+          <p:spPr>
+            <a:xfrm>
+              <a:off x="1800000" y="720000"/>
+              <a:ext cx="2160000" cy="2160000"/>
+            </a:xfrm>
+            <a:prstGeom prst="rect">
+              <a:avLst/>
+            </a:prstGeom>
+            <a:noFill/>
+            <a:ln w="19050">
+              <a:solidFill>
+                <a:schemeClr val="tx1"/>
+              </a:solidFill>
+            </a:ln>
+          </p:spPr>
+          <p:style>
+            <a:lnRef idx="2">
+              <a:schemeClr val="accent1">
+                <a:shade val="50000"/>
+              </a:schemeClr>
+            </a:lnRef>
+            <a:fillRef idx="1">
+              <a:schemeClr val="accent1"/>
+            </a:fillRef>
+            <a:effectRef idx="0">
+              <a:schemeClr val="accent1"/>
+            </a:effectRef>
+            <a:fontRef idx="minor">
+              <a:schemeClr val="lt1"/>
+            </a:fontRef>
+          </p:style>
+          <p:txBody>
+            <a:bodyPr rtlCol="0" anchor="ctr"/>
+            <a:lstStyle/>
+            <a:p>
+              <a:pPr algn="ctr"/>
+              <a:endParaRPr lang="en-NL">
+                <a:solidFill>
+                  <a:schemeClr val="tx1"/>
+                </a:solidFill>
+              </a:endParaRPr>
+            </a:p>
+          </p:txBody>
+        </p:sp>
+        <p:sp>
+          <p:nvSpPr>
+            <p:cNvPr id="51" name="Rectangle 50">
+              <a:extLst>
+                <a:ext uri="{FF2B5EF4-FFF2-40B4-BE49-F238E27FC236}">
+                  <a16:creationId xmlns:a16="http://schemas.microsoft.com/office/drawing/2014/main" id="{7BAB9030-93E9-3D89-5675-57C727A39271}"/>
+                </a:ext>
+              </a:extLst>
+            </p:cNvPr>
+            <p:cNvSpPr/>
+            <p:nvPr/>
+          </p:nvSpPr>
+          <p:spPr>
+            <a:xfrm>
+              <a:off x="3240000" y="720000"/>
+              <a:ext cx="360000" cy="360000"/>
+            </a:xfrm>
+            <a:prstGeom prst="rect">
+              <a:avLst/>
+            </a:prstGeom>
+            <a:noFill/>
+            <a:ln w="3175">
+              <a:solidFill>
+                <a:schemeClr val="tx1"/>
+              </a:solidFill>
+            </a:ln>
+          </p:spPr>
+          <p:style>
+            <a:lnRef idx="2">
+              <a:schemeClr val="accent1">
+                <a:shade val="50000"/>
+              </a:schemeClr>
+            </a:lnRef>
+            <a:fillRef idx="1">
+              <a:schemeClr val="accent1"/>
+            </a:fillRef>
+            <a:effectRef idx="0">
+              <a:schemeClr val="accent1"/>
+            </a:effectRef>
+            <a:fontRef idx="minor">
+              <a:schemeClr val="lt1"/>
+            </a:fontRef>
+          </p:style>
+          <p:txBody>
+            <a:bodyPr rtlCol="0" anchor="ctr"/>
+            <a:lstStyle/>
+            <a:p>
+              <a:pPr algn="ctr"/>
+              <a:r>
+                <a:rPr lang="en-US" dirty="0">
+                  <a:solidFill>
+                    <a:schemeClr val="tx1"/>
+                  </a:solidFill>
+                </a:rPr>
+                <a:t>0</a:t>
+              </a:r>
+              <a:endParaRPr lang="en-NL" dirty="0">
+                <a:solidFill>
+                  <a:schemeClr val="tx1"/>
+                </a:solidFill>
+              </a:endParaRPr>
+            </a:p>
+          </p:txBody>
+        </p:sp>
+        <p:sp>
+          <p:nvSpPr>
+            <p:cNvPr id="52" name="Rectangle 51">
+              <a:extLst>
+                <a:ext uri="{FF2B5EF4-FFF2-40B4-BE49-F238E27FC236}">
+                  <a16:creationId xmlns:a16="http://schemas.microsoft.com/office/drawing/2014/main" id="{AED10997-D771-66A8-622A-51041C97D802}"/>
+                </a:ext>
+              </a:extLst>
+            </p:cNvPr>
+            <p:cNvSpPr/>
+            <p:nvPr/>
+          </p:nvSpPr>
+          <p:spPr>
+            <a:xfrm>
+              <a:off x="2880000" y="720000"/>
+              <a:ext cx="360000" cy="360000"/>
+            </a:xfrm>
+            <a:prstGeom prst="rect">
+              <a:avLst/>
+            </a:prstGeom>
+            <a:solidFill>
+              <a:schemeClr val="tx1"/>
+            </a:solidFill>
+            <a:ln w="3175">
+              <a:solidFill>
+                <a:schemeClr val="tx1"/>
+              </a:solidFill>
+            </a:ln>
+          </p:spPr>
+          <p:style>
+            <a:lnRef idx="2">
+              <a:schemeClr val="accent1">
+                <a:shade val="50000"/>
+              </a:schemeClr>
+            </a:lnRef>
+            <a:fillRef idx="1">
+              <a:schemeClr val="accent1"/>
+            </a:fillRef>
+            <a:effectRef idx="0">
+              <a:schemeClr val="accent1"/>
+            </a:effectRef>
+            <a:fontRef idx="minor">
+              <a:schemeClr val="lt1"/>
+            </a:fontRef>
+          </p:style>
+          <p:txBody>
+            <a:bodyPr rtlCol="0" anchor="ctr"/>
+            <a:lstStyle/>
+            <a:p>
+              <a:pPr algn="ctr"/>
+              <a:r>
+                <a:rPr lang="en-US" dirty="0">
+                  <a:solidFill>
+                    <a:schemeClr val="bg1"/>
+                  </a:solidFill>
+                </a:rPr>
+                <a:t>1</a:t>
+              </a:r>
+              <a:endParaRPr lang="en-NL" dirty="0">
+                <a:solidFill>
+                  <a:schemeClr val="bg1"/>
+                </a:solidFill>
+              </a:endParaRPr>
+            </a:p>
+          </p:txBody>
+        </p:sp>
+        <p:sp>
+          <p:nvSpPr>
+            <p:cNvPr id="53" name="Rectangle 52">
+              <a:extLst>
+                <a:ext uri="{FF2B5EF4-FFF2-40B4-BE49-F238E27FC236}">
+                  <a16:creationId xmlns:a16="http://schemas.microsoft.com/office/drawing/2014/main" id="{2CBED956-7964-72CD-E9F2-EA8CC1320C89}"/>
+                </a:ext>
+              </a:extLst>
+            </p:cNvPr>
+            <p:cNvSpPr/>
+            <p:nvPr/>
+          </p:nvSpPr>
+          <p:spPr>
+            <a:xfrm>
+              <a:off x="2520000" y="720000"/>
+              <a:ext cx="360000" cy="360000"/>
+            </a:xfrm>
+            <a:prstGeom prst="rect">
+              <a:avLst/>
+            </a:prstGeom>
+            <a:solidFill>
+              <a:schemeClr val="tx1"/>
+            </a:solidFill>
+            <a:ln w="3175">
+              <a:solidFill>
+                <a:schemeClr val="tx1"/>
+              </a:solidFill>
+            </a:ln>
+          </p:spPr>
+          <p:style>
+            <a:lnRef idx="2">
+              <a:schemeClr val="accent1">
+                <a:shade val="50000"/>
+              </a:schemeClr>
+            </a:lnRef>
+            <a:fillRef idx="1">
+              <a:schemeClr val="accent1"/>
+            </a:fillRef>
+            <a:effectRef idx="0">
+              <a:schemeClr val="accent1"/>
+            </a:effectRef>
+            <a:fontRef idx="minor">
+              <a:schemeClr val="lt1"/>
+            </a:fontRef>
+          </p:style>
+          <p:txBody>
+            <a:bodyPr rtlCol="0" anchor="ctr"/>
+            <a:lstStyle/>
+            <a:p>
+              <a:pPr algn="ctr"/>
+              <a:r>
+                <a:rPr lang="en-US" dirty="0">
+                  <a:solidFill>
+                    <a:schemeClr val="bg1"/>
+                  </a:solidFill>
+                </a:rPr>
+                <a:t>1</a:t>
+              </a:r>
+              <a:endParaRPr lang="en-NL" dirty="0">
+                <a:solidFill>
+                  <a:schemeClr val="bg1"/>
+                </a:solidFill>
+              </a:endParaRPr>
+            </a:p>
+          </p:txBody>
+        </p:sp>
+        <p:sp>
+          <p:nvSpPr>
+            <p:cNvPr id="54" name="Rectangle 53">
+              <a:extLst>
+                <a:ext uri="{FF2B5EF4-FFF2-40B4-BE49-F238E27FC236}">
+                  <a16:creationId xmlns:a16="http://schemas.microsoft.com/office/drawing/2014/main" id="{87BF9DCA-7094-8C04-88F4-E9F952A2BA91}"/>
+                </a:ext>
+              </a:extLst>
+            </p:cNvPr>
+            <p:cNvSpPr/>
+            <p:nvPr/>
+          </p:nvSpPr>
+          <p:spPr>
+            <a:xfrm>
+              <a:off x="2160000" y="720000"/>
+              <a:ext cx="360000" cy="360000"/>
+            </a:xfrm>
+            <a:prstGeom prst="rect">
+              <a:avLst/>
+            </a:prstGeom>
+            <a:noFill/>
+            <a:ln w="3175">
+              <a:solidFill>
+                <a:schemeClr val="tx1"/>
+              </a:solidFill>
+            </a:ln>
+          </p:spPr>
+          <p:style>
+            <a:lnRef idx="2">
+              <a:schemeClr val="accent1">
+                <a:shade val="50000"/>
+              </a:schemeClr>
+            </a:lnRef>
+            <a:fillRef idx="1">
+              <a:schemeClr val="accent1"/>
+            </a:fillRef>
+            <a:effectRef idx="0">
+              <a:schemeClr val="accent1"/>
+            </a:effectRef>
+            <a:fontRef idx="minor">
+              <a:schemeClr val="lt1"/>
+            </a:fontRef>
+          </p:style>
+          <p:txBody>
+            <a:bodyPr rtlCol="0" anchor="ctr"/>
+            <a:lstStyle/>
+            <a:p>
+              <a:pPr algn="ctr"/>
+              <a:r>
+                <a:rPr lang="en-US" dirty="0">
+                  <a:solidFill>
+                    <a:schemeClr val="tx1"/>
+                  </a:solidFill>
+                </a:rPr>
+                <a:t>0</a:t>
+              </a:r>
+              <a:endParaRPr lang="en-NL" dirty="0">
+                <a:solidFill>
+                  <a:schemeClr val="tx1"/>
+                </a:solidFill>
+              </a:endParaRPr>
+            </a:p>
+          </p:txBody>
+        </p:sp>
+        <p:sp>
+          <p:nvSpPr>
+            <p:cNvPr id="55" name="Rectangle 54">
+              <a:extLst>
+                <a:ext uri="{FF2B5EF4-FFF2-40B4-BE49-F238E27FC236}">
+                  <a16:creationId xmlns:a16="http://schemas.microsoft.com/office/drawing/2014/main" id="{349712F5-3C7F-58EA-8D6B-93CEA9DCFF14}"/>
+                </a:ext>
+              </a:extLst>
+            </p:cNvPr>
+            <p:cNvSpPr/>
+            <p:nvPr/>
+          </p:nvSpPr>
+          <p:spPr>
+            <a:xfrm>
+              <a:off x="3600000" y="720000"/>
+              <a:ext cx="360000" cy="360000"/>
+            </a:xfrm>
+            <a:prstGeom prst="rect">
+              <a:avLst/>
+            </a:prstGeom>
+            <a:noFill/>
+            <a:ln w="3175">
+              <a:solidFill>
+                <a:schemeClr val="tx1"/>
+              </a:solidFill>
+            </a:ln>
+          </p:spPr>
+          <p:style>
+            <a:lnRef idx="2">
+              <a:schemeClr val="accent1">
+                <a:shade val="50000"/>
+              </a:schemeClr>
+            </a:lnRef>
+            <a:fillRef idx="1">
+              <a:schemeClr val="accent1"/>
+            </a:fillRef>
+            <a:effectRef idx="0">
+              <a:schemeClr val="accent1"/>
+            </a:effectRef>
+            <a:fontRef idx="minor">
+              <a:schemeClr val="lt1"/>
+            </a:fontRef>
+          </p:style>
+          <p:txBody>
+            <a:bodyPr rtlCol="0" anchor="ctr"/>
+            <a:lstStyle/>
+            <a:p>
+              <a:pPr algn="ctr"/>
+              <a:r>
+                <a:rPr lang="en-US" dirty="0">
+                  <a:solidFill>
+                    <a:schemeClr val="tx1"/>
+                  </a:solidFill>
+                </a:rPr>
+                <a:t>0</a:t>
+              </a:r>
+              <a:endParaRPr lang="en-NL" dirty="0">
+                <a:solidFill>
+                  <a:schemeClr val="tx1"/>
+                </a:solidFill>
+              </a:endParaRPr>
+            </a:p>
+          </p:txBody>
+        </p:sp>
+        <p:sp>
+          <p:nvSpPr>
+            <p:cNvPr id="56" name="Rectangle 55">
+              <a:extLst>
+                <a:ext uri="{FF2B5EF4-FFF2-40B4-BE49-F238E27FC236}">
+                  <a16:creationId xmlns:a16="http://schemas.microsoft.com/office/drawing/2014/main" id="{16D98F17-22C1-9834-7565-DF61E36BD7BD}"/>
+                </a:ext>
+              </a:extLst>
+            </p:cNvPr>
+            <p:cNvSpPr/>
+            <p:nvPr/>
+          </p:nvSpPr>
+          <p:spPr>
+            <a:xfrm>
+              <a:off x="1800000" y="720000"/>
+              <a:ext cx="360000" cy="360000"/>
+            </a:xfrm>
+            <a:prstGeom prst="rect">
+              <a:avLst/>
+            </a:prstGeom>
+            <a:noFill/>
+            <a:ln w="3175">
+              <a:solidFill>
+                <a:schemeClr val="tx1"/>
+              </a:solidFill>
+            </a:ln>
+          </p:spPr>
+          <p:style>
+            <a:lnRef idx="2">
+              <a:schemeClr val="accent1">
+                <a:shade val="50000"/>
+              </a:schemeClr>
+            </a:lnRef>
+            <a:fillRef idx="1">
+              <a:schemeClr val="accent1"/>
+            </a:fillRef>
+            <a:effectRef idx="0">
+              <a:schemeClr val="accent1"/>
+            </a:effectRef>
+            <a:fontRef idx="minor">
+              <a:schemeClr val="lt1"/>
+            </a:fontRef>
+          </p:style>
+          <p:txBody>
+            <a:bodyPr rtlCol="0" anchor="ctr"/>
+            <a:lstStyle/>
+            <a:p>
+              <a:pPr algn="ctr"/>
+              <a:r>
+                <a:rPr lang="en-US" dirty="0">
+                  <a:solidFill>
+                    <a:schemeClr val="tx1"/>
+                  </a:solidFill>
+                </a:rPr>
+                <a:t>0</a:t>
+              </a:r>
+              <a:endParaRPr lang="en-NL" dirty="0">
+                <a:solidFill>
+                  <a:schemeClr val="tx1"/>
+                </a:solidFill>
+              </a:endParaRPr>
+            </a:p>
+          </p:txBody>
+        </p:sp>
+        <p:sp>
+          <p:nvSpPr>
+            <p:cNvPr id="57" name="Rectangle 56">
+              <a:extLst>
+                <a:ext uri="{FF2B5EF4-FFF2-40B4-BE49-F238E27FC236}">
+                  <a16:creationId xmlns:a16="http://schemas.microsoft.com/office/drawing/2014/main" id="{D6804726-9702-5C9B-FC39-5AD774C162AA}"/>
+                </a:ext>
+              </a:extLst>
+            </p:cNvPr>
+            <p:cNvSpPr/>
+            <p:nvPr/>
+          </p:nvSpPr>
+          <p:spPr>
+            <a:xfrm>
+              <a:off x="1798800" y="1080000"/>
+              <a:ext cx="360000" cy="360000"/>
+            </a:xfrm>
+            <a:prstGeom prst="rect">
+              <a:avLst/>
+            </a:prstGeom>
+            <a:noFill/>
+            <a:ln w="3175">
+              <a:solidFill>
+                <a:schemeClr val="tx1"/>
+              </a:solidFill>
+            </a:ln>
+          </p:spPr>
+          <p:style>
+            <a:lnRef idx="2">
+              <a:schemeClr val="accent1">
+                <a:shade val="50000"/>
+              </a:schemeClr>
+            </a:lnRef>
+            <a:fillRef idx="1">
+              <a:schemeClr val="accent1"/>
+            </a:fillRef>
+            <a:effectRef idx="0">
+              <a:schemeClr val="accent1"/>
+            </a:effectRef>
+            <a:fontRef idx="minor">
+              <a:schemeClr val="lt1"/>
+            </a:fontRef>
+          </p:style>
+          <p:txBody>
+            <a:bodyPr rtlCol="0" anchor="ctr"/>
+            <a:lstStyle/>
+            <a:p>
+              <a:pPr algn="ctr"/>
+              <a:r>
+                <a:rPr lang="en-US" dirty="0">
+                  <a:solidFill>
+                    <a:schemeClr val="tx1"/>
+                  </a:solidFill>
+                </a:rPr>
+                <a:t>0</a:t>
+              </a:r>
+              <a:endParaRPr lang="en-NL" dirty="0">
+                <a:solidFill>
+                  <a:schemeClr val="tx1"/>
+                </a:solidFill>
+              </a:endParaRPr>
+            </a:p>
+          </p:txBody>
+        </p:sp>
+        <p:sp>
+          <p:nvSpPr>
+            <p:cNvPr id="58" name="Rectangle 57">
+              <a:extLst>
+                <a:ext uri="{FF2B5EF4-FFF2-40B4-BE49-F238E27FC236}">
+                  <a16:creationId xmlns:a16="http://schemas.microsoft.com/office/drawing/2014/main" id="{C20FA88B-A93C-2C5B-132D-EB9A13F6E511}"/>
+                </a:ext>
+              </a:extLst>
+            </p:cNvPr>
+            <p:cNvSpPr/>
+            <p:nvPr/>
+          </p:nvSpPr>
+          <p:spPr>
+            <a:xfrm>
+              <a:off x="1798800" y="1800000"/>
+              <a:ext cx="360000" cy="360000"/>
+            </a:xfrm>
+            <a:prstGeom prst="rect">
+              <a:avLst/>
+            </a:prstGeom>
+            <a:solidFill>
+              <a:schemeClr val="tx1"/>
+            </a:solidFill>
+            <a:ln w="3175">
+              <a:solidFill>
+                <a:schemeClr val="tx1"/>
+              </a:solidFill>
+            </a:ln>
+          </p:spPr>
+          <p:style>
+            <a:lnRef idx="2">
+              <a:schemeClr val="accent1">
+                <a:shade val="50000"/>
+              </a:schemeClr>
+            </a:lnRef>
+            <a:fillRef idx="1">
+              <a:schemeClr val="accent1"/>
+            </a:fillRef>
+            <a:effectRef idx="0">
+              <a:schemeClr val="accent1"/>
+            </a:effectRef>
+            <a:fontRef idx="minor">
+              <a:schemeClr val="lt1"/>
+            </a:fontRef>
+          </p:style>
+          <p:txBody>
+            <a:bodyPr rtlCol="0" anchor="ctr"/>
+            <a:lstStyle/>
+            <a:p>
+              <a:pPr algn="ctr"/>
+              <a:r>
+                <a:rPr lang="en-US" dirty="0">
+                  <a:solidFill>
+                    <a:schemeClr val="bg1"/>
+                  </a:solidFill>
+                </a:rPr>
+                <a:t>1</a:t>
+              </a:r>
+              <a:endParaRPr lang="en-NL" dirty="0">
+                <a:solidFill>
+                  <a:schemeClr val="bg1"/>
+                </a:solidFill>
+              </a:endParaRPr>
+            </a:p>
+          </p:txBody>
+        </p:sp>
+        <p:sp>
+          <p:nvSpPr>
+            <p:cNvPr id="59" name="Rectangle 58">
+              <a:extLst>
+                <a:ext uri="{FF2B5EF4-FFF2-40B4-BE49-F238E27FC236}">
+                  <a16:creationId xmlns:a16="http://schemas.microsoft.com/office/drawing/2014/main" id="{AF025659-E6E9-DE98-D263-B7AC4AE62F5F}"/>
+                </a:ext>
+              </a:extLst>
+            </p:cNvPr>
+            <p:cNvSpPr/>
+            <p:nvPr/>
+          </p:nvSpPr>
+          <p:spPr>
+            <a:xfrm>
+              <a:off x="1798800" y="1440000"/>
+              <a:ext cx="360000" cy="360000"/>
+            </a:xfrm>
+            <a:prstGeom prst="rect">
+              <a:avLst/>
+            </a:prstGeom>
+            <a:solidFill>
+              <a:schemeClr val="tx1"/>
+            </a:solidFill>
+            <a:ln w="3175">
+              <a:solidFill>
+                <a:schemeClr val="tx1"/>
+              </a:solidFill>
+            </a:ln>
+          </p:spPr>
+          <p:style>
+            <a:lnRef idx="2">
+              <a:schemeClr val="accent1">
+                <a:shade val="50000"/>
+              </a:schemeClr>
+            </a:lnRef>
+            <a:fillRef idx="1">
+              <a:schemeClr val="accent1"/>
+            </a:fillRef>
+            <a:effectRef idx="0">
+              <a:schemeClr val="accent1"/>
+            </a:effectRef>
+            <a:fontRef idx="minor">
+              <a:schemeClr val="lt1"/>
+            </a:fontRef>
+          </p:style>
+          <p:txBody>
+            <a:bodyPr rtlCol="0" anchor="ctr"/>
+            <a:lstStyle/>
+            <a:p>
+              <a:pPr algn="ctr"/>
+              <a:r>
+                <a:rPr lang="en-US" dirty="0">
+                  <a:solidFill>
+                    <a:schemeClr val="bg1"/>
+                  </a:solidFill>
+                </a:rPr>
+                <a:t>1</a:t>
+              </a:r>
+              <a:endParaRPr lang="en-NL" dirty="0">
+                <a:solidFill>
+                  <a:schemeClr val="bg1"/>
+                </a:solidFill>
+              </a:endParaRPr>
+            </a:p>
+          </p:txBody>
+        </p:sp>
+        <p:sp>
+          <p:nvSpPr>
+            <p:cNvPr id="60" name="Rectangle 59">
+              <a:extLst>
+                <a:ext uri="{FF2B5EF4-FFF2-40B4-BE49-F238E27FC236}">
+                  <a16:creationId xmlns:a16="http://schemas.microsoft.com/office/drawing/2014/main" id="{ECD31A37-7C8D-141A-FA1E-2E59B3CFE5DE}"/>
+                </a:ext>
+              </a:extLst>
+            </p:cNvPr>
+            <p:cNvSpPr/>
+            <p:nvPr/>
+          </p:nvSpPr>
+          <p:spPr>
+            <a:xfrm>
+              <a:off x="1798800" y="2160000"/>
+              <a:ext cx="360000" cy="360000"/>
+            </a:xfrm>
+            <a:prstGeom prst="rect">
+              <a:avLst/>
+            </a:prstGeom>
+            <a:noFill/>
+            <a:ln w="3175">
+              <a:solidFill>
+                <a:schemeClr val="tx1"/>
+              </a:solidFill>
+            </a:ln>
+          </p:spPr>
+          <p:style>
+            <a:lnRef idx="2">
+              <a:schemeClr val="accent1">
+                <a:shade val="50000"/>
+              </a:schemeClr>
+            </a:lnRef>
+            <a:fillRef idx="1">
+              <a:schemeClr val="accent1"/>
+            </a:fillRef>
+            <a:effectRef idx="0">
+              <a:schemeClr val="accent1"/>
+            </a:effectRef>
+            <a:fontRef idx="minor">
+              <a:schemeClr val="lt1"/>
+            </a:fontRef>
+          </p:style>
+          <p:txBody>
+            <a:bodyPr rtlCol="0" anchor="ctr"/>
+            <a:lstStyle/>
+            <a:p>
+              <a:pPr algn="ctr"/>
+              <a:r>
+                <a:rPr lang="en-US" dirty="0">
+                  <a:solidFill>
+                    <a:schemeClr val="tx1"/>
+                  </a:solidFill>
+                </a:rPr>
+                <a:t>0</a:t>
+              </a:r>
+              <a:endParaRPr lang="en-NL" dirty="0">
+                <a:solidFill>
+                  <a:schemeClr val="tx1"/>
+                </a:solidFill>
+              </a:endParaRPr>
+            </a:p>
+          </p:txBody>
+        </p:sp>
+        <p:sp>
+          <p:nvSpPr>
+            <p:cNvPr id="61" name="Rectangle 60">
+              <a:extLst>
+                <a:ext uri="{FF2B5EF4-FFF2-40B4-BE49-F238E27FC236}">
+                  <a16:creationId xmlns:a16="http://schemas.microsoft.com/office/drawing/2014/main" id="{ED81245F-FCC3-B7A0-1A07-DBA71FA84FE8}"/>
+                </a:ext>
+              </a:extLst>
+            </p:cNvPr>
+            <p:cNvSpPr/>
+            <p:nvPr/>
+          </p:nvSpPr>
+          <p:spPr>
+            <a:xfrm>
+              <a:off x="1798800" y="2520000"/>
+              <a:ext cx="360000" cy="360000"/>
+            </a:xfrm>
+            <a:prstGeom prst="rect">
+              <a:avLst/>
+            </a:prstGeom>
+            <a:noFill/>
+            <a:ln w="3175">
+              <a:solidFill>
+                <a:schemeClr val="tx1"/>
+              </a:solidFill>
+            </a:ln>
+          </p:spPr>
+          <p:style>
+            <a:lnRef idx="2">
+              <a:schemeClr val="accent1">
+                <a:shade val="50000"/>
+              </a:schemeClr>
+            </a:lnRef>
+            <a:fillRef idx="1">
+              <a:schemeClr val="accent1"/>
+            </a:fillRef>
+            <a:effectRef idx="0">
+              <a:schemeClr val="accent1"/>
+            </a:effectRef>
+            <a:fontRef idx="minor">
+              <a:schemeClr val="lt1"/>
+            </a:fontRef>
+          </p:style>
+          <p:txBody>
+            <a:bodyPr rtlCol="0" anchor="ctr"/>
+            <a:lstStyle/>
+            <a:p>
+              <a:pPr algn="ctr"/>
+              <a:r>
+                <a:rPr lang="en-US" dirty="0">
+                  <a:solidFill>
+                    <a:schemeClr val="tx1"/>
+                  </a:solidFill>
+                </a:rPr>
+                <a:t>0</a:t>
+              </a:r>
+              <a:endParaRPr lang="en-NL" dirty="0">
+                <a:solidFill>
+                  <a:schemeClr val="tx1"/>
+                </a:solidFill>
+              </a:endParaRPr>
+            </a:p>
+          </p:txBody>
+        </p:sp>
+        <p:sp>
+          <p:nvSpPr>
+            <p:cNvPr id="62" name="Rectangle 61">
+              <a:extLst>
+                <a:ext uri="{FF2B5EF4-FFF2-40B4-BE49-F238E27FC236}">
+                  <a16:creationId xmlns:a16="http://schemas.microsoft.com/office/drawing/2014/main" id="{1DEEE94D-390F-AD5F-A4B2-4DDF71846466}"/>
+                </a:ext>
+              </a:extLst>
+            </p:cNvPr>
+            <p:cNvSpPr/>
+            <p:nvPr/>
+          </p:nvSpPr>
+          <p:spPr>
+            <a:xfrm>
+              <a:off x="2520000" y="1080000"/>
+              <a:ext cx="360000" cy="360000"/>
+            </a:xfrm>
+            <a:prstGeom prst="rect">
+              <a:avLst/>
+            </a:prstGeom>
+            <a:noFill/>
+            <a:ln w="3175">
+              <a:solidFill>
+                <a:schemeClr val="tx1"/>
+              </a:solidFill>
+            </a:ln>
+          </p:spPr>
+          <p:style>
+            <a:lnRef idx="2">
+              <a:schemeClr val="accent1">
+                <a:shade val="50000"/>
+              </a:schemeClr>
+            </a:lnRef>
+            <a:fillRef idx="1">
+              <a:schemeClr val="accent1"/>
+            </a:fillRef>
+            <a:effectRef idx="0">
+              <a:schemeClr val="accent1"/>
+            </a:effectRef>
+            <a:fontRef idx="minor">
+              <a:schemeClr val="lt1"/>
+            </a:fontRef>
+          </p:style>
+          <p:txBody>
+            <a:bodyPr rtlCol="0" anchor="ctr"/>
+            <a:lstStyle/>
+            <a:p>
+              <a:pPr algn="ctr"/>
+              <a:r>
+                <a:rPr lang="en-US" dirty="0">
+                  <a:solidFill>
+                    <a:schemeClr val="tx1"/>
+                  </a:solidFill>
+                </a:rPr>
+                <a:t>0</a:t>
+              </a:r>
+              <a:endParaRPr lang="en-NL" dirty="0">
+                <a:solidFill>
+                  <a:schemeClr val="tx1"/>
+                </a:solidFill>
+              </a:endParaRPr>
+            </a:p>
+          </p:txBody>
+        </p:sp>
+        <p:sp>
+          <p:nvSpPr>
+            <p:cNvPr id="63" name="Rectangle 62">
+              <a:extLst>
+                <a:ext uri="{FF2B5EF4-FFF2-40B4-BE49-F238E27FC236}">
+                  <a16:creationId xmlns:a16="http://schemas.microsoft.com/office/drawing/2014/main" id="{9EBC39C2-7E9B-F98E-DC1D-063CD8A821CA}"/>
+                </a:ext>
+              </a:extLst>
+            </p:cNvPr>
+            <p:cNvSpPr/>
+            <p:nvPr/>
+          </p:nvSpPr>
+          <p:spPr>
+            <a:xfrm>
+              <a:off x="2160000" y="1080000"/>
+              <a:ext cx="360000" cy="360000"/>
+            </a:xfrm>
+            <a:prstGeom prst="rect">
+              <a:avLst/>
+            </a:prstGeom>
+            <a:solidFill>
+              <a:schemeClr val="tx1"/>
+            </a:solidFill>
+            <a:ln w="3175">
+              <a:solidFill>
+                <a:schemeClr val="tx1"/>
+              </a:solidFill>
+            </a:ln>
+          </p:spPr>
+          <p:style>
+            <a:lnRef idx="2">
+              <a:schemeClr val="accent1">
+                <a:shade val="50000"/>
+              </a:schemeClr>
+            </a:lnRef>
+            <a:fillRef idx="1">
+              <a:schemeClr val="accent1"/>
+            </a:fillRef>
+            <a:effectRef idx="0">
+              <a:schemeClr val="accent1"/>
+            </a:effectRef>
+            <a:fontRef idx="minor">
+              <a:schemeClr val="lt1"/>
+            </a:fontRef>
+          </p:style>
+          <p:txBody>
+            <a:bodyPr rtlCol="0" anchor="ctr"/>
+            <a:lstStyle/>
+            <a:p>
+              <a:pPr algn="ctr"/>
+              <a:r>
+                <a:rPr lang="en-US" dirty="0">
+                  <a:solidFill>
+                    <a:schemeClr val="bg1"/>
+                  </a:solidFill>
+                </a:rPr>
+                <a:t>1</a:t>
+              </a:r>
+              <a:endParaRPr lang="en-NL" dirty="0">
+                <a:solidFill>
+                  <a:schemeClr val="bg1"/>
+                </a:solidFill>
+              </a:endParaRPr>
+            </a:p>
+          </p:txBody>
+        </p:sp>
+        <p:sp>
+          <p:nvSpPr>
+            <p:cNvPr id="64" name="Rectangle 63">
+              <a:extLst>
+                <a:ext uri="{FF2B5EF4-FFF2-40B4-BE49-F238E27FC236}">
+                  <a16:creationId xmlns:a16="http://schemas.microsoft.com/office/drawing/2014/main" id="{68DAEFE4-9482-2F62-4B3A-AA7CA1302AA3}"/>
+                </a:ext>
+              </a:extLst>
+            </p:cNvPr>
+            <p:cNvSpPr/>
+            <p:nvPr/>
+          </p:nvSpPr>
+          <p:spPr>
+            <a:xfrm>
+              <a:off x="3598400" y="1440000"/>
+              <a:ext cx="360000" cy="360000"/>
+            </a:xfrm>
+            <a:prstGeom prst="rect">
+              <a:avLst/>
+            </a:prstGeom>
+            <a:solidFill>
+              <a:schemeClr val="tx1"/>
+            </a:solidFill>
+            <a:ln w="3175">
+              <a:solidFill>
+                <a:schemeClr val="tx1"/>
+              </a:solidFill>
+            </a:ln>
+          </p:spPr>
+          <p:style>
+            <a:lnRef idx="2">
+              <a:schemeClr val="accent1">
+                <a:shade val="50000"/>
+              </a:schemeClr>
+            </a:lnRef>
+            <a:fillRef idx="1">
+              <a:schemeClr val="accent1"/>
+            </a:fillRef>
+            <a:effectRef idx="0">
+              <a:schemeClr val="accent1"/>
+            </a:effectRef>
+            <a:fontRef idx="minor">
+              <a:schemeClr val="lt1"/>
+            </a:fontRef>
+          </p:style>
+          <p:txBody>
+            <a:bodyPr rtlCol="0" anchor="ctr"/>
+            <a:lstStyle/>
+            <a:p>
+              <a:pPr algn="ctr"/>
+              <a:r>
+                <a:rPr lang="en-US" dirty="0">
+                  <a:solidFill>
+                    <a:schemeClr val="bg1"/>
+                  </a:solidFill>
+                </a:rPr>
+                <a:t>1</a:t>
+              </a:r>
+              <a:endParaRPr lang="en-NL" dirty="0">
+                <a:solidFill>
+                  <a:schemeClr val="bg1"/>
+                </a:solidFill>
+              </a:endParaRPr>
+            </a:p>
+          </p:txBody>
+        </p:sp>
+        <p:sp>
+          <p:nvSpPr>
+            <p:cNvPr id="65" name="Rectangle 64">
+              <a:extLst>
+                <a:ext uri="{FF2B5EF4-FFF2-40B4-BE49-F238E27FC236}">
+                  <a16:creationId xmlns:a16="http://schemas.microsoft.com/office/drawing/2014/main" id="{CF16FE3C-5103-1A44-5A5C-C83E5229C52C}"/>
+                </a:ext>
+              </a:extLst>
+            </p:cNvPr>
+            <p:cNvSpPr/>
+            <p:nvPr/>
+          </p:nvSpPr>
+          <p:spPr>
+            <a:xfrm>
+              <a:off x="3240000" y="1440000"/>
+              <a:ext cx="360000" cy="360000"/>
+            </a:xfrm>
+            <a:prstGeom prst="rect">
+              <a:avLst/>
+            </a:prstGeom>
+            <a:noFill/>
+            <a:ln w="3175">
+              <a:solidFill>
+                <a:schemeClr val="tx1"/>
+              </a:solidFill>
+            </a:ln>
+          </p:spPr>
+          <p:style>
+            <a:lnRef idx="2">
+              <a:schemeClr val="accent1">
+                <a:shade val="50000"/>
+              </a:schemeClr>
+            </a:lnRef>
+            <a:fillRef idx="1">
+              <a:schemeClr val="accent1"/>
+            </a:fillRef>
+            <a:effectRef idx="0">
+              <a:schemeClr val="accent1"/>
+            </a:effectRef>
+            <a:fontRef idx="minor">
+              <a:schemeClr val="lt1"/>
+            </a:fontRef>
+          </p:style>
+          <p:txBody>
+            <a:bodyPr rtlCol="0" anchor="ctr"/>
+            <a:lstStyle/>
+            <a:p>
+              <a:pPr algn="ctr"/>
+              <a:r>
+                <a:rPr lang="en-US" dirty="0">
+                  <a:solidFill>
+                    <a:schemeClr val="tx1"/>
+                  </a:solidFill>
+                </a:rPr>
+                <a:t>0</a:t>
+              </a:r>
+              <a:endParaRPr lang="en-NL" dirty="0">
+                <a:solidFill>
+                  <a:schemeClr val="tx1"/>
+                </a:solidFill>
+              </a:endParaRPr>
+            </a:p>
+          </p:txBody>
+        </p:sp>
+        <p:sp>
+          <p:nvSpPr>
+            <p:cNvPr id="66" name="Rectangle 65">
+              <a:extLst>
+                <a:ext uri="{FF2B5EF4-FFF2-40B4-BE49-F238E27FC236}">
+                  <a16:creationId xmlns:a16="http://schemas.microsoft.com/office/drawing/2014/main" id="{7DAF9D01-B6BD-2F2F-6F80-67606344F0D8}"/>
+                </a:ext>
+              </a:extLst>
+            </p:cNvPr>
+            <p:cNvSpPr/>
+            <p:nvPr/>
+          </p:nvSpPr>
+          <p:spPr>
+            <a:xfrm>
+              <a:off x="2879200" y="1440000"/>
+              <a:ext cx="360000" cy="360000"/>
+            </a:xfrm>
+            <a:prstGeom prst="rect">
+              <a:avLst/>
+            </a:prstGeom>
+            <a:noFill/>
+            <a:ln w="3175">
+              <a:solidFill>
+                <a:schemeClr val="tx1"/>
+              </a:solidFill>
+            </a:ln>
+          </p:spPr>
+          <p:style>
+            <a:lnRef idx="2">
+              <a:schemeClr val="accent1">
+                <a:shade val="50000"/>
+              </a:schemeClr>
+            </a:lnRef>
+            <a:fillRef idx="1">
+              <a:schemeClr val="accent1"/>
+            </a:fillRef>
+            <a:effectRef idx="0">
+              <a:schemeClr val="accent1"/>
+            </a:effectRef>
+            <a:fontRef idx="minor">
+              <a:schemeClr val="lt1"/>
+            </a:fontRef>
+          </p:style>
+          <p:txBody>
+            <a:bodyPr rtlCol="0" anchor="ctr"/>
+            <a:lstStyle/>
+            <a:p>
+              <a:pPr algn="ctr"/>
+              <a:r>
+                <a:rPr lang="en-US" dirty="0">
+                  <a:solidFill>
+                    <a:schemeClr val="tx1"/>
+                  </a:solidFill>
+                </a:rPr>
+                <a:t>0</a:t>
+              </a:r>
+              <a:endParaRPr lang="en-NL" dirty="0">
+                <a:solidFill>
+                  <a:schemeClr val="tx1"/>
+                </a:solidFill>
+              </a:endParaRPr>
+            </a:p>
+          </p:txBody>
+        </p:sp>
+        <p:sp>
+          <p:nvSpPr>
+            <p:cNvPr id="67" name="Rectangle 66">
+              <a:extLst>
+                <a:ext uri="{FF2B5EF4-FFF2-40B4-BE49-F238E27FC236}">
+                  <a16:creationId xmlns:a16="http://schemas.microsoft.com/office/drawing/2014/main" id="{F10CD8E8-C4E5-6BC6-8705-0BE5F7C1EC0D}"/>
+                </a:ext>
+              </a:extLst>
+            </p:cNvPr>
+            <p:cNvSpPr/>
+            <p:nvPr/>
+          </p:nvSpPr>
+          <p:spPr>
+            <a:xfrm>
+              <a:off x="2520000" y="1440000"/>
+              <a:ext cx="360000" cy="360000"/>
+            </a:xfrm>
+            <a:prstGeom prst="rect">
+              <a:avLst/>
+            </a:prstGeom>
+            <a:noFill/>
+            <a:ln w="3175">
+              <a:solidFill>
+                <a:schemeClr val="tx1"/>
+              </a:solidFill>
+            </a:ln>
+          </p:spPr>
+          <p:style>
+            <a:lnRef idx="2">
+              <a:schemeClr val="accent1">
+                <a:shade val="50000"/>
+              </a:schemeClr>
+            </a:lnRef>
+            <a:fillRef idx="1">
+              <a:schemeClr val="accent1"/>
+            </a:fillRef>
+            <a:effectRef idx="0">
+              <a:schemeClr val="accent1"/>
+            </a:effectRef>
+            <a:fontRef idx="minor">
+              <a:schemeClr val="lt1"/>
+            </a:fontRef>
+          </p:style>
+          <p:txBody>
+            <a:bodyPr rtlCol="0" anchor="ctr"/>
+            <a:lstStyle/>
+            <a:p>
+              <a:pPr algn="ctr"/>
+              <a:r>
+                <a:rPr lang="en-US" dirty="0">
+                  <a:solidFill>
+                    <a:schemeClr val="tx1"/>
+                  </a:solidFill>
+                </a:rPr>
+                <a:t>0</a:t>
+              </a:r>
+              <a:endParaRPr lang="en-NL" dirty="0">
+                <a:solidFill>
+                  <a:schemeClr val="tx1"/>
+                </a:solidFill>
+              </a:endParaRPr>
+            </a:p>
+          </p:txBody>
+        </p:sp>
+        <p:sp>
+          <p:nvSpPr>
+            <p:cNvPr id="68" name="Rectangle 67">
+              <a:extLst>
+                <a:ext uri="{FF2B5EF4-FFF2-40B4-BE49-F238E27FC236}">
+                  <a16:creationId xmlns:a16="http://schemas.microsoft.com/office/drawing/2014/main" id="{539FC197-AB9B-949A-E024-51C53C9842A4}"/>
+                </a:ext>
+              </a:extLst>
+            </p:cNvPr>
+            <p:cNvSpPr/>
+            <p:nvPr/>
+          </p:nvSpPr>
+          <p:spPr>
+            <a:xfrm>
+              <a:off x="2160000" y="1440000"/>
+              <a:ext cx="360000" cy="360000"/>
+            </a:xfrm>
+            <a:prstGeom prst="rect">
+              <a:avLst/>
+            </a:prstGeom>
+            <a:noFill/>
+            <a:ln w="3175">
+              <a:solidFill>
+                <a:schemeClr val="tx1"/>
+              </a:solidFill>
+            </a:ln>
+          </p:spPr>
+          <p:style>
+            <a:lnRef idx="2">
+              <a:schemeClr val="accent1">
+                <a:shade val="50000"/>
+              </a:schemeClr>
+            </a:lnRef>
+            <a:fillRef idx="1">
+              <a:schemeClr val="accent1"/>
+            </a:fillRef>
+            <a:effectRef idx="0">
+              <a:schemeClr val="accent1"/>
+            </a:effectRef>
+            <a:fontRef idx="minor">
+              <a:schemeClr val="lt1"/>
+            </a:fontRef>
+          </p:style>
+          <p:txBody>
+            <a:bodyPr rtlCol="0" anchor="ctr"/>
+            <a:lstStyle/>
+            <a:p>
+              <a:pPr algn="ctr"/>
+              <a:r>
+                <a:rPr lang="en-US" dirty="0">
+                  <a:solidFill>
+                    <a:schemeClr val="tx1"/>
+                  </a:solidFill>
+                </a:rPr>
+                <a:t>0</a:t>
+              </a:r>
+              <a:endParaRPr lang="en-NL" dirty="0">
+                <a:solidFill>
+                  <a:schemeClr val="tx1"/>
+                </a:solidFill>
+              </a:endParaRPr>
+            </a:p>
+          </p:txBody>
+        </p:sp>
+        <p:sp>
+          <p:nvSpPr>
+            <p:cNvPr id="69" name="Rectangle 68">
+              <a:extLst>
+                <a:ext uri="{FF2B5EF4-FFF2-40B4-BE49-F238E27FC236}">
+                  <a16:creationId xmlns:a16="http://schemas.microsoft.com/office/drawing/2014/main" id="{45C37247-B86E-AADE-6A0C-0B344D0FC20B}"/>
+                </a:ext>
+              </a:extLst>
+            </p:cNvPr>
+            <p:cNvSpPr/>
+            <p:nvPr/>
+          </p:nvSpPr>
+          <p:spPr>
+            <a:xfrm>
+              <a:off x="3600000" y="1080000"/>
+              <a:ext cx="360000" cy="360000"/>
+            </a:xfrm>
+            <a:prstGeom prst="rect">
+              <a:avLst/>
+            </a:prstGeom>
+            <a:noFill/>
+            <a:ln w="3175">
+              <a:solidFill>
+                <a:schemeClr val="tx1"/>
+              </a:solidFill>
+            </a:ln>
+          </p:spPr>
+          <p:style>
+            <a:lnRef idx="2">
+              <a:schemeClr val="accent1">
+                <a:shade val="50000"/>
+              </a:schemeClr>
+            </a:lnRef>
+            <a:fillRef idx="1">
+              <a:schemeClr val="accent1"/>
+            </a:fillRef>
+            <a:effectRef idx="0">
+              <a:schemeClr val="accent1"/>
+            </a:effectRef>
+            <a:fontRef idx="minor">
+              <a:schemeClr val="lt1"/>
+            </a:fontRef>
+          </p:style>
+          <p:txBody>
+            <a:bodyPr rtlCol="0" anchor="ctr"/>
+            <a:lstStyle/>
+            <a:p>
+              <a:pPr algn="ctr"/>
+              <a:r>
+                <a:rPr lang="en-US" dirty="0">
+                  <a:solidFill>
+                    <a:schemeClr val="tx1"/>
+                  </a:solidFill>
+                </a:rPr>
+                <a:t>0</a:t>
+              </a:r>
+              <a:endParaRPr lang="en-NL" dirty="0">
+                <a:solidFill>
+                  <a:schemeClr val="tx1"/>
+                </a:solidFill>
+              </a:endParaRPr>
+            </a:p>
+          </p:txBody>
+        </p:sp>
+        <p:sp>
+          <p:nvSpPr>
+            <p:cNvPr id="70" name="Rectangle 69">
+              <a:extLst>
+                <a:ext uri="{FF2B5EF4-FFF2-40B4-BE49-F238E27FC236}">
+                  <a16:creationId xmlns:a16="http://schemas.microsoft.com/office/drawing/2014/main" id="{BB91DCB6-E3EE-A315-B415-7F7F674C8377}"/>
+                </a:ext>
+              </a:extLst>
+            </p:cNvPr>
+            <p:cNvSpPr/>
+            <p:nvPr/>
+          </p:nvSpPr>
+          <p:spPr>
+            <a:xfrm>
+              <a:off x="2879200" y="1080000"/>
+              <a:ext cx="360000" cy="360000"/>
+            </a:xfrm>
+            <a:prstGeom prst="rect">
+              <a:avLst/>
+            </a:prstGeom>
+            <a:noFill/>
+            <a:ln w="3175">
+              <a:solidFill>
+                <a:schemeClr val="tx1"/>
+              </a:solidFill>
+            </a:ln>
+          </p:spPr>
+          <p:style>
+            <a:lnRef idx="2">
+              <a:schemeClr val="accent1">
+                <a:shade val="50000"/>
+              </a:schemeClr>
+            </a:lnRef>
+            <a:fillRef idx="1">
+              <a:schemeClr val="accent1"/>
+            </a:fillRef>
+            <a:effectRef idx="0">
+              <a:schemeClr val="accent1"/>
+            </a:effectRef>
+            <a:fontRef idx="minor">
+              <a:schemeClr val="lt1"/>
+            </a:fontRef>
+          </p:style>
+          <p:txBody>
+            <a:bodyPr rtlCol="0" anchor="ctr"/>
+            <a:lstStyle/>
+            <a:p>
+              <a:pPr algn="ctr"/>
+              <a:r>
+                <a:rPr lang="en-US" dirty="0">
+                  <a:solidFill>
+                    <a:schemeClr val="tx1"/>
+                  </a:solidFill>
+                </a:rPr>
+                <a:t>0</a:t>
+              </a:r>
+              <a:endParaRPr lang="en-NL" dirty="0">
+                <a:solidFill>
+                  <a:schemeClr val="tx1"/>
+                </a:solidFill>
+              </a:endParaRPr>
+            </a:p>
+          </p:txBody>
+        </p:sp>
+        <p:sp>
+          <p:nvSpPr>
+            <p:cNvPr id="71" name="Rectangle 70">
+              <a:extLst>
+                <a:ext uri="{FF2B5EF4-FFF2-40B4-BE49-F238E27FC236}">
+                  <a16:creationId xmlns:a16="http://schemas.microsoft.com/office/drawing/2014/main" id="{3D38EAE5-603F-6EBC-B181-80B9787F0BFB}"/>
+                </a:ext>
+              </a:extLst>
+            </p:cNvPr>
+            <p:cNvSpPr/>
+            <p:nvPr/>
+          </p:nvSpPr>
+          <p:spPr>
+            <a:xfrm>
+              <a:off x="3239600" y="1080000"/>
+              <a:ext cx="360000" cy="360000"/>
+            </a:xfrm>
+            <a:prstGeom prst="rect">
+              <a:avLst/>
+            </a:prstGeom>
+            <a:solidFill>
+              <a:schemeClr val="tx1"/>
+            </a:solidFill>
+            <a:ln w="3175">
+              <a:solidFill>
+                <a:schemeClr val="tx1"/>
+              </a:solidFill>
+            </a:ln>
+          </p:spPr>
+          <p:style>
+            <a:lnRef idx="2">
+              <a:schemeClr val="accent1">
+                <a:shade val="50000"/>
+              </a:schemeClr>
+            </a:lnRef>
+            <a:fillRef idx="1">
+              <a:schemeClr val="accent1"/>
+            </a:fillRef>
+            <a:effectRef idx="0">
+              <a:schemeClr val="accent1"/>
+            </a:effectRef>
+            <a:fontRef idx="minor">
+              <a:schemeClr val="lt1"/>
+            </a:fontRef>
+          </p:style>
+          <p:txBody>
+            <a:bodyPr rtlCol="0" anchor="ctr"/>
+            <a:lstStyle/>
+            <a:p>
+              <a:pPr algn="ctr"/>
+              <a:r>
+                <a:rPr lang="en-US" dirty="0">
+                  <a:solidFill>
+                    <a:schemeClr val="bg1"/>
+                  </a:solidFill>
+                </a:rPr>
+                <a:t>1</a:t>
+              </a:r>
+              <a:endParaRPr lang="en-NL" dirty="0">
+                <a:solidFill>
+                  <a:schemeClr val="bg1"/>
+                </a:solidFill>
+              </a:endParaRPr>
+            </a:p>
+          </p:txBody>
+        </p:sp>
+        <p:sp>
+          <p:nvSpPr>
+            <p:cNvPr id="72" name="Rectangle 71">
+              <a:extLst>
+                <a:ext uri="{FF2B5EF4-FFF2-40B4-BE49-F238E27FC236}">
+                  <a16:creationId xmlns:a16="http://schemas.microsoft.com/office/drawing/2014/main" id="{117DC3B3-3768-90A8-375D-794C639A549A}"/>
+                </a:ext>
+              </a:extLst>
+            </p:cNvPr>
+            <p:cNvSpPr/>
+            <p:nvPr/>
+          </p:nvSpPr>
+          <p:spPr>
+            <a:xfrm>
+              <a:off x="3598400" y="2521000"/>
+              <a:ext cx="360000" cy="360000"/>
+            </a:xfrm>
+            <a:prstGeom prst="rect">
+              <a:avLst/>
+            </a:prstGeom>
+            <a:noFill/>
+            <a:ln w="3175">
+              <a:solidFill>
+                <a:schemeClr val="tx1"/>
+              </a:solidFill>
+            </a:ln>
+          </p:spPr>
+          <p:style>
+            <a:lnRef idx="2">
+              <a:schemeClr val="accent1">
+                <a:shade val="50000"/>
+              </a:schemeClr>
+            </a:lnRef>
+            <a:fillRef idx="1">
+              <a:schemeClr val="accent1"/>
+            </a:fillRef>
+            <a:effectRef idx="0">
+              <a:schemeClr val="accent1"/>
+            </a:effectRef>
+            <a:fontRef idx="minor">
+              <a:schemeClr val="lt1"/>
+            </a:fontRef>
+          </p:style>
+          <p:txBody>
+            <a:bodyPr rtlCol="0" anchor="ctr"/>
+            <a:lstStyle/>
+            <a:p>
+              <a:pPr algn="ctr"/>
+              <a:r>
+                <a:rPr lang="en-US" dirty="0">
+                  <a:solidFill>
+                    <a:schemeClr val="tx1"/>
+                  </a:solidFill>
+                </a:rPr>
+                <a:t>0</a:t>
+              </a:r>
+              <a:endParaRPr lang="en-NL" dirty="0">
+                <a:solidFill>
+                  <a:schemeClr val="tx1"/>
+                </a:solidFill>
+              </a:endParaRPr>
+            </a:p>
+          </p:txBody>
+        </p:sp>
+        <p:sp>
+          <p:nvSpPr>
+            <p:cNvPr id="73" name="Rectangle 72">
+              <a:extLst>
+                <a:ext uri="{FF2B5EF4-FFF2-40B4-BE49-F238E27FC236}">
+                  <a16:creationId xmlns:a16="http://schemas.microsoft.com/office/drawing/2014/main" id="{3B398297-C77B-2D3D-ABD8-122AA816572F}"/>
+                </a:ext>
+              </a:extLst>
+            </p:cNvPr>
+            <p:cNvSpPr/>
+            <p:nvPr/>
+          </p:nvSpPr>
+          <p:spPr>
+            <a:xfrm>
+              <a:off x="2160000" y="2160000"/>
+              <a:ext cx="360000" cy="360000"/>
+            </a:xfrm>
+            <a:prstGeom prst="rect">
+              <a:avLst/>
+            </a:prstGeom>
+            <a:solidFill>
+              <a:schemeClr val="tx1"/>
+            </a:solidFill>
+            <a:ln w="3175">
+              <a:solidFill>
+                <a:schemeClr val="tx1"/>
+              </a:solidFill>
+            </a:ln>
+          </p:spPr>
+          <p:style>
+            <a:lnRef idx="2">
+              <a:schemeClr val="accent1">
+                <a:shade val="50000"/>
+              </a:schemeClr>
+            </a:lnRef>
+            <a:fillRef idx="1">
+              <a:schemeClr val="accent1"/>
+            </a:fillRef>
+            <a:effectRef idx="0">
+              <a:schemeClr val="accent1"/>
+            </a:effectRef>
+            <a:fontRef idx="minor">
+              <a:schemeClr val="lt1"/>
+            </a:fontRef>
+          </p:style>
+          <p:txBody>
+            <a:bodyPr rtlCol="0" anchor="ctr"/>
+            <a:lstStyle/>
+            <a:p>
+              <a:pPr algn="ctr"/>
+              <a:r>
+                <a:rPr lang="en-US" dirty="0">
+                  <a:solidFill>
+                    <a:schemeClr val="bg1"/>
+                  </a:solidFill>
+                </a:rPr>
+                <a:t>1</a:t>
+              </a:r>
+              <a:endParaRPr lang="en-NL" dirty="0">
+                <a:solidFill>
+                  <a:schemeClr val="bg1"/>
+                </a:solidFill>
+              </a:endParaRPr>
+            </a:p>
+          </p:txBody>
+        </p:sp>
+        <p:sp>
+          <p:nvSpPr>
+            <p:cNvPr id="74" name="Rectangle 73">
+              <a:extLst>
+                <a:ext uri="{FF2B5EF4-FFF2-40B4-BE49-F238E27FC236}">
+                  <a16:creationId xmlns:a16="http://schemas.microsoft.com/office/drawing/2014/main" id="{B5422693-4078-8E72-ABA7-39FD648E1420}"/>
+                </a:ext>
+              </a:extLst>
+            </p:cNvPr>
+            <p:cNvSpPr/>
+            <p:nvPr/>
+          </p:nvSpPr>
+          <p:spPr>
+            <a:xfrm>
+              <a:off x="2159000" y="1800000"/>
+              <a:ext cx="360000" cy="360000"/>
+            </a:xfrm>
+            <a:prstGeom prst="rect">
+              <a:avLst/>
+            </a:prstGeom>
+            <a:noFill/>
+            <a:ln w="3175">
+              <a:solidFill>
+                <a:schemeClr val="tx1"/>
+              </a:solidFill>
+            </a:ln>
+          </p:spPr>
+          <p:style>
+            <a:lnRef idx="2">
+              <a:schemeClr val="accent1">
+                <a:shade val="50000"/>
+              </a:schemeClr>
+            </a:lnRef>
+            <a:fillRef idx="1">
+              <a:schemeClr val="accent1"/>
+            </a:fillRef>
+            <a:effectRef idx="0">
+              <a:schemeClr val="accent1"/>
+            </a:effectRef>
+            <a:fontRef idx="minor">
+              <a:schemeClr val="lt1"/>
+            </a:fontRef>
+          </p:style>
+          <p:txBody>
+            <a:bodyPr rtlCol="0" anchor="ctr"/>
+            <a:lstStyle/>
+            <a:p>
+              <a:pPr algn="ctr"/>
+              <a:r>
+                <a:rPr lang="en-US" dirty="0">
+                  <a:solidFill>
+                    <a:schemeClr val="tx1"/>
+                  </a:solidFill>
+                </a:rPr>
+                <a:t>0</a:t>
+              </a:r>
+              <a:endParaRPr lang="en-NL" dirty="0">
+                <a:solidFill>
+                  <a:schemeClr val="tx1"/>
+                </a:solidFill>
+              </a:endParaRPr>
+            </a:p>
+          </p:txBody>
+        </p:sp>
+        <p:sp>
+          <p:nvSpPr>
+            <p:cNvPr id="75" name="Rectangle 74">
+              <a:extLst>
+                <a:ext uri="{FF2B5EF4-FFF2-40B4-BE49-F238E27FC236}">
+                  <a16:creationId xmlns:a16="http://schemas.microsoft.com/office/drawing/2014/main" id="{44B68939-1E43-0578-0AB8-38F13BFDA6FD}"/>
+                </a:ext>
+              </a:extLst>
+            </p:cNvPr>
+            <p:cNvSpPr/>
+            <p:nvPr/>
+          </p:nvSpPr>
+          <p:spPr>
+            <a:xfrm>
+              <a:off x="2160000" y="2520000"/>
+              <a:ext cx="360000" cy="360000"/>
+            </a:xfrm>
+            <a:prstGeom prst="rect">
+              <a:avLst/>
+            </a:prstGeom>
+            <a:noFill/>
+            <a:ln w="3175">
+              <a:solidFill>
+                <a:schemeClr val="tx1"/>
+              </a:solidFill>
+            </a:ln>
+          </p:spPr>
+          <p:style>
+            <a:lnRef idx="2">
+              <a:schemeClr val="accent1">
+                <a:shade val="50000"/>
+              </a:schemeClr>
+            </a:lnRef>
+            <a:fillRef idx="1">
+              <a:schemeClr val="accent1"/>
+            </a:fillRef>
+            <a:effectRef idx="0">
+              <a:schemeClr val="accent1"/>
+            </a:effectRef>
+            <a:fontRef idx="minor">
+              <a:schemeClr val="lt1"/>
+            </a:fontRef>
+          </p:style>
+          <p:txBody>
+            <a:bodyPr rtlCol="0" anchor="ctr"/>
+            <a:lstStyle/>
+            <a:p>
+              <a:pPr algn="ctr"/>
+              <a:r>
+                <a:rPr lang="en-US" dirty="0">
+                  <a:solidFill>
+                    <a:schemeClr val="tx1"/>
+                  </a:solidFill>
+                </a:rPr>
+                <a:t>0</a:t>
+              </a:r>
+              <a:endParaRPr lang="en-NL" dirty="0">
+                <a:solidFill>
+                  <a:schemeClr val="tx1"/>
+                </a:solidFill>
+              </a:endParaRPr>
+            </a:p>
+          </p:txBody>
+        </p:sp>
+        <p:sp>
+          <p:nvSpPr>
+            <p:cNvPr id="76" name="Rectangle 75">
+              <a:extLst>
+                <a:ext uri="{FF2B5EF4-FFF2-40B4-BE49-F238E27FC236}">
+                  <a16:creationId xmlns:a16="http://schemas.microsoft.com/office/drawing/2014/main" id="{3CBBE29A-6C2D-42ED-CA2B-2749CD31BAA6}"/>
+                </a:ext>
+              </a:extLst>
+            </p:cNvPr>
+            <p:cNvSpPr/>
+            <p:nvPr/>
+          </p:nvSpPr>
+          <p:spPr>
+            <a:xfrm>
+              <a:off x="3600000" y="2160000"/>
+              <a:ext cx="360000" cy="360000"/>
+            </a:xfrm>
+            <a:prstGeom prst="rect">
+              <a:avLst/>
+            </a:prstGeom>
+            <a:noFill/>
+            <a:ln w="3175">
+              <a:solidFill>
+                <a:schemeClr val="tx1"/>
+              </a:solidFill>
+            </a:ln>
+          </p:spPr>
+          <p:style>
+            <a:lnRef idx="2">
+              <a:schemeClr val="accent1">
+                <a:shade val="50000"/>
+              </a:schemeClr>
+            </a:lnRef>
+            <a:fillRef idx="1">
+              <a:schemeClr val="accent1"/>
+            </a:fillRef>
+            <a:effectRef idx="0">
+              <a:schemeClr val="accent1"/>
+            </a:effectRef>
+            <a:fontRef idx="minor">
+              <a:schemeClr val="lt1"/>
+            </a:fontRef>
+          </p:style>
+          <p:txBody>
+            <a:bodyPr rtlCol="0" anchor="ctr"/>
+            <a:lstStyle/>
+            <a:p>
+              <a:pPr algn="ctr"/>
+              <a:r>
+                <a:rPr lang="en-US" dirty="0">
+                  <a:solidFill>
+                    <a:schemeClr val="tx1"/>
+                  </a:solidFill>
+                </a:rPr>
+                <a:t>0</a:t>
+              </a:r>
+              <a:endParaRPr lang="en-NL" dirty="0">
+                <a:solidFill>
+                  <a:schemeClr val="tx1"/>
+                </a:solidFill>
+              </a:endParaRPr>
+            </a:p>
+          </p:txBody>
+        </p:sp>
+        <p:sp>
+          <p:nvSpPr>
+            <p:cNvPr id="77" name="Rectangle 76">
+              <a:extLst>
+                <a:ext uri="{FF2B5EF4-FFF2-40B4-BE49-F238E27FC236}">
+                  <a16:creationId xmlns:a16="http://schemas.microsoft.com/office/drawing/2014/main" id="{08388D56-5B96-39A0-EFDA-AA56B8E3A339}"/>
+                </a:ext>
+              </a:extLst>
+            </p:cNvPr>
+            <p:cNvSpPr/>
+            <p:nvPr/>
+          </p:nvSpPr>
+          <p:spPr>
+            <a:xfrm>
+              <a:off x="3600000" y="1800000"/>
+              <a:ext cx="360000" cy="360000"/>
+            </a:xfrm>
+            <a:prstGeom prst="rect">
+              <a:avLst/>
+            </a:prstGeom>
+            <a:solidFill>
+              <a:schemeClr val="tx1"/>
+            </a:solidFill>
+            <a:ln w="3175">
+              <a:solidFill>
+                <a:schemeClr val="tx1"/>
+              </a:solidFill>
+            </a:ln>
+          </p:spPr>
+          <p:style>
+            <a:lnRef idx="2">
+              <a:schemeClr val="accent1">
+                <a:shade val="50000"/>
+              </a:schemeClr>
+            </a:lnRef>
+            <a:fillRef idx="1">
+              <a:schemeClr val="accent1"/>
+            </a:fillRef>
+            <a:effectRef idx="0">
+              <a:schemeClr val="accent1"/>
+            </a:effectRef>
+            <a:fontRef idx="minor">
+              <a:schemeClr val="lt1"/>
+            </a:fontRef>
+          </p:style>
+          <p:txBody>
+            <a:bodyPr rtlCol="0" anchor="ctr"/>
+            <a:lstStyle/>
+            <a:p>
+              <a:pPr algn="ctr"/>
+              <a:r>
+                <a:rPr lang="en-US" dirty="0">
+                  <a:solidFill>
+                    <a:schemeClr val="bg1"/>
+                  </a:solidFill>
+                </a:rPr>
+                <a:t>1</a:t>
+              </a:r>
+              <a:endParaRPr lang="en-NL" dirty="0">
+                <a:solidFill>
+                  <a:schemeClr val="bg1"/>
+                </a:solidFill>
+              </a:endParaRPr>
+            </a:p>
+          </p:txBody>
+        </p:sp>
+        <p:sp>
+          <p:nvSpPr>
+            <p:cNvPr id="78" name="Rectangle 77">
+              <a:extLst>
+                <a:ext uri="{FF2B5EF4-FFF2-40B4-BE49-F238E27FC236}">
+                  <a16:creationId xmlns:a16="http://schemas.microsoft.com/office/drawing/2014/main" id="{E0969E10-5B5F-5B2C-41E1-992EB708831B}"/>
+                </a:ext>
+              </a:extLst>
+            </p:cNvPr>
+            <p:cNvSpPr/>
+            <p:nvPr/>
+          </p:nvSpPr>
+          <p:spPr>
+            <a:xfrm>
+              <a:off x="2518200" y="2520000"/>
+              <a:ext cx="360000" cy="360000"/>
+            </a:xfrm>
+            <a:prstGeom prst="rect">
+              <a:avLst/>
+            </a:prstGeom>
+            <a:solidFill>
+              <a:schemeClr val="tx1"/>
+            </a:solidFill>
+            <a:ln w="3175">
+              <a:solidFill>
+                <a:schemeClr val="tx1"/>
+              </a:solidFill>
+            </a:ln>
+          </p:spPr>
+          <p:style>
+            <a:lnRef idx="2">
+              <a:schemeClr val="accent1">
+                <a:shade val="50000"/>
+              </a:schemeClr>
+            </a:lnRef>
+            <a:fillRef idx="1">
+              <a:schemeClr val="accent1"/>
+            </a:fillRef>
+            <a:effectRef idx="0">
+              <a:schemeClr val="accent1"/>
+            </a:effectRef>
+            <a:fontRef idx="minor">
+              <a:schemeClr val="lt1"/>
+            </a:fontRef>
+          </p:style>
+          <p:txBody>
+            <a:bodyPr rtlCol="0" anchor="ctr"/>
+            <a:lstStyle/>
+            <a:p>
+              <a:pPr algn="ctr"/>
+              <a:r>
+                <a:rPr lang="en-US" dirty="0">
+                  <a:solidFill>
+                    <a:schemeClr val="bg1"/>
+                  </a:solidFill>
+                </a:rPr>
+                <a:t>1</a:t>
+              </a:r>
+              <a:endParaRPr lang="en-NL" dirty="0">
+                <a:solidFill>
+                  <a:schemeClr val="bg1"/>
+                </a:solidFill>
+              </a:endParaRPr>
+            </a:p>
+          </p:txBody>
+        </p:sp>
+        <p:sp>
+          <p:nvSpPr>
+            <p:cNvPr id="79" name="Rectangle 78">
+              <a:extLst>
+                <a:ext uri="{FF2B5EF4-FFF2-40B4-BE49-F238E27FC236}">
+                  <a16:creationId xmlns:a16="http://schemas.microsoft.com/office/drawing/2014/main" id="{E8793B21-EB50-B95F-C49E-D0A684E06555}"/>
+                </a:ext>
+              </a:extLst>
+            </p:cNvPr>
+            <p:cNvSpPr/>
+            <p:nvPr/>
+          </p:nvSpPr>
+          <p:spPr>
+            <a:xfrm>
+              <a:off x="2520000" y="1800000"/>
+              <a:ext cx="360000" cy="360000"/>
+            </a:xfrm>
+            <a:prstGeom prst="rect">
+              <a:avLst/>
+            </a:prstGeom>
+            <a:noFill/>
+            <a:ln w="3175">
+              <a:solidFill>
+                <a:schemeClr val="tx1"/>
+              </a:solidFill>
+            </a:ln>
+          </p:spPr>
+          <p:style>
+            <a:lnRef idx="2">
+              <a:schemeClr val="accent1">
+                <a:shade val="50000"/>
+              </a:schemeClr>
+            </a:lnRef>
+            <a:fillRef idx="1">
+              <a:schemeClr val="accent1"/>
+            </a:fillRef>
+            <a:effectRef idx="0">
+              <a:schemeClr val="accent1"/>
+            </a:effectRef>
+            <a:fontRef idx="minor">
+              <a:schemeClr val="lt1"/>
+            </a:fontRef>
+          </p:style>
+          <p:txBody>
+            <a:bodyPr rtlCol="0" anchor="ctr"/>
+            <a:lstStyle/>
+            <a:p>
+              <a:pPr algn="ctr"/>
+              <a:r>
+                <a:rPr lang="en-US" dirty="0">
+                  <a:solidFill>
+                    <a:schemeClr val="tx1"/>
+                  </a:solidFill>
+                </a:rPr>
+                <a:t>0</a:t>
+              </a:r>
+              <a:endParaRPr lang="en-NL" dirty="0">
+                <a:solidFill>
+                  <a:schemeClr val="tx1"/>
+                </a:solidFill>
+              </a:endParaRPr>
+            </a:p>
+          </p:txBody>
+        </p:sp>
+        <p:sp>
+          <p:nvSpPr>
+            <p:cNvPr id="80" name="Rectangle 79">
+              <a:extLst>
+                <a:ext uri="{FF2B5EF4-FFF2-40B4-BE49-F238E27FC236}">
+                  <a16:creationId xmlns:a16="http://schemas.microsoft.com/office/drawing/2014/main" id="{B639EFD7-3045-A206-50A5-6767685CA81F}"/>
+                </a:ext>
+              </a:extLst>
+            </p:cNvPr>
+            <p:cNvSpPr/>
+            <p:nvPr/>
+          </p:nvSpPr>
+          <p:spPr>
+            <a:xfrm>
+              <a:off x="2518200" y="2160000"/>
+              <a:ext cx="360000" cy="360000"/>
+            </a:xfrm>
+            <a:prstGeom prst="rect">
+              <a:avLst/>
+            </a:prstGeom>
+            <a:noFill/>
+            <a:ln w="3175">
+              <a:solidFill>
+                <a:schemeClr val="tx1"/>
+              </a:solidFill>
+            </a:ln>
+          </p:spPr>
+          <p:style>
+            <a:lnRef idx="2">
+              <a:schemeClr val="accent1">
+                <a:shade val="50000"/>
+              </a:schemeClr>
+            </a:lnRef>
+            <a:fillRef idx="1">
+              <a:schemeClr val="accent1"/>
+            </a:fillRef>
+            <a:effectRef idx="0">
+              <a:schemeClr val="accent1"/>
+            </a:effectRef>
+            <a:fontRef idx="minor">
+              <a:schemeClr val="lt1"/>
+            </a:fontRef>
+          </p:style>
+          <p:txBody>
+            <a:bodyPr rtlCol="0" anchor="ctr"/>
+            <a:lstStyle/>
+            <a:p>
+              <a:pPr algn="ctr"/>
+              <a:r>
+                <a:rPr lang="en-US" dirty="0">
+                  <a:solidFill>
+                    <a:schemeClr val="tx1"/>
+                  </a:solidFill>
+                </a:rPr>
+                <a:t>0</a:t>
+              </a:r>
+              <a:endParaRPr lang="en-NL" dirty="0">
+                <a:solidFill>
+                  <a:schemeClr val="tx1"/>
+                </a:solidFill>
+              </a:endParaRPr>
+            </a:p>
+          </p:txBody>
+        </p:sp>
+        <p:sp>
+          <p:nvSpPr>
+            <p:cNvPr id="81" name="Rectangle 80">
+              <a:extLst>
+                <a:ext uri="{FF2B5EF4-FFF2-40B4-BE49-F238E27FC236}">
+                  <a16:creationId xmlns:a16="http://schemas.microsoft.com/office/drawing/2014/main" id="{2481B4D9-A44A-C4AD-206B-5A5242646C6E}"/>
+                </a:ext>
+              </a:extLst>
+            </p:cNvPr>
+            <p:cNvSpPr/>
+            <p:nvPr/>
+          </p:nvSpPr>
+          <p:spPr>
+            <a:xfrm>
+              <a:off x="2880000" y="2160000"/>
+              <a:ext cx="360000" cy="360000"/>
+            </a:xfrm>
+            <a:prstGeom prst="rect">
+              <a:avLst/>
+            </a:prstGeom>
+            <a:noFill/>
+            <a:ln w="3175">
+              <a:solidFill>
+                <a:schemeClr val="tx1"/>
+              </a:solidFill>
+            </a:ln>
+          </p:spPr>
+          <p:style>
+            <a:lnRef idx="2">
+              <a:schemeClr val="accent1">
+                <a:shade val="50000"/>
+              </a:schemeClr>
+            </a:lnRef>
+            <a:fillRef idx="1">
+              <a:schemeClr val="accent1"/>
+            </a:fillRef>
+            <a:effectRef idx="0">
+              <a:schemeClr val="accent1"/>
+            </a:effectRef>
+            <a:fontRef idx="minor">
+              <a:schemeClr val="lt1"/>
+            </a:fontRef>
+          </p:style>
+          <p:txBody>
+            <a:bodyPr rtlCol="0" anchor="ctr"/>
+            <a:lstStyle/>
+            <a:p>
+              <a:pPr algn="ctr"/>
+              <a:r>
+                <a:rPr lang="en-US" dirty="0">
+                  <a:solidFill>
+                    <a:schemeClr val="tx1"/>
+                  </a:solidFill>
+                </a:rPr>
+                <a:t>0</a:t>
+              </a:r>
+              <a:endParaRPr lang="en-NL" dirty="0">
+                <a:solidFill>
+                  <a:schemeClr val="tx1"/>
+                </a:solidFill>
+              </a:endParaRPr>
+            </a:p>
+          </p:txBody>
+        </p:sp>
+        <p:sp>
+          <p:nvSpPr>
+            <p:cNvPr id="82" name="Rectangle 81">
+              <a:extLst>
+                <a:ext uri="{FF2B5EF4-FFF2-40B4-BE49-F238E27FC236}">
+                  <a16:creationId xmlns:a16="http://schemas.microsoft.com/office/drawing/2014/main" id="{DB75BD13-1CD9-0A31-BC9A-FDBF03974FDA}"/>
+                </a:ext>
+              </a:extLst>
+            </p:cNvPr>
+            <p:cNvSpPr/>
+            <p:nvPr/>
+          </p:nvSpPr>
+          <p:spPr>
+            <a:xfrm>
+              <a:off x="2880000" y="1800000"/>
+              <a:ext cx="360000" cy="360000"/>
+            </a:xfrm>
+            <a:prstGeom prst="rect">
+              <a:avLst/>
+            </a:prstGeom>
+            <a:noFill/>
+            <a:ln w="3175">
+              <a:solidFill>
+                <a:schemeClr val="tx1"/>
+              </a:solidFill>
+            </a:ln>
+          </p:spPr>
+          <p:style>
+            <a:lnRef idx="2">
+              <a:schemeClr val="accent1">
+                <a:shade val="50000"/>
+              </a:schemeClr>
+            </a:lnRef>
+            <a:fillRef idx="1">
+              <a:schemeClr val="accent1"/>
+            </a:fillRef>
+            <a:effectRef idx="0">
+              <a:schemeClr val="accent1"/>
+            </a:effectRef>
+            <a:fontRef idx="minor">
+              <a:schemeClr val="lt1"/>
+            </a:fontRef>
+          </p:style>
+          <p:txBody>
+            <a:bodyPr rtlCol="0" anchor="ctr"/>
+            <a:lstStyle/>
+            <a:p>
+              <a:pPr algn="ctr"/>
+              <a:r>
+                <a:rPr lang="en-US" dirty="0">
+                  <a:solidFill>
+                    <a:schemeClr val="tx1"/>
+                  </a:solidFill>
+                </a:rPr>
+                <a:t>0</a:t>
+              </a:r>
+              <a:endParaRPr lang="en-NL" dirty="0">
+                <a:solidFill>
+                  <a:schemeClr val="tx1"/>
+                </a:solidFill>
+              </a:endParaRPr>
+            </a:p>
+          </p:txBody>
+        </p:sp>
+        <p:sp>
+          <p:nvSpPr>
+            <p:cNvPr id="83" name="Rectangle 82">
+              <a:extLst>
+                <a:ext uri="{FF2B5EF4-FFF2-40B4-BE49-F238E27FC236}">
+                  <a16:creationId xmlns:a16="http://schemas.microsoft.com/office/drawing/2014/main" id="{976D20C8-3FE8-C550-D7C7-00265BDEF005}"/>
+                </a:ext>
+              </a:extLst>
+            </p:cNvPr>
+            <p:cNvSpPr/>
+            <p:nvPr/>
+          </p:nvSpPr>
+          <p:spPr>
+            <a:xfrm>
+              <a:off x="2880000" y="2520000"/>
+              <a:ext cx="360000" cy="360000"/>
+            </a:xfrm>
+            <a:prstGeom prst="rect">
+              <a:avLst/>
+            </a:prstGeom>
+            <a:solidFill>
+              <a:schemeClr val="tx1"/>
+            </a:solidFill>
+            <a:ln w="3175">
+              <a:solidFill>
+                <a:schemeClr val="tx1"/>
+              </a:solidFill>
+            </a:ln>
+          </p:spPr>
+          <p:style>
+            <a:lnRef idx="2">
+              <a:schemeClr val="accent1">
+                <a:shade val="50000"/>
+              </a:schemeClr>
+            </a:lnRef>
+            <a:fillRef idx="1">
+              <a:schemeClr val="accent1"/>
+            </a:fillRef>
+            <a:effectRef idx="0">
+              <a:schemeClr val="accent1"/>
+            </a:effectRef>
+            <a:fontRef idx="minor">
+              <a:schemeClr val="lt1"/>
+            </a:fontRef>
+          </p:style>
+          <p:txBody>
+            <a:bodyPr rtlCol="0" anchor="ctr"/>
+            <a:lstStyle/>
+            <a:p>
+              <a:pPr algn="ctr"/>
+              <a:r>
+                <a:rPr lang="en-US" dirty="0">
+                  <a:solidFill>
+                    <a:schemeClr val="bg1"/>
+                  </a:solidFill>
+                </a:rPr>
+                <a:t>1</a:t>
+              </a:r>
+              <a:endParaRPr lang="en-NL" dirty="0">
+                <a:solidFill>
+                  <a:schemeClr val="bg1"/>
+                </a:solidFill>
+              </a:endParaRPr>
+            </a:p>
+          </p:txBody>
+        </p:sp>
+        <p:sp>
+          <p:nvSpPr>
+            <p:cNvPr id="84" name="Rectangle 83">
+              <a:extLst>
+                <a:ext uri="{FF2B5EF4-FFF2-40B4-BE49-F238E27FC236}">
+                  <a16:creationId xmlns:a16="http://schemas.microsoft.com/office/drawing/2014/main" id="{2D49E421-08B4-45ED-8CD2-0C13E125C3A6}"/>
+                </a:ext>
+              </a:extLst>
+            </p:cNvPr>
+            <p:cNvSpPr/>
+            <p:nvPr/>
+          </p:nvSpPr>
+          <p:spPr>
+            <a:xfrm>
+              <a:off x="3240000" y="1800000"/>
+              <a:ext cx="360000" cy="360000"/>
+            </a:xfrm>
+            <a:prstGeom prst="rect">
+              <a:avLst/>
+            </a:prstGeom>
+            <a:noFill/>
+            <a:ln w="3175">
+              <a:solidFill>
+                <a:schemeClr val="tx1"/>
+              </a:solidFill>
+            </a:ln>
+          </p:spPr>
+          <p:style>
+            <a:lnRef idx="2">
+              <a:schemeClr val="accent1">
+                <a:shade val="50000"/>
+              </a:schemeClr>
+            </a:lnRef>
+            <a:fillRef idx="1">
+              <a:schemeClr val="accent1"/>
+            </a:fillRef>
+            <a:effectRef idx="0">
+              <a:schemeClr val="accent1"/>
+            </a:effectRef>
+            <a:fontRef idx="minor">
+              <a:schemeClr val="lt1"/>
+            </a:fontRef>
+          </p:style>
+          <p:txBody>
+            <a:bodyPr rtlCol="0" anchor="ctr"/>
+            <a:lstStyle/>
+            <a:p>
+              <a:pPr algn="ctr"/>
+              <a:r>
+                <a:rPr lang="en-US" dirty="0">
+                  <a:solidFill>
+                    <a:schemeClr val="tx1"/>
+                  </a:solidFill>
+                </a:rPr>
+                <a:t>0</a:t>
+              </a:r>
+              <a:endParaRPr lang="en-NL" dirty="0">
+                <a:solidFill>
+                  <a:schemeClr val="tx1"/>
+                </a:solidFill>
+              </a:endParaRPr>
+            </a:p>
+          </p:txBody>
+        </p:sp>
+        <p:sp>
+          <p:nvSpPr>
+            <p:cNvPr id="85" name="Rectangle 84">
+              <a:extLst>
+                <a:ext uri="{FF2B5EF4-FFF2-40B4-BE49-F238E27FC236}">
+                  <a16:creationId xmlns:a16="http://schemas.microsoft.com/office/drawing/2014/main" id="{6A99C7E9-B50C-4639-F099-4A339A4F701C}"/>
+                </a:ext>
+              </a:extLst>
+            </p:cNvPr>
+            <p:cNvSpPr/>
+            <p:nvPr/>
+          </p:nvSpPr>
+          <p:spPr>
+            <a:xfrm>
+              <a:off x="3240000" y="2160000"/>
+              <a:ext cx="360000" cy="360000"/>
+            </a:xfrm>
+            <a:prstGeom prst="rect">
+              <a:avLst/>
+            </a:prstGeom>
+            <a:solidFill>
+              <a:schemeClr val="tx1"/>
+            </a:solidFill>
+            <a:ln w="3175">
+              <a:solidFill>
+                <a:schemeClr val="tx1"/>
+              </a:solidFill>
+            </a:ln>
+          </p:spPr>
+          <p:style>
+            <a:lnRef idx="2">
+              <a:schemeClr val="accent1">
+                <a:shade val="50000"/>
+              </a:schemeClr>
+            </a:lnRef>
+            <a:fillRef idx="1">
+              <a:schemeClr val="accent1"/>
+            </a:fillRef>
+            <a:effectRef idx="0">
+              <a:schemeClr val="accent1"/>
+            </a:effectRef>
+            <a:fontRef idx="minor">
+              <a:schemeClr val="lt1"/>
+            </a:fontRef>
+          </p:style>
+          <p:txBody>
+            <a:bodyPr rtlCol="0" anchor="ctr"/>
+            <a:lstStyle/>
+            <a:p>
+              <a:pPr algn="ctr"/>
+              <a:r>
+                <a:rPr lang="en-US" dirty="0">
+                  <a:solidFill>
+                    <a:schemeClr val="bg1"/>
+                  </a:solidFill>
+                </a:rPr>
+                <a:t>1</a:t>
+              </a:r>
+              <a:endParaRPr lang="en-NL" dirty="0">
+                <a:solidFill>
+                  <a:schemeClr val="bg1"/>
+                </a:solidFill>
+              </a:endParaRPr>
+            </a:p>
+          </p:txBody>
+        </p:sp>
+        <p:sp>
+          <p:nvSpPr>
+            <p:cNvPr id="86" name="Rectangle 85">
+              <a:extLst>
+                <a:ext uri="{FF2B5EF4-FFF2-40B4-BE49-F238E27FC236}">
+                  <a16:creationId xmlns:a16="http://schemas.microsoft.com/office/drawing/2014/main" id="{0F8F8A27-229F-3B17-5AB8-BFA0F4E2273C}"/>
+                </a:ext>
+              </a:extLst>
+            </p:cNvPr>
+            <p:cNvSpPr/>
+            <p:nvPr/>
+          </p:nvSpPr>
+          <p:spPr>
+            <a:xfrm>
+              <a:off x="3240000" y="2520000"/>
+              <a:ext cx="360000" cy="360000"/>
+            </a:xfrm>
+            <a:prstGeom prst="rect">
+              <a:avLst/>
+            </a:prstGeom>
+            <a:noFill/>
+            <a:ln w="3175">
+              <a:solidFill>
+                <a:schemeClr val="tx1"/>
+              </a:solidFill>
+            </a:ln>
+          </p:spPr>
+          <p:style>
+            <a:lnRef idx="2">
+              <a:schemeClr val="accent1">
+                <a:shade val="50000"/>
+              </a:schemeClr>
+            </a:lnRef>
+            <a:fillRef idx="1">
+              <a:schemeClr val="accent1"/>
+            </a:fillRef>
+            <a:effectRef idx="0">
+              <a:schemeClr val="accent1"/>
+            </a:effectRef>
+            <a:fontRef idx="minor">
+              <a:schemeClr val="lt1"/>
+            </a:fontRef>
+          </p:style>
+          <p:txBody>
+            <a:bodyPr rtlCol="0" anchor="ctr"/>
+            <a:lstStyle/>
+            <a:p>
+              <a:pPr algn="ctr"/>
+              <a:r>
+                <a:rPr lang="en-US" dirty="0">
+                  <a:solidFill>
+                    <a:schemeClr val="tx1"/>
+                  </a:solidFill>
+                </a:rPr>
+                <a:t>0</a:t>
+              </a:r>
+              <a:endParaRPr lang="en-NL" dirty="0">
+                <a:solidFill>
+                  <a:schemeClr val="tx1"/>
+                </a:solidFill>
+              </a:endParaRPr>
+            </a:p>
+          </p:txBody>
+        </p:sp>
+      </p:grpSp>
+      <p:sp>
+        <p:nvSpPr>
+          <p:cNvPr id="87" name="Rectangle: Rounded Corners 86">
+            <a:extLst>
+              <a:ext uri="{FF2B5EF4-FFF2-40B4-BE49-F238E27FC236}">
+                <a16:creationId xmlns:a16="http://schemas.microsoft.com/office/drawing/2014/main" id="{7F1BD3BE-29D0-B274-E377-4494A60FF15E}"/>
+              </a:ext>
+            </a:extLst>
+          </p:cNvPr>
+          <p:cNvSpPr/>
+          <p:nvPr/>
+        </p:nvSpPr>
+        <p:spPr>
+          <a:xfrm>
+            <a:off x="1827932" y="812928"/>
+            <a:ext cx="1728439" cy="462198"/>
+          </a:xfrm>
+          <a:prstGeom prst="roundRect">
+            <a:avLst>
+              <a:gd name="adj" fmla="val 50000"/>
+            </a:avLst>
+          </a:prstGeom>
+          <a:solidFill>
+            <a:schemeClr val="bg1"/>
+          </a:solidFill>
+          <a:ln w="57150">
+            <a:solidFill>
+              <a:schemeClr val="tx1"/>
+            </a:solidFill>
+          </a:ln>
+        </p:spPr>
+        <p:style>
+          <a:lnRef idx="2">
+            <a:schemeClr val="accent1">
+              <a:shade val="50000"/>
+            </a:schemeClr>
+          </a:lnRef>
+          <a:fillRef idx="1">
+            <a:schemeClr val="accent1"/>
+          </a:fillRef>
+          <a:effectRef idx="0">
+            <a:schemeClr val="accent1"/>
+          </a:effectRef>
+          <a:fontRef idx="minor">
+            <a:schemeClr val="lt1"/>
+          </a:fontRef>
+        </p:style>
+        <p:txBody>
+          <a:bodyPr rtlCol="0" anchor="ctr"/>
+          <a:lstStyle/>
+          <a:p>
+            <a:pPr algn="ctr"/>
+            <a:r>
+              <a:rPr lang="en-US" altLang="zh-CN" b="1" dirty="0">
+                <a:solidFill>
+                  <a:schemeClr val="tx1"/>
+                </a:solidFill>
+              </a:rPr>
+              <a:t>Pre-processing</a:t>
+            </a:r>
+            <a:endParaRPr lang="en-NL" b="1" dirty="0">
+              <a:solidFill>
+                <a:schemeClr val="tx1"/>
+              </a:solidFill>
+            </a:endParaRPr>
+          </a:p>
+        </p:txBody>
+      </p:sp>
+      <p:sp>
+        <p:nvSpPr>
+          <p:cNvPr id="88" name="Rectangle: Rounded Corners 87">
+            <a:extLst>
+              <a:ext uri="{FF2B5EF4-FFF2-40B4-BE49-F238E27FC236}">
+                <a16:creationId xmlns:a16="http://schemas.microsoft.com/office/drawing/2014/main" id="{CD57C3B9-3EC3-7945-3581-1E90603BEAD4}"/>
+              </a:ext>
+            </a:extLst>
+          </p:cNvPr>
+          <p:cNvSpPr/>
+          <p:nvPr/>
+        </p:nvSpPr>
+        <p:spPr>
+          <a:xfrm>
+            <a:off x="3667467" y="202103"/>
+            <a:ext cx="1173781" cy="462198"/>
+          </a:xfrm>
+          <a:prstGeom prst="roundRect">
+            <a:avLst>
+              <a:gd name="adj" fmla="val 0"/>
+            </a:avLst>
+          </a:prstGeom>
+          <a:solidFill>
+            <a:schemeClr val="bg1"/>
+          </a:solidFill>
+          <a:ln w="57150">
+            <a:solidFill>
+              <a:schemeClr val="tx1"/>
+            </a:solidFill>
+          </a:ln>
+        </p:spPr>
+        <p:style>
+          <a:lnRef idx="2">
+            <a:schemeClr val="accent1">
+              <a:shade val="50000"/>
+            </a:schemeClr>
+          </a:lnRef>
+          <a:fillRef idx="1">
+            <a:schemeClr val="accent1"/>
+          </a:fillRef>
+          <a:effectRef idx="0">
+            <a:schemeClr val="accent1"/>
+          </a:effectRef>
+          <a:fontRef idx="minor">
+            <a:schemeClr val="lt1"/>
+          </a:fontRef>
+        </p:style>
+        <p:txBody>
+          <a:bodyPr rtlCol="0" anchor="ctr"/>
+          <a:lstStyle/>
+          <a:p>
+            <a:pPr algn="ctr"/>
+            <a:r>
+              <a:rPr lang="en-US" altLang="zh-CN" b="1" dirty="0">
+                <a:solidFill>
+                  <a:schemeClr val="tx1"/>
+                </a:solidFill>
+              </a:rPr>
+              <a:t>Basic</a:t>
+            </a:r>
+            <a:endParaRPr lang="en-NL" b="1" dirty="0">
+              <a:solidFill>
+                <a:schemeClr val="tx1"/>
+              </a:solidFill>
+            </a:endParaRPr>
+          </a:p>
+        </p:txBody>
+      </p:sp>
+      <p:sp>
+        <p:nvSpPr>
+          <p:cNvPr id="89" name="Rectangle: Rounded Corners 88">
+            <a:extLst>
+              <a:ext uri="{FF2B5EF4-FFF2-40B4-BE49-F238E27FC236}">
+                <a16:creationId xmlns:a16="http://schemas.microsoft.com/office/drawing/2014/main" id="{EDA72779-76D8-3413-06B6-AAC7D165C88E}"/>
+              </a:ext>
+            </a:extLst>
+          </p:cNvPr>
+          <p:cNvSpPr/>
+          <p:nvPr/>
+        </p:nvSpPr>
+        <p:spPr>
+          <a:xfrm>
+            <a:off x="3667467" y="1282103"/>
+            <a:ext cx="1196084" cy="462198"/>
+          </a:xfrm>
+          <a:prstGeom prst="roundRect">
+            <a:avLst>
+              <a:gd name="adj" fmla="val 0"/>
+            </a:avLst>
+          </a:prstGeom>
+          <a:solidFill>
+            <a:schemeClr val="bg1"/>
+          </a:solidFill>
+          <a:ln w="57150">
+            <a:solidFill>
+              <a:schemeClr val="tx1"/>
+            </a:solidFill>
+          </a:ln>
+        </p:spPr>
+        <p:style>
+          <a:lnRef idx="2">
+            <a:schemeClr val="accent1">
+              <a:shade val="50000"/>
+            </a:schemeClr>
+          </a:lnRef>
+          <a:fillRef idx="1">
+            <a:schemeClr val="accent1"/>
+          </a:fillRef>
+          <a:effectRef idx="0">
+            <a:schemeClr val="accent1"/>
+          </a:effectRef>
+          <a:fontRef idx="minor">
+            <a:schemeClr val="lt1"/>
+          </a:fontRef>
+        </p:style>
+        <p:txBody>
+          <a:bodyPr rtlCol="0" anchor="ctr"/>
+          <a:lstStyle/>
+          <a:p>
+            <a:pPr algn="ctr"/>
+            <a:r>
+              <a:rPr lang="en-US" altLang="zh-CN" b="1" dirty="0">
+                <a:solidFill>
+                  <a:schemeClr val="tx1"/>
+                </a:solidFill>
+              </a:rPr>
+              <a:t>Advances</a:t>
+            </a:r>
+            <a:endParaRPr lang="en-NL" b="1" dirty="0">
+              <a:solidFill>
+                <a:schemeClr val="tx1"/>
+              </a:solidFill>
+            </a:endParaRPr>
+          </a:p>
+        </p:txBody>
+      </p:sp>
+      <p:sp>
+        <p:nvSpPr>
+          <p:cNvPr id="92" name="Rectangle: Rounded Corners 91">
+            <a:extLst>
+              <a:ext uri="{FF2B5EF4-FFF2-40B4-BE49-F238E27FC236}">
+                <a16:creationId xmlns:a16="http://schemas.microsoft.com/office/drawing/2014/main" id="{A07D2651-6852-779B-32E1-07E08F2A6D62}"/>
+              </a:ext>
+            </a:extLst>
+          </p:cNvPr>
+          <p:cNvSpPr/>
+          <p:nvPr/>
+        </p:nvSpPr>
+        <p:spPr>
+          <a:xfrm>
+            <a:off x="5169282" y="160420"/>
+            <a:ext cx="1996311" cy="231099"/>
+          </a:xfrm>
+          <a:prstGeom prst="roundRect">
+            <a:avLst>
+              <a:gd name="adj" fmla="val 0"/>
+            </a:avLst>
+          </a:prstGeom>
+          <a:solidFill>
+            <a:schemeClr val="bg1">
+              <a:lumMod val="95000"/>
+            </a:schemeClr>
+          </a:solidFill>
+          <a:ln w="57150">
+            <a:noFill/>
+          </a:ln>
+        </p:spPr>
+        <p:style>
+          <a:lnRef idx="2">
+            <a:schemeClr val="accent1">
+              <a:shade val="50000"/>
+            </a:schemeClr>
+          </a:lnRef>
+          <a:fillRef idx="1">
+            <a:schemeClr val="accent1"/>
+          </a:fillRef>
+          <a:effectRef idx="0">
+            <a:schemeClr val="accent1"/>
+          </a:effectRef>
+          <a:fontRef idx="minor">
+            <a:schemeClr val="lt1"/>
+          </a:fontRef>
+        </p:style>
+        <p:txBody>
+          <a:bodyPr rtlCol="0" anchor="ctr"/>
+          <a:lstStyle/>
+          <a:p>
+            <a:r>
+              <a:rPr lang="es-ES" sz="1400" b="0" i="0" dirty="0" err="1">
+                <a:solidFill>
+                  <a:srgbClr val="444444"/>
+                </a:solidFill>
+                <a:effectLst/>
+                <a:latin typeface="Courier New" panose="02070309020205020404" pitchFamily="49" charset="0"/>
+              </a:rPr>
+              <a:t>img.shape</a:t>
+            </a:r>
+            <a:r>
+              <a:rPr lang="es-ES" sz="1400" b="0" i="0" dirty="0">
+                <a:solidFill>
+                  <a:srgbClr val="444444"/>
+                </a:solidFill>
+                <a:effectLst/>
+                <a:latin typeface="Courier New" panose="02070309020205020404" pitchFamily="49" charset="0"/>
+              </a:rPr>
+              <a:t> </a:t>
+            </a:r>
+            <a:r>
+              <a:rPr lang="es-ES" sz="1400" b="0" i="0" dirty="0">
+                <a:solidFill>
+                  <a:srgbClr val="888888"/>
+                </a:solidFill>
+                <a:effectLst/>
+                <a:latin typeface="Courier New" panose="02070309020205020404" pitchFamily="49" charset="0"/>
+              </a:rPr>
+              <a:t># </a:t>
+            </a:r>
+            <a:r>
+              <a:rPr lang="es-ES" sz="1400" b="0" i="0" dirty="0" err="1">
+                <a:solidFill>
+                  <a:srgbClr val="888888"/>
+                </a:solidFill>
+                <a:effectLst/>
+                <a:latin typeface="Courier New" panose="02070309020205020404" pitchFamily="49" charset="0"/>
+              </a:rPr>
+              <a:t>y,x,c</a:t>
+            </a:r>
+            <a:endParaRPr lang="en-NL" sz="1400" b="1" dirty="0">
+              <a:solidFill>
+                <a:schemeClr val="tx1"/>
+              </a:solidFill>
+            </a:endParaRPr>
+          </a:p>
+        </p:txBody>
+      </p:sp>
+      <p:sp>
+        <p:nvSpPr>
+          <p:cNvPr id="93" name="Rectangle: Rounded Corners 92">
+            <a:extLst>
+              <a:ext uri="{FF2B5EF4-FFF2-40B4-BE49-F238E27FC236}">
+                <a16:creationId xmlns:a16="http://schemas.microsoft.com/office/drawing/2014/main" id="{6D6020ED-B1B7-DD7F-5596-6392974B34C0}"/>
+              </a:ext>
+            </a:extLst>
+          </p:cNvPr>
+          <p:cNvSpPr/>
+          <p:nvPr/>
+        </p:nvSpPr>
+        <p:spPr>
+          <a:xfrm>
+            <a:off x="5169282" y="562603"/>
+            <a:ext cx="5064381" cy="462198"/>
+          </a:xfrm>
+          <a:prstGeom prst="roundRect">
+            <a:avLst>
+              <a:gd name="adj" fmla="val 12063"/>
+            </a:avLst>
+          </a:prstGeom>
+          <a:solidFill>
+            <a:schemeClr val="bg1">
+              <a:lumMod val="95000"/>
+            </a:schemeClr>
+          </a:solidFill>
+          <a:ln w="57150">
+            <a:noFill/>
+          </a:ln>
+        </p:spPr>
+        <p:style>
+          <a:lnRef idx="2">
+            <a:schemeClr val="accent1">
+              <a:shade val="50000"/>
+            </a:schemeClr>
+          </a:lnRef>
+          <a:fillRef idx="1">
+            <a:schemeClr val="accent1"/>
+          </a:fillRef>
+          <a:effectRef idx="0">
+            <a:schemeClr val="accent1"/>
+          </a:effectRef>
+          <a:fontRef idx="minor">
+            <a:schemeClr val="lt1"/>
+          </a:fontRef>
+        </p:style>
+        <p:txBody>
+          <a:bodyPr rtlCol="0" anchor="ctr"/>
+          <a:lstStyle/>
+          <a:p>
+            <a:r>
+              <a:rPr lang="en-HK" sz="1400" b="0" i="0" dirty="0" err="1">
+                <a:solidFill>
+                  <a:srgbClr val="444444"/>
+                </a:solidFill>
+                <a:effectLst/>
+                <a:latin typeface="Courier New" panose="02070309020205020404" pitchFamily="49" charset="0"/>
+              </a:rPr>
+              <a:t>img.dtype</a:t>
+            </a:r>
+            <a:r>
+              <a:rPr lang="en-HK" sz="1400" b="0" i="0" dirty="0">
+                <a:solidFill>
+                  <a:srgbClr val="444444"/>
+                </a:solidFill>
+                <a:effectLst/>
+                <a:latin typeface="Courier New" panose="02070309020205020404" pitchFamily="49" charset="0"/>
+              </a:rPr>
+              <a:t> # 8 bit, so </a:t>
+            </a:r>
+          </a:p>
+          <a:p>
+            <a:r>
+              <a:rPr lang="en-HK" sz="1400" b="0" i="0" dirty="0" err="1">
+                <a:solidFill>
+                  <a:srgbClr val="444444"/>
+                </a:solidFill>
+                <a:effectLst/>
+                <a:latin typeface="Courier New" panose="02070309020205020404" pitchFamily="49" charset="0"/>
+              </a:rPr>
+              <a:t>img</a:t>
+            </a:r>
+            <a:r>
+              <a:rPr lang="en-HK" sz="1400" b="0" i="0" dirty="0">
+                <a:solidFill>
+                  <a:srgbClr val="444444"/>
+                </a:solidFill>
+                <a:effectLst/>
+                <a:latin typeface="Courier New" panose="02070309020205020404" pitchFamily="49" charset="0"/>
+              </a:rPr>
+              <a:t>/255.0 # normalization is divided by 255.0</a:t>
+            </a:r>
+            <a:endParaRPr lang="en-NL" sz="1400" b="1" dirty="0">
+              <a:solidFill>
+                <a:schemeClr val="tx1"/>
+              </a:solidFill>
+            </a:endParaRPr>
+          </a:p>
+        </p:txBody>
+      </p:sp>
+      <p:sp>
+        <p:nvSpPr>
+          <p:cNvPr id="94" name="Rectangle: Rounded Corners 93">
+            <a:extLst>
+              <a:ext uri="{FF2B5EF4-FFF2-40B4-BE49-F238E27FC236}">
+                <a16:creationId xmlns:a16="http://schemas.microsoft.com/office/drawing/2014/main" id="{591C163B-97A7-3DE1-4DDF-F1D2609EB4AD}"/>
+              </a:ext>
+            </a:extLst>
+          </p:cNvPr>
+          <p:cNvSpPr/>
+          <p:nvPr/>
+        </p:nvSpPr>
+        <p:spPr>
+          <a:xfrm>
+            <a:off x="5169282" y="1106689"/>
+            <a:ext cx="6882031" cy="633556"/>
+          </a:xfrm>
+          <a:prstGeom prst="roundRect">
+            <a:avLst>
+              <a:gd name="adj" fmla="val 14081"/>
+            </a:avLst>
+          </a:prstGeom>
+          <a:solidFill>
+            <a:schemeClr val="bg1">
+              <a:lumMod val="95000"/>
+            </a:schemeClr>
+          </a:solidFill>
+          <a:ln w="57150">
+            <a:noFill/>
+          </a:ln>
+        </p:spPr>
+        <p:style>
+          <a:lnRef idx="2">
+            <a:schemeClr val="accent1">
+              <a:shade val="50000"/>
+            </a:schemeClr>
+          </a:lnRef>
+          <a:fillRef idx="1">
+            <a:schemeClr val="accent1"/>
+          </a:fillRef>
+          <a:effectRef idx="0">
+            <a:schemeClr val="accent1"/>
+          </a:effectRef>
+          <a:fontRef idx="minor">
+            <a:schemeClr val="lt1"/>
+          </a:fontRef>
+        </p:style>
+        <p:txBody>
+          <a:bodyPr rtlCol="0" anchor="ctr"/>
+          <a:lstStyle/>
+          <a:p>
+            <a:r>
+              <a:rPr lang="en-HK" sz="1400" b="0" i="0" dirty="0">
+                <a:solidFill>
+                  <a:srgbClr val="444444"/>
+                </a:solidFill>
+                <a:effectLst/>
+                <a:latin typeface="Courier New" panose="02070309020205020404" pitchFamily="49" charset="0"/>
+              </a:rPr>
+              <a:t># </a:t>
+            </a:r>
+            <a:r>
+              <a:rPr lang="en-HK" sz="1400" b="0" i="0" dirty="0" err="1">
+                <a:solidFill>
+                  <a:srgbClr val="444444"/>
+                </a:solidFill>
+                <a:effectLst/>
+                <a:latin typeface="Courier New" panose="02070309020205020404" pitchFamily="49" charset="0"/>
+              </a:rPr>
+              <a:t>unifiorm</a:t>
+            </a:r>
+            <a:r>
+              <a:rPr lang="en-HK" sz="1400" b="0" i="0" dirty="0">
+                <a:solidFill>
+                  <a:srgbClr val="444444"/>
+                </a:solidFill>
+                <a:effectLst/>
+                <a:latin typeface="Courier New" panose="02070309020205020404" pitchFamily="49" charset="0"/>
+              </a:rPr>
+              <a:t> input size</a:t>
+            </a:r>
+          </a:p>
+          <a:p>
+            <a:r>
+              <a:rPr lang="en-HK" sz="1400" b="0" i="0" dirty="0" err="1">
+                <a:solidFill>
+                  <a:srgbClr val="444444"/>
+                </a:solidFill>
+                <a:effectLst/>
+                <a:latin typeface="Courier New" panose="02070309020205020404" pitchFamily="49" charset="0"/>
+              </a:rPr>
+              <a:t>sklearn.io.imread</a:t>
+            </a:r>
+            <a:r>
+              <a:rPr lang="en-HK" sz="1400" b="0" i="0" dirty="0">
+                <a:solidFill>
+                  <a:srgbClr val="444444"/>
+                </a:solidFill>
+                <a:effectLst/>
+                <a:latin typeface="Courier New" panose="02070309020205020404" pitchFamily="49" charset="0"/>
+              </a:rPr>
+              <a:t>(</a:t>
+            </a:r>
+            <a:r>
+              <a:rPr lang="en-HK" sz="1400" b="0" i="0" dirty="0" err="1">
+                <a:solidFill>
+                  <a:srgbClr val="444444"/>
+                </a:solidFill>
+                <a:effectLst/>
+                <a:latin typeface="Courier New" panose="02070309020205020404" pitchFamily="49" charset="0"/>
+              </a:rPr>
+              <a:t>img_path</a:t>
+            </a:r>
+            <a:r>
+              <a:rPr lang="en-HK" sz="1400" b="0" i="0" dirty="0">
+                <a:solidFill>
+                  <a:srgbClr val="444444"/>
+                </a:solidFill>
+                <a:effectLst/>
+                <a:latin typeface="Courier New" panose="02070309020205020404" pitchFamily="49" charset="0"/>
+              </a:rPr>
+              <a:t>, </a:t>
+            </a:r>
+            <a:r>
+              <a:rPr lang="en-HK" sz="1400" b="0" i="0" dirty="0" err="1">
+                <a:solidFill>
+                  <a:srgbClr val="444444"/>
+                </a:solidFill>
+                <a:effectLst/>
+                <a:latin typeface="Courier New" panose="02070309020205020404" pitchFamily="49" charset="0"/>
+              </a:rPr>
+              <a:t>as_gray</a:t>
+            </a:r>
+            <a:r>
+              <a:rPr lang="en-HK" sz="1400" b="0" i="0" dirty="0">
+                <a:solidFill>
+                  <a:srgbClr val="444444"/>
+                </a:solidFill>
+                <a:effectLst/>
+                <a:latin typeface="Courier New" panose="02070309020205020404" pitchFamily="49" charset="0"/>
+              </a:rPr>
+              <a:t>=True)</a:t>
+            </a:r>
+          </a:p>
+          <a:p>
+            <a:r>
+              <a:rPr lang="en-HK" sz="1400" b="0" i="0" dirty="0" err="1">
+                <a:solidFill>
+                  <a:srgbClr val="444444"/>
+                </a:solidFill>
+                <a:effectLst/>
+                <a:latin typeface="Courier New" panose="02070309020205020404" pitchFamily="49" charset="0"/>
+              </a:rPr>
+              <a:t>sklearn.transform.resize</a:t>
+            </a:r>
+            <a:r>
+              <a:rPr lang="en-HK" sz="1400" b="0" i="0" dirty="0">
+                <a:solidFill>
+                  <a:srgbClr val="444444"/>
+                </a:solidFill>
+                <a:effectLst/>
+                <a:latin typeface="Courier New" panose="02070309020205020404" pitchFamily="49" charset="0"/>
+              </a:rPr>
+              <a:t>(</a:t>
+            </a:r>
+            <a:r>
+              <a:rPr lang="en-HK" sz="1400" b="0" i="0" dirty="0" err="1">
+                <a:solidFill>
+                  <a:srgbClr val="444444"/>
+                </a:solidFill>
+                <a:effectLst/>
+                <a:latin typeface="Courier New" panose="02070309020205020404" pitchFamily="49" charset="0"/>
+              </a:rPr>
+              <a:t>img</a:t>
+            </a:r>
+            <a:r>
+              <a:rPr lang="en-HK" sz="1400" b="0" i="0" dirty="0">
+                <a:solidFill>
+                  <a:srgbClr val="444444"/>
+                </a:solidFill>
+                <a:effectLst/>
+                <a:latin typeface="Courier New" panose="02070309020205020404" pitchFamily="49" charset="0"/>
+              </a:rPr>
+              <a:t>, (</a:t>
+            </a:r>
+            <a:r>
+              <a:rPr lang="en-HK" sz="1400" b="0" i="0" dirty="0" err="1">
+                <a:solidFill>
+                  <a:srgbClr val="444444"/>
+                </a:solidFill>
+                <a:effectLst/>
+                <a:latin typeface="Courier New" panose="02070309020205020404" pitchFamily="49" charset="0"/>
+              </a:rPr>
+              <a:t>resized_width</a:t>
+            </a:r>
+            <a:r>
+              <a:rPr lang="en-HK" sz="1400" b="0" i="0" dirty="0">
+                <a:solidFill>
+                  <a:srgbClr val="444444"/>
+                </a:solidFill>
+                <a:effectLst/>
+                <a:latin typeface="Courier New" panose="02070309020205020404" pitchFamily="49" charset="0"/>
+              </a:rPr>
+              <a:t>, </a:t>
+            </a:r>
+            <a:r>
+              <a:rPr lang="en-HK" sz="1400" b="0" i="0" dirty="0" err="1">
+                <a:solidFill>
+                  <a:srgbClr val="444444"/>
+                </a:solidFill>
+                <a:effectLst/>
+                <a:latin typeface="Courier New" panose="02070309020205020404" pitchFamily="49" charset="0"/>
+              </a:rPr>
+              <a:t>resized_height</a:t>
+            </a:r>
+            <a:r>
+              <a:rPr lang="en-HK" sz="1400" b="0" i="0" dirty="0">
+                <a:solidFill>
+                  <a:srgbClr val="444444"/>
+                </a:solidFill>
+                <a:effectLst/>
+                <a:latin typeface="Courier New" panose="02070309020205020404" pitchFamily="49" charset="0"/>
+              </a:rPr>
+              <a:t>))</a:t>
+            </a:r>
+            <a:endParaRPr lang="en-NL" sz="1400" b="1" dirty="0">
+              <a:solidFill>
+                <a:schemeClr val="tx1"/>
+              </a:solidFill>
+            </a:endParaRPr>
+          </a:p>
+        </p:txBody>
+      </p:sp>
+    </p:spTree>
+    <p:extLst>
+      <p:ext uri="{BB962C8B-B14F-4D97-AF65-F5344CB8AC3E}">
+        <p14:creationId xmlns:p14="http://schemas.microsoft.com/office/powerpoint/2010/main" val="131264702"/>
+      </p:ext>
+    </p:extLst>
+  </p:cSld>
+  <p:clrMapOvr>
+    <a:masterClrMapping/>
+  </p:clrMapOvr>
+</p:sld>
+</file>
+
+<file path=ppt/slides/slide7.xml><?xml version="1.0" encoding="utf-8"?>
+<p:sld xmlns:a="http://schemas.openxmlformats.org/drawingml/2006/main" xmlns:r="http://schemas.openxmlformats.org/officeDocument/2006/relationships" xmlns:p="http://schemas.openxmlformats.org/presentationml/2006/main">
+  <p:cSld>
+    <p:spTree>
+      <p:nvGrpSpPr>
+        <p:cNvPr id="1" name=""/>
+        <p:cNvGrpSpPr/>
+        <p:nvPr/>
+      </p:nvGrpSpPr>
+      <p:grpSpPr>
+        <a:xfrm>
+          <a:off x="0" y="0"/>
+          <a:ext cx="0" cy="0"/>
+          <a:chOff x="0" y="0"/>
+          <a:chExt cx="0" cy="0"/>
+        </a:xfrm>
+      </p:grpSpPr>
+      <p:sp>
+        <p:nvSpPr>
+          <p:cNvPr id="87" name="Rectangle: Rounded Corners 86">
+            <a:extLst>
+              <a:ext uri="{FF2B5EF4-FFF2-40B4-BE49-F238E27FC236}">
+                <a16:creationId xmlns:a16="http://schemas.microsoft.com/office/drawing/2014/main" id="{7F1BD3BE-29D0-B274-E377-4494A60FF15E}"/>
+              </a:ext>
+            </a:extLst>
+          </p:cNvPr>
+          <p:cNvSpPr/>
+          <p:nvPr/>
+        </p:nvSpPr>
+        <p:spPr>
+          <a:xfrm>
+            <a:off x="2397919" y="1494350"/>
+            <a:ext cx="1728439" cy="462198"/>
+          </a:xfrm>
+          <a:prstGeom prst="roundRect">
+            <a:avLst>
+              <a:gd name="adj" fmla="val 50000"/>
+            </a:avLst>
+          </a:prstGeom>
+          <a:solidFill>
+            <a:schemeClr val="bg1"/>
+          </a:solidFill>
+          <a:ln w="57150">
+            <a:solidFill>
+              <a:schemeClr val="tx1"/>
+            </a:solidFill>
+          </a:ln>
+        </p:spPr>
+        <p:style>
+          <a:lnRef idx="2">
+            <a:schemeClr val="accent1">
+              <a:shade val="50000"/>
+            </a:schemeClr>
+          </a:lnRef>
+          <a:fillRef idx="1">
+            <a:schemeClr val="accent1"/>
+          </a:fillRef>
+          <a:effectRef idx="0">
+            <a:schemeClr val="accent1"/>
+          </a:effectRef>
+          <a:fontRef idx="minor">
+            <a:schemeClr val="lt1"/>
+          </a:fontRef>
+        </p:style>
+        <p:txBody>
+          <a:bodyPr rtlCol="0" anchor="ctr"/>
+          <a:lstStyle/>
+          <a:p>
+            <a:pPr algn="ctr"/>
+            <a:r>
+              <a:rPr lang="en-US" altLang="zh-CN" b="1" dirty="0">
+                <a:solidFill>
+                  <a:schemeClr val="tx1"/>
+                </a:solidFill>
+              </a:rPr>
+              <a:t>Pre-processing</a:t>
+            </a:r>
+            <a:endParaRPr lang="en-NL" b="1" dirty="0">
+              <a:solidFill>
+                <a:schemeClr val="tx1"/>
+              </a:solidFill>
+            </a:endParaRPr>
+          </a:p>
+        </p:txBody>
+      </p:sp>
+      <p:sp>
+        <p:nvSpPr>
+          <p:cNvPr id="88" name="Rectangle: Rounded Corners 87">
+            <a:extLst>
+              <a:ext uri="{FF2B5EF4-FFF2-40B4-BE49-F238E27FC236}">
+                <a16:creationId xmlns:a16="http://schemas.microsoft.com/office/drawing/2014/main" id="{CD57C3B9-3EC3-7945-3581-1E90603BEAD4}"/>
+              </a:ext>
+            </a:extLst>
+          </p:cNvPr>
+          <p:cNvSpPr/>
+          <p:nvPr/>
+        </p:nvSpPr>
+        <p:spPr>
+          <a:xfrm>
+            <a:off x="7092583" y="1881463"/>
+            <a:ext cx="1173781" cy="462198"/>
+          </a:xfrm>
+          <a:prstGeom prst="roundRect">
+            <a:avLst>
+              <a:gd name="adj" fmla="val 0"/>
+            </a:avLst>
+          </a:prstGeom>
+          <a:solidFill>
+            <a:schemeClr val="bg1"/>
+          </a:solidFill>
+          <a:ln w="12700">
+            <a:solidFill>
+              <a:schemeClr val="tx1"/>
+            </a:solidFill>
+          </a:ln>
+        </p:spPr>
+        <p:style>
+          <a:lnRef idx="2">
+            <a:schemeClr val="accent1">
+              <a:shade val="50000"/>
+            </a:schemeClr>
+          </a:lnRef>
+          <a:fillRef idx="1">
+            <a:schemeClr val="accent1"/>
+          </a:fillRef>
+          <a:effectRef idx="0">
+            <a:schemeClr val="accent1"/>
+          </a:effectRef>
+          <a:fontRef idx="minor">
+            <a:schemeClr val="lt1"/>
+          </a:fontRef>
+        </p:style>
+        <p:txBody>
+          <a:bodyPr rtlCol="0" anchor="ctr"/>
+          <a:lstStyle/>
+          <a:p>
+            <a:pPr algn="ctr"/>
+            <a:r>
+              <a:rPr lang="en-US" altLang="zh-CN" b="1" dirty="0">
+                <a:solidFill>
+                  <a:schemeClr val="tx1"/>
+                </a:solidFill>
+              </a:rPr>
+              <a:t>Basic</a:t>
+            </a:r>
+            <a:endParaRPr lang="en-NL" b="1" dirty="0">
+              <a:solidFill>
+                <a:schemeClr val="tx1"/>
+              </a:solidFill>
+            </a:endParaRPr>
+          </a:p>
+        </p:txBody>
+      </p:sp>
+      <p:sp>
+        <p:nvSpPr>
+          <p:cNvPr id="89" name="Rectangle: Rounded Corners 88">
+            <a:extLst>
+              <a:ext uri="{FF2B5EF4-FFF2-40B4-BE49-F238E27FC236}">
+                <a16:creationId xmlns:a16="http://schemas.microsoft.com/office/drawing/2014/main" id="{EDA72779-76D8-3413-06B6-AAC7D165C88E}"/>
+              </a:ext>
+            </a:extLst>
+          </p:cNvPr>
+          <p:cNvSpPr/>
+          <p:nvPr/>
+        </p:nvSpPr>
+        <p:spPr>
+          <a:xfrm>
+            <a:off x="7070280" y="2645579"/>
+            <a:ext cx="1196084" cy="462198"/>
+          </a:xfrm>
+          <a:prstGeom prst="roundRect">
+            <a:avLst>
+              <a:gd name="adj" fmla="val 0"/>
+            </a:avLst>
+          </a:prstGeom>
+          <a:solidFill>
+            <a:schemeClr val="bg1"/>
+          </a:solidFill>
+          <a:ln w="12700">
+            <a:solidFill>
+              <a:schemeClr val="tx1"/>
+            </a:solidFill>
+          </a:ln>
+        </p:spPr>
+        <p:style>
+          <a:lnRef idx="2">
+            <a:schemeClr val="accent1">
+              <a:shade val="50000"/>
+            </a:schemeClr>
+          </a:lnRef>
+          <a:fillRef idx="1">
+            <a:schemeClr val="accent1"/>
+          </a:fillRef>
+          <a:effectRef idx="0">
+            <a:schemeClr val="accent1"/>
+          </a:effectRef>
+          <a:fontRef idx="minor">
+            <a:schemeClr val="lt1"/>
+          </a:fontRef>
+        </p:style>
+        <p:txBody>
+          <a:bodyPr rtlCol="0" anchor="ctr"/>
+          <a:lstStyle/>
+          <a:p>
+            <a:pPr algn="ctr"/>
+            <a:r>
+              <a:rPr lang="en-US" altLang="zh-CN" b="1" dirty="0">
+                <a:solidFill>
+                  <a:schemeClr val="tx1"/>
+                </a:solidFill>
+              </a:rPr>
+              <a:t>Advances</a:t>
+            </a:r>
+            <a:endParaRPr lang="en-NL" b="1" dirty="0">
+              <a:solidFill>
+                <a:schemeClr val="tx1"/>
+              </a:solidFill>
+            </a:endParaRPr>
+          </a:p>
+        </p:txBody>
+      </p:sp>
+      <p:sp>
+        <p:nvSpPr>
+          <p:cNvPr id="2" name="Rectangle: Rounded Corners 1">
+            <a:extLst>
+              <a:ext uri="{FF2B5EF4-FFF2-40B4-BE49-F238E27FC236}">
+                <a16:creationId xmlns:a16="http://schemas.microsoft.com/office/drawing/2014/main" id="{3B9D3FA5-3519-70BA-28F9-C778398B5AAD}"/>
+              </a:ext>
+            </a:extLst>
+          </p:cNvPr>
+          <p:cNvSpPr/>
+          <p:nvPr/>
+        </p:nvSpPr>
+        <p:spPr>
+          <a:xfrm>
+            <a:off x="682657" y="520608"/>
+            <a:ext cx="4041743" cy="462198"/>
+          </a:xfrm>
+          <a:prstGeom prst="roundRect">
+            <a:avLst>
+              <a:gd name="adj" fmla="val 0"/>
+            </a:avLst>
+          </a:prstGeom>
+          <a:solidFill>
+            <a:schemeClr val="bg1"/>
+          </a:solidFill>
+          <a:ln w="12700">
+            <a:solidFill>
+              <a:schemeClr val="tx1"/>
+            </a:solidFill>
+          </a:ln>
+        </p:spPr>
+        <p:style>
+          <a:lnRef idx="2">
+            <a:schemeClr val="accent1">
+              <a:shade val="50000"/>
+            </a:schemeClr>
+          </a:lnRef>
+          <a:fillRef idx="1">
+            <a:schemeClr val="accent1"/>
+          </a:fillRef>
+          <a:effectRef idx="0">
+            <a:schemeClr val="accent1"/>
+          </a:effectRef>
+          <a:fontRef idx="minor">
+            <a:schemeClr val="lt1"/>
+          </a:fontRef>
+        </p:style>
+        <p:txBody>
+          <a:bodyPr rtlCol="0" anchor="ctr"/>
+          <a:lstStyle/>
+          <a:p>
+            <a:pPr algn="ctr"/>
+            <a:r>
+              <a:rPr lang="en-US" altLang="zh-CN" b="1" dirty="0">
+                <a:solidFill>
+                  <a:schemeClr val="tx1"/>
+                </a:solidFill>
+              </a:rPr>
+              <a:t>Each Sample (one image with one label)</a:t>
+            </a:r>
+            <a:endParaRPr lang="en-NL" b="1" dirty="0">
+              <a:solidFill>
+                <a:schemeClr val="tx1"/>
+              </a:solidFill>
+            </a:endParaRPr>
+          </a:p>
+        </p:txBody>
+      </p:sp>
+      <p:sp>
+        <p:nvSpPr>
+          <p:cNvPr id="4" name="Rectangle: Rounded Corners 3">
+            <a:extLst>
+              <a:ext uri="{FF2B5EF4-FFF2-40B4-BE49-F238E27FC236}">
+                <a16:creationId xmlns:a16="http://schemas.microsoft.com/office/drawing/2014/main" id="{48D2BC3A-4EA3-CAB9-E127-0F1384255975}"/>
+              </a:ext>
+            </a:extLst>
+          </p:cNvPr>
+          <p:cNvSpPr/>
+          <p:nvPr/>
+        </p:nvSpPr>
+        <p:spPr>
+          <a:xfrm>
+            <a:off x="4501376" y="1494350"/>
+            <a:ext cx="1196084" cy="462198"/>
+          </a:xfrm>
+          <a:prstGeom prst="roundRect">
+            <a:avLst>
+              <a:gd name="adj" fmla="val 0"/>
+            </a:avLst>
+          </a:prstGeom>
+          <a:solidFill>
+            <a:schemeClr val="bg1"/>
+          </a:solidFill>
+          <a:ln w="12700">
+            <a:solidFill>
+              <a:schemeClr val="tx1"/>
+            </a:solidFill>
+          </a:ln>
+        </p:spPr>
+        <p:style>
+          <a:lnRef idx="2">
+            <a:schemeClr val="accent1">
+              <a:shade val="50000"/>
+            </a:schemeClr>
+          </a:lnRef>
+          <a:fillRef idx="1">
+            <a:schemeClr val="accent1"/>
+          </a:fillRef>
+          <a:effectRef idx="0">
+            <a:schemeClr val="accent1"/>
+          </a:effectRef>
+          <a:fontRef idx="minor">
+            <a:schemeClr val="lt1"/>
+          </a:fontRef>
+        </p:style>
+        <p:txBody>
+          <a:bodyPr rtlCol="0" anchor="ctr"/>
+          <a:lstStyle/>
+          <a:p>
+            <a:pPr algn="ctr"/>
+            <a:r>
+              <a:rPr lang="en-US" altLang="zh-CN" b="1" dirty="0">
+                <a:solidFill>
+                  <a:schemeClr val="tx1"/>
+                </a:solidFill>
+              </a:rPr>
+              <a:t>the image</a:t>
+            </a:r>
+            <a:endParaRPr lang="en-NL" b="1" dirty="0">
+              <a:solidFill>
+                <a:schemeClr val="tx1"/>
+              </a:solidFill>
+            </a:endParaRPr>
+          </a:p>
+        </p:txBody>
+      </p:sp>
+      <p:sp>
+        <p:nvSpPr>
+          <p:cNvPr id="5" name="Rectangle: Rounded Corners 4">
+            <a:extLst>
+              <a:ext uri="{FF2B5EF4-FFF2-40B4-BE49-F238E27FC236}">
+                <a16:creationId xmlns:a16="http://schemas.microsoft.com/office/drawing/2014/main" id="{AC86301C-BBDC-3805-7D8C-D6009C17259D}"/>
+              </a:ext>
+            </a:extLst>
+          </p:cNvPr>
+          <p:cNvSpPr/>
+          <p:nvPr/>
+        </p:nvSpPr>
+        <p:spPr>
+          <a:xfrm>
+            <a:off x="4501376" y="2859951"/>
+            <a:ext cx="1196084" cy="462198"/>
+          </a:xfrm>
+          <a:prstGeom prst="roundRect">
+            <a:avLst>
+              <a:gd name="adj" fmla="val 0"/>
+            </a:avLst>
+          </a:prstGeom>
+          <a:solidFill>
+            <a:schemeClr val="bg1"/>
+          </a:solidFill>
+          <a:ln w="12700">
+            <a:solidFill>
+              <a:schemeClr val="tx1"/>
+            </a:solidFill>
+          </a:ln>
+        </p:spPr>
+        <p:style>
+          <a:lnRef idx="2">
+            <a:schemeClr val="accent1">
+              <a:shade val="50000"/>
+            </a:schemeClr>
+          </a:lnRef>
+          <a:fillRef idx="1">
+            <a:schemeClr val="accent1"/>
+          </a:fillRef>
+          <a:effectRef idx="0">
+            <a:schemeClr val="accent1"/>
+          </a:effectRef>
+          <a:fontRef idx="minor">
+            <a:schemeClr val="lt1"/>
+          </a:fontRef>
+        </p:style>
+        <p:txBody>
+          <a:bodyPr rtlCol="0" anchor="ctr"/>
+          <a:lstStyle/>
+          <a:p>
+            <a:pPr algn="ctr"/>
+            <a:r>
+              <a:rPr lang="en-US" altLang="zh-CN" b="1" dirty="0">
+                <a:solidFill>
+                  <a:schemeClr val="tx1"/>
+                </a:solidFill>
+              </a:rPr>
+              <a:t>one label</a:t>
+            </a:r>
+            <a:endParaRPr lang="en-NL" b="1" dirty="0">
+              <a:solidFill>
+                <a:schemeClr val="tx1"/>
+              </a:solidFill>
+            </a:endParaRPr>
+          </a:p>
+        </p:txBody>
+      </p:sp>
+    </p:spTree>
+    <p:extLst>
+      <p:ext uri="{BB962C8B-B14F-4D97-AF65-F5344CB8AC3E}">
+        <p14:creationId xmlns:p14="http://schemas.microsoft.com/office/powerpoint/2010/main" val="2047850624"/>
+      </p:ext>
+    </p:extLst>
+  </p:cSld>
+  <p:clrMapOvr>
+    <a:masterClrMapping/>
+  </p:clrMapOvr>
+</p:sld>
+</file>
+
 <file path=ppt/theme/theme1.xml><?xml version="1.0" encoding="utf-8"?>
 <a:theme xmlns:a="http://schemas.openxmlformats.org/drawingml/2006/main" name="Office Theme">
   <a:themeElements>
